--- a/session-1/Session 1 - Replication Principles.pptx
+++ b/session-1/Session 1 - Replication Principles.pptx
@@ -5,7 +5,7 @@
     <p:sldMasterId id="2147483654" r:id="rId1"/>
   </p:sldMasterIdLst>
   <p:notesMasterIdLst>
-    <p:notesMasterId r:id="rId24"/>
+    <p:notesMasterId r:id="rId23"/>
   </p:notesMasterIdLst>
   <p:sldIdLst>
     <p:sldId id="256" r:id="rId2"/>
@@ -29,7 +29,6 @@
     <p:sldId id="319" r:id="rId20"/>
     <p:sldId id="318" r:id="rId21"/>
     <p:sldId id="285" r:id="rId22"/>
-    <p:sldId id="320" r:id="rId23"/>
   </p:sldIdLst>
   <p:sldSz cx="9144000" cy="6858000" type="screen4x3"/>
   <p:notesSz cx="7010400" cy="9236075"/>
@@ -329,151 +328,255 @@
 <file path=ppt/changesInfos/changesInfo1.xml><?xml version="1.0" encoding="utf-8"?>
 <pc:chgInfo xmlns:a="http://schemas.openxmlformats.org/drawingml/2006/main" xmlns:r="http://schemas.openxmlformats.org/officeDocument/2006/relationships" xmlns:ac="http://schemas.microsoft.com/office/drawing/2013/main/command" xmlns:pc="http://schemas.microsoft.com/office/powerpoint/2013/main/command">
   <pc:docChgLst>
-    <pc:chgData name="Ginger Lee Jacobson" userId="S::glj8018@ads.northwestern.edu::3a49910d-c358-4586-b31b-05d58406f615" providerId="AD" clId="Web-{1079E6ED-946C-8550-3B7A-BFCD13048C1F}"/>
+    <pc:chgData name="John Patrick Johnson" userId="S::jpj8711@ads.northwestern.edu::fe18dc51-e5c5-41f0-a67f-64543119935e" providerId="AD" clId="Web-{D7AC109B-9928-06B3-F1A9-53C695CCC547}"/>
     <pc:docChg chg="addSld modSld sldOrd">
-      <pc:chgData name="Ginger Lee Jacobson" userId="S::glj8018@ads.northwestern.edu::3a49910d-c358-4586-b31b-05d58406f615" providerId="AD" clId="Web-{1079E6ED-946C-8550-3B7A-BFCD13048C1F}" dt="2023-01-06T16:30:19.894" v="1109"/>
+      <pc:chgData name="John Patrick Johnson" userId="S::jpj8711@ads.northwestern.edu::fe18dc51-e5c5-41f0-a67f-64543119935e" providerId="AD" clId="Web-{D7AC109B-9928-06B3-F1A9-53C695CCC547}" dt="2022-06-14T01:05:44.237" v="408" actId="20577"/>
       <pc:docMkLst>
         <pc:docMk/>
       </pc:docMkLst>
-      <pc:sldChg chg="modSp new modNotes">
-        <pc:chgData name="Ginger Lee Jacobson" userId="S::glj8018@ads.northwestern.edu::3a49910d-c358-4586-b31b-05d58406f615" providerId="AD" clId="Web-{1079E6ED-946C-8550-3B7A-BFCD13048C1F}" dt="2023-01-05T20:46:33.335" v="59" actId="20577"/>
+      <pc:sldChg chg="addAnim delAnim modAnim">
+        <pc:chgData name="John Patrick Johnson" userId="S::jpj8711@ads.northwestern.edu::fe18dc51-e5c5-41f0-a67f-64543119935e" providerId="AD" clId="Web-{D7AC109B-9928-06B3-F1A9-53C695CCC547}" dt="2022-06-14T00:35:24.806" v="2"/>
         <pc:sldMkLst>
           <pc:docMk/>
-          <pc:sldMk cId="60139911" sldId="287"/>
+          <pc:sldMk cId="0" sldId="259"/>
+        </pc:sldMkLst>
+      </pc:sldChg>
+      <pc:sldChg chg="delAnim">
+        <pc:chgData name="John Patrick Johnson" userId="S::jpj8711@ads.northwestern.edu::fe18dc51-e5c5-41f0-a67f-64543119935e" providerId="AD" clId="Web-{D7AC109B-9928-06B3-F1A9-53C695CCC547}" dt="2022-06-14T00:35:51.135" v="3"/>
+        <pc:sldMkLst>
+          <pc:docMk/>
+          <pc:sldMk cId="0" sldId="261"/>
+        </pc:sldMkLst>
+      </pc:sldChg>
+      <pc:sldChg chg="delSp modSp">
+        <pc:chgData name="John Patrick Johnson" userId="S::jpj8711@ads.northwestern.edu::fe18dc51-e5c5-41f0-a67f-64543119935e" providerId="AD" clId="Web-{D7AC109B-9928-06B3-F1A9-53C695CCC547}" dt="2022-06-14T00:37:06.651" v="10"/>
+        <pc:sldMkLst>
+          <pc:docMk/>
+          <pc:sldMk cId="0" sldId="263"/>
+        </pc:sldMkLst>
+        <pc:spChg chg="del mod">
+          <ac:chgData name="John Patrick Johnson" userId="S::jpj8711@ads.northwestern.edu::fe18dc51-e5c5-41f0-a67f-64543119935e" providerId="AD" clId="Web-{D7AC109B-9928-06B3-F1A9-53C695CCC547}" dt="2022-06-14T00:37:06.651" v="10"/>
+          <ac:spMkLst>
+            <pc:docMk/>
+            <pc:sldMk cId="0" sldId="263"/>
+            <ac:spMk id="10" creationId="{3E33AEFA-7FEB-47C6-A551-2700C75D90D6}"/>
+          </ac:spMkLst>
+        </pc:spChg>
+      </pc:sldChg>
+      <pc:sldChg chg="delAnim">
+        <pc:chgData name="John Patrick Johnson" userId="S::jpj8711@ads.northwestern.edu::fe18dc51-e5c5-41f0-a67f-64543119935e" providerId="AD" clId="Web-{D7AC109B-9928-06B3-F1A9-53C695CCC547}" dt="2022-06-14T00:37:41.916" v="11"/>
+        <pc:sldMkLst>
+          <pc:docMk/>
+          <pc:sldMk cId="0" sldId="266"/>
+        </pc:sldMkLst>
+      </pc:sldChg>
+      <pc:sldChg chg="modSp delAnim modAnim">
+        <pc:chgData name="John Patrick Johnson" userId="S::jpj8711@ads.northwestern.edu::fe18dc51-e5c5-41f0-a67f-64543119935e" providerId="AD" clId="Web-{D7AC109B-9928-06B3-F1A9-53C695CCC547}" dt="2022-06-14T00:36:37.932" v="7"/>
+        <pc:sldMkLst>
+          <pc:docMk/>
+          <pc:sldMk cId="0" sldId="268"/>
         </pc:sldMkLst>
         <pc:spChg chg="mod">
-          <ac:chgData name="Ginger Lee Jacobson" userId="S::glj8018@ads.northwestern.edu::3a49910d-c358-4586-b31b-05d58406f615" providerId="AD" clId="Web-{1079E6ED-946C-8550-3B7A-BFCD13048C1F}" dt="2023-01-05T20:46:33.335" v="59" actId="20577"/>
-          <ac:spMkLst>
-            <pc:docMk/>
-            <pc:sldMk cId="60139911" sldId="287"/>
-            <ac:spMk id="2" creationId="{B7862AAB-75C5-01E8-7C83-F7CB14768AFA}"/>
-          </ac:spMkLst>
-        </pc:spChg>
-        <pc:spChg chg="mod">
-          <ac:chgData name="Ginger Lee Jacobson" userId="S::glj8018@ads.northwestern.edu::3a49910d-c358-4586-b31b-05d58406f615" providerId="AD" clId="Web-{1079E6ED-946C-8550-3B7A-BFCD13048C1F}" dt="2023-01-05T20:34:47.078" v="39" actId="20577"/>
-          <ac:spMkLst>
-            <pc:docMk/>
-            <pc:sldMk cId="60139911" sldId="287"/>
-            <ac:spMk id="3" creationId="{838492E3-91C7-FA09-1EED-65C4220C1E22}"/>
+          <ac:chgData name="John Patrick Johnson" userId="S::jpj8711@ads.northwestern.edu::fe18dc51-e5c5-41f0-a67f-64543119935e" providerId="AD" clId="Web-{D7AC109B-9928-06B3-F1A9-53C695CCC547}" dt="2022-06-14T00:36:27.416" v="5" actId="1076"/>
+          <ac:spMkLst>
+            <pc:docMk/>
+            <pc:sldMk cId="0" sldId="268"/>
+            <ac:spMk id="12" creationId="{7F77E056-C577-DCD6-E10F-B619C64CA4E0}"/>
           </ac:spMkLst>
         </pc:spChg>
       </pc:sldChg>
-      <pc:sldChg chg="modSp new modNotes">
-        <pc:chgData name="Ginger Lee Jacobson" userId="S::glj8018@ads.northwestern.edu::3a49910d-c358-4586-b31b-05d58406f615" providerId="AD" clId="Web-{1079E6ED-946C-8550-3B7A-BFCD13048C1F}" dt="2023-01-05T23:13:03.407" v="604"/>
+      <pc:sldChg chg="delSp modSp ord">
+        <pc:chgData name="John Patrick Johnson" userId="S::jpj8711@ads.northwestern.edu::fe18dc51-e5c5-41f0-a67f-64543119935e" providerId="AD" clId="Web-{D7AC109B-9928-06B3-F1A9-53C695CCC547}" dt="2022-06-14T00:42:31.902" v="90" actId="1076"/>
         <pc:sldMkLst>
           <pc:docMk/>
-          <pc:sldMk cId="930816888" sldId="288"/>
+          <pc:sldMk cId="837207602" sldId="282"/>
         </pc:sldMkLst>
         <pc:spChg chg="mod">
-          <ac:chgData name="Ginger Lee Jacobson" userId="S::glj8018@ads.northwestern.edu::3a49910d-c358-4586-b31b-05d58406f615" providerId="AD" clId="Web-{1079E6ED-946C-8550-3B7A-BFCD13048C1F}" dt="2023-01-05T20:48:49.136" v="75" actId="20577"/>
-          <ac:spMkLst>
-            <pc:docMk/>
-            <pc:sldMk cId="930816888" sldId="288"/>
-            <ac:spMk id="2" creationId="{7200D950-435E-FB56-2A00-6CC4F00A48DE}"/>
+          <ac:chgData name="John Patrick Johnson" userId="S::jpj8711@ads.northwestern.edu::fe18dc51-e5c5-41f0-a67f-64543119935e" providerId="AD" clId="Web-{D7AC109B-9928-06B3-F1A9-53C695CCC547}" dt="2022-06-14T00:42:31.887" v="88" actId="1076"/>
+          <ac:spMkLst>
+            <pc:docMk/>
+            <pc:sldMk cId="837207602" sldId="282"/>
+            <ac:spMk id="3" creationId="{52588039-4CD5-A745-394E-9E48A5A8FD86}"/>
           </ac:spMkLst>
         </pc:spChg>
         <pc:spChg chg="mod">
-          <ac:chgData name="Ginger Lee Jacobson" userId="S::glj8018@ads.northwestern.edu::3a49910d-c358-4586-b31b-05d58406f615" providerId="AD" clId="Web-{1079E6ED-946C-8550-3B7A-BFCD13048C1F}" dt="2023-01-05T23:03:22.422" v="425" actId="20577"/>
-          <ac:spMkLst>
-            <pc:docMk/>
-            <pc:sldMk cId="930816888" sldId="288"/>
-            <ac:spMk id="3" creationId="{8C3CD767-BA56-33DE-19FB-D9CC2C48F430}"/>
+          <ac:chgData name="John Patrick Johnson" userId="S::jpj8711@ads.northwestern.edu::fe18dc51-e5c5-41f0-a67f-64543119935e" providerId="AD" clId="Web-{D7AC109B-9928-06B3-F1A9-53C695CCC547}" dt="2022-06-14T00:42:31.902" v="89" actId="1076"/>
+          <ac:spMkLst>
+            <pc:docMk/>
+            <pc:sldMk cId="837207602" sldId="282"/>
+            <ac:spMk id="9" creationId="{62565879-8A2E-EBF5-A9DD-54B47D47CBC4}"/>
+          </ac:spMkLst>
+        </pc:spChg>
+        <pc:spChg chg="mod">
+          <ac:chgData name="John Patrick Johnson" userId="S::jpj8711@ads.northwestern.edu::fe18dc51-e5c5-41f0-a67f-64543119935e" providerId="AD" clId="Web-{D7AC109B-9928-06B3-F1A9-53C695CCC547}" dt="2022-06-14T00:42:31.902" v="90" actId="1076"/>
+          <ac:spMkLst>
+            <pc:docMk/>
+            <pc:sldMk cId="837207602" sldId="282"/>
+            <ac:spMk id="10" creationId="{296C0996-A7E3-346C-DB01-05F03B03BF90}"/>
+          </ac:spMkLst>
+        </pc:spChg>
+        <pc:spChg chg="del">
+          <ac:chgData name="John Patrick Johnson" userId="S::jpj8711@ads.northwestern.edu::fe18dc51-e5c5-41f0-a67f-64543119935e" providerId="AD" clId="Web-{D7AC109B-9928-06B3-F1A9-53C695CCC547}" dt="2022-06-14T00:39:19.151" v="34"/>
+          <ac:spMkLst>
+            <pc:docMk/>
+            <pc:sldMk cId="837207602" sldId="282"/>
+            <ac:spMk id="11" creationId="{A1339F41-7577-E7F6-8916-A0D3053CEEEE}"/>
+          </ac:spMkLst>
+        </pc:spChg>
+        <pc:spChg chg="del">
+          <ac:chgData name="John Patrick Johnson" userId="S::jpj8711@ads.northwestern.edu::fe18dc51-e5c5-41f0-a67f-64543119935e" providerId="AD" clId="Web-{D7AC109B-9928-06B3-F1A9-53C695CCC547}" dt="2022-06-14T00:39:22.026" v="35"/>
+          <ac:spMkLst>
+            <pc:docMk/>
+            <pc:sldMk cId="837207602" sldId="282"/>
+            <ac:spMk id="12" creationId="{B195C3E0-8603-751F-CEC4-E67817945A60}"/>
+          </ac:spMkLst>
+        </pc:spChg>
+        <pc:spChg chg="del">
+          <ac:chgData name="John Patrick Johnson" userId="S::jpj8711@ads.northwestern.edu::fe18dc51-e5c5-41f0-a67f-64543119935e" providerId="AD" clId="Web-{D7AC109B-9928-06B3-F1A9-53C695CCC547}" dt="2022-06-14T00:39:25.276" v="36"/>
+          <ac:spMkLst>
+            <pc:docMk/>
+            <pc:sldMk cId="837207602" sldId="282"/>
+            <ac:spMk id="13" creationId="{4C380D0C-F3C0-6BCB-683A-D06B15F59CA7}"/>
+          </ac:spMkLst>
+        </pc:spChg>
+        <pc:spChg chg="mod">
+          <ac:chgData name="John Patrick Johnson" userId="S::jpj8711@ads.northwestern.edu::fe18dc51-e5c5-41f0-a67f-64543119935e" providerId="AD" clId="Web-{D7AC109B-9928-06B3-F1A9-53C695CCC547}" dt="2022-06-14T00:38:31.667" v="16" actId="20577"/>
+          <ac:spMkLst>
+            <pc:docMk/>
+            <pc:sldMk cId="837207602" sldId="282"/>
+            <ac:spMk id="250" creationId="{00000000-0000-0000-0000-000000000000}"/>
           </ac:spMkLst>
         </pc:spChg>
       </pc:sldChg>
-      <pc:sldChg chg="addSp modSp new modNotes">
-        <pc:chgData name="Ginger Lee Jacobson" userId="S::glj8018@ads.northwestern.edu::3a49910d-c358-4586-b31b-05d58406f615" providerId="AD" clId="Web-{1079E6ED-946C-8550-3B7A-BFCD13048C1F}" dt="2023-01-05T23:39:05.280" v="981" actId="1076"/>
+      <pc:sldChg chg="add replId">
+        <pc:chgData name="John Patrick Johnson" userId="S::jpj8711@ads.northwestern.edu::fe18dc51-e5c5-41f0-a67f-64543119935e" providerId="AD" clId="Web-{D7AC109B-9928-06B3-F1A9-53C695CCC547}" dt="2022-06-14T00:38:09.573" v="12"/>
+        <pc:sldMkLst>
+          <pc:docMk/>
+          <pc:sldMk cId="2491928269" sldId="283"/>
+        </pc:sldMkLst>
+      </pc:sldChg>
+      <pc:sldChg chg="modSp add ord replId">
+        <pc:chgData name="John Patrick Johnson" userId="S::jpj8711@ads.northwestern.edu::fe18dc51-e5c5-41f0-a67f-64543119935e" providerId="AD" clId="Web-{D7AC109B-9928-06B3-F1A9-53C695CCC547}" dt="2022-06-14T01:05:44.237" v="408" actId="20577"/>
+        <pc:sldMkLst>
+          <pc:docMk/>
+          <pc:sldMk cId="679406833" sldId="284"/>
+        </pc:sldMkLst>
+        <pc:spChg chg="mod">
+          <ac:chgData name="John Patrick Johnson" userId="S::jpj8711@ads.northwestern.edu::fe18dc51-e5c5-41f0-a67f-64543119935e" providerId="AD" clId="Web-{D7AC109B-9928-06B3-F1A9-53C695CCC547}" dt="2022-06-14T01:05:35.471" v="404" actId="20577"/>
+          <ac:spMkLst>
+            <pc:docMk/>
+            <pc:sldMk cId="679406833" sldId="284"/>
+            <ac:spMk id="250" creationId="{00000000-0000-0000-0000-000000000000}"/>
+          </ac:spMkLst>
+        </pc:spChg>
+        <pc:spChg chg="mod">
+          <ac:chgData name="John Patrick Johnson" userId="S::jpj8711@ads.northwestern.edu::fe18dc51-e5c5-41f0-a67f-64543119935e" providerId="AD" clId="Web-{D7AC109B-9928-06B3-F1A9-53C695CCC547}" dt="2022-06-14T01:05:44.237" v="408" actId="20577"/>
+          <ac:spMkLst>
+            <pc:docMk/>
+            <pc:sldMk cId="679406833" sldId="284"/>
+            <ac:spMk id="253" creationId="{00000000-0000-0000-0000-000000000000}"/>
+          </ac:spMkLst>
+        </pc:spChg>
+      </pc:sldChg>
+    </pc:docChg>
+  </pc:docChgLst>
+  <pc:docChgLst>
+    <pc:chgData name="Ginger Lee Jacobson" userId="S::glj8018@ads.northwestern.edu::3a49910d-c358-4586-b31b-05d58406f615" providerId="AD" clId="Web-{E628F8E8-3B2C-D39A-E93B-CEA5452B556E}"/>
+    <pc:docChg chg="modSld sldOrd">
+      <pc:chgData name="Ginger Lee Jacobson" userId="S::glj8018@ads.northwestern.edu::3a49910d-c358-4586-b31b-05d58406f615" providerId="AD" clId="Web-{E628F8E8-3B2C-D39A-E93B-CEA5452B556E}" dt="2023-01-11T18:34:43.784" v="575" actId="20577"/>
+      <pc:docMkLst>
+        <pc:docMk/>
+      </pc:docMkLst>
+      <pc:sldChg chg="modNotes">
+        <pc:chgData name="Ginger Lee Jacobson" userId="S::glj8018@ads.northwestern.edu::3a49910d-c358-4586-b31b-05d58406f615" providerId="AD" clId="Web-{E628F8E8-3B2C-D39A-E93B-CEA5452B556E}" dt="2023-01-11T17:59:57.243" v="305"/>
         <pc:sldMkLst>
           <pc:docMk/>
           <pc:sldMk cId="1467023248" sldId="289"/>
         </pc:sldMkLst>
-        <pc:spChg chg="mod">
-          <ac:chgData name="Ginger Lee Jacobson" userId="S::glj8018@ads.northwestern.edu::3a49910d-c358-4586-b31b-05d58406f615" providerId="AD" clId="Web-{1079E6ED-946C-8550-3B7A-BFCD13048C1F}" dt="2023-01-05T20:48:45.386" v="74" actId="20577"/>
-          <ac:spMkLst>
-            <pc:docMk/>
-            <pc:sldMk cId="1467023248" sldId="289"/>
-            <ac:spMk id="2" creationId="{5BBB0CF6-0E80-6BFD-5D19-EAD971B17967}"/>
-          </ac:spMkLst>
-        </pc:spChg>
-        <pc:spChg chg="mod">
-          <ac:chgData name="Ginger Lee Jacobson" userId="S::glj8018@ads.northwestern.edu::3a49910d-c358-4586-b31b-05d58406f615" providerId="AD" clId="Web-{1079E6ED-946C-8550-3B7A-BFCD13048C1F}" dt="2023-01-05T23:39:04.155" v="980" actId="20577"/>
-          <ac:spMkLst>
-            <pc:docMk/>
-            <pc:sldMk cId="1467023248" sldId="289"/>
-            <ac:spMk id="3" creationId="{E734A82D-A943-360B-0A2E-BBD555F97DAF}"/>
-          </ac:spMkLst>
-        </pc:spChg>
-        <pc:picChg chg="add mod">
-          <ac:chgData name="Ginger Lee Jacobson" userId="S::glj8018@ads.northwestern.edu::3a49910d-c358-4586-b31b-05d58406f615" providerId="AD" clId="Web-{1079E6ED-946C-8550-3B7A-BFCD13048C1F}" dt="2023-01-05T23:39:05.280" v="981" actId="1076"/>
-          <ac:picMkLst>
-            <pc:docMk/>
-            <pc:sldMk cId="1467023248" sldId="289"/>
-            <ac:picMk id="6" creationId="{D6008855-D028-2C32-B4D0-7F98676662F6}"/>
-          </ac:picMkLst>
-        </pc:picChg>
       </pc:sldChg>
-      <pc:sldChg chg="modSp new">
-        <pc:chgData name="Ginger Lee Jacobson" userId="S::glj8018@ads.northwestern.edu::3a49910d-c358-4586-b31b-05d58406f615" providerId="AD" clId="Web-{1079E6ED-946C-8550-3B7A-BFCD13048C1F}" dt="2023-01-05T20:59:33" v="215" actId="20577"/>
+      <pc:sldChg chg="modNotes">
+        <pc:chgData name="Ginger Lee Jacobson" userId="S::glj8018@ads.northwestern.edu::3a49910d-c358-4586-b31b-05d58406f615" providerId="AD" clId="Web-{E628F8E8-3B2C-D39A-E93B-CEA5452B556E}" dt="2023-01-11T18:23:59.572" v="441"/>
         <pc:sldMkLst>
           <pc:docMk/>
-          <pc:sldMk cId="4100909272" sldId="290"/>
+          <pc:sldMk cId="922581880" sldId="292"/>
+        </pc:sldMkLst>
+      </pc:sldChg>
+      <pc:sldChg chg="modSp ord modNotes">
+        <pc:chgData name="Ginger Lee Jacobson" userId="S::glj8018@ads.northwestern.edu::3a49910d-c358-4586-b31b-05d58406f615" providerId="AD" clId="Web-{E628F8E8-3B2C-D39A-E93B-CEA5452B556E}" dt="2023-01-11T18:33:08.246" v="548"/>
+        <pc:sldMkLst>
+          <pc:docMk/>
+          <pc:sldMk cId="1680070822" sldId="293"/>
         </pc:sldMkLst>
         <pc:spChg chg="mod">
-          <ac:chgData name="Ginger Lee Jacobson" userId="S::glj8018@ads.northwestern.edu::3a49910d-c358-4586-b31b-05d58406f615" providerId="AD" clId="Web-{1079E6ED-946C-8550-3B7A-BFCD13048C1F}" dt="2023-01-05T20:59:33" v="215" actId="20577"/>
-          <ac:spMkLst>
-            <pc:docMk/>
-            <pc:sldMk cId="4100909272" sldId="290"/>
-            <ac:spMk id="2" creationId="{0E307C9A-3C79-3909-9037-BA0311C4E5FC}"/>
-          </ac:spMkLst>
-        </pc:spChg>
-        <pc:spChg chg="mod">
-          <ac:chgData name="Ginger Lee Jacobson" userId="S::glj8018@ads.northwestern.edu::3a49910d-c358-4586-b31b-05d58406f615" providerId="AD" clId="Web-{1079E6ED-946C-8550-3B7A-BFCD13048C1F}" dt="2023-01-05T20:59:26.938" v="211" actId="20577"/>
-          <ac:spMkLst>
-            <pc:docMk/>
-            <pc:sldMk cId="4100909272" sldId="290"/>
-            <ac:spMk id="3" creationId="{22E119E0-FC75-671C-AEA4-1161320CAC7A}"/>
+          <ac:chgData name="Ginger Lee Jacobson" userId="S::glj8018@ads.northwestern.edu::3a49910d-c358-4586-b31b-05d58406f615" providerId="AD" clId="Web-{E628F8E8-3B2C-D39A-E93B-CEA5452B556E}" dt="2023-01-11T18:30:39.143" v="539" actId="20577"/>
+          <ac:spMkLst>
+            <pc:docMk/>
+            <pc:sldMk cId="1680070822" sldId="293"/>
+            <ac:spMk id="3" creationId="{72BA3BD0-066D-3791-B32E-795ACC0C3316}"/>
           </ac:spMkLst>
         </pc:spChg>
       </pc:sldChg>
-      <pc:sldChg chg="modSp new ord modNotes">
-        <pc:chgData name="Ginger Lee Jacobson" userId="S::glj8018@ads.northwestern.edu::3a49910d-c358-4586-b31b-05d58406f615" providerId="AD" clId="Web-{1079E6ED-946C-8550-3B7A-BFCD13048C1F}" dt="2023-01-05T23:43:13.630" v="1004" actId="20577"/>
+      <pc:sldChg chg="modNotes">
+        <pc:chgData name="Ginger Lee Jacobson" userId="S::glj8018@ads.northwestern.edu::3a49910d-c358-4586-b31b-05d58406f615" providerId="AD" clId="Web-{E628F8E8-3B2C-D39A-E93B-CEA5452B556E}" dt="2023-01-11T18:26:32.566" v="445"/>
         <pc:sldMkLst>
           <pc:docMk/>
-          <pc:sldMk cId="2952596098" sldId="291"/>
+          <pc:sldMk cId="1158116147" sldId="299"/>
+        </pc:sldMkLst>
+      </pc:sldChg>
+      <pc:sldChg chg="modSp">
+        <pc:chgData name="Ginger Lee Jacobson" userId="S::glj8018@ads.northwestern.edu::3a49910d-c358-4586-b31b-05d58406f615" providerId="AD" clId="Web-{E628F8E8-3B2C-D39A-E93B-CEA5452B556E}" dt="2023-01-11T18:34:43.784" v="575" actId="20577"/>
+        <pc:sldMkLst>
+          <pc:docMk/>
+          <pc:sldMk cId="231020705" sldId="305"/>
         </pc:sldMkLst>
         <pc:spChg chg="mod">
-          <ac:chgData name="Ginger Lee Jacobson" userId="S::glj8018@ads.northwestern.edu::3a49910d-c358-4586-b31b-05d58406f615" providerId="AD" clId="Web-{1079E6ED-946C-8550-3B7A-BFCD13048C1F}" dt="2023-01-05T23:43:13.630" v="1004" actId="20577"/>
-          <ac:spMkLst>
-            <pc:docMk/>
-            <pc:sldMk cId="2952596098" sldId="291"/>
-            <ac:spMk id="2" creationId="{AD4E5853-F924-21C4-C29C-D9916598A4A0}"/>
-          </ac:spMkLst>
-        </pc:spChg>
+          <ac:chgData name="Ginger Lee Jacobson" userId="S::glj8018@ads.northwestern.edu::3a49910d-c358-4586-b31b-05d58406f615" providerId="AD" clId="Web-{E628F8E8-3B2C-D39A-E93B-CEA5452B556E}" dt="2023-01-11T18:34:43.784" v="575" actId="20577"/>
+          <ac:spMkLst>
+            <pc:docMk/>
+            <pc:sldMk cId="231020705" sldId="305"/>
+            <ac:spMk id="2" creationId="{AC02EA40-F70B-4369-0979-BCE87BA9D872}"/>
+          </ac:spMkLst>
+        </pc:spChg>
+      </pc:sldChg>
+      <pc:sldChg chg="modSp modNotes">
+        <pc:chgData name="Ginger Lee Jacobson" userId="S::glj8018@ads.northwestern.edu::3a49910d-c358-4586-b31b-05d58406f615" providerId="AD" clId="Web-{E628F8E8-3B2C-D39A-E93B-CEA5452B556E}" dt="2023-01-11T18:33:57.015" v="574"/>
+        <pc:sldMkLst>
+          <pc:docMk/>
+          <pc:sldMk cId="3086748698" sldId="306"/>
+        </pc:sldMkLst>
         <pc:spChg chg="mod">
-          <ac:chgData name="Ginger Lee Jacobson" userId="S::glj8018@ads.northwestern.edu::3a49910d-c358-4586-b31b-05d58406f615" providerId="AD" clId="Web-{1079E6ED-946C-8550-3B7A-BFCD13048C1F}" dt="2023-01-05T23:23:47.019" v="725" actId="20577"/>
-          <ac:spMkLst>
-            <pc:docMk/>
-            <pc:sldMk cId="2952596098" sldId="291"/>
-            <ac:spMk id="3" creationId="{A23D405E-2187-AECB-762D-F922072790B6}"/>
+          <ac:chgData name="Ginger Lee Jacobson" userId="S::glj8018@ads.northwestern.edu::3a49910d-c358-4586-b31b-05d58406f615" providerId="AD" clId="Web-{E628F8E8-3B2C-D39A-E93B-CEA5452B556E}" dt="2023-01-11T18:27:12.724" v="485" actId="20577"/>
+          <ac:spMkLst>
+            <pc:docMk/>
+            <pc:sldMk cId="3086748698" sldId="306"/>
+            <ac:spMk id="2" creationId="{FA50B57B-38D5-1976-E317-D398317F2D86}"/>
           </ac:spMkLst>
         </pc:spChg>
       </pc:sldChg>
-      <pc:sldChg chg="modSp new ord modNotes">
-        <pc:chgData name="Ginger Lee Jacobson" userId="S::glj8018@ads.northwestern.edu::3a49910d-c358-4586-b31b-05d58406f615" providerId="AD" clId="Web-{1079E6ED-946C-8550-3B7A-BFCD13048C1F}" dt="2023-01-06T16:26:05.825" v="1104" actId="20577"/>
+      <pc:sldChg chg="modNotes">
+        <pc:chgData name="Ginger Lee Jacobson" userId="S::glj8018@ads.northwestern.edu::3a49910d-c358-4586-b31b-05d58406f615" providerId="AD" clId="Web-{E628F8E8-3B2C-D39A-E93B-CEA5452B556E}" dt="2023-01-11T18:26:46.566" v="481"/>
+        <pc:sldMkLst>
+          <pc:docMk/>
+          <pc:sldMk cId="1606653251" sldId="307"/>
+        </pc:sldMkLst>
+      </pc:sldChg>
+    </pc:docChg>
+  </pc:docChgLst>
+  <pc:docChgLst>
+    <pc:chgData name="Ginger Lee Jacobson" userId="S::glj8018@ads.northwestern.edu::3a49910d-c358-4586-b31b-05d58406f615" providerId="AD" clId="Web-{408686E2-2733-9AEC-07CB-C4BA5B3B6039}"/>
+    <pc:docChg chg="addSld modSld sldOrd">
+      <pc:chgData name="Ginger Lee Jacobson" userId="S::glj8018@ads.northwestern.edu::3a49910d-c358-4586-b31b-05d58406f615" providerId="AD" clId="Web-{408686E2-2733-9AEC-07CB-C4BA5B3B6039}" dt="2023-01-08T23:55:21.086" v="655"/>
+      <pc:docMkLst>
+        <pc:docMk/>
+      </pc:docMkLst>
+      <pc:sldChg chg="modSp modNotes">
+        <pc:chgData name="Ginger Lee Jacobson" userId="S::glj8018@ads.northwestern.edu::3a49910d-c358-4586-b31b-05d58406f615" providerId="AD" clId="Web-{408686E2-2733-9AEC-07CB-C4BA5B3B6039}" dt="2023-01-08T23:38:16.876" v="487"/>
         <pc:sldMkLst>
           <pc:docMk/>
           <pc:sldMk cId="922581880" sldId="292"/>
         </pc:sldMkLst>
         <pc:spChg chg="mod">
-          <ac:chgData name="Ginger Lee Jacobson" userId="S::glj8018@ads.northwestern.edu::3a49910d-c358-4586-b31b-05d58406f615" providerId="AD" clId="Web-{1079E6ED-946C-8550-3B7A-BFCD13048C1F}" dt="2023-01-06T16:26:05.825" v="1104" actId="20577"/>
-          <ac:spMkLst>
-            <pc:docMk/>
-            <pc:sldMk cId="922581880" sldId="292"/>
-            <ac:spMk id="2" creationId="{DA3DF1E6-8B5B-523B-4C80-6325DEBFAA77}"/>
-          </ac:spMkLst>
-        </pc:spChg>
-        <pc:spChg chg="mod">
-          <ac:chgData name="Ginger Lee Jacobson" userId="S::glj8018@ads.northwestern.edu::3a49910d-c358-4586-b31b-05d58406f615" providerId="AD" clId="Web-{1079E6ED-946C-8550-3B7A-BFCD13048C1F}" dt="2023-01-05T23:43:41.241" v="1010" actId="20577"/>
+          <ac:chgData name="Ginger Lee Jacobson" userId="S::glj8018@ads.northwestern.edu::3a49910d-c358-4586-b31b-05d58406f615" providerId="AD" clId="Web-{408686E2-2733-9AEC-07CB-C4BA5B3B6039}" dt="2023-01-08T23:34:10.178" v="418" actId="20577"/>
           <ac:spMkLst>
             <pc:docMk/>
             <pc:sldMk cId="922581880" sldId="292"/>
@@ -481,56 +584,198 @@
           </ac:spMkLst>
         </pc:spChg>
       </pc:sldChg>
-      <pc:sldChg chg="modSp new modNotes">
-        <pc:chgData name="Ginger Lee Jacobson" userId="S::glj8018@ads.northwestern.edu::3a49910d-c358-4586-b31b-05d58406f615" providerId="AD" clId="Web-{1079E6ED-946C-8550-3B7A-BFCD13048C1F}" dt="2023-01-06T16:26:54.295" v="1107"/>
+      <pc:sldChg chg="modSp modNotes">
+        <pc:chgData name="Ginger Lee Jacobson" userId="S::glj8018@ads.northwestern.edu::3a49910d-c358-4586-b31b-05d58406f615" providerId="AD" clId="Web-{408686E2-2733-9AEC-07CB-C4BA5B3B6039}" dt="2023-01-08T23:18:35.112" v="100" actId="20577"/>
         <pc:sldMkLst>
           <pc:docMk/>
           <pc:sldMk cId="1680070822" sldId="293"/>
         </pc:sldMkLst>
         <pc:spChg chg="mod">
-          <ac:chgData name="Ginger Lee Jacobson" userId="S::glj8018@ads.northwestern.edu::3a49910d-c358-4586-b31b-05d58406f615" providerId="AD" clId="Web-{1079E6ED-946C-8550-3B7A-BFCD13048C1F}" dt="2023-01-05T23:46:44.793" v="1028" actId="20577"/>
+          <ac:chgData name="Ginger Lee Jacobson" userId="S::glj8018@ads.northwestern.edu::3a49910d-c358-4586-b31b-05d58406f615" providerId="AD" clId="Web-{408686E2-2733-9AEC-07CB-C4BA5B3B6039}" dt="2023-01-08T23:18:35.112" v="100" actId="20577"/>
           <ac:spMkLst>
             <pc:docMk/>
             <pc:sldMk cId="1680070822" sldId="293"/>
-            <ac:spMk id="2" creationId="{BCF1C5FD-211D-851F-EC21-4061E73B4C38}"/>
+            <ac:spMk id="3" creationId="{72BA3BD0-066D-3791-B32E-795ACC0C3316}"/>
           </ac:spMkLst>
         </pc:spChg>
       </pc:sldChg>
-      <pc:sldChg chg="modSp new modNotes">
-        <pc:chgData name="Ginger Lee Jacobson" userId="S::glj8018@ads.northwestern.edu::3a49910d-c358-4586-b31b-05d58406f615" providerId="AD" clId="Web-{1079E6ED-946C-8550-3B7A-BFCD13048C1F}" dt="2023-01-06T16:30:19.894" v="1109"/>
+      <pc:sldChg chg="addSp modSp modNotes">
+        <pc:chgData name="Ginger Lee Jacobson" userId="S::glj8018@ads.northwestern.edu::3a49910d-c358-4586-b31b-05d58406f615" providerId="AD" clId="Web-{408686E2-2733-9AEC-07CB-C4BA5B3B6039}" dt="2023-01-08T23:55:21.086" v="655"/>
         <pc:sldMkLst>
           <pc:docMk/>
           <pc:sldMk cId="2221694099" sldId="294"/>
         </pc:sldMkLst>
         <pc:spChg chg="mod">
-          <ac:chgData name="Ginger Lee Jacobson" userId="S::glj8018@ads.northwestern.edu::3a49910d-c358-4586-b31b-05d58406f615" providerId="AD" clId="Web-{1079E6ED-946C-8550-3B7A-BFCD13048C1F}" dt="2023-01-05T23:46:51.090" v="1034" actId="20577"/>
+          <ac:chgData name="Ginger Lee Jacobson" userId="S::glj8018@ads.northwestern.edu::3a49910d-c358-4586-b31b-05d58406f615" providerId="AD" clId="Web-{408686E2-2733-9AEC-07CB-C4BA5B3B6039}" dt="2023-01-06T21:55:47.070" v="16" actId="20577"/>
           <ac:spMkLst>
             <pc:docMk/>
             <pc:sldMk cId="2221694099" sldId="294"/>
-            <ac:spMk id="2" creationId="{340AD146-D37B-02AD-DF21-4AEAF6920870}"/>
-          </ac:spMkLst>
-        </pc:spChg>
+            <ac:spMk id="3" creationId="{CF76AAE2-66F4-B3FE-C0AA-1E7B887F59DB}"/>
+          </ac:spMkLst>
+        </pc:spChg>
+        <pc:picChg chg="add mod">
+          <ac:chgData name="Ginger Lee Jacobson" userId="S::glj8018@ads.northwestern.edu::3a49910d-c358-4586-b31b-05d58406f615" providerId="AD" clId="Web-{408686E2-2733-9AEC-07CB-C4BA5B3B6039}" dt="2023-01-06T21:56:17.742" v="22" actId="1076"/>
+          <ac:picMkLst>
+            <pc:docMk/>
+            <pc:sldMk cId="2221694099" sldId="294"/>
+            <ac:picMk id="6" creationId="{C47F68B0-D9C6-A308-5968-4617FDAD709E}"/>
+          </ac:picMkLst>
+        </pc:picChg>
       </pc:sldChg>
-      <pc:sldChg chg="modSp new">
-        <pc:chgData name="Ginger Lee Jacobson" userId="S::glj8018@ads.northwestern.edu::3a49910d-c358-4586-b31b-05d58406f615" providerId="AD" clId="Web-{1079E6ED-946C-8550-3B7A-BFCD13048C1F}" dt="2023-01-05T23:50:27.393" v="1087" actId="20577"/>
+      <pc:sldChg chg="modSp modNotes">
+        <pc:chgData name="Ginger Lee Jacobson" userId="S::glj8018@ads.northwestern.edu::3a49910d-c358-4586-b31b-05d58406f615" providerId="AD" clId="Web-{408686E2-2733-9AEC-07CB-C4BA5B3B6039}" dt="2023-01-08T23:53:46.176" v="636" actId="20577"/>
         <pc:sldMkLst>
           <pc:docMk/>
           <pc:sldMk cId="2441557156" sldId="295"/>
         </pc:sldMkLst>
         <pc:spChg chg="mod">
-          <ac:chgData name="Ginger Lee Jacobson" userId="S::glj8018@ads.northwestern.edu::3a49910d-c358-4586-b31b-05d58406f615" providerId="AD" clId="Web-{1079E6ED-946C-8550-3B7A-BFCD13048C1F}" dt="2023-01-05T23:50:27.393" v="1087" actId="20577"/>
-          <ac:spMkLst>
-            <pc:docMk/>
-            <pc:sldMk cId="2441557156" sldId="295"/>
-            <ac:spMk id="2" creationId="{3E1E48C5-6E64-DBA4-8C7C-80D9DE50DB23}"/>
-          </ac:spMkLst>
-        </pc:spChg>
-        <pc:spChg chg="mod">
-          <ac:chgData name="Ginger Lee Jacobson" userId="S::glj8018@ads.northwestern.edu::3a49910d-c358-4586-b31b-05d58406f615" providerId="AD" clId="Web-{1079E6ED-946C-8550-3B7A-BFCD13048C1F}" dt="2023-01-05T23:49:01.078" v="1049" actId="20577"/>
+          <ac:chgData name="Ginger Lee Jacobson" userId="S::glj8018@ads.northwestern.edu::3a49910d-c358-4586-b31b-05d58406f615" providerId="AD" clId="Web-{408686E2-2733-9AEC-07CB-C4BA5B3B6039}" dt="2023-01-08T23:53:46.176" v="636" actId="20577"/>
           <ac:spMkLst>
             <pc:docMk/>
             <pc:sldMk cId="2441557156" sldId="295"/>
             <ac:spMk id="3" creationId="{7CA46D2D-A778-68E1-4EF0-618ADDD3404B}"/>
+          </ac:spMkLst>
+        </pc:spChg>
+      </pc:sldChg>
+      <pc:sldChg chg="addSp modSp add ord replId">
+        <pc:chgData name="Ginger Lee Jacobson" userId="S::glj8018@ads.northwestern.edu::3a49910d-c358-4586-b31b-05d58406f615" providerId="AD" clId="Web-{408686E2-2733-9AEC-07CB-C4BA5B3B6039}" dt="2023-01-08T23:48:27.180" v="504" actId="14100"/>
+        <pc:sldMkLst>
+          <pc:docMk/>
+          <pc:sldMk cId="1158116147" sldId="299"/>
+        </pc:sldMkLst>
+        <pc:spChg chg="mod">
+          <ac:chgData name="Ginger Lee Jacobson" userId="S::glj8018@ads.northwestern.edu::3a49910d-c358-4586-b31b-05d58406f615" providerId="AD" clId="Web-{408686E2-2733-9AEC-07CB-C4BA5B3B6039}" dt="2023-01-08T23:44:16.499" v="501" actId="20577"/>
+          <ac:spMkLst>
+            <pc:docMk/>
+            <pc:sldMk cId="1158116147" sldId="299"/>
+            <ac:spMk id="3" creationId="{72BA3BD0-066D-3791-B32E-795ACC0C3316}"/>
+          </ac:spMkLst>
+        </pc:spChg>
+        <pc:picChg chg="add mod">
+          <ac:chgData name="Ginger Lee Jacobson" userId="S::glj8018@ads.northwestern.edu::3a49910d-c358-4586-b31b-05d58406f615" providerId="AD" clId="Web-{408686E2-2733-9AEC-07CB-C4BA5B3B6039}" dt="2023-01-08T23:48:27.180" v="504" actId="14100"/>
+          <ac:picMkLst>
+            <pc:docMk/>
+            <pc:sldMk cId="1158116147" sldId="299"/>
+            <ac:picMk id="6" creationId="{F2F6008B-E644-5827-0D52-AB649396FC47}"/>
+          </ac:picMkLst>
+        </pc:picChg>
+      </pc:sldChg>
+    </pc:docChg>
+  </pc:docChgLst>
+  <pc:docChgLst>
+    <pc:chgData name="William Karl Thompson" userId="S::wkt406@ads.northwestern.edu::f4d321be-7ba8-465d-bd39-c91073d7cf0e" providerId="AD" clId="Web-{BBB03DFF-59C9-E937-81B1-4259F877535E}"/>
+    <pc:docChg chg="modSld">
+      <pc:chgData name="William Karl Thompson" userId="S::wkt406@ads.northwestern.edu::f4d321be-7ba8-465d-bd39-c91073d7cf0e" providerId="AD" clId="Web-{BBB03DFF-59C9-E937-81B1-4259F877535E}" dt="2023-08-07T16:32:12.661" v="15" actId="20577"/>
+      <pc:docMkLst>
+        <pc:docMk/>
+      </pc:docMkLst>
+      <pc:sldChg chg="modSp">
+        <pc:chgData name="William Karl Thompson" userId="S::wkt406@ads.northwestern.edu::f4d321be-7ba8-465d-bd39-c91073d7cf0e" providerId="AD" clId="Web-{BBB03DFF-59C9-E937-81B1-4259F877535E}" dt="2023-08-07T16:32:12.661" v="15" actId="20577"/>
+        <pc:sldMkLst>
+          <pc:docMk/>
+          <pc:sldMk cId="1335714563" sldId="320"/>
+        </pc:sldMkLst>
+        <pc:spChg chg="mod">
+          <ac:chgData name="William Karl Thompson" userId="S::wkt406@ads.northwestern.edu::f4d321be-7ba8-465d-bd39-c91073d7cf0e" providerId="AD" clId="Web-{BBB03DFF-59C9-E937-81B1-4259F877535E}" dt="2023-08-07T16:32:12.661" v="15" actId="20577"/>
+          <ac:spMkLst>
+            <pc:docMk/>
+            <pc:sldMk cId="1335714563" sldId="320"/>
+            <ac:spMk id="3" creationId="{7CF0DC16-F44C-1676-75DB-1343A1ECFA0A}"/>
+          </ac:spMkLst>
+        </pc:spChg>
+      </pc:sldChg>
+    </pc:docChg>
+  </pc:docChgLst>
+  <pc:docChgLst>
+    <pc:chgData name="William Karl Thompson" userId="S::wkt406@ads.northwestern.edu::f4d321be-7ba8-465d-bd39-c91073d7cf0e" providerId="AD" clId="Web-{334D0699-4335-8C32-864F-A307B4E30314}"/>
+    <pc:docChg chg="addSld delSld modSld">
+      <pc:chgData name="William Karl Thompson" userId="S::wkt406@ads.northwestern.edu::f4d321be-7ba8-465d-bd39-c91073d7cf0e" providerId="AD" clId="Web-{334D0699-4335-8C32-864F-A307B4E30314}" dt="2023-08-07T14:40:23.289" v="194" actId="20577"/>
+      <pc:docMkLst>
+        <pc:docMk/>
+      </pc:docMkLst>
+      <pc:sldChg chg="modSp new">
+        <pc:chgData name="William Karl Thompson" userId="S::wkt406@ads.northwestern.edu::f4d321be-7ba8-465d-bd39-c91073d7cf0e" providerId="AD" clId="Web-{334D0699-4335-8C32-864F-A307B4E30314}" dt="2023-08-07T14:40:23.289" v="194" actId="20577"/>
+        <pc:sldMkLst>
+          <pc:docMk/>
+          <pc:sldMk cId="1335714563" sldId="320"/>
+        </pc:sldMkLst>
+        <pc:spChg chg="mod">
+          <ac:chgData name="William Karl Thompson" userId="S::wkt406@ads.northwestern.edu::f4d321be-7ba8-465d-bd39-c91073d7cf0e" providerId="AD" clId="Web-{334D0699-4335-8C32-864F-A307B4E30314}" dt="2023-08-07T14:35:19.482" v="19" actId="20577"/>
+          <ac:spMkLst>
+            <pc:docMk/>
+            <pc:sldMk cId="1335714563" sldId="320"/>
+            <ac:spMk id="2" creationId="{C4BF0530-28B5-4EC9-E9E0-D1D757CFB9C1}"/>
+          </ac:spMkLst>
+        </pc:spChg>
+        <pc:spChg chg="mod">
+          <ac:chgData name="William Karl Thompson" userId="S::wkt406@ads.northwestern.edu::f4d321be-7ba8-465d-bd39-c91073d7cf0e" providerId="AD" clId="Web-{334D0699-4335-8C32-864F-A307B4E30314}" dt="2023-08-07T14:40:23.289" v="194" actId="20577"/>
+          <ac:spMkLst>
+            <pc:docMk/>
+            <pc:sldMk cId="1335714563" sldId="320"/>
+            <ac:spMk id="3" creationId="{7CF0DC16-F44C-1676-75DB-1343A1ECFA0A}"/>
+          </ac:spMkLst>
+        </pc:spChg>
+      </pc:sldChg>
+      <pc:sldChg chg="modSp new del">
+        <pc:chgData name="William Karl Thompson" userId="S::wkt406@ads.northwestern.edu::f4d321be-7ba8-465d-bd39-c91073d7cf0e" providerId="AD" clId="Web-{334D0699-4335-8C32-864F-A307B4E30314}" dt="2023-08-07T14:34:38.324" v="7"/>
+        <pc:sldMkLst>
+          <pc:docMk/>
+          <pc:sldMk cId="3637255295" sldId="320"/>
+        </pc:sldMkLst>
+        <pc:spChg chg="mod">
+          <ac:chgData name="William Karl Thompson" userId="S::wkt406@ads.northwestern.edu::f4d321be-7ba8-465d-bd39-c91073d7cf0e" providerId="AD" clId="Web-{334D0699-4335-8C32-864F-A307B4E30314}" dt="2023-08-07T14:33:28.994" v="6" actId="20577"/>
+          <ac:spMkLst>
+            <pc:docMk/>
+            <pc:sldMk cId="3637255295" sldId="320"/>
+            <ac:spMk id="2" creationId="{672749F1-89FE-0A0D-7BCC-6FE1DFB871BC}"/>
+          </ac:spMkLst>
+        </pc:spChg>
+      </pc:sldChg>
+    </pc:docChg>
+  </pc:docChgLst>
+  <pc:docChgLst>
+    <pc:chgData name="John Patrick Johnson" userId="S::jpj8711@ads.northwestern.edu::fe18dc51-e5c5-41f0-a67f-64543119935e" providerId="AD" clId="Web-{98FCA016-B67A-D48A-07BD-195A9608FD0F}"/>
+    <pc:docChg chg="modSld">
+      <pc:chgData name="John Patrick Johnson" userId="S::jpj8711@ads.northwestern.edu::fe18dc51-e5c5-41f0-a67f-64543119935e" providerId="AD" clId="Web-{98FCA016-B67A-D48A-07BD-195A9608FD0F}" dt="2022-07-09T03:16:58.496" v="0" actId="20577"/>
+      <pc:docMkLst>
+        <pc:docMk/>
+      </pc:docMkLst>
+      <pc:sldChg chg="modSp">
+        <pc:chgData name="John Patrick Johnson" userId="S::jpj8711@ads.northwestern.edu::fe18dc51-e5c5-41f0-a67f-64543119935e" providerId="AD" clId="Web-{98FCA016-B67A-D48A-07BD-195A9608FD0F}" dt="2022-07-09T03:16:58.496" v="0" actId="20577"/>
+        <pc:sldMkLst>
+          <pc:docMk/>
+          <pc:sldMk cId="0" sldId="256"/>
+        </pc:sldMkLst>
+        <pc:spChg chg="mod">
+          <ac:chgData name="John Patrick Johnson" userId="S::jpj8711@ads.northwestern.edu::fe18dc51-e5c5-41f0-a67f-64543119935e" providerId="AD" clId="Web-{98FCA016-B67A-D48A-07BD-195A9608FD0F}" dt="2022-07-09T03:16:58.496" v="0" actId="20577"/>
+          <ac:spMkLst>
+            <pc:docMk/>
+            <pc:sldMk cId="0" sldId="256"/>
+            <ac:spMk id="49" creationId="{00000000-0000-0000-0000-000000000000}"/>
+          </ac:spMkLst>
+        </pc:spChg>
+      </pc:sldChg>
+    </pc:docChg>
+  </pc:docChgLst>
+  <pc:docChgLst>
+    <pc:chgData name="William Karl Thompson" userId="S::wkt406@ads.northwestern.edu::f4d321be-7ba8-465d-bd39-c91073d7cf0e" providerId="AD" clId="Web-{122AA8E1-518A-1D06-9F7F-E8B539A3E746}"/>
+    <pc:docChg chg="modSld">
+      <pc:chgData name="William Karl Thompson" userId="S::wkt406@ads.northwestern.edu::f4d321be-7ba8-465d-bd39-c91073d7cf0e" providerId="AD" clId="Web-{122AA8E1-518A-1D06-9F7F-E8B539A3E746}" dt="2023-08-07T14:43:58.348" v="8" actId="20577"/>
+      <pc:docMkLst>
+        <pc:docMk/>
+      </pc:docMkLst>
+      <pc:sldChg chg="modSp modNotes">
+        <pc:chgData name="William Karl Thompson" userId="S::wkt406@ads.northwestern.edu::f4d321be-7ba8-465d-bd39-c91073d7cf0e" providerId="AD" clId="Web-{122AA8E1-518A-1D06-9F7F-E8B539A3E746}" dt="2023-08-07T14:43:58.348" v="8" actId="20577"/>
+        <pc:sldMkLst>
+          <pc:docMk/>
+          <pc:sldMk cId="1335714563" sldId="320"/>
+        </pc:sldMkLst>
+        <pc:spChg chg="mod">
+          <ac:chgData name="William Karl Thompson" userId="S::wkt406@ads.northwestern.edu::f4d321be-7ba8-465d-bd39-c91073d7cf0e" providerId="AD" clId="Web-{122AA8E1-518A-1D06-9F7F-E8B539A3E746}" dt="2023-08-07T14:43:58.348" v="8" actId="20577"/>
+          <ac:spMkLst>
+            <pc:docMk/>
+            <pc:sldMk cId="1335714563" sldId="320"/>
+            <ac:spMk id="3" creationId="{7CF0DC16-F44C-1676-75DB-1343A1ECFA0A}"/>
           </ac:spMkLst>
         </pc:spChg>
       </pc:sldChg>
@@ -618,859 +863,6 @@
             <ac:spMk id="290" creationId="{00000000-0000-0000-0000-000000000000}"/>
           </ac:spMkLst>
         </pc:spChg>
-      </pc:sldChg>
-    </pc:docChg>
-  </pc:docChgLst>
-  <pc:docChgLst>
-    <pc:chgData name="William Karl Thompson" userId="S::wkt406@ads.northwestern.edu::f4d321be-7ba8-465d-bd39-c91073d7cf0e" providerId="AD" clId="Web-{BBB03DFF-59C9-E937-81B1-4259F877535E}"/>
-    <pc:docChg chg="modSld">
-      <pc:chgData name="William Karl Thompson" userId="S::wkt406@ads.northwestern.edu::f4d321be-7ba8-465d-bd39-c91073d7cf0e" providerId="AD" clId="Web-{BBB03DFF-59C9-E937-81B1-4259F877535E}" dt="2023-08-07T16:32:12.661" v="15" actId="20577"/>
-      <pc:docMkLst>
-        <pc:docMk/>
-      </pc:docMkLst>
-      <pc:sldChg chg="modSp">
-        <pc:chgData name="William Karl Thompson" userId="S::wkt406@ads.northwestern.edu::f4d321be-7ba8-465d-bd39-c91073d7cf0e" providerId="AD" clId="Web-{BBB03DFF-59C9-E937-81B1-4259F877535E}" dt="2023-08-07T16:32:12.661" v="15" actId="20577"/>
-        <pc:sldMkLst>
-          <pc:docMk/>
-          <pc:sldMk cId="1335714563" sldId="320"/>
-        </pc:sldMkLst>
-        <pc:spChg chg="mod">
-          <ac:chgData name="William Karl Thompson" userId="S::wkt406@ads.northwestern.edu::f4d321be-7ba8-465d-bd39-c91073d7cf0e" providerId="AD" clId="Web-{BBB03DFF-59C9-E937-81B1-4259F877535E}" dt="2023-08-07T16:32:12.661" v="15" actId="20577"/>
-          <ac:spMkLst>
-            <pc:docMk/>
-            <pc:sldMk cId="1335714563" sldId="320"/>
-            <ac:spMk id="3" creationId="{7CF0DC16-F44C-1676-75DB-1343A1ECFA0A}"/>
-          </ac:spMkLst>
-        </pc:spChg>
-      </pc:sldChg>
-    </pc:docChg>
-  </pc:docChgLst>
-  <pc:docChgLst>
-    <pc:chgData name="John Patrick Johnson" userId="S::jpj8711@ads.northwestern.edu::fe18dc51-e5c5-41f0-a67f-64543119935e" providerId="AD" clId="Web-{4E74415D-2672-2ACF-778E-A74B637F8DAD}"/>
-    <pc:docChg chg="modSld">
-      <pc:chgData name="John Patrick Johnson" userId="S::jpj8711@ads.northwestern.edu::fe18dc51-e5c5-41f0-a67f-64543119935e" providerId="AD" clId="Web-{4E74415D-2672-2ACF-778E-A74B637F8DAD}" dt="2023-07-21T01:00:47.933" v="1" actId="20577"/>
-      <pc:docMkLst>
-        <pc:docMk/>
-      </pc:docMkLst>
-      <pc:sldChg chg="modSp">
-        <pc:chgData name="John Patrick Johnson" userId="S::jpj8711@ads.northwestern.edu::fe18dc51-e5c5-41f0-a67f-64543119935e" providerId="AD" clId="Web-{4E74415D-2672-2ACF-778E-A74B637F8DAD}" dt="2023-07-21T01:00:47.933" v="1" actId="20577"/>
-        <pc:sldMkLst>
-          <pc:docMk/>
-          <pc:sldMk cId="0" sldId="256"/>
-        </pc:sldMkLst>
-        <pc:spChg chg="mod">
-          <ac:chgData name="John Patrick Johnson" userId="S::jpj8711@ads.northwestern.edu::fe18dc51-e5c5-41f0-a67f-64543119935e" providerId="AD" clId="Web-{4E74415D-2672-2ACF-778E-A74B637F8DAD}" dt="2023-07-21T01:00:47.933" v="1" actId="20577"/>
-          <ac:spMkLst>
-            <pc:docMk/>
-            <pc:sldMk cId="0" sldId="256"/>
-            <ac:spMk id="50" creationId="{00000000-0000-0000-0000-000000000000}"/>
-          </ac:spMkLst>
-        </pc:spChg>
-      </pc:sldChg>
-    </pc:docChg>
-  </pc:docChgLst>
-  <pc:docChgLst>
-    <pc:chgData name="William Karl Thompson" userId="S::wkt406@ads.northwestern.edu::f4d321be-7ba8-465d-bd39-c91073d7cf0e" providerId="AD" clId="Web-{334D0699-4335-8C32-864F-A307B4E30314}"/>
-    <pc:docChg chg="addSld delSld modSld">
-      <pc:chgData name="William Karl Thompson" userId="S::wkt406@ads.northwestern.edu::f4d321be-7ba8-465d-bd39-c91073d7cf0e" providerId="AD" clId="Web-{334D0699-4335-8C32-864F-A307B4E30314}" dt="2023-08-07T14:40:23.289" v="194" actId="20577"/>
-      <pc:docMkLst>
-        <pc:docMk/>
-      </pc:docMkLst>
-      <pc:sldChg chg="modSp new">
-        <pc:chgData name="William Karl Thompson" userId="S::wkt406@ads.northwestern.edu::f4d321be-7ba8-465d-bd39-c91073d7cf0e" providerId="AD" clId="Web-{334D0699-4335-8C32-864F-A307B4E30314}" dt="2023-08-07T14:40:23.289" v="194" actId="20577"/>
-        <pc:sldMkLst>
-          <pc:docMk/>
-          <pc:sldMk cId="1335714563" sldId="320"/>
-        </pc:sldMkLst>
-        <pc:spChg chg="mod">
-          <ac:chgData name="William Karl Thompson" userId="S::wkt406@ads.northwestern.edu::f4d321be-7ba8-465d-bd39-c91073d7cf0e" providerId="AD" clId="Web-{334D0699-4335-8C32-864F-A307B4E30314}" dt="2023-08-07T14:35:19.482" v="19" actId="20577"/>
-          <ac:spMkLst>
-            <pc:docMk/>
-            <pc:sldMk cId="1335714563" sldId="320"/>
-            <ac:spMk id="2" creationId="{C4BF0530-28B5-4EC9-E9E0-D1D757CFB9C1}"/>
-          </ac:spMkLst>
-        </pc:spChg>
-        <pc:spChg chg="mod">
-          <ac:chgData name="William Karl Thompson" userId="S::wkt406@ads.northwestern.edu::f4d321be-7ba8-465d-bd39-c91073d7cf0e" providerId="AD" clId="Web-{334D0699-4335-8C32-864F-A307B4E30314}" dt="2023-08-07T14:40:23.289" v="194" actId="20577"/>
-          <ac:spMkLst>
-            <pc:docMk/>
-            <pc:sldMk cId="1335714563" sldId="320"/>
-            <ac:spMk id="3" creationId="{7CF0DC16-F44C-1676-75DB-1343A1ECFA0A}"/>
-          </ac:spMkLst>
-        </pc:spChg>
-      </pc:sldChg>
-      <pc:sldChg chg="modSp new del">
-        <pc:chgData name="William Karl Thompson" userId="S::wkt406@ads.northwestern.edu::f4d321be-7ba8-465d-bd39-c91073d7cf0e" providerId="AD" clId="Web-{334D0699-4335-8C32-864F-A307B4E30314}" dt="2023-08-07T14:34:38.324" v="7"/>
-        <pc:sldMkLst>
-          <pc:docMk/>
-          <pc:sldMk cId="3637255295" sldId="320"/>
-        </pc:sldMkLst>
-        <pc:spChg chg="mod">
-          <ac:chgData name="William Karl Thompson" userId="S::wkt406@ads.northwestern.edu::f4d321be-7ba8-465d-bd39-c91073d7cf0e" providerId="AD" clId="Web-{334D0699-4335-8C32-864F-A307B4E30314}" dt="2023-08-07T14:33:28.994" v="6" actId="20577"/>
-          <ac:spMkLst>
-            <pc:docMk/>
-            <pc:sldMk cId="3637255295" sldId="320"/>
-            <ac:spMk id="2" creationId="{672749F1-89FE-0A0D-7BCC-6FE1DFB871BC}"/>
-          </ac:spMkLst>
-        </pc:spChg>
-      </pc:sldChg>
-    </pc:docChg>
-  </pc:docChgLst>
-  <pc:docChgLst>
-    <pc:chgData name="Ginger Lee Jacobson" userId="S::glj8018@ads.northwestern.edu::3a49910d-c358-4586-b31b-05d58406f615" providerId="AD" clId="Web-{5B461979-0560-DDDF-28AF-DB41A86C378B}"/>
-    <pc:docChg chg="addSld delSld modSld">
-      <pc:chgData name="Ginger Lee Jacobson" userId="S::glj8018@ads.northwestern.edu::3a49910d-c358-4586-b31b-05d58406f615" providerId="AD" clId="Web-{5B461979-0560-DDDF-28AF-DB41A86C378B}" dt="2023-01-11T17:51:10.018" v="186"/>
-      <pc:docMkLst>
-        <pc:docMk/>
-      </pc:docMkLst>
-      <pc:sldChg chg="modSp modNotes">
-        <pc:chgData name="Ginger Lee Jacobson" userId="S::glj8018@ads.northwestern.edu::3a49910d-c358-4586-b31b-05d58406f615" providerId="AD" clId="Web-{5B461979-0560-DDDF-28AF-DB41A86C378B}" dt="2023-01-11T17:51:10.018" v="186"/>
-        <pc:sldMkLst>
-          <pc:docMk/>
-          <pc:sldMk cId="1467023248" sldId="289"/>
-        </pc:sldMkLst>
-        <pc:spChg chg="mod">
-          <ac:chgData name="Ginger Lee Jacobson" userId="S::glj8018@ads.northwestern.edu::3a49910d-c358-4586-b31b-05d58406f615" providerId="AD" clId="Web-{5B461979-0560-DDDF-28AF-DB41A86C378B}" dt="2023-01-11T17:48:20.138" v="151" actId="20577"/>
-          <ac:spMkLst>
-            <pc:docMk/>
-            <pc:sldMk cId="1467023248" sldId="289"/>
-            <ac:spMk id="3" creationId="{E734A82D-A943-360B-0A2E-BBD555F97DAF}"/>
-          </ac:spMkLst>
-        </pc:spChg>
-      </pc:sldChg>
-      <pc:sldChg chg="modSp modNotes">
-        <pc:chgData name="Ginger Lee Jacobson" userId="S::glj8018@ads.northwestern.edu::3a49910d-c358-4586-b31b-05d58406f615" providerId="AD" clId="Web-{5B461979-0560-DDDF-28AF-DB41A86C378B}" dt="2023-01-11T17:29:43.533" v="106"/>
-        <pc:sldMkLst>
-          <pc:docMk/>
-          <pc:sldMk cId="922581880" sldId="292"/>
-        </pc:sldMkLst>
-        <pc:spChg chg="mod">
-          <ac:chgData name="Ginger Lee Jacobson" userId="S::glj8018@ads.northwestern.edu::3a49910d-c358-4586-b31b-05d58406f615" providerId="AD" clId="Web-{5B461979-0560-DDDF-28AF-DB41A86C378B}" dt="2023-01-11T17:28:52.235" v="102" actId="20577"/>
-          <ac:spMkLst>
-            <pc:docMk/>
-            <pc:sldMk cId="922581880" sldId="292"/>
-            <ac:spMk id="3" creationId="{B35CBA1D-F2EC-22B1-BC24-1D8C6BAC00F7}"/>
-          </ac:spMkLst>
-        </pc:spChg>
-      </pc:sldChg>
-      <pc:sldChg chg="modSp">
-        <pc:chgData name="Ginger Lee Jacobson" userId="S::glj8018@ads.northwestern.edu::3a49910d-c358-4586-b31b-05d58406f615" providerId="AD" clId="Web-{5B461979-0560-DDDF-28AF-DB41A86C378B}" dt="2023-01-11T17:38:51.047" v="149" actId="20577"/>
-        <pc:sldMkLst>
-          <pc:docMk/>
-          <pc:sldMk cId="2441557156" sldId="295"/>
-        </pc:sldMkLst>
-        <pc:spChg chg="mod">
-          <ac:chgData name="Ginger Lee Jacobson" userId="S::glj8018@ads.northwestern.edu::3a49910d-c358-4586-b31b-05d58406f615" providerId="AD" clId="Web-{5B461979-0560-DDDF-28AF-DB41A86C378B}" dt="2023-01-11T17:38:51.047" v="149" actId="20577"/>
-          <ac:spMkLst>
-            <pc:docMk/>
-            <pc:sldMk cId="2441557156" sldId="295"/>
-            <ac:spMk id="3" creationId="{7CA46D2D-A778-68E1-4EF0-618ADDD3404B}"/>
-          </ac:spMkLst>
-        </pc:spChg>
-      </pc:sldChg>
-      <pc:sldChg chg="modSp modNotes">
-        <pc:chgData name="Ginger Lee Jacobson" userId="S::glj8018@ads.northwestern.edu::3a49910d-c358-4586-b31b-05d58406f615" providerId="AD" clId="Web-{5B461979-0560-DDDF-28AF-DB41A86C378B}" dt="2023-01-11T17:32:23.850" v="137"/>
-        <pc:sldMkLst>
-          <pc:docMk/>
-          <pc:sldMk cId="1901255271" sldId="303"/>
-        </pc:sldMkLst>
-        <pc:picChg chg="mod">
-          <ac:chgData name="Ginger Lee Jacobson" userId="S::glj8018@ads.northwestern.edu::3a49910d-c358-4586-b31b-05d58406f615" providerId="AD" clId="Web-{5B461979-0560-DDDF-28AF-DB41A86C378B}" dt="2023-01-11T17:30:57.863" v="118" actId="14100"/>
-          <ac:picMkLst>
-            <pc:docMk/>
-            <pc:sldMk cId="1901255271" sldId="303"/>
-            <ac:picMk id="6" creationId="{26C403D9-66B4-6416-2E5E-5BDEC7CA054B}"/>
-          </ac:picMkLst>
-        </pc:picChg>
-      </pc:sldChg>
-      <pc:sldChg chg="modNotes">
-        <pc:chgData name="Ginger Lee Jacobson" userId="S::glj8018@ads.northwestern.edu::3a49910d-c358-4586-b31b-05d58406f615" providerId="AD" clId="Web-{5B461979-0560-DDDF-28AF-DB41A86C378B}" dt="2023-01-11T17:38:02.717" v="139"/>
-        <pc:sldMkLst>
-          <pc:docMk/>
-          <pc:sldMk cId="1606653251" sldId="307"/>
-        </pc:sldMkLst>
-      </pc:sldChg>
-      <pc:sldChg chg="new del">
-        <pc:chgData name="Ginger Lee Jacobson" userId="S::glj8018@ads.northwestern.edu::3a49910d-c358-4586-b31b-05d58406f615" providerId="AD" clId="Web-{5B461979-0560-DDDF-28AF-DB41A86C378B}" dt="2023-01-11T17:24:30.588" v="2"/>
-        <pc:sldMkLst>
-          <pc:docMk/>
-          <pc:sldMk cId="2098893049" sldId="308"/>
-        </pc:sldMkLst>
-      </pc:sldChg>
-      <pc:sldChg chg="modSp add replId modNotes">
-        <pc:chgData name="Ginger Lee Jacobson" userId="S::glj8018@ads.northwestern.edu::3a49910d-c358-4586-b31b-05d58406f615" providerId="AD" clId="Web-{5B461979-0560-DDDF-28AF-DB41A86C378B}" dt="2023-01-11T17:30:28.253" v="117" actId="20577"/>
-        <pc:sldMkLst>
-          <pc:docMk/>
-          <pc:sldMk cId="649797171" sldId="309"/>
-        </pc:sldMkLst>
-        <pc:spChg chg="mod">
-          <ac:chgData name="Ginger Lee Jacobson" userId="S::glj8018@ads.northwestern.edu::3a49910d-c358-4586-b31b-05d58406f615" providerId="AD" clId="Web-{5B461979-0560-DDDF-28AF-DB41A86C378B}" dt="2023-01-11T17:30:28.253" v="117" actId="20577"/>
-          <ac:spMkLst>
-            <pc:docMk/>
-            <pc:sldMk cId="649797171" sldId="309"/>
-            <ac:spMk id="4" creationId="{E01374D5-3FDC-ACF5-3153-58548A78F130}"/>
-          </ac:spMkLst>
-        </pc:spChg>
-        <pc:spChg chg="mod">
-          <ac:chgData name="Ginger Lee Jacobson" userId="S::glj8018@ads.northwestern.edu::3a49910d-c358-4586-b31b-05d58406f615" providerId="AD" clId="Web-{5B461979-0560-DDDF-28AF-DB41A86C378B}" dt="2023-01-11T17:24:42.151" v="11" actId="20577"/>
-          <ac:spMkLst>
-            <pc:docMk/>
-            <pc:sldMk cId="649797171" sldId="309"/>
-            <ac:spMk id="250" creationId="{00000000-0000-0000-0000-000000000000}"/>
-          </ac:spMkLst>
-        </pc:spChg>
-      </pc:sldChg>
-    </pc:docChg>
-  </pc:docChgLst>
-  <pc:docChgLst>
-    <pc:chgData name="John Patrick Johnson" userId="S::jpj8711@ads.northwestern.edu::fe18dc51-e5c5-41f0-a67f-64543119935e" providerId="AD" clId="Web-{2082941D-0433-84DC-1DEA-DD6F7C31F1C7}"/>
-    <pc:docChg chg="modSld">
-      <pc:chgData name="John Patrick Johnson" userId="S::jpj8711@ads.northwestern.edu::fe18dc51-e5c5-41f0-a67f-64543119935e" providerId="AD" clId="Web-{2082941D-0433-84DC-1DEA-DD6F7C31F1C7}" dt="2022-06-10T18:31:19.167" v="202" actId="20577"/>
-      <pc:docMkLst>
-        <pc:docMk/>
-      </pc:docMkLst>
-      <pc:sldChg chg="modSp">
-        <pc:chgData name="John Patrick Johnson" userId="S::jpj8711@ads.northwestern.edu::fe18dc51-e5c5-41f0-a67f-64543119935e" providerId="AD" clId="Web-{2082941D-0433-84DC-1DEA-DD6F7C31F1C7}" dt="2022-06-10T18:24:12.085" v="0" actId="20577"/>
-        <pc:sldMkLst>
-          <pc:docMk/>
-          <pc:sldMk cId="0" sldId="259"/>
-        </pc:sldMkLst>
-        <pc:spChg chg="mod">
-          <ac:chgData name="John Patrick Johnson" userId="S::jpj8711@ads.northwestern.edu::fe18dc51-e5c5-41f0-a67f-64543119935e" providerId="AD" clId="Web-{2082941D-0433-84DC-1DEA-DD6F7C31F1C7}" dt="2022-06-10T18:24:12.085" v="0" actId="20577"/>
-          <ac:spMkLst>
-            <pc:docMk/>
-            <pc:sldMk cId="0" sldId="259"/>
-            <ac:spMk id="77" creationId="{00000000-0000-0000-0000-000000000000}"/>
-          </ac:spMkLst>
-        </pc:spChg>
-      </pc:sldChg>
-      <pc:sldChg chg="modSp">
-        <pc:chgData name="John Patrick Johnson" userId="S::jpj8711@ads.northwestern.edu::fe18dc51-e5c5-41f0-a67f-64543119935e" providerId="AD" clId="Web-{2082941D-0433-84DC-1DEA-DD6F7C31F1C7}" dt="2022-06-10T18:25:13.742" v="17" actId="20577"/>
-        <pc:sldMkLst>
-          <pc:docMk/>
-          <pc:sldMk cId="0" sldId="261"/>
-        </pc:sldMkLst>
-        <pc:spChg chg="mod">
-          <ac:chgData name="John Patrick Johnson" userId="S::jpj8711@ads.northwestern.edu::fe18dc51-e5c5-41f0-a67f-64543119935e" providerId="AD" clId="Web-{2082941D-0433-84DC-1DEA-DD6F7C31F1C7}" dt="2022-06-10T18:24:56.445" v="11" actId="20577"/>
-          <ac:spMkLst>
-            <pc:docMk/>
-            <pc:sldMk cId="0" sldId="261"/>
-            <ac:spMk id="94" creationId="{00000000-0000-0000-0000-000000000000}"/>
-          </ac:spMkLst>
-        </pc:spChg>
-        <pc:spChg chg="mod">
-          <ac:chgData name="John Patrick Johnson" userId="S::jpj8711@ads.northwestern.edu::fe18dc51-e5c5-41f0-a67f-64543119935e" providerId="AD" clId="Web-{2082941D-0433-84DC-1DEA-DD6F7C31F1C7}" dt="2022-06-10T18:25:13.742" v="17" actId="20577"/>
-          <ac:spMkLst>
-            <pc:docMk/>
-            <pc:sldMk cId="0" sldId="261"/>
-            <ac:spMk id="97" creationId="{00000000-0000-0000-0000-000000000000}"/>
-          </ac:spMkLst>
-        </pc:spChg>
-      </pc:sldChg>
-      <pc:sldChg chg="modSp">
-        <pc:chgData name="John Patrick Johnson" userId="S::jpj8711@ads.northwestern.edu::fe18dc51-e5c5-41f0-a67f-64543119935e" providerId="AD" clId="Web-{2082941D-0433-84DC-1DEA-DD6F7C31F1C7}" dt="2022-06-10T18:31:19.167" v="202" actId="20577"/>
-        <pc:sldMkLst>
-          <pc:docMk/>
-          <pc:sldMk cId="0" sldId="280"/>
-        </pc:sldMkLst>
-        <pc:spChg chg="mod">
-          <ac:chgData name="John Patrick Johnson" userId="S::jpj8711@ads.northwestern.edu::fe18dc51-e5c5-41f0-a67f-64543119935e" providerId="AD" clId="Web-{2082941D-0433-84DC-1DEA-DD6F7C31F1C7}" dt="2022-06-10T18:28:06.291" v="97" actId="20577"/>
-          <ac:spMkLst>
-            <pc:docMk/>
-            <pc:sldMk cId="0" sldId="280"/>
-            <ac:spMk id="287" creationId="{00000000-0000-0000-0000-000000000000}"/>
-          </ac:spMkLst>
-        </pc:spChg>
-        <pc:spChg chg="mod">
-          <ac:chgData name="John Patrick Johnson" userId="S::jpj8711@ads.northwestern.edu::fe18dc51-e5c5-41f0-a67f-64543119935e" providerId="AD" clId="Web-{2082941D-0433-84DC-1DEA-DD6F7C31F1C7}" dt="2022-06-10T18:31:19.167" v="202" actId="20577"/>
-          <ac:spMkLst>
-            <pc:docMk/>
-            <pc:sldMk cId="0" sldId="280"/>
-            <ac:spMk id="290" creationId="{00000000-0000-0000-0000-000000000000}"/>
-          </ac:spMkLst>
-        </pc:spChg>
-      </pc:sldChg>
-    </pc:docChg>
-  </pc:docChgLst>
-  <pc:docChgLst>
-    <pc:chgData name="Ginger Lee Jacobson" userId="S::glj8018@ads.northwestern.edu::3a49910d-c358-4586-b31b-05d58406f615" providerId="AD" clId="Web-{408686E2-2733-9AEC-07CB-C4BA5B3B6039}"/>
-    <pc:docChg chg="addSld modSld sldOrd">
-      <pc:chgData name="Ginger Lee Jacobson" userId="S::glj8018@ads.northwestern.edu::3a49910d-c358-4586-b31b-05d58406f615" providerId="AD" clId="Web-{408686E2-2733-9AEC-07CB-C4BA5B3B6039}" dt="2023-01-08T23:55:21.086" v="655"/>
-      <pc:docMkLst>
-        <pc:docMk/>
-      </pc:docMkLst>
-      <pc:sldChg chg="modSp modNotes">
-        <pc:chgData name="Ginger Lee Jacobson" userId="S::glj8018@ads.northwestern.edu::3a49910d-c358-4586-b31b-05d58406f615" providerId="AD" clId="Web-{408686E2-2733-9AEC-07CB-C4BA5B3B6039}" dt="2023-01-08T23:38:16.876" v="487"/>
-        <pc:sldMkLst>
-          <pc:docMk/>
-          <pc:sldMk cId="922581880" sldId="292"/>
-        </pc:sldMkLst>
-        <pc:spChg chg="mod">
-          <ac:chgData name="Ginger Lee Jacobson" userId="S::glj8018@ads.northwestern.edu::3a49910d-c358-4586-b31b-05d58406f615" providerId="AD" clId="Web-{408686E2-2733-9AEC-07CB-C4BA5B3B6039}" dt="2023-01-08T23:34:10.178" v="418" actId="20577"/>
-          <ac:spMkLst>
-            <pc:docMk/>
-            <pc:sldMk cId="922581880" sldId="292"/>
-            <ac:spMk id="3" creationId="{B35CBA1D-F2EC-22B1-BC24-1D8C6BAC00F7}"/>
-          </ac:spMkLst>
-        </pc:spChg>
-      </pc:sldChg>
-      <pc:sldChg chg="modSp modNotes">
-        <pc:chgData name="Ginger Lee Jacobson" userId="S::glj8018@ads.northwestern.edu::3a49910d-c358-4586-b31b-05d58406f615" providerId="AD" clId="Web-{408686E2-2733-9AEC-07CB-C4BA5B3B6039}" dt="2023-01-08T23:18:35.112" v="100" actId="20577"/>
-        <pc:sldMkLst>
-          <pc:docMk/>
-          <pc:sldMk cId="1680070822" sldId="293"/>
-        </pc:sldMkLst>
-        <pc:spChg chg="mod">
-          <ac:chgData name="Ginger Lee Jacobson" userId="S::glj8018@ads.northwestern.edu::3a49910d-c358-4586-b31b-05d58406f615" providerId="AD" clId="Web-{408686E2-2733-9AEC-07CB-C4BA5B3B6039}" dt="2023-01-08T23:18:35.112" v="100" actId="20577"/>
-          <ac:spMkLst>
-            <pc:docMk/>
-            <pc:sldMk cId="1680070822" sldId="293"/>
-            <ac:spMk id="3" creationId="{72BA3BD0-066D-3791-B32E-795ACC0C3316}"/>
-          </ac:spMkLst>
-        </pc:spChg>
-      </pc:sldChg>
-      <pc:sldChg chg="addSp modSp modNotes">
-        <pc:chgData name="Ginger Lee Jacobson" userId="S::glj8018@ads.northwestern.edu::3a49910d-c358-4586-b31b-05d58406f615" providerId="AD" clId="Web-{408686E2-2733-9AEC-07CB-C4BA5B3B6039}" dt="2023-01-08T23:55:21.086" v="655"/>
-        <pc:sldMkLst>
-          <pc:docMk/>
-          <pc:sldMk cId="2221694099" sldId="294"/>
-        </pc:sldMkLst>
-        <pc:spChg chg="mod">
-          <ac:chgData name="Ginger Lee Jacobson" userId="S::glj8018@ads.northwestern.edu::3a49910d-c358-4586-b31b-05d58406f615" providerId="AD" clId="Web-{408686E2-2733-9AEC-07CB-C4BA5B3B6039}" dt="2023-01-06T21:55:47.070" v="16" actId="20577"/>
-          <ac:spMkLst>
-            <pc:docMk/>
-            <pc:sldMk cId="2221694099" sldId="294"/>
-            <ac:spMk id="3" creationId="{CF76AAE2-66F4-B3FE-C0AA-1E7B887F59DB}"/>
-          </ac:spMkLst>
-        </pc:spChg>
-        <pc:picChg chg="add mod">
-          <ac:chgData name="Ginger Lee Jacobson" userId="S::glj8018@ads.northwestern.edu::3a49910d-c358-4586-b31b-05d58406f615" providerId="AD" clId="Web-{408686E2-2733-9AEC-07CB-C4BA5B3B6039}" dt="2023-01-06T21:56:17.742" v="22" actId="1076"/>
-          <ac:picMkLst>
-            <pc:docMk/>
-            <pc:sldMk cId="2221694099" sldId="294"/>
-            <ac:picMk id="6" creationId="{C47F68B0-D9C6-A308-5968-4617FDAD709E}"/>
-          </ac:picMkLst>
-        </pc:picChg>
-      </pc:sldChg>
-      <pc:sldChg chg="modSp modNotes">
-        <pc:chgData name="Ginger Lee Jacobson" userId="S::glj8018@ads.northwestern.edu::3a49910d-c358-4586-b31b-05d58406f615" providerId="AD" clId="Web-{408686E2-2733-9AEC-07CB-C4BA5B3B6039}" dt="2023-01-08T23:53:46.176" v="636" actId="20577"/>
-        <pc:sldMkLst>
-          <pc:docMk/>
-          <pc:sldMk cId="2441557156" sldId="295"/>
-        </pc:sldMkLst>
-        <pc:spChg chg="mod">
-          <ac:chgData name="Ginger Lee Jacobson" userId="S::glj8018@ads.northwestern.edu::3a49910d-c358-4586-b31b-05d58406f615" providerId="AD" clId="Web-{408686E2-2733-9AEC-07CB-C4BA5B3B6039}" dt="2023-01-08T23:53:46.176" v="636" actId="20577"/>
-          <ac:spMkLst>
-            <pc:docMk/>
-            <pc:sldMk cId="2441557156" sldId="295"/>
-            <ac:spMk id="3" creationId="{7CA46D2D-A778-68E1-4EF0-618ADDD3404B}"/>
-          </ac:spMkLst>
-        </pc:spChg>
-      </pc:sldChg>
-      <pc:sldChg chg="addSp modSp add ord replId">
-        <pc:chgData name="Ginger Lee Jacobson" userId="S::glj8018@ads.northwestern.edu::3a49910d-c358-4586-b31b-05d58406f615" providerId="AD" clId="Web-{408686E2-2733-9AEC-07CB-C4BA5B3B6039}" dt="2023-01-08T23:48:27.180" v="504" actId="14100"/>
-        <pc:sldMkLst>
-          <pc:docMk/>
-          <pc:sldMk cId="1158116147" sldId="299"/>
-        </pc:sldMkLst>
-        <pc:spChg chg="mod">
-          <ac:chgData name="Ginger Lee Jacobson" userId="S::glj8018@ads.northwestern.edu::3a49910d-c358-4586-b31b-05d58406f615" providerId="AD" clId="Web-{408686E2-2733-9AEC-07CB-C4BA5B3B6039}" dt="2023-01-08T23:44:16.499" v="501" actId="20577"/>
-          <ac:spMkLst>
-            <pc:docMk/>
-            <pc:sldMk cId="1158116147" sldId="299"/>
-            <ac:spMk id="3" creationId="{72BA3BD0-066D-3791-B32E-795ACC0C3316}"/>
-          </ac:spMkLst>
-        </pc:spChg>
-        <pc:picChg chg="add mod">
-          <ac:chgData name="Ginger Lee Jacobson" userId="S::glj8018@ads.northwestern.edu::3a49910d-c358-4586-b31b-05d58406f615" providerId="AD" clId="Web-{408686E2-2733-9AEC-07CB-C4BA5B3B6039}" dt="2023-01-08T23:48:27.180" v="504" actId="14100"/>
-          <ac:picMkLst>
-            <pc:docMk/>
-            <pc:sldMk cId="1158116147" sldId="299"/>
-            <ac:picMk id="6" creationId="{F2F6008B-E644-5827-0D52-AB649396FC47}"/>
-          </ac:picMkLst>
-        </pc:picChg>
-      </pc:sldChg>
-    </pc:docChg>
-  </pc:docChgLst>
-  <pc:docChgLst>
-    <pc:chgData name="John Patrick Johnson" userId="S::jpj8711@ads.northwestern.edu::fe18dc51-e5c5-41f0-a67f-64543119935e" providerId="AD" clId="Web-{98FCA016-B67A-D48A-07BD-195A9608FD0F}"/>
-    <pc:docChg chg="modSld">
-      <pc:chgData name="John Patrick Johnson" userId="S::jpj8711@ads.northwestern.edu::fe18dc51-e5c5-41f0-a67f-64543119935e" providerId="AD" clId="Web-{98FCA016-B67A-D48A-07BD-195A9608FD0F}" dt="2022-07-09T03:16:58.496" v="0" actId="20577"/>
-      <pc:docMkLst>
-        <pc:docMk/>
-      </pc:docMkLst>
-      <pc:sldChg chg="modSp">
-        <pc:chgData name="John Patrick Johnson" userId="S::jpj8711@ads.northwestern.edu::fe18dc51-e5c5-41f0-a67f-64543119935e" providerId="AD" clId="Web-{98FCA016-B67A-D48A-07BD-195A9608FD0F}" dt="2022-07-09T03:16:58.496" v="0" actId="20577"/>
-        <pc:sldMkLst>
-          <pc:docMk/>
-          <pc:sldMk cId="0" sldId="256"/>
-        </pc:sldMkLst>
-        <pc:spChg chg="mod">
-          <ac:chgData name="John Patrick Johnson" userId="S::jpj8711@ads.northwestern.edu::fe18dc51-e5c5-41f0-a67f-64543119935e" providerId="AD" clId="Web-{98FCA016-B67A-D48A-07BD-195A9608FD0F}" dt="2022-07-09T03:16:58.496" v="0" actId="20577"/>
-          <ac:spMkLst>
-            <pc:docMk/>
-            <pc:sldMk cId="0" sldId="256"/>
-            <ac:spMk id="49" creationId="{00000000-0000-0000-0000-000000000000}"/>
-          </ac:spMkLst>
-        </pc:spChg>
-      </pc:sldChg>
-    </pc:docChg>
-  </pc:docChgLst>
-  <pc:docChgLst>
-    <pc:chgData name="John Patrick Johnson" userId="S::jpj8711@ads.northwestern.edu::fe18dc51-e5c5-41f0-a67f-64543119935e" providerId="AD" clId="Web-{C0D6B327-BF2E-1EC4-C4D4-83B34B46966D}"/>
-    <pc:docChg chg="addSld delSld modSld sldOrd">
-      <pc:chgData name="John Patrick Johnson" userId="S::jpj8711@ads.northwestern.edu::fe18dc51-e5c5-41f0-a67f-64543119935e" providerId="AD" clId="Web-{C0D6B327-BF2E-1EC4-C4D4-83B34B46966D}" dt="2022-06-01T13:21:39.492" v="1890" actId="20577"/>
-      <pc:docMkLst>
-        <pc:docMk/>
-      </pc:docMkLst>
-      <pc:sldChg chg="modSp">
-        <pc:chgData name="John Patrick Johnson" userId="S::jpj8711@ads.northwestern.edu::fe18dc51-e5c5-41f0-a67f-64543119935e" providerId="AD" clId="Web-{C0D6B327-BF2E-1EC4-C4D4-83B34B46966D}" dt="2022-06-01T03:31:52.071" v="1449" actId="20577"/>
-        <pc:sldMkLst>
-          <pc:docMk/>
-          <pc:sldMk cId="0" sldId="256"/>
-        </pc:sldMkLst>
-        <pc:spChg chg="mod">
-          <ac:chgData name="John Patrick Johnson" userId="S::jpj8711@ads.northwestern.edu::fe18dc51-e5c5-41f0-a67f-64543119935e" providerId="AD" clId="Web-{C0D6B327-BF2E-1EC4-C4D4-83B34B46966D}" dt="2022-06-01T03:31:52.071" v="1449" actId="20577"/>
-          <ac:spMkLst>
-            <pc:docMk/>
-            <pc:sldMk cId="0" sldId="256"/>
-            <ac:spMk id="49" creationId="{00000000-0000-0000-0000-000000000000}"/>
-          </ac:spMkLst>
-        </pc:spChg>
-        <pc:spChg chg="mod">
-          <ac:chgData name="John Patrick Johnson" userId="S::jpj8711@ads.northwestern.edu::fe18dc51-e5c5-41f0-a67f-64543119935e" providerId="AD" clId="Web-{C0D6B327-BF2E-1EC4-C4D4-83B34B46966D}" dt="2022-06-01T02:26:27.258" v="5" actId="20577"/>
-          <ac:spMkLst>
-            <pc:docMk/>
-            <pc:sldMk cId="0" sldId="256"/>
-            <ac:spMk id="50" creationId="{00000000-0000-0000-0000-000000000000}"/>
-          </ac:spMkLst>
-        </pc:spChg>
-      </pc:sldChg>
-      <pc:sldChg chg="delSp modSp delAnim">
-        <pc:chgData name="John Patrick Johnson" userId="S::jpj8711@ads.northwestern.edu::fe18dc51-e5c5-41f0-a67f-64543119935e" providerId="AD" clId="Web-{C0D6B327-BF2E-1EC4-C4D4-83B34B46966D}" dt="2022-06-01T02:28:18.211" v="44" actId="20577"/>
-        <pc:sldMkLst>
-          <pc:docMk/>
-          <pc:sldMk cId="0" sldId="259"/>
-        </pc:sldMkLst>
-        <pc:spChg chg="mod">
-          <ac:chgData name="John Patrick Johnson" userId="S::jpj8711@ads.northwestern.edu::fe18dc51-e5c5-41f0-a67f-64543119935e" providerId="AD" clId="Web-{C0D6B327-BF2E-1EC4-C4D4-83B34B46966D}" dt="2022-06-01T02:28:18.211" v="44" actId="20577"/>
-          <ac:spMkLst>
-            <pc:docMk/>
-            <pc:sldMk cId="0" sldId="259"/>
-            <ac:spMk id="74" creationId="{00000000-0000-0000-0000-000000000000}"/>
-          </ac:spMkLst>
-        </pc:spChg>
-        <pc:picChg chg="del">
-          <ac:chgData name="John Patrick Johnson" userId="S::jpj8711@ads.northwestern.edu::fe18dc51-e5c5-41f0-a67f-64543119935e" providerId="AD" clId="Web-{C0D6B327-BF2E-1EC4-C4D4-83B34B46966D}" dt="2022-06-01T02:26:55.055" v="6"/>
-          <ac:picMkLst>
-            <pc:docMk/>
-            <pc:sldMk cId="0" sldId="259"/>
-            <ac:picMk id="78" creationId="{00000000-0000-0000-0000-000000000000}"/>
-          </ac:picMkLst>
-        </pc:picChg>
-      </pc:sldChg>
-      <pc:sldChg chg="modSp">
-        <pc:chgData name="John Patrick Johnson" userId="S::jpj8711@ads.northwestern.edu::fe18dc51-e5c5-41f0-a67f-64543119935e" providerId="AD" clId="Web-{C0D6B327-BF2E-1EC4-C4D4-83B34B46966D}" dt="2022-06-01T02:34:12.194" v="219" actId="20577"/>
-        <pc:sldMkLst>
-          <pc:docMk/>
-          <pc:sldMk cId="0" sldId="261"/>
-        </pc:sldMkLst>
-        <pc:spChg chg="mod">
-          <ac:chgData name="John Patrick Johnson" userId="S::jpj8711@ads.northwestern.edu::fe18dc51-e5c5-41f0-a67f-64543119935e" providerId="AD" clId="Web-{C0D6B327-BF2E-1EC4-C4D4-83B34B46966D}" dt="2022-06-01T02:29:28.851" v="68" actId="20577"/>
-          <ac:spMkLst>
-            <pc:docMk/>
-            <pc:sldMk cId="0" sldId="261"/>
-            <ac:spMk id="94" creationId="{00000000-0000-0000-0000-000000000000}"/>
-          </ac:spMkLst>
-        </pc:spChg>
-        <pc:spChg chg="mod">
-          <ac:chgData name="John Patrick Johnson" userId="S::jpj8711@ads.northwestern.edu::fe18dc51-e5c5-41f0-a67f-64543119935e" providerId="AD" clId="Web-{C0D6B327-BF2E-1EC4-C4D4-83B34B46966D}" dt="2022-06-01T02:34:12.194" v="219" actId="20577"/>
-          <ac:spMkLst>
-            <pc:docMk/>
-            <pc:sldMk cId="0" sldId="261"/>
-            <ac:spMk id="97" creationId="{00000000-0000-0000-0000-000000000000}"/>
-          </ac:spMkLst>
-        </pc:spChg>
-      </pc:sldChg>
-      <pc:sldChg chg="delSp modSp add del delAnim">
-        <pc:chgData name="John Patrick Johnson" userId="S::jpj8711@ads.northwestern.edu::fe18dc51-e5c5-41f0-a67f-64543119935e" providerId="AD" clId="Web-{C0D6B327-BF2E-1EC4-C4D4-83B34B46966D}" dt="2022-06-01T13:17:59.759" v="1802" actId="20577"/>
-        <pc:sldMkLst>
-          <pc:docMk/>
-          <pc:sldMk cId="0" sldId="262"/>
-        </pc:sldMkLst>
-        <pc:spChg chg="mod">
-          <ac:chgData name="John Patrick Johnson" userId="S::jpj8711@ads.northwestern.edu::fe18dc51-e5c5-41f0-a67f-64543119935e" providerId="AD" clId="Web-{C0D6B327-BF2E-1EC4-C4D4-83B34B46966D}" dt="2022-06-01T02:38:30.349" v="310" actId="20577"/>
-          <ac:spMkLst>
-            <pc:docMk/>
-            <pc:sldMk cId="0" sldId="262"/>
-            <ac:spMk id="103" creationId="{00000000-0000-0000-0000-000000000000}"/>
-          </ac:spMkLst>
-        </pc:spChg>
-        <pc:spChg chg="mod">
-          <ac:chgData name="John Patrick Johnson" userId="S::jpj8711@ads.northwestern.edu::fe18dc51-e5c5-41f0-a67f-64543119935e" providerId="AD" clId="Web-{C0D6B327-BF2E-1EC4-C4D4-83B34B46966D}" dt="2022-06-01T13:17:59.759" v="1802" actId="20577"/>
-          <ac:spMkLst>
-            <pc:docMk/>
-            <pc:sldMk cId="0" sldId="262"/>
-            <ac:spMk id="106" creationId="{00000000-0000-0000-0000-000000000000}"/>
-          </ac:spMkLst>
-        </pc:spChg>
-        <pc:picChg chg="del">
-          <ac:chgData name="John Patrick Johnson" userId="S::jpj8711@ads.northwestern.edu::fe18dc51-e5c5-41f0-a67f-64543119935e" providerId="AD" clId="Web-{C0D6B327-BF2E-1EC4-C4D4-83B34B46966D}" dt="2022-06-01T02:38:33.912" v="311"/>
-          <ac:picMkLst>
-            <pc:docMk/>
-            <pc:sldMk cId="0" sldId="262"/>
-            <ac:picMk id="107" creationId="{00000000-0000-0000-0000-000000000000}"/>
-          </ac:picMkLst>
-        </pc:picChg>
-      </pc:sldChg>
-      <pc:sldChg chg="modSp">
-        <pc:chgData name="John Patrick Johnson" userId="S::jpj8711@ads.northwestern.edu::fe18dc51-e5c5-41f0-a67f-64543119935e" providerId="AD" clId="Web-{C0D6B327-BF2E-1EC4-C4D4-83B34B46966D}" dt="2022-06-01T02:42:44.630" v="403" actId="20577"/>
-        <pc:sldMkLst>
-          <pc:docMk/>
-          <pc:sldMk cId="0" sldId="263"/>
-        </pc:sldMkLst>
-        <pc:spChg chg="mod">
-          <ac:chgData name="John Patrick Johnson" userId="S::jpj8711@ads.northwestern.edu::fe18dc51-e5c5-41f0-a67f-64543119935e" providerId="AD" clId="Web-{C0D6B327-BF2E-1EC4-C4D4-83B34B46966D}" dt="2022-06-01T02:42:11.692" v="372" actId="20577"/>
-          <ac:spMkLst>
-            <pc:docMk/>
-            <pc:sldMk cId="0" sldId="263"/>
-            <ac:spMk id="113" creationId="{00000000-0000-0000-0000-000000000000}"/>
-          </ac:spMkLst>
-        </pc:spChg>
-        <pc:spChg chg="mod">
-          <ac:chgData name="John Patrick Johnson" userId="S::jpj8711@ads.northwestern.edu::fe18dc51-e5c5-41f0-a67f-64543119935e" providerId="AD" clId="Web-{C0D6B327-BF2E-1EC4-C4D4-83B34B46966D}" dt="2022-06-01T02:42:44.630" v="403" actId="20577"/>
-          <ac:spMkLst>
-            <pc:docMk/>
-            <pc:sldMk cId="0" sldId="263"/>
-            <ac:spMk id="116" creationId="{00000000-0000-0000-0000-000000000000}"/>
-          </ac:spMkLst>
-        </pc:spChg>
-      </pc:sldChg>
-      <pc:sldChg chg="del">
-        <pc:chgData name="John Patrick Johnson" userId="S::jpj8711@ads.northwestern.edu::fe18dc51-e5c5-41f0-a67f-64543119935e" providerId="AD" clId="Web-{C0D6B327-BF2E-1EC4-C4D4-83B34B46966D}" dt="2022-06-01T02:41:34.567" v="368"/>
-        <pc:sldMkLst>
-          <pc:docMk/>
-          <pc:sldMk cId="0" sldId="265"/>
-        </pc:sldMkLst>
-      </pc:sldChg>
-      <pc:sldChg chg="modSp">
-        <pc:chgData name="John Patrick Johnson" userId="S::jpj8711@ads.northwestern.edu::fe18dc51-e5c5-41f0-a67f-64543119935e" providerId="AD" clId="Web-{C0D6B327-BF2E-1EC4-C4D4-83B34B46966D}" dt="2022-06-01T02:50:26.957" v="590" actId="20577"/>
-        <pc:sldMkLst>
-          <pc:docMk/>
-          <pc:sldMk cId="0" sldId="266"/>
-        </pc:sldMkLst>
-        <pc:spChg chg="mod">
-          <ac:chgData name="John Patrick Johnson" userId="S::jpj8711@ads.northwestern.edu::fe18dc51-e5c5-41f0-a67f-64543119935e" providerId="AD" clId="Web-{C0D6B327-BF2E-1EC4-C4D4-83B34B46966D}" dt="2022-06-01T02:50:26.957" v="590" actId="20577"/>
-          <ac:spMkLst>
-            <pc:docMk/>
-            <pc:sldMk cId="0" sldId="266"/>
-            <ac:spMk id="151" creationId="{00000000-0000-0000-0000-000000000000}"/>
-          </ac:spMkLst>
-        </pc:spChg>
-      </pc:sldChg>
-      <pc:sldChg chg="addSp delSp modSp ord addAnim delAnim">
-        <pc:chgData name="John Patrick Johnson" userId="S::jpj8711@ads.northwestern.edu::fe18dc51-e5c5-41f0-a67f-64543119935e" providerId="AD" clId="Web-{C0D6B327-BF2E-1EC4-C4D4-83B34B46966D}" dt="2022-06-01T13:19:26.758" v="1807"/>
-        <pc:sldMkLst>
-          <pc:docMk/>
-          <pc:sldMk cId="0" sldId="268"/>
-        </pc:sldMkLst>
-        <pc:spChg chg="mod">
-          <ac:chgData name="John Patrick Johnson" userId="S::jpj8711@ads.northwestern.edu::fe18dc51-e5c5-41f0-a67f-64543119935e" providerId="AD" clId="Web-{C0D6B327-BF2E-1EC4-C4D4-83B34B46966D}" dt="2022-06-01T03:18:42.825" v="1112" actId="20577"/>
-          <ac:spMkLst>
-            <pc:docMk/>
-            <pc:sldMk cId="0" sldId="268"/>
-            <ac:spMk id="4" creationId="{00000000-0000-0000-0000-000000000000}"/>
-          </ac:spMkLst>
-        </pc:spChg>
-        <pc:spChg chg="add del mod">
-          <ac:chgData name="John Patrick Johnson" userId="S::jpj8711@ads.northwestern.edu::fe18dc51-e5c5-41f0-a67f-64543119935e" providerId="AD" clId="Web-{C0D6B327-BF2E-1EC4-C4D4-83B34B46966D}" dt="2022-06-01T03:12:32.013" v="985"/>
-          <ac:spMkLst>
-            <pc:docMk/>
-            <pc:sldMk cId="0" sldId="268"/>
-            <ac:spMk id="6" creationId="{6EB2BF68-0666-68D7-212A-7FD9C83A7850}"/>
-          </ac:spMkLst>
-        </pc:spChg>
-        <pc:spChg chg="add mod">
-          <ac:chgData name="John Patrick Johnson" userId="S::jpj8711@ads.northwestern.edu::fe18dc51-e5c5-41f0-a67f-64543119935e" providerId="AD" clId="Web-{C0D6B327-BF2E-1EC4-C4D4-83B34B46966D}" dt="2022-06-01T03:18:45.528" v="1113" actId="1076"/>
-          <ac:spMkLst>
-            <pc:docMk/>
-            <pc:sldMk cId="0" sldId="268"/>
-            <ac:spMk id="8" creationId="{B1E6CF50-387D-7542-57FA-51B635A52475}"/>
-          </ac:spMkLst>
-        </pc:spChg>
-        <pc:spChg chg="add del">
-          <ac:chgData name="John Patrick Johnson" userId="S::jpj8711@ads.northwestern.edu::fe18dc51-e5c5-41f0-a67f-64543119935e" providerId="AD" clId="Web-{C0D6B327-BF2E-1EC4-C4D4-83B34B46966D}" dt="2022-06-01T03:19:01.949" v="1115"/>
-          <ac:spMkLst>
-            <pc:docMk/>
-            <pc:sldMk cId="0" sldId="268"/>
-            <ac:spMk id="9" creationId="{450F678F-46C9-5163-7C26-C5145BB4774F}"/>
-          </ac:spMkLst>
-        </pc:spChg>
-        <pc:spChg chg="add del">
-          <ac:chgData name="John Patrick Johnson" userId="S::jpj8711@ads.northwestern.edu::fe18dc51-e5c5-41f0-a67f-64543119935e" providerId="AD" clId="Web-{C0D6B327-BF2E-1EC4-C4D4-83B34B46966D}" dt="2022-06-01T03:19:11.949" v="1117"/>
-          <ac:spMkLst>
-            <pc:docMk/>
-            <pc:sldMk cId="0" sldId="268"/>
-            <ac:spMk id="10" creationId="{450F678F-46C9-5163-7C26-C5145BB4774F}"/>
-          </ac:spMkLst>
-        </pc:spChg>
-        <pc:spChg chg="add mod">
-          <ac:chgData name="John Patrick Johnson" userId="S::jpj8711@ads.northwestern.edu::fe18dc51-e5c5-41f0-a67f-64543119935e" providerId="AD" clId="Web-{C0D6B327-BF2E-1EC4-C4D4-83B34B46966D}" dt="2022-06-01T03:19:41.590" v="1137" actId="20577"/>
-          <ac:spMkLst>
-            <pc:docMk/>
-            <pc:sldMk cId="0" sldId="268"/>
-            <ac:spMk id="12" creationId="{7F77E056-C577-DCD6-E10F-B619C64CA4E0}"/>
-          </ac:spMkLst>
-        </pc:spChg>
-        <pc:spChg chg="mod">
-          <ac:chgData name="John Patrick Johnson" userId="S::jpj8711@ads.northwestern.edu::fe18dc51-e5c5-41f0-a67f-64543119935e" providerId="AD" clId="Web-{C0D6B327-BF2E-1EC4-C4D4-83B34B46966D}" dt="2022-06-01T02:58:07.579" v="723" actId="20577"/>
-          <ac:spMkLst>
-            <pc:docMk/>
-            <pc:sldMk cId="0" sldId="268"/>
-            <ac:spMk id="166" creationId="{00000000-0000-0000-0000-000000000000}"/>
-          </ac:spMkLst>
-        </pc:spChg>
-        <pc:picChg chg="mod">
-          <ac:chgData name="John Patrick Johnson" userId="S::jpj8711@ads.northwestern.edu::fe18dc51-e5c5-41f0-a67f-64543119935e" providerId="AD" clId="Web-{C0D6B327-BF2E-1EC4-C4D4-83B34B46966D}" dt="2022-06-01T03:18:14.700" v="1102" actId="14100"/>
-          <ac:picMkLst>
-            <pc:docMk/>
-            <pc:sldMk cId="0" sldId="268"/>
-            <ac:picMk id="3" creationId="{00000000-0000-0000-0000-000000000000}"/>
-          </ac:picMkLst>
-        </pc:picChg>
-      </pc:sldChg>
-      <pc:sldChg chg="modSp ord">
-        <pc:chgData name="John Patrick Johnson" userId="S::jpj8711@ads.northwestern.edu::fe18dc51-e5c5-41f0-a67f-64543119935e" providerId="AD" clId="Web-{C0D6B327-BF2E-1EC4-C4D4-83B34B46966D}" dt="2022-06-01T13:19:29.602" v="1808"/>
-        <pc:sldMkLst>
-          <pc:docMk/>
-          <pc:sldMk cId="0" sldId="269"/>
-        </pc:sldMkLst>
-        <pc:spChg chg="mod">
-          <ac:chgData name="John Patrick Johnson" userId="S::jpj8711@ads.northwestern.edu::fe18dc51-e5c5-41f0-a67f-64543119935e" providerId="AD" clId="Web-{C0D6B327-BF2E-1EC4-C4D4-83B34B46966D}" dt="2022-06-01T02:57:53.532" v="721" actId="20577"/>
-          <ac:spMkLst>
-            <pc:docMk/>
-            <pc:sldMk cId="0" sldId="269"/>
-            <ac:spMk id="176" creationId="{00000000-0000-0000-0000-000000000000}"/>
-          </ac:spMkLst>
-        </pc:spChg>
-        <pc:spChg chg="mod">
-          <ac:chgData name="John Patrick Johnson" userId="S::jpj8711@ads.northwestern.edu::fe18dc51-e5c5-41f0-a67f-64543119935e" providerId="AD" clId="Web-{C0D6B327-BF2E-1EC4-C4D4-83B34B46966D}" dt="2022-06-01T03:16:37.247" v="1088" actId="20577"/>
-          <ac:spMkLst>
-            <pc:docMk/>
-            <pc:sldMk cId="0" sldId="269"/>
-            <ac:spMk id="179" creationId="{00000000-0000-0000-0000-000000000000}"/>
-          </ac:spMkLst>
-        </pc:spChg>
-      </pc:sldChg>
-      <pc:sldChg chg="modSp">
-        <pc:chgData name="John Patrick Johnson" userId="S::jpj8711@ads.northwestern.edu::fe18dc51-e5c5-41f0-a67f-64543119935e" providerId="AD" clId="Web-{C0D6B327-BF2E-1EC4-C4D4-83B34B46966D}" dt="2022-06-01T13:21:39.492" v="1890" actId="20577"/>
-        <pc:sldMkLst>
-          <pc:docMk/>
-          <pc:sldMk cId="0" sldId="272"/>
-        </pc:sldMkLst>
-        <pc:spChg chg="mod">
-          <ac:chgData name="John Patrick Johnson" userId="S::jpj8711@ads.northwestern.edu::fe18dc51-e5c5-41f0-a67f-64543119935e" providerId="AD" clId="Web-{C0D6B327-BF2E-1EC4-C4D4-83B34B46966D}" dt="2022-06-01T13:21:39.492" v="1890" actId="20577"/>
-          <ac:spMkLst>
-            <pc:docMk/>
-            <pc:sldMk cId="0" sldId="272"/>
-            <ac:spMk id="5" creationId="{D530A949-24AC-48CD-B587-1D34E28B4FBC}"/>
-          </ac:spMkLst>
-        </pc:spChg>
-        <pc:spChg chg="mod">
-          <ac:chgData name="John Patrick Johnson" userId="S::jpj8711@ads.northwestern.edu::fe18dc51-e5c5-41f0-a67f-64543119935e" providerId="AD" clId="Web-{C0D6B327-BF2E-1EC4-C4D4-83B34B46966D}" dt="2022-06-01T13:20:03.118" v="1812" actId="20577"/>
-          <ac:spMkLst>
-            <pc:docMk/>
-            <pc:sldMk cId="0" sldId="272"/>
-            <ac:spMk id="206" creationId="{00000000-0000-0000-0000-000000000000}"/>
-          </ac:spMkLst>
-        </pc:spChg>
-      </pc:sldChg>
-      <pc:sldChg chg="ord">
-        <pc:chgData name="John Patrick Johnson" userId="S::jpj8711@ads.northwestern.edu::fe18dc51-e5c5-41f0-a67f-64543119935e" providerId="AD" clId="Web-{C0D6B327-BF2E-1EC4-C4D4-83B34B46966D}" dt="2022-06-01T02:41:41.880" v="369"/>
-        <pc:sldMkLst>
-          <pc:docMk/>
-          <pc:sldMk cId="0" sldId="274"/>
-        </pc:sldMkLst>
-      </pc:sldChg>
-      <pc:sldChg chg="modSp">
-        <pc:chgData name="John Patrick Johnson" userId="S::jpj8711@ads.northwestern.edu::fe18dc51-e5c5-41f0-a67f-64543119935e" providerId="AD" clId="Web-{C0D6B327-BF2E-1EC4-C4D4-83B34B46966D}" dt="2022-06-01T03:26:12.385" v="1269" actId="20577"/>
-        <pc:sldMkLst>
-          <pc:docMk/>
-          <pc:sldMk cId="0" sldId="276"/>
-        </pc:sldMkLst>
-        <pc:spChg chg="mod">
-          <ac:chgData name="John Patrick Johnson" userId="S::jpj8711@ads.northwestern.edu::fe18dc51-e5c5-41f0-a67f-64543119935e" providerId="AD" clId="Web-{C0D6B327-BF2E-1EC4-C4D4-83B34B46966D}" dt="2022-06-01T03:24:29.448" v="1194" actId="20577"/>
-          <ac:spMkLst>
-            <pc:docMk/>
-            <pc:sldMk cId="0" sldId="276"/>
-            <ac:spMk id="250" creationId="{00000000-0000-0000-0000-000000000000}"/>
-          </ac:spMkLst>
-        </pc:spChg>
-        <pc:spChg chg="mod">
-          <ac:chgData name="John Patrick Johnson" userId="S::jpj8711@ads.northwestern.edu::fe18dc51-e5c5-41f0-a67f-64543119935e" providerId="AD" clId="Web-{C0D6B327-BF2E-1EC4-C4D4-83B34B46966D}" dt="2022-06-01T03:26:12.385" v="1269" actId="20577"/>
-          <ac:spMkLst>
-            <pc:docMk/>
-            <pc:sldMk cId="0" sldId="276"/>
-            <ac:spMk id="253" creationId="{00000000-0000-0000-0000-000000000000}"/>
-          </ac:spMkLst>
-        </pc:spChg>
-      </pc:sldChg>
-      <pc:sldChg chg="addSp modSp">
-        <pc:chgData name="John Patrick Johnson" userId="S::jpj8711@ads.northwestern.edu::fe18dc51-e5c5-41f0-a67f-64543119935e" providerId="AD" clId="Web-{C0D6B327-BF2E-1EC4-C4D4-83B34B46966D}" dt="2022-06-01T02:36:30.022" v="276" actId="20577"/>
-        <pc:sldMkLst>
-          <pc:docMk/>
-          <pc:sldMk cId="0" sldId="280"/>
-        </pc:sldMkLst>
-        <pc:spChg chg="mod">
-          <ac:chgData name="John Patrick Johnson" userId="S::jpj8711@ads.northwestern.edu::fe18dc51-e5c5-41f0-a67f-64543119935e" providerId="AD" clId="Web-{C0D6B327-BF2E-1EC4-C4D4-83B34B46966D}" dt="2022-06-01T02:27:35.164" v="27" actId="20577"/>
-          <ac:spMkLst>
-            <pc:docMk/>
-            <pc:sldMk cId="0" sldId="280"/>
-            <ac:spMk id="287" creationId="{00000000-0000-0000-0000-000000000000}"/>
-          </ac:spMkLst>
-        </pc:spChg>
-        <pc:spChg chg="mod">
-          <ac:chgData name="John Patrick Johnson" userId="S::jpj8711@ads.northwestern.edu::fe18dc51-e5c5-41f0-a67f-64543119935e" providerId="AD" clId="Web-{C0D6B327-BF2E-1EC4-C4D4-83B34B46966D}" dt="2022-06-01T02:36:30.022" v="276" actId="20577"/>
-          <ac:spMkLst>
-            <pc:docMk/>
-            <pc:sldMk cId="0" sldId="280"/>
-            <ac:spMk id="290" creationId="{00000000-0000-0000-0000-000000000000}"/>
-          </ac:spMkLst>
-        </pc:spChg>
-        <pc:picChg chg="add mod">
-          <ac:chgData name="John Patrick Johnson" userId="S::jpj8711@ads.northwestern.edu::fe18dc51-e5c5-41f0-a67f-64543119935e" providerId="AD" clId="Web-{C0D6B327-BF2E-1EC4-C4D4-83B34B46966D}" dt="2022-06-01T02:27:12.227" v="9" actId="1076"/>
-          <ac:picMkLst>
-            <pc:docMk/>
-            <pc:sldMk cId="0" sldId="280"/>
-            <ac:picMk id="3" creationId="{11A58728-FE18-8B7B-F0DE-2722E887D8BF}"/>
-          </ac:picMkLst>
-        </pc:picChg>
-      </pc:sldChg>
-      <pc:sldChg chg="addSp delSp modSp ord">
-        <pc:chgData name="John Patrick Johnson" userId="S::jpj8711@ads.northwestern.edu::fe18dc51-e5c5-41f0-a67f-64543119935e" providerId="AD" clId="Web-{C0D6B327-BF2E-1EC4-C4D4-83B34B46966D}" dt="2022-06-01T13:19:41.508" v="1809"/>
-        <pc:sldMkLst>
-          <pc:docMk/>
-          <pc:sldMk cId="1528208654" sldId="281"/>
-        </pc:sldMkLst>
-        <pc:spChg chg="add mod">
-          <ac:chgData name="John Patrick Johnson" userId="S::jpj8711@ads.northwestern.edu::fe18dc51-e5c5-41f0-a67f-64543119935e" providerId="AD" clId="Web-{C0D6B327-BF2E-1EC4-C4D4-83B34B46966D}" dt="2022-06-01T02:57:24.064" v="713" actId="1076"/>
-          <ac:spMkLst>
-            <pc:docMk/>
-            <pc:sldMk cId="1528208654" sldId="281"/>
-            <ac:spMk id="5" creationId="{BE2F5B8D-A270-D216-55C3-243456594D03}"/>
-          </ac:spMkLst>
-        </pc:spChg>
-        <pc:spChg chg="mod">
-          <ac:chgData name="John Patrick Johnson" userId="S::jpj8711@ads.northwestern.edu::fe18dc51-e5c5-41f0-a67f-64543119935e" providerId="AD" clId="Web-{C0D6B327-BF2E-1EC4-C4D4-83B34B46966D}" dt="2022-06-01T13:19:01.993" v="1805" actId="20577"/>
-          <ac:spMkLst>
-            <pc:docMk/>
-            <pc:sldMk cId="1528208654" sldId="281"/>
-            <ac:spMk id="186" creationId="{00000000-0000-0000-0000-000000000000}"/>
-          </ac:spMkLst>
-        </pc:spChg>
-        <pc:picChg chg="del">
-          <ac:chgData name="John Patrick Johnson" userId="S::jpj8711@ads.northwestern.edu::fe18dc51-e5c5-41f0-a67f-64543119935e" providerId="AD" clId="Web-{C0D6B327-BF2E-1EC4-C4D4-83B34B46966D}" dt="2022-06-01T02:53:34.534" v="591"/>
-          <ac:picMkLst>
-            <pc:docMk/>
-            <pc:sldMk cId="1528208654" sldId="281"/>
-            <ac:picMk id="3" creationId="{7864658F-7BC4-4B78-8FE5-9D728E78507F}"/>
-          </ac:picMkLst>
-        </pc:picChg>
-        <pc:picChg chg="add mod">
-          <ac:chgData name="John Patrick Johnson" userId="S::jpj8711@ads.northwestern.edu::fe18dc51-e5c5-41f0-a67f-64543119935e" providerId="AD" clId="Web-{C0D6B327-BF2E-1EC4-C4D4-83B34B46966D}" dt="2022-06-01T02:56:38.595" v="676" actId="1076"/>
-          <ac:picMkLst>
-            <pc:docMk/>
-            <pc:sldMk cId="1528208654" sldId="281"/>
-            <ac:picMk id="4" creationId="{72E39C7F-D1D4-ED64-0613-6CAE0A8B08A8}"/>
-          </ac:picMkLst>
-        </pc:picChg>
-      </pc:sldChg>
-      <pc:sldChg chg="addSp delSp modSp ord">
-        <pc:chgData name="John Patrick Johnson" userId="S::jpj8711@ads.northwestern.edu::fe18dc51-e5c5-41f0-a67f-64543119935e" providerId="AD" clId="Web-{C0D6B327-BF2E-1EC4-C4D4-83B34B46966D}" dt="2022-06-01T06:25:33.898" v="1793" actId="20577"/>
-        <pc:sldMkLst>
-          <pc:docMk/>
-          <pc:sldMk cId="837207602" sldId="282"/>
-        </pc:sldMkLst>
-        <pc:spChg chg="add mod">
-          <ac:chgData name="John Patrick Johnson" userId="S::jpj8711@ads.northwestern.edu::fe18dc51-e5c5-41f0-a67f-64543119935e" providerId="AD" clId="Web-{C0D6B327-BF2E-1EC4-C4D4-83B34B46966D}" dt="2022-06-01T06:25:33.898" v="1793" actId="20577"/>
-          <ac:spMkLst>
-            <pc:docMk/>
-            <pc:sldMk cId="837207602" sldId="282"/>
-            <ac:spMk id="3" creationId="{52588039-4CD5-A745-394E-9E48A5A8FD86}"/>
-          </ac:spMkLst>
-        </pc:spChg>
-        <pc:spChg chg="add del">
-          <ac:chgData name="John Patrick Johnson" userId="S::jpj8711@ads.northwestern.edu::fe18dc51-e5c5-41f0-a67f-64543119935e" providerId="AD" clId="Web-{C0D6B327-BF2E-1EC4-C4D4-83B34B46966D}" dt="2022-06-01T03:34:47.414" v="1561"/>
-          <ac:spMkLst>
-            <pc:docMk/>
-            <pc:sldMk cId="837207602" sldId="282"/>
-            <ac:spMk id="6" creationId="{666D8669-9B01-BC8C-F3FD-9E41B5F5206A}"/>
-          </ac:spMkLst>
-        </pc:spChg>
-        <pc:spChg chg="add del">
-          <ac:chgData name="John Patrick Johnson" userId="S::jpj8711@ads.northwestern.edu::fe18dc51-e5c5-41f0-a67f-64543119935e" providerId="AD" clId="Web-{C0D6B327-BF2E-1EC4-C4D4-83B34B46966D}" dt="2022-06-01T03:34:53.368" v="1563"/>
-          <ac:spMkLst>
-            <pc:docMk/>
-            <pc:sldMk cId="837207602" sldId="282"/>
-            <ac:spMk id="8" creationId="{97F25CB9-9132-58FD-51D0-49C0BFABF25B}"/>
-          </ac:spMkLst>
-        </pc:spChg>
-        <pc:spChg chg="add mod">
-          <ac:chgData name="John Patrick Johnson" userId="S::jpj8711@ads.northwestern.edu::fe18dc51-e5c5-41f0-a67f-64543119935e" providerId="AD" clId="Web-{C0D6B327-BF2E-1EC4-C4D4-83B34B46966D}" dt="2022-06-01T03:40:32.272" v="1674" actId="20577"/>
-          <ac:spMkLst>
-            <pc:docMk/>
-            <pc:sldMk cId="837207602" sldId="282"/>
-            <ac:spMk id="9" creationId="{62565879-8A2E-EBF5-A9DD-54B47D47CBC4}"/>
-          </ac:spMkLst>
-        </pc:spChg>
-        <pc:spChg chg="add mod">
-          <ac:chgData name="John Patrick Johnson" userId="S::jpj8711@ads.northwestern.edu::fe18dc51-e5c5-41f0-a67f-64543119935e" providerId="AD" clId="Web-{C0D6B327-BF2E-1EC4-C4D4-83B34B46966D}" dt="2022-06-01T03:43:52.162" v="1700" actId="20577"/>
-          <ac:spMkLst>
-            <pc:docMk/>
-            <pc:sldMk cId="837207602" sldId="282"/>
-            <ac:spMk id="10" creationId="{296C0996-A7E3-346C-DB01-05F03B03BF90}"/>
-          </ac:spMkLst>
-        </pc:spChg>
-        <pc:spChg chg="add mod">
-          <ac:chgData name="John Patrick Johnson" userId="S::jpj8711@ads.northwestern.edu::fe18dc51-e5c5-41f0-a67f-64543119935e" providerId="AD" clId="Web-{C0D6B327-BF2E-1EC4-C4D4-83B34B46966D}" dt="2022-06-01T03:45:13.146" v="1727" actId="20577"/>
-          <ac:spMkLst>
-            <pc:docMk/>
-            <pc:sldMk cId="837207602" sldId="282"/>
-            <ac:spMk id="11" creationId="{A1339F41-7577-E7F6-8916-A0D3053CEEEE}"/>
-          </ac:spMkLst>
-        </pc:spChg>
-        <pc:spChg chg="add mod">
-          <ac:chgData name="John Patrick Johnson" userId="S::jpj8711@ads.northwestern.edu::fe18dc51-e5c5-41f0-a67f-64543119935e" providerId="AD" clId="Web-{C0D6B327-BF2E-1EC4-C4D4-83B34B46966D}" dt="2022-06-01T03:47:59.583" v="1780" actId="20577"/>
-          <ac:spMkLst>
-            <pc:docMk/>
-            <pc:sldMk cId="837207602" sldId="282"/>
-            <ac:spMk id="12" creationId="{B195C3E0-8603-751F-CEC4-E67817945A60}"/>
-          </ac:spMkLst>
-        </pc:spChg>
-        <pc:spChg chg="add mod">
-          <ac:chgData name="John Patrick Johnson" userId="S::jpj8711@ads.northwestern.edu::fe18dc51-e5c5-41f0-a67f-64543119935e" providerId="AD" clId="Web-{C0D6B327-BF2E-1EC4-C4D4-83B34B46966D}" dt="2022-06-01T03:48:51.224" v="1790" actId="20577"/>
-          <ac:spMkLst>
-            <pc:docMk/>
-            <pc:sldMk cId="837207602" sldId="282"/>
-            <ac:spMk id="13" creationId="{4C380D0C-F3C0-6BCB-683A-D06B15F59CA7}"/>
-          </ac:spMkLst>
-        </pc:spChg>
-        <pc:spChg chg="mod">
-          <ac:chgData name="John Patrick Johnson" userId="S::jpj8711@ads.northwestern.edu::fe18dc51-e5c5-41f0-a67f-64543119935e" providerId="AD" clId="Web-{C0D6B327-BF2E-1EC4-C4D4-83B34B46966D}" dt="2022-06-01T03:32:23.509" v="1480" actId="20577"/>
-          <ac:spMkLst>
-            <pc:docMk/>
-            <pc:sldMk cId="837207602" sldId="282"/>
-            <ac:spMk id="250" creationId="{00000000-0000-0000-0000-000000000000}"/>
-          </ac:spMkLst>
-        </pc:spChg>
-        <pc:graphicFrameChg chg="del mod modGraphic">
-          <ac:chgData name="John Patrick Johnson" userId="S::jpj8711@ads.northwestern.edu::fe18dc51-e5c5-41f0-a67f-64543119935e" providerId="AD" clId="Web-{C0D6B327-BF2E-1EC4-C4D4-83B34B46966D}" dt="2022-06-01T03:32:31.931" v="1483"/>
-          <ac:graphicFrameMkLst>
-            <pc:docMk/>
-            <pc:sldMk cId="837207602" sldId="282"/>
-            <ac:graphicFrameMk id="5" creationId="{285B998A-5C00-439B-BE1E-F29A5600755F}"/>
-          </ac:graphicFrameMkLst>
-        </pc:graphicFrameChg>
       </pc:sldChg>
     </pc:docChg>
   </pc:docChgLst>
@@ -1725,177 +1117,1330 @@
     </pc:docChg>
   </pc:docChgLst>
   <pc:docChgLst>
-    <pc:chgData name="Ginger Lee Jacobson" userId="S::glj8018@ads.northwestern.edu::3a49910d-c358-4586-b31b-05d58406f615" providerId="AD" clId="Web-{A29EF2C3-BCC3-FE84-9E28-8AC5DC878225}"/>
+    <pc:chgData name="John Patrick Johnson" userId="S::jpj8711@ads.northwestern.edu::fe18dc51-e5c5-41f0-a67f-64543119935e" providerId="AD" clId="Web-{562DAB7D-436C-1602-E72E-908B982172E0}"/>
     <pc:docChg chg="addSld modSld sldOrd">
-      <pc:chgData name="Ginger Lee Jacobson" userId="S::glj8018@ads.northwestern.edu::3a49910d-c358-4586-b31b-05d58406f615" providerId="AD" clId="Web-{A29EF2C3-BCC3-FE84-9E28-8AC5DC878225}" dt="2023-01-11T21:56:40.632" v="365"/>
+      <pc:chgData name="John Patrick Johnson" userId="S::jpj8711@ads.northwestern.edu::fe18dc51-e5c5-41f0-a67f-64543119935e" providerId="AD" clId="Web-{562DAB7D-436C-1602-E72E-908B982172E0}" dt="2022-06-28T02:29:01.140" v="29" actId="20577"/>
+      <pc:docMkLst>
+        <pc:docMk/>
+      </pc:docMkLst>
+      <pc:sldChg chg="modSp add ord replId">
+        <pc:chgData name="John Patrick Johnson" userId="S::jpj8711@ads.northwestern.edu::fe18dc51-e5c5-41f0-a67f-64543119935e" providerId="AD" clId="Web-{562DAB7D-436C-1602-E72E-908B982172E0}" dt="2022-06-28T02:29:01.140" v="29" actId="20577"/>
+        <pc:sldMkLst>
+          <pc:docMk/>
+          <pc:sldMk cId="4134066138" sldId="285"/>
+        </pc:sldMkLst>
+        <pc:spChg chg="mod">
+          <ac:chgData name="John Patrick Johnson" userId="S::jpj8711@ads.northwestern.edu::fe18dc51-e5c5-41f0-a67f-64543119935e" providerId="AD" clId="Web-{562DAB7D-436C-1602-E72E-908B982172E0}" dt="2022-06-28T02:27:47.187" v="6" actId="20577"/>
+          <ac:spMkLst>
+            <pc:docMk/>
+            <pc:sldMk cId="4134066138" sldId="285"/>
+            <ac:spMk id="250" creationId="{00000000-0000-0000-0000-000000000000}"/>
+          </ac:spMkLst>
+        </pc:spChg>
+        <pc:spChg chg="mod">
+          <ac:chgData name="John Patrick Johnson" userId="S::jpj8711@ads.northwestern.edu::fe18dc51-e5c5-41f0-a67f-64543119935e" providerId="AD" clId="Web-{562DAB7D-436C-1602-E72E-908B982172E0}" dt="2022-06-28T02:29:01.140" v="29" actId="20577"/>
+          <ac:spMkLst>
+            <pc:docMk/>
+            <pc:sldMk cId="4134066138" sldId="285"/>
+            <ac:spMk id="253" creationId="{00000000-0000-0000-0000-000000000000}"/>
+          </ac:spMkLst>
+        </pc:spChg>
+      </pc:sldChg>
+    </pc:docChg>
+  </pc:docChgLst>
+  <pc:docChgLst>
+    <pc:chgData name="John Patrick Johnson" userId="S::jpj8711@ads.northwestern.edu::fe18dc51-e5c5-41f0-a67f-64543119935e" providerId="AD" clId="Web-{214CD2D6-61C4-2C24-7F1E-A1F969B61D7D}"/>
+    <pc:docChg chg="modSld">
+      <pc:chgData name="John Patrick Johnson" userId="S::jpj8711@ads.northwestern.edu::fe18dc51-e5c5-41f0-a67f-64543119935e" providerId="AD" clId="Web-{214CD2D6-61C4-2C24-7F1E-A1F969B61D7D}" dt="2023-01-12T23:25:11.096" v="256"/>
       <pc:docMkLst>
         <pc:docMk/>
       </pc:docMkLst>
       <pc:sldChg chg="modSp">
-        <pc:chgData name="Ginger Lee Jacobson" userId="S::glj8018@ads.northwestern.edu::3a49910d-c358-4586-b31b-05d58406f615" providerId="AD" clId="Web-{A29EF2C3-BCC3-FE84-9E28-8AC5DC878225}" dt="2023-01-11T21:19:44.332" v="229" actId="20577"/>
+        <pc:chgData name="John Patrick Johnson" userId="S::jpj8711@ads.northwestern.edu::fe18dc51-e5c5-41f0-a67f-64543119935e" providerId="AD" clId="Web-{214CD2D6-61C4-2C24-7F1E-A1F969B61D7D}" dt="2023-01-12T23:17:51.454" v="36" actId="20577"/>
+        <pc:sldMkLst>
+          <pc:docMk/>
+          <pc:sldMk cId="0" sldId="259"/>
+        </pc:sldMkLst>
+        <pc:spChg chg="mod">
+          <ac:chgData name="John Patrick Johnson" userId="S::jpj8711@ads.northwestern.edu::fe18dc51-e5c5-41f0-a67f-64543119935e" providerId="AD" clId="Web-{214CD2D6-61C4-2C24-7F1E-A1F969B61D7D}" dt="2023-01-12T23:17:51.454" v="36" actId="20577"/>
+          <ac:spMkLst>
+            <pc:docMk/>
+            <pc:sldMk cId="0" sldId="259"/>
+            <ac:spMk id="3" creationId="{E1491D88-C395-4672-BC8D-661A338098A2}"/>
+          </ac:spMkLst>
+        </pc:spChg>
+        <pc:spChg chg="mod">
+          <ac:chgData name="John Patrick Johnson" userId="S::jpj8711@ads.northwestern.edu::fe18dc51-e5c5-41f0-a67f-64543119935e" providerId="AD" clId="Web-{214CD2D6-61C4-2C24-7F1E-A1F969B61D7D}" dt="2023-01-12T23:17:46.470" v="32" actId="20577"/>
+          <ac:spMkLst>
+            <pc:docMk/>
+            <pc:sldMk cId="0" sldId="259"/>
+            <ac:spMk id="77" creationId="{00000000-0000-0000-0000-000000000000}"/>
+          </ac:spMkLst>
+        </pc:spChg>
+      </pc:sldChg>
+      <pc:sldChg chg="addSp delSp modSp addAnim modAnim">
+        <pc:chgData name="John Patrick Johnson" userId="S::jpj8711@ads.northwestern.edu::fe18dc51-e5c5-41f0-a67f-64543119935e" providerId="AD" clId="Web-{214CD2D6-61C4-2C24-7F1E-A1F969B61D7D}" dt="2023-01-12T23:25:11.096" v="256"/>
+        <pc:sldMkLst>
+          <pc:docMk/>
+          <pc:sldMk cId="0" sldId="261"/>
+        </pc:sldMkLst>
+        <pc:spChg chg="add del mod">
+          <ac:chgData name="John Patrick Johnson" userId="S::jpj8711@ads.northwestern.edu::fe18dc51-e5c5-41f0-a67f-64543119935e" providerId="AD" clId="Web-{214CD2D6-61C4-2C24-7F1E-A1F969B61D7D}" dt="2023-01-12T23:25:11.096" v="256"/>
+          <ac:spMkLst>
+            <pc:docMk/>
+            <pc:sldMk cId="0" sldId="261"/>
+            <ac:spMk id="3" creationId="{2E23BE12-A1B4-8932-935E-46DB9E244ED6}"/>
+          </ac:spMkLst>
+        </pc:spChg>
+        <pc:spChg chg="add del mod">
+          <ac:chgData name="John Patrick Johnson" userId="S::jpj8711@ads.northwestern.edu::fe18dc51-e5c5-41f0-a67f-64543119935e" providerId="AD" clId="Web-{214CD2D6-61C4-2C24-7F1E-A1F969B61D7D}" dt="2023-01-12T23:25:07.831" v="255"/>
+          <ac:spMkLst>
+            <pc:docMk/>
+            <pc:sldMk cId="0" sldId="261"/>
+            <ac:spMk id="4" creationId="{9D31B274-DE0F-3A8B-30A4-7F6AA07D8EEC}"/>
+          </ac:spMkLst>
+        </pc:spChg>
+        <pc:spChg chg="add mod">
+          <ac:chgData name="John Patrick Johnson" userId="S::jpj8711@ads.northwestern.edu::fe18dc51-e5c5-41f0-a67f-64543119935e" providerId="AD" clId="Web-{214CD2D6-61C4-2C24-7F1E-A1F969B61D7D}" dt="2023-01-12T23:24:37.550" v="251" actId="14100"/>
+          <ac:spMkLst>
+            <pc:docMk/>
+            <pc:sldMk cId="0" sldId="261"/>
+            <ac:spMk id="5" creationId="{38968ADF-FF17-60E6-D348-34F438B576FC}"/>
+          </ac:spMkLst>
+        </pc:spChg>
+        <pc:spChg chg="mod">
+          <ac:chgData name="John Patrick Johnson" userId="S::jpj8711@ads.northwestern.edu::fe18dc51-e5c5-41f0-a67f-64543119935e" providerId="AD" clId="Web-{214CD2D6-61C4-2C24-7F1E-A1F969B61D7D}" dt="2023-01-12T23:22:52.503" v="182" actId="20577"/>
+          <ac:spMkLst>
+            <pc:docMk/>
+            <pc:sldMk cId="0" sldId="261"/>
+            <ac:spMk id="97" creationId="{00000000-0000-0000-0000-000000000000}"/>
+          </ac:spMkLst>
+        </pc:spChg>
+      </pc:sldChg>
+      <pc:sldChg chg="modSp">
+        <pc:chgData name="John Patrick Johnson" userId="S::jpj8711@ads.northwestern.edu::fe18dc51-e5c5-41f0-a67f-64543119935e" providerId="AD" clId="Web-{214CD2D6-61C4-2C24-7F1E-A1F969B61D7D}" dt="2023-01-12T23:17:09.032" v="30" actId="1076"/>
+        <pc:sldMkLst>
+          <pc:docMk/>
+          <pc:sldMk cId="837207602" sldId="282"/>
+        </pc:sldMkLst>
+        <pc:spChg chg="mod">
+          <ac:chgData name="John Patrick Johnson" userId="S::jpj8711@ads.northwestern.edu::fe18dc51-e5c5-41f0-a67f-64543119935e" providerId="AD" clId="Web-{214CD2D6-61C4-2C24-7F1E-A1F969B61D7D}" dt="2023-01-12T23:17:09.032" v="30" actId="1076"/>
+          <ac:spMkLst>
+            <pc:docMk/>
+            <pc:sldMk cId="837207602" sldId="282"/>
+            <ac:spMk id="4" creationId="{E01374D5-3FDC-ACF5-3153-58548A78F130}"/>
+          </ac:spMkLst>
+        </pc:spChg>
+      </pc:sldChg>
+    </pc:docChg>
+  </pc:docChgLst>
+  <pc:docChgLst>
+    <pc:chgData name="John Patrick Johnson" userId="S::jpj8711@ads.northwestern.edu::fe18dc51-e5c5-41f0-a67f-64543119935e" providerId="AD" clId="Web-{A0BF277A-F909-51ED-3905-702FCCB698DA}"/>
+    <pc:docChg chg="addSld delSld modSld sldOrd modMainMaster">
+      <pc:chgData name="John Patrick Johnson" userId="S::jpj8711@ads.northwestern.edu::fe18dc51-e5c5-41f0-a67f-64543119935e" providerId="AD" clId="Web-{A0BF277A-F909-51ED-3905-702FCCB698DA}" dt="2023-06-06T02:35:51.079" v="296" actId="20577"/>
+      <pc:docMkLst>
+        <pc:docMk/>
+      </pc:docMkLst>
+      <pc:sldChg chg="modSp">
+        <pc:chgData name="John Patrick Johnson" userId="S::jpj8711@ads.northwestern.edu::fe18dc51-e5c5-41f0-a67f-64543119935e" providerId="AD" clId="Web-{A0BF277A-F909-51ED-3905-702FCCB698DA}" dt="2023-06-06T02:16:38.482" v="67" actId="20577"/>
+        <pc:sldMkLst>
+          <pc:docMk/>
+          <pc:sldMk cId="0" sldId="256"/>
+        </pc:sldMkLst>
+        <pc:spChg chg="mod">
+          <ac:chgData name="John Patrick Johnson" userId="S::jpj8711@ads.northwestern.edu::fe18dc51-e5c5-41f0-a67f-64543119935e" providerId="AD" clId="Web-{A0BF277A-F909-51ED-3905-702FCCB698DA}" dt="2023-06-06T02:16:30.779" v="59"/>
+          <ac:spMkLst>
+            <pc:docMk/>
+            <pc:sldMk cId="0" sldId="256"/>
+            <ac:spMk id="2" creationId="{289CA4ED-6DAD-386B-A788-B7C6CAF7438D}"/>
+          </ac:spMkLst>
+        </pc:spChg>
+        <pc:spChg chg="mod">
+          <ac:chgData name="John Patrick Johnson" userId="S::jpj8711@ads.northwestern.edu::fe18dc51-e5c5-41f0-a67f-64543119935e" providerId="AD" clId="Web-{A0BF277A-F909-51ED-3905-702FCCB698DA}" dt="2023-06-06T02:16:38.482" v="67" actId="20577"/>
+          <ac:spMkLst>
+            <pc:docMk/>
+            <pc:sldMk cId="0" sldId="256"/>
+            <ac:spMk id="49" creationId="{00000000-0000-0000-0000-000000000000}"/>
+          </ac:spMkLst>
+        </pc:spChg>
+        <pc:spChg chg="mod">
+          <ac:chgData name="John Patrick Johnson" userId="S::jpj8711@ads.northwestern.edu::fe18dc51-e5c5-41f0-a67f-64543119935e" providerId="AD" clId="Web-{A0BF277A-F909-51ED-3905-702FCCB698DA}" dt="2023-06-06T02:15:38.293" v="14" actId="20577"/>
+          <ac:spMkLst>
+            <pc:docMk/>
+            <pc:sldMk cId="0" sldId="256"/>
+            <ac:spMk id="50" creationId="{00000000-0000-0000-0000-000000000000}"/>
+          </ac:spMkLst>
+        </pc:spChg>
+      </pc:sldChg>
+      <pc:sldChg chg="delSp modSp">
+        <pc:chgData name="John Patrick Johnson" userId="S::jpj8711@ads.northwestern.edu::fe18dc51-e5c5-41f0-a67f-64543119935e" providerId="AD" clId="Web-{A0BF277A-F909-51ED-3905-702FCCB698DA}" dt="2023-06-06T02:16:33.639" v="60"/>
+        <pc:sldMkLst>
+          <pc:docMk/>
+          <pc:sldMk cId="0" sldId="259"/>
+        </pc:sldMkLst>
+        <pc:spChg chg="del">
+          <ac:chgData name="John Patrick Johnson" userId="S::jpj8711@ads.northwestern.edu::fe18dc51-e5c5-41f0-a67f-64543119935e" providerId="AD" clId="Web-{A0BF277A-F909-51ED-3905-702FCCB698DA}" dt="2023-06-06T02:16:33.639" v="60"/>
+          <ac:spMkLst>
+            <pc:docMk/>
+            <pc:sldMk cId="0" sldId="259"/>
+            <ac:spMk id="2" creationId="{00000000-0000-0000-0000-000000000000}"/>
+          </ac:spMkLst>
+        </pc:spChg>
+        <pc:spChg chg="mod">
+          <ac:chgData name="John Patrick Johnson" userId="S::jpj8711@ads.northwestern.edu::fe18dc51-e5c5-41f0-a67f-64543119935e" providerId="AD" clId="Web-{A0BF277A-F909-51ED-3905-702FCCB698DA}" dt="2023-06-06T02:16:33.639" v="60"/>
+          <ac:spMkLst>
+            <pc:docMk/>
+            <pc:sldMk cId="0" sldId="259"/>
+            <ac:spMk id="75" creationId="{00000000-0000-0000-0000-000000000000}"/>
+          </ac:spMkLst>
+        </pc:spChg>
+      </pc:sldChg>
+      <pc:sldChg chg="delSp modSp">
+        <pc:chgData name="John Patrick Johnson" userId="S::jpj8711@ads.northwestern.edu::fe18dc51-e5c5-41f0-a67f-64543119935e" providerId="AD" clId="Web-{A0BF277A-F909-51ED-3905-702FCCB698DA}" dt="2023-06-06T02:16:33.639" v="60"/>
+        <pc:sldMkLst>
+          <pc:docMk/>
+          <pc:sldMk cId="0" sldId="261"/>
+        </pc:sldMkLst>
+        <pc:spChg chg="del">
+          <ac:chgData name="John Patrick Johnson" userId="S::jpj8711@ads.northwestern.edu::fe18dc51-e5c5-41f0-a67f-64543119935e" providerId="AD" clId="Web-{A0BF277A-F909-51ED-3905-702FCCB698DA}" dt="2023-06-06T02:16:33.639" v="60"/>
+          <ac:spMkLst>
+            <pc:docMk/>
+            <pc:sldMk cId="0" sldId="261"/>
+            <ac:spMk id="2" creationId="{00000000-0000-0000-0000-000000000000}"/>
+          </ac:spMkLst>
+        </pc:spChg>
+        <pc:spChg chg="mod">
+          <ac:chgData name="John Patrick Johnson" userId="S::jpj8711@ads.northwestern.edu::fe18dc51-e5c5-41f0-a67f-64543119935e" providerId="AD" clId="Web-{A0BF277A-F909-51ED-3905-702FCCB698DA}" dt="2023-06-06T02:16:33.639" v="60"/>
+          <ac:spMkLst>
+            <pc:docMk/>
+            <pc:sldMk cId="0" sldId="261"/>
+            <ac:spMk id="95" creationId="{00000000-0000-0000-0000-000000000000}"/>
+          </ac:spMkLst>
+        </pc:spChg>
+      </pc:sldChg>
+      <pc:sldChg chg="delSp modSp">
+        <pc:chgData name="John Patrick Johnson" userId="S::jpj8711@ads.northwestern.edu::fe18dc51-e5c5-41f0-a67f-64543119935e" providerId="AD" clId="Web-{A0BF277A-F909-51ED-3905-702FCCB698DA}" dt="2023-06-06T02:16:33.639" v="60"/>
+        <pc:sldMkLst>
+          <pc:docMk/>
+          <pc:sldMk cId="0" sldId="262"/>
+        </pc:sldMkLst>
+        <pc:spChg chg="del">
+          <ac:chgData name="John Patrick Johnson" userId="S::jpj8711@ads.northwestern.edu::fe18dc51-e5c5-41f0-a67f-64543119935e" providerId="AD" clId="Web-{A0BF277A-F909-51ED-3905-702FCCB698DA}" dt="2023-06-06T02:16:33.639" v="60"/>
+          <ac:spMkLst>
+            <pc:docMk/>
+            <pc:sldMk cId="0" sldId="262"/>
+            <ac:spMk id="2" creationId="{00000000-0000-0000-0000-000000000000}"/>
+          </ac:spMkLst>
+        </pc:spChg>
+        <pc:spChg chg="mod">
+          <ac:chgData name="John Patrick Johnson" userId="S::jpj8711@ads.northwestern.edu::fe18dc51-e5c5-41f0-a67f-64543119935e" providerId="AD" clId="Web-{A0BF277A-F909-51ED-3905-702FCCB698DA}" dt="2023-06-06T02:16:33.639" v="60"/>
+          <ac:spMkLst>
+            <pc:docMk/>
+            <pc:sldMk cId="0" sldId="262"/>
+            <ac:spMk id="104" creationId="{00000000-0000-0000-0000-000000000000}"/>
+          </ac:spMkLst>
+        </pc:spChg>
+      </pc:sldChg>
+      <pc:sldChg chg="delSp modSp">
+        <pc:chgData name="John Patrick Johnson" userId="S::jpj8711@ads.northwestern.edu::fe18dc51-e5c5-41f0-a67f-64543119935e" providerId="AD" clId="Web-{A0BF277A-F909-51ED-3905-702FCCB698DA}" dt="2023-06-06T02:16:33.639" v="60"/>
+        <pc:sldMkLst>
+          <pc:docMk/>
+          <pc:sldMk cId="0" sldId="263"/>
+        </pc:sldMkLst>
+        <pc:spChg chg="del">
+          <ac:chgData name="John Patrick Johnson" userId="S::jpj8711@ads.northwestern.edu::fe18dc51-e5c5-41f0-a67f-64543119935e" providerId="AD" clId="Web-{A0BF277A-F909-51ED-3905-702FCCB698DA}" dt="2023-06-06T02:16:33.639" v="60"/>
+          <ac:spMkLst>
+            <pc:docMk/>
+            <pc:sldMk cId="0" sldId="263"/>
+            <ac:spMk id="2" creationId="{00000000-0000-0000-0000-000000000000}"/>
+          </ac:spMkLst>
+        </pc:spChg>
+        <pc:spChg chg="mod">
+          <ac:chgData name="John Patrick Johnson" userId="S::jpj8711@ads.northwestern.edu::fe18dc51-e5c5-41f0-a67f-64543119935e" providerId="AD" clId="Web-{A0BF277A-F909-51ED-3905-702FCCB698DA}" dt="2023-06-06T02:16:33.639" v="60"/>
+          <ac:spMkLst>
+            <pc:docMk/>
+            <pc:sldMk cId="0" sldId="263"/>
+            <ac:spMk id="114" creationId="{00000000-0000-0000-0000-000000000000}"/>
+          </ac:spMkLst>
+        </pc:spChg>
+      </pc:sldChg>
+      <pc:sldChg chg="delSp modSp">
+        <pc:chgData name="John Patrick Johnson" userId="S::jpj8711@ads.northwestern.edu::fe18dc51-e5c5-41f0-a67f-64543119935e" providerId="AD" clId="Web-{A0BF277A-F909-51ED-3905-702FCCB698DA}" dt="2023-06-06T02:16:33.639" v="60"/>
+        <pc:sldMkLst>
+          <pc:docMk/>
+          <pc:sldMk cId="0" sldId="264"/>
+        </pc:sldMkLst>
+        <pc:spChg chg="del">
+          <ac:chgData name="John Patrick Johnson" userId="S::jpj8711@ads.northwestern.edu::fe18dc51-e5c5-41f0-a67f-64543119935e" providerId="AD" clId="Web-{A0BF277A-F909-51ED-3905-702FCCB698DA}" dt="2023-06-06T02:16:33.639" v="60"/>
+          <ac:spMkLst>
+            <pc:docMk/>
+            <pc:sldMk cId="0" sldId="264"/>
+            <ac:spMk id="2" creationId="{00000000-0000-0000-0000-000000000000}"/>
+          </ac:spMkLst>
+        </pc:spChg>
+        <pc:spChg chg="mod">
+          <ac:chgData name="John Patrick Johnson" userId="S::jpj8711@ads.northwestern.edu::fe18dc51-e5c5-41f0-a67f-64543119935e" providerId="AD" clId="Web-{A0BF277A-F909-51ED-3905-702FCCB698DA}" dt="2023-06-06T02:16:33.639" v="60"/>
+          <ac:spMkLst>
+            <pc:docMk/>
+            <pc:sldMk cId="0" sldId="264"/>
+            <ac:spMk id="126" creationId="{00000000-0000-0000-0000-000000000000}"/>
+          </ac:spMkLst>
+        </pc:spChg>
+      </pc:sldChg>
+      <pc:sldChg chg="delSp modSp">
+        <pc:chgData name="John Patrick Johnson" userId="S::jpj8711@ads.northwestern.edu::fe18dc51-e5c5-41f0-a67f-64543119935e" providerId="AD" clId="Web-{A0BF277A-F909-51ED-3905-702FCCB698DA}" dt="2023-06-06T02:16:33.639" v="60"/>
+        <pc:sldMkLst>
+          <pc:docMk/>
+          <pc:sldMk cId="0" sldId="266"/>
+        </pc:sldMkLst>
+        <pc:spChg chg="del">
+          <ac:chgData name="John Patrick Johnson" userId="S::jpj8711@ads.northwestern.edu::fe18dc51-e5c5-41f0-a67f-64543119935e" providerId="AD" clId="Web-{A0BF277A-F909-51ED-3905-702FCCB698DA}" dt="2023-06-06T02:16:33.639" v="60"/>
+          <ac:spMkLst>
+            <pc:docMk/>
+            <pc:sldMk cId="0" sldId="266"/>
+            <ac:spMk id="2" creationId="{00000000-0000-0000-0000-000000000000}"/>
+          </ac:spMkLst>
+        </pc:spChg>
+        <pc:spChg chg="mod">
+          <ac:chgData name="John Patrick Johnson" userId="S::jpj8711@ads.northwestern.edu::fe18dc51-e5c5-41f0-a67f-64543119935e" providerId="AD" clId="Web-{A0BF277A-F909-51ED-3905-702FCCB698DA}" dt="2023-06-06T02:16:33.639" v="60"/>
+          <ac:spMkLst>
+            <pc:docMk/>
+            <pc:sldMk cId="0" sldId="266"/>
+            <ac:spMk id="148" creationId="{00000000-0000-0000-0000-000000000000}"/>
+          </ac:spMkLst>
+        </pc:spChg>
+      </pc:sldChg>
+      <pc:sldChg chg="delSp modSp">
+        <pc:chgData name="John Patrick Johnson" userId="S::jpj8711@ads.northwestern.edu::fe18dc51-e5c5-41f0-a67f-64543119935e" providerId="AD" clId="Web-{A0BF277A-F909-51ED-3905-702FCCB698DA}" dt="2023-06-06T02:16:33.639" v="60"/>
+        <pc:sldMkLst>
+          <pc:docMk/>
+          <pc:sldMk cId="0" sldId="268"/>
+        </pc:sldMkLst>
+        <pc:spChg chg="del">
+          <ac:chgData name="John Patrick Johnson" userId="S::jpj8711@ads.northwestern.edu::fe18dc51-e5c5-41f0-a67f-64543119935e" providerId="AD" clId="Web-{A0BF277A-F909-51ED-3905-702FCCB698DA}" dt="2023-06-06T02:16:33.639" v="60"/>
+          <ac:spMkLst>
+            <pc:docMk/>
+            <pc:sldMk cId="0" sldId="268"/>
+            <ac:spMk id="2" creationId="{00000000-0000-0000-0000-000000000000}"/>
+          </ac:spMkLst>
+        </pc:spChg>
+        <pc:spChg chg="mod">
+          <ac:chgData name="John Patrick Johnson" userId="S::jpj8711@ads.northwestern.edu::fe18dc51-e5c5-41f0-a67f-64543119935e" providerId="AD" clId="Web-{A0BF277A-F909-51ED-3905-702FCCB698DA}" dt="2023-06-06T02:16:33.639" v="60"/>
+          <ac:spMkLst>
+            <pc:docMk/>
+            <pc:sldMk cId="0" sldId="268"/>
+            <ac:spMk id="167" creationId="{00000000-0000-0000-0000-000000000000}"/>
+          </ac:spMkLst>
+        </pc:spChg>
+      </pc:sldChg>
+      <pc:sldChg chg="delSp modSp">
+        <pc:chgData name="John Patrick Johnson" userId="S::jpj8711@ads.northwestern.edu::fe18dc51-e5c5-41f0-a67f-64543119935e" providerId="AD" clId="Web-{A0BF277A-F909-51ED-3905-702FCCB698DA}" dt="2023-06-06T02:16:33.639" v="60"/>
+        <pc:sldMkLst>
+          <pc:docMk/>
+          <pc:sldMk cId="0" sldId="269"/>
+        </pc:sldMkLst>
+        <pc:spChg chg="del">
+          <ac:chgData name="John Patrick Johnson" userId="S::jpj8711@ads.northwestern.edu::fe18dc51-e5c5-41f0-a67f-64543119935e" providerId="AD" clId="Web-{A0BF277A-F909-51ED-3905-702FCCB698DA}" dt="2023-06-06T02:16:33.639" v="60"/>
+          <ac:spMkLst>
+            <pc:docMk/>
+            <pc:sldMk cId="0" sldId="269"/>
+            <ac:spMk id="2" creationId="{00000000-0000-0000-0000-000000000000}"/>
+          </ac:spMkLst>
+        </pc:spChg>
+        <pc:spChg chg="mod">
+          <ac:chgData name="John Patrick Johnson" userId="S::jpj8711@ads.northwestern.edu::fe18dc51-e5c5-41f0-a67f-64543119935e" providerId="AD" clId="Web-{A0BF277A-F909-51ED-3905-702FCCB698DA}" dt="2023-06-06T02:16:33.639" v="60"/>
+          <ac:spMkLst>
+            <pc:docMk/>
+            <pc:sldMk cId="0" sldId="269"/>
+            <ac:spMk id="177" creationId="{00000000-0000-0000-0000-000000000000}"/>
+          </ac:spMkLst>
+        </pc:spChg>
+      </pc:sldChg>
+      <pc:sldChg chg="delSp modSp">
+        <pc:chgData name="John Patrick Johnson" userId="S::jpj8711@ads.northwestern.edu::fe18dc51-e5c5-41f0-a67f-64543119935e" providerId="AD" clId="Web-{A0BF277A-F909-51ED-3905-702FCCB698DA}" dt="2023-06-06T02:20:12.738" v="101" actId="20577"/>
+        <pc:sldMkLst>
+          <pc:docMk/>
+          <pc:sldMk cId="0" sldId="272"/>
+        </pc:sldMkLst>
+        <pc:spChg chg="del">
+          <ac:chgData name="John Patrick Johnson" userId="S::jpj8711@ads.northwestern.edu::fe18dc51-e5c5-41f0-a67f-64543119935e" providerId="AD" clId="Web-{A0BF277A-F909-51ED-3905-702FCCB698DA}" dt="2023-06-06T02:16:33.639" v="60"/>
+          <ac:spMkLst>
+            <pc:docMk/>
+            <pc:sldMk cId="0" sldId="272"/>
+            <ac:spMk id="2" creationId="{00000000-0000-0000-0000-000000000000}"/>
+          </ac:spMkLst>
+        </pc:spChg>
+        <pc:spChg chg="mod">
+          <ac:chgData name="John Patrick Johnson" userId="S::jpj8711@ads.northwestern.edu::fe18dc51-e5c5-41f0-a67f-64543119935e" providerId="AD" clId="Web-{A0BF277A-F909-51ED-3905-702FCCB698DA}" dt="2023-06-06T02:20:12.738" v="101" actId="20577"/>
+          <ac:spMkLst>
+            <pc:docMk/>
+            <pc:sldMk cId="0" sldId="272"/>
+            <ac:spMk id="206" creationId="{00000000-0000-0000-0000-000000000000}"/>
+          </ac:spMkLst>
+        </pc:spChg>
+        <pc:spChg chg="mod">
+          <ac:chgData name="John Patrick Johnson" userId="S::jpj8711@ads.northwestern.edu::fe18dc51-e5c5-41f0-a67f-64543119935e" providerId="AD" clId="Web-{A0BF277A-F909-51ED-3905-702FCCB698DA}" dt="2023-06-06T02:16:33.639" v="60"/>
+          <ac:spMkLst>
+            <pc:docMk/>
+            <pc:sldMk cId="0" sldId="272"/>
+            <ac:spMk id="207" creationId="{00000000-0000-0000-0000-000000000000}"/>
+          </ac:spMkLst>
+        </pc:spChg>
+      </pc:sldChg>
+      <pc:sldChg chg="delSp modSp">
+        <pc:chgData name="John Patrick Johnson" userId="S::jpj8711@ads.northwestern.edu::fe18dc51-e5c5-41f0-a67f-64543119935e" providerId="AD" clId="Web-{A0BF277A-F909-51ED-3905-702FCCB698DA}" dt="2023-06-06T02:16:33.639" v="60"/>
+        <pc:sldMkLst>
+          <pc:docMk/>
+          <pc:sldMk cId="0" sldId="274"/>
+        </pc:sldMkLst>
+        <pc:spChg chg="del">
+          <ac:chgData name="John Patrick Johnson" userId="S::jpj8711@ads.northwestern.edu::fe18dc51-e5c5-41f0-a67f-64543119935e" providerId="AD" clId="Web-{A0BF277A-F909-51ED-3905-702FCCB698DA}" dt="2023-06-06T02:16:33.639" v="60"/>
+          <ac:spMkLst>
+            <pc:docMk/>
+            <pc:sldMk cId="0" sldId="274"/>
+            <ac:spMk id="2" creationId="{00000000-0000-0000-0000-000000000000}"/>
+          </ac:spMkLst>
+        </pc:spChg>
+        <pc:spChg chg="mod">
+          <ac:chgData name="John Patrick Johnson" userId="S::jpj8711@ads.northwestern.edu::fe18dc51-e5c5-41f0-a67f-64543119935e" providerId="AD" clId="Web-{A0BF277A-F909-51ED-3905-702FCCB698DA}" dt="2023-06-06T02:16:33.639" v="60"/>
+          <ac:spMkLst>
+            <pc:docMk/>
+            <pc:sldMk cId="0" sldId="274"/>
+            <ac:spMk id="225" creationId="{00000000-0000-0000-0000-000000000000}"/>
+          </ac:spMkLst>
+        </pc:spChg>
+      </pc:sldChg>
+      <pc:sldChg chg="delSp modSp">
+        <pc:chgData name="John Patrick Johnson" userId="S::jpj8711@ads.northwestern.edu::fe18dc51-e5c5-41f0-a67f-64543119935e" providerId="AD" clId="Web-{A0BF277A-F909-51ED-3905-702FCCB698DA}" dt="2023-06-06T02:16:33.639" v="60"/>
+        <pc:sldMkLst>
+          <pc:docMk/>
+          <pc:sldMk cId="0" sldId="276"/>
+        </pc:sldMkLst>
+        <pc:spChg chg="del">
+          <ac:chgData name="John Patrick Johnson" userId="S::jpj8711@ads.northwestern.edu::fe18dc51-e5c5-41f0-a67f-64543119935e" providerId="AD" clId="Web-{A0BF277A-F909-51ED-3905-702FCCB698DA}" dt="2023-06-06T02:16:33.639" v="60"/>
+          <ac:spMkLst>
+            <pc:docMk/>
+            <pc:sldMk cId="0" sldId="276"/>
+            <ac:spMk id="2" creationId="{00000000-0000-0000-0000-000000000000}"/>
+          </ac:spMkLst>
+        </pc:spChg>
+        <pc:spChg chg="mod">
+          <ac:chgData name="John Patrick Johnson" userId="S::jpj8711@ads.northwestern.edu::fe18dc51-e5c5-41f0-a67f-64543119935e" providerId="AD" clId="Web-{A0BF277A-F909-51ED-3905-702FCCB698DA}" dt="2023-06-06T02:16:33.639" v="60"/>
+          <ac:spMkLst>
+            <pc:docMk/>
+            <pc:sldMk cId="0" sldId="276"/>
+            <ac:spMk id="251" creationId="{00000000-0000-0000-0000-000000000000}"/>
+          </ac:spMkLst>
+        </pc:spChg>
+      </pc:sldChg>
+      <pc:sldChg chg="delSp modSp">
+        <pc:chgData name="John Patrick Johnson" userId="S::jpj8711@ads.northwestern.edu::fe18dc51-e5c5-41f0-a67f-64543119935e" providerId="AD" clId="Web-{A0BF277A-F909-51ED-3905-702FCCB698DA}" dt="2023-06-06T02:19:27.096" v="100" actId="20577"/>
         <pc:sldMkLst>
           <pc:docMk/>
           <pc:sldMk cId="0" sldId="280"/>
         </pc:sldMkLst>
+        <pc:spChg chg="del">
+          <ac:chgData name="John Patrick Johnson" userId="S::jpj8711@ads.northwestern.edu::fe18dc51-e5c5-41f0-a67f-64543119935e" providerId="AD" clId="Web-{A0BF277A-F909-51ED-3905-702FCCB698DA}" dt="2023-06-06T02:16:33.639" v="60"/>
+          <ac:spMkLst>
+            <pc:docMk/>
+            <pc:sldMk cId="0" sldId="280"/>
+            <ac:spMk id="2" creationId="{00000000-0000-0000-0000-000000000000}"/>
+          </ac:spMkLst>
+        </pc:spChg>
         <pc:spChg chg="mod">
-          <ac:chgData name="Ginger Lee Jacobson" userId="S::glj8018@ads.northwestern.edu::3a49910d-c358-4586-b31b-05d58406f615" providerId="AD" clId="Web-{A29EF2C3-BCC3-FE84-9E28-8AC5DC878225}" dt="2023-01-11T21:19:44.332" v="229" actId="20577"/>
+          <ac:chgData name="John Patrick Johnson" userId="S::jpj8711@ads.northwestern.edu::fe18dc51-e5c5-41f0-a67f-64543119935e" providerId="AD" clId="Web-{A0BF277A-F909-51ED-3905-702FCCB698DA}" dt="2023-06-06T02:19:27.096" v="100" actId="20577"/>
           <ac:spMkLst>
             <pc:docMk/>
             <pc:sldMk cId="0" sldId="280"/>
-            <ac:spMk id="7" creationId="{B1E2236B-464B-AA49-A124-3E054A3AC455}"/>
+            <ac:spMk id="5" creationId="{B64D9B12-D05E-D196-1CEC-9C9E33B9CC0F}"/>
+          </ac:spMkLst>
+        </pc:spChg>
+        <pc:spChg chg="mod">
+          <ac:chgData name="John Patrick Johnson" userId="S::jpj8711@ads.northwestern.edu::fe18dc51-e5c5-41f0-a67f-64543119935e" providerId="AD" clId="Web-{A0BF277A-F909-51ED-3905-702FCCB698DA}" dt="2023-06-06T02:16:33.639" v="60"/>
+          <ac:spMkLst>
+            <pc:docMk/>
+            <pc:sldMk cId="0" sldId="280"/>
+            <ac:spMk id="288" creationId="{00000000-0000-0000-0000-000000000000}"/>
+          </ac:spMkLst>
+        </pc:spChg>
+        <pc:spChg chg="mod">
+          <ac:chgData name="John Patrick Johnson" userId="S::jpj8711@ads.northwestern.edu::fe18dc51-e5c5-41f0-a67f-64543119935e" providerId="AD" clId="Web-{A0BF277A-F909-51ED-3905-702FCCB698DA}" dt="2023-06-06T02:19:18.940" v="98" actId="20577"/>
+          <ac:spMkLst>
+            <pc:docMk/>
+            <pc:sldMk cId="0" sldId="280"/>
+            <ac:spMk id="290" creationId="{00000000-0000-0000-0000-000000000000}"/>
           </ac:spMkLst>
         </pc:spChg>
       </pc:sldChg>
-      <pc:sldChg chg="modSp">
-        <pc:chgData name="Ginger Lee Jacobson" userId="S::glj8018@ads.northwestern.edu::3a49910d-c358-4586-b31b-05d58406f615" providerId="AD" clId="Web-{A29EF2C3-BCC3-FE84-9E28-8AC5DC878225}" dt="2023-01-11T21:08:06.645" v="212" actId="20577"/>
+      <pc:sldChg chg="delSp modSp del">
+        <pc:chgData name="John Patrick Johnson" userId="S::jpj8711@ads.northwestern.edu::fe18dc51-e5c5-41f0-a67f-64543119935e" providerId="AD" clId="Web-{A0BF277A-F909-51ED-3905-702FCCB698DA}" dt="2023-06-06T02:17:36.187" v="80"/>
+        <pc:sldMkLst>
+          <pc:docMk/>
+          <pc:sldMk cId="837207602" sldId="282"/>
+        </pc:sldMkLst>
+        <pc:spChg chg="del">
+          <ac:chgData name="John Patrick Johnson" userId="S::jpj8711@ads.northwestern.edu::fe18dc51-e5c5-41f0-a67f-64543119935e" providerId="AD" clId="Web-{A0BF277A-F909-51ED-3905-702FCCB698DA}" dt="2023-06-06T02:16:33.639" v="60"/>
+          <ac:spMkLst>
+            <pc:docMk/>
+            <pc:sldMk cId="837207602" sldId="282"/>
+            <ac:spMk id="2" creationId="{00000000-0000-0000-0000-000000000000}"/>
+          </ac:spMkLst>
+        </pc:spChg>
+        <pc:spChg chg="mod">
+          <ac:chgData name="John Patrick Johnson" userId="S::jpj8711@ads.northwestern.edu::fe18dc51-e5c5-41f0-a67f-64543119935e" providerId="AD" clId="Web-{A0BF277A-F909-51ED-3905-702FCCB698DA}" dt="2023-06-06T02:16:33.639" v="60"/>
+          <ac:spMkLst>
+            <pc:docMk/>
+            <pc:sldMk cId="837207602" sldId="282"/>
+            <ac:spMk id="251" creationId="{00000000-0000-0000-0000-000000000000}"/>
+          </ac:spMkLst>
+        </pc:spChg>
+      </pc:sldChg>
+      <pc:sldChg chg="delSp modSp">
+        <pc:chgData name="John Patrick Johnson" userId="S::jpj8711@ads.northwestern.edu::fe18dc51-e5c5-41f0-a67f-64543119935e" providerId="AD" clId="Web-{A0BF277A-F909-51ED-3905-702FCCB698DA}" dt="2023-06-06T02:16:33.639" v="60"/>
+        <pc:sldMkLst>
+          <pc:docMk/>
+          <pc:sldMk cId="679406833" sldId="284"/>
+        </pc:sldMkLst>
+        <pc:spChg chg="del">
+          <ac:chgData name="John Patrick Johnson" userId="S::jpj8711@ads.northwestern.edu::fe18dc51-e5c5-41f0-a67f-64543119935e" providerId="AD" clId="Web-{A0BF277A-F909-51ED-3905-702FCCB698DA}" dt="2023-06-06T02:16:33.639" v="60"/>
+          <ac:spMkLst>
+            <pc:docMk/>
+            <pc:sldMk cId="679406833" sldId="284"/>
+            <ac:spMk id="2" creationId="{00000000-0000-0000-0000-000000000000}"/>
+          </ac:spMkLst>
+        </pc:spChg>
+        <pc:spChg chg="mod">
+          <ac:chgData name="John Patrick Johnson" userId="S::jpj8711@ads.northwestern.edu::fe18dc51-e5c5-41f0-a67f-64543119935e" providerId="AD" clId="Web-{A0BF277A-F909-51ED-3905-702FCCB698DA}" dt="2023-06-06T02:16:33.639" v="60"/>
+          <ac:spMkLst>
+            <pc:docMk/>
+            <pc:sldMk cId="679406833" sldId="284"/>
+            <ac:spMk id="251" creationId="{00000000-0000-0000-0000-000000000000}"/>
+          </ac:spMkLst>
+        </pc:spChg>
+      </pc:sldChg>
+      <pc:sldChg chg="delSp modSp">
+        <pc:chgData name="John Patrick Johnson" userId="S::jpj8711@ads.northwestern.edu::fe18dc51-e5c5-41f0-a67f-64543119935e" providerId="AD" clId="Web-{A0BF277A-F909-51ED-3905-702FCCB698DA}" dt="2023-06-06T02:16:33.639" v="60"/>
+        <pc:sldMkLst>
+          <pc:docMk/>
+          <pc:sldMk cId="4134066138" sldId="285"/>
+        </pc:sldMkLst>
+        <pc:spChg chg="del">
+          <ac:chgData name="John Patrick Johnson" userId="S::jpj8711@ads.northwestern.edu::fe18dc51-e5c5-41f0-a67f-64543119935e" providerId="AD" clId="Web-{A0BF277A-F909-51ED-3905-702FCCB698DA}" dt="2023-06-06T02:16:33.639" v="60"/>
+          <ac:spMkLst>
+            <pc:docMk/>
+            <pc:sldMk cId="4134066138" sldId="285"/>
+            <ac:spMk id="2" creationId="{00000000-0000-0000-0000-000000000000}"/>
+          </ac:spMkLst>
+        </pc:spChg>
+        <pc:spChg chg="mod">
+          <ac:chgData name="John Patrick Johnson" userId="S::jpj8711@ads.northwestern.edu::fe18dc51-e5c5-41f0-a67f-64543119935e" providerId="AD" clId="Web-{A0BF277A-F909-51ED-3905-702FCCB698DA}" dt="2023-06-06T02:16:33.639" v="60"/>
+          <ac:spMkLst>
+            <pc:docMk/>
+            <pc:sldMk cId="4134066138" sldId="285"/>
+            <ac:spMk id="251" creationId="{00000000-0000-0000-0000-000000000000}"/>
+          </ac:spMkLst>
+        </pc:spChg>
+      </pc:sldChg>
+      <pc:sldChg chg="delSp modSp">
+        <pc:chgData name="John Patrick Johnson" userId="S::jpj8711@ads.northwestern.edu::fe18dc51-e5c5-41f0-a67f-64543119935e" providerId="AD" clId="Web-{A0BF277A-F909-51ED-3905-702FCCB698DA}" dt="2023-06-06T02:16:33.639" v="60"/>
+        <pc:sldMkLst>
+          <pc:docMk/>
+          <pc:sldMk cId="3056279571" sldId="286"/>
+        </pc:sldMkLst>
+        <pc:spChg chg="mod">
+          <ac:chgData name="John Patrick Johnson" userId="S::jpj8711@ads.northwestern.edu::fe18dc51-e5c5-41f0-a67f-64543119935e" providerId="AD" clId="Web-{A0BF277A-F909-51ED-3905-702FCCB698DA}" dt="2023-06-06T02:16:33.639" v="60"/>
+          <ac:spMkLst>
+            <pc:docMk/>
+            <pc:sldMk cId="3056279571" sldId="286"/>
+            <ac:spMk id="4" creationId="{5D6F9351-75F6-C7A1-4564-32139E3FB6F5}"/>
+          </ac:spMkLst>
+        </pc:spChg>
+        <pc:spChg chg="del">
+          <ac:chgData name="John Patrick Johnson" userId="S::jpj8711@ads.northwestern.edu::fe18dc51-e5c5-41f0-a67f-64543119935e" providerId="AD" clId="Web-{A0BF277A-F909-51ED-3905-702FCCB698DA}" dt="2023-06-06T02:16:33.639" v="60"/>
+          <ac:spMkLst>
+            <pc:docMk/>
+            <pc:sldMk cId="3056279571" sldId="286"/>
+            <ac:spMk id="5" creationId="{03179B4A-32B2-F788-F0FF-E10B9B4B2D8D}"/>
+          </ac:spMkLst>
+        </pc:spChg>
+      </pc:sldChg>
+      <pc:sldChg chg="delSp modSp">
+        <pc:chgData name="John Patrick Johnson" userId="S::jpj8711@ads.northwestern.edu::fe18dc51-e5c5-41f0-a67f-64543119935e" providerId="AD" clId="Web-{A0BF277A-F909-51ED-3905-702FCCB698DA}" dt="2023-06-06T02:17:23.046" v="79" actId="20577"/>
+        <pc:sldMkLst>
+          <pc:docMk/>
+          <pc:sldMk cId="60139911" sldId="287"/>
+        </pc:sldMkLst>
+        <pc:spChg chg="mod">
+          <ac:chgData name="John Patrick Johnson" userId="S::jpj8711@ads.northwestern.edu::fe18dc51-e5c5-41f0-a67f-64543119935e" providerId="AD" clId="Web-{A0BF277A-F909-51ED-3905-702FCCB698DA}" dt="2023-06-06T02:17:23.046" v="79" actId="20577"/>
+          <ac:spMkLst>
+            <pc:docMk/>
+            <pc:sldMk cId="60139911" sldId="287"/>
+            <ac:spMk id="3" creationId="{838492E3-91C7-FA09-1EED-65C4220C1E22}"/>
+          </ac:spMkLst>
+        </pc:spChg>
+        <pc:spChg chg="mod">
+          <ac:chgData name="John Patrick Johnson" userId="S::jpj8711@ads.northwestern.edu::fe18dc51-e5c5-41f0-a67f-64543119935e" providerId="AD" clId="Web-{A0BF277A-F909-51ED-3905-702FCCB698DA}" dt="2023-06-06T02:16:33.639" v="60"/>
+          <ac:spMkLst>
+            <pc:docMk/>
+            <pc:sldMk cId="60139911" sldId="287"/>
+            <ac:spMk id="4" creationId="{F6ADA871-9FF6-D0AE-77F4-9966318D598E}"/>
+          </ac:spMkLst>
+        </pc:spChg>
+        <pc:spChg chg="del">
+          <ac:chgData name="John Patrick Johnson" userId="S::jpj8711@ads.northwestern.edu::fe18dc51-e5c5-41f0-a67f-64543119935e" providerId="AD" clId="Web-{A0BF277A-F909-51ED-3905-702FCCB698DA}" dt="2023-06-06T02:16:33.639" v="60"/>
+          <ac:spMkLst>
+            <pc:docMk/>
+            <pc:sldMk cId="60139911" sldId="287"/>
+            <ac:spMk id="5" creationId="{94B19315-8350-09A6-84CE-680712F70271}"/>
+          </ac:spMkLst>
+        </pc:spChg>
+      </pc:sldChg>
+      <pc:sldChg chg="delSp modSp del">
+        <pc:chgData name="John Patrick Johnson" userId="S::jpj8711@ads.northwestern.edu::fe18dc51-e5c5-41f0-a67f-64543119935e" providerId="AD" clId="Web-{A0BF277A-F909-51ED-3905-702FCCB698DA}" dt="2023-06-06T02:21:41.525" v="107"/>
+        <pc:sldMkLst>
+          <pc:docMk/>
+          <pc:sldMk cId="930816888" sldId="288"/>
+        </pc:sldMkLst>
+        <pc:spChg chg="mod">
+          <ac:chgData name="John Patrick Johnson" userId="S::jpj8711@ads.northwestern.edu::fe18dc51-e5c5-41f0-a67f-64543119935e" providerId="AD" clId="Web-{A0BF277A-F909-51ED-3905-702FCCB698DA}" dt="2023-06-06T02:16:33.639" v="60"/>
+          <ac:spMkLst>
+            <pc:docMk/>
+            <pc:sldMk cId="930816888" sldId="288"/>
+            <ac:spMk id="4" creationId="{5C2B4921-0E5E-F287-7D0F-84729C9BBEB7}"/>
+          </ac:spMkLst>
+        </pc:spChg>
+        <pc:spChg chg="del">
+          <ac:chgData name="John Patrick Johnson" userId="S::jpj8711@ads.northwestern.edu::fe18dc51-e5c5-41f0-a67f-64543119935e" providerId="AD" clId="Web-{A0BF277A-F909-51ED-3905-702FCCB698DA}" dt="2023-06-06T02:16:33.639" v="60"/>
+          <ac:spMkLst>
+            <pc:docMk/>
+            <pc:sldMk cId="930816888" sldId="288"/>
+            <ac:spMk id="5" creationId="{EFACB32E-5C4F-591E-2AAB-0112BEB64EE7}"/>
+          </ac:spMkLst>
+        </pc:spChg>
+      </pc:sldChg>
+      <pc:sldChg chg="delSp modSp del">
+        <pc:chgData name="John Patrick Johnson" userId="S::jpj8711@ads.northwestern.edu::fe18dc51-e5c5-41f0-a67f-64543119935e" providerId="AD" clId="Web-{A0BF277A-F909-51ED-3905-702FCCB698DA}" dt="2023-06-06T02:21:39.384" v="105"/>
+        <pc:sldMkLst>
+          <pc:docMk/>
+          <pc:sldMk cId="1467023248" sldId="289"/>
+        </pc:sldMkLst>
+        <pc:spChg chg="mod">
+          <ac:chgData name="John Patrick Johnson" userId="S::jpj8711@ads.northwestern.edu::fe18dc51-e5c5-41f0-a67f-64543119935e" providerId="AD" clId="Web-{A0BF277A-F909-51ED-3905-702FCCB698DA}" dt="2023-06-06T02:16:33.639" v="60"/>
+          <ac:spMkLst>
+            <pc:docMk/>
+            <pc:sldMk cId="1467023248" sldId="289"/>
+            <ac:spMk id="4" creationId="{07F45318-EE67-D91C-625B-0E08FF032656}"/>
+          </ac:spMkLst>
+        </pc:spChg>
+        <pc:spChg chg="del">
+          <ac:chgData name="John Patrick Johnson" userId="S::jpj8711@ads.northwestern.edu::fe18dc51-e5c5-41f0-a67f-64543119935e" providerId="AD" clId="Web-{A0BF277A-F909-51ED-3905-702FCCB698DA}" dt="2023-06-06T02:16:33.639" v="60"/>
+          <ac:spMkLst>
+            <pc:docMk/>
+            <pc:sldMk cId="1467023248" sldId="289"/>
+            <ac:spMk id="5" creationId="{1E1F1398-9A5D-D0C4-2B3B-AD391A2CE883}"/>
+          </ac:spMkLst>
+        </pc:spChg>
+      </pc:sldChg>
+      <pc:sldChg chg="delSp modSp del">
+        <pc:chgData name="John Patrick Johnson" userId="S::jpj8711@ads.northwestern.edu::fe18dc51-e5c5-41f0-a67f-64543119935e" providerId="AD" clId="Web-{A0BF277A-F909-51ED-3905-702FCCB698DA}" dt="2023-06-06T02:22:13.448" v="126"/>
         <pc:sldMkLst>
           <pc:docMk/>
           <pc:sldMk cId="4100909272" sldId="290"/>
         </pc:sldMkLst>
         <pc:spChg chg="mod">
-          <ac:chgData name="Ginger Lee Jacobson" userId="S::glj8018@ads.northwestern.edu::3a49910d-c358-4586-b31b-05d58406f615" providerId="AD" clId="Web-{A29EF2C3-BCC3-FE84-9E28-8AC5DC878225}" dt="2023-01-11T21:08:06.645" v="212" actId="20577"/>
+          <ac:chgData name="John Patrick Johnson" userId="S::jpj8711@ads.northwestern.edu::fe18dc51-e5c5-41f0-a67f-64543119935e" providerId="AD" clId="Web-{A0BF277A-F909-51ED-3905-702FCCB698DA}" dt="2023-06-06T02:16:33.639" v="60"/>
           <ac:spMkLst>
             <pc:docMk/>
             <pc:sldMk cId="4100909272" sldId="290"/>
-            <ac:spMk id="3" creationId="{22E119E0-FC75-671C-AEA4-1161320CAC7A}"/>
+            <ac:spMk id="4" creationId="{5F465DAC-C5BF-D008-EABF-AD229300C6B1}"/>
+          </ac:spMkLst>
+        </pc:spChg>
+        <pc:spChg chg="del">
+          <ac:chgData name="John Patrick Johnson" userId="S::jpj8711@ads.northwestern.edu::fe18dc51-e5c5-41f0-a67f-64543119935e" providerId="AD" clId="Web-{A0BF277A-F909-51ED-3905-702FCCB698DA}" dt="2023-06-06T02:16:33.639" v="60"/>
+          <ac:spMkLst>
+            <pc:docMk/>
+            <pc:sldMk cId="4100909272" sldId="290"/>
+            <ac:spMk id="5" creationId="{4C04339A-4FA4-EB88-597B-3D09FC5F2BCC}"/>
           </ac:spMkLst>
         </pc:spChg>
       </pc:sldChg>
-      <pc:sldChg chg="modNotes">
-        <pc:chgData name="Ginger Lee Jacobson" userId="S::glj8018@ads.northwestern.edu::3a49910d-c358-4586-b31b-05d58406f615" providerId="AD" clId="Web-{A29EF2C3-BCC3-FE84-9E28-8AC5DC878225}" dt="2023-01-11T21:37:56.888" v="315"/>
+      <pc:sldChg chg="delSp modSp del">
+        <pc:chgData name="John Patrick Johnson" userId="S::jpj8711@ads.northwestern.edu::fe18dc51-e5c5-41f0-a67f-64543119935e" providerId="AD" clId="Web-{A0BF277A-F909-51ED-3905-702FCCB698DA}" dt="2023-06-06T02:21:42.416" v="108"/>
         <pc:sldMkLst>
           <pc:docMk/>
           <pc:sldMk cId="2952596098" sldId="291"/>
         </pc:sldMkLst>
+        <pc:spChg chg="mod">
+          <ac:chgData name="John Patrick Johnson" userId="S::jpj8711@ads.northwestern.edu::fe18dc51-e5c5-41f0-a67f-64543119935e" providerId="AD" clId="Web-{A0BF277A-F909-51ED-3905-702FCCB698DA}" dt="2023-06-06T02:16:33.639" v="60"/>
+          <ac:spMkLst>
+            <pc:docMk/>
+            <pc:sldMk cId="2952596098" sldId="291"/>
+            <ac:spMk id="4" creationId="{3F064F96-337C-850E-2799-A7AF4868E300}"/>
+          </ac:spMkLst>
+        </pc:spChg>
+        <pc:spChg chg="del">
+          <ac:chgData name="John Patrick Johnson" userId="S::jpj8711@ads.northwestern.edu::fe18dc51-e5c5-41f0-a67f-64543119935e" providerId="AD" clId="Web-{A0BF277A-F909-51ED-3905-702FCCB698DA}" dt="2023-06-06T02:16:33.639" v="60"/>
+          <ac:spMkLst>
+            <pc:docMk/>
+            <pc:sldMk cId="2952596098" sldId="291"/>
+            <ac:spMk id="5" creationId="{3CF83F3B-EFA5-2878-4601-2FA62540CC9A}"/>
+          </ac:spMkLst>
+        </pc:spChg>
       </pc:sldChg>
-      <pc:sldChg chg="addAnim modAnim">
-        <pc:chgData name="Ginger Lee Jacobson" userId="S::glj8018@ads.northwestern.edu::3a49910d-c358-4586-b31b-05d58406f615" providerId="AD" clId="Web-{A29EF2C3-BCC3-FE84-9E28-8AC5DC878225}" dt="2023-01-11T20:36:55.853" v="2"/>
+      <pc:sldChg chg="delSp modSp del">
+        <pc:chgData name="John Patrick Johnson" userId="S::jpj8711@ads.northwestern.edu::fe18dc51-e5c5-41f0-a67f-64543119935e" providerId="AD" clId="Web-{A0BF277A-F909-51ED-3905-702FCCB698DA}" dt="2023-06-06T02:21:43.337" v="109"/>
         <pc:sldMkLst>
           <pc:docMk/>
           <pc:sldMk cId="922581880" sldId="292"/>
         </pc:sldMkLst>
+        <pc:spChg chg="mod">
+          <ac:chgData name="John Patrick Johnson" userId="S::jpj8711@ads.northwestern.edu::fe18dc51-e5c5-41f0-a67f-64543119935e" providerId="AD" clId="Web-{A0BF277A-F909-51ED-3905-702FCCB698DA}" dt="2023-06-06T02:16:33.639" v="60"/>
+          <ac:spMkLst>
+            <pc:docMk/>
+            <pc:sldMk cId="922581880" sldId="292"/>
+            <ac:spMk id="4" creationId="{30CA4C43-651B-F858-14DE-C991D49B3CAE}"/>
+          </ac:spMkLst>
+        </pc:spChg>
+        <pc:spChg chg="del">
+          <ac:chgData name="John Patrick Johnson" userId="S::jpj8711@ads.northwestern.edu::fe18dc51-e5c5-41f0-a67f-64543119935e" providerId="AD" clId="Web-{A0BF277A-F909-51ED-3905-702FCCB698DA}" dt="2023-06-06T02:16:33.639" v="60"/>
+          <ac:spMkLst>
+            <pc:docMk/>
+            <pc:sldMk cId="922581880" sldId="292"/>
+            <ac:spMk id="5" creationId="{465CD296-2BE9-7659-C4F5-A7B6BFF3CB5B}"/>
+          </ac:spMkLst>
+        </pc:spChg>
       </pc:sldChg>
-      <pc:sldChg chg="modSp modNotes">
-        <pc:chgData name="Ginger Lee Jacobson" userId="S::glj8018@ads.northwestern.edu::3a49910d-c358-4586-b31b-05d58406f615" providerId="AD" clId="Web-{A29EF2C3-BCC3-FE84-9E28-8AC5DC878225}" dt="2023-01-11T20:39:10.090" v="6"/>
-        <pc:sldMkLst>
-          <pc:docMk/>
-          <pc:sldMk cId="1680070822" sldId="293"/>
-        </pc:sldMkLst>
-        <pc:spChg chg="mod">
-          <ac:chgData name="Ginger Lee Jacobson" userId="S::glj8018@ads.northwestern.edu::3a49910d-c358-4586-b31b-05d58406f615" providerId="AD" clId="Web-{A29EF2C3-BCC3-FE84-9E28-8AC5DC878225}" dt="2023-01-11T20:38:55.403" v="5" actId="20577"/>
-          <ac:spMkLst>
-            <pc:docMk/>
-            <pc:sldMk cId="1680070822" sldId="293"/>
-            <ac:spMk id="3" creationId="{72BA3BD0-066D-3791-B32E-795ACC0C3316}"/>
-          </ac:spMkLst>
-        </pc:spChg>
-      </pc:sldChg>
-      <pc:sldChg chg="delSp modSp modNotes">
-        <pc:chgData name="Ginger Lee Jacobson" userId="S::glj8018@ads.northwestern.edu::3a49910d-c358-4586-b31b-05d58406f615" providerId="AD" clId="Web-{A29EF2C3-BCC3-FE84-9E28-8AC5DC878225}" dt="2023-01-11T21:56:40.632" v="365"/>
+      <pc:sldChg chg="delSp modSp del">
+        <pc:chgData name="John Patrick Johnson" userId="S::jpj8711@ads.northwestern.edu::fe18dc51-e5c5-41f0-a67f-64543119935e" providerId="AD" clId="Web-{A0BF277A-F909-51ED-3905-702FCCB698DA}" dt="2023-06-06T02:21:54.213" v="117"/>
         <pc:sldMkLst>
           <pc:docMk/>
           <pc:sldMk cId="2221694099" sldId="294"/>
         </pc:sldMkLst>
         <pc:spChg chg="mod">
-          <ac:chgData name="Ginger Lee Jacobson" userId="S::glj8018@ads.northwestern.edu::3a49910d-c358-4586-b31b-05d58406f615" providerId="AD" clId="Web-{A29EF2C3-BCC3-FE84-9E28-8AC5DC878225}" dt="2023-01-11T21:51:25.141" v="353" actId="20577"/>
+          <ac:chgData name="John Patrick Johnson" userId="S::jpj8711@ads.northwestern.edu::fe18dc51-e5c5-41f0-a67f-64543119935e" providerId="AD" clId="Web-{A0BF277A-F909-51ED-3905-702FCCB698DA}" dt="2023-06-06T02:16:33.639" v="60"/>
           <ac:spMkLst>
             <pc:docMk/>
             <pc:sldMk cId="2221694099" sldId="294"/>
-            <ac:spMk id="3" creationId="{CF76AAE2-66F4-B3FE-C0AA-1E7B887F59DB}"/>
-          </ac:spMkLst>
-        </pc:spChg>
-        <pc:picChg chg="del">
-          <ac:chgData name="Ginger Lee Jacobson" userId="S::glj8018@ads.northwestern.edu::3a49910d-c358-4586-b31b-05d58406f615" providerId="AD" clId="Web-{A29EF2C3-BCC3-FE84-9E28-8AC5DC878225}" dt="2023-01-11T21:48:03.574" v="316"/>
-          <ac:picMkLst>
+            <ac:spMk id="4" creationId="{963A9A73-23EF-3180-96E1-55A434E55A4C}"/>
+          </ac:spMkLst>
+        </pc:spChg>
+        <pc:spChg chg="del">
+          <ac:chgData name="John Patrick Johnson" userId="S::jpj8711@ads.northwestern.edu::fe18dc51-e5c5-41f0-a67f-64543119935e" providerId="AD" clId="Web-{A0BF277A-F909-51ED-3905-702FCCB698DA}" dt="2023-06-06T02:16:33.639" v="60"/>
+          <ac:spMkLst>
             <pc:docMk/>
             <pc:sldMk cId="2221694099" sldId="294"/>
-            <ac:picMk id="6" creationId="{C47F68B0-D9C6-A308-5968-4617FDAD709E}"/>
-          </ac:picMkLst>
-        </pc:picChg>
+            <ac:spMk id="5" creationId="{82A8620B-355B-B547-E3A1-82328DA571E9}"/>
+          </ac:spMkLst>
+        </pc:spChg>
       </pc:sldChg>
-      <pc:sldChg chg="modSp addAnim delAnim modAnim modNotes">
-        <pc:chgData name="Ginger Lee Jacobson" userId="S::glj8018@ads.northwestern.edu::3a49910d-c358-4586-b31b-05d58406f615" providerId="AD" clId="Web-{A29EF2C3-BCC3-FE84-9E28-8AC5DC878225}" dt="2023-01-11T20:45:40.724" v="111" actId="20577"/>
+      <pc:sldChg chg="delSp modSp del">
+        <pc:chgData name="John Patrick Johnson" userId="S::jpj8711@ads.northwestern.edu::fe18dc51-e5c5-41f0-a67f-64543119935e" providerId="AD" clId="Web-{A0BF277A-F909-51ED-3905-702FCCB698DA}" dt="2023-06-06T02:21:51.728" v="115"/>
         <pc:sldMkLst>
           <pc:docMk/>
           <pc:sldMk cId="2441557156" sldId="295"/>
         </pc:sldMkLst>
         <pc:spChg chg="mod">
-          <ac:chgData name="Ginger Lee Jacobson" userId="S::glj8018@ads.northwestern.edu::3a49910d-c358-4586-b31b-05d58406f615" providerId="AD" clId="Web-{A29EF2C3-BCC3-FE84-9E28-8AC5DC878225}" dt="2023-01-11T20:45:40.724" v="111" actId="20577"/>
+          <ac:chgData name="John Patrick Johnson" userId="S::jpj8711@ads.northwestern.edu::fe18dc51-e5c5-41f0-a67f-64543119935e" providerId="AD" clId="Web-{A0BF277A-F909-51ED-3905-702FCCB698DA}" dt="2023-06-06T02:16:33.639" v="60"/>
           <ac:spMkLst>
             <pc:docMk/>
             <pc:sldMk cId="2441557156" sldId="295"/>
-            <ac:spMk id="3" creationId="{7CA46D2D-A778-68E1-4EF0-618ADDD3404B}"/>
+            <ac:spMk id="4" creationId="{004BFB73-AA11-C7C3-5F4E-2E58A5D60EE0}"/>
+          </ac:spMkLst>
+        </pc:spChg>
+        <pc:spChg chg="del">
+          <ac:chgData name="John Patrick Johnson" userId="S::jpj8711@ads.northwestern.edu::fe18dc51-e5c5-41f0-a67f-64543119935e" providerId="AD" clId="Web-{A0BF277A-F909-51ED-3905-702FCCB698DA}" dt="2023-06-06T02:16:33.639" v="60"/>
+          <ac:spMkLst>
+            <pc:docMk/>
+            <pc:sldMk cId="2441557156" sldId="295"/>
+            <ac:spMk id="5" creationId="{AE56E583-592C-F0F3-1BEF-D5F2420C63E8}"/>
           </ac:spMkLst>
         </pc:spChg>
       </pc:sldChg>
-      <pc:sldChg chg="addSp modSp">
-        <pc:chgData name="Ginger Lee Jacobson" userId="S::glj8018@ads.northwestern.edu::3a49910d-c358-4586-b31b-05d58406f615" providerId="AD" clId="Web-{A29EF2C3-BCC3-FE84-9E28-8AC5DC878225}" dt="2023-01-11T21:12:53.011" v="218" actId="14100"/>
+      <pc:sldChg chg="delSp modSp">
+        <pc:chgData name="John Patrick Johnson" userId="S::jpj8711@ads.northwestern.edu::fe18dc51-e5c5-41f0-a67f-64543119935e" providerId="AD" clId="Web-{A0BF277A-F909-51ED-3905-702FCCB698DA}" dt="2023-06-06T02:16:33.639" v="60"/>
+        <pc:sldMkLst>
+          <pc:docMk/>
+          <pc:sldMk cId="3050248158" sldId="296"/>
+        </pc:sldMkLst>
+        <pc:spChg chg="del">
+          <ac:chgData name="John Patrick Johnson" userId="S::jpj8711@ads.northwestern.edu::fe18dc51-e5c5-41f0-a67f-64543119935e" providerId="AD" clId="Web-{A0BF277A-F909-51ED-3905-702FCCB698DA}" dt="2023-06-06T02:16:33.639" v="60"/>
+          <ac:spMkLst>
+            <pc:docMk/>
+            <pc:sldMk cId="3050248158" sldId="296"/>
+            <ac:spMk id="2" creationId="{00000000-0000-0000-0000-000000000000}"/>
+          </ac:spMkLst>
+        </pc:spChg>
+        <pc:spChg chg="mod">
+          <ac:chgData name="John Patrick Johnson" userId="S::jpj8711@ads.northwestern.edu::fe18dc51-e5c5-41f0-a67f-64543119935e" providerId="AD" clId="Web-{A0BF277A-F909-51ED-3905-702FCCB698DA}" dt="2023-06-06T02:16:33.639" v="60"/>
+          <ac:spMkLst>
+            <pc:docMk/>
+            <pc:sldMk cId="3050248158" sldId="296"/>
+            <ac:spMk id="177" creationId="{00000000-0000-0000-0000-000000000000}"/>
+          </ac:spMkLst>
+        </pc:spChg>
+      </pc:sldChg>
+      <pc:sldChg chg="delSp modSp del">
+        <pc:chgData name="John Patrick Johnson" userId="S::jpj8711@ads.northwestern.edu::fe18dc51-e5c5-41f0-a67f-64543119935e" providerId="AD" clId="Web-{A0BF277A-F909-51ED-3905-702FCCB698DA}" dt="2023-06-06T02:22:11.057" v="125"/>
+        <pc:sldMkLst>
+          <pc:docMk/>
+          <pc:sldMk cId="2695303178" sldId="297"/>
+        </pc:sldMkLst>
+        <pc:spChg chg="mod">
+          <ac:chgData name="John Patrick Johnson" userId="S::jpj8711@ads.northwestern.edu::fe18dc51-e5c5-41f0-a67f-64543119935e" providerId="AD" clId="Web-{A0BF277A-F909-51ED-3905-702FCCB698DA}" dt="2023-06-06T02:16:33.639" v="60"/>
+          <ac:spMkLst>
+            <pc:docMk/>
+            <pc:sldMk cId="2695303178" sldId="297"/>
+            <ac:spMk id="4" creationId="{5D6F9351-75F6-C7A1-4564-32139E3FB6F5}"/>
+          </ac:spMkLst>
+        </pc:spChg>
+        <pc:spChg chg="del">
+          <ac:chgData name="John Patrick Johnson" userId="S::jpj8711@ads.northwestern.edu::fe18dc51-e5c5-41f0-a67f-64543119935e" providerId="AD" clId="Web-{A0BF277A-F909-51ED-3905-702FCCB698DA}" dt="2023-06-06T02:16:33.639" v="60"/>
+          <ac:spMkLst>
+            <pc:docMk/>
+            <pc:sldMk cId="2695303178" sldId="297"/>
+            <ac:spMk id="5" creationId="{03179B4A-32B2-F788-F0FF-E10B9B4B2D8D}"/>
+          </ac:spMkLst>
+        </pc:spChg>
+      </pc:sldChg>
+      <pc:sldChg chg="delSp modSp del">
+        <pc:chgData name="John Patrick Johnson" userId="S::jpj8711@ads.northwestern.edu::fe18dc51-e5c5-41f0-a67f-64543119935e" providerId="AD" clId="Web-{A0BF277A-F909-51ED-3905-702FCCB698DA}" dt="2023-06-06T02:21:34.618" v="103"/>
+        <pc:sldMkLst>
+          <pc:docMk/>
+          <pc:sldMk cId="692865833" sldId="298"/>
+        </pc:sldMkLst>
+        <pc:spChg chg="mod">
+          <ac:chgData name="John Patrick Johnson" userId="S::jpj8711@ads.northwestern.edu::fe18dc51-e5c5-41f0-a67f-64543119935e" providerId="AD" clId="Web-{A0BF277A-F909-51ED-3905-702FCCB698DA}" dt="2023-06-06T02:16:33.639" v="60"/>
+          <ac:spMkLst>
+            <pc:docMk/>
+            <pc:sldMk cId="692865833" sldId="298"/>
+            <ac:spMk id="4" creationId="{5D6F9351-75F6-C7A1-4564-32139E3FB6F5}"/>
+          </ac:spMkLst>
+        </pc:spChg>
+        <pc:spChg chg="del">
+          <ac:chgData name="John Patrick Johnson" userId="S::jpj8711@ads.northwestern.edu::fe18dc51-e5c5-41f0-a67f-64543119935e" providerId="AD" clId="Web-{A0BF277A-F909-51ED-3905-702FCCB698DA}" dt="2023-06-06T02:16:33.639" v="60"/>
+          <ac:spMkLst>
+            <pc:docMk/>
+            <pc:sldMk cId="692865833" sldId="298"/>
+            <ac:spMk id="5" creationId="{03179B4A-32B2-F788-F0FF-E10B9B4B2D8D}"/>
+          </ac:spMkLst>
+        </pc:spChg>
+      </pc:sldChg>
+      <pc:sldChg chg="delSp modSp del">
+        <pc:chgData name="John Patrick Johnson" userId="S::jpj8711@ads.northwestern.edu::fe18dc51-e5c5-41f0-a67f-64543119935e" providerId="AD" clId="Web-{A0BF277A-F909-51ED-3905-702FCCB698DA}" dt="2023-06-06T02:21:45.853" v="112"/>
+        <pc:sldMkLst>
+          <pc:docMk/>
+          <pc:sldMk cId="1158116147" sldId="299"/>
+        </pc:sldMkLst>
+        <pc:spChg chg="mod">
+          <ac:chgData name="John Patrick Johnson" userId="S::jpj8711@ads.northwestern.edu::fe18dc51-e5c5-41f0-a67f-64543119935e" providerId="AD" clId="Web-{A0BF277A-F909-51ED-3905-702FCCB698DA}" dt="2023-06-06T02:16:33.639" v="60"/>
+          <ac:spMkLst>
+            <pc:docMk/>
+            <pc:sldMk cId="1158116147" sldId="299"/>
+            <ac:spMk id="4" creationId="{D605702D-A96F-C77A-05B4-C621E5E52957}"/>
+          </ac:spMkLst>
+        </pc:spChg>
+        <pc:spChg chg="del">
+          <ac:chgData name="John Patrick Johnson" userId="S::jpj8711@ads.northwestern.edu::fe18dc51-e5c5-41f0-a67f-64543119935e" providerId="AD" clId="Web-{A0BF277A-F909-51ED-3905-702FCCB698DA}" dt="2023-06-06T02:16:33.639" v="60"/>
+          <ac:spMkLst>
+            <pc:docMk/>
+            <pc:sldMk cId="1158116147" sldId="299"/>
+            <ac:spMk id="5" creationId="{3F043B44-3684-460F-2F7A-D7971D3D11D2}"/>
+          </ac:spMkLst>
+        </pc:spChg>
+      </pc:sldChg>
+      <pc:sldChg chg="delSp modSp del">
+        <pc:chgData name="John Patrick Johnson" userId="S::jpj8711@ads.northwestern.edu::fe18dc51-e5c5-41f0-a67f-64543119935e" providerId="AD" clId="Web-{A0BF277A-F909-51ED-3905-702FCCB698DA}" dt="2023-06-06T02:21:40.462" v="106"/>
         <pc:sldMkLst>
           <pc:docMk/>
           <pc:sldMk cId="824764711" sldId="300"/>
         </pc:sldMkLst>
         <pc:spChg chg="mod">
-          <ac:chgData name="Ginger Lee Jacobson" userId="S::glj8018@ads.northwestern.edu::3a49910d-c358-4586-b31b-05d58406f615" providerId="AD" clId="Web-{A29EF2C3-BCC3-FE84-9E28-8AC5DC878225}" dt="2023-01-11T21:12:14.072" v="214" actId="20577"/>
+          <ac:chgData name="John Patrick Johnson" userId="S::jpj8711@ads.northwestern.edu::fe18dc51-e5c5-41f0-a67f-64543119935e" providerId="AD" clId="Web-{A0BF277A-F909-51ED-3905-702FCCB698DA}" dt="2023-06-06T02:16:33.639" v="60"/>
           <ac:spMkLst>
             <pc:docMk/>
             <pc:sldMk cId="824764711" sldId="300"/>
-            <ac:spMk id="3" creationId="{E734A82D-A943-360B-0A2E-BBD555F97DAF}"/>
-          </ac:spMkLst>
-        </pc:spChg>
-        <pc:picChg chg="add mod">
-          <ac:chgData name="Ginger Lee Jacobson" userId="S::glj8018@ads.northwestern.edu::3a49910d-c358-4586-b31b-05d58406f615" providerId="AD" clId="Web-{A29EF2C3-BCC3-FE84-9E28-8AC5DC878225}" dt="2023-01-11T21:12:53.011" v="218" actId="14100"/>
-          <ac:picMkLst>
+            <ac:spMk id="4" creationId="{07F45318-EE67-D91C-625B-0E08FF032656}"/>
+          </ac:spMkLst>
+        </pc:spChg>
+        <pc:spChg chg="del">
+          <ac:chgData name="John Patrick Johnson" userId="S::jpj8711@ads.northwestern.edu::fe18dc51-e5c5-41f0-a67f-64543119935e" providerId="AD" clId="Web-{A0BF277A-F909-51ED-3905-702FCCB698DA}" dt="2023-06-06T02:16:33.639" v="60"/>
+          <ac:spMkLst>
             <pc:docMk/>
             <pc:sldMk cId="824764711" sldId="300"/>
-            <ac:picMk id="6" creationId="{C5F4DFA5-C7A1-E36A-688D-278A9FFDCD9A}"/>
-          </ac:picMkLst>
-        </pc:picChg>
+            <ac:spMk id="5" creationId="{1E1F1398-9A5D-D0C4-2B3B-AD391A2CE883}"/>
+          </ac:spMkLst>
+        </pc:spChg>
       </pc:sldChg>
-      <pc:sldChg chg="modSp">
-        <pc:chgData name="Ginger Lee Jacobson" userId="S::glj8018@ads.northwestern.edu::3a49910d-c358-4586-b31b-05d58406f615" providerId="AD" clId="Web-{A29EF2C3-BCC3-FE84-9E28-8AC5DC878225}" dt="2023-01-11T21:31:09.223" v="230" actId="20577"/>
+      <pc:sldChg chg="delSp modSp">
+        <pc:chgData name="John Patrick Johnson" userId="S::jpj8711@ads.northwestern.edu::fe18dc51-e5c5-41f0-a67f-64543119935e" providerId="AD" clId="Web-{A0BF277A-F909-51ED-3905-702FCCB698DA}" dt="2023-06-06T02:21:25.759" v="102"/>
+        <pc:sldMkLst>
+          <pc:docMk/>
+          <pc:sldMk cId="3384434737" sldId="302"/>
+        </pc:sldMkLst>
+        <pc:spChg chg="del">
+          <ac:chgData name="John Patrick Johnson" userId="S::jpj8711@ads.northwestern.edu::fe18dc51-e5c5-41f0-a67f-64543119935e" providerId="AD" clId="Web-{A0BF277A-F909-51ED-3905-702FCCB698DA}" dt="2023-06-06T02:16:33.639" v="60"/>
+          <ac:spMkLst>
+            <pc:docMk/>
+            <pc:sldMk cId="3384434737" sldId="302"/>
+            <ac:spMk id="2" creationId="{00000000-0000-0000-0000-000000000000}"/>
+          </ac:spMkLst>
+        </pc:spChg>
+        <pc:spChg chg="del">
+          <ac:chgData name="John Patrick Johnson" userId="S::jpj8711@ads.northwestern.edu::fe18dc51-e5c5-41f0-a67f-64543119935e" providerId="AD" clId="Web-{A0BF277A-F909-51ED-3905-702FCCB698DA}" dt="2023-06-06T02:21:25.759" v="102"/>
+          <ac:spMkLst>
+            <pc:docMk/>
+            <pc:sldMk cId="3384434737" sldId="302"/>
+            <ac:spMk id="17" creationId="{A2E12A2B-F910-4CE2-867E-04380E1AFFCA}"/>
+          </ac:spMkLst>
+        </pc:spChg>
+        <pc:spChg chg="mod">
+          <ac:chgData name="John Patrick Johnson" userId="S::jpj8711@ads.northwestern.edu::fe18dc51-e5c5-41f0-a67f-64543119935e" providerId="AD" clId="Web-{A0BF277A-F909-51ED-3905-702FCCB698DA}" dt="2023-06-06T02:16:33.639" v="60"/>
+          <ac:spMkLst>
+            <pc:docMk/>
+            <pc:sldMk cId="3384434737" sldId="302"/>
+            <ac:spMk id="251" creationId="{00000000-0000-0000-0000-000000000000}"/>
+          </ac:spMkLst>
+        </pc:spChg>
+      </pc:sldChg>
+      <pc:sldChg chg="delSp modSp del">
+        <pc:chgData name="John Patrick Johnson" userId="S::jpj8711@ads.northwestern.edu::fe18dc51-e5c5-41f0-a67f-64543119935e" providerId="AD" clId="Web-{A0BF277A-F909-51ED-3905-702FCCB698DA}" dt="2023-06-06T02:21:55.494" v="119"/>
+        <pc:sldMkLst>
+          <pc:docMk/>
+          <pc:sldMk cId="231020705" sldId="305"/>
+        </pc:sldMkLst>
+        <pc:spChg chg="mod">
+          <ac:chgData name="John Patrick Johnson" userId="S::jpj8711@ads.northwestern.edu::fe18dc51-e5c5-41f0-a67f-64543119935e" providerId="AD" clId="Web-{A0BF277A-F909-51ED-3905-702FCCB698DA}" dt="2023-06-06T02:16:33.639" v="60"/>
+          <ac:spMkLst>
+            <pc:docMk/>
+            <pc:sldMk cId="231020705" sldId="305"/>
+            <ac:spMk id="4" creationId="{35765062-40B2-9162-39B5-2FC732612C8C}"/>
+          </ac:spMkLst>
+        </pc:spChg>
+        <pc:spChg chg="del">
+          <ac:chgData name="John Patrick Johnson" userId="S::jpj8711@ads.northwestern.edu::fe18dc51-e5c5-41f0-a67f-64543119935e" providerId="AD" clId="Web-{A0BF277A-F909-51ED-3905-702FCCB698DA}" dt="2023-06-06T02:16:33.639" v="60"/>
+          <ac:spMkLst>
+            <pc:docMk/>
+            <pc:sldMk cId="231020705" sldId="305"/>
+            <ac:spMk id="5" creationId="{61FC71A7-431E-ABF9-2EA3-568FF8DD0119}"/>
+          </ac:spMkLst>
+        </pc:spChg>
+      </pc:sldChg>
+      <pc:sldChg chg="delSp modSp del">
+        <pc:chgData name="John Patrick Johnson" userId="S::jpj8711@ads.northwestern.edu::fe18dc51-e5c5-41f0-a67f-64543119935e" providerId="AD" clId="Web-{A0BF277A-F909-51ED-3905-702FCCB698DA}" dt="2023-06-06T02:21:46.759" v="113"/>
+        <pc:sldMkLst>
+          <pc:docMk/>
+          <pc:sldMk cId="3086748698" sldId="306"/>
+        </pc:sldMkLst>
+        <pc:spChg chg="mod">
+          <ac:chgData name="John Patrick Johnson" userId="S::jpj8711@ads.northwestern.edu::fe18dc51-e5c5-41f0-a67f-64543119935e" providerId="AD" clId="Web-{A0BF277A-F909-51ED-3905-702FCCB698DA}" dt="2023-06-06T02:16:33.639" v="60"/>
+          <ac:spMkLst>
+            <pc:docMk/>
+            <pc:sldMk cId="3086748698" sldId="306"/>
+            <ac:spMk id="4" creationId="{937A035B-7409-18A2-C66C-9B774C334D42}"/>
+          </ac:spMkLst>
+        </pc:spChg>
+        <pc:spChg chg="del">
+          <ac:chgData name="John Patrick Johnson" userId="S::jpj8711@ads.northwestern.edu::fe18dc51-e5c5-41f0-a67f-64543119935e" providerId="AD" clId="Web-{A0BF277A-F909-51ED-3905-702FCCB698DA}" dt="2023-06-06T02:16:33.639" v="60"/>
+          <ac:spMkLst>
+            <pc:docMk/>
+            <pc:sldMk cId="3086748698" sldId="306"/>
+            <ac:spMk id="5" creationId="{15F65755-CC8A-C75A-EA48-F847A7563E07}"/>
+          </ac:spMkLst>
+        </pc:spChg>
+      </pc:sldChg>
+      <pc:sldChg chg="delSp modSp del">
+        <pc:chgData name="John Patrick Johnson" userId="S::jpj8711@ads.northwestern.edu::fe18dc51-e5c5-41f0-a67f-64543119935e" providerId="AD" clId="Web-{A0BF277A-F909-51ED-3905-702FCCB698DA}" dt="2023-06-06T02:21:45.088" v="111"/>
+        <pc:sldMkLst>
+          <pc:docMk/>
+          <pc:sldMk cId="1606653251" sldId="307"/>
+        </pc:sldMkLst>
+        <pc:spChg chg="mod">
+          <ac:chgData name="John Patrick Johnson" userId="S::jpj8711@ads.northwestern.edu::fe18dc51-e5c5-41f0-a67f-64543119935e" providerId="AD" clId="Web-{A0BF277A-F909-51ED-3905-702FCCB698DA}" dt="2023-06-06T02:16:33.639" v="60"/>
+          <ac:spMkLst>
+            <pc:docMk/>
+            <pc:sldMk cId="1606653251" sldId="307"/>
+            <ac:spMk id="4" creationId="{089B60EC-3943-3942-0BDF-B03373528878}"/>
+          </ac:spMkLst>
+        </pc:spChg>
+        <pc:spChg chg="del">
+          <ac:chgData name="John Patrick Johnson" userId="S::jpj8711@ads.northwestern.edu::fe18dc51-e5c5-41f0-a67f-64543119935e" providerId="AD" clId="Web-{A0BF277A-F909-51ED-3905-702FCCB698DA}" dt="2023-06-06T02:16:33.639" v="60"/>
+          <ac:spMkLst>
+            <pc:docMk/>
+            <pc:sldMk cId="1606653251" sldId="307"/>
+            <ac:spMk id="5" creationId="{7F6DDB25-F113-B602-EC92-001F6F00E608}"/>
+          </ac:spMkLst>
+        </pc:spChg>
+      </pc:sldChg>
+      <pc:sldChg chg="delSp modSp del">
+        <pc:chgData name="John Patrick Johnson" userId="S::jpj8711@ads.northwestern.edu::fe18dc51-e5c5-41f0-a67f-64543119935e" providerId="AD" clId="Web-{A0BF277A-F909-51ED-3905-702FCCB698DA}" dt="2023-06-06T02:21:37.837" v="104"/>
         <pc:sldMkLst>
           <pc:docMk/>
           <pc:sldMk cId="649797171" sldId="309"/>
         </pc:sldMkLst>
+        <pc:spChg chg="del">
+          <ac:chgData name="John Patrick Johnson" userId="S::jpj8711@ads.northwestern.edu::fe18dc51-e5c5-41f0-a67f-64543119935e" providerId="AD" clId="Web-{A0BF277A-F909-51ED-3905-702FCCB698DA}" dt="2023-06-06T02:16:33.639" v="60"/>
+          <ac:spMkLst>
+            <pc:docMk/>
+            <pc:sldMk cId="649797171" sldId="309"/>
+            <ac:spMk id="2" creationId="{00000000-0000-0000-0000-000000000000}"/>
+          </ac:spMkLst>
+        </pc:spChg>
         <pc:spChg chg="mod">
-          <ac:chgData name="Ginger Lee Jacobson" userId="S::glj8018@ads.northwestern.edu::3a49910d-c358-4586-b31b-05d58406f615" providerId="AD" clId="Web-{A29EF2C3-BCC3-FE84-9E28-8AC5DC878225}" dt="2023-01-11T21:31:09.223" v="230" actId="20577"/>
+          <ac:chgData name="John Patrick Johnson" userId="S::jpj8711@ads.northwestern.edu::fe18dc51-e5c5-41f0-a67f-64543119935e" providerId="AD" clId="Web-{A0BF277A-F909-51ED-3905-702FCCB698DA}" dt="2023-06-06T02:16:33.639" v="60"/>
           <ac:spMkLst>
             <pc:docMk/>
             <pc:sldMk cId="649797171" sldId="309"/>
-            <ac:spMk id="4" creationId="{E01374D5-3FDC-ACF5-3153-58548A78F130}"/>
+            <ac:spMk id="251" creationId="{00000000-0000-0000-0000-000000000000}"/>
           </ac:spMkLst>
         </pc:spChg>
       </pc:sldChg>
-      <pc:sldChg chg="modSp new ord">
-        <pc:chgData name="Ginger Lee Jacobson" userId="S::glj8018@ads.northwestern.edu::3a49910d-c358-4586-b31b-05d58406f615" providerId="AD" clId="Web-{A29EF2C3-BCC3-FE84-9E28-8AC5DC878225}" dt="2023-01-11T20:50:36.481" v="141" actId="20577"/>
+      <pc:sldChg chg="delSp modSp del">
+        <pc:chgData name="John Patrick Johnson" userId="S::jpj8711@ads.northwestern.edu::fe18dc51-e5c5-41f0-a67f-64543119935e" providerId="AD" clId="Web-{A0BF277A-F909-51ED-3905-702FCCB698DA}" dt="2023-06-06T02:21:52.885" v="116"/>
         <pc:sldMkLst>
           <pc:docMk/>
           <pc:sldMk cId="1622357749" sldId="310"/>
         </pc:sldMkLst>
         <pc:spChg chg="mod">
-          <ac:chgData name="Ginger Lee Jacobson" userId="S::glj8018@ads.northwestern.edu::3a49910d-c358-4586-b31b-05d58406f615" providerId="AD" clId="Web-{A29EF2C3-BCC3-FE84-9E28-8AC5DC878225}" dt="2023-01-11T20:50:05.058" v="138" actId="20577"/>
+          <ac:chgData name="John Patrick Johnson" userId="S::jpj8711@ads.northwestern.edu::fe18dc51-e5c5-41f0-a67f-64543119935e" providerId="AD" clId="Web-{A0BF277A-F909-51ED-3905-702FCCB698DA}" dt="2023-06-06T02:16:33.639" v="60"/>
           <ac:spMkLst>
             <pc:docMk/>
             <pc:sldMk cId="1622357749" sldId="310"/>
-            <ac:spMk id="2" creationId="{DA76D551-D935-B605-4BA3-8E184C30C903}"/>
-          </ac:spMkLst>
-        </pc:spChg>
-        <pc:spChg chg="mod">
-          <ac:chgData name="Ginger Lee Jacobson" userId="S::glj8018@ads.northwestern.edu::3a49910d-c358-4586-b31b-05d58406f615" providerId="AD" clId="Web-{A29EF2C3-BCC3-FE84-9E28-8AC5DC878225}" dt="2023-01-11T20:50:36.481" v="141" actId="20577"/>
+            <ac:spMk id="4" creationId="{7431F675-D480-541A-2B5D-D723156A0829}"/>
+          </ac:spMkLst>
+        </pc:spChg>
+        <pc:spChg chg="del">
+          <ac:chgData name="John Patrick Johnson" userId="S::jpj8711@ads.northwestern.edu::fe18dc51-e5c5-41f0-a67f-64543119935e" providerId="AD" clId="Web-{A0BF277A-F909-51ED-3905-702FCCB698DA}" dt="2023-06-06T02:16:33.639" v="60"/>
           <ac:spMkLst>
             <pc:docMk/>
             <pc:sldMk cId="1622357749" sldId="310"/>
-            <ac:spMk id="3" creationId="{A4FCEDB0-0C1F-8E75-6EA3-CEA25E8BC792}"/>
+            <ac:spMk id="5" creationId="{02916B7C-F425-6A60-C3B9-A00EF99E5CBE}"/>
           </ac:spMkLst>
         </pc:spChg>
       </pc:sldChg>
-      <pc:sldChg chg="add replId modNotes">
-        <pc:chgData name="Ginger Lee Jacobson" userId="S::glj8018@ads.northwestern.edu::3a49910d-c358-4586-b31b-05d58406f615" providerId="AD" clId="Web-{A29EF2C3-BCC3-FE84-9E28-8AC5DC878225}" dt="2023-01-11T20:57:03.427" v="145"/>
+      <pc:sldChg chg="delSp modSp del">
+        <pc:chgData name="John Patrick Johnson" userId="S::jpj8711@ads.northwestern.edu::fe18dc51-e5c5-41f0-a67f-64543119935e" providerId="AD" clId="Web-{A0BF277A-F909-51ED-3905-702FCCB698DA}" dt="2023-06-06T02:21:54.635" v="118"/>
         <pc:sldMkLst>
           <pc:docMk/>
           <pc:sldMk cId="467008381" sldId="311"/>
         </pc:sldMkLst>
+        <pc:spChg chg="mod">
+          <ac:chgData name="John Patrick Johnson" userId="S::jpj8711@ads.northwestern.edu::fe18dc51-e5c5-41f0-a67f-64543119935e" providerId="AD" clId="Web-{A0BF277A-F909-51ED-3905-702FCCB698DA}" dt="2023-06-06T02:16:33.639" v="60"/>
+          <ac:spMkLst>
+            <pc:docMk/>
+            <pc:sldMk cId="467008381" sldId="311"/>
+            <ac:spMk id="4" creationId="{963A9A73-23EF-3180-96E1-55A434E55A4C}"/>
+          </ac:spMkLst>
+        </pc:spChg>
+        <pc:spChg chg="del">
+          <ac:chgData name="John Patrick Johnson" userId="S::jpj8711@ads.northwestern.edu::fe18dc51-e5c5-41f0-a67f-64543119935e" providerId="AD" clId="Web-{A0BF277A-F909-51ED-3905-702FCCB698DA}" dt="2023-06-06T02:16:33.639" v="60"/>
+          <ac:spMkLst>
+            <pc:docMk/>
+            <pc:sldMk cId="467008381" sldId="311"/>
+            <ac:spMk id="5" creationId="{82A8620B-355B-B547-E3A1-82328DA571E9}"/>
+          </ac:spMkLst>
+        </pc:spChg>
       </pc:sldChg>
+      <pc:sldChg chg="delSp modSp del">
+        <pc:chgData name="John Patrick Johnson" userId="S::jpj8711@ads.northwestern.edu::fe18dc51-e5c5-41f0-a67f-64543119935e" providerId="AD" clId="Web-{A0BF277A-F909-51ED-3905-702FCCB698DA}" dt="2023-06-06T02:21:44.525" v="110"/>
+        <pc:sldMkLst>
+          <pc:docMk/>
+          <pc:sldMk cId="2190516894" sldId="312"/>
+        </pc:sldMkLst>
+        <pc:spChg chg="mod">
+          <ac:chgData name="John Patrick Johnson" userId="S::jpj8711@ads.northwestern.edu::fe18dc51-e5c5-41f0-a67f-64543119935e" providerId="AD" clId="Web-{A0BF277A-F909-51ED-3905-702FCCB698DA}" dt="2023-06-06T02:16:33.639" v="60"/>
+          <ac:spMkLst>
+            <pc:docMk/>
+            <pc:sldMk cId="2190516894" sldId="312"/>
+            <ac:spMk id="4" creationId="{958612A7-3215-9271-BAA1-978121C1DE1E}"/>
+          </ac:spMkLst>
+        </pc:spChg>
+        <pc:spChg chg="del">
+          <ac:chgData name="John Patrick Johnson" userId="S::jpj8711@ads.northwestern.edu::fe18dc51-e5c5-41f0-a67f-64543119935e" providerId="AD" clId="Web-{A0BF277A-F909-51ED-3905-702FCCB698DA}" dt="2023-06-06T02:16:33.639" v="60"/>
+          <ac:spMkLst>
+            <pc:docMk/>
+            <pc:sldMk cId="2190516894" sldId="312"/>
+            <ac:spMk id="5" creationId="{834D0487-F247-2D85-9CA0-4B8705C3B356}"/>
+          </ac:spMkLst>
+        </pc:spChg>
+      </pc:sldChg>
+      <pc:sldChg chg="delSp modSp del">
+        <pc:chgData name="John Patrick Johnson" userId="S::jpj8711@ads.northwestern.edu::fe18dc51-e5c5-41f0-a67f-64543119935e" providerId="AD" clId="Web-{A0BF277A-F909-51ED-3905-702FCCB698DA}" dt="2023-06-06T02:21:57.916" v="122"/>
+        <pc:sldMkLst>
+          <pc:docMk/>
+          <pc:sldMk cId="217017396" sldId="313"/>
+        </pc:sldMkLst>
+        <pc:spChg chg="mod">
+          <ac:chgData name="John Patrick Johnson" userId="S::jpj8711@ads.northwestern.edu::fe18dc51-e5c5-41f0-a67f-64543119935e" providerId="AD" clId="Web-{A0BF277A-F909-51ED-3905-702FCCB698DA}" dt="2023-06-06T02:16:33.639" v="60"/>
+          <ac:spMkLst>
+            <pc:docMk/>
+            <pc:sldMk cId="217017396" sldId="313"/>
+            <ac:spMk id="4" creationId="{B61ECC17-BD18-E4A6-F51E-854F648A7210}"/>
+          </ac:spMkLst>
+        </pc:spChg>
+        <pc:spChg chg="del">
+          <ac:chgData name="John Patrick Johnson" userId="S::jpj8711@ads.northwestern.edu::fe18dc51-e5c5-41f0-a67f-64543119935e" providerId="AD" clId="Web-{A0BF277A-F909-51ED-3905-702FCCB698DA}" dt="2023-06-06T02:16:33.639" v="60"/>
+          <ac:spMkLst>
+            <pc:docMk/>
+            <pc:sldMk cId="217017396" sldId="313"/>
+            <ac:spMk id="5" creationId="{F9AB0EB9-1D6B-3AAA-D5CF-A988F62C2DB6}"/>
+          </ac:spMkLst>
+        </pc:spChg>
+      </pc:sldChg>
+      <pc:sldChg chg="delSp modSp del">
+        <pc:chgData name="John Patrick Johnson" userId="S::jpj8711@ads.northwestern.edu::fe18dc51-e5c5-41f0-a67f-64543119935e" providerId="AD" clId="Web-{A0BF277A-F909-51ED-3905-702FCCB698DA}" dt="2023-06-06T02:21:56.338" v="120"/>
+        <pc:sldMkLst>
+          <pc:docMk/>
+          <pc:sldMk cId="3246919771" sldId="314"/>
+        </pc:sldMkLst>
+        <pc:spChg chg="mod">
+          <ac:chgData name="John Patrick Johnson" userId="S::jpj8711@ads.northwestern.edu::fe18dc51-e5c5-41f0-a67f-64543119935e" providerId="AD" clId="Web-{A0BF277A-F909-51ED-3905-702FCCB698DA}" dt="2023-06-06T02:16:33.639" v="60"/>
+          <ac:spMkLst>
+            <pc:docMk/>
+            <pc:sldMk cId="3246919771" sldId="314"/>
+            <ac:spMk id="4" creationId="{75058F8E-6094-693C-6255-2BA7B895283D}"/>
+          </ac:spMkLst>
+        </pc:spChg>
+        <pc:spChg chg="del">
+          <ac:chgData name="John Patrick Johnson" userId="S::jpj8711@ads.northwestern.edu::fe18dc51-e5c5-41f0-a67f-64543119935e" providerId="AD" clId="Web-{A0BF277A-F909-51ED-3905-702FCCB698DA}" dt="2023-06-06T02:16:33.639" v="60"/>
+          <ac:spMkLst>
+            <pc:docMk/>
+            <pc:sldMk cId="3246919771" sldId="314"/>
+            <ac:spMk id="5" creationId="{11A788A3-C8B3-0324-87A0-E451BED5C839}"/>
+          </ac:spMkLst>
+        </pc:spChg>
+      </pc:sldChg>
+      <pc:sldChg chg="delSp modSp del">
+        <pc:chgData name="John Patrick Johnson" userId="S::jpj8711@ads.northwestern.edu::fe18dc51-e5c5-41f0-a67f-64543119935e" providerId="AD" clId="Web-{A0BF277A-F909-51ED-3905-702FCCB698DA}" dt="2023-06-06T02:21:57.213" v="121"/>
+        <pc:sldMkLst>
+          <pc:docMk/>
+          <pc:sldMk cId="1781169159" sldId="315"/>
+        </pc:sldMkLst>
+        <pc:spChg chg="mod">
+          <ac:chgData name="John Patrick Johnson" userId="S::jpj8711@ads.northwestern.edu::fe18dc51-e5c5-41f0-a67f-64543119935e" providerId="AD" clId="Web-{A0BF277A-F909-51ED-3905-702FCCB698DA}" dt="2023-06-06T02:16:33.639" v="60"/>
+          <ac:spMkLst>
+            <pc:docMk/>
+            <pc:sldMk cId="1781169159" sldId="315"/>
+            <ac:spMk id="4" creationId="{96B97F33-28BA-8CC7-E7BE-3A88D987B632}"/>
+          </ac:spMkLst>
+        </pc:spChg>
+        <pc:spChg chg="del">
+          <ac:chgData name="John Patrick Johnson" userId="S::jpj8711@ads.northwestern.edu::fe18dc51-e5c5-41f0-a67f-64543119935e" providerId="AD" clId="Web-{A0BF277A-F909-51ED-3905-702FCCB698DA}" dt="2023-06-06T02:16:33.639" v="60"/>
+          <ac:spMkLst>
+            <pc:docMk/>
+            <pc:sldMk cId="1781169159" sldId="315"/>
+            <ac:spMk id="5" creationId="{60457AF8-83CE-B518-0E5C-B42C653ABCCA}"/>
+          </ac:spMkLst>
+        </pc:spChg>
+      </pc:sldChg>
+      <pc:sldChg chg="delSp modSp del">
+        <pc:chgData name="John Patrick Johnson" userId="S::jpj8711@ads.northwestern.edu::fe18dc51-e5c5-41f0-a67f-64543119935e" providerId="AD" clId="Web-{A0BF277A-F909-51ED-3905-702FCCB698DA}" dt="2023-06-06T02:21:59.838" v="123"/>
+        <pc:sldMkLst>
+          <pc:docMk/>
+          <pc:sldMk cId="114224506" sldId="316"/>
+        </pc:sldMkLst>
+        <pc:spChg chg="mod">
+          <ac:chgData name="John Patrick Johnson" userId="S::jpj8711@ads.northwestern.edu::fe18dc51-e5c5-41f0-a67f-64543119935e" providerId="AD" clId="Web-{A0BF277A-F909-51ED-3905-702FCCB698DA}" dt="2023-06-06T02:16:33.639" v="60"/>
+          <ac:spMkLst>
+            <pc:docMk/>
+            <pc:sldMk cId="114224506" sldId="316"/>
+            <ac:spMk id="4" creationId="{0F2D2942-94E7-2C51-A309-D126227CAF04}"/>
+          </ac:spMkLst>
+        </pc:spChg>
+        <pc:spChg chg="del">
+          <ac:chgData name="John Patrick Johnson" userId="S::jpj8711@ads.northwestern.edu::fe18dc51-e5c5-41f0-a67f-64543119935e" providerId="AD" clId="Web-{A0BF277A-F909-51ED-3905-702FCCB698DA}" dt="2023-06-06T02:16:33.639" v="60"/>
+          <ac:spMkLst>
+            <pc:docMk/>
+            <pc:sldMk cId="114224506" sldId="316"/>
+            <ac:spMk id="5" creationId="{FFFB4EC8-46B7-4225-FD23-66BEFFB72D12}"/>
+          </ac:spMkLst>
+        </pc:spChg>
+      </pc:sldChg>
+      <pc:sldChg chg="delSp modSp del">
+        <pc:chgData name="John Patrick Johnson" userId="S::jpj8711@ads.northwestern.edu::fe18dc51-e5c5-41f0-a67f-64543119935e" providerId="AD" clId="Web-{A0BF277A-F909-51ED-3905-702FCCB698DA}" dt="2023-06-06T02:21:47.666" v="114"/>
+        <pc:sldMkLst>
+          <pc:docMk/>
+          <pc:sldMk cId="380680441" sldId="317"/>
+        </pc:sldMkLst>
+        <pc:spChg chg="mod">
+          <ac:chgData name="John Patrick Johnson" userId="S::jpj8711@ads.northwestern.edu::fe18dc51-e5c5-41f0-a67f-64543119935e" providerId="AD" clId="Web-{A0BF277A-F909-51ED-3905-702FCCB698DA}" dt="2023-06-06T02:16:33.639" v="60"/>
+          <ac:spMkLst>
+            <pc:docMk/>
+            <pc:sldMk cId="380680441" sldId="317"/>
+            <ac:spMk id="4" creationId="{65AE09F3-95EE-FF4E-3B4C-88A0C7CECC03}"/>
+          </ac:spMkLst>
+        </pc:spChg>
+        <pc:spChg chg="del">
+          <ac:chgData name="John Patrick Johnson" userId="S::jpj8711@ads.northwestern.edu::fe18dc51-e5c5-41f0-a67f-64543119935e" providerId="AD" clId="Web-{A0BF277A-F909-51ED-3905-702FCCB698DA}" dt="2023-06-06T02:16:33.639" v="60"/>
+          <ac:spMkLst>
+            <pc:docMk/>
+            <pc:sldMk cId="380680441" sldId="317"/>
+            <ac:spMk id="5" creationId="{7FEAE56A-BF0D-2A07-71D7-7FE33D13573C}"/>
+          </ac:spMkLst>
+        </pc:spChg>
+      </pc:sldChg>
+      <pc:sldChg chg="delSp modSp ord">
+        <pc:chgData name="John Patrick Johnson" userId="S::jpj8711@ads.northwestern.edu::fe18dc51-e5c5-41f0-a67f-64543119935e" providerId="AD" clId="Web-{A0BF277A-F909-51ED-3905-702FCCB698DA}" dt="2023-06-06T02:22:10.213" v="124"/>
+        <pc:sldMkLst>
+          <pc:docMk/>
+          <pc:sldMk cId="348769654" sldId="318"/>
+        </pc:sldMkLst>
+        <pc:spChg chg="mod">
+          <ac:chgData name="John Patrick Johnson" userId="S::jpj8711@ads.northwestern.edu::fe18dc51-e5c5-41f0-a67f-64543119935e" providerId="AD" clId="Web-{A0BF277A-F909-51ED-3905-702FCCB698DA}" dt="2023-06-06T02:16:33.639" v="60"/>
+          <ac:spMkLst>
+            <pc:docMk/>
+            <pc:sldMk cId="348769654" sldId="318"/>
+            <ac:spMk id="4" creationId="{5D6F9351-75F6-C7A1-4564-32139E3FB6F5}"/>
+          </ac:spMkLst>
+        </pc:spChg>
+        <pc:spChg chg="del">
+          <ac:chgData name="John Patrick Johnson" userId="S::jpj8711@ads.northwestern.edu::fe18dc51-e5c5-41f0-a67f-64543119935e" providerId="AD" clId="Web-{A0BF277A-F909-51ED-3905-702FCCB698DA}" dt="2023-06-06T02:16:33.639" v="60"/>
+          <ac:spMkLst>
+            <pc:docMk/>
+            <pc:sldMk cId="348769654" sldId="318"/>
+            <ac:spMk id="5" creationId="{03179B4A-32B2-F788-F0FF-E10B9B4B2D8D}"/>
+          </ac:spMkLst>
+        </pc:spChg>
+      </pc:sldChg>
+      <pc:sldChg chg="modSp add ord replId">
+        <pc:chgData name="John Patrick Johnson" userId="S::jpj8711@ads.northwestern.edu::fe18dc51-e5c5-41f0-a67f-64543119935e" providerId="AD" clId="Web-{A0BF277A-F909-51ED-3905-702FCCB698DA}" dt="2023-06-06T02:35:51.079" v="296" actId="20577"/>
+        <pc:sldMkLst>
+          <pc:docMk/>
+          <pc:sldMk cId="679280969" sldId="319"/>
+        </pc:sldMkLst>
+        <pc:spChg chg="mod">
+          <ac:chgData name="John Patrick Johnson" userId="S::jpj8711@ads.northwestern.edu::fe18dc51-e5c5-41f0-a67f-64543119935e" providerId="AD" clId="Web-{A0BF277A-F909-51ED-3905-702FCCB698DA}" dt="2023-06-06T02:32:17.136" v="136" actId="20577"/>
+          <ac:spMkLst>
+            <pc:docMk/>
+            <pc:sldMk cId="679280969" sldId="319"/>
+            <ac:spMk id="2" creationId="{B7862AAB-75C5-01E8-7C83-F7CB14768AFA}"/>
+          </ac:spMkLst>
+        </pc:spChg>
+        <pc:spChg chg="mod">
+          <ac:chgData name="John Patrick Johnson" userId="S::jpj8711@ads.northwestern.edu::fe18dc51-e5c5-41f0-a67f-64543119935e" providerId="AD" clId="Web-{A0BF277A-F909-51ED-3905-702FCCB698DA}" dt="2023-06-06T02:35:51.079" v="296" actId="20577"/>
+          <ac:spMkLst>
+            <pc:docMk/>
+            <pc:sldMk cId="679280969" sldId="319"/>
+            <ac:spMk id="3" creationId="{838492E3-91C7-FA09-1EED-65C4220C1E22}"/>
+          </ac:spMkLst>
+        </pc:spChg>
+      </pc:sldChg>
+      <pc:sldMasterChg chg="modSp mod modSldLayout">
+        <pc:chgData name="John Patrick Johnson" userId="S::jpj8711@ads.northwestern.edu::fe18dc51-e5c5-41f0-a67f-64543119935e" providerId="AD" clId="Web-{A0BF277A-F909-51ED-3905-702FCCB698DA}" dt="2023-06-06T02:16:33.639" v="60"/>
+        <pc:sldMasterMkLst>
+          <pc:docMk/>
+          <pc:sldMasterMk cId="0" sldId="2147483654"/>
+        </pc:sldMasterMkLst>
+        <pc:spChg chg="mod">
+          <ac:chgData name="John Patrick Johnson" userId="S::jpj8711@ads.northwestern.edu::fe18dc51-e5c5-41f0-a67f-64543119935e" providerId="AD" clId="Web-{A0BF277A-F909-51ED-3905-702FCCB698DA}" dt="2023-06-06T02:16:33.639" v="60"/>
+          <ac:spMkLst>
+            <pc:docMk/>
+            <pc:sldMasterMk cId="0" sldId="2147483654"/>
+            <ac:spMk id="13" creationId="{00000000-0000-0000-0000-000000000000}"/>
+          </ac:spMkLst>
+        </pc:spChg>
+        <pc:sldLayoutChg chg="modSp mod">
+          <pc:chgData name="John Patrick Johnson" userId="S::jpj8711@ads.northwestern.edu::fe18dc51-e5c5-41f0-a67f-64543119935e" providerId="AD" clId="Web-{A0BF277A-F909-51ED-3905-702FCCB698DA}" dt="2023-06-06T02:16:33.639" v="60"/>
+          <pc:sldLayoutMkLst>
+            <pc:docMk/>
+            <pc:sldMasterMk cId="0" sldId="2147483654"/>
+            <pc:sldLayoutMk cId="0" sldId="2147483648"/>
+          </pc:sldLayoutMkLst>
+          <pc:spChg chg="mod">
+            <ac:chgData name="John Patrick Johnson" userId="S::jpj8711@ads.northwestern.edu::fe18dc51-e5c5-41f0-a67f-64543119935e" providerId="AD" clId="Web-{A0BF277A-F909-51ED-3905-702FCCB698DA}" dt="2023-06-06T02:16:33.639" v="60"/>
+            <ac:spMkLst>
+              <pc:docMk/>
+              <pc:sldMasterMk cId="0" sldId="2147483654"/>
+              <pc:sldLayoutMk cId="0" sldId="2147483648"/>
+              <ac:spMk id="17" creationId="{00000000-0000-0000-0000-000000000000}"/>
+            </ac:spMkLst>
+          </pc:spChg>
+        </pc:sldLayoutChg>
+        <pc:sldLayoutChg chg="modSp mod">
+          <pc:chgData name="John Patrick Johnson" userId="S::jpj8711@ads.northwestern.edu::fe18dc51-e5c5-41f0-a67f-64543119935e" providerId="AD" clId="Web-{A0BF277A-F909-51ED-3905-702FCCB698DA}" dt="2023-06-06T02:16:33.639" v="60"/>
+          <pc:sldLayoutMkLst>
+            <pc:docMk/>
+            <pc:sldMasterMk cId="0" sldId="2147483654"/>
+            <pc:sldLayoutMk cId="0" sldId="2147483649"/>
+          </pc:sldLayoutMkLst>
+          <pc:spChg chg="mod">
+            <ac:chgData name="John Patrick Johnson" userId="S::jpj8711@ads.northwestern.edu::fe18dc51-e5c5-41f0-a67f-64543119935e" providerId="AD" clId="Web-{A0BF277A-F909-51ED-3905-702FCCB698DA}" dt="2023-06-06T02:16:33.639" v="60"/>
+            <ac:spMkLst>
+              <pc:docMk/>
+              <pc:sldMasterMk cId="0" sldId="2147483654"/>
+              <pc:sldLayoutMk cId="0" sldId="2147483649"/>
+              <ac:spMk id="24" creationId="{00000000-0000-0000-0000-000000000000}"/>
+            </ac:spMkLst>
+          </pc:spChg>
+        </pc:sldLayoutChg>
+        <pc:sldLayoutChg chg="modSp mod">
+          <pc:chgData name="John Patrick Johnson" userId="S::jpj8711@ads.northwestern.edu::fe18dc51-e5c5-41f0-a67f-64543119935e" providerId="AD" clId="Web-{A0BF277A-F909-51ED-3905-702FCCB698DA}" dt="2023-06-06T02:16:33.639" v="60"/>
+          <pc:sldLayoutMkLst>
+            <pc:docMk/>
+            <pc:sldMasterMk cId="0" sldId="2147483654"/>
+            <pc:sldLayoutMk cId="0" sldId="2147483650"/>
+          </pc:sldLayoutMkLst>
+          <pc:spChg chg="mod">
+            <ac:chgData name="John Patrick Johnson" userId="S::jpj8711@ads.northwestern.edu::fe18dc51-e5c5-41f0-a67f-64543119935e" providerId="AD" clId="Web-{A0BF277A-F909-51ED-3905-702FCCB698DA}" dt="2023-06-06T02:16:33.639" v="60"/>
+            <ac:spMkLst>
+              <pc:docMk/>
+              <pc:sldMasterMk cId="0" sldId="2147483654"/>
+              <pc:sldLayoutMk cId="0" sldId="2147483650"/>
+              <ac:spMk id="29" creationId="{00000000-0000-0000-0000-000000000000}"/>
+            </ac:spMkLst>
+          </pc:spChg>
+        </pc:sldLayoutChg>
+        <pc:sldLayoutChg chg="modSp mod">
+          <pc:chgData name="John Patrick Johnson" userId="S::jpj8711@ads.northwestern.edu::fe18dc51-e5c5-41f0-a67f-64543119935e" providerId="AD" clId="Web-{A0BF277A-F909-51ED-3905-702FCCB698DA}" dt="2023-06-06T02:16:33.639" v="60"/>
+          <pc:sldLayoutMkLst>
+            <pc:docMk/>
+            <pc:sldMasterMk cId="0" sldId="2147483654"/>
+            <pc:sldLayoutMk cId="0" sldId="2147483651"/>
+          </pc:sldLayoutMkLst>
+          <pc:spChg chg="mod">
+            <ac:chgData name="John Patrick Johnson" userId="S::jpj8711@ads.northwestern.edu::fe18dc51-e5c5-41f0-a67f-64543119935e" providerId="AD" clId="Web-{A0BF277A-F909-51ED-3905-702FCCB698DA}" dt="2023-06-06T02:16:33.639" v="60"/>
+            <ac:spMkLst>
+              <pc:docMk/>
+              <pc:sldMasterMk cId="0" sldId="2147483654"/>
+              <pc:sldLayoutMk cId="0" sldId="2147483651"/>
+              <ac:spMk id="35" creationId="{00000000-0000-0000-0000-000000000000}"/>
+            </ac:spMkLst>
+          </pc:spChg>
+        </pc:sldLayoutChg>
+        <pc:sldLayoutChg chg="modSp mod">
+          <pc:chgData name="John Patrick Johnson" userId="S::jpj8711@ads.northwestern.edu::fe18dc51-e5c5-41f0-a67f-64543119935e" providerId="AD" clId="Web-{A0BF277A-F909-51ED-3905-702FCCB698DA}" dt="2023-06-06T02:16:33.639" v="60"/>
+          <pc:sldLayoutMkLst>
+            <pc:docMk/>
+            <pc:sldMasterMk cId="0" sldId="2147483654"/>
+            <pc:sldLayoutMk cId="0" sldId="2147483652"/>
+          </pc:sldLayoutMkLst>
+          <pc:spChg chg="mod">
+            <ac:chgData name="John Patrick Johnson" userId="S::jpj8711@ads.northwestern.edu::fe18dc51-e5c5-41f0-a67f-64543119935e" providerId="AD" clId="Web-{A0BF277A-F909-51ED-3905-702FCCB698DA}" dt="2023-06-06T02:16:33.639" v="60"/>
+            <ac:spMkLst>
+              <pc:docMk/>
+              <pc:sldMasterMk cId="0" sldId="2147483654"/>
+              <pc:sldLayoutMk cId="0" sldId="2147483652"/>
+              <ac:spMk id="39" creationId="{00000000-0000-0000-0000-000000000000}"/>
+            </ac:spMkLst>
+          </pc:spChg>
+        </pc:sldLayoutChg>
+        <pc:sldLayoutChg chg="modSp mod">
+          <pc:chgData name="John Patrick Johnson" userId="S::jpj8711@ads.northwestern.edu::fe18dc51-e5c5-41f0-a67f-64543119935e" providerId="AD" clId="Web-{A0BF277A-F909-51ED-3905-702FCCB698DA}" dt="2023-06-06T02:16:33.639" v="60"/>
+          <pc:sldLayoutMkLst>
+            <pc:docMk/>
+            <pc:sldMasterMk cId="0" sldId="2147483654"/>
+            <pc:sldLayoutMk cId="0" sldId="2147483653"/>
+          </pc:sldLayoutMkLst>
+          <pc:spChg chg="mod">
+            <ac:chgData name="John Patrick Johnson" userId="S::jpj8711@ads.northwestern.edu::fe18dc51-e5c5-41f0-a67f-64543119935e" providerId="AD" clId="Web-{A0BF277A-F909-51ED-3905-702FCCB698DA}" dt="2023-06-06T02:16:33.639" v="60"/>
+            <ac:spMkLst>
+              <pc:docMk/>
+              <pc:sldMasterMk cId="0" sldId="2147483654"/>
+              <pc:sldLayoutMk cId="0" sldId="2147483653"/>
+              <ac:spMk id="42" creationId="{00000000-0000-0000-0000-000000000000}"/>
+            </ac:spMkLst>
+          </pc:spChg>
+        </pc:sldLayoutChg>
+      </pc:sldMasterChg>
     </pc:docChg>
   </pc:docChgLst>
   <pc:docChgLst>
@@ -1950,6 +2495,1028 @@
             <ac:spMk id="3" creationId="{EC9AA3F7-FC6E-575A-F3F6-82A49486401E}"/>
           </ac:spMkLst>
         </pc:spChg>
+      </pc:sldChg>
+    </pc:docChg>
+  </pc:docChgLst>
+  <pc:docChgLst>
+    <pc:chgData name="John Patrick Johnson" userId="S::jpj8711@ads.northwestern.edu::fe18dc51-e5c5-41f0-a67f-64543119935e" providerId="AD" clId="Web-{2AD4187B-B36B-CC54-8E8E-06A9556FE921}"/>
+    <pc:docChg chg="modSld modMainMaster">
+      <pc:chgData name="John Patrick Johnson" userId="S::jpj8711@ads.northwestern.edu::fe18dc51-e5c5-41f0-a67f-64543119935e" providerId="AD" clId="Web-{2AD4187B-B36B-CC54-8E8E-06A9556FE921}" dt="2023-01-13T01:45:31.624" v="948"/>
+      <pc:docMkLst>
+        <pc:docMk/>
+      </pc:docMkLst>
+      <pc:sldChg chg="addSp modSp">
+        <pc:chgData name="John Patrick Johnson" userId="S::jpj8711@ads.northwestern.edu::fe18dc51-e5c5-41f0-a67f-64543119935e" providerId="AD" clId="Web-{2AD4187B-B36B-CC54-8E8E-06A9556FE921}" dt="2023-01-13T01:25:10.520" v="54"/>
+        <pc:sldMkLst>
+          <pc:docMk/>
+          <pc:sldMk cId="0" sldId="256"/>
+        </pc:sldMkLst>
+        <pc:spChg chg="add mod">
+          <ac:chgData name="John Patrick Johnson" userId="S::jpj8711@ads.northwestern.edu::fe18dc51-e5c5-41f0-a67f-64543119935e" providerId="AD" clId="Web-{2AD4187B-B36B-CC54-8E8E-06A9556FE921}" dt="2023-01-13T01:25:10.520" v="54"/>
+          <ac:spMkLst>
+            <pc:docMk/>
+            <pc:sldMk cId="0" sldId="256"/>
+            <ac:spMk id="2" creationId="{289CA4ED-6DAD-386B-A788-B7C6CAF7438D}"/>
+          </ac:spMkLst>
+        </pc:spChg>
+      </pc:sldChg>
+      <pc:sldChg chg="modSp">
+        <pc:chgData name="John Patrick Johnson" userId="S::jpj8711@ads.northwestern.edu::fe18dc51-e5c5-41f0-a67f-64543119935e" providerId="AD" clId="Web-{2AD4187B-B36B-CC54-8E8E-06A9556FE921}" dt="2023-01-13T01:25:10.520" v="54"/>
+        <pc:sldMkLst>
+          <pc:docMk/>
+          <pc:sldMk cId="0" sldId="259"/>
+        </pc:sldMkLst>
+        <pc:spChg chg="mod">
+          <ac:chgData name="John Patrick Johnson" userId="S::jpj8711@ads.northwestern.edu::fe18dc51-e5c5-41f0-a67f-64543119935e" providerId="AD" clId="Web-{2AD4187B-B36B-CC54-8E8E-06A9556FE921}" dt="2023-01-13T01:25:10.520" v="54"/>
+          <ac:spMkLst>
+            <pc:docMk/>
+            <pc:sldMk cId="0" sldId="259"/>
+            <ac:spMk id="75" creationId="{00000000-0000-0000-0000-000000000000}"/>
+          </ac:spMkLst>
+        </pc:spChg>
+      </pc:sldChg>
+      <pc:sldChg chg="modSp">
+        <pc:chgData name="John Patrick Johnson" userId="S::jpj8711@ads.northwestern.edu::fe18dc51-e5c5-41f0-a67f-64543119935e" providerId="AD" clId="Web-{2AD4187B-B36B-CC54-8E8E-06A9556FE921}" dt="2023-01-13T01:25:10.520" v="54"/>
+        <pc:sldMkLst>
+          <pc:docMk/>
+          <pc:sldMk cId="0" sldId="261"/>
+        </pc:sldMkLst>
+        <pc:spChg chg="mod">
+          <ac:chgData name="John Patrick Johnson" userId="S::jpj8711@ads.northwestern.edu::fe18dc51-e5c5-41f0-a67f-64543119935e" providerId="AD" clId="Web-{2AD4187B-B36B-CC54-8E8E-06A9556FE921}" dt="2023-01-13T01:25:10.520" v="54"/>
+          <ac:spMkLst>
+            <pc:docMk/>
+            <pc:sldMk cId="0" sldId="261"/>
+            <ac:spMk id="95" creationId="{00000000-0000-0000-0000-000000000000}"/>
+          </ac:spMkLst>
+        </pc:spChg>
+      </pc:sldChg>
+      <pc:sldChg chg="modSp">
+        <pc:chgData name="John Patrick Johnson" userId="S::jpj8711@ads.northwestern.edu::fe18dc51-e5c5-41f0-a67f-64543119935e" providerId="AD" clId="Web-{2AD4187B-B36B-CC54-8E8E-06A9556FE921}" dt="2023-01-13T01:25:10.520" v="54"/>
+        <pc:sldMkLst>
+          <pc:docMk/>
+          <pc:sldMk cId="0" sldId="262"/>
+        </pc:sldMkLst>
+        <pc:spChg chg="mod">
+          <ac:chgData name="John Patrick Johnson" userId="S::jpj8711@ads.northwestern.edu::fe18dc51-e5c5-41f0-a67f-64543119935e" providerId="AD" clId="Web-{2AD4187B-B36B-CC54-8E8E-06A9556FE921}" dt="2023-01-13T01:25:10.520" v="54"/>
+          <ac:spMkLst>
+            <pc:docMk/>
+            <pc:sldMk cId="0" sldId="262"/>
+            <ac:spMk id="104" creationId="{00000000-0000-0000-0000-000000000000}"/>
+          </ac:spMkLst>
+        </pc:spChg>
+      </pc:sldChg>
+      <pc:sldChg chg="modSp">
+        <pc:chgData name="John Patrick Johnson" userId="S::jpj8711@ads.northwestern.edu::fe18dc51-e5c5-41f0-a67f-64543119935e" providerId="AD" clId="Web-{2AD4187B-B36B-CC54-8E8E-06A9556FE921}" dt="2023-01-13T01:34:23.988" v="509" actId="20577"/>
+        <pc:sldMkLst>
+          <pc:docMk/>
+          <pc:sldMk cId="0" sldId="263"/>
+        </pc:sldMkLst>
+        <pc:spChg chg="mod">
+          <ac:chgData name="John Patrick Johnson" userId="S::jpj8711@ads.northwestern.edu::fe18dc51-e5c5-41f0-a67f-64543119935e" providerId="AD" clId="Web-{2AD4187B-B36B-CC54-8E8E-06A9556FE921}" dt="2023-01-13T01:25:10.520" v="54"/>
+          <ac:spMkLst>
+            <pc:docMk/>
+            <pc:sldMk cId="0" sldId="263"/>
+            <ac:spMk id="114" creationId="{00000000-0000-0000-0000-000000000000}"/>
+          </ac:spMkLst>
+        </pc:spChg>
+        <pc:spChg chg="mod">
+          <ac:chgData name="John Patrick Johnson" userId="S::jpj8711@ads.northwestern.edu::fe18dc51-e5c5-41f0-a67f-64543119935e" providerId="AD" clId="Web-{2AD4187B-B36B-CC54-8E8E-06A9556FE921}" dt="2023-01-13T01:34:23.988" v="509" actId="20577"/>
+          <ac:spMkLst>
+            <pc:docMk/>
+            <pc:sldMk cId="0" sldId="263"/>
+            <ac:spMk id="116" creationId="{00000000-0000-0000-0000-000000000000}"/>
+          </ac:spMkLst>
+        </pc:spChg>
+      </pc:sldChg>
+      <pc:sldChg chg="modSp">
+        <pc:chgData name="John Patrick Johnson" userId="S::jpj8711@ads.northwestern.edu::fe18dc51-e5c5-41f0-a67f-64543119935e" providerId="AD" clId="Web-{2AD4187B-B36B-CC54-8E8E-06A9556FE921}" dt="2023-01-13T01:34:50.927" v="521" actId="20577"/>
+        <pc:sldMkLst>
+          <pc:docMk/>
+          <pc:sldMk cId="0" sldId="264"/>
+        </pc:sldMkLst>
+        <pc:spChg chg="mod">
+          <ac:chgData name="John Patrick Johnson" userId="S::jpj8711@ads.northwestern.edu::fe18dc51-e5c5-41f0-a67f-64543119935e" providerId="AD" clId="Web-{2AD4187B-B36B-CC54-8E8E-06A9556FE921}" dt="2023-01-13T01:25:10.520" v="54"/>
+          <ac:spMkLst>
+            <pc:docMk/>
+            <pc:sldMk cId="0" sldId="264"/>
+            <ac:spMk id="126" creationId="{00000000-0000-0000-0000-000000000000}"/>
+          </ac:spMkLst>
+        </pc:spChg>
+        <pc:spChg chg="mod">
+          <ac:chgData name="John Patrick Johnson" userId="S::jpj8711@ads.northwestern.edu::fe18dc51-e5c5-41f0-a67f-64543119935e" providerId="AD" clId="Web-{2AD4187B-B36B-CC54-8E8E-06A9556FE921}" dt="2023-01-13T01:34:50.927" v="521" actId="20577"/>
+          <ac:spMkLst>
+            <pc:docMk/>
+            <pc:sldMk cId="0" sldId="264"/>
+            <ac:spMk id="128" creationId="{00000000-0000-0000-0000-000000000000}"/>
+          </ac:spMkLst>
+        </pc:spChg>
+      </pc:sldChg>
+      <pc:sldChg chg="modSp">
+        <pc:chgData name="John Patrick Johnson" userId="S::jpj8711@ads.northwestern.edu::fe18dc51-e5c5-41f0-a67f-64543119935e" providerId="AD" clId="Web-{2AD4187B-B36B-CC54-8E8E-06A9556FE921}" dt="2023-01-13T01:25:10.520" v="54"/>
+        <pc:sldMkLst>
+          <pc:docMk/>
+          <pc:sldMk cId="0" sldId="266"/>
+        </pc:sldMkLst>
+        <pc:spChg chg="mod">
+          <ac:chgData name="John Patrick Johnson" userId="S::jpj8711@ads.northwestern.edu::fe18dc51-e5c5-41f0-a67f-64543119935e" providerId="AD" clId="Web-{2AD4187B-B36B-CC54-8E8E-06A9556FE921}" dt="2023-01-13T01:25:10.520" v="54"/>
+          <ac:spMkLst>
+            <pc:docMk/>
+            <pc:sldMk cId="0" sldId="266"/>
+            <ac:spMk id="148" creationId="{00000000-0000-0000-0000-000000000000}"/>
+          </ac:spMkLst>
+        </pc:spChg>
+      </pc:sldChg>
+      <pc:sldChg chg="modSp">
+        <pc:chgData name="John Patrick Johnson" userId="S::jpj8711@ads.northwestern.edu::fe18dc51-e5c5-41f0-a67f-64543119935e" providerId="AD" clId="Web-{2AD4187B-B36B-CC54-8E8E-06A9556FE921}" dt="2023-01-13T01:25:10.520" v="54"/>
+        <pc:sldMkLst>
+          <pc:docMk/>
+          <pc:sldMk cId="0" sldId="268"/>
+        </pc:sldMkLst>
+        <pc:spChg chg="mod">
+          <ac:chgData name="John Patrick Johnson" userId="S::jpj8711@ads.northwestern.edu::fe18dc51-e5c5-41f0-a67f-64543119935e" providerId="AD" clId="Web-{2AD4187B-B36B-CC54-8E8E-06A9556FE921}" dt="2023-01-13T01:25:10.520" v="54"/>
+          <ac:spMkLst>
+            <pc:docMk/>
+            <pc:sldMk cId="0" sldId="268"/>
+            <ac:spMk id="167" creationId="{00000000-0000-0000-0000-000000000000}"/>
+          </ac:spMkLst>
+        </pc:spChg>
+      </pc:sldChg>
+      <pc:sldChg chg="modSp">
+        <pc:chgData name="John Patrick Johnson" userId="S::jpj8711@ads.northwestern.edu::fe18dc51-e5c5-41f0-a67f-64543119935e" providerId="AD" clId="Web-{2AD4187B-B36B-CC54-8E8E-06A9556FE921}" dt="2023-01-13T01:31:41.593" v="334" actId="20577"/>
+        <pc:sldMkLst>
+          <pc:docMk/>
+          <pc:sldMk cId="0" sldId="269"/>
+        </pc:sldMkLst>
+        <pc:spChg chg="mod">
+          <ac:chgData name="John Patrick Johnson" userId="S::jpj8711@ads.northwestern.edu::fe18dc51-e5c5-41f0-a67f-64543119935e" providerId="AD" clId="Web-{2AD4187B-B36B-CC54-8E8E-06A9556FE921}" dt="2023-01-13T01:25:10.520" v="54"/>
+          <ac:spMkLst>
+            <pc:docMk/>
+            <pc:sldMk cId="0" sldId="269"/>
+            <ac:spMk id="177" creationId="{00000000-0000-0000-0000-000000000000}"/>
+          </ac:spMkLst>
+        </pc:spChg>
+        <pc:spChg chg="mod">
+          <ac:chgData name="John Patrick Johnson" userId="S::jpj8711@ads.northwestern.edu::fe18dc51-e5c5-41f0-a67f-64543119935e" providerId="AD" clId="Web-{2AD4187B-B36B-CC54-8E8E-06A9556FE921}" dt="2023-01-13T01:31:41.593" v="334" actId="20577"/>
+          <ac:spMkLst>
+            <pc:docMk/>
+            <pc:sldMk cId="0" sldId="269"/>
+            <ac:spMk id="179" creationId="{00000000-0000-0000-0000-000000000000}"/>
+          </ac:spMkLst>
+        </pc:spChg>
+      </pc:sldChg>
+      <pc:sldChg chg="modSp">
+        <pc:chgData name="John Patrick Johnson" userId="S::jpj8711@ads.northwestern.edu::fe18dc51-e5c5-41f0-a67f-64543119935e" providerId="AD" clId="Web-{2AD4187B-B36B-CC54-8E8E-06A9556FE921}" dt="2023-01-13T01:36:38.539" v="562" actId="20577"/>
+        <pc:sldMkLst>
+          <pc:docMk/>
+          <pc:sldMk cId="0" sldId="272"/>
+        </pc:sldMkLst>
+        <pc:spChg chg="mod">
+          <ac:chgData name="John Patrick Johnson" userId="S::jpj8711@ads.northwestern.edu::fe18dc51-e5c5-41f0-a67f-64543119935e" providerId="AD" clId="Web-{2AD4187B-B36B-CC54-8E8E-06A9556FE921}" dt="2023-01-13T01:36:38.539" v="562" actId="20577"/>
+          <ac:spMkLst>
+            <pc:docMk/>
+            <pc:sldMk cId="0" sldId="272"/>
+            <ac:spMk id="5" creationId="{D530A949-24AC-48CD-B587-1D34E28B4FBC}"/>
+          </ac:spMkLst>
+        </pc:spChg>
+        <pc:spChg chg="mod">
+          <ac:chgData name="John Patrick Johnson" userId="S::jpj8711@ads.northwestern.edu::fe18dc51-e5c5-41f0-a67f-64543119935e" providerId="AD" clId="Web-{2AD4187B-B36B-CC54-8E8E-06A9556FE921}" dt="2023-01-13T01:25:10.520" v="54"/>
+          <ac:spMkLst>
+            <pc:docMk/>
+            <pc:sldMk cId="0" sldId="272"/>
+            <ac:spMk id="207" creationId="{00000000-0000-0000-0000-000000000000}"/>
+          </ac:spMkLst>
+        </pc:spChg>
+      </pc:sldChg>
+      <pc:sldChg chg="modSp">
+        <pc:chgData name="John Patrick Johnson" userId="S::jpj8711@ads.northwestern.edu::fe18dc51-e5c5-41f0-a67f-64543119935e" providerId="AD" clId="Web-{2AD4187B-B36B-CC54-8E8E-06A9556FE921}" dt="2023-01-13T01:35:45.006" v="536" actId="20577"/>
+        <pc:sldMkLst>
+          <pc:docMk/>
+          <pc:sldMk cId="0" sldId="274"/>
+        </pc:sldMkLst>
+        <pc:spChg chg="mod">
+          <ac:chgData name="John Patrick Johnson" userId="S::jpj8711@ads.northwestern.edu::fe18dc51-e5c5-41f0-a67f-64543119935e" providerId="AD" clId="Web-{2AD4187B-B36B-CC54-8E8E-06A9556FE921}" dt="2023-01-13T01:35:45.006" v="536" actId="20577"/>
+          <ac:spMkLst>
+            <pc:docMk/>
+            <pc:sldMk cId="0" sldId="274"/>
+            <ac:spMk id="3" creationId="{74AFA63D-E288-40A4-93BC-D0412D9563D3}"/>
+          </ac:spMkLst>
+        </pc:spChg>
+        <pc:spChg chg="mod">
+          <ac:chgData name="John Patrick Johnson" userId="S::jpj8711@ads.northwestern.edu::fe18dc51-e5c5-41f0-a67f-64543119935e" providerId="AD" clId="Web-{2AD4187B-B36B-CC54-8E8E-06A9556FE921}" dt="2023-01-13T01:25:10.520" v="54"/>
+          <ac:spMkLst>
+            <pc:docMk/>
+            <pc:sldMk cId="0" sldId="274"/>
+            <ac:spMk id="225" creationId="{00000000-0000-0000-0000-000000000000}"/>
+          </ac:spMkLst>
+        </pc:spChg>
+      </pc:sldChg>
+      <pc:sldChg chg="modSp">
+        <pc:chgData name="John Patrick Johnson" userId="S::jpj8711@ads.northwestern.edu::fe18dc51-e5c5-41f0-a67f-64543119935e" providerId="AD" clId="Web-{2AD4187B-B36B-CC54-8E8E-06A9556FE921}" dt="2023-01-13T01:41:07.210" v="824" actId="20577"/>
+        <pc:sldMkLst>
+          <pc:docMk/>
+          <pc:sldMk cId="0" sldId="276"/>
+        </pc:sldMkLst>
+        <pc:spChg chg="mod">
+          <ac:chgData name="John Patrick Johnson" userId="S::jpj8711@ads.northwestern.edu::fe18dc51-e5c5-41f0-a67f-64543119935e" providerId="AD" clId="Web-{2AD4187B-B36B-CC54-8E8E-06A9556FE921}" dt="2023-01-13T01:25:10.520" v="54"/>
+          <ac:spMkLst>
+            <pc:docMk/>
+            <pc:sldMk cId="0" sldId="276"/>
+            <ac:spMk id="251" creationId="{00000000-0000-0000-0000-000000000000}"/>
+          </ac:spMkLst>
+        </pc:spChg>
+        <pc:spChg chg="mod">
+          <ac:chgData name="John Patrick Johnson" userId="S::jpj8711@ads.northwestern.edu::fe18dc51-e5c5-41f0-a67f-64543119935e" providerId="AD" clId="Web-{2AD4187B-B36B-CC54-8E8E-06A9556FE921}" dt="2023-01-13T01:41:07.210" v="824" actId="20577"/>
+          <ac:spMkLst>
+            <pc:docMk/>
+            <pc:sldMk cId="0" sldId="276"/>
+            <ac:spMk id="253" creationId="{00000000-0000-0000-0000-000000000000}"/>
+          </ac:spMkLst>
+        </pc:spChg>
+      </pc:sldChg>
+      <pc:sldChg chg="modSp delAnim">
+        <pc:chgData name="John Patrick Johnson" userId="S::jpj8711@ads.northwestern.edu::fe18dc51-e5c5-41f0-a67f-64543119935e" providerId="AD" clId="Web-{2AD4187B-B36B-CC54-8E8E-06A9556FE921}" dt="2023-01-13T01:28:54.245" v="250"/>
+        <pc:sldMkLst>
+          <pc:docMk/>
+          <pc:sldMk cId="0" sldId="280"/>
+        </pc:sldMkLst>
+        <pc:spChg chg="mod">
+          <ac:chgData name="John Patrick Johnson" userId="S::jpj8711@ads.northwestern.edu::fe18dc51-e5c5-41f0-a67f-64543119935e" providerId="AD" clId="Web-{2AD4187B-B36B-CC54-8E8E-06A9556FE921}" dt="2023-01-13T01:27:54.181" v="206" actId="20577"/>
+          <ac:spMkLst>
+            <pc:docMk/>
+            <pc:sldMk cId="0" sldId="280"/>
+            <ac:spMk id="5" creationId="{B64D9B12-D05E-D196-1CEC-9C9E33B9CC0F}"/>
+          </ac:spMkLst>
+        </pc:spChg>
+        <pc:spChg chg="mod">
+          <ac:chgData name="John Patrick Johnson" userId="S::jpj8711@ads.northwestern.edu::fe18dc51-e5c5-41f0-a67f-64543119935e" providerId="AD" clId="Web-{2AD4187B-B36B-CC54-8E8E-06A9556FE921}" dt="2023-01-13T01:28:27.463" v="249" actId="20577"/>
+          <ac:spMkLst>
+            <pc:docMk/>
+            <pc:sldMk cId="0" sldId="280"/>
+            <ac:spMk id="7" creationId="{B1E2236B-464B-AA49-A124-3E054A3AC455}"/>
+          </ac:spMkLst>
+        </pc:spChg>
+        <pc:spChg chg="mod">
+          <ac:chgData name="John Patrick Johnson" userId="S::jpj8711@ads.northwestern.edu::fe18dc51-e5c5-41f0-a67f-64543119935e" providerId="AD" clId="Web-{2AD4187B-B36B-CC54-8E8E-06A9556FE921}" dt="2023-01-13T01:25:10.520" v="54"/>
+          <ac:spMkLst>
+            <pc:docMk/>
+            <pc:sldMk cId="0" sldId="280"/>
+            <ac:spMk id="288" creationId="{00000000-0000-0000-0000-000000000000}"/>
+          </ac:spMkLst>
+        </pc:spChg>
+        <pc:spChg chg="mod">
+          <ac:chgData name="John Patrick Johnson" userId="S::jpj8711@ads.northwestern.edu::fe18dc51-e5c5-41f0-a67f-64543119935e" providerId="AD" clId="Web-{2AD4187B-B36B-CC54-8E8E-06A9556FE921}" dt="2023-01-13T01:26:51.538" v="101" actId="20577"/>
+          <ac:spMkLst>
+            <pc:docMk/>
+            <pc:sldMk cId="0" sldId="280"/>
+            <ac:spMk id="290" creationId="{00000000-0000-0000-0000-000000000000}"/>
+          </ac:spMkLst>
+        </pc:spChg>
+      </pc:sldChg>
+      <pc:sldChg chg="modSp">
+        <pc:chgData name="John Patrick Johnson" userId="S::jpj8711@ads.northwestern.edu::fe18dc51-e5c5-41f0-a67f-64543119935e" providerId="AD" clId="Web-{2AD4187B-B36B-CC54-8E8E-06A9556FE921}" dt="2023-01-13T01:25:05.957" v="53"/>
+        <pc:sldMkLst>
+          <pc:docMk/>
+          <pc:sldMk cId="837207602" sldId="282"/>
+        </pc:sldMkLst>
+        <pc:spChg chg="mod">
+          <ac:chgData name="John Patrick Johnson" userId="S::jpj8711@ads.northwestern.edu::fe18dc51-e5c5-41f0-a67f-64543119935e" providerId="AD" clId="Web-{2AD4187B-B36B-CC54-8E8E-06A9556FE921}" dt="2023-01-13T01:24:21.691" v="20" actId="14100"/>
+          <ac:spMkLst>
+            <pc:docMk/>
+            <pc:sldMk cId="837207602" sldId="282"/>
+            <ac:spMk id="4" creationId="{E01374D5-3FDC-ACF5-3153-58548A78F130}"/>
+          </ac:spMkLst>
+        </pc:spChg>
+        <pc:spChg chg="mod">
+          <ac:chgData name="John Patrick Johnson" userId="S::jpj8711@ads.northwestern.edu::fe18dc51-e5c5-41f0-a67f-64543119935e" providerId="AD" clId="Web-{2AD4187B-B36B-CC54-8E8E-06A9556FE921}" dt="2023-01-13T01:25:05.957" v="53"/>
+          <ac:spMkLst>
+            <pc:docMk/>
+            <pc:sldMk cId="837207602" sldId="282"/>
+            <ac:spMk id="251" creationId="{00000000-0000-0000-0000-000000000000}"/>
+          </ac:spMkLst>
+        </pc:spChg>
+      </pc:sldChg>
+      <pc:sldChg chg="modSp">
+        <pc:chgData name="John Patrick Johnson" userId="S::jpj8711@ads.northwestern.edu::fe18dc51-e5c5-41f0-a67f-64543119935e" providerId="AD" clId="Web-{2AD4187B-B36B-CC54-8E8E-06A9556FE921}" dt="2023-01-13T01:25:10.520" v="54"/>
+        <pc:sldMkLst>
+          <pc:docMk/>
+          <pc:sldMk cId="679406833" sldId="284"/>
+        </pc:sldMkLst>
+        <pc:spChg chg="mod">
+          <ac:chgData name="John Patrick Johnson" userId="S::jpj8711@ads.northwestern.edu::fe18dc51-e5c5-41f0-a67f-64543119935e" providerId="AD" clId="Web-{2AD4187B-B36B-CC54-8E8E-06A9556FE921}" dt="2023-01-13T01:25:10.520" v="54"/>
+          <ac:spMkLst>
+            <pc:docMk/>
+            <pc:sldMk cId="679406833" sldId="284"/>
+            <ac:spMk id="251" creationId="{00000000-0000-0000-0000-000000000000}"/>
+          </ac:spMkLst>
+        </pc:spChg>
+      </pc:sldChg>
+      <pc:sldChg chg="modSp">
+        <pc:chgData name="John Patrick Johnson" userId="S::jpj8711@ads.northwestern.edu::fe18dc51-e5c5-41f0-a67f-64543119935e" providerId="AD" clId="Web-{2AD4187B-B36B-CC54-8E8E-06A9556FE921}" dt="2023-01-13T01:25:10.520" v="54"/>
+        <pc:sldMkLst>
+          <pc:docMk/>
+          <pc:sldMk cId="4134066138" sldId="285"/>
+        </pc:sldMkLst>
+        <pc:spChg chg="mod">
+          <ac:chgData name="John Patrick Johnson" userId="S::jpj8711@ads.northwestern.edu::fe18dc51-e5c5-41f0-a67f-64543119935e" providerId="AD" clId="Web-{2AD4187B-B36B-CC54-8E8E-06A9556FE921}" dt="2023-01-13T01:25:10.520" v="54"/>
+          <ac:spMkLst>
+            <pc:docMk/>
+            <pc:sldMk cId="4134066138" sldId="285"/>
+            <ac:spMk id="251" creationId="{00000000-0000-0000-0000-000000000000}"/>
+          </ac:spMkLst>
+        </pc:spChg>
+      </pc:sldChg>
+      <pc:sldChg chg="modSp">
+        <pc:chgData name="John Patrick Johnson" userId="S::jpj8711@ads.northwestern.edu::fe18dc51-e5c5-41f0-a67f-64543119935e" providerId="AD" clId="Web-{2AD4187B-B36B-CC54-8E8E-06A9556FE921}" dt="2023-01-13T01:25:10.520" v="54"/>
+        <pc:sldMkLst>
+          <pc:docMk/>
+          <pc:sldMk cId="3056279571" sldId="286"/>
+        </pc:sldMkLst>
+        <pc:spChg chg="mod">
+          <ac:chgData name="John Patrick Johnson" userId="S::jpj8711@ads.northwestern.edu::fe18dc51-e5c5-41f0-a67f-64543119935e" providerId="AD" clId="Web-{2AD4187B-B36B-CC54-8E8E-06A9556FE921}" dt="2023-01-13T01:25:10.520" v="54"/>
+          <ac:spMkLst>
+            <pc:docMk/>
+            <pc:sldMk cId="3056279571" sldId="286"/>
+            <ac:spMk id="4" creationId="{5D6F9351-75F6-C7A1-4564-32139E3FB6F5}"/>
+          </ac:spMkLst>
+        </pc:spChg>
+      </pc:sldChg>
+      <pc:sldChg chg="modSp delCm">
+        <pc:chgData name="John Patrick Johnson" userId="S::jpj8711@ads.northwestern.edu::fe18dc51-e5c5-41f0-a67f-64543119935e" providerId="AD" clId="Web-{2AD4187B-B36B-CC54-8E8E-06A9556FE921}" dt="2023-01-13T01:25:10.520" v="54"/>
+        <pc:sldMkLst>
+          <pc:docMk/>
+          <pc:sldMk cId="60139911" sldId="287"/>
+        </pc:sldMkLst>
+        <pc:spChg chg="mod">
+          <ac:chgData name="John Patrick Johnson" userId="S::jpj8711@ads.northwestern.edu::fe18dc51-e5c5-41f0-a67f-64543119935e" providerId="AD" clId="Web-{2AD4187B-B36B-CC54-8E8E-06A9556FE921}" dt="2023-01-13T01:25:10.520" v="54"/>
+          <ac:spMkLst>
+            <pc:docMk/>
+            <pc:sldMk cId="60139911" sldId="287"/>
+            <ac:spMk id="4" creationId="{F6ADA871-9FF6-D0AE-77F4-9966318D598E}"/>
+          </ac:spMkLst>
+        </pc:spChg>
+        <pc:extLst>
+          <p:ext xmlns:p="http://schemas.openxmlformats.org/presentationml/2006/main" uri="{D6D511B9-2390-475A-947B-AFAB55BFBCF1}">
+            <pc226:cmChg xmlns:pc226="http://schemas.microsoft.com/office/powerpoint/2022/06/main/command" chg="del">
+              <pc226:chgData name="John Patrick Johnson" userId="S::jpj8711@ads.northwestern.edu::fe18dc51-e5c5-41f0-a67f-64543119935e" providerId="AD" clId="Web-{2AD4187B-B36B-CC54-8E8E-06A9556FE921}" dt="2023-01-13T01:23:57.081" v="0"/>
+              <pc2:cmMkLst xmlns:pc2="http://schemas.microsoft.com/office/powerpoint/2019/9/main/command">
+                <pc:docMk/>
+                <pc:sldMk cId="60139911" sldId="287"/>
+                <pc2:cmMk id="{C3BA05EE-CB47-4CDA-92F6-CE366E29AB18}"/>
+              </pc2:cmMkLst>
+            </pc226:cmChg>
+          </p:ext>
+        </pc:extLst>
+      </pc:sldChg>
+      <pc:sldChg chg="modSp">
+        <pc:chgData name="John Patrick Johnson" userId="S::jpj8711@ads.northwestern.edu::fe18dc51-e5c5-41f0-a67f-64543119935e" providerId="AD" clId="Web-{2AD4187B-B36B-CC54-8E8E-06A9556FE921}" dt="2023-01-13T01:25:10.520" v="54"/>
+        <pc:sldMkLst>
+          <pc:docMk/>
+          <pc:sldMk cId="930816888" sldId="288"/>
+        </pc:sldMkLst>
+        <pc:spChg chg="mod">
+          <ac:chgData name="John Patrick Johnson" userId="S::jpj8711@ads.northwestern.edu::fe18dc51-e5c5-41f0-a67f-64543119935e" providerId="AD" clId="Web-{2AD4187B-B36B-CC54-8E8E-06A9556FE921}" dt="2023-01-13T01:25:10.520" v="54"/>
+          <ac:spMkLst>
+            <pc:docMk/>
+            <pc:sldMk cId="930816888" sldId="288"/>
+            <ac:spMk id="4" creationId="{5C2B4921-0E5E-F287-7D0F-84729C9BBEB7}"/>
+          </ac:spMkLst>
+        </pc:spChg>
+      </pc:sldChg>
+      <pc:sldChg chg="modSp">
+        <pc:chgData name="John Patrick Johnson" userId="S::jpj8711@ads.northwestern.edu::fe18dc51-e5c5-41f0-a67f-64543119935e" providerId="AD" clId="Web-{2AD4187B-B36B-CC54-8E8E-06A9556FE921}" dt="2023-01-13T01:25:10.520" v="54"/>
+        <pc:sldMkLst>
+          <pc:docMk/>
+          <pc:sldMk cId="1467023248" sldId="289"/>
+        </pc:sldMkLst>
+        <pc:spChg chg="mod">
+          <ac:chgData name="John Patrick Johnson" userId="S::jpj8711@ads.northwestern.edu::fe18dc51-e5c5-41f0-a67f-64543119935e" providerId="AD" clId="Web-{2AD4187B-B36B-CC54-8E8E-06A9556FE921}" dt="2023-01-13T01:25:10.520" v="54"/>
+          <ac:spMkLst>
+            <pc:docMk/>
+            <pc:sldMk cId="1467023248" sldId="289"/>
+            <ac:spMk id="4" creationId="{07F45318-EE67-D91C-625B-0E08FF032656}"/>
+          </ac:spMkLst>
+        </pc:spChg>
+      </pc:sldChg>
+      <pc:sldChg chg="modSp">
+        <pc:chgData name="John Patrick Johnson" userId="S::jpj8711@ads.northwestern.edu::fe18dc51-e5c5-41f0-a67f-64543119935e" providerId="AD" clId="Web-{2AD4187B-B36B-CC54-8E8E-06A9556FE921}" dt="2023-01-13T01:25:10.520" v="54"/>
+        <pc:sldMkLst>
+          <pc:docMk/>
+          <pc:sldMk cId="4100909272" sldId="290"/>
+        </pc:sldMkLst>
+        <pc:spChg chg="mod">
+          <ac:chgData name="John Patrick Johnson" userId="S::jpj8711@ads.northwestern.edu::fe18dc51-e5c5-41f0-a67f-64543119935e" providerId="AD" clId="Web-{2AD4187B-B36B-CC54-8E8E-06A9556FE921}" dt="2023-01-13T01:25:10.520" v="54"/>
+          <ac:spMkLst>
+            <pc:docMk/>
+            <pc:sldMk cId="4100909272" sldId="290"/>
+            <ac:spMk id="4" creationId="{5F465DAC-C5BF-D008-EABF-AD229300C6B1}"/>
+          </ac:spMkLst>
+        </pc:spChg>
+      </pc:sldChg>
+      <pc:sldChg chg="modSp">
+        <pc:chgData name="John Patrick Johnson" userId="S::jpj8711@ads.northwestern.edu::fe18dc51-e5c5-41f0-a67f-64543119935e" providerId="AD" clId="Web-{2AD4187B-B36B-CC54-8E8E-06A9556FE921}" dt="2023-01-13T01:25:10.520" v="54"/>
+        <pc:sldMkLst>
+          <pc:docMk/>
+          <pc:sldMk cId="2952596098" sldId="291"/>
+        </pc:sldMkLst>
+        <pc:spChg chg="mod">
+          <ac:chgData name="John Patrick Johnson" userId="S::jpj8711@ads.northwestern.edu::fe18dc51-e5c5-41f0-a67f-64543119935e" providerId="AD" clId="Web-{2AD4187B-B36B-CC54-8E8E-06A9556FE921}" dt="2023-01-13T01:25:10.520" v="54"/>
+          <ac:spMkLst>
+            <pc:docMk/>
+            <pc:sldMk cId="2952596098" sldId="291"/>
+            <ac:spMk id="4" creationId="{3F064F96-337C-850E-2799-A7AF4868E300}"/>
+          </ac:spMkLst>
+        </pc:spChg>
+      </pc:sldChg>
+      <pc:sldChg chg="modSp">
+        <pc:chgData name="John Patrick Johnson" userId="S::jpj8711@ads.northwestern.edu::fe18dc51-e5c5-41f0-a67f-64543119935e" providerId="AD" clId="Web-{2AD4187B-B36B-CC54-8E8E-06A9556FE921}" dt="2023-01-13T01:25:10.520" v="54"/>
+        <pc:sldMkLst>
+          <pc:docMk/>
+          <pc:sldMk cId="922581880" sldId="292"/>
+        </pc:sldMkLst>
+        <pc:spChg chg="mod">
+          <ac:chgData name="John Patrick Johnson" userId="S::jpj8711@ads.northwestern.edu::fe18dc51-e5c5-41f0-a67f-64543119935e" providerId="AD" clId="Web-{2AD4187B-B36B-CC54-8E8E-06A9556FE921}" dt="2023-01-13T01:25:10.520" v="54"/>
+          <ac:spMkLst>
+            <pc:docMk/>
+            <pc:sldMk cId="922581880" sldId="292"/>
+            <ac:spMk id="4" creationId="{30CA4C43-651B-F858-14DE-C991D49B3CAE}"/>
+          </ac:spMkLst>
+        </pc:spChg>
+      </pc:sldChg>
+      <pc:sldChg chg="modSp">
+        <pc:chgData name="John Patrick Johnson" userId="S::jpj8711@ads.northwestern.edu::fe18dc51-e5c5-41f0-a67f-64543119935e" providerId="AD" clId="Web-{2AD4187B-B36B-CC54-8E8E-06A9556FE921}" dt="2023-01-13T01:25:10.520" v="54"/>
+        <pc:sldMkLst>
+          <pc:docMk/>
+          <pc:sldMk cId="2221694099" sldId="294"/>
+        </pc:sldMkLst>
+        <pc:spChg chg="mod">
+          <ac:chgData name="John Patrick Johnson" userId="S::jpj8711@ads.northwestern.edu::fe18dc51-e5c5-41f0-a67f-64543119935e" providerId="AD" clId="Web-{2AD4187B-B36B-CC54-8E8E-06A9556FE921}" dt="2023-01-13T01:25:10.520" v="54"/>
+          <ac:spMkLst>
+            <pc:docMk/>
+            <pc:sldMk cId="2221694099" sldId="294"/>
+            <ac:spMk id="4" creationId="{963A9A73-23EF-3180-96E1-55A434E55A4C}"/>
+          </ac:spMkLst>
+        </pc:spChg>
+      </pc:sldChg>
+      <pc:sldChg chg="modSp">
+        <pc:chgData name="John Patrick Johnson" userId="S::jpj8711@ads.northwestern.edu::fe18dc51-e5c5-41f0-a67f-64543119935e" providerId="AD" clId="Web-{2AD4187B-B36B-CC54-8E8E-06A9556FE921}" dt="2023-01-13T01:25:10.520" v="54"/>
+        <pc:sldMkLst>
+          <pc:docMk/>
+          <pc:sldMk cId="2441557156" sldId="295"/>
+        </pc:sldMkLst>
+        <pc:spChg chg="mod">
+          <ac:chgData name="John Patrick Johnson" userId="S::jpj8711@ads.northwestern.edu::fe18dc51-e5c5-41f0-a67f-64543119935e" providerId="AD" clId="Web-{2AD4187B-B36B-CC54-8E8E-06A9556FE921}" dt="2023-01-13T01:25:10.520" v="54"/>
+          <ac:spMkLst>
+            <pc:docMk/>
+            <pc:sldMk cId="2441557156" sldId="295"/>
+            <ac:spMk id="4" creationId="{004BFB73-AA11-C7C3-5F4E-2E58A5D60EE0}"/>
+          </ac:spMkLst>
+        </pc:spChg>
+      </pc:sldChg>
+      <pc:sldChg chg="modSp addAnim delAnim modAnim">
+        <pc:chgData name="John Patrick Johnson" userId="S::jpj8711@ads.northwestern.edu::fe18dc51-e5c5-41f0-a67f-64543119935e" providerId="AD" clId="Web-{2AD4187B-B36B-CC54-8E8E-06A9556FE921}" dt="2023-01-13T01:30:04.856" v="255"/>
+        <pc:sldMkLst>
+          <pc:docMk/>
+          <pc:sldMk cId="3050248158" sldId="296"/>
+        </pc:sldMkLst>
+        <pc:spChg chg="mod">
+          <ac:chgData name="John Patrick Johnson" userId="S::jpj8711@ads.northwestern.edu::fe18dc51-e5c5-41f0-a67f-64543119935e" providerId="AD" clId="Web-{2AD4187B-B36B-CC54-8E8E-06A9556FE921}" dt="2023-01-13T01:25:10.520" v="54"/>
+          <ac:spMkLst>
+            <pc:docMk/>
+            <pc:sldMk cId="3050248158" sldId="296"/>
+            <ac:spMk id="177" creationId="{00000000-0000-0000-0000-000000000000}"/>
+          </ac:spMkLst>
+        </pc:spChg>
+      </pc:sldChg>
+      <pc:sldChg chg="modSp">
+        <pc:chgData name="John Patrick Johnson" userId="S::jpj8711@ads.northwestern.edu::fe18dc51-e5c5-41f0-a67f-64543119935e" providerId="AD" clId="Web-{2AD4187B-B36B-CC54-8E8E-06A9556FE921}" dt="2023-01-13T01:25:10.520" v="54"/>
+        <pc:sldMkLst>
+          <pc:docMk/>
+          <pc:sldMk cId="2695303178" sldId="297"/>
+        </pc:sldMkLst>
+        <pc:spChg chg="mod">
+          <ac:chgData name="John Patrick Johnson" userId="S::jpj8711@ads.northwestern.edu::fe18dc51-e5c5-41f0-a67f-64543119935e" providerId="AD" clId="Web-{2AD4187B-B36B-CC54-8E8E-06A9556FE921}" dt="2023-01-13T01:25:10.520" v="54"/>
+          <ac:spMkLst>
+            <pc:docMk/>
+            <pc:sldMk cId="2695303178" sldId="297"/>
+            <ac:spMk id="4" creationId="{5D6F9351-75F6-C7A1-4564-32139E3FB6F5}"/>
+          </ac:spMkLst>
+        </pc:spChg>
+      </pc:sldChg>
+      <pc:sldChg chg="modSp">
+        <pc:chgData name="John Patrick Johnson" userId="S::jpj8711@ads.northwestern.edu::fe18dc51-e5c5-41f0-a67f-64543119935e" providerId="AD" clId="Web-{2AD4187B-B36B-CC54-8E8E-06A9556FE921}" dt="2023-01-13T01:25:10.520" v="54"/>
+        <pc:sldMkLst>
+          <pc:docMk/>
+          <pc:sldMk cId="692865833" sldId="298"/>
+        </pc:sldMkLst>
+        <pc:spChg chg="mod">
+          <ac:chgData name="John Patrick Johnson" userId="S::jpj8711@ads.northwestern.edu::fe18dc51-e5c5-41f0-a67f-64543119935e" providerId="AD" clId="Web-{2AD4187B-B36B-CC54-8E8E-06A9556FE921}" dt="2023-01-13T01:25:10.520" v="54"/>
+          <ac:spMkLst>
+            <pc:docMk/>
+            <pc:sldMk cId="692865833" sldId="298"/>
+            <ac:spMk id="4" creationId="{5D6F9351-75F6-C7A1-4564-32139E3FB6F5}"/>
+          </ac:spMkLst>
+        </pc:spChg>
+      </pc:sldChg>
+      <pc:sldChg chg="modSp">
+        <pc:chgData name="John Patrick Johnson" userId="S::jpj8711@ads.northwestern.edu::fe18dc51-e5c5-41f0-a67f-64543119935e" providerId="AD" clId="Web-{2AD4187B-B36B-CC54-8E8E-06A9556FE921}" dt="2023-01-13T01:25:10.520" v="54"/>
+        <pc:sldMkLst>
+          <pc:docMk/>
+          <pc:sldMk cId="1158116147" sldId="299"/>
+        </pc:sldMkLst>
+        <pc:spChg chg="mod">
+          <ac:chgData name="John Patrick Johnson" userId="S::jpj8711@ads.northwestern.edu::fe18dc51-e5c5-41f0-a67f-64543119935e" providerId="AD" clId="Web-{2AD4187B-B36B-CC54-8E8E-06A9556FE921}" dt="2023-01-13T01:25:10.520" v="54"/>
+          <ac:spMkLst>
+            <pc:docMk/>
+            <pc:sldMk cId="1158116147" sldId="299"/>
+            <ac:spMk id="4" creationId="{D605702D-A96F-C77A-05B4-C621E5E52957}"/>
+          </ac:spMkLst>
+        </pc:spChg>
+      </pc:sldChg>
+      <pc:sldChg chg="modSp">
+        <pc:chgData name="John Patrick Johnson" userId="S::jpj8711@ads.northwestern.edu::fe18dc51-e5c5-41f0-a67f-64543119935e" providerId="AD" clId="Web-{2AD4187B-B36B-CC54-8E8E-06A9556FE921}" dt="2023-01-13T01:25:10.520" v="54"/>
+        <pc:sldMkLst>
+          <pc:docMk/>
+          <pc:sldMk cId="824764711" sldId="300"/>
+        </pc:sldMkLst>
+        <pc:spChg chg="mod">
+          <ac:chgData name="John Patrick Johnson" userId="S::jpj8711@ads.northwestern.edu::fe18dc51-e5c5-41f0-a67f-64543119935e" providerId="AD" clId="Web-{2AD4187B-B36B-CC54-8E8E-06A9556FE921}" dt="2023-01-13T01:25:10.520" v="54"/>
+          <ac:spMkLst>
+            <pc:docMk/>
+            <pc:sldMk cId="824764711" sldId="300"/>
+            <ac:spMk id="4" creationId="{07F45318-EE67-D91C-625B-0E08FF032656}"/>
+          </ac:spMkLst>
+        </pc:spChg>
+      </pc:sldChg>
+      <pc:sldChg chg="addSp delSp modSp addAnim delAnim modAnim">
+        <pc:chgData name="John Patrick Johnson" userId="S::jpj8711@ads.northwestern.edu::fe18dc51-e5c5-41f0-a67f-64543119935e" providerId="AD" clId="Web-{2AD4187B-B36B-CC54-8E8E-06A9556FE921}" dt="2023-01-13T01:45:31.624" v="948"/>
+        <pc:sldMkLst>
+          <pc:docMk/>
+          <pc:sldMk cId="3384434737" sldId="302"/>
+        </pc:sldMkLst>
+        <pc:spChg chg="topLvl">
+          <ac:chgData name="John Patrick Johnson" userId="S::jpj8711@ads.northwestern.edu::fe18dc51-e5c5-41f0-a67f-64543119935e" providerId="AD" clId="Web-{2AD4187B-B36B-CC54-8E8E-06A9556FE921}" dt="2023-01-13T01:44:56.326" v="944"/>
+          <ac:spMkLst>
+            <pc:docMk/>
+            <pc:sldMk cId="3384434737" sldId="302"/>
+            <ac:spMk id="4" creationId="{063D29AA-7E41-CBE7-D357-097401F95E44}"/>
+          </ac:spMkLst>
+        </pc:spChg>
+        <pc:spChg chg="topLvl">
+          <ac:chgData name="John Patrick Johnson" userId="S::jpj8711@ads.northwestern.edu::fe18dc51-e5c5-41f0-a67f-64543119935e" providerId="AD" clId="Web-{2AD4187B-B36B-CC54-8E8E-06A9556FE921}" dt="2023-01-13T01:44:56.326" v="944"/>
+          <ac:spMkLst>
+            <pc:docMk/>
+            <pc:sldMk cId="3384434737" sldId="302"/>
+            <ac:spMk id="5" creationId="{49E0A197-D99C-2713-25F8-AB174B8DD817}"/>
+          </ac:spMkLst>
+        </pc:spChg>
+        <pc:spChg chg="topLvl">
+          <ac:chgData name="John Patrick Johnson" userId="S::jpj8711@ads.northwestern.edu::fe18dc51-e5c5-41f0-a67f-64543119935e" providerId="AD" clId="Web-{2AD4187B-B36B-CC54-8E8E-06A9556FE921}" dt="2023-01-13T01:44:56.326" v="944"/>
+          <ac:spMkLst>
+            <pc:docMk/>
+            <pc:sldMk cId="3384434737" sldId="302"/>
+            <ac:spMk id="6" creationId="{130E8B59-1BDD-65F6-A73D-482EF1600BBD}"/>
+          </ac:spMkLst>
+        </pc:spChg>
+        <pc:spChg chg="topLvl">
+          <ac:chgData name="John Patrick Johnson" userId="S::jpj8711@ads.northwestern.edu::fe18dc51-e5c5-41f0-a67f-64543119935e" providerId="AD" clId="Web-{2AD4187B-B36B-CC54-8E8E-06A9556FE921}" dt="2023-01-13T01:44:56.326" v="944"/>
+          <ac:spMkLst>
+            <pc:docMk/>
+            <pc:sldMk cId="3384434737" sldId="302"/>
+            <ac:spMk id="7" creationId="{61B625D7-70A0-2BB4-7CBA-829AA3845CA8}"/>
+          </ac:spMkLst>
+        </pc:spChg>
+        <pc:spChg chg="topLvl">
+          <ac:chgData name="John Patrick Johnson" userId="S::jpj8711@ads.northwestern.edu::fe18dc51-e5c5-41f0-a67f-64543119935e" providerId="AD" clId="Web-{2AD4187B-B36B-CC54-8E8E-06A9556FE921}" dt="2023-01-13T01:44:56.326" v="944"/>
+          <ac:spMkLst>
+            <pc:docMk/>
+            <pc:sldMk cId="3384434737" sldId="302"/>
+            <ac:spMk id="8" creationId="{62554386-D1D2-2F72-16D6-61CA770BB98A}"/>
+          </ac:spMkLst>
+        </pc:spChg>
+        <pc:spChg chg="topLvl">
+          <ac:chgData name="John Patrick Johnson" userId="S::jpj8711@ads.northwestern.edu::fe18dc51-e5c5-41f0-a67f-64543119935e" providerId="AD" clId="Web-{2AD4187B-B36B-CC54-8E8E-06A9556FE921}" dt="2023-01-13T01:44:56.326" v="944"/>
+          <ac:spMkLst>
+            <pc:docMk/>
+            <pc:sldMk cId="3384434737" sldId="302"/>
+            <ac:spMk id="9" creationId="{5AA49424-84AB-4327-8F80-BE16279155F2}"/>
+          </ac:spMkLst>
+        </pc:spChg>
+        <pc:spChg chg="topLvl">
+          <ac:chgData name="John Patrick Johnson" userId="S::jpj8711@ads.northwestern.edu::fe18dc51-e5c5-41f0-a67f-64543119935e" providerId="AD" clId="Web-{2AD4187B-B36B-CC54-8E8E-06A9556FE921}" dt="2023-01-13T01:44:56.326" v="944"/>
+          <ac:spMkLst>
+            <pc:docMk/>
+            <pc:sldMk cId="3384434737" sldId="302"/>
+            <ac:spMk id="10" creationId="{1BF92021-EFD4-038A-70CF-985B67EFE37F}"/>
+          </ac:spMkLst>
+        </pc:spChg>
+        <pc:spChg chg="mod topLvl">
+          <ac:chgData name="John Patrick Johnson" userId="S::jpj8711@ads.northwestern.edu::fe18dc51-e5c5-41f0-a67f-64543119935e" providerId="AD" clId="Web-{2AD4187B-B36B-CC54-8E8E-06A9556FE921}" dt="2023-01-13T01:44:56.326" v="944"/>
+          <ac:spMkLst>
+            <pc:docMk/>
+            <pc:sldMk cId="3384434737" sldId="302"/>
+            <ac:spMk id="11" creationId="{AA30AA58-0EC1-C399-1D86-BC1B9E77144F}"/>
+          </ac:spMkLst>
+        </pc:spChg>
+        <pc:spChg chg="mod topLvl">
+          <ac:chgData name="John Patrick Johnson" userId="S::jpj8711@ads.northwestern.edu::fe18dc51-e5c5-41f0-a67f-64543119935e" providerId="AD" clId="Web-{2AD4187B-B36B-CC54-8E8E-06A9556FE921}" dt="2023-01-13T01:44:56.326" v="944"/>
+          <ac:spMkLst>
+            <pc:docMk/>
+            <pc:sldMk cId="3384434737" sldId="302"/>
+            <ac:spMk id="12" creationId="{C307562A-249A-2951-57C8-D74E892D69B5}"/>
+          </ac:spMkLst>
+        </pc:spChg>
+        <pc:spChg chg="add mod">
+          <ac:chgData name="John Patrick Johnson" userId="S::jpj8711@ads.northwestern.edu::fe18dc51-e5c5-41f0-a67f-64543119935e" providerId="AD" clId="Web-{2AD4187B-B36B-CC54-8E8E-06A9556FE921}" dt="2023-01-13T01:41:48.711" v="862" actId="20577"/>
+          <ac:spMkLst>
+            <pc:docMk/>
+            <pc:sldMk cId="3384434737" sldId="302"/>
+            <ac:spMk id="16" creationId="{F2A1CAF7-0F28-A78A-4D2F-AA2ACA7D3DD5}"/>
+          </ac:spMkLst>
+        </pc:spChg>
+        <pc:spChg chg="add mod">
+          <ac:chgData name="John Patrick Johnson" userId="S::jpj8711@ads.northwestern.edu::fe18dc51-e5c5-41f0-a67f-64543119935e" providerId="AD" clId="Web-{2AD4187B-B36B-CC54-8E8E-06A9556FE921}" dt="2023-01-13T01:42:15.524" v="884" actId="20577"/>
+          <ac:spMkLst>
+            <pc:docMk/>
+            <pc:sldMk cId="3384434737" sldId="302"/>
+            <ac:spMk id="17" creationId="{A2E12A2B-F910-4CE2-867E-04380E1AFFCA}"/>
+          </ac:spMkLst>
+        </pc:spChg>
+        <pc:spChg chg="add mod">
+          <ac:chgData name="John Patrick Johnson" userId="S::jpj8711@ads.northwestern.edu::fe18dc51-e5c5-41f0-a67f-64543119935e" providerId="AD" clId="Web-{2AD4187B-B36B-CC54-8E8E-06A9556FE921}" dt="2023-01-13T01:43:44.058" v="935" actId="20577"/>
+          <ac:spMkLst>
+            <pc:docMk/>
+            <pc:sldMk cId="3384434737" sldId="302"/>
+            <ac:spMk id="19" creationId="{AFC4EAA9-A814-8BEC-B2A3-9F467730923C}"/>
+          </ac:spMkLst>
+        </pc:spChg>
+        <pc:spChg chg="mod">
+          <ac:chgData name="John Patrick Johnson" userId="S::jpj8711@ads.northwestern.edu::fe18dc51-e5c5-41f0-a67f-64543119935e" providerId="AD" clId="Web-{2AD4187B-B36B-CC54-8E8E-06A9556FE921}" dt="2023-01-13T01:25:10.520" v="54"/>
+          <ac:spMkLst>
+            <pc:docMk/>
+            <pc:sldMk cId="3384434737" sldId="302"/>
+            <ac:spMk id="251" creationId="{00000000-0000-0000-0000-000000000000}"/>
+          </ac:spMkLst>
+        </pc:spChg>
+        <pc:grpChg chg="del">
+          <ac:chgData name="John Patrick Johnson" userId="S::jpj8711@ads.northwestern.edu::fe18dc51-e5c5-41f0-a67f-64543119935e" providerId="AD" clId="Web-{2AD4187B-B36B-CC54-8E8E-06A9556FE921}" dt="2023-01-13T01:44:56.326" v="944"/>
+          <ac:grpSpMkLst>
+            <pc:docMk/>
+            <pc:sldMk cId="3384434737" sldId="302"/>
+            <ac:grpSpMk id="13" creationId="{B917F229-C5E5-25E8-EEF4-7C1CC6BA19C5}"/>
+          </ac:grpSpMkLst>
+        </pc:grpChg>
+        <pc:grpChg chg="add">
+          <ac:chgData name="John Patrick Johnson" userId="S::jpj8711@ads.northwestern.edu::fe18dc51-e5c5-41f0-a67f-64543119935e" providerId="AD" clId="Web-{2AD4187B-B36B-CC54-8E8E-06A9556FE921}" dt="2023-01-13T01:45:06.607" v="945"/>
+          <ac:grpSpMkLst>
+            <pc:docMk/>
+            <pc:sldMk cId="3384434737" sldId="302"/>
+            <ac:grpSpMk id="20" creationId="{EB79C710-2C97-A327-3641-8BB49E87E742}"/>
+          </ac:grpSpMkLst>
+        </pc:grpChg>
+      </pc:sldChg>
+      <pc:sldChg chg="modSp">
+        <pc:chgData name="John Patrick Johnson" userId="S::jpj8711@ads.northwestern.edu::fe18dc51-e5c5-41f0-a67f-64543119935e" providerId="AD" clId="Web-{2AD4187B-B36B-CC54-8E8E-06A9556FE921}" dt="2023-01-13T01:25:10.520" v="54"/>
+        <pc:sldMkLst>
+          <pc:docMk/>
+          <pc:sldMk cId="231020705" sldId="305"/>
+        </pc:sldMkLst>
+        <pc:spChg chg="mod">
+          <ac:chgData name="John Patrick Johnson" userId="S::jpj8711@ads.northwestern.edu::fe18dc51-e5c5-41f0-a67f-64543119935e" providerId="AD" clId="Web-{2AD4187B-B36B-CC54-8E8E-06A9556FE921}" dt="2023-01-13T01:25:10.520" v="54"/>
+          <ac:spMkLst>
+            <pc:docMk/>
+            <pc:sldMk cId="231020705" sldId="305"/>
+            <ac:spMk id="4" creationId="{35765062-40B2-9162-39B5-2FC732612C8C}"/>
+          </ac:spMkLst>
+        </pc:spChg>
+      </pc:sldChg>
+      <pc:sldChg chg="modSp">
+        <pc:chgData name="John Patrick Johnson" userId="S::jpj8711@ads.northwestern.edu::fe18dc51-e5c5-41f0-a67f-64543119935e" providerId="AD" clId="Web-{2AD4187B-B36B-CC54-8E8E-06A9556FE921}" dt="2023-01-13T01:25:10.520" v="54"/>
+        <pc:sldMkLst>
+          <pc:docMk/>
+          <pc:sldMk cId="3086748698" sldId="306"/>
+        </pc:sldMkLst>
+        <pc:spChg chg="mod">
+          <ac:chgData name="John Patrick Johnson" userId="S::jpj8711@ads.northwestern.edu::fe18dc51-e5c5-41f0-a67f-64543119935e" providerId="AD" clId="Web-{2AD4187B-B36B-CC54-8E8E-06A9556FE921}" dt="2023-01-13T01:25:10.520" v="54"/>
+          <ac:spMkLst>
+            <pc:docMk/>
+            <pc:sldMk cId="3086748698" sldId="306"/>
+            <ac:spMk id="4" creationId="{937A035B-7409-18A2-C66C-9B774C334D42}"/>
+          </ac:spMkLst>
+        </pc:spChg>
+      </pc:sldChg>
+      <pc:sldChg chg="modSp">
+        <pc:chgData name="John Patrick Johnson" userId="S::jpj8711@ads.northwestern.edu::fe18dc51-e5c5-41f0-a67f-64543119935e" providerId="AD" clId="Web-{2AD4187B-B36B-CC54-8E8E-06A9556FE921}" dt="2023-01-13T01:25:10.520" v="54"/>
+        <pc:sldMkLst>
+          <pc:docMk/>
+          <pc:sldMk cId="1606653251" sldId="307"/>
+        </pc:sldMkLst>
+        <pc:spChg chg="mod">
+          <ac:chgData name="John Patrick Johnson" userId="S::jpj8711@ads.northwestern.edu::fe18dc51-e5c5-41f0-a67f-64543119935e" providerId="AD" clId="Web-{2AD4187B-B36B-CC54-8E8E-06A9556FE921}" dt="2023-01-13T01:25:10.520" v="54"/>
+          <ac:spMkLst>
+            <pc:docMk/>
+            <pc:sldMk cId="1606653251" sldId="307"/>
+            <ac:spMk id="4" creationId="{089B60EC-3943-3942-0BDF-B03373528878}"/>
+          </ac:spMkLst>
+        </pc:spChg>
+      </pc:sldChg>
+      <pc:sldChg chg="modSp">
+        <pc:chgData name="John Patrick Johnson" userId="S::jpj8711@ads.northwestern.edu::fe18dc51-e5c5-41f0-a67f-64543119935e" providerId="AD" clId="Web-{2AD4187B-B36B-CC54-8E8E-06A9556FE921}" dt="2023-01-13T01:25:10.520" v="54"/>
+        <pc:sldMkLst>
+          <pc:docMk/>
+          <pc:sldMk cId="649797171" sldId="309"/>
+        </pc:sldMkLst>
+        <pc:spChg chg="mod">
+          <ac:chgData name="John Patrick Johnson" userId="S::jpj8711@ads.northwestern.edu::fe18dc51-e5c5-41f0-a67f-64543119935e" providerId="AD" clId="Web-{2AD4187B-B36B-CC54-8E8E-06A9556FE921}" dt="2023-01-13T01:25:10.520" v="54"/>
+          <ac:spMkLst>
+            <pc:docMk/>
+            <pc:sldMk cId="649797171" sldId="309"/>
+            <ac:spMk id="251" creationId="{00000000-0000-0000-0000-000000000000}"/>
+          </ac:spMkLst>
+        </pc:spChg>
+      </pc:sldChg>
+      <pc:sldChg chg="modSp">
+        <pc:chgData name="John Patrick Johnson" userId="S::jpj8711@ads.northwestern.edu::fe18dc51-e5c5-41f0-a67f-64543119935e" providerId="AD" clId="Web-{2AD4187B-B36B-CC54-8E8E-06A9556FE921}" dt="2023-01-13T01:25:10.520" v="54"/>
+        <pc:sldMkLst>
+          <pc:docMk/>
+          <pc:sldMk cId="1622357749" sldId="310"/>
+        </pc:sldMkLst>
+        <pc:spChg chg="mod">
+          <ac:chgData name="John Patrick Johnson" userId="S::jpj8711@ads.northwestern.edu::fe18dc51-e5c5-41f0-a67f-64543119935e" providerId="AD" clId="Web-{2AD4187B-B36B-CC54-8E8E-06A9556FE921}" dt="2023-01-13T01:25:10.520" v="54"/>
+          <ac:spMkLst>
+            <pc:docMk/>
+            <pc:sldMk cId="1622357749" sldId="310"/>
+            <ac:spMk id="4" creationId="{7431F675-D480-541A-2B5D-D723156A0829}"/>
+          </ac:spMkLst>
+        </pc:spChg>
+      </pc:sldChg>
+      <pc:sldChg chg="modSp">
+        <pc:chgData name="John Patrick Johnson" userId="S::jpj8711@ads.northwestern.edu::fe18dc51-e5c5-41f0-a67f-64543119935e" providerId="AD" clId="Web-{2AD4187B-B36B-CC54-8E8E-06A9556FE921}" dt="2023-01-13T01:25:10.520" v="54"/>
+        <pc:sldMkLst>
+          <pc:docMk/>
+          <pc:sldMk cId="467008381" sldId="311"/>
+        </pc:sldMkLst>
+        <pc:spChg chg="mod">
+          <ac:chgData name="John Patrick Johnson" userId="S::jpj8711@ads.northwestern.edu::fe18dc51-e5c5-41f0-a67f-64543119935e" providerId="AD" clId="Web-{2AD4187B-B36B-CC54-8E8E-06A9556FE921}" dt="2023-01-13T01:25:10.520" v="54"/>
+          <ac:spMkLst>
+            <pc:docMk/>
+            <pc:sldMk cId="467008381" sldId="311"/>
+            <ac:spMk id="4" creationId="{963A9A73-23EF-3180-96E1-55A434E55A4C}"/>
+          </ac:spMkLst>
+        </pc:spChg>
+      </pc:sldChg>
+      <pc:sldChg chg="modSp">
+        <pc:chgData name="John Patrick Johnson" userId="S::jpj8711@ads.northwestern.edu::fe18dc51-e5c5-41f0-a67f-64543119935e" providerId="AD" clId="Web-{2AD4187B-B36B-CC54-8E8E-06A9556FE921}" dt="2023-01-13T01:25:10.520" v="54"/>
+        <pc:sldMkLst>
+          <pc:docMk/>
+          <pc:sldMk cId="2190516894" sldId="312"/>
+        </pc:sldMkLst>
+        <pc:spChg chg="mod">
+          <ac:chgData name="John Patrick Johnson" userId="S::jpj8711@ads.northwestern.edu::fe18dc51-e5c5-41f0-a67f-64543119935e" providerId="AD" clId="Web-{2AD4187B-B36B-CC54-8E8E-06A9556FE921}" dt="2023-01-13T01:25:10.520" v="54"/>
+          <ac:spMkLst>
+            <pc:docMk/>
+            <pc:sldMk cId="2190516894" sldId="312"/>
+            <ac:spMk id="4" creationId="{958612A7-3215-9271-BAA1-978121C1DE1E}"/>
+          </ac:spMkLst>
+        </pc:spChg>
+      </pc:sldChg>
+      <pc:sldChg chg="modSp">
+        <pc:chgData name="John Patrick Johnson" userId="S::jpj8711@ads.northwestern.edu::fe18dc51-e5c5-41f0-a67f-64543119935e" providerId="AD" clId="Web-{2AD4187B-B36B-CC54-8E8E-06A9556FE921}" dt="2023-01-13T01:25:10.520" v="54"/>
+        <pc:sldMkLst>
+          <pc:docMk/>
+          <pc:sldMk cId="217017396" sldId="313"/>
+        </pc:sldMkLst>
+        <pc:spChg chg="mod">
+          <ac:chgData name="John Patrick Johnson" userId="S::jpj8711@ads.northwestern.edu::fe18dc51-e5c5-41f0-a67f-64543119935e" providerId="AD" clId="Web-{2AD4187B-B36B-CC54-8E8E-06A9556FE921}" dt="2023-01-13T01:25:10.520" v="54"/>
+          <ac:spMkLst>
+            <pc:docMk/>
+            <pc:sldMk cId="217017396" sldId="313"/>
+            <ac:spMk id="4" creationId="{B61ECC17-BD18-E4A6-F51E-854F648A7210}"/>
+          </ac:spMkLst>
+        </pc:spChg>
+      </pc:sldChg>
+      <pc:sldChg chg="modSp">
+        <pc:chgData name="John Patrick Johnson" userId="S::jpj8711@ads.northwestern.edu::fe18dc51-e5c5-41f0-a67f-64543119935e" providerId="AD" clId="Web-{2AD4187B-B36B-CC54-8E8E-06A9556FE921}" dt="2023-01-13T01:25:10.520" v="54"/>
+        <pc:sldMkLst>
+          <pc:docMk/>
+          <pc:sldMk cId="3246919771" sldId="314"/>
+        </pc:sldMkLst>
+        <pc:spChg chg="mod">
+          <ac:chgData name="John Patrick Johnson" userId="S::jpj8711@ads.northwestern.edu::fe18dc51-e5c5-41f0-a67f-64543119935e" providerId="AD" clId="Web-{2AD4187B-B36B-CC54-8E8E-06A9556FE921}" dt="2023-01-13T01:25:10.520" v="54"/>
+          <ac:spMkLst>
+            <pc:docMk/>
+            <pc:sldMk cId="3246919771" sldId="314"/>
+            <ac:spMk id="4" creationId="{75058F8E-6094-693C-6255-2BA7B895283D}"/>
+          </ac:spMkLst>
+        </pc:spChg>
+      </pc:sldChg>
+      <pc:sldChg chg="modSp">
+        <pc:chgData name="John Patrick Johnson" userId="S::jpj8711@ads.northwestern.edu::fe18dc51-e5c5-41f0-a67f-64543119935e" providerId="AD" clId="Web-{2AD4187B-B36B-CC54-8E8E-06A9556FE921}" dt="2023-01-13T01:25:10.520" v="54"/>
+        <pc:sldMkLst>
+          <pc:docMk/>
+          <pc:sldMk cId="1781169159" sldId="315"/>
+        </pc:sldMkLst>
+        <pc:spChg chg="mod">
+          <ac:chgData name="John Patrick Johnson" userId="S::jpj8711@ads.northwestern.edu::fe18dc51-e5c5-41f0-a67f-64543119935e" providerId="AD" clId="Web-{2AD4187B-B36B-CC54-8E8E-06A9556FE921}" dt="2023-01-13T01:25:10.520" v="54"/>
+          <ac:spMkLst>
+            <pc:docMk/>
+            <pc:sldMk cId="1781169159" sldId="315"/>
+            <ac:spMk id="4" creationId="{96B97F33-28BA-8CC7-E7BE-3A88D987B632}"/>
+          </ac:spMkLst>
+        </pc:spChg>
+      </pc:sldChg>
+      <pc:sldChg chg="modSp">
+        <pc:chgData name="John Patrick Johnson" userId="S::jpj8711@ads.northwestern.edu::fe18dc51-e5c5-41f0-a67f-64543119935e" providerId="AD" clId="Web-{2AD4187B-B36B-CC54-8E8E-06A9556FE921}" dt="2023-01-13T01:25:10.520" v="54"/>
+        <pc:sldMkLst>
+          <pc:docMk/>
+          <pc:sldMk cId="114224506" sldId="316"/>
+        </pc:sldMkLst>
+        <pc:spChg chg="mod">
+          <ac:chgData name="John Patrick Johnson" userId="S::jpj8711@ads.northwestern.edu::fe18dc51-e5c5-41f0-a67f-64543119935e" providerId="AD" clId="Web-{2AD4187B-B36B-CC54-8E8E-06A9556FE921}" dt="2023-01-13T01:25:10.520" v="54"/>
+          <ac:spMkLst>
+            <pc:docMk/>
+            <pc:sldMk cId="114224506" sldId="316"/>
+            <ac:spMk id="4" creationId="{0F2D2942-94E7-2C51-A309-D126227CAF04}"/>
+          </ac:spMkLst>
+        </pc:spChg>
+      </pc:sldChg>
+      <pc:sldChg chg="modSp">
+        <pc:chgData name="John Patrick Johnson" userId="S::jpj8711@ads.northwestern.edu::fe18dc51-e5c5-41f0-a67f-64543119935e" providerId="AD" clId="Web-{2AD4187B-B36B-CC54-8E8E-06A9556FE921}" dt="2023-01-13T01:25:10.520" v="54"/>
+        <pc:sldMkLst>
+          <pc:docMk/>
+          <pc:sldMk cId="380680441" sldId="317"/>
+        </pc:sldMkLst>
+        <pc:spChg chg="mod">
+          <ac:chgData name="John Patrick Johnson" userId="S::jpj8711@ads.northwestern.edu::fe18dc51-e5c5-41f0-a67f-64543119935e" providerId="AD" clId="Web-{2AD4187B-B36B-CC54-8E8E-06A9556FE921}" dt="2023-01-13T01:25:10.520" v="54"/>
+          <ac:spMkLst>
+            <pc:docMk/>
+            <pc:sldMk cId="380680441" sldId="317"/>
+            <ac:spMk id="4" creationId="{65AE09F3-95EE-FF4E-3B4C-88A0C7CECC03}"/>
+          </ac:spMkLst>
+        </pc:spChg>
+      </pc:sldChg>
+      <pc:sldMasterChg chg="modSp mod modSldLayout">
+        <pc:chgData name="John Patrick Johnson" userId="S::jpj8711@ads.northwestern.edu::fe18dc51-e5c5-41f0-a67f-64543119935e" providerId="AD" clId="Web-{2AD4187B-B36B-CC54-8E8E-06A9556FE921}" dt="2023-01-13T01:25:13.973" v="55"/>
+        <pc:sldMasterMkLst>
+          <pc:docMk/>
+          <pc:sldMasterMk cId="0" sldId="2147483654"/>
+        </pc:sldMasterMkLst>
+        <pc:spChg chg="mod">
+          <ac:chgData name="John Patrick Johnson" userId="S::jpj8711@ads.northwestern.edu::fe18dc51-e5c5-41f0-a67f-64543119935e" providerId="AD" clId="Web-{2AD4187B-B36B-CC54-8E8E-06A9556FE921}" dt="2023-01-13T01:25:10.520" v="54"/>
+          <ac:spMkLst>
+            <pc:docMk/>
+            <pc:sldMasterMk cId="0" sldId="2147483654"/>
+            <ac:spMk id="13" creationId="{00000000-0000-0000-0000-000000000000}"/>
+          </ac:spMkLst>
+        </pc:spChg>
+        <pc:sldLayoutChg chg="modSp mod">
+          <pc:chgData name="John Patrick Johnson" userId="S::jpj8711@ads.northwestern.edu::fe18dc51-e5c5-41f0-a67f-64543119935e" providerId="AD" clId="Web-{2AD4187B-B36B-CC54-8E8E-06A9556FE921}" dt="2023-01-13T01:25:13.973" v="55"/>
+          <pc:sldLayoutMkLst>
+            <pc:docMk/>
+            <pc:sldMasterMk cId="0" sldId="2147483654"/>
+            <pc:sldLayoutMk cId="0" sldId="2147483648"/>
+          </pc:sldLayoutMkLst>
+          <pc:spChg chg="mod">
+            <ac:chgData name="John Patrick Johnson" userId="S::jpj8711@ads.northwestern.edu::fe18dc51-e5c5-41f0-a67f-64543119935e" providerId="AD" clId="Web-{2AD4187B-B36B-CC54-8E8E-06A9556FE921}" dt="2023-01-13T01:25:10.520" v="54"/>
+            <ac:spMkLst>
+              <pc:docMk/>
+              <pc:sldMasterMk cId="0" sldId="2147483654"/>
+              <pc:sldLayoutMk cId="0" sldId="2147483648"/>
+              <ac:spMk id="17" creationId="{00000000-0000-0000-0000-000000000000}"/>
+            </ac:spMkLst>
+          </pc:spChg>
+        </pc:sldLayoutChg>
+        <pc:sldLayoutChg chg="modSp mod">
+          <pc:chgData name="John Patrick Johnson" userId="S::jpj8711@ads.northwestern.edu::fe18dc51-e5c5-41f0-a67f-64543119935e" providerId="AD" clId="Web-{2AD4187B-B36B-CC54-8E8E-06A9556FE921}" dt="2023-01-13T01:25:13.973" v="55"/>
+          <pc:sldLayoutMkLst>
+            <pc:docMk/>
+            <pc:sldMasterMk cId="0" sldId="2147483654"/>
+            <pc:sldLayoutMk cId="0" sldId="2147483649"/>
+          </pc:sldLayoutMkLst>
+          <pc:spChg chg="mod">
+            <ac:chgData name="John Patrick Johnson" userId="S::jpj8711@ads.northwestern.edu::fe18dc51-e5c5-41f0-a67f-64543119935e" providerId="AD" clId="Web-{2AD4187B-B36B-CC54-8E8E-06A9556FE921}" dt="2023-01-13T01:25:10.520" v="54"/>
+            <ac:spMkLst>
+              <pc:docMk/>
+              <pc:sldMasterMk cId="0" sldId="2147483654"/>
+              <pc:sldLayoutMk cId="0" sldId="2147483649"/>
+              <ac:spMk id="24" creationId="{00000000-0000-0000-0000-000000000000}"/>
+            </ac:spMkLst>
+          </pc:spChg>
+        </pc:sldLayoutChg>
+        <pc:sldLayoutChg chg="modSp mod">
+          <pc:chgData name="John Patrick Johnson" userId="S::jpj8711@ads.northwestern.edu::fe18dc51-e5c5-41f0-a67f-64543119935e" providerId="AD" clId="Web-{2AD4187B-B36B-CC54-8E8E-06A9556FE921}" dt="2023-01-13T01:25:13.973" v="55"/>
+          <pc:sldLayoutMkLst>
+            <pc:docMk/>
+            <pc:sldMasterMk cId="0" sldId="2147483654"/>
+            <pc:sldLayoutMk cId="0" sldId="2147483650"/>
+          </pc:sldLayoutMkLst>
+          <pc:spChg chg="mod">
+            <ac:chgData name="John Patrick Johnson" userId="S::jpj8711@ads.northwestern.edu::fe18dc51-e5c5-41f0-a67f-64543119935e" providerId="AD" clId="Web-{2AD4187B-B36B-CC54-8E8E-06A9556FE921}" dt="2023-01-13T01:25:10.520" v="54"/>
+            <ac:spMkLst>
+              <pc:docMk/>
+              <pc:sldMasterMk cId="0" sldId="2147483654"/>
+              <pc:sldLayoutMk cId="0" sldId="2147483650"/>
+              <ac:spMk id="29" creationId="{00000000-0000-0000-0000-000000000000}"/>
+            </ac:spMkLst>
+          </pc:spChg>
+        </pc:sldLayoutChg>
+        <pc:sldLayoutChg chg="modSp mod">
+          <pc:chgData name="John Patrick Johnson" userId="S::jpj8711@ads.northwestern.edu::fe18dc51-e5c5-41f0-a67f-64543119935e" providerId="AD" clId="Web-{2AD4187B-B36B-CC54-8E8E-06A9556FE921}" dt="2023-01-13T01:25:13.973" v="55"/>
+          <pc:sldLayoutMkLst>
+            <pc:docMk/>
+            <pc:sldMasterMk cId="0" sldId="2147483654"/>
+            <pc:sldLayoutMk cId="0" sldId="2147483651"/>
+          </pc:sldLayoutMkLst>
+          <pc:spChg chg="mod">
+            <ac:chgData name="John Patrick Johnson" userId="S::jpj8711@ads.northwestern.edu::fe18dc51-e5c5-41f0-a67f-64543119935e" providerId="AD" clId="Web-{2AD4187B-B36B-CC54-8E8E-06A9556FE921}" dt="2023-01-13T01:25:10.520" v="54"/>
+            <ac:spMkLst>
+              <pc:docMk/>
+              <pc:sldMasterMk cId="0" sldId="2147483654"/>
+              <pc:sldLayoutMk cId="0" sldId="2147483651"/>
+              <ac:spMk id="35" creationId="{00000000-0000-0000-0000-000000000000}"/>
+            </ac:spMkLst>
+          </pc:spChg>
+        </pc:sldLayoutChg>
+        <pc:sldLayoutChg chg="modSp mod">
+          <pc:chgData name="John Patrick Johnson" userId="S::jpj8711@ads.northwestern.edu::fe18dc51-e5c5-41f0-a67f-64543119935e" providerId="AD" clId="Web-{2AD4187B-B36B-CC54-8E8E-06A9556FE921}" dt="2023-01-13T01:25:13.973" v="55"/>
+          <pc:sldLayoutMkLst>
+            <pc:docMk/>
+            <pc:sldMasterMk cId="0" sldId="2147483654"/>
+            <pc:sldLayoutMk cId="0" sldId="2147483652"/>
+          </pc:sldLayoutMkLst>
+          <pc:spChg chg="mod">
+            <ac:chgData name="John Patrick Johnson" userId="S::jpj8711@ads.northwestern.edu::fe18dc51-e5c5-41f0-a67f-64543119935e" providerId="AD" clId="Web-{2AD4187B-B36B-CC54-8E8E-06A9556FE921}" dt="2023-01-13T01:25:10.520" v="54"/>
+            <ac:spMkLst>
+              <pc:docMk/>
+              <pc:sldMasterMk cId="0" sldId="2147483654"/>
+              <pc:sldLayoutMk cId="0" sldId="2147483652"/>
+              <ac:spMk id="39" creationId="{00000000-0000-0000-0000-000000000000}"/>
+            </ac:spMkLst>
+          </pc:spChg>
+        </pc:sldLayoutChg>
+        <pc:sldLayoutChg chg="modSp mod">
+          <pc:chgData name="John Patrick Johnson" userId="S::jpj8711@ads.northwestern.edu::fe18dc51-e5c5-41f0-a67f-64543119935e" providerId="AD" clId="Web-{2AD4187B-B36B-CC54-8E8E-06A9556FE921}" dt="2023-01-13T01:25:13.973" v="55"/>
+          <pc:sldLayoutMkLst>
+            <pc:docMk/>
+            <pc:sldMasterMk cId="0" sldId="2147483654"/>
+            <pc:sldLayoutMk cId="0" sldId="2147483653"/>
+          </pc:sldLayoutMkLst>
+          <pc:spChg chg="mod">
+            <ac:chgData name="John Patrick Johnson" userId="S::jpj8711@ads.northwestern.edu::fe18dc51-e5c5-41f0-a67f-64543119935e" providerId="AD" clId="Web-{2AD4187B-B36B-CC54-8E8E-06A9556FE921}" dt="2023-01-13T01:25:10.520" v="54"/>
+            <ac:spMkLst>
+              <pc:docMk/>
+              <pc:sldMasterMk cId="0" sldId="2147483654"/>
+              <pc:sldLayoutMk cId="0" sldId="2147483653"/>
+              <ac:spMk id="42" creationId="{00000000-0000-0000-0000-000000000000}"/>
+            </ac:spMkLst>
+          </pc:spChg>
+        </pc:sldLayoutChg>
+      </pc:sldMasterChg>
+    </pc:docChg>
+  </pc:docChgLst>
+  <pc:docChgLst>
+    <pc:chgData name="John Patrick Johnson" userId="S::jpj8711@ads.northwestern.edu::fe18dc51-e5c5-41f0-a67f-64543119935e" providerId="AD" clId="Web-{4E74415D-2672-2ACF-778E-A74B637F8DAD}"/>
+    <pc:docChg chg="modSld">
+      <pc:chgData name="John Patrick Johnson" userId="S::jpj8711@ads.northwestern.edu::fe18dc51-e5c5-41f0-a67f-64543119935e" providerId="AD" clId="Web-{4E74415D-2672-2ACF-778E-A74B637F8DAD}" dt="2023-07-21T01:00:47.933" v="1" actId="20577"/>
+      <pc:docMkLst>
+        <pc:docMk/>
+      </pc:docMkLst>
+      <pc:sldChg chg="modSp">
+        <pc:chgData name="John Patrick Johnson" userId="S::jpj8711@ads.northwestern.edu::fe18dc51-e5c5-41f0-a67f-64543119935e" providerId="AD" clId="Web-{4E74415D-2672-2ACF-778E-A74B637F8DAD}" dt="2023-07-21T01:00:47.933" v="1" actId="20577"/>
+        <pc:sldMkLst>
+          <pc:docMk/>
+          <pc:sldMk cId="0" sldId="256"/>
+        </pc:sldMkLst>
+        <pc:spChg chg="mod">
+          <ac:chgData name="John Patrick Johnson" userId="S::jpj8711@ads.northwestern.edu::fe18dc51-e5c5-41f0-a67f-64543119935e" providerId="AD" clId="Web-{4E74415D-2672-2ACF-778E-A74B637F8DAD}" dt="2023-07-21T01:00:47.933" v="1" actId="20577"/>
+          <ac:spMkLst>
+            <pc:docMk/>
+            <pc:sldMk cId="0" sldId="256"/>
+            <ac:spMk id="50" creationId="{00000000-0000-0000-0000-000000000000}"/>
+          </ac:spMkLst>
+        </pc:spChg>
+      </pc:sldChg>
+    </pc:docChg>
+  </pc:docChgLst>
+  <pc:docChgLst>
+    <pc:chgData name="John Patrick Johnson" userId="S::jpj8711@ads.northwestern.edu::fe18dc51-e5c5-41f0-a67f-64543119935e" providerId="AD" clId="Web-{141099D0-7457-7AFA-9CF7-B723EBA81563}"/>
+    <pc:docChg chg="sldOrd">
+      <pc:chgData name="John Patrick Johnson" userId="S::jpj8711@ads.northwestern.edu::fe18dc51-e5c5-41f0-a67f-64543119935e" providerId="AD" clId="Web-{141099D0-7457-7AFA-9CF7-B723EBA81563}" dt="2023-01-11T21:22:41.164" v="1"/>
+      <pc:docMkLst>
+        <pc:docMk/>
+      </pc:docMkLst>
+      <pc:sldChg chg="ord">
+        <pc:chgData name="John Patrick Johnson" userId="S::jpj8711@ads.northwestern.edu::fe18dc51-e5c5-41f0-a67f-64543119935e" providerId="AD" clId="Web-{141099D0-7457-7AFA-9CF7-B723EBA81563}" dt="2023-01-11T21:21:30.021" v="0"/>
+        <pc:sldMkLst>
+          <pc:docMk/>
+          <pc:sldMk cId="0" sldId="272"/>
+        </pc:sldMkLst>
+      </pc:sldChg>
+      <pc:sldChg chg="ord">
+        <pc:chgData name="John Patrick Johnson" userId="S::jpj8711@ads.northwestern.edu::fe18dc51-e5c5-41f0-a67f-64543119935e" providerId="AD" clId="Web-{141099D0-7457-7AFA-9CF7-B723EBA81563}" dt="2023-01-11T21:22:41.164" v="1"/>
+        <pc:sldMkLst>
+          <pc:docMk/>
+          <pc:sldMk cId="679406833" sldId="284"/>
+        </pc:sldMkLst>
       </pc:sldChg>
     </pc:docChg>
   </pc:docChgLst>
@@ -2612,2238 +4179,6 @@
     </pc:docChg>
   </pc:docChgLst>
   <pc:docChgLst>
-    <pc:chgData name="John Patrick Johnson" userId="S::jpj8711@ads.northwestern.edu::fe18dc51-e5c5-41f0-a67f-64543119935e" providerId="AD" clId="Web-{2AD4187B-B36B-CC54-8E8E-06A9556FE921}"/>
-    <pc:docChg chg="modSld modMainMaster">
-      <pc:chgData name="John Patrick Johnson" userId="S::jpj8711@ads.northwestern.edu::fe18dc51-e5c5-41f0-a67f-64543119935e" providerId="AD" clId="Web-{2AD4187B-B36B-CC54-8E8E-06A9556FE921}" dt="2023-01-13T01:45:31.624" v="948"/>
-      <pc:docMkLst>
-        <pc:docMk/>
-      </pc:docMkLst>
-      <pc:sldChg chg="addSp modSp">
-        <pc:chgData name="John Patrick Johnson" userId="S::jpj8711@ads.northwestern.edu::fe18dc51-e5c5-41f0-a67f-64543119935e" providerId="AD" clId="Web-{2AD4187B-B36B-CC54-8E8E-06A9556FE921}" dt="2023-01-13T01:25:10.520" v="54"/>
-        <pc:sldMkLst>
-          <pc:docMk/>
-          <pc:sldMk cId="0" sldId="256"/>
-        </pc:sldMkLst>
-        <pc:spChg chg="add mod">
-          <ac:chgData name="John Patrick Johnson" userId="S::jpj8711@ads.northwestern.edu::fe18dc51-e5c5-41f0-a67f-64543119935e" providerId="AD" clId="Web-{2AD4187B-B36B-CC54-8E8E-06A9556FE921}" dt="2023-01-13T01:25:10.520" v="54"/>
-          <ac:spMkLst>
-            <pc:docMk/>
-            <pc:sldMk cId="0" sldId="256"/>
-            <ac:spMk id="2" creationId="{289CA4ED-6DAD-386B-A788-B7C6CAF7438D}"/>
-          </ac:spMkLst>
-        </pc:spChg>
-      </pc:sldChg>
-      <pc:sldChg chg="modSp">
-        <pc:chgData name="John Patrick Johnson" userId="S::jpj8711@ads.northwestern.edu::fe18dc51-e5c5-41f0-a67f-64543119935e" providerId="AD" clId="Web-{2AD4187B-B36B-CC54-8E8E-06A9556FE921}" dt="2023-01-13T01:25:10.520" v="54"/>
-        <pc:sldMkLst>
-          <pc:docMk/>
-          <pc:sldMk cId="0" sldId="259"/>
-        </pc:sldMkLst>
-        <pc:spChg chg="mod">
-          <ac:chgData name="John Patrick Johnson" userId="S::jpj8711@ads.northwestern.edu::fe18dc51-e5c5-41f0-a67f-64543119935e" providerId="AD" clId="Web-{2AD4187B-B36B-CC54-8E8E-06A9556FE921}" dt="2023-01-13T01:25:10.520" v="54"/>
-          <ac:spMkLst>
-            <pc:docMk/>
-            <pc:sldMk cId="0" sldId="259"/>
-            <ac:spMk id="75" creationId="{00000000-0000-0000-0000-000000000000}"/>
-          </ac:spMkLst>
-        </pc:spChg>
-      </pc:sldChg>
-      <pc:sldChg chg="modSp">
-        <pc:chgData name="John Patrick Johnson" userId="S::jpj8711@ads.northwestern.edu::fe18dc51-e5c5-41f0-a67f-64543119935e" providerId="AD" clId="Web-{2AD4187B-B36B-CC54-8E8E-06A9556FE921}" dt="2023-01-13T01:25:10.520" v="54"/>
-        <pc:sldMkLst>
-          <pc:docMk/>
-          <pc:sldMk cId="0" sldId="261"/>
-        </pc:sldMkLst>
-        <pc:spChg chg="mod">
-          <ac:chgData name="John Patrick Johnson" userId="S::jpj8711@ads.northwestern.edu::fe18dc51-e5c5-41f0-a67f-64543119935e" providerId="AD" clId="Web-{2AD4187B-B36B-CC54-8E8E-06A9556FE921}" dt="2023-01-13T01:25:10.520" v="54"/>
-          <ac:spMkLst>
-            <pc:docMk/>
-            <pc:sldMk cId="0" sldId="261"/>
-            <ac:spMk id="95" creationId="{00000000-0000-0000-0000-000000000000}"/>
-          </ac:spMkLst>
-        </pc:spChg>
-      </pc:sldChg>
-      <pc:sldChg chg="modSp">
-        <pc:chgData name="John Patrick Johnson" userId="S::jpj8711@ads.northwestern.edu::fe18dc51-e5c5-41f0-a67f-64543119935e" providerId="AD" clId="Web-{2AD4187B-B36B-CC54-8E8E-06A9556FE921}" dt="2023-01-13T01:25:10.520" v="54"/>
-        <pc:sldMkLst>
-          <pc:docMk/>
-          <pc:sldMk cId="0" sldId="262"/>
-        </pc:sldMkLst>
-        <pc:spChg chg="mod">
-          <ac:chgData name="John Patrick Johnson" userId="S::jpj8711@ads.northwestern.edu::fe18dc51-e5c5-41f0-a67f-64543119935e" providerId="AD" clId="Web-{2AD4187B-B36B-CC54-8E8E-06A9556FE921}" dt="2023-01-13T01:25:10.520" v="54"/>
-          <ac:spMkLst>
-            <pc:docMk/>
-            <pc:sldMk cId="0" sldId="262"/>
-            <ac:spMk id="104" creationId="{00000000-0000-0000-0000-000000000000}"/>
-          </ac:spMkLst>
-        </pc:spChg>
-      </pc:sldChg>
-      <pc:sldChg chg="modSp">
-        <pc:chgData name="John Patrick Johnson" userId="S::jpj8711@ads.northwestern.edu::fe18dc51-e5c5-41f0-a67f-64543119935e" providerId="AD" clId="Web-{2AD4187B-B36B-CC54-8E8E-06A9556FE921}" dt="2023-01-13T01:34:23.988" v="509" actId="20577"/>
-        <pc:sldMkLst>
-          <pc:docMk/>
-          <pc:sldMk cId="0" sldId="263"/>
-        </pc:sldMkLst>
-        <pc:spChg chg="mod">
-          <ac:chgData name="John Patrick Johnson" userId="S::jpj8711@ads.northwestern.edu::fe18dc51-e5c5-41f0-a67f-64543119935e" providerId="AD" clId="Web-{2AD4187B-B36B-CC54-8E8E-06A9556FE921}" dt="2023-01-13T01:25:10.520" v="54"/>
-          <ac:spMkLst>
-            <pc:docMk/>
-            <pc:sldMk cId="0" sldId="263"/>
-            <ac:spMk id="114" creationId="{00000000-0000-0000-0000-000000000000}"/>
-          </ac:spMkLst>
-        </pc:spChg>
-        <pc:spChg chg="mod">
-          <ac:chgData name="John Patrick Johnson" userId="S::jpj8711@ads.northwestern.edu::fe18dc51-e5c5-41f0-a67f-64543119935e" providerId="AD" clId="Web-{2AD4187B-B36B-CC54-8E8E-06A9556FE921}" dt="2023-01-13T01:34:23.988" v="509" actId="20577"/>
-          <ac:spMkLst>
-            <pc:docMk/>
-            <pc:sldMk cId="0" sldId="263"/>
-            <ac:spMk id="116" creationId="{00000000-0000-0000-0000-000000000000}"/>
-          </ac:spMkLst>
-        </pc:spChg>
-      </pc:sldChg>
-      <pc:sldChg chg="modSp">
-        <pc:chgData name="John Patrick Johnson" userId="S::jpj8711@ads.northwestern.edu::fe18dc51-e5c5-41f0-a67f-64543119935e" providerId="AD" clId="Web-{2AD4187B-B36B-CC54-8E8E-06A9556FE921}" dt="2023-01-13T01:34:50.927" v="521" actId="20577"/>
-        <pc:sldMkLst>
-          <pc:docMk/>
-          <pc:sldMk cId="0" sldId="264"/>
-        </pc:sldMkLst>
-        <pc:spChg chg="mod">
-          <ac:chgData name="John Patrick Johnson" userId="S::jpj8711@ads.northwestern.edu::fe18dc51-e5c5-41f0-a67f-64543119935e" providerId="AD" clId="Web-{2AD4187B-B36B-CC54-8E8E-06A9556FE921}" dt="2023-01-13T01:25:10.520" v="54"/>
-          <ac:spMkLst>
-            <pc:docMk/>
-            <pc:sldMk cId="0" sldId="264"/>
-            <ac:spMk id="126" creationId="{00000000-0000-0000-0000-000000000000}"/>
-          </ac:spMkLst>
-        </pc:spChg>
-        <pc:spChg chg="mod">
-          <ac:chgData name="John Patrick Johnson" userId="S::jpj8711@ads.northwestern.edu::fe18dc51-e5c5-41f0-a67f-64543119935e" providerId="AD" clId="Web-{2AD4187B-B36B-CC54-8E8E-06A9556FE921}" dt="2023-01-13T01:34:50.927" v="521" actId="20577"/>
-          <ac:spMkLst>
-            <pc:docMk/>
-            <pc:sldMk cId="0" sldId="264"/>
-            <ac:spMk id="128" creationId="{00000000-0000-0000-0000-000000000000}"/>
-          </ac:spMkLst>
-        </pc:spChg>
-      </pc:sldChg>
-      <pc:sldChg chg="modSp">
-        <pc:chgData name="John Patrick Johnson" userId="S::jpj8711@ads.northwestern.edu::fe18dc51-e5c5-41f0-a67f-64543119935e" providerId="AD" clId="Web-{2AD4187B-B36B-CC54-8E8E-06A9556FE921}" dt="2023-01-13T01:25:10.520" v="54"/>
-        <pc:sldMkLst>
-          <pc:docMk/>
-          <pc:sldMk cId="0" sldId="266"/>
-        </pc:sldMkLst>
-        <pc:spChg chg="mod">
-          <ac:chgData name="John Patrick Johnson" userId="S::jpj8711@ads.northwestern.edu::fe18dc51-e5c5-41f0-a67f-64543119935e" providerId="AD" clId="Web-{2AD4187B-B36B-CC54-8E8E-06A9556FE921}" dt="2023-01-13T01:25:10.520" v="54"/>
-          <ac:spMkLst>
-            <pc:docMk/>
-            <pc:sldMk cId="0" sldId="266"/>
-            <ac:spMk id="148" creationId="{00000000-0000-0000-0000-000000000000}"/>
-          </ac:spMkLst>
-        </pc:spChg>
-      </pc:sldChg>
-      <pc:sldChg chg="modSp">
-        <pc:chgData name="John Patrick Johnson" userId="S::jpj8711@ads.northwestern.edu::fe18dc51-e5c5-41f0-a67f-64543119935e" providerId="AD" clId="Web-{2AD4187B-B36B-CC54-8E8E-06A9556FE921}" dt="2023-01-13T01:25:10.520" v="54"/>
-        <pc:sldMkLst>
-          <pc:docMk/>
-          <pc:sldMk cId="0" sldId="268"/>
-        </pc:sldMkLst>
-        <pc:spChg chg="mod">
-          <ac:chgData name="John Patrick Johnson" userId="S::jpj8711@ads.northwestern.edu::fe18dc51-e5c5-41f0-a67f-64543119935e" providerId="AD" clId="Web-{2AD4187B-B36B-CC54-8E8E-06A9556FE921}" dt="2023-01-13T01:25:10.520" v="54"/>
-          <ac:spMkLst>
-            <pc:docMk/>
-            <pc:sldMk cId="0" sldId="268"/>
-            <ac:spMk id="167" creationId="{00000000-0000-0000-0000-000000000000}"/>
-          </ac:spMkLst>
-        </pc:spChg>
-      </pc:sldChg>
-      <pc:sldChg chg="modSp">
-        <pc:chgData name="John Patrick Johnson" userId="S::jpj8711@ads.northwestern.edu::fe18dc51-e5c5-41f0-a67f-64543119935e" providerId="AD" clId="Web-{2AD4187B-B36B-CC54-8E8E-06A9556FE921}" dt="2023-01-13T01:31:41.593" v="334" actId="20577"/>
-        <pc:sldMkLst>
-          <pc:docMk/>
-          <pc:sldMk cId="0" sldId="269"/>
-        </pc:sldMkLst>
-        <pc:spChg chg="mod">
-          <ac:chgData name="John Patrick Johnson" userId="S::jpj8711@ads.northwestern.edu::fe18dc51-e5c5-41f0-a67f-64543119935e" providerId="AD" clId="Web-{2AD4187B-B36B-CC54-8E8E-06A9556FE921}" dt="2023-01-13T01:25:10.520" v="54"/>
-          <ac:spMkLst>
-            <pc:docMk/>
-            <pc:sldMk cId="0" sldId="269"/>
-            <ac:spMk id="177" creationId="{00000000-0000-0000-0000-000000000000}"/>
-          </ac:spMkLst>
-        </pc:spChg>
-        <pc:spChg chg="mod">
-          <ac:chgData name="John Patrick Johnson" userId="S::jpj8711@ads.northwestern.edu::fe18dc51-e5c5-41f0-a67f-64543119935e" providerId="AD" clId="Web-{2AD4187B-B36B-CC54-8E8E-06A9556FE921}" dt="2023-01-13T01:31:41.593" v="334" actId="20577"/>
-          <ac:spMkLst>
-            <pc:docMk/>
-            <pc:sldMk cId="0" sldId="269"/>
-            <ac:spMk id="179" creationId="{00000000-0000-0000-0000-000000000000}"/>
-          </ac:spMkLst>
-        </pc:spChg>
-      </pc:sldChg>
-      <pc:sldChg chg="modSp">
-        <pc:chgData name="John Patrick Johnson" userId="S::jpj8711@ads.northwestern.edu::fe18dc51-e5c5-41f0-a67f-64543119935e" providerId="AD" clId="Web-{2AD4187B-B36B-CC54-8E8E-06A9556FE921}" dt="2023-01-13T01:36:38.539" v="562" actId="20577"/>
-        <pc:sldMkLst>
-          <pc:docMk/>
-          <pc:sldMk cId="0" sldId="272"/>
-        </pc:sldMkLst>
-        <pc:spChg chg="mod">
-          <ac:chgData name="John Patrick Johnson" userId="S::jpj8711@ads.northwestern.edu::fe18dc51-e5c5-41f0-a67f-64543119935e" providerId="AD" clId="Web-{2AD4187B-B36B-CC54-8E8E-06A9556FE921}" dt="2023-01-13T01:36:38.539" v="562" actId="20577"/>
-          <ac:spMkLst>
-            <pc:docMk/>
-            <pc:sldMk cId="0" sldId="272"/>
-            <ac:spMk id="5" creationId="{D530A949-24AC-48CD-B587-1D34E28B4FBC}"/>
-          </ac:spMkLst>
-        </pc:spChg>
-        <pc:spChg chg="mod">
-          <ac:chgData name="John Patrick Johnson" userId="S::jpj8711@ads.northwestern.edu::fe18dc51-e5c5-41f0-a67f-64543119935e" providerId="AD" clId="Web-{2AD4187B-B36B-CC54-8E8E-06A9556FE921}" dt="2023-01-13T01:25:10.520" v="54"/>
-          <ac:spMkLst>
-            <pc:docMk/>
-            <pc:sldMk cId="0" sldId="272"/>
-            <ac:spMk id="207" creationId="{00000000-0000-0000-0000-000000000000}"/>
-          </ac:spMkLst>
-        </pc:spChg>
-      </pc:sldChg>
-      <pc:sldChg chg="modSp">
-        <pc:chgData name="John Patrick Johnson" userId="S::jpj8711@ads.northwestern.edu::fe18dc51-e5c5-41f0-a67f-64543119935e" providerId="AD" clId="Web-{2AD4187B-B36B-CC54-8E8E-06A9556FE921}" dt="2023-01-13T01:35:45.006" v="536" actId="20577"/>
-        <pc:sldMkLst>
-          <pc:docMk/>
-          <pc:sldMk cId="0" sldId="274"/>
-        </pc:sldMkLst>
-        <pc:spChg chg="mod">
-          <ac:chgData name="John Patrick Johnson" userId="S::jpj8711@ads.northwestern.edu::fe18dc51-e5c5-41f0-a67f-64543119935e" providerId="AD" clId="Web-{2AD4187B-B36B-CC54-8E8E-06A9556FE921}" dt="2023-01-13T01:35:45.006" v="536" actId="20577"/>
-          <ac:spMkLst>
-            <pc:docMk/>
-            <pc:sldMk cId="0" sldId="274"/>
-            <ac:spMk id="3" creationId="{74AFA63D-E288-40A4-93BC-D0412D9563D3}"/>
-          </ac:spMkLst>
-        </pc:spChg>
-        <pc:spChg chg="mod">
-          <ac:chgData name="John Patrick Johnson" userId="S::jpj8711@ads.northwestern.edu::fe18dc51-e5c5-41f0-a67f-64543119935e" providerId="AD" clId="Web-{2AD4187B-B36B-CC54-8E8E-06A9556FE921}" dt="2023-01-13T01:25:10.520" v="54"/>
-          <ac:spMkLst>
-            <pc:docMk/>
-            <pc:sldMk cId="0" sldId="274"/>
-            <ac:spMk id="225" creationId="{00000000-0000-0000-0000-000000000000}"/>
-          </ac:spMkLst>
-        </pc:spChg>
-      </pc:sldChg>
-      <pc:sldChg chg="modSp">
-        <pc:chgData name="John Patrick Johnson" userId="S::jpj8711@ads.northwestern.edu::fe18dc51-e5c5-41f0-a67f-64543119935e" providerId="AD" clId="Web-{2AD4187B-B36B-CC54-8E8E-06A9556FE921}" dt="2023-01-13T01:41:07.210" v="824" actId="20577"/>
-        <pc:sldMkLst>
-          <pc:docMk/>
-          <pc:sldMk cId="0" sldId="276"/>
-        </pc:sldMkLst>
-        <pc:spChg chg="mod">
-          <ac:chgData name="John Patrick Johnson" userId="S::jpj8711@ads.northwestern.edu::fe18dc51-e5c5-41f0-a67f-64543119935e" providerId="AD" clId="Web-{2AD4187B-B36B-CC54-8E8E-06A9556FE921}" dt="2023-01-13T01:25:10.520" v="54"/>
-          <ac:spMkLst>
-            <pc:docMk/>
-            <pc:sldMk cId="0" sldId="276"/>
-            <ac:spMk id="251" creationId="{00000000-0000-0000-0000-000000000000}"/>
-          </ac:spMkLst>
-        </pc:spChg>
-        <pc:spChg chg="mod">
-          <ac:chgData name="John Patrick Johnson" userId="S::jpj8711@ads.northwestern.edu::fe18dc51-e5c5-41f0-a67f-64543119935e" providerId="AD" clId="Web-{2AD4187B-B36B-CC54-8E8E-06A9556FE921}" dt="2023-01-13T01:41:07.210" v="824" actId="20577"/>
-          <ac:spMkLst>
-            <pc:docMk/>
-            <pc:sldMk cId="0" sldId="276"/>
-            <ac:spMk id="253" creationId="{00000000-0000-0000-0000-000000000000}"/>
-          </ac:spMkLst>
-        </pc:spChg>
-      </pc:sldChg>
-      <pc:sldChg chg="modSp delAnim">
-        <pc:chgData name="John Patrick Johnson" userId="S::jpj8711@ads.northwestern.edu::fe18dc51-e5c5-41f0-a67f-64543119935e" providerId="AD" clId="Web-{2AD4187B-B36B-CC54-8E8E-06A9556FE921}" dt="2023-01-13T01:28:54.245" v="250"/>
-        <pc:sldMkLst>
-          <pc:docMk/>
-          <pc:sldMk cId="0" sldId="280"/>
-        </pc:sldMkLst>
-        <pc:spChg chg="mod">
-          <ac:chgData name="John Patrick Johnson" userId="S::jpj8711@ads.northwestern.edu::fe18dc51-e5c5-41f0-a67f-64543119935e" providerId="AD" clId="Web-{2AD4187B-B36B-CC54-8E8E-06A9556FE921}" dt="2023-01-13T01:27:54.181" v="206" actId="20577"/>
-          <ac:spMkLst>
-            <pc:docMk/>
-            <pc:sldMk cId="0" sldId="280"/>
-            <ac:spMk id="5" creationId="{B64D9B12-D05E-D196-1CEC-9C9E33B9CC0F}"/>
-          </ac:spMkLst>
-        </pc:spChg>
-        <pc:spChg chg="mod">
-          <ac:chgData name="John Patrick Johnson" userId="S::jpj8711@ads.northwestern.edu::fe18dc51-e5c5-41f0-a67f-64543119935e" providerId="AD" clId="Web-{2AD4187B-B36B-CC54-8E8E-06A9556FE921}" dt="2023-01-13T01:28:27.463" v="249" actId="20577"/>
-          <ac:spMkLst>
-            <pc:docMk/>
-            <pc:sldMk cId="0" sldId="280"/>
-            <ac:spMk id="7" creationId="{B1E2236B-464B-AA49-A124-3E054A3AC455}"/>
-          </ac:spMkLst>
-        </pc:spChg>
-        <pc:spChg chg="mod">
-          <ac:chgData name="John Patrick Johnson" userId="S::jpj8711@ads.northwestern.edu::fe18dc51-e5c5-41f0-a67f-64543119935e" providerId="AD" clId="Web-{2AD4187B-B36B-CC54-8E8E-06A9556FE921}" dt="2023-01-13T01:25:10.520" v="54"/>
-          <ac:spMkLst>
-            <pc:docMk/>
-            <pc:sldMk cId="0" sldId="280"/>
-            <ac:spMk id="288" creationId="{00000000-0000-0000-0000-000000000000}"/>
-          </ac:spMkLst>
-        </pc:spChg>
-        <pc:spChg chg="mod">
-          <ac:chgData name="John Patrick Johnson" userId="S::jpj8711@ads.northwestern.edu::fe18dc51-e5c5-41f0-a67f-64543119935e" providerId="AD" clId="Web-{2AD4187B-B36B-CC54-8E8E-06A9556FE921}" dt="2023-01-13T01:26:51.538" v="101" actId="20577"/>
-          <ac:spMkLst>
-            <pc:docMk/>
-            <pc:sldMk cId="0" sldId="280"/>
-            <ac:spMk id="290" creationId="{00000000-0000-0000-0000-000000000000}"/>
-          </ac:spMkLst>
-        </pc:spChg>
-      </pc:sldChg>
-      <pc:sldChg chg="modSp">
-        <pc:chgData name="John Patrick Johnson" userId="S::jpj8711@ads.northwestern.edu::fe18dc51-e5c5-41f0-a67f-64543119935e" providerId="AD" clId="Web-{2AD4187B-B36B-CC54-8E8E-06A9556FE921}" dt="2023-01-13T01:25:05.957" v="53"/>
-        <pc:sldMkLst>
-          <pc:docMk/>
-          <pc:sldMk cId="837207602" sldId="282"/>
-        </pc:sldMkLst>
-        <pc:spChg chg="mod">
-          <ac:chgData name="John Patrick Johnson" userId="S::jpj8711@ads.northwestern.edu::fe18dc51-e5c5-41f0-a67f-64543119935e" providerId="AD" clId="Web-{2AD4187B-B36B-CC54-8E8E-06A9556FE921}" dt="2023-01-13T01:24:21.691" v="20" actId="14100"/>
-          <ac:spMkLst>
-            <pc:docMk/>
-            <pc:sldMk cId="837207602" sldId="282"/>
-            <ac:spMk id="4" creationId="{E01374D5-3FDC-ACF5-3153-58548A78F130}"/>
-          </ac:spMkLst>
-        </pc:spChg>
-        <pc:spChg chg="mod">
-          <ac:chgData name="John Patrick Johnson" userId="S::jpj8711@ads.northwestern.edu::fe18dc51-e5c5-41f0-a67f-64543119935e" providerId="AD" clId="Web-{2AD4187B-B36B-CC54-8E8E-06A9556FE921}" dt="2023-01-13T01:25:05.957" v="53"/>
-          <ac:spMkLst>
-            <pc:docMk/>
-            <pc:sldMk cId="837207602" sldId="282"/>
-            <ac:spMk id="251" creationId="{00000000-0000-0000-0000-000000000000}"/>
-          </ac:spMkLst>
-        </pc:spChg>
-      </pc:sldChg>
-      <pc:sldChg chg="modSp">
-        <pc:chgData name="John Patrick Johnson" userId="S::jpj8711@ads.northwestern.edu::fe18dc51-e5c5-41f0-a67f-64543119935e" providerId="AD" clId="Web-{2AD4187B-B36B-CC54-8E8E-06A9556FE921}" dt="2023-01-13T01:25:10.520" v="54"/>
-        <pc:sldMkLst>
-          <pc:docMk/>
-          <pc:sldMk cId="679406833" sldId="284"/>
-        </pc:sldMkLst>
-        <pc:spChg chg="mod">
-          <ac:chgData name="John Patrick Johnson" userId="S::jpj8711@ads.northwestern.edu::fe18dc51-e5c5-41f0-a67f-64543119935e" providerId="AD" clId="Web-{2AD4187B-B36B-CC54-8E8E-06A9556FE921}" dt="2023-01-13T01:25:10.520" v="54"/>
-          <ac:spMkLst>
-            <pc:docMk/>
-            <pc:sldMk cId="679406833" sldId="284"/>
-            <ac:spMk id="251" creationId="{00000000-0000-0000-0000-000000000000}"/>
-          </ac:spMkLst>
-        </pc:spChg>
-      </pc:sldChg>
-      <pc:sldChg chg="modSp">
-        <pc:chgData name="John Patrick Johnson" userId="S::jpj8711@ads.northwestern.edu::fe18dc51-e5c5-41f0-a67f-64543119935e" providerId="AD" clId="Web-{2AD4187B-B36B-CC54-8E8E-06A9556FE921}" dt="2023-01-13T01:25:10.520" v="54"/>
-        <pc:sldMkLst>
-          <pc:docMk/>
-          <pc:sldMk cId="4134066138" sldId="285"/>
-        </pc:sldMkLst>
-        <pc:spChg chg="mod">
-          <ac:chgData name="John Patrick Johnson" userId="S::jpj8711@ads.northwestern.edu::fe18dc51-e5c5-41f0-a67f-64543119935e" providerId="AD" clId="Web-{2AD4187B-B36B-CC54-8E8E-06A9556FE921}" dt="2023-01-13T01:25:10.520" v="54"/>
-          <ac:spMkLst>
-            <pc:docMk/>
-            <pc:sldMk cId="4134066138" sldId="285"/>
-            <ac:spMk id="251" creationId="{00000000-0000-0000-0000-000000000000}"/>
-          </ac:spMkLst>
-        </pc:spChg>
-      </pc:sldChg>
-      <pc:sldChg chg="modSp">
-        <pc:chgData name="John Patrick Johnson" userId="S::jpj8711@ads.northwestern.edu::fe18dc51-e5c5-41f0-a67f-64543119935e" providerId="AD" clId="Web-{2AD4187B-B36B-CC54-8E8E-06A9556FE921}" dt="2023-01-13T01:25:10.520" v="54"/>
-        <pc:sldMkLst>
-          <pc:docMk/>
-          <pc:sldMk cId="3056279571" sldId="286"/>
-        </pc:sldMkLst>
-        <pc:spChg chg="mod">
-          <ac:chgData name="John Patrick Johnson" userId="S::jpj8711@ads.northwestern.edu::fe18dc51-e5c5-41f0-a67f-64543119935e" providerId="AD" clId="Web-{2AD4187B-B36B-CC54-8E8E-06A9556FE921}" dt="2023-01-13T01:25:10.520" v="54"/>
-          <ac:spMkLst>
-            <pc:docMk/>
-            <pc:sldMk cId="3056279571" sldId="286"/>
-            <ac:spMk id="4" creationId="{5D6F9351-75F6-C7A1-4564-32139E3FB6F5}"/>
-          </ac:spMkLst>
-        </pc:spChg>
-      </pc:sldChg>
-      <pc:sldChg chg="modSp delCm">
-        <pc:chgData name="John Patrick Johnson" userId="S::jpj8711@ads.northwestern.edu::fe18dc51-e5c5-41f0-a67f-64543119935e" providerId="AD" clId="Web-{2AD4187B-B36B-CC54-8E8E-06A9556FE921}" dt="2023-01-13T01:25:10.520" v="54"/>
-        <pc:sldMkLst>
-          <pc:docMk/>
-          <pc:sldMk cId="60139911" sldId="287"/>
-        </pc:sldMkLst>
-        <pc:spChg chg="mod">
-          <ac:chgData name="John Patrick Johnson" userId="S::jpj8711@ads.northwestern.edu::fe18dc51-e5c5-41f0-a67f-64543119935e" providerId="AD" clId="Web-{2AD4187B-B36B-CC54-8E8E-06A9556FE921}" dt="2023-01-13T01:25:10.520" v="54"/>
-          <ac:spMkLst>
-            <pc:docMk/>
-            <pc:sldMk cId="60139911" sldId="287"/>
-            <ac:spMk id="4" creationId="{F6ADA871-9FF6-D0AE-77F4-9966318D598E}"/>
-          </ac:spMkLst>
-        </pc:spChg>
-        <pc:extLst>
-          <p:ext xmlns:p="http://schemas.openxmlformats.org/presentationml/2006/main" uri="{D6D511B9-2390-475A-947B-AFAB55BFBCF1}">
-            <pc226:cmChg xmlns:pc226="http://schemas.microsoft.com/office/powerpoint/2022/06/main/command" chg="del">
-              <pc226:chgData name="John Patrick Johnson" userId="S::jpj8711@ads.northwestern.edu::fe18dc51-e5c5-41f0-a67f-64543119935e" providerId="AD" clId="Web-{2AD4187B-B36B-CC54-8E8E-06A9556FE921}" dt="2023-01-13T01:23:57.081" v="0"/>
-              <pc2:cmMkLst xmlns:pc2="http://schemas.microsoft.com/office/powerpoint/2019/9/main/command">
-                <pc:docMk/>
-                <pc:sldMk cId="60139911" sldId="287"/>
-                <pc2:cmMk id="{C3BA05EE-CB47-4CDA-92F6-CE366E29AB18}"/>
-              </pc2:cmMkLst>
-            </pc226:cmChg>
-          </p:ext>
-        </pc:extLst>
-      </pc:sldChg>
-      <pc:sldChg chg="modSp">
-        <pc:chgData name="John Patrick Johnson" userId="S::jpj8711@ads.northwestern.edu::fe18dc51-e5c5-41f0-a67f-64543119935e" providerId="AD" clId="Web-{2AD4187B-B36B-CC54-8E8E-06A9556FE921}" dt="2023-01-13T01:25:10.520" v="54"/>
-        <pc:sldMkLst>
-          <pc:docMk/>
-          <pc:sldMk cId="930816888" sldId="288"/>
-        </pc:sldMkLst>
-        <pc:spChg chg="mod">
-          <ac:chgData name="John Patrick Johnson" userId="S::jpj8711@ads.northwestern.edu::fe18dc51-e5c5-41f0-a67f-64543119935e" providerId="AD" clId="Web-{2AD4187B-B36B-CC54-8E8E-06A9556FE921}" dt="2023-01-13T01:25:10.520" v="54"/>
-          <ac:spMkLst>
-            <pc:docMk/>
-            <pc:sldMk cId="930816888" sldId="288"/>
-            <ac:spMk id="4" creationId="{5C2B4921-0E5E-F287-7D0F-84729C9BBEB7}"/>
-          </ac:spMkLst>
-        </pc:spChg>
-      </pc:sldChg>
-      <pc:sldChg chg="modSp">
-        <pc:chgData name="John Patrick Johnson" userId="S::jpj8711@ads.northwestern.edu::fe18dc51-e5c5-41f0-a67f-64543119935e" providerId="AD" clId="Web-{2AD4187B-B36B-CC54-8E8E-06A9556FE921}" dt="2023-01-13T01:25:10.520" v="54"/>
-        <pc:sldMkLst>
-          <pc:docMk/>
-          <pc:sldMk cId="1467023248" sldId="289"/>
-        </pc:sldMkLst>
-        <pc:spChg chg="mod">
-          <ac:chgData name="John Patrick Johnson" userId="S::jpj8711@ads.northwestern.edu::fe18dc51-e5c5-41f0-a67f-64543119935e" providerId="AD" clId="Web-{2AD4187B-B36B-CC54-8E8E-06A9556FE921}" dt="2023-01-13T01:25:10.520" v="54"/>
-          <ac:spMkLst>
-            <pc:docMk/>
-            <pc:sldMk cId="1467023248" sldId="289"/>
-            <ac:spMk id="4" creationId="{07F45318-EE67-D91C-625B-0E08FF032656}"/>
-          </ac:spMkLst>
-        </pc:spChg>
-      </pc:sldChg>
-      <pc:sldChg chg="modSp">
-        <pc:chgData name="John Patrick Johnson" userId="S::jpj8711@ads.northwestern.edu::fe18dc51-e5c5-41f0-a67f-64543119935e" providerId="AD" clId="Web-{2AD4187B-B36B-CC54-8E8E-06A9556FE921}" dt="2023-01-13T01:25:10.520" v="54"/>
-        <pc:sldMkLst>
-          <pc:docMk/>
-          <pc:sldMk cId="4100909272" sldId="290"/>
-        </pc:sldMkLst>
-        <pc:spChg chg="mod">
-          <ac:chgData name="John Patrick Johnson" userId="S::jpj8711@ads.northwestern.edu::fe18dc51-e5c5-41f0-a67f-64543119935e" providerId="AD" clId="Web-{2AD4187B-B36B-CC54-8E8E-06A9556FE921}" dt="2023-01-13T01:25:10.520" v="54"/>
-          <ac:spMkLst>
-            <pc:docMk/>
-            <pc:sldMk cId="4100909272" sldId="290"/>
-            <ac:spMk id="4" creationId="{5F465DAC-C5BF-D008-EABF-AD229300C6B1}"/>
-          </ac:spMkLst>
-        </pc:spChg>
-      </pc:sldChg>
-      <pc:sldChg chg="modSp">
-        <pc:chgData name="John Patrick Johnson" userId="S::jpj8711@ads.northwestern.edu::fe18dc51-e5c5-41f0-a67f-64543119935e" providerId="AD" clId="Web-{2AD4187B-B36B-CC54-8E8E-06A9556FE921}" dt="2023-01-13T01:25:10.520" v="54"/>
-        <pc:sldMkLst>
-          <pc:docMk/>
-          <pc:sldMk cId="2952596098" sldId="291"/>
-        </pc:sldMkLst>
-        <pc:spChg chg="mod">
-          <ac:chgData name="John Patrick Johnson" userId="S::jpj8711@ads.northwestern.edu::fe18dc51-e5c5-41f0-a67f-64543119935e" providerId="AD" clId="Web-{2AD4187B-B36B-CC54-8E8E-06A9556FE921}" dt="2023-01-13T01:25:10.520" v="54"/>
-          <ac:spMkLst>
-            <pc:docMk/>
-            <pc:sldMk cId="2952596098" sldId="291"/>
-            <ac:spMk id="4" creationId="{3F064F96-337C-850E-2799-A7AF4868E300}"/>
-          </ac:spMkLst>
-        </pc:spChg>
-      </pc:sldChg>
-      <pc:sldChg chg="modSp">
-        <pc:chgData name="John Patrick Johnson" userId="S::jpj8711@ads.northwestern.edu::fe18dc51-e5c5-41f0-a67f-64543119935e" providerId="AD" clId="Web-{2AD4187B-B36B-CC54-8E8E-06A9556FE921}" dt="2023-01-13T01:25:10.520" v="54"/>
-        <pc:sldMkLst>
-          <pc:docMk/>
-          <pc:sldMk cId="922581880" sldId="292"/>
-        </pc:sldMkLst>
-        <pc:spChg chg="mod">
-          <ac:chgData name="John Patrick Johnson" userId="S::jpj8711@ads.northwestern.edu::fe18dc51-e5c5-41f0-a67f-64543119935e" providerId="AD" clId="Web-{2AD4187B-B36B-CC54-8E8E-06A9556FE921}" dt="2023-01-13T01:25:10.520" v="54"/>
-          <ac:spMkLst>
-            <pc:docMk/>
-            <pc:sldMk cId="922581880" sldId="292"/>
-            <ac:spMk id="4" creationId="{30CA4C43-651B-F858-14DE-C991D49B3CAE}"/>
-          </ac:spMkLst>
-        </pc:spChg>
-      </pc:sldChg>
-      <pc:sldChg chg="modSp">
-        <pc:chgData name="John Patrick Johnson" userId="S::jpj8711@ads.northwestern.edu::fe18dc51-e5c5-41f0-a67f-64543119935e" providerId="AD" clId="Web-{2AD4187B-B36B-CC54-8E8E-06A9556FE921}" dt="2023-01-13T01:25:10.520" v="54"/>
-        <pc:sldMkLst>
-          <pc:docMk/>
-          <pc:sldMk cId="2221694099" sldId="294"/>
-        </pc:sldMkLst>
-        <pc:spChg chg="mod">
-          <ac:chgData name="John Patrick Johnson" userId="S::jpj8711@ads.northwestern.edu::fe18dc51-e5c5-41f0-a67f-64543119935e" providerId="AD" clId="Web-{2AD4187B-B36B-CC54-8E8E-06A9556FE921}" dt="2023-01-13T01:25:10.520" v="54"/>
-          <ac:spMkLst>
-            <pc:docMk/>
-            <pc:sldMk cId="2221694099" sldId="294"/>
-            <ac:spMk id="4" creationId="{963A9A73-23EF-3180-96E1-55A434E55A4C}"/>
-          </ac:spMkLst>
-        </pc:spChg>
-      </pc:sldChg>
-      <pc:sldChg chg="modSp">
-        <pc:chgData name="John Patrick Johnson" userId="S::jpj8711@ads.northwestern.edu::fe18dc51-e5c5-41f0-a67f-64543119935e" providerId="AD" clId="Web-{2AD4187B-B36B-CC54-8E8E-06A9556FE921}" dt="2023-01-13T01:25:10.520" v="54"/>
-        <pc:sldMkLst>
-          <pc:docMk/>
-          <pc:sldMk cId="2441557156" sldId="295"/>
-        </pc:sldMkLst>
-        <pc:spChg chg="mod">
-          <ac:chgData name="John Patrick Johnson" userId="S::jpj8711@ads.northwestern.edu::fe18dc51-e5c5-41f0-a67f-64543119935e" providerId="AD" clId="Web-{2AD4187B-B36B-CC54-8E8E-06A9556FE921}" dt="2023-01-13T01:25:10.520" v="54"/>
-          <ac:spMkLst>
-            <pc:docMk/>
-            <pc:sldMk cId="2441557156" sldId="295"/>
-            <ac:spMk id="4" creationId="{004BFB73-AA11-C7C3-5F4E-2E58A5D60EE0}"/>
-          </ac:spMkLst>
-        </pc:spChg>
-      </pc:sldChg>
-      <pc:sldChg chg="modSp addAnim delAnim modAnim">
-        <pc:chgData name="John Patrick Johnson" userId="S::jpj8711@ads.northwestern.edu::fe18dc51-e5c5-41f0-a67f-64543119935e" providerId="AD" clId="Web-{2AD4187B-B36B-CC54-8E8E-06A9556FE921}" dt="2023-01-13T01:30:04.856" v="255"/>
-        <pc:sldMkLst>
-          <pc:docMk/>
-          <pc:sldMk cId="3050248158" sldId="296"/>
-        </pc:sldMkLst>
-        <pc:spChg chg="mod">
-          <ac:chgData name="John Patrick Johnson" userId="S::jpj8711@ads.northwestern.edu::fe18dc51-e5c5-41f0-a67f-64543119935e" providerId="AD" clId="Web-{2AD4187B-B36B-CC54-8E8E-06A9556FE921}" dt="2023-01-13T01:25:10.520" v="54"/>
-          <ac:spMkLst>
-            <pc:docMk/>
-            <pc:sldMk cId="3050248158" sldId="296"/>
-            <ac:spMk id="177" creationId="{00000000-0000-0000-0000-000000000000}"/>
-          </ac:spMkLst>
-        </pc:spChg>
-      </pc:sldChg>
-      <pc:sldChg chg="modSp">
-        <pc:chgData name="John Patrick Johnson" userId="S::jpj8711@ads.northwestern.edu::fe18dc51-e5c5-41f0-a67f-64543119935e" providerId="AD" clId="Web-{2AD4187B-B36B-CC54-8E8E-06A9556FE921}" dt="2023-01-13T01:25:10.520" v="54"/>
-        <pc:sldMkLst>
-          <pc:docMk/>
-          <pc:sldMk cId="2695303178" sldId="297"/>
-        </pc:sldMkLst>
-        <pc:spChg chg="mod">
-          <ac:chgData name="John Patrick Johnson" userId="S::jpj8711@ads.northwestern.edu::fe18dc51-e5c5-41f0-a67f-64543119935e" providerId="AD" clId="Web-{2AD4187B-B36B-CC54-8E8E-06A9556FE921}" dt="2023-01-13T01:25:10.520" v="54"/>
-          <ac:spMkLst>
-            <pc:docMk/>
-            <pc:sldMk cId="2695303178" sldId="297"/>
-            <ac:spMk id="4" creationId="{5D6F9351-75F6-C7A1-4564-32139E3FB6F5}"/>
-          </ac:spMkLst>
-        </pc:spChg>
-      </pc:sldChg>
-      <pc:sldChg chg="modSp">
-        <pc:chgData name="John Patrick Johnson" userId="S::jpj8711@ads.northwestern.edu::fe18dc51-e5c5-41f0-a67f-64543119935e" providerId="AD" clId="Web-{2AD4187B-B36B-CC54-8E8E-06A9556FE921}" dt="2023-01-13T01:25:10.520" v="54"/>
-        <pc:sldMkLst>
-          <pc:docMk/>
-          <pc:sldMk cId="692865833" sldId="298"/>
-        </pc:sldMkLst>
-        <pc:spChg chg="mod">
-          <ac:chgData name="John Patrick Johnson" userId="S::jpj8711@ads.northwestern.edu::fe18dc51-e5c5-41f0-a67f-64543119935e" providerId="AD" clId="Web-{2AD4187B-B36B-CC54-8E8E-06A9556FE921}" dt="2023-01-13T01:25:10.520" v="54"/>
-          <ac:spMkLst>
-            <pc:docMk/>
-            <pc:sldMk cId="692865833" sldId="298"/>
-            <ac:spMk id="4" creationId="{5D6F9351-75F6-C7A1-4564-32139E3FB6F5}"/>
-          </ac:spMkLst>
-        </pc:spChg>
-      </pc:sldChg>
-      <pc:sldChg chg="modSp">
-        <pc:chgData name="John Patrick Johnson" userId="S::jpj8711@ads.northwestern.edu::fe18dc51-e5c5-41f0-a67f-64543119935e" providerId="AD" clId="Web-{2AD4187B-B36B-CC54-8E8E-06A9556FE921}" dt="2023-01-13T01:25:10.520" v="54"/>
-        <pc:sldMkLst>
-          <pc:docMk/>
-          <pc:sldMk cId="1158116147" sldId="299"/>
-        </pc:sldMkLst>
-        <pc:spChg chg="mod">
-          <ac:chgData name="John Patrick Johnson" userId="S::jpj8711@ads.northwestern.edu::fe18dc51-e5c5-41f0-a67f-64543119935e" providerId="AD" clId="Web-{2AD4187B-B36B-CC54-8E8E-06A9556FE921}" dt="2023-01-13T01:25:10.520" v="54"/>
-          <ac:spMkLst>
-            <pc:docMk/>
-            <pc:sldMk cId="1158116147" sldId="299"/>
-            <ac:spMk id="4" creationId="{D605702D-A96F-C77A-05B4-C621E5E52957}"/>
-          </ac:spMkLst>
-        </pc:spChg>
-      </pc:sldChg>
-      <pc:sldChg chg="modSp">
-        <pc:chgData name="John Patrick Johnson" userId="S::jpj8711@ads.northwestern.edu::fe18dc51-e5c5-41f0-a67f-64543119935e" providerId="AD" clId="Web-{2AD4187B-B36B-CC54-8E8E-06A9556FE921}" dt="2023-01-13T01:25:10.520" v="54"/>
-        <pc:sldMkLst>
-          <pc:docMk/>
-          <pc:sldMk cId="824764711" sldId="300"/>
-        </pc:sldMkLst>
-        <pc:spChg chg="mod">
-          <ac:chgData name="John Patrick Johnson" userId="S::jpj8711@ads.northwestern.edu::fe18dc51-e5c5-41f0-a67f-64543119935e" providerId="AD" clId="Web-{2AD4187B-B36B-CC54-8E8E-06A9556FE921}" dt="2023-01-13T01:25:10.520" v="54"/>
-          <ac:spMkLst>
-            <pc:docMk/>
-            <pc:sldMk cId="824764711" sldId="300"/>
-            <ac:spMk id="4" creationId="{07F45318-EE67-D91C-625B-0E08FF032656}"/>
-          </ac:spMkLst>
-        </pc:spChg>
-      </pc:sldChg>
-      <pc:sldChg chg="addSp delSp modSp addAnim delAnim modAnim">
-        <pc:chgData name="John Patrick Johnson" userId="S::jpj8711@ads.northwestern.edu::fe18dc51-e5c5-41f0-a67f-64543119935e" providerId="AD" clId="Web-{2AD4187B-B36B-CC54-8E8E-06A9556FE921}" dt="2023-01-13T01:45:31.624" v="948"/>
-        <pc:sldMkLst>
-          <pc:docMk/>
-          <pc:sldMk cId="3384434737" sldId="302"/>
-        </pc:sldMkLst>
-        <pc:spChg chg="topLvl">
-          <ac:chgData name="John Patrick Johnson" userId="S::jpj8711@ads.northwestern.edu::fe18dc51-e5c5-41f0-a67f-64543119935e" providerId="AD" clId="Web-{2AD4187B-B36B-CC54-8E8E-06A9556FE921}" dt="2023-01-13T01:44:56.326" v="944"/>
-          <ac:spMkLst>
-            <pc:docMk/>
-            <pc:sldMk cId="3384434737" sldId="302"/>
-            <ac:spMk id="4" creationId="{063D29AA-7E41-CBE7-D357-097401F95E44}"/>
-          </ac:spMkLst>
-        </pc:spChg>
-        <pc:spChg chg="topLvl">
-          <ac:chgData name="John Patrick Johnson" userId="S::jpj8711@ads.northwestern.edu::fe18dc51-e5c5-41f0-a67f-64543119935e" providerId="AD" clId="Web-{2AD4187B-B36B-CC54-8E8E-06A9556FE921}" dt="2023-01-13T01:44:56.326" v="944"/>
-          <ac:spMkLst>
-            <pc:docMk/>
-            <pc:sldMk cId="3384434737" sldId="302"/>
-            <ac:spMk id="5" creationId="{49E0A197-D99C-2713-25F8-AB174B8DD817}"/>
-          </ac:spMkLst>
-        </pc:spChg>
-        <pc:spChg chg="topLvl">
-          <ac:chgData name="John Patrick Johnson" userId="S::jpj8711@ads.northwestern.edu::fe18dc51-e5c5-41f0-a67f-64543119935e" providerId="AD" clId="Web-{2AD4187B-B36B-CC54-8E8E-06A9556FE921}" dt="2023-01-13T01:44:56.326" v="944"/>
-          <ac:spMkLst>
-            <pc:docMk/>
-            <pc:sldMk cId="3384434737" sldId="302"/>
-            <ac:spMk id="6" creationId="{130E8B59-1BDD-65F6-A73D-482EF1600BBD}"/>
-          </ac:spMkLst>
-        </pc:spChg>
-        <pc:spChg chg="topLvl">
-          <ac:chgData name="John Patrick Johnson" userId="S::jpj8711@ads.northwestern.edu::fe18dc51-e5c5-41f0-a67f-64543119935e" providerId="AD" clId="Web-{2AD4187B-B36B-CC54-8E8E-06A9556FE921}" dt="2023-01-13T01:44:56.326" v="944"/>
-          <ac:spMkLst>
-            <pc:docMk/>
-            <pc:sldMk cId="3384434737" sldId="302"/>
-            <ac:spMk id="7" creationId="{61B625D7-70A0-2BB4-7CBA-829AA3845CA8}"/>
-          </ac:spMkLst>
-        </pc:spChg>
-        <pc:spChg chg="topLvl">
-          <ac:chgData name="John Patrick Johnson" userId="S::jpj8711@ads.northwestern.edu::fe18dc51-e5c5-41f0-a67f-64543119935e" providerId="AD" clId="Web-{2AD4187B-B36B-CC54-8E8E-06A9556FE921}" dt="2023-01-13T01:44:56.326" v="944"/>
-          <ac:spMkLst>
-            <pc:docMk/>
-            <pc:sldMk cId="3384434737" sldId="302"/>
-            <ac:spMk id="8" creationId="{62554386-D1D2-2F72-16D6-61CA770BB98A}"/>
-          </ac:spMkLst>
-        </pc:spChg>
-        <pc:spChg chg="topLvl">
-          <ac:chgData name="John Patrick Johnson" userId="S::jpj8711@ads.northwestern.edu::fe18dc51-e5c5-41f0-a67f-64543119935e" providerId="AD" clId="Web-{2AD4187B-B36B-CC54-8E8E-06A9556FE921}" dt="2023-01-13T01:44:56.326" v="944"/>
-          <ac:spMkLst>
-            <pc:docMk/>
-            <pc:sldMk cId="3384434737" sldId="302"/>
-            <ac:spMk id="9" creationId="{5AA49424-84AB-4327-8F80-BE16279155F2}"/>
-          </ac:spMkLst>
-        </pc:spChg>
-        <pc:spChg chg="topLvl">
-          <ac:chgData name="John Patrick Johnson" userId="S::jpj8711@ads.northwestern.edu::fe18dc51-e5c5-41f0-a67f-64543119935e" providerId="AD" clId="Web-{2AD4187B-B36B-CC54-8E8E-06A9556FE921}" dt="2023-01-13T01:44:56.326" v="944"/>
-          <ac:spMkLst>
-            <pc:docMk/>
-            <pc:sldMk cId="3384434737" sldId="302"/>
-            <ac:spMk id="10" creationId="{1BF92021-EFD4-038A-70CF-985B67EFE37F}"/>
-          </ac:spMkLst>
-        </pc:spChg>
-        <pc:spChg chg="mod topLvl">
-          <ac:chgData name="John Patrick Johnson" userId="S::jpj8711@ads.northwestern.edu::fe18dc51-e5c5-41f0-a67f-64543119935e" providerId="AD" clId="Web-{2AD4187B-B36B-CC54-8E8E-06A9556FE921}" dt="2023-01-13T01:44:56.326" v="944"/>
-          <ac:spMkLst>
-            <pc:docMk/>
-            <pc:sldMk cId="3384434737" sldId="302"/>
-            <ac:spMk id="11" creationId="{AA30AA58-0EC1-C399-1D86-BC1B9E77144F}"/>
-          </ac:spMkLst>
-        </pc:spChg>
-        <pc:spChg chg="mod topLvl">
-          <ac:chgData name="John Patrick Johnson" userId="S::jpj8711@ads.northwestern.edu::fe18dc51-e5c5-41f0-a67f-64543119935e" providerId="AD" clId="Web-{2AD4187B-B36B-CC54-8E8E-06A9556FE921}" dt="2023-01-13T01:44:56.326" v="944"/>
-          <ac:spMkLst>
-            <pc:docMk/>
-            <pc:sldMk cId="3384434737" sldId="302"/>
-            <ac:spMk id="12" creationId="{C307562A-249A-2951-57C8-D74E892D69B5}"/>
-          </ac:spMkLst>
-        </pc:spChg>
-        <pc:spChg chg="add mod">
-          <ac:chgData name="John Patrick Johnson" userId="S::jpj8711@ads.northwestern.edu::fe18dc51-e5c5-41f0-a67f-64543119935e" providerId="AD" clId="Web-{2AD4187B-B36B-CC54-8E8E-06A9556FE921}" dt="2023-01-13T01:41:48.711" v="862" actId="20577"/>
-          <ac:spMkLst>
-            <pc:docMk/>
-            <pc:sldMk cId="3384434737" sldId="302"/>
-            <ac:spMk id="16" creationId="{F2A1CAF7-0F28-A78A-4D2F-AA2ACA7D3DD5}"/>
-          </ac:spMkLst>
-        </pc:spChg>
-        <pc:spChg chg="add mod">
-          <ac:chgData name="John Patrick Johnson" userId="S::jpj8711@ads.northwestern.edu::fe18dc51-e5c5-41f0-a67f-64543119935e" providerId="AD" clId="Web-{2AD4187B-B36B-CC54-8E8E-06A9556FE921}" dt="2023-01-13T01:42:15.524" v="884" actId="20577"/>
-          <ac:spMkLst>
-            <pc:docMk/>
-            <pc:sldMk cId="3384434737" sldId="302"/>
-            <ac:spMk id="17" creationId="{A2E12A2B-F910-4CE2-867E-04380E1AFFCA}"/>
-          </ac:spMkLst>
-        </pc:spChg>
-        <pc:spChg chg="add mod">
-          <ac:chgData name="John Patrick Johnson" userId="S::jpj8711@ads.northwestern.edu::fe18dc51-e5c5-41f0-a67f-64543119935e" providerId="AD" clId="Web-{2AD4187B-B36B-CC54-8E8E-06A9556FE921}" dt="2023-01-13T01:43:44.058" v="935" actId="20577"/>
-          <ac:spMkLst>
-            <pc:docMk/>
-            <pc:sldMk cId="3384434737" sldId="302"/>
-            <ac:spMk id="19" creationId="{AFC4EAA9-A814-8BEC-B2A3-9F467730923C}"/>
-          </ac:spMkLst>
-        </pc:spChg>
-        <pc:spChg chg="mod">
-          <ac:chgData name="John Patrick Johnson" userId="S::jpj8711@ads.northwestern.edu::fe18dc51-e5c5-41f0-a67f-64543119935e" providerId="AD" clId="Web-{2AD4187B-B36B-CC54-8E8E-06A9556FE921}" dt="2023-01-13T01:25:10.520" v="54"/>
-          <ac:spMkLst>
-            <pc:docMk/>
-            <pc:sldMk cId="3384434737" sldId="302"/>
-            <ac:spMk id="251" creationId="{00000000-0000-0000-0000-000000000000}"/>
-          </ac:spMkLst>
-        </pc:spChg>
-        <pc:grpChg chg="del">
-          <ac:chgData name="John Patrick Johnson" userId="S::jpj8711@ads.northwestern.edu::fe18dc51-e5c5-41f0-a67f-64543119935e" providerId="AD" clId="Web-{2AD4187B-B36B-CC54-8E8E-06A9556FE921}" dt="2023-01-13T01:44:56.326" v="944"/>
-          <ac:grpSpMkLst>
-            <pc:docMk/>
-            <pc:sldMk cId="3384434737" sldId="302"/>
-            <ac:grpSpMk id="13" creationId="{B917F229-C5E5-25E8-EEF4-7C1CC6BA19C5}"/>
-          </ac:grpSpMkLst>
-        </pc:grpChg>
-        <pc:grpChg chg="add">
-          <ac:chgData name="John Patrick Johnson" userId="S::jpj8711@ads.northwestern.edu::fe18dc51-e5c5-41f0-a67f-64543119935e" providerId="AD" clId="Web-{2AD4187B-B36B-CC54-8E8E-06A9556FE921}" dt="2023-01-13T01:45:06.607" v="945"/>
-          <ac:grpSpMkLst>
-            <pc:docMk/>
-            <pc:sldMk cId="3384434737" sldId="302"/>
-            <ac:grpSpMk id="20" creationId="{EB79C710-2C97-A327-3641-8BB49E87E742}"/>
-          </ac:grpSpMkLst>
-        </pc:grpChg>
-      </pc:sldChg>
-      <pc:sldChg chg="modSp">
-        <pc:chgData name="John Patrick Johnson" userId="S::jpj8711@ads.northwestern.edu::fe18dc51-e5c5-41f0-a67f-64543119935e" providerId="AD" clId="Web-{2AD4187B-B36B-CC54-8E8E-06A9556FE921}" dt="2023-01-13T01:25:10.520" v="54"/>
-        <pc:sldMkLst>
-          <pc:docMk/>
-          <pc:sldMk cId="231020705" sldId="305"/>
-        </pc:sldMkLst>
-        <pc:spChg chg="mod">
-          <ac:chgData name="John Patrick Johnson" userId="S::jpj8711@ads.northwestern.edu::fe18dc51-e5c5-41f0-a67f-64543119935e" providerId="AD" clId="Web-{2AD4187B-B36B-CC54-8E8E-06A9556FE921}" dt="2023-01-13T01:25:10.520" v="54"/>
-          <ac:spMkLst>
-            <pc:docMk/>
-            <pc:sldMk cId="231020705" sldId="305"/>
-            <ac:spMk id="4" creationId="{35765062-40B2-9162-39B5-2FC732612C8C}"/>
-          </ac:spMkLst>
-        </pc:spChg>
-      </pc:sldChg>
-      <pc:sldChg chg="modSp">
-        <pc:chgData name="John Patrick Johnson" userId="S::jpj8711@ads.northwestern.edu::fe18dc51-e5c5-41f0-a67f-64543119935e" providerId="AD" clId="Web-{2AD4187B-B36B-CC54-8E8E-06A9556FE921}" dt="2023-01-13T01:25:10.520" v="54"/>
-        <pc:sldMkLst>
-          <pc:docMk/>
-          <pc:sldMk cId="3086748698" sldId="306"/>
-        </pc:sldMkLst>
-        <pc:spChg chg="mod">
-          <ac:chgData name="John Patrick Johnson" userId="S::jpj8711@ads.northwestern.edu::fe18dc51-e5c5-41f0-a67f-64543119935e" providerId="AD" clId="Web-{2AD4187B-B36B-CC54-8E8E-06A9556FE921}" dt="2023-01-13T01:25:10.520" v="54"/>
-          <ac:spMkLst>
-            <pc:docMk/>
-            <pc:sldMk cId="3086748698" sldId="306"/>
-            <ac:spMk id="4" creationId="{937A035B-7409-18A2-C66C-9B774C334D42}"/>
-          </ac:spMkLst>
-        </pc:spChg>
-      </pc:sldChg>
-      <pc:sldChg chg="modSp">
-        <pc:chgData name="John Patrick Johnson" userId="S::jpj8711@ads.northwestern.edu::fe18dc51-e5c5-41f0-a67f-64543119935e" providerId="AD" clId="Web-{2AD4187B-B36B-CC54-8E8E-06A9556FE921}" dt="2023-01-13T01:25:10.520" v="54"/>
-        <pc:sldMkLst>
-          <pc:docMk/>
-          <pc:sldMk cId="1606653251" sldId="307"/>
-        </pc:sldMkLst>
-        <pc:spChg chg="mod">
-          <ac:chgData name="John Patrick Johnson" userId="S::jpj8711@ads.northwestern.edu::fe18dc51-e5c5-41f0-a67f-64543119935e" providerId="AD" clId="Web-{2AD4187B-B36B-CC54-8E8E-06A9556FE921}" dt="2023-01-13T01:25:10.520" v="54"/>
-          <ac:spMkLst>
-            <pc:docMk/>
-            <pc:sldMk cId="1606653251" sldId="307"/>
-            <ac:spMk id="4" creationId="{089B60EC-3943-3942-0BDF-B03373528878}"/>
-          </ac:spMkLst>
-        </pc:spChg>
-      </pc:sldChg>
-      <pc:sldChg chg="modSp">
-        <pc:chgData name="John Patrick Johnson" userId="S::jpj8711@ads.northwestern.edu::fe18dc51-e5c5-41f0-a67f-64543119935e" providerId="AD" clId="Web-{2AD4187B-B36B-CC54-8E8E-06A9556FE921}" dt="2023-01-13T01:25:10.520" v="54"/>
-        <pc:sldMkLst>
-          <pc:docMk/>
-          <pc:sldMk cId="649797171" sldId="309"/>
-        </pc:sldMkLst>
-        <pc:spChg chg="mod">
-          <ac:chgData name="John Patrick Johnson" userId="S::jpj8711@ads.northwestern.edu::fe18dc51-e5c5-41f0-a67f-64543119935e" providerId="AD" clId="Web-{2AD4187B-B36B-CC54-8E8E-06A9556FE921}" dt="2023-01-13T01:25:10.520" v="54"/>
-          <ac:spMkLst>
-            <pc:docMk/>
-            <pc:sldMk cId="649797171" sldId="309"/>
-            <ac:spMk id="251" creationId="{00000000-0000-0000-0000-000000000000}"/>
-          </ac:spMkLst>
-        </pc:spChg>
-      </pc:sldChg>
-      <pc:sldChg chg="modSp">
-        <pc:chgData name="John Patrick Johnson" userId="S::jpj8711@ads.northwestern.edu::fe18dc51-e5c5-41f0-a67f-64543119935e" providerId="AD" clId="Web-{2AD4187B-B36B-CC54-8E8E-06A9556FE921}" dt="2023-01-13T01:25:10.520" v="54"/>
-        <pc:sldMkLst>
-          <pc:docMk/>
-          <pc:sldMk cId="1622357749" sldId="310"/>
-        </pc:sldMkLst>
-        <pc:spChg chg="mod">
-          <ac:chgData name="John Patrick Johnson" userId="S::jpj8711@ads.northwestern.edu::fe18dc51-e5c5-41f0-a67f-64543119935e" providerId="AD" clId="Web-{2AD4187B-B36B-CC54-8E8E-06A9556FE921}" dt="2023-01-13T01:25:10.520" v="54"/>
-          <ac:spMkLst>
-            <pc:docMk/>
-            <pc:sldMk cId="1622357749" sldId="310"/>
-            <ac:spMk id="4" creationId="{7431F675-D480-541A-2B5D-D723156A0829}"/>
-          </ac:spMkLst>
-        </pc:spChg>
-      </pc:sldChg>
-      <pc:sldChg chg="modSp">
-        <pc:chgData name="John Patrick Johnson" userId="S::jpj8711@ads.northwestern.edu::fe18dc51-e5c5-41f0-a67f-64543119935e" providerId="AD" clId="Web-{2AD4187B-B36B-CC54-8E8E-06A9556FE921}" dt="2023-01-13T01:25:10.520" v="54"/>
-        <pc:sldMkLst>
-          <pc:docMk/>
-          <pc:sldMk cId="467008381" sldId="311"/>
-        </pc:sldMkLst>
-        <pc:spChg chg="mod">
-          <ac:chgData name="John Patrick Johnson" userId="S::jpj8711@ads.northwestern.edu::fe18dc51-e5c5-41f0-a67f-64543119935e" providerId="AD" clId="Web-{2AD4187B-B36B-CC54-8E8E-06A9556FE921}" dt="2023-01-13T01:25:10.520" v="54"/>
-          <ac:spMkLst>
-            <pc:docMk/>
-            <pc:sldMk cId="467008381" sldId="311"/>
-            <ac:spMk id="4" creationId="{963A9A73-23EF-3180-96E1-55A434E55A4C}"/>
-          </ac:spMkLst>
-        </pc:spChg>
-      </pc:sldChg>
-      <pc:sldChg chg="modSp">
-        <pc:chgData name="John Patrick Johnson" userId="S::jpj8711@ads.northwestern.edu::fe18dc51-e5c5-41f0-a67f-64543119935e" providerId="AD" clId="Web-{2AD4187B-B36B-CC54-8E8E-06A9556FE921}" dt="2023-01-13T01:25:10.520" v="54"/>
-        <pc:sldMkLst>
-          <pc:docMk/>
-          <pc:sldMk cId="2190516894" sldId="312"/>
-        </pc:sldMkLst>
-        <pc:spChg chg="mod">
-          <ac:chgData name="John Patrick Johnson" userId="S::jpj8711@ads.northwestern.edu::fe18dc51-e5c5-41f0-a67f-64543119935e" providerId="AD" clId="Web-{2AD4187B-B36B-CC54-8E8E-06A9556FE921}" dt="2023-01-13T01:25:10.520" v="54"/>
-          <ac:spMkLst>
-            <pc:docMk/>
-            <pc:sldMk cId="2190516894" sldId="312"/>
-            <ac:spMk id="4" creationId="{958612A7-3215-9271-BAA1-978121C1DE1E}"/>
-          </ac:spMkLst>
-        </pc:spChg>
-      </pc:sldChg>
-      <pc:sldChg chg="modSp">
-        <pc:chgData name="John Patrick Johnson" userId="S::jpj8711@ads.northwestern.edu::fe18dc51-e5c5-41f0-a67f-64543119935e" providerId="AD" clId="Web-{2AD4187B-B36B-CC54-8E8E-06A9556FE921}" dt="2023-01-13T01:25:10.520" v="54"/>
-        <pc:sldMkLst>
-          <pc:docMk/>
-          <pc:sldMk cId="217017396" sldId="313"/>
-        </pc:sldMkLst>
-        <pc:spChg chg="mod">
-          <ac:chgData name="John Patrick Johnson" userId="S::jpj8711@ads.northwestern.edu::fe18dc51-e5c5-41f0-a67f-64543119935e" providerId="AD" clId="Web-{2AD4187B-B36B-CC54-8E8E-06A9556FE921}" dt="2023-01-13T01:25:10.520" v="54"/>
-          <ac:spMkLst>
-            <pc:docMk/>
-            <pc:sldMk cId="217017396" sldId="313"/>
-            <ac:spMk id="4" creationId="{B61ECC17-BD18-E4A6-F51E-854F648A7210}"/>
-          </ac:spMkLst>
-        </pc:spChg>
-      </pc:sldChg>
-      <pc:sldChg chg="modSp">
-        <pc:chgData name="John Patrick Johnson" userId="S::jpj8711@ads.northwestern.edu::fe18dc51-e5c5-41f0-a67f-64543119935e" providerId="AD" clId="Web-{2AD4187B-B36B-CC54-8E8E-06A9556FE921}" dt="2023-01-13T01:25:10.520" v="54"/>
-        <pc:sldMkLst>
-          <pc:docMk/>
-          <pc:sldMk cId="3246919771" sldId="314"/>
-        </pc:sldMkLst>
-        <pc:spChg chg="mod">
-          <ac:chgData name="John Patrick Johnson" userId="S::jpj8711@ads.northwestern.edu::fe18dc51-e5c5-41f0-a67f-64543119935e" providerId="AD" clId="Web-{2AD4187B-B36B-CC54-8E8E-06A9556FE921}" dt="2023-01-13T01:25:10.520" v="54"/>
-          <ac:spMkLst>
-            <pc:docMk/>
-            <pc:sldMk cId="3246919771" sldId="314"/>
-            <ac:spMk id="4" creationId="{75058F8E-6094-693C-6255-2BA7B895283D}"/>
-          </ac:spMkLst>
-        </pc:spChg>
-      </pc:sldChg>
-      <pc:sldChg chg="modSp">
-        <pc:chgData name="John Patrick Johnson" userId="S::jpj8711@ads.northwestern.edu::fe18dc51-e5c5-41f0-a67f-64543119935e" providerId="AD" clId="Web-{2AD4187B-B36B-CC54-8E8E-06A9556FE921}" dt="2023-01-13T01:25:10.520" v="54"/>
-        <pc:sldMkLst>
-          <pc:docMk/>
-          <pc:sldMk cId="1781169159" sldId="315"/>
-        </pc:sldMkLst>
-        <pc:spChg chg="mod">
-          <ac:chgData name="John Patrick Johnson" userId="S::jpj8711@ads.northwestern.edu::fe18dc51-e5c5-41f0-a67f-64543119935e" providerId="AD" clId="Web-{2AD4187B-B36B-CC54-8E8E-06A9556FE921}" dt="2023-01-13T01:25:10.520" v="54"/>
-          <ac:spMkLst>
-            <pc:docMk/>
-            <pc:sldMk cId="1781169159" sldId="315"/>
-            <ac:spMk id="4" creationId="{96B97F33-28BA-8CC7-E7BE-3A88D987B632}"/>
-          </ac:spMkLst>
-        </pc:spChg>
-      </pc:sldChg>
-      <pc:sldChg chg="modSp">
-        <pc:chgData name="John Patrick Johnson" userId="S::jpj8711@ads.northwestern.edu::fe18dc51-e5c5-41f0-a67f-64543119935e" providerId="AD" clId="Web-{2AD4187B-B36B-CC54-8E8E-06A9556FE921}" dt="2023-01-13T01:25:10.520" v="54"/>
-        <pc:sldMkLst>
-          <pc:docMk/>
-          <pc:sldMk cId="114224506" sldId="316"/>
-        </pc:sldMkLst>
-        <pc:spChg chg="mod">
-          <ac:chgData name="John Patrick Johnson" userId="S::jpj8711@ads.northwestern.edu::fe18dc51-e5c5-41f0-a67f-64543119935e" providerId="AD" clId="Web-{2AD4187B-B36B-CC54-8E8E-06A9556FE921}" dt="2023-01-13T01:25:10.520" v="54"/>
-          <ac:spMkLst>
-            <pc:docMk/>
-            <pc:sldMk cId="114224506" sldId="316"/>
-            <ac:spMk id="4" creationId="{0F2D2942-94E7-2C51-A309-D126227CAF04}"/>
-          </ac:spMkLst>
-        </pc:spChg>
-      </pc:sldChg>
-      <pc:sldChg chg="modSp">
-        <pc:chgData name="John Patrick Johnson" userId="S::jpj8711@ads.northwestern.edu::fe18dc51-e5c5-41f0-a67f-64543119935e" providerId="AD" clId="Web-{2AD4187B-B36B-CC54-8E8E-06A9556FE921}" dt="2023-01-13T01:25:10.520" v="54"/>
-        <pc:sldMkLst>
-          <pc:docMk/>
-          <pc:sldMk cId="380680441" sldId="317"/>
-        </pc:sldMkLst>
-        <pc:spChg chg="mod">
-          <ac:chgData name="John Patrick Johnson" userId="S::jpj8711@ads.northwestern.edu::fe18dc51-e5c5-41f0-a67f-64543119935e" providerId="AD" clId="Web-{2AD4187B-B36B-CC54-8E8E-06A9556FE921}" dt="2023-01-13T01:25:10.520" v="54"/>
-          <ac:spMkLst>
-            <pc:docMk/>
-            <pc:sldMk cId="380680441" sldId="317"/>
-            <ac:spMk id="4" creationId="{65AE09F3-95EE-FF4E-3B4C-88A0C7CECC03}"/>
-          </ac:spMkLst>
-        </pc:spChg>
-      </pc:sldChg>
-      <pc:sldMasterChg chg="modSp mod modSldLayout">
-        <pc:chgData name="John Patrick Johnson" userId="S::jpj8711@ads.northwestern.edu::fe18dc51-e5c5-41f0-a67f-64543119935e" providerId="AD" clId="Web-{2AD4187B-B36B-CC54-8E8E-06A9556FE921}" dt="2023-01-13T01:25:13.973" v="55"/>
-        <pc:sldMasterMkLst>
-          <pc:docMk/>
-          <pc:sldMasterMk cId="0" sldId="2147483654"/>
-        </pc:sldMasterMkLst>
-        <pc:spChg chg="mod">
-          <ac:chgData name="John Patrick Johnson" userId="S::jpj8711@ads.northwestern.edu::fe18dc51-e5c5-41f0-a67f-64543119935e" providerId="AD" clId="Web-{2AD4187B-B36B-CC54-8E8E-06A9556FE921}" dt="2023-01-13T01:25:10.520" v="54"/>
-          <ac:spMkLst>
-            <pc:docMk/>
-            <pc:sldMasterMk cId="0" sldId="2147483654"/>
-            <ac:spMk id="13" creationId="{00000000-0000-0000-0000-000000000000}"/>
-          </ac:spMkLst>
-        </pc:spChg>
-        <pc:sldLayoutChg chg="modSp mod">
-          <pc:chgData name="John Patrick Johnson" userId="S::jpj8711@ads.northwestern.edu::fe18dc51-e5c5-41f0-a67f-64543119935e" providerId="AD" clId="Web-{2AD4187B-B36B-CC54-8E8E-06A9556FE921}" dt="2023-01-13T01:25:13.973" v="55"/>
-          <pc:sldLayoutMkLst>
-            <pc:docMk/>
-            <pc:sldMasterMk cId="0" sldId="2147483654"/>
-            <pc:sldLayoutMk cId="0" sldId="2147483648"/>
-          </pc:sldLayoutMkLst>
-          <pc:spChg chg="mod">
-            <ac:chgData name="John Patrick Johnson" userId="S::jpj8711@ads.northwestern.edu::fe18dc51-e5c5-41f0-a67f-64543119935e" providerId="AD" clId="Web-{2AD4187B-B36B-CC54-8E8E-06A9556FE921}" dt="2023-01-13T01:25:10.520" v="54"/>
-            <ac:spMkLst>
-              <pc:docMk/>
-              <pc:sldMasterMk cId="0" sldId="2147483654"/>
-              <pc:sldLayoutMk cId="0" sldId="2147483648"/>
-              <ac:spMk id="17" creationId="{00000000-0000-0000-0000-000000000000}"/>
-            </ac:spMkLst>
-          </pc:spChg>
-        </pc:sldLayoutChg>
-        <pc:sldLayoutChg chg="modSp mod">
-          <pc:chgData name="John Patrick Johnson" userId="S::jpj8711@ads.northwestern.edu::fe18dc51-e5c5-41f0-a67f-64543119935e" providerId="AD" clId="Web-{2AD4187B-B36B-CC54-8E8E-06A9556FE921}" dt="2023-01-13T01:25:13.973" v="55"/>
-          <pc:sldLayoutMkLst>
-            <pc:docMk/>
-            <pc:sldMasterMk cId="0" sldId="2147483654"/>
-            <pc:sldLayoutMk cId="0" sldId="2147483649"/>
-          </pc:sldLayoutMkLst>
-          <pc:spChg chg="mod">
-            <ac:chgData name="John Patrick Johnson" userId="S::jpj8711@ads.northwestern.edu::fe18dc51-e5c5-41f0-a67f-64543119935e" providerId="AD" clId="Web-{2AD4187B-B36B-CC54-8E8E-06A9556FE921}" dt="2023-01-13T01:25:10.520" v="54"/>
-            <ac:spMkLst>
-              <pc:docMk/>
-              <pc:sldMasterMk cId="0" sldId="2147483654"/>
-              <pc:sldLayoutMk cId="0" sldId="2147483649"/>
-              <ac:spMk id="24" creationId="{00000000-0000-0000-0000-000000000000}"/>
-            </ac:spMkLst>
-          </pc:spChg>
-        </pc:sldLayoutChg>
-        <pc:sldLayoutChg chg="modSp mod">
-          <pc:chgData name="John Patrick Johnson" userId="S::jpj8711@ads.northwestern.edu::fe18dc51-e5c5-41f0-a67f-64543119935e" providerId="AD" clId="Web-{2AD4187B-B36B-CC54-8E8E-06A9556FE921}" dt="2023-01-13T01:25:13.973" v="55"/>
-          <pc:sldLayoutMkLst>
-            <pc:docMk/>
-            <pc:sldMasterMk cId="0" sldId="2147483654"/>
-            <pc:sldLayoutMk cId="0" sldId="2147483650"/>
-          </pc:sldLayoutMkLst>
-          <pc:spChg chg="mod">
-            <ac:chgData name="John Patrick Johnson" userId="S::jpj8711@ads.northwestern.edu::fe18dc51-e5c5-41f0-a67f-64543119935e" providerId="AD" clId="Web-{2AD4187B-B36B-CC54-8E8E-06A9556FE921}" dt="2023-01-13T01:25:10.520" v="54"/>
-            <ac:spMkLst>
-              <pc:docMk/>
-              <pc:sldMasterMk cId="0" sldId="2147483654"/>
-              <pc:sldLayoutMk cId="0" sldId="2147483650"/>
-              <ac:spMk id="29" creationId="{00000000-0000-0000-0000-000000000000}"/>
-            </ac:spMkLst>
-          </pc:spChg>
-        </pc:sldLayoutChg>
-        <pc:sldLayoutChg chg="modSp mod">
-          <pc:chgData name="John Patrick Johnson" userId="S::jpj8711@ads.northwestern.edu::fe18dc51-e5c5-41f0-a67f-64543119935e" providerId="AD" clId="Web-{2AD4187B-B36B-CC54-8E8E-06A9556FE921}" dt="2023-01-13T01:25:13.973" v="55"/>
-          <pc:sldLayoutMkLst>
-            <pc:docMk/>
-            <pc:sldMasterMk cId="0" sldId="2147483654"/>
-            <pc:sldLayoutMk cId="0" sldId="2147483651"/>
-          </pc:sldLayoutMkLst>
-          <pc:spChg chg="mod">
-            <ac:chgData name="John Patrick Johnson" userId="S::jpj8711@ads.northwestern.edu::fe18dc51-e5c5-41f0-a67f-64543119935e" providerId="AD" clId="Web-{2AD4187B-B36B-CC54-8E8E-06A9556FE921}" dt="2023-01-13T01:25:10.520" v="54"/>
-            <ac:spMkLst>
-              <pc:docMk/>
-              <pc:sldMasterMk cId="0" sldId="2147483654"/>
-              <pc:sldLayoutMk cId="0" sldId="2147483651"/>
-              <ac:spMk id="35" creationId="{00000000-0000-0000-0000-000000000000}"/>
-            </ac:spMkLst>
-          </pc:spChg>
-        </pc:sldLayoutChg>
-        <pc:sldLayoutChg chg="modSp mod">
-          <pc:chgData name="John Patrick Johnson" userId="S::jpj8711@ads.northwestern.edu::fe18dc51-e5c5-41f0-a67f-64543119935e" providerId="AD" clId="Web-{2AD4187B-B36B-CC54-8E8E-06A9556FE921}" dt="2023-01-13T01:25:13.973" v="55"/>
-          <pc:sldLayoutMkLst>
-            <pc:docMk/>
-            <pc:sldMasterMk cId="0" sldId="2147483654"/>
-            <pc:sldLayoutMk cId="0" sldId="2147483652"/>
-          </pc:sldLayoutMkLst>
-          <pc:spChg chg="mod">
-            <ac:chgData name="John Patrick Johnson" userId="S::jpj8711@ads.northwestern.edu::fe18dc51-e5c5-41f0-a67f-64543119935e" providerId="AD" clId="Web-{2AD4187B-B36B-CC54-8E8E-06A9556FE921}" dt="2023-01-13T01:25:10.520" v="54"/>
-            <ac:spMkLst>
-              <pc:docMk/>
-              <pc:sldMasterMk cId="0" sldId="2147483654"/>
-              <pc:sldLayoutMk cId="0" sldId="2147483652"/>
-              <ac:spMk id="39" creationId="{00000000-0000-0000-0000-000000000000}"/>
-            </ac:spMkLst>
-          </pc:spChg>
-        </pc:sldLayoutChg>
-        <pc:sldLayoutChg chg="modSp mod">
-          <pc:chgData name="John Patrick Johnson" userId="S::jpj8711@ads.northwestern.edu::fe18dc51-e5c5-41f0-a67f-64543119935e" providerId="AD" clId="Web-{2AD4187B-B36B-CC54-8E8E-06A9556FE921}" dt="2023-01-13T01:25:13.973" v="55"/>
-          <pc:sldLayoutMkLst>
-            <pc:docMk/>
-            <pc:sldMasterMk cId="0" sldId="2147483654"/>
-            <pc:sldLayoutMk cId="0" sldId="2147483653"/>
-          </pc:sldLayoutMkLst>
-          <pc:spChg chg="mod">
-            <ac:chgData name="John Patrick Johnson" userId="S::jpj8711@ads.northwestern.edu::fe18dc51-e5c5-41f0-a67f-64543119935e" providerId="AD" clId="Web-{2AD4187B-B36B-CC54-8E8E-06A9556FE921}" dt="2023-01-13T01:25:10.520" v="54"/>
-            <ac:spMkLst>
-              <pc:docMk/>
-              <pc:sldMasterMk cId="0" sldId="2147483654"/>
-              <pc:sldLayoutMk cId="0" sldId="2147483653"/>
-              <ac:spMk id="42" creationId="{00000000-0000-0000-0000-000000000000}"/>
-            </ac:spMkLst>
-          </pc:spChg>
-        </pc:sldLayoutChg>
-      </pc:sldMasterChg>
-    </pc:docChg>
-  </pc:docChgLst>
-  <pc:docChgLst>
-    <pc:chgData name="Ginger Lee Jacobson" userId="S::glj8018@ads.northwestern.edu::3a49910d-c358-4586-b31b-05d58406f615" providerId="AD" clId="Web-{96A0F23C-EA1A-DFA0-97BA-C0DF366CBE47}"/>
-    <pc:docChg chg="modSld">
-      <pc:chgData name="Ginger Lee Jacobson" userId="S::glj8018@ads.northwestern.edu::3a49910d-c358-4586-b31b-05d58406f615" providerId="AD" clId="Web-{96A0F23C-EA1A-DFA0-97BA-C0DF366CBE47}" dt="2023-01-13T15:21:25.464" v="4" actId="20577"/>
-      <pc:docMkLst>
-        <pc:docMk/>
-      </pc:docMkLst>
-      <pc:sldChg chg="modSp">
-        <pc:chgData name="Ginger Lee Jacobson" userId="S::glj8018@ads.northwestern.edu::3a49910d-c358-4586-b31b-05d58406f615" providerId="AD" clId="Web-{96A0F23C-EA1A-DFA0-97BA-C0DF366CBE47}" dt="2023-01-13T15:21:25.464" v="4" actId="20577"/>
-        <pc:sldMkLst>
-          <pc:docMk/>
-          <pc:sldMk cId="649797171" sldId="309"/>
-        </pc:sldMkLst>
-        <pc:spChg chg="mod">
-          <ac:chgData name="Ginger Lee Jacobson" userId="S::glj8018@ads.northwestern.edu::3a49910d-c358-4586-b31b-05d58406f615" providerId="AD" clId="Web-{96A0F23C-EA1A-DFA0-97BA-C0DF366CBE47}" dt="2023-01-13T15:21:25.464" v="4" actId="20577"/>
-          <ac:spMkLst>
-            <pc:docMk/>
-            <pc:sldMk cId="649797171" sldId="309"/>
-            <ac:spMk id="4" creationId="{E01374D5-3FDC-ACF5-3153-58548A78F130}"/>
-          </ac:spMkLst>
-        </pc:spChg>
-      </pc:sldChg>
-    </pc:docChg>
-  </pc:docChgLst>
-  <pc:docChgLst>
-    <pc:chgData name="William Karl Thompson" userId="S::wkt406@ads.northwestern.edu::f4d321be-7ba8-465d-bd39-c91073d7cf0e" providerId="AD" clId="Web-{122AA8E1-518A-1D06-9F7F-E8B539A3E746}"/>
-    <pc:docChg chg="modSld">
-      <pc:chgData name="William Karl Thompson" userId="S::wkt406@ads.northwestern.edu::f4d321be-7ba8-465d-bd39-c91073d7cf0e" providerId="AD" clId="Web-{122AA8E1-518A-1D06-9F7F-E8B539A3E746}" dt="2023-08-07T14:43:58.348" v="8" actId="20577"/>
-      <pc:docMkLst>
-        <pc:docMk/>
-      </pc:docMkLst>
-      <pc:sldChg chg="modSp modNotes">
-        <pc:chgData name="William Karl Thompson" userId="S::wkt406@ads.northwestern.edu::f4d321be-7ba8-465d-bd39-c91073d7cf0e" providerId="AD" clId="Web-{122AA8E1-518A-1D06-9F7F-E8B539A3E746}" dt="2023-08-07T14:43:58.348" v="8" actId="20577"/>
-        <pc:sldMkLst>
-          <pc:docMk/>
-          <pc:sldMk cId="1335714563" sldId="320"/>
-        </pc:sldMkLst>
-        <pc:spChg chg="mod">
-          <ac:chgData name="William Karl Thompson" userId="S::wkt406@ads.northwestern.edu::f4d321be-7ba8-465d-bd39-c91073d7cf0e" providerId="AD" clId="Web-{122AA8E1-518A-1D06-9F7F-E8B539A3E746}" dt="2023-08-07T14:43:58.348" v="8" actId="20577"/>
-          <ac:spMkLst>
-            <pc:docMk/>
-            <pc:sldMk cId="1335714563" sldId="320"/>
-            <ac:spMk id="3" creationId="{7CF0DC16-F44C-1676-75DB-1343A1ECFA0A}"/>
-          </ac:spMkLst>
-        </pc:spChg>
-      </pc:sldChg>
-    </pc:docChg>
-  </pc:docChgLst>
-  <pc:docChgLst>
-    <pc:chgData name="John Patrick Johnson" userId="S::jpj8711@ads.northwestern.edu::fe18dc51-e5c5-41f0-a67f-64543119935e" providerId="AD" clId="Web-{A0BF277A-F909-51ED-3905-702FCCB698DA}"/>
-    <pc:docChg chg="addSld delSld modSld sldOrd modMainMaster">
-      <pc:chgData name="John Patrick Johnson" userId="S::jpj8711@ads.northwestern.edu::fe18dc51-e5c5-41f0-a67f-64543119935e" providerId="AD" clId="Web-{A0BF277A-F909-51ED-3905-702FCCB698DA}" dt="2023-06-06T02:35:51.079" v="296" actId="20577"/>
-      <pc:docMkLst>
-        <pc:docMk/>
-      </pc:docMkLst>
-      <pc:sldChg chg="modSp">
-        <pc:chgData name="John Patrick Johnson" userId="S::jpj8711@ads.northwestern.edu::fe18dc51-e5c5-41f0-a67f-64543119935e" providerId="AD" clId="Web-{A0BF277A-F909-51ED-3905-702FCCB698DA}" dt="2023-06-06T02:16:38.482" v="67" actId="20577"/>
-        <pc:sldMkLst>
-          <pc:docMk/>
-          <pc:sldMk cId="0" sldId="256"/>
-        </pc:sldMkLst>
-        <pc:spChg chg="mod">
-          <ac:chgData name="John Patrick Johnson" userId="S::jpj8711@ads.northwestern.edu::fe18dc51-e5c5-41f0-a67f-64543119935e" providerId="AD" clId="Web-{A0BF277A-F909-51ED-3905-702FCCB698DA}" dt="2023-06-06T02:16:30.779" v="59"/>
-          <ac:spMkLst>
-            <pc:docMk/>
-            <pc:sldMk cId="0" sldId="256"/>
-            <ac:spMk id="2" creationId="{289CA4ED-6DAD-386B-A788-B7C6CAF7438D}"/>
-          </ac:spMkLst>
-        </pc:spChg>
-        <pc:spChg chg="mod">
-          <ac:chgData name="John Patrick Johnson" userId="S::jpj8711@ads.northwestern.edu::fe18dc51-e5c5-41f0-a67f-64543119935e" providerId="AD" clId="Web-{A0BF277A-F909-51ED-3905-702FCCB698DA}" dt="2023-06-06T02:16:38.482" v="67" actId="20577"/>
-          <ac:spMkLst>
-            <pc:docMk/>
-            <pc:sldMk cId="0" sldId="256"/>
-            <ac:spMk id="49" creationId="{00000000-0000-0000-0000-000000000000}"/>
-          </ac:spMkLst>
-        </pc:spChg>
-        <pc:spChg chg="mod">
-          <ac:chgData name="John Patrick Johnson" userId="S::jpj8711@ads.northwestern.edu::fe18dc51-e5c5-41f0-a67f-64543119935e" providerId="AD" clId="Web-{A0BF277A-F909-51ED-3905-702FCCB698DA}" dt="2023-06-06T02:15:38.293" v="14" actId="20577"/>
-          <ac:spMkLst>
-            <pc:docMk/>
-            <pc:sldMk cId="0" sldId="256"/>
-            <ac:spMk id="50" creationId="{00000000-0000-0000-0000-000000000000}"/>
-          </ac:spMkLst>
-        </pc:spChg>
-      </pc:sldChg>
-      <pc:sldChg chg="delSp modSp">
-        <pc:chgData name="John Patrick Johnson" userId="S::jpj8711@ads.northwestern.edu::fe18dc51-e5c5-41f0-a67f-64543119935e" providerId="AD" clId="Web-{A0BF277A-F909-51ED-3905-702FCCB698DA}" dt="2023-06-06T02:16:33.639" v="60"/>
-        <pc:sldMkLst>
-          <pc:docMk/>
-          <pc:sldMk cId="0" sldId="259"/>
-        </pc:sldMkLst>
-        <pc:spChg chg="del">
-          <ac:chgData name="John Patrick Johnson" userId="S::jpj8711@ads.northwestern.edu::fe18dc51-e5c5-41f0-a67f-64543119935e" providerId="AD" clId="Web-{A0BF277A-F909-51ED-3905-702FCCB698DA}" dt="2023-06-06T02:16:33.639" v="60"/>
-          <ac:spMkLst>
-            <pc:docMk/>
-            <pc:sldMk cId="0" sldId="259"/>
-            <ac:spMk id="2" creationId="{00000000-0000-0000-0000-000000000000}"/>
-          </ac:spMkLst>
-        </pc:spChg>
-        <pc:spChg chg="mod">
-          <ac:chgData name="John Patrick Johnson" userId="S::jpj8711@ads.northwestern.edu::fe18dc51-e5c5-41f0-a67f-64543119935e" providerId="AD" clId="Web-{A0BF277A-F909-51ED-3905-702FCCB698DA}" dt="2023-06-06T02:16:33.639" v="60"/>
-          <ac:spMkLst>
-            <pc:docMk/>
-            <pc:sldMk cId="0" sldId="259"/>
-            <ac:spMk id="75" creationId="{00000000-0000-0000-0000-000000000000}"/>
-          </ac:spMkLst>
-        </pc:spChg>
-      </pc:sldChg>
-      <pc:sldChg chg="delSp modSp">
-        <pc:chgData name="John Patrick Johnson" userId="S::jpj8711@ads.northwestern.edu::fe18dc51-e5c5-41f0-a67f-64543119935e" providerId="AD" clId="Web-{A0BF277A-F909-51ED-3905-702FCCB698DA}" dt="2023-06-06T02:16:33.639" v="60"/>
-        <pc:sldMkLst>
-          <pc:docMk/>
-          <pc:sldMk cId="0" sldId="261"/>
-        </pc:sldMkLst>
-        <pc:spChg chg="del">
-          <ac:chgData name="John Patrick Johnson" userId="S::jpj8711@ads.northwestern.edu::fe18dc51-e5c5-41f0-a67f-64543119935e" providerId="AD" clId="Web-{A0BF277A-F909-51ED-3905-702FCCB698DA}" dt="2023-06-06T02:16:33.639" v="60"/>
-          <ac:spMkLst>
-            <pc:docMk/>
-            <pc:sldMk cId="0" sldId="261"/>
-            <ac:spMk id="2" creationId="{00000000-0000-0000-0000-000000000000}"/>
-          </ac:spMkLst>
-        </pc:spChg>
-        <pc:spChg chg="mod">
-          <ac:chgData name="John Patrick Johnson" userId="S::jpj8711@ads.northwestern.edu::fe18dc51-e5c5-41f0-a67f-64543119935e" providerId="AD" clId="Web-{A0BF277A-F909-51ED-3905-702FCCB698DA}" dt="2023-06-06T02:16:33.639" v="60"/>
-          <ac:spMkLst>
-            <pc:docMk/>
-            <pc:sldMk cId="0" sldId="261"/>
-            <ac:spMk id="95" creationId="{00000000-0000-0000-0000-000000000000}"/>
-          </ac:spMkLst>
-        </pc:spChg>
-      </pc:sldChg>
-      <pc:sldChg chg="delSp modSp">
-        <pc:chgData name="John Patrick Johnson" userId="S::jpj8711@ads.northwestern.edu::fe18dc51-e5c5-41f0-a67f-64543119935e" providerId="AD" clId="Web-{A0BF277A-F909-51ED-3905-702FCCB698DA}" dt="2023-06-06T02:16:33.639" v="60"/>
-        <pc:sldMkLst>
-          <pc:docMk/>
-          <pc:sldMk cId="0" sldId="262"/>
-        </pc:sldMkLst>
-        <pc:spChg chg="del">
-          <ac:chgData name="John Patrick Johnson" userId="S::jpj8711@ads.northwestern.edu::fe18dc51-e5c5-41f0-a67f-64543119935e" providerId="AD" clId="Web-{A0BF277A-F909-51ED-3905-702FCCB698DA}" dt="2023-06-06T02:16:33.639" v="60"/>
-          <ac:spMkLst>
-            <pc:docMk/>
-            <pc:sldMk cId="0" sldId="262"/>
-            <ac:spMk id="2" creationId="{00000000-0000-0000-0000-000000000000}"/>
-          </ac:spMkLst>
-        </pc:spChg>
-        <pc:spChg chg="mod">
-          <ac:chgData name="John Patrick Johnson" userId="S::jpj8711@ads.northwestern.edu::fe18dc51-e5c5-41f0-a67f-64543119935e" providerId="AD" clId="Web-{A0BF277A-F909-51ED-3905-702FCCB698DA}" dt="2023-06-06T02:16:33.639" v="60"/>
-          <ac:spMkLst>
-            <pc:docMk/>
-            <pc:sldMk cId="0" sldId="262"/>
-            <ac:spMk id="104" creationId="{00000000-0000-0000-0000-000000000000}"/>
-          </ac:spMkLst>
-        </pc:spChg>
-      </pc:sldChg>
-      <pc:sldChg chg="delSp modSp">
-        <pc:chgData name="John Patrick Johnson" userId="S::jpj8711@ads.northwestern.edu::fe18dc51-e5c5-41f0-a67f-64543119935e" providerId="AD" clId="Web-{A0BF277A-F909-51ED-3905-702FCCB698DA}" dt="2023-06-06T02:16:33.639" v="60"/>
-        <pc:sldMkLst>
-          <pc:docMk/>
-          <pc:sldMk cId="0" sldId="263"/>
-        </pc:sldMkLst>
-        <pc:spChg chg="del">
-          <ac:chgData name="John Patrick Johnson" userId="S::jpj8711@ads.northwestern.edu::fe18dc51-e5c5-41f0-a67f-64543119935e" providerId="AD" clId="Web-{A0BF277A-F909-51ED-3905-702FCCB698DA}" dt="2023-06-06T02:16:33.639" v="60"/>
-          <ac:spMkLst>
-            <pc:docMk/>
-            <pc:sldMk cId="0" sldId="263"/>
-            <ac:spMk id="2" creationId="{00000000-0000-0000-0000-000000000000}"/>
-          </ac:spMkLst>
-        </pc:spChg>
-        <pc:spChg chg="mod">
-          <ac:chgData name="John Patrick Johnson" userId="S::jpj8711@ads.northwestern.edu::fe18dc51-e5c5-41f0-a67f-64543119935e" providerId="AD" clId="Web-{A0BF277A-F909-51ED-3905-702FCCB698DA}" dt="2023-06-06T02:16:33.639" v="60"/>
-          <ac:spMkLst>
-            <pc:docMk/>
-            <pc:sldMk cId="0" sldId="263"/>
-            <ac:spMk id="114" creationId="{00000000-0000-0000-0000-000000000000}"/>
-          </ac:spMkLst>
-        </pc:spChg>
-      </pc:sldChg>
-      <pc:sldChg chg="delSp modSp">
-        <pc:chgData name="John Patrick Johnson" userId="S::jpj8711@ads.northwestern.edu::fe18dc51-e5c5-41f0-a67f-64543119935e" providerId="AD" clId="Web-{A0BF277A-F909-51ED-3905-702FCCB698DA}" dt="2023-06-06T02:16:33.639" v="60"/>
-        <pc:sldMkLst>
-          <pc:docMk/>
-          <pc:sldMk cId="0" sldId="264"/>
-        </pc:sldMkLst>
-        <pc:spChg chg="del">
-          <ac:chgData name="John Patrick Johnson" userId="S::jpj8711@ads.northwestern.edu::fe18dc51-e5c5-41f0-a67f-64543119935e" providerId="AD" clId="Web-{A0BF277A-F909-51ED-3905-702FCCB698DA}" dt="2023-06-06T02:16:33.639" v="60"/>
-          <ac:spMkLst>
-            <pc:docMk/>
-            <pc:sldMk cId="0" sldId="264"/>
-            <ac:spMk id="2" creationId="{00000000-0000-0000-0000-000000000000}"/>
-          </ac:spMkLst>
-        </pc:spChg>
-        <pc:spChg chg="mod">
-          <ac:chgData name="John Patrick Johnson" userId="S::jpj8711@ads.northwestern.edu::fe18dc51-e5c5-41f0-a67f-64543119935e" providerId="AD" clId="Web-{A0BF277A-F909-51ED-3905-702FCCB698DA}" dt="2023-06-06T02:16:33.639" v="60"/>
-          <ac:spMkLst>
-            <pc:docMk/>
-            <pc:sldMk cId="0" sldId="264"/>
-            <ac:spMk id="126" creationId="{00000000-0000-0000-0000-000000000000}"/>
-          </ac:spMkLst>
-        </pc:spChg>
-      </pc:sldChg>
-      <pc:sldChg chg="delSp modSp">
-        <pc:chgData name="John Patrick Johnson" userId="S::jpj8711@ads.northwestern.edu::fe18dc51-e5c5-41f0-a67f-64543119935e" providerId="AD" clId="Web-{A0BF277A-F909-51ED-3905-702FCCB698DA}" dt="2023-06-06T02:16:33.639" v="60"/>
-        <pc:sldMkLst>
-          <pc:docMk/>
-          <pc:sldMk cId="0" sldId="266"/>
-        </pc:sldMkLst>
-        <pc:spChg chg="del">
-          <ac:chgData name="John Patrick Johnson" userId="S::jpj8711@ads.northwestern.edu::fe18dc51-e5c5-41f0-a67f-64543119935e" providerId="AD" clId="Web-{A0BF277A-F909-51ED-3905-702FCCB698DA}" dt="2023-06-06T02:16:33.639" v="60"/>
-          <ac:spMkLst>
-            <pc:docMk/>
-            <pc:sldMk cId="0" sldId="266"/>
-            <ac:spMk id="2" creationId="{00000000-0000-0000-0000-000000000000}"/>
-          </ac:spMkLst>
-        </pc:spChg>
-        <pc:spChg chg="mod">
-          <ac:chgData name="John Patrick Johnson" userId="S::jpj8711@ads.northwestern.edu::fe18dc51-e5c5-41f0-a67f-64543119935e" providerId="AD" clId="Web-{A0BF277A-F909-51ED-3905-702FCCB698DA}" dt="2023-06-06T02:16:33.639" v="60"/>
-          <ac:spMkLst>
-            <pc:docMk/>
-            <pc:sldMk cId="0" sldId="266"/>
-            <ac:spMk id="148" creationId="{00000000-0000-0000-0000-000000000000}"/>
-          </ac:spMkLst>
-        </pc:spChg>
-      </pc:sldChg>
-      <pc:sldChg chg="delSp modSp">
-        <pc:chgData name="John Patrick Johnson" userId="S::jpj8711@ads.northwestern.edu::fe18dc51-e5c5-41f0-a67f-64543119935e" providerId="AD" clId="Web-{A0BF277A-F909-51ED-3905-702FCCB698DA}" dt="2023-06-06T02:16:33.639" v="60"/>
-        <pc:sldMkLst>
-          <pc:docMk/>
-          <pc:sldMk cId="0" sldId="268"/>
-        </pc:sldMkLst>
-        <pc:spChg chg="del">
-          <ac:chgData name="John Patrick Johnson" userId="S::jpj8711@ads.northwestern.edu::fe18dc51-e5c5-41f0-a67f-64543119935e" providerId="AD" clId="Web-{A0BF277A-F909-51ED-3905-702FCCB698DA}" dt="2023-06-06T02:16:33.639" v="60"/>
-          <ac:spMkLst>
-            <pc:docMk/>
-            <pc:sldMk cId="0" sldId="268"/>
-            <ac:spMk id="2" creationId="{00000000-0000-0000-0000-000000000000}"/>
-          </ac:spMkLst>
-        </pc:spChg>
-        <pc:spChg chg="mod">
-          <ac:chgData name="John Patrick Johnson" userId="S::jpj8711@ads.northwestern.edu::fe18dc51-e5c5-41f0-a67f-64543119935e" providerId="AD" clId="Web-{A0BF277A-F909-51ED-3905-702FCCB698DA}" dt="2023-06-06T02:16:33.639" v="60"/>
-          <ac:spMkLst>
-            <pc:docMk/>
-            <pc:sldMk cId="0" sldId="268"/>
-            <ac:spMk id="167" creationId="{00000000-0000-0000-0000-000000000000}"/>
-          </ac:spMkLst>
-        </pc:spChg>
-      </pc:sldChg>
-      <pc:sldChg chg="delSp modSp">
-        <pc:chgData name="John Patrick Johnson" userId="S::jpj8711@ads.northwestern.edu::fe18dc51-e5c5-41f0-a67f-64543119935e" providerId="AD" clId="Web-{A0BF277A-F909-51ED-3905-702FCCB698DA}" dt="2023-06-06T02:16:33.639" v="60"/>
-        <pc:sldMkLst>
-          <pc:docMk/>
-          <pc:sldMk cId="0" sldId="269"/>
-        </pc:sldMkLst>
-        <pc:spChg chg="del">
-          <ac:chgData name="John Patrick Johnson" userId="S::jpj8711@ads.northwestern.edu::fe18dc51-e5c5-41f0-a67f-64543119935e" providerId="AD" clId="Web-{A0BF277A-F909-51ED-3905-702FCCB698DA}" dt="2023-06-06T02:16:33.639" v="60"/>
-          <ac:spMkLst>
-            <pc:docMk/>
-            <pc:sldMk cId="0" sldId="269"/>
-            <ac:spMk id="2" creationId="{00000000-0000-0000-0000-000000000000}"/>
-          </ac:spMkLst>
-        </pc:spChg>
-        <pc:spChg chg="mod">
-          <ac:chgData name="John Patrick Johnson" userId="S::jpj8711@ads.northwestern.edu::fe18dc51-e5c5-41f0-a67f-64543119935e" providerId="AD" clId="Web-{A0BF277A-F909-51ED-3905-702FCCB698DA}" dt="2023-06-06T02:16:33.639" v="60"/>
-          <ac:spMkLst>
-            <pc:docMk/>
-            <pc:sldMk cId="0" sldId="269"/>
-            <ac:spMk id="177" creationId="{00000000-0000-0000-0000-000000000000}"/>
-          </ac:spMkLst>
-        </pc:spChg>
-      </pc:sldChg>
-      <pc:sldChg chg="delSp modSp">
-        <pc:chgData name="John Patrick Johnson" userId="S::jpj8711@ads.northwestern.edu::fe18dc51-e5c5-41f0-a67f-64543119935e" providerId="AD" clId="Web-{A0BF277A-F909-51ED-3905-702FCCB698DA}" dt="2023-06-06T02:20:12.738" v="101" actId="20577"/>
-        <pc:sldMkLst>
-          <pc:docMk/>
-          <pc:sldMk cId="0" sldId="272"/>
-        </pc:sldMkLst>
-        <pc:spChg chg="del">
-          <ac:chgData name="John Patrick Johnson" userId="S::jpj8711@ads.northwestern.edu::fe18dc51-e5c5-41f0-a67f-64543119935e" providerId="AD" clId="Web-{A0BF277A-F909-51ED-3905-702FCCB698DA}" dt="2023-06-06T02:16:33.639" v="60"/>
-          <ac:spMkLst>
-            <pc:docMk/>
-            <pc:sldMk cId="0" sldId="272"/>
-            <ac:spMk id="2" creationId="{00000000-0000-0000-0000-000000000000}"/>
-          </ac:spMkLst>
-        </pc:spChg>
-        <pc:spChg chg="mod">
-          <ac:chgData name="John Patrick Johnson" userId="S::jpj8711@ads.northwestern.edu::fe18dc51-e5c5-41f0-a67f-64543119935e" providerId="AD" clId="Web-{A0BF277A-F909-51ED-3905-702FCCB698DA}" dt="2023-06-06T02:20:12.738" v="101" actId="20577"/>
-          <ac:spMkLst>
-            <pc:docMk/>
-            <pc:sldMk cId="0" sldId="272"/>
-            <ac:spMk id="206" creationId="{00000000-0000-0000-0000-000000000000}"/>
-          </ac:spMkLst>
-        </pc:spChg>
-        <pc:spChg chg="mod">
-          <ac:chgData name="John Patrick Johnson" userId="S::jpj8711@ads.northwestern.edu::fe18dc51-e5c5-41f0-a67f-64543119935e" providerId="AD" clId="Web-{A0BF277A-F909-51ED-3905-702FCCB698DA}" dt="2023-06-06T02:16:33.639" v="60"/>
-          <ac:spMkLst>
-            <pc:docMk/>
-            <pc:sldMk cId="0" sldId="272"/>
-            <ac:spMk id="207" creationId="{00000000-0000-0000-0000-000000000000}"/>
-          </ac:spMkLst>
-        </pc:spChg>
-      </pc:sldChg>
-      <pc:sldChg chg="delSp modSp">
-        <pc:chgData name="John Patrick Johnson" userId="S::jpj8711@ads.northwestern.edu::fe18dc51-e5c5-41f0-a67f-64543119935e" providerId="AD" clId="Web-{A0BF277A-F909-51ED-3905-702FCCB698DA}" dt="2023-06-06T02:16:33.639" v="60"/>
-        <pc:sldMkLst>
-          <pc:docMk/>
-          <pc:sldMk cId="0" sldId="274"/>
-        </pc:sldMkLst>
-        <pc:spChg chg="del">
-          <ac:chgData name="John Patrick Johnson" userId="S::jpj8711@ads.northwestern.edu::fe18dc51-e5c5-41f0-a67f-64543119935e" providerId="AD" clId="Web-{A0BF277A-F909-51ED-3905-702FCCB698DA}" dt="2023-06-06T02:16:33.639" v="60"/>
-          <ac:spMkLst>
-            <pc:docMk/>
-            <pc:sldMk cId="0" sldId="274"/>
-            <ac:spMk id="2" creationId="{00000000-0000-0000-0000-000000000000}"/>
-          </ac:spMkLst>
-        </pc:spChg>
-        <pc:spChg chg="mod">
-          <ac:chgData name="John Patrick Johnson" userId="S::jpj8711@ads.northwestern.edu::fe18dc51-e5c5-41f0-a67f-64543119935e" providerId="AD" clId="Web-{A0BF277A-F909-51ED-3905-702FCCB698DA}" dt="2023-06-06T02:16:33.639" v="60"/>
-          <ac:spMkLst>
-            <pc:docMk/>
-            <pc:sldMk cId="0" sldId="274"/>
-            <ac:spMk id="225" creationId="{00000000-0000-0000-0000-000000000000}"/>
-          </ac:spMkLst>
-        </pc:spChg>
-      </pc:sldChg>
-      <pc:sldChg chg="delSp modSp">
-        <pc:chgData name="John Patrick Johnson" userId="S::jpj8711@ads.northwestern.edu::fe18dc51-e5c5-41f0-a67f-64543119935e" providerId="AD" clId="Web-{A0BF277A-F909-51ED-3905-702FCCB698DA}" dt="2023-06-06T02:16:33.639" v="60"/>
-        <pc:sldMkLst>
-          <pc:docMk/>
-          <pc:sldMk cId="0" sldId="276"/>
-        </pc:sldMkLst>
-        <pc:spChg chg="del">
-          <ac:chgData name="John Patrick Johnson" userId="S::jpj8711@ads.northwestern.edu::fe18dc51-e5c5-41f0-a67f-64543119935e" providerId="AD" clId="Web-{A0BF277A-F909-51ED-3905-702FCCB698DA}" dt="2023-06-06T02:16:33.639" v="60"/>
-          <ac:spMkLst>
-            <pc:docMk/>
-            <pc:sldMk cId="0" sldId="276"/>
-            <ac:spMk id="2" creationId="{00000000-0000-0000-0000-000000000000}"/>
-          </ac:spMkLst>
-        </pc:spChg>
-        <pc:spChg chg="mod">
-          <ac:chgData name="John Patrick Johnson" userId="S::jpj8711@ads.northwestern.edu::fe18dc51-e5c5-41f0-a67f-64543119935e" providerId="AD" clId="Web-{A0BF277A-F909-51ED-3905-702FCCB698DA}" dt="2023-06-06T02:16:33.639" v="60"/>
-          <ac:spMkLst>
-            <pc:docMk/>
-            <pc:sldMk cId="0" sldId="276"/>
-            <ac:spMk id="251" creationId="{00000000-0000-0000-0000-000000000000}"/>
-          </ac:spMkLst>
-        </pc:spChg>
-      </pc:sldChg>
-      <pc:sldChg chg="delSp modSp">
-        <pc:chgData name="John Patrick Johnson" userId="S::jpj8711@ads.northwestern.edu::fe18dc51-e5c5-41f0-a67f-64543119935e" providerId="AD" clId="Web-{A0BF277A-F909-51ED-3905-702FCCB698DA}" dt="2023-06-06T02:19:27.096" v="100" actId="20577"/>
-        <pc:sldMkLst>
-          <pc:docMk/>
-          <pc:sldMk cId="0" sldId="280"/>
-        </pc:sldMkLst>
-        <pc:spChg chg="del">
-          <ac:chgData name="John Patrick Johnson" userId="S::jpj8711@ads.northwestern.edu::fe18dc51-e5c5-41f0-a67f-64543119935e" providerId="AD" clId="Web-{A0BF277A-F909-51ED-3905-702FCCB698DA}" dt="2023-06-06T02:16:33.639" v="60"/>
-          <ac:spMkLst>
-            <pc:docMk/>
-            <pc:sldMk cId="0" sldId="280"/>
-            <ac:spMk id="2" creationId="{00000000-0000-0000-0000-000000000000}"/>
-          </ac:spMkLst>
-        </pc:spChg>
-        <pc:spChg chg="mod">
-          <ac:chgData name="John Patrick Johnson" userId="S::jpj8711@ads.northwestern.edu::fe18dc51-e5c5-41f0-a67f-64543119935e" providerId="AD" clId="Web-{A0BF277A-F909-51ED-3905-702FCCB698DA}" dt="2023-06-06T02:19:27.096" v="100" actId="20577"/>
-          <ac:spMkLst>
-            <pc:docMk/>
-            <pc:sldMk cId="0" sldId="280"/>
-            <ac:spMk id="5" creationId="{B64D9B12-D05E-D196-1CEC-9C9E33B9CC0F}"/>
-          </ac:spMkLst>
-        </pc:spChg>
-        <pc:spChg chg="mod">
-          <ac:chgData name="John Patrick Johnson" userId="S::jpj8711@ads.northwestern.edu::fe18dc51-e5c5-41f0-a67f-64543119935e" providerId="AD" clId="Web-{A0BF277A-F909-51ED-3905-702FCCB698DA}" dt="2023-06-06T02:16:33.639" v="60"/>
-          <ac:spMkLst>
-            <pc:docMk/>
-            <pc:sldMk cId="0" sldId="280"/>
-            <ac:spMk id="288" creationId="{00000000-0000-0000-0000-000000000000}"/>
-          </ac:spMkLst>
-        </pc:spChg>
-        <pc:spChg chg="mod">
-          <ac:chgData name="John Patrick Johnson" userId="S::jpj8711@ads.northwestern.edu::fe18dc51-e5c5-41f0-a67f-64543119935e" providerId="AD" clId="Web-{A0BF277A-F909-51ED-3905-702FCCB698DA}" dt="2023-06-06T02:19:18.940" v="98" actId="20577"/>
-          <ac:spMkLst>
-            <pc:docMk/>
-            <pc:sldMk cId="0" sldId="280"/>
-            <ac:spMk id="290" creationId="{00000000-0000-0000-0000-000000000000}"/>
-          </ac:spMkLst>
-        </pc:spChg>
-      </pc:sldChg>
-      <pc:sldChg chg="delSp modSp del">
-        <pc:chgData name="John Patrick Johnson" userId="S::jpj8711@ads.northwestern.edu::fe18dc51-e5c5-41f0-a67f-64543119935e" providerId="AD" clId="Web-{A0BF277A-F909-51ED-3905-702FCCB698DA}" dt="2023-06-06T02:17:36.187" v="80"/>
-        <pc:sldMkLst>
-          <pc:docMk/>
-          <pc:sldMk cId="837207602" sldId="282"/>
-        </pc:sldMkLst>
-        <pc:spChg chg="del">
-          <ac:chgData name="John Patrick Johnson" userId="S::jpj8711@ads.northwestern.edu::fe18dc51-e5c5-41f0-a67f-64543119935e" providerId="AD" clId="Web-{A0BF277A-F909-51ED-3905-702FCCB698DA}" dt="2023-06-06T02:16:33.639" v="60"/>
-          <ac:spMkLst>
-            <pc:docMk/>
-            <pc:sldMk cId="837207602" sldId="282"/>
-            <ac:spMk id="2" creationId="{00000000-0000-0000-0000-000000000000}"/>
-          </ac:spMkLst>
-        </pc:spChg>
-        <pc:spChg chg="mod">
-          <ac:chgData name="John Patrick Johnson" userId="S::jpj8711@ads.northwestern.edu::fe18dc51-e5c5-41f0-a67f-64543119935e" providerId="AD" clId="Web-{A0BF277A-F909-51ED-3905-702FCCB698DA}" dt="2023-06-06T02:16:33.639" v="60"/>
-          <ac:spMkLst>
-            <pc:docMk/>
-            <pc:sldMk cId="837207602" sldId="282"/>
-            <ac:spMk id="251" creationId="{00000000-0000-0000-0000-000000000000}"/>
-          </ac:spMkLst>
-        </pc:spChg>
-      </pc:sldChg>
-      <pc:sldChg chg="delSp modSp">
-        <pc:chgData name="John Patrick Johnson" userId="S::jpj8711@ads.northwestern.edu::fe18dc51-e5c5-41f0-a67f-64543119935e" providerId="AD" clId="Web-{A0BF277A-F909-51ED-3905-702FCCB698DA}" dt="2023-06-06T02:16:33.639" v="60"/>
-        <pc:sldMkLst>
-          <pc:docMk/>
-          <pc:sldMk cId="679406833" sldId="284"/>
-        </pc:sldMkLst>
-        <pc:spChg chg="del">
-          <ac:chgData name="John Patrick Johnson" userId="S::jpj8711@ads.northwestern.edu::fe18dc51-e5c5-41f0-a67f-64543119935e" providerId="AD" clId="Web-{A0BF277A-F909-51ED-3905-702FCCB698DA}" dt="2023-06-06T02:16:33.639" v="60"/>
-          <ac:spMkLst>
-            <pc:docMk/>
-            <pc:sldMk cId="679406833" sldId="284"/>
-            <ac:spMk id="2" creationId="{00000000-0000-0000-0000-000000000000}"/>
-          </ac:spMkLst>
-        </pc:spChg>
-        <pc:spChg chg="mod">
-          <ac:chgData name="John Patrick Johnson" userId="S::jpj8711@ads.northwestern.edu::fe18dc51-e5c5-41f0-a67f-64543119935e" providerId="AD" clId="Web-{A0BF277A-F909-51ED-3905-702FCCB698DA}" dt="2023-06-06T02:16:33.639" v="60"/>
-          <ac:spMkLst>
-            <pc:docMk/>
-            <pc:sldMk cId="679406833" sldId="284"/>
-            <ac:spMk id="251" creationId="{00000000-0000-0000-0000-000000000000}"/>
-          </ac:spMkLst>
-        </pc:spChg>
-      </pc:sldChg>
-      <pc:sldChg chg="delSp modSp">
-        <pc:chgData name="John Patrick Johnson" userId="S::jpj8711@ads.northwestern.edu::fe18dc51-e5c5-41f0-a67f-64543119935e" providerId="AD" clId="Web-{A0BF277A-F909-51ED-3905-702FCCB698DA}" dt="2023-06-06T02:16:33.639" v="60"/>
-        <pc:sldMkLst>
-          <pc:docMk/>
-          <pc:sldMk cId="4134066138" sldId="285"/>
-        </pc:sldMkLst>
-        <pc:spChg chg="del">
-          <ac:chgData name="John Patrick Johnson" userId="S::jpj8711@ads.northwestern.edu::fe18dc51-e5c5-41f0-a67f-64543119935e" providerId="AD" clId="Web-{A0BF277A-F909-51ED-3905-702FCCB698DA}" dt="2023-06-06T02:16:33.639" v="60"/>
-          <ac:spMkLst>
-            <pc:docMk/>
-            <pc:sldMk cId="4134066138" sldId="285"/>
-            <ac:spMk id="2" creationId="{00000000-0000-0000-0000-000000000000}"/>
-          </ac:spMkLst>
-        </pc:spChg>
-        <pc:spChg chg="mod">
-          <ac:chgData name="John Patrick Johnson" userId="S::jpj8711@ads.northwestern.edu::fe18dc51-e5c5-41f0-a67f-64543119935e" providerId="AD" clId="Web-{A0BF277A-F909-51ED-3905-702FCCB698DA}" dt="2023-06-06T02:16:33.639" v="60"/>
-          <ac:spMkLst>
-            <pc:docMk/>
-            <pc:sldMk cId="4134066138" sldId="285"/>
-            <ac:spMk id="251" creationId="{00000000-0000-0000-0000-000000000000}"/>
-          </ac:spMkLst>
-        </pc:spChg>
-      </pc:sldChg>
-      <pc:sldChg chg="delSp modSp">
-        <pc:chgData name="John Patrick Johnson" userId="S::jpj8711@ads.northwestern.edu::fe18dc51-e5c5-41f0-a67f-64543119935e" providerId="AD" clId="Web-{A0BF277A-F909-51ED-3905-702FCCB698DA}" dt="2023-06-06T02:16:33.639" v="60"/>
-        <pc:sldMkLst>
-          <pc:docMk/>
-          <pc:sldMk cId="3056279571" sldId="286"/>
-        </pc:sldMkLst>
-        <pc:spChg chg="mod">
-          <ac:chgData name="John Patrick Johnson" userId="S::jpj8711@ads.northwestern.edu::fe18dc51-e5c5-41f0-a67f-64543119935e" providerId="AD" clId="Web-{A0BF277A-F909-51ED-3905-702FCCB698DA}" dt="2023-06-06T02:16:33.639" v="60"/>
-          <ac:spMkLst>
-            <pc:docMk/>
-            <pc:sldMk cId="3056279571" sldId="286"/>
-            <ac:spMk id="4" creationId="{5D6F9351-75F6-C7A1-4564-32139E3FB6F5}"/>
-          </ac:spMkLst>
-        </pc:spChg>
-        <pc:spChg chg="del">
-          <ac:chgData name="John Patrick Johnson" userId="S::jpj8711@ads.northwestern.edu::fe18dc51-e5c5-41f0-a67f-64543119935e" providerId="AD" clId="Web-{A0BF277A-F909-51ED-3905-702FCCB698DA}" dt="2023-06-06T02:16:33.639" v="60"/>
-          <ac:spMkLst>
-            <pc:docMk/>
-            <pc:sldMk cId="3056279571" sldId="286"/>
-            <ac:spMk id="5" creationId="{03179B4A-32B2-F788-F0FF-E10B9B4B2D8D}"/>
-          </ac:spMkLst>
-        </pc:spChg>
-      </pc:sldChg>
-      <pc:sldChg chg="delSp modSp">
-        <pc:chgData name="John Patrick Johnson" userId="S::jpj8711@ads.northwestern.edu::fe18dc51-e5c5-41f0-a67f-64543119935e" providerId="AD" clId="Web-{A0BF277A-F909-51ED-3905-702FCCB698DA}" dt="2023-06-06T02:17:23.046" v="79" actId="20577"/>
-        <pc:sldMkLst>
-          <pc:docMk/>
-          <pc:sldMk cId="60139911" sldId="287"/>
-        </pc:sldMkLst>
-        <pc:spChg chg="mod">
-          <ac:chgData name="John Patrick Johnson" userId="S::jpj8711@ads.northwestern.edu::fe18dc51-e5c5-41f0-a67f-64543119935e" providerId="AD" clId="Web-{A0BF277A-F909-51ED-3905-702FCCB698DA}" dt="2023-06-06T02:17:23.046" v="79" actId="20577"/>
-          <ac:spMkLst>
-            <pc:docMk/>
-            <pc:sldMk cId="60139911" sldId="287"/>
-            <ac:spMk id="3" creationId="{838492E3-91C7-FA09-1EED-65C4220C1E22}"/>
-          </ac:spMkLst>
-        </pc:spChg>
-        <pc:spChg chg="mod">
-          <ac:chgData name="John Patrick Johnson" userId="S::jpj8711@ads.northwestern.edu::fe18dc51-e5c5-41f0-a67f-64543119935e" providerId="AD" clId="Web-{A0BF277A-F909-51ED-3905-702FCCB698DA}" dt="2023-06-06T02:16:33.639" v="60"/>
-          <ac:spMkLst>
-            <pc:docMk/>
-            <pc:sldMk cId="60139911" sldId="287"/>
-            <ac:spMk id="4" creationId="{F6ADA871-9FF6-D0AE-77F4-9966318D598E}"/>
-          </ac:spMkLst>
-        </pc:spChg>
-        <pc:spChg chg="del">
-          <ac:chgData name="John Patrick Johnson" userId="S::jpj8711@ads.northwestern.edu::fe18dc51-e5c5-41f0-a67f-64543119935e" providerId="AD" clId="Web-{A0BF277A-F909-51ED-3905-702FCCB698DA}" dt="2023-06-06T02:16:33.639" v="60"/>
-          <ac:spMkLst>
-            <pc:docMk/>
-            <pc:sldMk cId="60139911" sldId="287"/>
-            <ac:spMk id="5" creationId="{94B19315-8350-09A6-84CE-680712F70271}"/>
-          </ac:spMkLst>
-        </pc:spChg>
-      </pc:sldChg>
-      <pc:sldChg chg="delSp modSp del">
-        <pc:chgData name="John Patrick Johnson" userId="S::jpj8711@ads.northwestern.edu::fe18dc51-e5c5-41f0-a67f-64543119935e" providerId="AD" clId="Web-{A0BF277A-F909-51ED-3905-702FCCB698DA}" dt="2023-06-06T02:21:41.525" v="107"/>
-        <pc:sldMkLst>
-          <pc:docMk/>
-          <pc:sldMk cId="930816888" sldId="288"/>
-        </pc:sldMkLst>
-        <pc:spChg chg="mod">
-          <ac:chgData name="John Patrick Johnson" userId="S::jpj8711@ads.northwestern.edu::fe18dc51-e5c5-41f0-a67f-64543119935e" providerId="AD" clId="Web-{A0BF277A-F909-51ED-3905-702FCCB698DA}" dt="2023-06-06T02:16:33.639" v="60"/>
-          <ac:spMkLst>
-            <pc:docMk/>
-            <pc:sldMk cId="930816888" sldId="288"/>
-            <ac:spMk id="4" creationId="{5C2B4921-0E5E-F287-7D0F-84729C9BBEB7}"/>
-          </ac:spMkLst>
-        </pc:spChg>
-        <pc:spChg chg="del">
-          <ac:chgData name="John Patrick Johnson" userId="S::jpj8711@ads.northwestern.edu::fe18dc51-e5c5-41f0-a67f-64543119935e" providerId="AD" clId="Web-{A0BF277A-F909-51ED-3905-702FCCB698DA}" dt="2023-06-06T02:16:33.639" v="60"/>
-          <ac:spMkLst>
-            <pc:docMk/>
-            <pc:sldMk cId="930816888" sldId="288"/>
-            <ac:spMk id="5" creationId="{EFACB32E-5C4F-591E-2AAB-0112BEB64EE7}"/>
-          </ac:spMkLst>
-        </pc:spChg>
-      </pc:sldChg>
-      <pc:sldChg chg="delSp modSp del">
-        <pc:chgData name="John Patrick Johnson" userId="S::jpj8711@ads.northwestern.edu::fe18dc51-e5c5-41f0-a67f-64543119935e" providerId="AD" clId="Web-{A0BF277A-F909-51ED-3905-702FCCB698DA}" dt="2023-06-06T02:21:39.384" v="105"/>
-        <pc:sldMkLst>
-          <pc:docMk/>
-          <pc:sldMk cId="1467023248" sldId="289"/>
-        </pc:sldMkLst>
-        <pc:spChg chg="mod">
-          <ac:chgData name="John Patrick Johnson" userId="S::jpj8711@ads.northwestern.edu::fe18dc51-e5c5-41f0-a67f-64543119935e" providerId="AD" clId="Web-{A0BF277A-F909-51ED-3905-702FCCB698DA}" dt="2023-06-06T02:16:33.639" v="60"/>
-          <ac:spMkLst>
-            <pc:docMk/>
-            <pc:sldMk cId="1467023248" sldId="289"/>
-            <ac:spMk id="4" creationId="{07F45318-EE67-D91C-625B-0E08FF032656}"/>
-          </ac:spMkLst>
-        </pc:spChg>
-        <pc:spChg chg="del">
-          <ac:chgData name="John Patrick Johnson" userId="S::jpj8711@ads.northwestern.edu::fe18dc51-e5c5-41f0-a67f-64543119935e" providerId="AD" clId="Web-{A0BF277A-F909-51ED-3905-702FCCB698DA}" dt="2023-06-06T02:16:33.639" v="60"/>
-          <ac:spMkLst>
-            <pc:docMk/>
-            <pc:sldMk cId="1467023248" sldId="289"/>
-            <ac:spMk id="5" creationId="{1E1F1398-9A5D-D0C4-2B3B-AD391A2CE883}"/>
-          </ac:spMkLst>
-        </pc:spChg>
-      </pc:sldChg>
-      <pc:sldChg chg="delSp modSp del">
-        <pc:chgData name="John Patrick Johnson" userId="S::jpj8711@ads.northwestern.edu::fe18dc51-e5c5-41f0-a67f-64543119935e" providerId="AD" clId="Web-{A0BF277A-F909-51ED-3905-702FCCB698DA}" dt="2023-06-06T02:22:13.448" v="126"/>
-        <pc:sldMkLst>
-          <pc:docMk/>
-          <pc:sldMk cId="4100909272" sldId="290"/>
-        </pc:sldMkLst>
-        <pc:spChg chg="mod">
-          <ac:chgData name="John Patrick Johnson" userId="S::jpj8711@ads.northwestern.edu::fe18dc51-e5c5-41f0-a67f-64543119935e" providerId="AD" clId="Web-{A0BF277A-F909-51ED-3905-702FCCB698DA}" dt="2023-06-06T02:16:33.639" v="60"/>
-          <ac:spMkLst>
-            <pc:docMk/>
-            <pc:sldMk cId="4100909272" sldId="290"/>
-            <ac:spMk id="4" creationId="{5F465DAC-C5BF-D008-EABF-AD229300C6B1}"/>
-          </ac:spMkLst>
-        </pc:spChg>
-        <pc:spChg chg="del">
-          <ac:chgData name="John Patrick Johnson" userId="S::jpj8711@ads.northwestern.edu::fe18dc51-e5c5-41f0-a67f-64543119935e" providerId="AD" clId="Web-{A0BF277A-F909-51ED-3905-702FCCB698DA}" dt="2023-06-06T02:16:33.639" v="60"/>
-          <ac:spMkLst>
-            <pc:docMk/>
-            <pc:sldMk cId="4100909272" sldId="290"/>
-            <ac:spMk id="5" creationId="{4C04339A-4FA4-EB88-597B-3D09FC5F2BCC}"/>
-          </ac:spMkLst>
-        </pc:spChg>
-      </pc:sldChg>
-      <pc:sldChg chg="delSp modSp del">
-        <pc:chgData name="John Patrick Johnson" userId="S::jpj8711@ads.northwestern.edu::fe18dc51-e5c5-41f0-a67f-64543119935e" providerId="AD" clId="Web-{A0BF277A-F909-51ED-3905-702FCCB698DA}" dt="2023-06-06T02:21:42.416" v="108"/>
-        <pc:sldMkLst>
-          <pc:docMk/>
-          <pc:sldMk cId="2952596098" sldId="291"/>
-        </pc:sldMkLst>
-        <pc:spChg chg="mod">
-          <ac:chgData name="John Patrick Johnson" userId="S::jpj8711@ads.northwestern.edu::fe18dc51-e5c5-41f0-a67f-64543119935e" providerId="AD" clId="Web-{A0BF277A-F909-51ED-3905-702FCCB698DA}" dt="2023-06-06T02:16:33.639" v="60"/>
-          <ac:spMkLst>
-            <pc:docMk/>
-            <pc:sldMk cId="2952596098" sldId="291"/>
-            <ac:spMk id="4" creationId="{3F064F96-337C-850E-2799-A7AF4868E300}"/>
-          </ac:spMkLst>
-        </pc:spChg>
-        <pc:spChg chg="del">
-          <ac:chgData name="John Patrick Johnson" userId="S::jpj8711@ads.northwestern.edu::fe18dc51-e5c5-41f0-a67f-64543119935e" providerId="AD" clId="Web-{A0BF277A-F909-51ED-3905-702FCCB698DA}" dt="2023-06-06T02:16:33.639" v="60"/>
-          <ac:spMkLst>
-            <pc:docMk/>
-            <pc:sldMk cId="2952596098" sldId="291"/>
-            <ac:spMk id="5" creationId="{3CF83F3B-EFA5-2878-4601-2FA62540CC9A}"/>
-          </ac:spMkLst>
-        </pc:spChg>
-      </pc:sldChg>
-      <pc:sldChg chg="delSp modSp del">
-        <pc:chgData name="John Patrick Johnson" userId="S::jpj8711@ads.northwestern.edu::fe18dc51-e5c5-41f0-a67f-64543119935e" providerId="AD" clId="Web-{A0BF277A-F909-51ED-3905-702FCCB698DA}" dt="2023-06-06T02:21:43.337" v="109"/>
-        <pc:sldMkLst>
-          <pc:docMk/>
-          <pc:sldMk cId="922581880" sldId="292"/>
-        </pc:sldMkLst>
-        <pc:spChg chg="mod">
-          <ac:chgData name="John Patrick Johnson" userId="S::jpj8711@ads.northwestern.edu::fe18dc51-e5c5-41f0-a67f-64543119935e" providerId="AD" clId="Web-{A0BF277A-F909-51ED-3905-702FCCB698DA}" dt="2023-06-06T02:16:33.639" v="60"/>
-          <ac:spMkLst>
-            <pc:docMk/>
-            <pc:sldMk cId="922581880" sldId="292"/>
-            <ac:spMk id="4" creationId="{30CA4C43-651B-F858-14DE-C991D49B3CAE}"/>
-          </ac:spMkLst>
-        </pc:spChg>
-        <pc:spChg chg="del">
-          <ac:chgData name="John Patrick Johnson" userId="S::jpj8711@ads.northwestern.edu::fe18dc51-e5c5-41f0-a67f-64543119935e" providerId="AD" clId="Web-{A0BF277A-F909-51ED-3905-702FCCB698DA}" dt="2023-06-06T02:16:33.639" v="60"/>
-          <ac:spMkLst>
-            <pc:docMk/>
-            <pc:sldMk cId="922581880" sldId="292"/>
-            <ac:spMk id="5" creationId="{465CD296-2BE9-7659-C4F5-A7B6BFF3CB5B}"/>
-          </ac:spMkLst>
-        </pc:spChg>
-      </pc:sldChg>
-      <pc:sldChg chg="delSp modSp del">
-        <pc:chgData name="John Patrick Johnson" userId="S::jpj8711@ads.northwestern.edu::fe18dc51-e5c5-41f0-a67f-64543119935e" providerId="AD" clId="Web-{A0BF277A-F909-51ED-3905-702FCCB698DA}" dt="2023-06-06T02:21:54.213" v="117"/>
-        <pc:sldMkLst>
-          <pc:docMk/>
-          <pc:sldMk cId="2221694099" sldId="294"/>
-        </pc:sldMkLst>
-        <pc:spChg chg="mod">
-          <ac:chgData name="John Patrick Johnson" userId="S::jpj8711@ads.northwestern.edu::fe18dc51-e5c5-41f0-a67f-64543119935e" providerId="AD" clId="Web-{A0BF277A-F909-51ED-3905-702FCCB698DA}" dt="2023-06-06T02:16:33.639" v="60"/>
-          <ac:spMkLst>
-            <pc:docMk/>
-            <pc:sldMk cId="2221694099" sldId="294"/>
-            <ac:spMk id="4" creationId="{963A9A73-23EF-3180-96E1-55A434E55A4C}"/>
-          </ac:spMkLst>
-        </pc:spChg>
-        <pc:spChg chg="del">
-          <ac:chgData name="John Patrick Johnson" userId="S::jpj8711@ads.northwestern.edu::fe18dc51-e5c5-41f0-a67f-64543119935e" providerId="AD" clId="Web-{A0BF277A-F909-51ED-3905-702FCCB698DA}" dt="2023-06-06T02:16:33.639" v="60"/>
-          <ac:spMkLst>
-            <pc:docMk/>
-            <pc:sldMk cId="2221694099" sldId="294"/>
-            <ac:spMk id="5" creationId="{82A8620B-355B-B547-E3A1-82328DA571E9}"/>
-          </ac:spMkLst>
-        </pc:spChg>
-      </pc:sldChg>
-      <pc:sldChg chg="delSp modSp del">
-        <pc:chgData name="John Patrick Johnson" userId="S::jpj8711@ads.northwestern.edu::fe18dc51-e5c5-41f0-a67f-64543119935e" providerId="AD" clId="Web-{A0BF277A-F909-51ED-3905-702FCCB698DA}" dt="2023-06-06T02:21:51.728" v="115"/>
-        <pc:sldMkLst>
-          <pc:docMk/>
-          <pc:sldMk cId="2441557156" sldId="295"/>
-        </pc:sldMkLst>
-        <pc:spChg chg="mod">
-          <ac:chgData name="John Patrick Johnson" userId="S::jpj8711@ads.northwestern.edu::fe18dc51-e5c5-41f0-a67f-64543119935e" providerId="AD" clId="Web-{A0BF277A-F909-51ED-3905-702FCCB698DA}" dt="2023-06-06T02:16:33.639" v="60"/>
-          <ac:spMkLst>
-            <pc:docMk/>
-            <pc:sldMk cId="2441557156" sldId="295"/>
-            <ac:spMk id="4" creationId="{004BFB73-AA11-C7C3-5F4E-2E58A5D60EE0}"/>
-          </ac:spMkLst>
-        </pc:spChg>
-        <pc:spChg chg="del">
-          <ac:chgData name="John Patrick Johnson" userId="S::jpj8711@ads.northwestern.edu::fe18dc51-e5c5-41f0-a67f-64543119935e" providerId="AD" clId="Web-{A0BF277A-F909-51ED-3905-702FCCB698DA}" dt="2023-06-06T02:16:33.639" v="60"/>
-          <ac:spMkLst>
-            <pc:docMk/>
-            <pc:sldMk cId="2441557156" sldId="295"/>
-            <ac:spMk id="5" creationId="{AE56E583-592C-F0F3-1BEF-D5F2420C63E8}"/>
-          </ac:spMkLst>
-        </pc:spChg>
-      </pc:sldChg>
-      <pc:sldChg chg="delSp modSp">
-        <pc:chgData name="John Patrick Johnson" userId="S::jpj8711@ads.northwestern.edu::fe18dc51-e5c5-41f0-a67f-64543119935e" providerId="AD" clId="Web-{A0BF277A-F909-51ED-3905-702FCCB698DA}" dt="2023-06-06T02:16:33.639" v="60"/>
-        <pc:sldMkLst>
-          <pc:docMk/>
-          <pc:sldMk cId="3050248158" sldId="296"/>
-        </pc:sldMkLst>
-        <pc:spChg chg="del">
-          <ac:chgData name="John Patrick Johnson" userId="S::jpj8711@ads.northwestern.edu::fe18dc51-e5c5-41f0-a67f-64543119935e" providerId="AD" clId="Web-{A0BF277A-F909-51ED-3905-702FCCB698DA}" dt="2023-06-06T02:16:33.639" v="60"/>
-          <ac:spMkLst>
-            <pc:docMk/>
-            <pc:sldMk cId="3050248158" sldId="296"/>
-            <ac:spMk id="2" creationId="{00000000-0000-0000-0000-000000000000}"/>
-          </ac:spMkLst>
-        </pc:spChg>
-        <pc:spChg chg="mod">
-          <ac:chgData name="John Patrick Johnson" userId="S::jpj8711@ads.northwestern.edu::fe18dc51-e5c5-41f0-a67f-64543119935e" providerId="AD" clId="Web-{A0BF277A-F909-51ED-3905-702FCCB698DA}" dt="2023-06-06T02:16:33.639" v="60"/>
-          <ac:spMkLst>
-            <pc:docMk/>
-            <pc:sldMk cId="3050248158" sldId="296"/>
-            <ac:spMk id="177" creationId="{00000000-0000-0000-0000-000000000000}"/>
-          </ac:spMkLst>
-        </pc:spChg>
-      </pc:sldChg>
-      <pc:sldChg chg="delSp modSp del">
-        <pc:chgData name="John Patrick Johnson" userId="S::jpj8711@ads.northwestern.edu::fe18dc51-e5c5-41f0-a67f-64543119935e" providerId="AD" clId="Web-{A0BF277A-F909-51ED-3905-702FCCB698DA}" dt="2023-06-06T02:22:11.057" v="125"/>
-        <pc:sldMkLst>
-          <pc:docMk/>
-          <pc:sldMk cId="2695303178" sldId="297"/>
-        </pc:sldMkLst>
-        <pc:spChg chg="mod">
-          <ac:chgData name="John Patrick Johnson" userId="S::jpj8711@ads.northwestern.edu::fe18dc51-e5c5-41f0-a67f-64543119935e" providerId="AD" clId="Web-{A0BF277A-F909-51ED-3905-702FCCB698DA}" dt="2023-06-06T02:16:33.639" v="60"/>
-          <ac:spMkLst>
-            <pc:docMk/>
-            <pc:sldMk cId="2695303178" sldId="297"/>
-            <ac:spMk id="4" creationId="{5D6F9351-75F6-C7A1-4564-32139E3FB6F5}"/>
-          </ac:spMkLst>
-        </pc:spChg>
-        <pc:spChg chg="del">
-          <ac:chgData name="John Patrick Johnson" userId="S::jpj8711@ads.northwestern.edu::fe18dc51-e5c5-41f0-a67f-64543119935e" providerId="AD" clId="Web-{A0BF277A-F909-51ED-3905-702FCCB698DA}" dt="2023-06-06T02:16:33.639" v="60"/>
-          <ac:spMkLst>
-            <pc:docMk/>
-            <pc:sldMk cId="2695303178" sldId="297"/>
-            <ac:spMk id="5" creationId="{03179B4A-32B2-F788-F0FF-E10B9B4B2D8D}"/>
-          </ac:spMkLst>
-        </pc:spChg>
-      </pc:sldChg>
-      <pc:sldChg chg="delSp modSp del">
-        <pc:chgData name="John Patrick Johnson" userId="S::jpj8711@ads.northwestern.edu::fe18dc51-e5c5-41f0-a67f-64543119935e" providerId="AD" clId="Web-{A0BF277A-F909-51ED-3905-702FCCB698DA}" dt="2023-06-06T02:21:34.618" v="103"/>
-        <pc:sldMkLst>
-          <pc:docMk/>
-          <pc:sldMk cId="692865833" sldId="298"/>
-        </pc:sldMkLst>
-        <pc:spChg chg="mod">
-          <ac:chgData name="John Patrick Johnson" userId="S::jpj8711@ads.northwestern.edu::fe18dc51-e5c5-41f0-a67f-64543119935e" providerId="AD" clId="Web-{A0BF277A-F909-51ED-3905-702FCCB698DA}" dt="2023-06-06T02:16:33.639" v="60"/>
-          <ac:spMkLst>
-            <pc:docMk/>
-            <pc:sldMk cId="692865833" sldId="298"/>
-            <ac:spMk id="4" creationId="{5D6F9351-75F6-C7A1-4564-32139E3FB6F5}"/>
-          </ac:spMkLst>
-        </pc:spChg>
-        <pc:spChg chg="del">
-          <ac:chgData name="John Patrick Johnson" userId="S::jpj8711@ads.northwestern.edu::fe18dc51-e5c5-41f0-a67f-64543119935e" providerId="AD" clId="Web-{A0BF277A-F909-51ED-3905-702FCCB698DA}" dt="2023-06-06T02:16:33.639" v="60"/>
-          <ac:spMkLst>
-            <pc:docMk/>
-            <pc:sldMk cId="692865833" sldId="298"/>
-            <ac:spMk id="5" creationId="{03179B4A-32B2-F788-F0FF-E10B9B4B2D8D}"/>
-          </ac:spMkLst>
-        </pc:spChg>
-      </pc:sldChg>
-      <pc:sldChg chg="delSp modSp del">
-        <pc:chgData name="John Patrick Johnson" userId="S::jpj8711@ads.northwestern.edu::fe18dc51-e5c5-41f0-a67f-64543119935e" providerId="AD" clId="Web-{A0BF277A-F909-51ED-3905-702FCCB698DA}" dt="2023-06-06T02:21:45.853" v="112"/>
-        <pc:sldMkLst>
-          <pc:docMk/>
-          <pc:sldMk cId="1158116147" sldId="299"/>
-        </pc:sldMkLst>
-        <pc:spChg chg="mod">
-          <ac:chgData name="John Patrick Johnson" userId="S::jpj8711@ads.northwestern.edu::fe18dc51-e5c5-41f0-a67f-64543119935e" providerId="AD" clId="Web-{A0BF277A-F909-51ED-3905-702FCCB698DA}" dt="2023-06-06T02:16:33.639" v="60"/>
-          <ac:spMkLst>
-            <pc:docMk/>
-            <pc:sldMk cId="1158116147" sldId="299"/>
-            <ac:spMk id="4" creationId="{D605702D-A96F-C77A-05B4-C621E5E52957}"/>
-          </ac:spMkLst>
-        </pc:spChg>
-        <pc:spChg chg="del">
-          <ac:chgData name="John Patrick Johnson" userId="S::jpj8711@ads.northwestern.edu::fe18dc51-e5c5-41f0-a67f-64543119935e" providerId="AD" clId="Web-{A0BF277A-F909-51ED-3905-702FCCB698DA}" dt="2023-06-06T02:16:33.639" v="60"/>
-          <ac:spMkLst>
-            <pc:docMk/>
-            <pc:sldMk cId="1158116147" sldId="299"/>
-            <ac:spMk id="5" creationId="{3F043B44-3684-460F-2F7A-D7971D3D11D2}"/>
-          </ac:spMkLst>
-        </pc:spChg>
-      </pc:sldChg>
-      <pc:sldChg chg="delSp modSp del">
-        <pc:chgData name="John Patrick Johnson" userId="S::jpj8711@ads.northwestern.edu::fe18dc51-e5c5-41f0-a67f-64543119935e" providerId="AD" clId="Web-{A0BF277A-F909-51ED-3905-702FCCB698DA}" dt="2023-06-06T02:21:40.462" v="106"/>
-        <pc:sldMkLst>
-          <pc:docMk/>
-          <pc:sldMk cId="824764711" sldId="300"/>
-        </pc:sldMkLst>
-        <pc:spChg chg="mod">
-          <ac:chgData name="John Patrick Johnson" userId="S::jpj8711@ads.northwestern.edu::fe18dc51-e5c5-41f0-a67f-64543119935e" providerId="AD" clId="Web-{A0BF277A-F909-51ED-3905-702FCCB698DA}" dt="2023-06-06T02:16:33.639" v="60"/>
-          <ac:spMkLst>
-            <pc:docMk/>
-            <pc:sldMk cId="824764711" sldId="300"/>
-            <ac:spMk id="4" creationId="{07F45318-EE67-D91C-625B-0E08FF032656}"/>
-          </ac:spMkLst>
-        </pc:spChg>
-        <pc:spChg chg="del">
-          <ac:chgData name="John Patrick Johnson" userId="S::jpj8711@ads.northwestern.edu::fe18dc51-e5c5-41f0-a67f-64543119935e" providerId="AD" clId="Web-{A0BF277A-F909-51ED-3905-702FCCB698DA}" dt="2023-06-06T02:16:33.639" v="60"/>
-          <ac:spMkLst>
-            <pc:docMk/>
-            <pc:sldMk cId="824764711" sldId="300"/>
-            <ac:spMk id="5" creationId="{1E1F1398-9A5D-D0C4-2B3B-AD391A2CE883}"/>
-          </ac:spMkLst>
-        </pc:spChg>
-      </pc:sldChg>
-      <pc:sldChg chg="delSp modSp">
-        <pc:chgData name="John Patrick Johnson" userId="S::jpj8711@ads.northwestern.edu::fe18dc51-e5c5-41f0-a67f-64543119935e" providerId="AD" clId="Web-{A0BF277A-F909-51ED-3905-702FCCB698DA}" dt="2023-06-06T02:21:25.759" v="102"/>
-        <pc:sldMkLst>
-          <pc:docMk/>
-          <pc:sldMk cId="3384434737" sldId="302"/>
-        </pc:sldMkLst>
-        <pc:spChg chg="del">
-          <ac:chgData name="John Patrick Johnson" userId="S::jpj8711@ads.northwestern.edu::fe18dc51-e5c5-41f0-a67f-64543119935e" providerId="AD" clId="Web-{A0BF277A-F909-51ED-3905-702FCCB698DA}" dt="2023-06-06T02:16:33.639" v="60"/>
-          <ac:spMkLst>
-            <pc:docMk/>
-            <pc:sldMk cId="3384434737" sldId="302"/>
-            <ac:spMk id="2" creationId="{00000000-0000-0000-0000-000000000000}"/>
-          </ac:spMkLst>
-        </pc:spChg>
-        <pc:spChg chg="del">
-          <ac:chgData name="John Patrick Johnson" userId="S::jpj8711@ads.northwestern.edu::fe18dc51-e5c5-41f0-a67f-64543119935e" providerId="AD" clId="Web-{A0BF277A-F909-51ED-3905-702FCCB698DA}" dt="2023-06-06T02:21:25.759" v="102"/>
-          <ac:spMkLst>
-            <pc:docMk/>
-            <pc:sldMk cId="3384434737" sldId="302"/>
-            <ac:spMk id="17" creationId="{A2E12A2B-F910-4CE2-867E-04380E1AFFCA}"/>
-          </ac:spMkLst>
-        </pc:spChg>
-        <pc:spChg chg="mod">
-          <ac:chgData name="John Patrick Johnson" userId="S::jpj8711@ads.northwestern.edu::fe18dc51-e5c5-41f0-a67f-64543119935e" providerId="AD" clId="Web-{A0BF277A-F909-51ED-3905-702FCCB698DA}" dt="2023-06-06T02:16:33.639" v="60"/>
-          <ac:spMkLst>
-            <pc:docMk/>
-            <pc:sldMk cId="3384434737" sldId="302"/>
-            <ac:spMk id="251" creationId="{00000000-0000-0000-0000-000000000000}"/>
-          </ac:spMkLst>
-        </pc:spChg>
-      </pc:sldChg>
-      <pc:sldChg chg="delSp modSp del">
-        <pc:chgData name="John Patrick Johnson" userId="S::jpj8711@ads.northwestern.edu::fe18dc51-e5c5-41f0-a67f-64543119935e" providerId="AD" clId="Web-{A0BF277A-F909-51ED-3905-702FCCB698DA}" dt="2023-06-06T02:21:55.494" v="119"/>
-        <pc:sldMkLst>
-          <pc:docMk/>
-          <pc:sldMk cId="231020705" sldId="305"/>
-        </pc:sldMkLst>
-        <pc:spChg chg="mod">
-          <ac:chgData name="John Patrick Johnson" userId="S::jpj8711@ads.northwestern.edu::fe18dc51-e5c5-41f0-a67f-64543119935e" providerId="AD" clId="Web-{A0BF277A-F909-51ED-3905-702FCCB698DA}" dt="2023-06-06T02:16:33.639" v="60"/>
-          <ac:spMkLst>
-            <pc:docMk/>
-            <pc:sldMk cId="231020705" sldId="305"/>
-            <ac:spMk id="4" creationId="{35765062-40B2-9162-39B5-2FC732612C8C}"/>
-          </ac:spMkLst>
-        </pc:spChg>
-        <pc:spChg chg="del">
-          <ac:chgData name="John Patrick Johnson" userId="S::jpj8711@ads.northwestern.edu::fe18dc51-e5c5-41f0-a67f-64543119935e" providerId="AD" clId="Web-{A0BF277A-F909-51ED-3905-702FCCB698DA}" dt="2023-06-06T02:16:33.639" v="60"/>
-          <ac:spMkLst>
-            <pc:docMk/>
-            <pc:sldMk cId="231020705" sldId="305"/>
-            <ac:spMk id="5" creationId="{61FC71A7-431E-ABF9-2EA3-568FF8DD0119}"/>
-          </ac:spMkLst>
-        </pc:spChg>
-      </pc:sldChg>
-      <pc:sldChg chg="delSp modSp del">
-        <pc:chgData name="John Patrick Johnson" userId="S::jpj8711@ads.northwestern.edu::fe18dc51-e5c5-41f0-a67f-64543119935e" providerId="AD" clId="Web-{A0BF277A-F909-51ED-3905-702FCCB698DA}" dt="2023-06-06T02:21:46.759" v="113"/>
-        <pc:sldMkLst>
-          <pc:docMk/>
-          <pc:sldMk cId="3086748698" sldId="306"/>
-        </pc:sldMkLst>
-        <pc:spChg chg="mod">
-          <ac:chgData name="John Patrick Johnson" userId="S::jpj8711@ads.northwestern.edu::fe18dc51-e5c5-41f0-a67f-64543119935e" providerId="AD" clId="Web-{A0BF277A-F909-51ED-3905-702FCCB698DA}" dt="2023-06-06T02:16:33.639" v="60"/>
-          <ac:spMkLst>
-            <pc:docMk/>
-            <pc:sldMk cId="3086748698" sldId="306"/>
-            <ac:spMk id="4" creationId="{937A035B-7409-18A2-C66C-9B774C334D42}"/>
-          </ac:spMkLst>
-        </pc:spChg>
-        <pc:spChg chg="del">
-          <ac:chgData name="John Patrick Johnson" userId="S::jpj8711@ads.northwestern.edu::fe18dc51-e5c5-41f0-a67f-64543119935e" providerId="AD" clId="Web-{A0BF277A-F909-51ED-3905-702FCCB698DA}" dt="2023-06-06T02:16:33.639" v="60"/>
-          <ac:spMkLst>
-            <pc:docMk/>
-            <pc:sldMk cId="3086748698" sldId="306"/>
-            <ac:spMk id="5" creationId="{15F65755-CC8A-C75A-EA48-F847A7563E07}"/>
-          </ac:spMkLst>
-        </pc:spChg>
-      </pc:sldChg>
-      <pc:sldChg chg="delSp modSp del">
-        <pc:chgData name="John Patrick Johnson" userId="S::jpj8711@ads.northwestern.edu::fe18dc51-e5c5-41f0-a67f-64543119935e" providerId="AD" clId="Web-{A0BF277A-F909-51ED-3905-702FCCB698DA}" dt="2023-06-06T02:21:45.088" v="111"/>
-        <pc:sldMkLst>
-          <pc:docMk/>
-          <pc:sldMk cId="1606653251" sldId="307"/>
-        </pc:sldMkLst>
-        <pc:spChg chg="mod">
-          <ac:chgData name="John Patrick Johnson" userId="S::jpj8711@ads.northwestern.edu::fe18dc51-e5c5-41f0-a67f-64543119935e" providerId="AD" clId="Web-{A0BF277A-F909-51ED-3905-702FCCB698DA}" dt="2023-06-06T02:16:33.639" v="60"/>
-          <ac:spMkLst>
-            <pc:docMk/>
-            <pc:sldMk cId="1606653251" sldId="307"/>
-            <ac:spMk id="4" creationId="{089B60EC-3943-3942-0BDF-B03373528878}"/>
-          </ac:spMkLst>
-        </pc:spChg>
-        <pc:spChg chg="del">
-          <ac:chgData name="John Patrick Johnson" userId="S::jpj8711@ads.northwestern.edu::fe18dc51-e5c5-41f0-a67f-64543119935e" providerId="AD" clId="Web-{A0BF277A-F909-51ED-3905-702FCCB698DA}" dt="2023-06-06T02:16:33.639" v="60"/>
-          <ac:spMkLst>
-            <pc:docMk/>
-            <pc:sldMk cId="1606653251" sldId="307"/>
-            <ac:spMk id="5" creationId="{7F6DDB25-F113-B602-EC92-001F6F00E608}"/>
-          </ac:spMkLst>
-        </pc:spChg>
-      </pc:sldChg>
-      <pc:sldChg chg="delSp modSp del">
-        <pc:chgData name="John Patrick Johnson" userId="S::jpj8711@ads.northwestern.edu::fe18dc51-e5c5-41f0-a67f-64543119935e" providerId="AD" clId="Web-{A0BF277A-F909-51ED-3905-702FCCB698DA}" dt="2023-06-06T02:21:37.837" v="104"/>
-        <pc:sldMkLst>
-          <pc:docMk/>
-          <pc:sldMk cId="649797171" sldId="309"/>
-        </pc:sldMkLst>
-        <pc:spChg chg="del">
-          <ac:chgData name="John Patrick Johnson" userId="S::jpj8711@ads.northwestern.edu::fe18dc51-e5c5-41f0-a67f-64543119935e" providerId="AD" clId="Web-{A0BF277A-F909-51ED-3905-702FCCB698DA}" dt="2023-06-06T02:16:33.639" v="60"/>
-          <ac:spMkLst>
-            <pc:docMk/>
-            <pc:sldMk cId="649797171" sldId="309"/>
-            <ac:spMk id="2" creationId="{00000000-0000-0000-0000-000000000000}"/>
-          </ac:spMkLst>
-        </pc:spChg>
-        <pc:spChg chg="mod">
-          <ac:chgData name="John Patrick Johnson" userId="S::jpj8711@ads.northwestern.edu::fe18dc51-e5c5-41f0-a67f-64543119935e" providerId="AD" clId="Web-{A0BF277A-F909-51ED-3905-702FCCB698DA}" dt="2023-06-06T02:16:33.639" v="60"/>
-          <ac:spMkLst>
-            <pc:docMk/>
-            <pc:sldMk cId="649797171" sldId="309"/>
-            <ac:spMk id="251" creationId="{00000000-0000-0000-0000-000000000000}"/>
-          </ac:spMkLst>
-        </pc:spChg>
-      </pc:sldChg>
-      <pc:sldChg chg="delSp modSp del">
-        <pc:chgData name="John Patrick Johnson" userId="S::jpj8711@ads.northwestern.edu::fe18dc51-e5c5-41f0-a67f-64543119935e" providerId="AD" clId="Web-{A0BF277A-F909-51ED-3905-702FCCB698DA}" dt="2023-06-06T02:21:52.885" v="116"/>
-        <pc:sldMkLst>
-          <pc:docMk/>
-          <pc:sldMk cId="1622357749" sldId="310"/>
-        </pc:sldMkLst>
-        <pc:spChg chg="mod">
-          <ac:chgData name="John Patrick Johnson" userId="S::jpj8711@ads.northwestern.edu::fe18dc51-e5c5-41f0-a67f-64543119935e" providerId="AD" clId="Web-{A0BF277A-F909-51ED-3905-702FCCB698DA}" dt="2023-06-06T02:16:33.639" v="60"/>
-          <ac:spMkLst>
-            <pc:docMk/>
-            <pc:sldMk cId="1622357749" sldId="310"/>
-            <ac:spMk id="4" creationId="{7431F675-D480-541A-2B5D-D723156A0829}"/>
-          </ac:spMkLst>
-        </pc:spChg>
-        <pc:spChg chg="del">
-          <ac:chgData name="John Patrick Johnson" userId="S::jpj8711@ads.northwestern.edu::fe18dc51-e5c5-41f0-a67f-64543119935e" providerId="AD" clId="Web-{A0BF277A-F909-51ED-3905-702FCCB698DA}" dt="2023-06-06T02:16:33.639" v="60"/>
-          <ac:spMkLst>
-            <pc:docMk/>
-            <pc:sldMk cId="1622357749" sldId="310"/>
-            <ac:spMk id="5" creationId="{02916B7C-F425-6A60-C3B9-A00EF99E5CBE}"/>
-          </ac:spMkLst>
-        </pc:spChg>
-      </pc:sldChg>
-      <pc:sldChg chg="delSp modSp del">
-        <pc:chgData name="John Patrick Johnson" userId="S::jpj8711@ads.northwestern.edu::fe18dc51-e5c5-41f0-a67f-64543119935e" providerId="AD" clId="Web-{A0BF277A-F909-51ED-3905-702FCCB698DA}" dt="2023-06-06T02:21:54.635" v="118"/>
-        <pc:sldMkLst>
-          <pc:docMk/>
-          <pc:sldMk cId="467008381" sldId="311"/>
-        </pc:sldMkLst>
-        <pc:spChg chg="mod">
-          <ac:chgData name="John Patrick Johnson" userId="S::jpj8711@ads.northwestern.edu::fe18dc51-e5c5-41f0-a67f-64543119935e" providerId="AD" clId="Web-{A0BF277A-F909-51ED-3905-702FCCB698DA}" dt="2023-06-06T02:16:33.639" v="60"/>
-          <ac:spMkLst>
-            <pc:docMk/>
-            <pc:sldMk cId="467008381" sldId="311"/>
-            <ac:spMk id="4" creationId="{963A9A73-23EF-3180-96E1-55A434E55A4C}"/>
-          </ac:spMkLst>
-        </pc:spChg>
-        <pc:spChg chg="del">
-          <ac:chgData name="John Patrick Johnson" userId="S::jpj8711@ads.northwestern.edu::fe18dc51-e5c5-41f0-a67f-64543119935e" providerId="AD" clId="Web-{A0BF277A-F909-51ED-3905-702FCCB698DA}" dt="2023-06-06T02:16:33.639" v="60"/>
-          <ac:spMkLst>
-            <pc:docMk/>
-            <pc:sldMk cId="467008381" sldId="311"/>
-            <ac:spMk id="5" creationId="{82A8620B-355B-B547-E3A1-82328DA571E9}"/>
-          </ac:spMkLst>
-        </pc:spChg>
-      </pc:sldChg>
-      <pc:sldChg chg="delSp modSp del">
-        <pc:chgData name="John Patrick Johnson" userId="S::jpj8711@ads.northwestern.edu::fe18dc51-e5c5-41f0-a67f-64543119935e" providerId="AD" clId="Web-{A0BF277A-F909-51ED-3905-702FCCB698DA}" dt="2023-06-06T02:21:44.525" v="110"/>
-        <pc:sldMkLst>
-          <pc:docMk/>
-          <pc:sldMk cId="2190516894" sldId="312"/>
-        </pc:sldMkLst>
-        <pc:spChg chg="mod">
-          <ac:chgData name="John Patrick Johnson" userId="S::jpj8711@ads.northwestern.edu::fe18dc51-e5c5-41f0-a67f-64543119935e" providerId="AD" clId="Web-{A0BF277A-F909-51ED-3905-702FCCB698DA}" dt="2023-06-06T02:16:33.639" v="60"/>
-          <ac:spMkLst>
-            <pc:docMk/>
-            <pc:sldMk cId="2190516894" sldId="312"/>
-            <ac:spMk id="4" creationId="{958612A7-3215-9271-BAA1-978121C1DE1E}"/>
-          </ac:spMkLst>
-        </pc:spChg>
-        <pc:spChg chg="del">
-          <ac:chgData name="John Patrick Johnson" userId="S::jpj8711@ads.northwestern.edu::fe18dc51-e5c5-41f0-a67f-64543119935e" providerId="AD" clId="Web-{A0BF277A-F909-51ED-3905-702FCCB698DA}" dt="2023-06-06T02:16:33.639" v="60"/>
-          <ac:spMkLst>
-            <pc:docMk/>
-            <pc:sldMk cId="2190516894" sldId="312"/>
-            <ac:spMk id="5" creationId="{834D0487-F247-2D85-9CA0-4B8705C3B356}"/>
-          </ac:spMkLst>
-        </pc:spChg>
-      </pc:sldChg>
-      <pc:sldChg chg="delSp modSp del">
-        <pc:chgData name="John Patrick Johnson" userId="S::jpj8711@ads.northwestern.edu::fe18dc51-e5c5-41f0-a67f-64543119935e" providerId="AD" clId="Web-{A0BF277A-F909-51ED-3905-702FCCB698DA}" dt="2023-06-06T02:21:57.916" v="122"/>
-        <pc:sldMkLst>
-          <pc:docMk/>
-          <pc:sldMk cId="217017396" sldId="313"/>
-        </pc:sldMkLst>
-        <pc:spChg chg="mod">
-          <ac:chgData name="John Patrick Johnson" userId="S::jpj8711@ads.northwestern.edu::fe18dc51-e5c5-41f0-a67f-64543119935e" providerId="AD" clId="Web-{A0BF277A-F909-51ED-3905-702FCCB698DA}" dt="2023-06-06T02:16:33.639" v="60"/>
-          <ac:spMkLst>
-            <pc:docMk/>
-            <pc:sldMk cId="217017396" sldId="313"/>
-            <ac:spMk id="4" creationId="{B61ECC17-BD18-E4A6-F51E-854F648A7210}"/>
-          </ac:spMkLst>
-        </pc:spChg>
-        <pc:spChg chg="del">
-          <ac:chgData name="John Patrick Johnson" userId="S::jpj8711@ads.northwestern.edu::fe18dc51-e5c5-41f0-a67f-64543119935e" providerId="AD" clId="Web-{A0BF277A-F909-51ED-3905-702FCCB698DA}" dt="2023-06-06T02:16:33.639" v="60"/>
-          <ac:spMkLst>
-            <pc:docMk/>
-            <pc:sldMk cId="217017396" sldId="313"/>
-            <ac:spMk id="5" creationId="{F9AB0EB9-1D6B-3AAA-D5CF-A988F62C2DB6}"/>
-          </ac:spMkLst>
-        </pc:spChg>
-      </pc:sldChg>
-      <pc:sldChg chg="delSp modSp del">
-        <pc:chgData name="John Patrick Johnson" userId="S::jpj8711@ads.northwestern.edu::fe18dc51-e5c5-41f0-a67f-64543119935e" providerId="AD" clId="Web-{A0BF277A-F909-51ED-3905-702FCCB698DA}" dt="2023-06-06T02:21:56.338" v="120"/>
-        <pc:sldMkLst>
-          <pc:docMk/>
-          <pc:sldMk cId="3246919771" sldId="314"/>
-        </pc:sldMkLst>
-        <pc:spChg chg="mod">
-          <ac:chgData name="John Patrick Johnson" userId="S::jpj8711@ads.northwestern.edu::fe18dc51-e5c5-41f0-a67f-64543119935e" providerId="AD" clId="Web-{A0BF277A-F909-51ED-3905-702FCCB698DA}" dt="2023-06-06T02:16:33.639" v="60"/>
-          <ac:spMkLst>
-            <pc:docMk/>
-            <pc:sldMk cId="3246919771" sldId="314"/>
-            <ac:spMk id="4" creationId="{75058F8E-6094-693C-6255-2BA7B895283D}"/>
-          </ac:spMkLst>
-        </pc:spChg>
-        <pc:spChg chg="del">
-          <ac:chgData name="John Patrick Johnson" userId="S::jpj8711@ads.northwestern.edu::fe18dc51-e5c5-41f0-a67f-64543119935e" providerId="AD" clId="Web-{A0BF277A-F909-51ED-3905-702FCCB698DA}" dt="2023-06-06T02:16:33.639" v="60"/>
-          <ac:spMkLst>
-            <pc:docMk/>
-            <pc:sldMk cId="3246919771" sldId="314"/>
-            <ac:spMk id="5" creationId="{11A788A3-C8B3-0324-87A0-E451BED5C839}"/>
-          </ac:spMkLst>
-        </pc:spChg>
-      </pc:sldChg>
-      <pc:sldChg chg="delSp modSp del">
-        <pc:chgData name="John Patrick Johnson" userId="S::jpj8711@ads.northwestern.edu::fe18dc51-e5c5-41f0-a67f-64543119935e" providerId="AD" clId="Web-{A0BF277A-F909-51ED-3905-702FCCB698DA}" dt="2023-06-06T02:21:57.213" v="121"/>
-        <pc:sldMkLst>
-          <pc:docMk/>
-          <pc:sldMk cId="1781169159" sldId="315"/>
-        </pc:sldMkLst>
-        <pc:spChg chg="mod">
-          <ac:chgData name="John Patrick Johnson" userId="S::jpj8711@ads.northwestern.edu::fe18dc51-e5c5-41f0-a67f-64543119935e" providerId="AD" clId="Web-{A0BF277A-F909-51ED-3905-702FCCB698DA}" dt="2023-06-06T02:16:33.639" v="60"/>
-          <ac:spMkLst>
-            <pc:docMk/>
-            <pc:sldMk cId="1781169159" sldId="315"/>
-            <ac:spMk id="4" creationId="{96B97F33-28BA-8CC7-E7BE-3A88D987B632}"/>
-          </ac:spMkLst>
-        </pc:spChg>
-        <pc:spChg chg="del">
-          <ac:chgData name="John Patrick Johnson" userId="S::jpj8711@ads.northwestern.edu::fe18dc51-e5c5-41f0-a67f-64543119935e" providerId="AD" clId="Web-{A0BF277A-F909-51ED-3905-702FCCB698DA}" dt="2023-06-06T02:16:33.639" v="60"/>
-          <ac:spMkLst>
-            <pc:docMk/>
-            <pc:sldMk cId="1781169159" sldId="315"/>
-            <ac:spMk id="5" creationId="{60457AF8-83CE-B518-0E5C-B42C653ABCCA}"/>
-          </ac:spMkLst>
-        </pc:spChg>
-      </pc:sldChg>
-      <pc:sldChg chg="delSp modSp del">
-        <pc:chgData name="John Patrick Johnson" userId="S::jpj8711@ads.northwestern.edu::fe18dc51-e5c5-41f0-a67f-64543119935e" providerId="AD" clId="Web-{A0BF277A-F909-51ED-3905-702FCCB698DA}" dt="2023-06-06T02:21:59.838" v="123"/>
-        <pc:sldMkLst>
-          <pc:docMk/>
-          <pc:sldMk cId="114224506" sldId="316"/>
-        </pc:sldMkLst>
-        <pc:spChg chg="mod">
-          <ac:chgData name="John Patrick Johnson" userId="S::jpj8711@ads.northwestern.edu::fe18dc51-e5c5-41f0-a67f-64543119935e" providerId="AD" clId="Web-{A0BF277A-F909-51ED-3905-702FCCB698DA}" dt="2023-06-06T02:16:33.639" v="60"/>
-          <ac:spMkLst>
-            <pc:docMk/>
-            <pc:sldMk cId="114224506" sldId="316"/>
-            <ac:spMk id="4" creationId="{0F2D2942-94E7-2C51-A309-D126227CAF04}"/>
-          </ac:spMkLst>
-        </pc:spChg>
-        <pc:spChg chg="del">
-          <ac:chgData name="John Patrick Johnson" userId="S::jpj8711@ads.northwestern.edu::fe18dc51-e5c5-41f0-a67f-64543119935e" providerId="AD" clId="Web-{A0BF277A-F909-51ED-3905-702FCCB698DA}" dt="2023-06-06T02:16:33.639" v="60"/>
-          <ac:spMkLst>
-            <pc:docMk/>
-            <pc:sldMk cId="114224506" sldId="316"/>
-            <ac:spMk id="5" creationId="{FFFB4EC8-46B7-4225-FD23-66BEFFB72D12}"/>
-          </ac:spMkLst>
-        </pc:spChg>
-      </pc:sldChg>
-      <pc:sldChg chg="delSp modSp del">
-        <pc:chgData name="John Patrick Johnson" userId="S::jpj8711@ads.northwestern.edu::fe18dc51-e5c5-41f0-a67f-64543119935e" providerId="AD" clId="Web-{A0BF277A-F909-51ED-3905-702FCCB698DA}" dt="2023-06-06T02:21:47.666" v="114"/>
-        <pc:sldMkLst>
-          <pc:docMk/>
-          <pc:sldMk cId="380680441" sldId="317"/>
-        </pc:sldMkLst>
-        <pc:spChg chg="mod">
-          <ac:chgData name="John Patrick Johnson" userId="S::jpj8711@ads.northwestern.edu::fe18dc51-e5c5-41f0-a67f-64543119935e" providerId="AD" clId="Web-{A0BF277A-F909-51ED-3905-702FCCB698DA}" dt="2023-06-06T02:16:33.639" v="60"/>
-          <ac:spMkLst>
-            <pc:docMk/>
-            <pc:sldMk cId="380680441" sldId="317"/>
-            <ac:spMk id="4" creationId="{65AE09F3-95EE-FF4E-3B4C-88A0C7CECC03}"/>
-          </ac:spMkLst>
-        </pc:spChg>
-        <pc:spChg chg="del">
-          <ac:chgData name="John Patrick Johnson" userId="S::jpj8711@ads.northwestern.edu::fe18dc51-e5c5-41f0-a67f-64543119935e" providerId="AD" clId="Web-{A0BF277A-F909-51ED-3905-702FCCB698DA}" dt="2023-06-06T02:16:33.639" v="60"/>
-          <ac:spMkLst>
-            <pc:docMk/>
-            <pc:sldMk cId="380680441" sldId="317"/>
-            <ac:spMk id="5" creationId="{7FEAE56A-BF0D-2A07-71D7-7FE33D13573C}"/>
-          </ac:spMkLst>
-        </pc:spChg>
-      </pc:sldChg>
-      <pc:sldChg chg="delSp modSp ord">
-        <pc:chgData name="John Patrick Johnson" userId="S::jpj8711@ads.northwestern.edu::fe18dc51-e5c5-41f0-a67f-64543119935e" providerId="AD" clId="Web-{A0BF277A-F909-51ED-3905-702FCCB698DA}" dt="2023-06-06T02:22:10.213" v="124"/>
-        <pc:sldMkLst>
-          <pc:docMk/>
-          <pc:sldMk cId="348769654" sldId="318"/>
-        </pc:sldMkLst>
-        <pc:spChg chg="mod">
-          <ac:chgData name="John Patrick Johnson" userId="S::jpj8711@ads.northwestern.edu::fe18dc51-e5c5-41f0-a67f-64543119935e" providerId="AD" clId="Web-{A0BF277A-F909-51ED-3905-702FCCB698DA}" dt="2023-06-06T02:16:33.639" v="60"/>
-          <ac:spMkLst>
-            <pc:docMk/>
-            <pc:sldMk cId="348769654" sldId="318"/>
-            <ac:spMk id="4" creationId="{5D6F9351-75F6-C7A1-4564-32139E3FB6F5}"/>
-          </ac:spMkLst>
-        </pc:spChg>
-        <pc:spChg chg="del">
-          <ac:chgData name="John Patrick Johnson" userId="S::jpj8711@ads.northwestern.edu::fe18dc51-e5c5-41f0-a67f-64543119935e" providerId="AD" clId="Web-{A0BF277A-F909-51ED-3905-702FCCB698DA}" dt="2023-06-06T02:16:33.639" v="60"/>
-          <ac:spMkLst>
-            <pc:docMk/>
-            <pc:sldMk cId="348769654" sldId="318"/>
-            <ac:spMk id="5" creationId="{03179B4A-32B2-F788-F0FF-E10B9B4B2D8D}"/>
-          </ac:spMkLst>
-        </pc:spChg>
-      </pc:sldChg>
-      <pc:sldChg chg="modSp add ord replId">
-        <pc:chgData name="John Patrick Johnson" userId="S::jpj8711@ads.northwestern.edu::fe18dc51-e5c5-41f0-a67f-64543119935e" providerId="AD" clId="Web-{A0BF277A-F909-51ED-3905-702FCCB698DA}" dt="2023-06-06T02:35:51.079" v="296" actId="20577"/>
-        <pc:sldMkLst>
-          <pc:docMk/>
-          <pc:sldMk cId="679280969" sldId="319"/>
-        </pc:sldMkLst>
-        <pc:spChg chg="mod">
-          <ac:chgData name="John Patrick Johnson" userId="S::jpj8711@ads.northwestern.edu::fe18dc51-e5c5-41f0-a67f-64543119935e" providerId="AD" clId="Web-{A0BF277A-F909-51ED-3905-702FCCB698DA}" dt="2023-06-06T02:32:17.136" v="136" actId="20577"/>
-          <ac:spMkLst>
-            <pc:docMk/>
-            <pc:sldMk cId="679280969" sldId="319"/>
-            <ac:spMk id="2" creationId="{B7862AAB-75C5-01E8-7C83-F7CB14768AFA}"/>
-          </ac:spMkLst>
-        </pc:spChg>
-        <pc:spChg chg="mod">
-          <ac:chgData name="John Patrick Johnson" userId="S::jpj8711@ads.northwestern.edu::fe18dc51-e5c5-41f0-a67f-64543119935e" providerId="AD" clId="Web-{A0BF277A-F909-51ED-3905-702FCCB698DA}" dt="2023-06-06T02:35:51.079" v="296" actId="20577"/>
-          <ac:spMkLst>
-            <pc:docMk/>
-            <pc:sldMk cId="679280969" sldId="319"/>
-            <ac:spMk id="3" creationId="{838492E3-91C7-FA09-1EED-65C4220C1E22}"/>
-          </ac:spMkLst>
-        </pc:spChg>
-      </pc:sldChg>
-      <pc:sldMasterChg chg="modSp mod modSldLayout">
-        <pc:chgData name="John Patrick Johnson" userId="S::jpj8711@ads.northwestern.edu::fe18dc51-e5c5-41f0-a67f-64543119935e" providerId="AD" clId="Web-{A0BF277A-F909-51ED-3905-702FCCB698DA}" dt="2023-06-06T02:16:33.639" v="60"/>
-        <pc:sldMasterMkLst>
-          <pc:docMk/>
-          <pc:sldMasterMk cId="0" sldId="2147483654"/>
-        </pc:sldMasterMkLst>
-        <pc:spChg chg="mod">
-          <ac:chgData name="John Patrick Johnson" userId="S::jpj8711@ads.northwestern.edu::fe18dc51-e5c5-41f0-a67f-64543119935e" providerId="AD" clId="Web-{A0BF277A-F909-51ED-3905-702FCCB698DA}" dt="2023-06-06T02:16:33.639" v="60"/>
-          <ac:spMkLst>
-            <pc:docMk/>
-            <pc:sldMasterMk cId="0" sldId="2147483654"/>
-            <ac:spMk id="13" creationId="{00000000-0000-0000-0000-000000000000}"/>
-          </ac:spMkLst>
-        </pc:spChg>
-        <pc:sldLayoutChg chg="modSp mod">
-          <pc:chgData name="John Patrick Johnson" userId="S::jpj8711@ads.northwestern.edu::fe18dc51-e5c5-41f0-a67f-64543119935e" providerId="AD" clId="Web-{A0BF277A-F909-51ED-3905-702FCCB698DA}" dt="2023-06-06T02:16:33.639" v="60"/>
-          <pc:sldLayoutMkLst>
-            <pc:docMk/>
-            <pc:sldMasterMk cId="0" sldId="2147483654"/>
-            <pc:sldLayoutMk cId="0" sldId="2147483648"/>
-          </pc:sldLayoutMkLst>
-          <pc:spChg chg="mod">
-            <ac:chgData name="John Patrick Johnson" userId="S::jpj8711@ads.northwestern.edu::fe18dc51-e5c5-41f0-a67f-64543119935e" providerId="AD" clId="Web-{A0BF277A-F909-51ED-3905-702FCCB698DA}" dt="2023-06-06T02:16:33.639" v="60"/>
-            <ac:spMkLst>
-              <pc:docMk/>
-              <pc:sldMasterMk cId="0" sldId="2147483654"/>
-              <pc:sldLayoutMk cId="0" sldId="2147483648"/>
-              <ac:spMk id="17" creationId="{00000000-0000-0000-0000-000000000000}"/>
-            </ac:spMkLst>
-          </pc:spChg>
-        </pc:sldLayoutChg>
-        <pc:sldLayoutChg chg="modSp mod">
-          <pc:chgData name="John Patrick Johnson" userId="S::jpj8711@ads.northwestern.edu::fe18dc51-e5c5-41f0-a67f-64543119935e" providerId="AD" clId="Web-{A0BF277A-F909-51ED-3905-702FCCB698DA}" dt="2023-06-06T02:16:33.639" v="60"/>
-          <pc:sldLayoutMkLst>
-            <pc:docMk/>
-            <pc:sldMasterMk cId="0" sldId="2147483654"/>
-            <pc:sldLayoutMk cId="0" sldId="2147483649"/>
-          </pc:sldLayoutMkLst>
-          <pc:spChg chg="mod">
-            <ac:chgData name="John Patrick Johnson" userId="S::jpj8711@ads.northwestern.edu::fe18dc51-e5c5-41f0-a67f-64543119935e" providerId="AD" clId="Web-{A0BF277A-F909-51ED-3905-702FCCB698DA}" dt="2023-06-06T02:16:33.639" v="60"/>
-            <ac:spMkLst>
-              <pc:docMk/>
-              <pc:sldMasterMk cId="0" sldId="2147483654"/>
-              <pc:sldLayoutMk cId="0" sldId="2147483649"/>
-              <ac:spMk id="24" creationId="{00000000-0000-0000-0000-000000000000}"/>
-            </ac:spMkLst>
-          </pc:spChg>
-        </pc:sldLayoutChg>
-        <pc:sldLayoutChg chg="modSp mod">
-          <pc:chgData name="John Patrick Johnson" userId="S::jpj8711@ads.northwestern.edu::fe18dc51-e5c5-41f0-a67f-64543119935e" providerId="AD" clId="Web-{A0BF277A-F909-51ED-3905-702FCCB698DA}" dt="2023-06-06T02:16:33.639" v="60"/>
-          <pc:sldLayoutMkLst>
-            <pc:docMk/>
-            <pc:sldMasterMk cId="0" sldId="2147483654"/>
-            <pc:sldLayoutMk cId="0" sldId="2147483650"/>
-          </pc:sldLayoutMkLst>
-          <pc:spChg chg="mod">
-            <ac:chgData name="John Patrick Johnson" userId="S::jpj8711@ads.northwestern.edu::fe18dc51-e5c5-41f0-a67f-64543119935e" providerId="AD" clId="Web-{A0BF277A-F909-51ED-3905-702FCCB698DA}" dt="2023-06-06T02:16:33.639" v="60"/>
-            <ac:spMkLst>
-              <pc:docMk/>
-              <pc:sldMasterMk cId="0" sldId="2147483654"/>
-              <pc:sldLayoutMk cId="0" sldId="2147483650"/>
-              <ac:spMk id="29" creationId="{00000000-0000-0000-0000-000000000000}"/>
-            </ac:spMkLst>
-          </pc:spChg>
-        </pc:sldLayoutChg>
-        <pc:sldLayoutChg chg="modSp mod">
-          <pc:chgData name="John Patrick Johnson" userId="S::jpj8711@ads.northwestern.edu::fe18dc51-e5c5-41f0-a67f-64543119935e" providerId="AD" clId="Web-{A0BF277A-F909-51ED-3905-702FCCB698DA}" dt="2023-06-06T02:16:33.639" v="60"/>
-          <pc:sldLayoutMkLst>
-            <pc:docMk/>
-            <pc:sldMasterMk cId="0" sldId="2147483654"/>
-            <pc:sldLayoutMk cId="0" sldId="2147483651"/>
-          </pc:sldLayoutMkLst>
-          <pc:spChg chg="mod">
-            <ac:chgData name="John Patrick Johnson" userId="S::jpj8711@ads.northwestern.edu::fe18dc51-e5c5-41f0-a67f-64543119935e" providerId="AD" clId="Web-{A0BF277A-F909-51ED-3905-702FCCB698DA}" dt="2023-06-06T02:16:33.639" v="60"/>
-            <ac:spMkLst>
-              <pc:docMk/>
-              <pc:sldMasterMk cId="0" sldId="2147483654"/>
-              <pc:sldLayoutMk cId="0" sldId="2147483651"/>
-              <ac:spMk id="35" creationId="{00000000-0000-0000-0000-000000000000}"/>
-            </ac:spMkLst>
-          </pc:spChg>
-        </pc:sldLayoutChg>
-        <pc:sldLayoutChg chg="modSp mod">
-          <pc:chgData name="John Patrick Johnson" userId="S::jpj8711@ads.northwestern.edu::fe18dc51-e5c5-41f0-a67f-64543119935e" providerId="AD" clId="Web-{A0BF277A-F909-51ED-3905-702FCCB698DA}" dt="2023-06-06T02:16:33.639" v="60"/>
-          <pc:sldLayoutMkLst>
-            <pc:docMk/>
-            <pc:sldMasterMk cId="0" sldId="2147483654"/>
-            <pc:sldLayoutMk cId="0" sldId="2147483652"/>
-          </pc:sldLayoutMkLst>
-          <pc:spChg chg="mod">
-            <ac:chgData name="John Patrick Johnson" userId="S::jpj8711@ads.northwestern.edu::fe18dc51-e5c5-41f0-a67f-64543119935e" providerId="AD" clId="Web-{A0BF277A-F909-51ED-3905-702FCCB698DA}" dt="2023-06-06T02:16:33.639" v="60"/>
-            <ac:spMkLst>
-              <pc:docMk/>
-              <pc:sldMasterMk cId="0" sldId="2147483654"/>
-              <pc:sldLayoutMk cId="0" sldId="2147483652"/>
-              <ac:spMk id="39" creationId="{00000000-0000-0000-0000-000000000000}"/>
-            </ac:spMkLst>
-          </pc:spChg>
-        </pc:sldLayoutChg>
-        <pc:sldLayoutChg chg="modSp mod">
-          <pc:chgData name="John Patrick Johnson" userId="S::jpj8711@ads.northwestern.edu::fe18dc51-e5c5-41f0-a67f-64543119935e" providerId="AD" clId="Web-{A0BF277A-F909-51ED-3905-702FCCB698DA}" dt="2023-06-06T02:16:33.639" v="60"/>
-          <pc:sldLayoutMkLst>
-            <pc:docMk/>
-            <pc:sldMasterMk cId="0" sldId="2147483654"/>
-            <pc:sldLayoutMk cId="0" sldId="2147483653"/>
-          </pc:sldLayoutMkLst>
-          <pc:spChg chg="mod">
-            <ac:chgData name="John Patrick Johnson" userId="S::jpj8711@ads.northwestern.edu::fe18dc51-e5c5-41f0-a67f-64543119935e" providerId="AD" clId="Web-{A0BF277A-F909-51ED-3905-702FCCB698DA}" dt="2023-06-06T02:16:33.639" v="60"/>
-            <ac:spMkLst>
-              <pc:docMk/>
-              <pc:sldMasterMk cId="0" sldId="2147483654"/>
-              <pc:sldLayoutMk cId="0" sldId="2147483653"/>
-              <ac:spMk id="42" creationId="{00000000-0000-0000-0000-000000000000}"/>
-            </ac:spMkLst>
-          </pc:spChg>
-        </pc:sldLayoutChg>
-      </pc:sldMasterChg>
-    </pc:docChg>
-  </pc:docChgLst>
-  <pc:docChgLst>
     <pc:chgData name="Ginger Lee Jacobson" userId="S::glj8018@ads.northwestern.edu::3a49910d-c358-4586-b31b-05d58406f615" providerId="AD" clId="Web-{D2C64330-2F63-40DC-3363-A3CA14F59ACD}"/>
     <pc:docChg chg="addSld delSld modSld sldOrd">
       <pc:chgData name="Ginger Lee Jacobson" userId="S::glj8018@ads.northwestern.edu::3a49910d-c358-4586-b31b-05d58406f615" providerId="AD" clId="Web-{D2C64330-2F63-40DC-3363-A3CA14F59ACD}" dt="2023-01-12T20:27:06.847" v="2099"/>
@@ -5150,176 +4485,1273 @@
     </pc:docChg>
   </pc:docChgLst>
   <pc:docChgLst>
-    <pc:chgData name="John Patrick Johnson" userId="S::jpj8711@ads.northwestern.edu::fe18dc51-e5c5-41f0-a67f-64543119935e" providerId="AD" clId="Web-{141099D0-7457-7AFA-9CF7-B723EBA81563}"/>
-    <pc:docChg chg="sldOrd">
-      <pc:chgData name="John Patrick Johnson" userId="S::jpj8711@ads.northwestern.edu::fe18dc51-e5c5-41f0-a67f-64543119935e" providerId="AD" clId="Web-{141099D0-7457-7AFA-9CF7-B723EBA81563}" dt="2023-01-11T21:22:41.164" v="1"/>
+    <pc:chgData name="Ginger Lee Jacobson" userId="S::glj8018@ads.northwestern.edu::3a49910d-c358-4586-b31b-05d58406f615" providerId="AD" clId="Web-{B47E2B0F-F16B-73A3-28E6-F2C241DB97E1}"/>
+    <pc:docChg chg="addSld modSld">
+      <pc:chgData name="Ginger Lee Jacobson" userId="S::glj8018@ads.northwestern.edu::3a49910d-c358-4586-b31b-05d58406f615" providerId="AD" clId="Web-{B47E2B0F-F16B-73A3-28E6-F2C241DB97E1}" dt="2023-01-12T05:52:10.637" v="186"/>
       <pc:docMkLst>
         <pc:docMk/>
       </pc:docMkLst>
-      <pc:sldChg chg="ord">
-        <pc:chgData name="John Patrick Johnson" userId="S::jpj8711@ads.northwestern.edu::fe18dc51-e5c5-41f0-a67f-64543119935e" providerId="AD" clId="Web-{141099D0-7457-7AFA-9CF7-B723EBA81563}" dt="2023-01-11T21:21:30.021" v="0"/>
+      <pc:sldChg chg="modSp modNotes">
+        <pc:chgData name="Ginger Lee Jacobson" userId="S::glj8018@ads.northwestern.edu::3a49910d-c358-4586-b31b-05d58406f615" providerId="AD" clId="Web-{B47E2B0F-F16B-73A3-28E6-F2C241DB97E1}" dt="2023-01-12T05:44:20.186" v="42"/>
+        <pc:sldMkLst>
+          <pc:docMk/>
+          <pc:sldMk cId="2952596098" sldId="291"/>
+        </pc:sldMkLst>
+        <pc:spChg chg="mod">
+          <ac:chgData name="Ginger Lee Jacobson" userId="S::glj8018@ads.northwestern.edu::3a49910d-c358-4586-b31b-05d58406f615" providerId="AD" clId="Web-{B47E2B0F-F16B-73A3-28E6-F2C241DB97E1}" dt="2023-01-12T05:39:15.648" v="12" actId="20577"/>
+          <ac:spMkLst>
+            <pc:docMk/>
+            <pc:sldMk cId="2952596098" sldId="291"/>
+            <ac:spMk id="3" creationId="{A23D405E-2187-AECB-762D-F922072790B6}"/>
+          </ac:spMkLst>
+        </pc:spChg>
+      </pc:sldChg>
+      <pc:sldChg chg="modNotes">
+        <pc:chgData name="Ginger Lee Jacobson" userId="S::glj8018@ads.northwestern.edu::3a49910d-c358-4586-b31b-05d58406f615" providerId="AD" clId="Web-{B47E2B0F-F16B-73A3-28E6-F2C241DB97E1}" dt="2023-01-12T05:50:28.791" v="121"/>
+        <pc:sldMkLst>
+          <pc:docMk/>
+          <pc:sldMk cId="649797171" sldId="309"/>
+        </pc:sldMkLst>
+      </pc:sldChg>
+      <pc:sldChg chg="addSp modSp new modNotes">
+        <pc:chgData name="Ginger Lee Jacobson" userId="S::glj8018@ads.northwestern.edu::3a49910d-c358-4586-b31b-05d58406f615" providerId="AD" clId="Web-{B47E2B0F-F16B-73A3-28E6-F2C241DB97E1}" dt="2023-01-12T05:52:10.637" v="186"/>
+        <pc:sldMkLst>
+          <pc:docMk/>
+          <pc:sldMk cId="2190516894" sldId="312"/>
+        </pc:sldMkLst>
+        <pc:spChg chg="mod">
+          <ac:chgData name="Ginger Lee Jacobson" userId="S::glj8018@ads.northwestern.edu::3a49910d-c358-4586-b31b-05d58406f615" providerId="AD" clId="Web-{B47E2B0F-F16B-73A3-28E6-F2C241DB97E1}" dt="2023-01-12T05:48:51.254" v="62" actId="20577"/>
+          <ac:spMkLst>
+            <pc:docMk/>
+            <pc:sldMk cId="2190516894" sldId="312"/>
+            <ac:spMk id="2" creationId="{9506D5F4-8710-DC0C-739F-EA4019D14FB1}"/>
+          </ac:spMkLst>
+        </pc:spChg>
+        <pc:spChg chg="mod">
+          <ac:chgData name="Ginger Lee Jacobson" userId="S::glj8018@ads.northwestern.edu::3a49910d-c358-4586-b31b-05d58406f615" providerId="AD" clId="Web-{B47E2B0F-F16B-73A3-28E6-F2C241DB97E1}" dt="2023-01-12T05:49:49.571" v="117" actId="20577"/>
+          <ac:spMkLst>
+            <pc:docMk/>
+            <pc:sldMk cId="2190516894" sldId="312"/>
+            <ac:spMk id="3" creationId="{B0B8F26E-8A9E-444F-A860-441342628F7C}"/>
+          </ac:spMkLst>
+        </pc:spChg>
+        <pc:picChg chg="add mod">
+          <ac:chgData name="Ginger Lee Jacobson" userId="S::glj8018@ads.northwestern.edu::3a49910d-c358-4586-b31b-05d58406f615" providerId="AD" clId="Web-{B47E2B0F-F16B-73A3-28E6-F2C241DB97E1}" dt="2023-01-12T05:49:51.946" v="118" actId="1076"/>
+          <ac:picMkLst>
+            <pc:docMk/>
+            <pc:sldMk cId="2190516894" sldId="312"/>
+            <ac:picMk id="6" creationId="{64D7D454-BFCE-F152-736D-5240354CEFCF}"/>
+          </ac:picMkLst>
+        </pc:picChg>
+      </pc:sldChg>
+    </pc:docChg>
+  </pc:docChgLst>
+  <pc:docChgLst>
+    <pc:chgData name="John Patrick Johnson" userId="S::jpj8711@ads.northwestern.edu::fe18dc51-e5c5-41f0-a67f-64543119935e" providerId="AD" clId="Web-{C0D6B327-BF2E-1EC4-C4D4-83B34B46966D}"/>
+    <pc:docChg chg="addSld delSld modSld sldOrd">
+      <pc:chgData name="John Patrick Johnson" userId="S::jpj8711@ads.northwestern.edu::fe18dc51-e5c5-41f0-a67f-64543119935e" providerId="AD" clId="Web-{C0D6B327-BF2E-1EC4-C4D4-83B34B46966D}" dt="2022-06-01T13:21:39.492" v="1890" actId="20577"/>
+      <pc:docMkLst>
+        <pc:docMk/>
+      </pc:docMkLst>
+      <pc:sldChg chg="modSp">
+        <pc:chgData name="John Patrick Johnson" userId="S::jpj8711@ads.northwestern.edu::fe18dc51-e5c5-41f0-a67f-64543119935e" providerId="AD" clId="Web-{C0D6B327-BF2E-1EC4-C4D4-83B34B46966D}" dt="2022-06-01T03:31:52.071" v="1449" actId="20577"/>
+        <pc:sldMkLst>
+          <pc:docMk/>
+          <pc:sldMk cId="0" sldId="256"/>
+        </pc:sldMkLst>
+        <pc:spChg chg="mod">
+          <ac:chgData name="John Patrick Johnson" userId="S::jpj8711@ads.northwestern.edu::fe18dc51-e5c5-41f0-a67f-64543119935e" providerId="AD" clId="Web-{C0D6B327-BF2E-1EC4-C4D4-83B34B46966D}" dt="2022-06-01T03:31:52.071" v="1449" actId="20577"/>
+          <ac:spMkLst>
+            <pc:docMk/>
+            <pc:sldMk cId="0" sldId="256"/>
+            <ac:spMk id="49" creationId="{00000000-0000-0000-0000-000000000000}"/>
+          </ac:spMkLst>
+        </pc:spChg>
+        <pc:spChg chg="mod">
+          <ac:chgData name="John Patrick Johnson" userId="S::jpj8711@ads.northwestern.edu::fe18dc51-e5c5-41f0-a67f-64543119935e" providerId="AD" clId="Web-{C0D6B327-BF2E-1EC4-C4D4-83B34B46966D}" dt="2022-06-01T02:26:27.258" v="5" actId="20577"/>
+          <ac:spMkLst>
+            <pc:docMk/>
+            <pc:sldMk cId="0" sldId="256"/>
+            <ac:spMk id="50" creationId="{00000000-0000-0000-0000-000000000000}"/>
+          </ac:spMkLst>
+        </pc:spChg>
+      </pc:sldChg>
+      <pc:sldChg chg="delSp modSp delAnim">
+        <pc:chgData name="John Patrick Johnson" userId="S::jpj8711@ads.northwestern.edu::fe18dc51-e5c5-41f0-a67f-64543119935e" providerId="AD" clId="Web-{C0D6B327-BF2E-1EC4-C4D4-83B34B46966D}" dt="2022-06-01T02:28:18.211" v="44" actId="20577"/>
+        <pc:sldMkLst>
+          <pc:docMk/>
+          <pc:sldMk cId="0" sldId="259"/>
+        </pc:sldMkLst>
+        <pc:spChg chg="mod">
+          <ac:chgData name="John Patrick Johnson" userId="S::jpj8711@ads.northwestern.edu::fe18dc51-e5c5-41f0-a67f-64543119935e" providerId="AD" clId="Web-{C0D6B327-BF2E-1EC4-C4D4-83B34B46966D}" dt="2022-06-01T02:28:18.211" v="44" actId="20577"/>
+          <ac:spMkLst>
+            <pc:docMk/>
+            <pc:sldMk cId="0" sldId="259"/>
+            <ac:spMk id="74" creationId="{00000000-0000-0000-0000-000000000000}"/>
+          </ac:spMkLst>
+        </pc:spChg>
+        <pc:picChg chg="del">
+          <ac:chgData name="John Patrick Johnson" userId="S::jpj8711@ads.northwestern.edu::fe18dc51-e5c5-41f0-a67f-64543119935e" providerId="AD" clId="Web-{C0D6B327-BF2E-1EC4-C4D4-83B34B46966D}" dt="2022-06-01T02:26:55.055" v="6"/>
+          <ac:picMkLst>
+            <pc:docMk/>
+            <pc:sldMk cId="0" sldId="259"/>
+            <ac:picMk id="78" creationId="{00000000-0000-0000-0000-000000000000}"/>
+          </ac:picMkLst>
+        </pc:picChg>
+      </pc:sldChg>
+      <pc:sldChg chg="modSp">
+        <pc:chgData name="John Patrick Johnson" userId="S::jpj8711@ads.northwestern.edu::fe18dc51-e5c5-41f0-a67f-64543119935e" providerId="AD" clId="Web-{C0D6B327-BF2E-1EC4-C4D4-83B34B46966D}" dt="2022-06-01T02:34:12.194" v="219" actId="20577"/>
+        <pc:sldMkLst>
+          <pc:docMk/>
+          <pc:sldMk cId="0" sldId="261"/>
+        </pc:sldMkLst>
+        <pc:spChg chg="mod">
+          <ac:chgData name="John Patrick Johnson" userId="S::jpj8711@ads.northwestern.edu::fe18dc51-e5c5-41f0-a67f-64543119935e" providerId="AD" clId="Web-{C0D6B327-BF2E-1EC4-C4D4-83B34B46966D}" dt="2022-06-01T02:29:28.851" v="68" actId="20577"/>
+          <ac:spMkLst>
+            <pc:docMk/>
+            <pc:sldMk cId="0" sldId="261"/>
+            <ac:spMk id="94" creationId="{00000000-0000-0000-0000-000000000000}"/>
+          </ac:spMkLst>
+        </pc:spChg>
+        <pc:spChg chg="mod">
+          <ac:chgData name="John Patrick Johnson" userId="S::jpj8711@ads.northwestern.edu::fe18dc51-e5c5-41f0-a67f-64543119935e" providerId="AD" clId="Web-{C0D6B327-BF2E-1EC4-C4D4-83B34B46966D}" dt="2022-06-01T02:34:12.194" v="219" actId="20577"/>
+          <ac:spMkLst>
+            <pc:docMk/>
+            <pc:sldMk cId="0" sldId="261"/>
+            <ac:spMk id="97" creationId="{00000000-0000-0000-0000-000000000000}"/>
+          </ac:spMkLst>
+        </pc:spChg>
+      </pc:sldChg>
+      <pc:sldChg chg="delSp modSp add del delAnim">
+        <pc:chgData name="John Patrick Johnson" userId="S::jpj8711@ads.northwestern.edu::fe18dc51-e5c5-41f0-a67f-64543119935e" providerId="AD" clId="Web-{C0D6B327-BF2E-1EC4-C4D4-83B34B46966D}" dt="2022-06-01T13:17:59.759" v="1802" actId="20577"/>
+        <pc:sldMkLst>
+          <pc:docMk/>
+          <pc:sldMk cId="0" sldId="262"/>
+        </pc:sldMkLst>
+        <pc:spChg chg="mod">
+          <ac:chgData name="John Patrick Johnson" userId="S::jpj8711@ads.northwestern.edu::fe18dc51-e5c5-41f0-a67f-64543119935e" providerId="AD" clId="Web-{C0D6B327-BF2E-1EC4-C4D4-83B34B46966D}" dt="2022-06-01T02:38:30.349" v="310" actId="20577"/>
+          <ac:spMkLst>
+            <pc:docMk/>
+            <pc:sldMk cId="0" sldId="262"/>
+            <ac:spMk id="103" creationId="{00000000-0000-0000-0000-000000000000}"/>
+          </ac:spMkLst>
+        </pc:spChg>
+        <pc:spChg chg="mod">
+          <ac:chgData name="John Patrick Johnson" userId="S::jpj8711@ads.northwestern.edu::fe18dc51-e5c5-41f0-a67f-64543119935e" providerId="AD" clId="Web-{C0D6B327-BF2E-1EC4-C4D4-83B34B46966D}" dt="2022-06-01T13:17:59.759" v="1802" actId="20577"/>
+          <ac:spMkLst>
+            <pc:docMk/>
+            <pc:sldMk cId="0" sldId="262"/>
+            <ac:spMk id="106" creationId="{00000000-0000-0000-0000-000000000000}"/>
+          </ac:spMkLst>
+        </pc:spChg>
+        <pc:picChg chg="del">
+          <ac:chgData name="John Patrick Johnson" userId="S::jpj8711@ads.northwestern.edu::fe18dc51-e5c5-41f0-a67f-64543119935e" providerId="AD" clId="Web-{C0D6B327-BF2E-1EC4-C4D4-83B34B46966D}" dt="2022-06-01T02:38:33.912" v="311"/>
+          <ac:picMkLst>
+            <pc:docMk/>
+            <pc:sldMk cId="0" sldId="262"/>
+            <ac:picMk id="107" creationId="{00000000-0000-0000-0000-000000000000}"/>
+          </ac:picMkLst>
+        </pc:picChg>
+      </pc:sldChg>
+      <pc:sldChg chg="modSp">
+        <pc:chgData name="John Patrick Johnson" userId="S::jpj8711@ads.northwestern.edu::fe18dc51-e5c5-41f0-a67f-64543119935e" providerId="AD" clId="Web-{C0D6B327-BF2E-1EC4-C4D4-83B34B46966D}" dt="2022-06-01T02:42:44.630" v="403" actId="20577"/>
+        <pc:sldMkLst>
+          <pc:docMk/>
+          <pc:sldMk cId="0" sldId="263"/>
+        </pc:sldMkLst>
+        <pc:spChg chg="mod">
+          <ac:chgData name="John Patrick Johnson" userId="S::jpj8711@ads.northwestern.edu::fe18dc51-e5c5-41f0-a67f-64543119935e" providerId="AD" clId="Web-{C0D6B327-BF2E-1EC4-C4D4-83B34B46966D}" dt="2022-06-01T02:42:11.692" v="372" actId="20577"/>
+          <ac:spMkLst>
+            <pc:docMk/>
+            <pc:sldMk cId="0" sldId="263"/>
+            <ac:spMk id="113" creationId="{00000000-0000-0000-0000-000000000000}"/>
+          </ac:spMkLst>
+        </pc:spChg>
+        <pc:spChg chg="mod">
+          <ac:chgData name="John Patrick Johnson" userId="S::jpj8711@ads.northwestern.edu::fe18dc51-e5c5-41f0-a67f-64543119935e" providerId="AD" clId="Web-{C0D6B327-BF2E-1EC4-C4D4-83B34B46966D}" dt="2022-06-01T02:42:44.630" v="403" actId="20577"/>
+          <ac:spMkLst>
+            <pc:docMk/>
+            <pc:sldMk cId="0" sldId="263"/>
+            <ac:spMk id="116" creationId="{00000000-0000-0000-0000-000000000000}"/>
+          </ac:spMkLst>
+        </pc:spChg>
+      </pc:sldChg>
+      <pc:sldChg chg="del">
+        <pc:chgData name="John Patrick Johnson" userId="S::jpj8711@ads.northwestern.edu::fe18dc51-e5c5-41f0-a67f-64543119935e" providerId="AD" clId="Web-{C0D6B327-BF2E-1EC4-C4D4-83B34B46966D}" dt="2022-06-01T02:41:34.567" v="368"/>
+        <pc:sldMkLst>
+          <pc:docMk/>
+          <pc:sldMk cId="0" sldId="265"/>
+        </pc:sldMkLst>
+      </pc:sldChg>
+      <pc:sldChg chg="modSp">
+        <pc:chgData name="John Patrick Johnson" userId="S::jpj8711@ads.northwestern.edu::fe18dc51-e5c5-41f0-a67f-64543119935e" providerId="AD" clId="Web-{C0D6B327-BF2E-1EC4-C4D4-83B34B46966D}" dt="2022-06-01T02:50:26.957" v="590" actId="20577"/>
+        <pc:sldMkLst>
+          <pc:docMk/>
+          <pc:sldMk cId="0" sldId="266"/>
+        </pc:sldMkLst>
+        <pc:spChg chg="mod">
+          <ac:chgData name="John Patrick Johnson" userId="S::jpj8711@ads.northwestern.edu::fe18dc51-e5c5-41f0-a67f-64543119935e" providerId="AD" clId="Web-{C0D6B327-BF2E-1EC4-C4D4-83B34B46966D}" dt="2022-06-01T02:50:26.957" v="590" actId="20577"/>
+          <ac:spMkLst>
+            <pc:docMk/>
+            <pc:sldMk cId="0" sldId="266"/>
+            <ac:spMk id="151" creationId="{00000000-0000-0000-0000-000000000000}"/>
+          </ac:spMkLst>
+        </pc:spChg>
+      </pc:sldChg>
+      <pc:sldChg chg="addSp delSp modSp ord addAnim delAnim">
+        <pc:chgData name="John Patrick Johnson" userId="S::jpj8711@ads.northwestern.edu::fe18dc51-e5c5-41f0-a67f-64543119935e" providerId="AD" clId="Web-{C0D6B327-BF2E-1EC4-C4D4-83B34B46966D}" dt="2022-06-01T13:19:26.758" v="1807"/>
+        <pc:sldMkLst>
+          <pc:docMk/>
+          <pc:sldMk cId="0" sldId="268"/>
+        </pc:sldMkLst>
+        <pc:spChg chg="mod">
+          <ac:chgData name="John Patrick Johnson" userId="S::jpj8711@ads.northwestern.edu::fe18dc51-e5c5-41f0-a67f-64543119935e" providerId="AD" clId="Web-{C0D6B327-BF2E-1EC4-C4D4-83B34B46966D}" dt="2022-06-01T03:18:42.825" v="1112" actId="20577"/>
+          <ac:spMkLst>
+            <pc:docMk/>
+            <pc:sldMk cId="0" sldId="268"/>
+            <ac:spMk id="4" creationId="{00000000-0000-0000-0000-000000000000}"/>
+          </ac:spMkLst>
+        </pc:spChg>
+        <pc:spChg chg="add del mod">
+          <ac:chgData name="John Patrick Johnson" userId="S::jpj8711@ads.northwestern.edu::fe18dc51-e5c5-41f0-a67f-64543119935e" providerId="AD" clId="Web-{C0D6B327-BF2E-1EC4-C4D4-83B34B46966D}" dt="2022-06-01T03:12:32.013" v="985"/>
+          <ac:spMkLst>
+            <pc:docMk/>
+            <pc:sldMk cId="0" sldId="268"/>
+            <ac:spMk id="6" creationId="{6EB2BF68-0666-68D7-212A-7FD9C83A7850}"/>
+          </ac:spMkLst>
+        </pc:spChg>
+        <pc:spChg chg="add mod">
+          <ac:chgData name="John Patrick Johnson" userId="S::jpj8711@ads.northwestern.edu::fe18dc51-e5c5-41f0-a67f-64543119935e" providerId="AD" clId="Web-{C0D6B327-BF2E-1EC4-C4D4-83B34B46966D}" dt="2022-06-01T03:18:45.528" v="1113" actId="1076"/>
+          <ac:spMkLst>
+            <pc:docMk/>
+            <pc:sldMk cId="0" sldId="268"/>
+            <ac:spMk id="8" creationId="{B1E6CF50-387D-7542-57FA-51B635A52475}"/>
+          </ac:spMkLst>
+        </pc:spChg>
+        <pc:spChg chg="add del">
+          <ac:chgData name="John Patrick Johnson" userId="S::jpj8711@ads.northwestern.edu::fe18dc51-e5c5-41f0-a67f-64543119935e" providerId="AD" clId="Web-{C0D6B327-BF2E-1EC4-C4D4-83B34B46966D}" dt="2022-06-01T03:19:01.949" v="1115"/>
+          <ac:spMkLst>
+            <pc:docMk/>
+            <pc:sldMk cId="0" sldId="268"/>
+            <ac:spMk id="9" creationId="{450F678F-46C9-5163-7C26-C5145BB4774F}"/>
+          </ac:spMkLst>
+        </pc:spChg>
+        <pc:spChg chg="add del">
+          <ac:chgData name="John Patrick Johnson" userId="S::jpj8711@ads.northwestern.edu::fe18dc51-e5c5-41f0-a67f-64543119935e" providerId="AD" clId="Web-{C0D6B327-BF2E-1EC4-C4D4-83B34B46966D}" dt="2022-06-01T03:19:11.949" v="1117"/>
+          <ac:spMkLst>
+            <pc:docMk/>
+            <pc:sldMk cId="0" sldId="268"/>
+            <ac:spMk id="10" creationId="{450F678F-46C9-5163-7C26-C5145BB4774F}"/>
+          </ac:spMkLst>
+        </pc:spChg>
+        <pc:spChg chg="add mod">
+          <ac:chgData name="John Patrick Johnson" userId="S::jpj8711@ads.northwestern.edu::fe18dc51-e5c5-41f0-a67f-64543119935e" providerId="AD" clId="Web-{C0D6B327-BF2E-1EC4-C4D4-83B34B46966D}" dt="2022-06-01T03:19:41.590" v="1137" actId="20577"/>
+          <ac:spMkLst>
+            <pc:docMk/>
+            <pc:sldMk cId="0" sldId="268"/>
+            <ac:spMk id="12" creationId="{7F77E056-C577-DCD6-E10F-B619C64CA4E0}"/>
+          </ac:spMkLst>
+        </pc:spChg>
+        <pc:spChg chg="mod">
+          <ac:chgData name="John Patrick Johnson" userId="S::jpj8711@ads.northwestern.edu::fe18dc51-e5c5-41f0-a67f-64543119935e" providerId="AD" clId="Web-{C0D6B327-BF2E-1EC4-C4D4-83B34B46966D}" dt="2022-06-01T02:58:07.579" v="723" actId="20577"/>
+          <ac:spMkLst>
+            <pc:docMk/>
+            <pc:sldMk cId="0" sldId="268"/>
+            <ac:spMk id="166" creationId="{00000000-0000-0000-0000-000000000000}"/>
+          </ac:spMkLst>
+        </pc:spChg>
+        <pc:picChg chg="mod">
+          <ac:chgData name="John Patrick Johnson" userId="S::jpj8711@ads.northwestern.edu::fe18dc51-e5c5-41f0-a67f-64543119935e" providerId="AD" clId="Web-{C0D6B327-BF2E-1EC4-C4D4-83B34B46966D}" dt="2022-06-01T03:18:14.700" v="1102" actId="14100"/>
+          <ac:picMkLst>
+            <pc:docMk/>
+            <pc:sldMk cId="0" sldId="268"/>
+            <ac:picMk id="3" creationId="{00000000-0000-0000-0000-000000000000}"/>
+          </ac:picMkLst>
+        </pc:picChg>
+      </pc:sldChg>
+      <pc:sldChg chg="modSp ord">
+        <pc:chgData name="John Patrick Johnson" userId="S::jpj8711@ads.northwestern.edu::fe18dc51-e5c5-41f0-a67f-64543119935e" providerId="AD" clId="Web-{C0D6B327-BF2E-1EC4-C4D4-83B34B46966D}" dt="2022-06-01T13:19:29.602" v="1808"/>
+        <pc:sldMkLst>
+          <pc:docMk/>
+          <pc:sldMk cId="0" sldId="269"/>
+        </pc:sldMkLst>
+        <pc:spChg chg="mod">
+          <ac:chgData name="John Patrick Johnson" userId="S::jpj8711@ads.northwestern.edu::fe18dc51-e5c5-41f0-a67f-64543119935e" providerId="AD" clId="Web-{C0D6B327-BF2E-1EC4-C4D4-83B34B46966D}" dt="2022-06-01T02:57:53.532" v="721" actId="20577"/>
+          <ac:spMkLst>
+            <pc:docMk/>
+            <pc:sldMk cId="0" sldId="269"/>
+            <ac:spMk id="176" creationId="{00000000-0000-0000-0000-000000000000}"/>
+          </ac:spMkLst>
+        </pc:spChg>
+        <pc:spChg chg="mod">
+          <ac:chgData name="John Patrick Johnson" userId="S::jpj8711@ads.northwestern.edu::fe18dc51-e5c5-41f0-a67f-64543119935e" providerId="AD" clId="Web-{C0D6B327-BF2E-1EC4-C4D4-83B34B46966D}" dt="2022-06-01T03:16:37.247" v="1088" actId="20577"/>
+          <ac:spMkLst>
+            <pc:docMk/>
+            <pc:sldMk cId="0" sldId="269"/>
+            <ac:spMk id="179" creationId="{00000000-0000-0000-0000-000000000000}"/>
+          </ac:spMkLst>
+        </pc:spChg>
+      </pc:sldChg>
+      <pc:sldChg chg="modSp">
+        <pc:chgData name="John Patrick Johnson" userId="S::jpj8711@ads.northwestern.edu::fe18dc51-e5c5-41f0-a67f-64543119935e" providerId="AD" clId="Web-{C0D6B327-BF2E-1EC4-C4D4-83B34B46966D}" dt="2022-06-01T13:21:39.492" v="1890" actId="20577"/>
         <pc:sldMkLst>
           <pc:docMk/>
           <pc:sldMk cId="0" sldId="272"/>
         </pc:sldMkLst>
+        <pc:spChg chg="mod">
+          <ac:chgData name="John Patrick Johnson" userId="S::jpj8711@ads.northwestern.edu::fe18dc51-e5c5-41f0-a67f-64543119935e" providerId="AD" clId="Web-{C0D6B327-BF2E-1EC4-C4D4-83B34B46966D}" dt="2022-06-01T13:21:39.492" v="1890" actId="20577"/>
+          <ac:spMkLst>
+            <pc:docMk/>
+            <pc:sldMk cId="0" sldId="272"/>
+            <ac:spMk id="5" creationId="{D530A949-24AC-48CD-B587-1D34E28B4FBC}"/>
+          </ac:spMkLst>
+        </pc:spChg>
+        <pc:spChg chg="mod">
+          <ac:chgData name="John Patrick Johnson" userId="S::jpj8711@ads.northwestern.edu::fe18dc51-e5c5-41f0-a67f-64543119935e" providerId="AD" clId="Web-{C0D6B327-BF2E-1EC4-C4D4-83B34B46966D}" dt="2022-06-01T13:20:03.118" v="1812" actId="20577"/>
+          <ac:spMkLst>
+            <pc:docMk/>
+            <pc:sldMk cId="0" sldId="272"/>
+            <ac:spMk id="206" creationId="{00000000-0000-0000-0000-000000000000}"/>
+          </ac:spMkLst>
+        </pc:spChg>
       </pc:sldChg>
       <pc:sldChg chg="ord">
-        <pc:chgData name="John Patrick Johnson" userId="S::jpj8711@ads.northwestern.edu::fe18dc51-e5c5-41f0-a67f-64543119935e" providerId="AD" clId="Web-{141099D0-7457-7AFA-9CF7-B723EBA81563}" dt="2023-01-11T21:22:41.164" v="1"/>
+        <pc:chgData name="John Patrick Johnson" userId="S::jpj8711@ads.northwestern.edu::fe18dc51-e5c5-41f0-a67f-64543119935e" providerId="AD" clId="Web-{C0D6B327-BF2E-1EC4-C4D4-83B34B46966D}" dt="2022-06-01T02:41:41.880" v="369"/>
         <pc:sldMkLst>
           <pc:docMk/>
-          <pc:sldMk cId="679406833" sldId="284"/>
+          <pc:sldMk cId="0" sldId="274"/>
+        </pc:sldMkLst>
+      </pc:sldChg>
+      <pc:sldChg chg="modSp">
+        <pc:chgData name="John Patrick Johnson" userId="S::jpj8711@ads.northwestern.edu::fe18dc51-e5c5-41f0-a67f-64543119935e" providerId="AD" clId="Web-{C0D6B327-BF2E-1EC4-C4D4-83B34B46966D}" dt="2022-06-01T03:26:12.385" v="1269" actId="20577"/>
+        <pc:sldMkLst>
+          <pc:docMk/>
+          <pc:sldMk cId="0" sldId="276"/>
+        </pc:sldMkLst>
+        <pc:spChg chg="mod">
+          <ac:chgData name="John Patrick Johnson" userId="S::jpj8711@ads.northwestern.edu::fe18dc51-e5c5-41f0-a67f-64543119935e" providerId="AD" clId="Web-{C0D6B327-BF2E-1EC4-C4D4-83B34B46966D}" dt="2022-06-01T03:24:29.448" v="1194" actId="20577"/>
+          <ac:spMkLst>
+            <pc:docMk/>
+            <pc:sldMk cId="0" sldId="276"/>
+            <ac:spMk id="250" creationId="{00000000-0000-0000-0000-000000000000}"/>
+          </ac:spMkLst>
+        </pc:spChg>
+        <pc:spChg chg="mod">
+          <ac:chgData name="John Patrick Johnson" userId="S::jpj8711@ads.northwestern.edu::fe18dc51-e5c5-41f0-a67f-64543119935e" providerId="AD" clId="Web-{C0D6B327-BF2E-1EC4-C4D4-83B34B46966D}" dt="2022-06-01T03:26:12.385" v="1269" actId="20577"/>
+          <ac:spMkLst>
+            <pc:docMk/>
+            <pc:sldMk cId="0" sldId="276"/>
+            <ac:spMk id="253" creationId="{00000000-0000-0000-0000-000000000000}"/>
+          </ac:spMkLst>
+        </pc:spChg>
+      </pc:sldChg>
+      <pc:sldChg chg="addSp modSp">
+        <pc:chgData name="John Patrick Johnson" userId="S::jpj8711@ads.northwestern.edu::fe18dc51-e5c5-41f0-a67f-64543119935e" providerId="AD" clId="Web-{C0D6B327-BF2E-1EC4-C4D4-83B34B46966D}" dt="2022-06-01T02:36:30.022" v="276" actId="20577"/>
+        <pc:sldMkLst>
+          <pc:docMk/>
+          <pc:sldMk cId="0" sldId="280"/>
+        </pc:sldMkLst>
+        <pc:spChg chg="mod">
+          <ac:chgData name="John Patrick Johnson" userId="S::jpj8711@ads.northwestern.edu::fe18dc51-e5c5-41f0-a67f-64543119935e" providerId="AD" clId="Web-{C0D6B327-BF2E-1EC4-C4D4-83B34B46966D}" dt="2022-06-01T02:27:35.164" v="27" actId="20577"/>
+          <ac:spMkLst>
+            <pc:docMk/>
+            <pc:sldMk cId="0" sldId="280"/>
+            <ac:spMk id="287" creationId="{00000000-0000-0000-0000-000000000000}"/>
+          </ac:spMkLst>
+        </pc:spChg>
+        <pc:spChg chg="mod">
+          <ac:chgData name="John Patrick Johnson" userId="S::jpj8711@ads.northwestern.edu::fe18dc51-e5c5-41f0-a67f-64543119935e" providerId="AD" clId="Web-{C0D6B327-BF2E-1EC4-C4D4-83B34B46966D}" dt="2022-06-01T02:36:30.022" v="276" actId="20577"/>
+          <ac:spMkLst>
+            <pc:docMk/>
+            <pc:sldMk cId="0" sldId="280"/>
+            <ac:spMk id="290" creationId="{00000000-0000-0000-0000-000000000000}"/>
+          </ac:spMkLst>
+        </pc:spChg>
+        <pc:picChg chg="add mod">
+          <ac:chgData name="John Patrick Johnson" userId="S::jpj8711@ads.northwestern.edu::fe18dc51-e5c5-41f0-a67f-64543119935e" providerId="AD" clId="Web-{C0D6B327-BF2E-1EC4-C4D4-83B34B46966D}" dt="2022-06-01T02:27:12.227" v="9" actId="1076"/>
+          <ac:picMkLst>
+            <pc:docMk/>
+            <pc:sldMk cId="0" sldId="280"/>
+            <ac:picMk id="3" creationId="{11A58728-FE18-8B7B-F0DE-2722E887D8BF}"/>
+          </ac:picMkLst>
+        </pc:picChg>
+      </pc:sldChg>
+      <pc:sldChg chg="addSp delSp modSp ord">
+        <pc:chgData name="John Patrick Johnson" userId="S::jpj8711@ads.northwestern.edu::fe18dc51-e5c5-41f0-a67f-64543119935e" providerId="AD" clId="Web-{C0D6B327-BF2E-1EC4-C4D4-83B34B46966D}" dt="2022-06-01T13:19:41.508" v="1809"/>
+        <pc:sldMkLst>
+          <pc:docMk/>
+          <pc:sldMk cId="1528208654" sldId="281"/>
+        </pc:sldMkLst>
+        <pc:spChg chg="add mod">
+          <ac:chgData name="John Patrick Johnson" userId="S::jpj8711@ads.northwestern.edu::fe18dc51-e5c5-41f0-a67f-64543119935e" providerId="AD" clId="Web-{C0D6B327-BF2E-1EC4-C4D4-83B34B46966D}" dt="2022-06-01T02:57:24.064" v="713" actId="1076"/>
+          <ac:spMkLst>
+            <pc:docMk/>
+            <pc:sldMk cId="1528208654" sldId="281"/>
+            <ac:spMk id="5" creationId="{BE2F5B8D-A270-D216-55C3-243456594D03}"/>
+          </ac:spMkLst>
+        </pc:spChg>
+        <pc:spChg chg="mod">
+          <ac:chgData name="John Patrick Johnson" userId="S::jpj8711@ads.northwestern.edu::fe18dc51-e5c5-41f0-a67f-64543119935e" providerId="AD" clId="Web-{C0D6B327-BF2E-1EC4-C4D4-83B34B46966D}" dt="2022-06-01T13:19:01.993" v="1805" actId="20577"/>
+          <ac:spMkLst>
+            <pc:docMk/>
+            <pc:sldMk cId="1528208654" sldId="281"/>
+            <ac:spMk id="186" creationId="{00000000-0000-0000-0000-000000000000}"/>
+          </ac:spMkLst>
+        </pc:spChg>
+        <pc:picChg chg="del">
+          <ac:chgData name="John Patrick Johnson" userId="S::jpj8711@ads.northwestern.edu::fe18dc51-e5c5-41f0-a67f-64543119935e" providerId="AD" clId="Web-{C0D6B327-BF2E-1EC4-C4D4-83B34B46966D}" dt="2022-06-01T02:53:34.534" v="591"/>
+          <ac:picMkLst>
+            <pc:docMk/>
+            <pc:sldMk cId="1528208654" sldId="281"/>
+            <ac:picMk id="3" creationId="{7864658F-7BC4-4B78-8FE5-9D728E78507F}"/>
+          </ac:picMkLst>
+        </pc:picChg>
+        <pc:picChg chg="add mod">
+          <ac:chgData name="John Patrick Johnson" userId="S::jpj8711@ads.northwestern.edu::fe18dc51-e5c5-41f0-a67f-64543119935e" providerId="AD" clId="Web-{C0D6B327-BF2E-1EC4-C4D4-83B34B46966D}" dt="2022-06-01T02:56:38.595" v="676" actId="1076"/>
+          <ac:picMkLst>
+            <pc:docMk/>
+            <pc:sldMk cId="1528208654" sldId="281"/>
+            <ac:picMk id="4" creationId="{72E39C7F-D1D4-ED64-0613-6CAE0A8B08A8}"/>
+          </ac:picMkLst>
+        </pc:picChg>
+      </pc:sldChg>
+      <pc:sldChg chg="addSp delSp modSp ord">
+        <pc:chgData name="John Patrick Johnson" userId="S::jpj8711@ads.northwestern.edu::fe18dc51-e5c5-41f0-a67f-64543119935e" providerId="AD" clId="Web-{C0D6B327-BF2E-1EC4-C4D4-83B34B46966D}" dt="2022-06-01T06:25:33.898" v="1793" actId="20577"/>
+        <pc:sldMkLst>
+          <pc:docMk/>
+          <pc:sldMk cId="837207602" sldId="282"/>
+        </pc:sldMkLst>
+        <pc:spChg chg="add mod">
+          <ac:chgData name="John Patrick Johnson" userId="S::jpj8711@ads.northwestern.edu::fe18dc51-e5c5-41f0-a67f-64543119935e" providerId="AD" clId="Web-{C0D6B327-BF2E-1EC4-C4D4-83B34B46966D}" dt="2022-06-01T06:25:33.898" v="1793" actId="20577"/>
+          <ac:spMkLst>
+            <pc:docMk/>
+            <pc:sldMk cId="837207602" sldId="282"/>
+            <ac:spMk id="3" creationId="{52588039-4CD5-A745-394E-9E48A5A8FD86}"/>
+          </ac:spMkLst>
+        </pc:spChg>
+        <pc:spChg chg="add del">
+          <ac:chgData name="John Patrick Johnson" userId="S::jpj8711@ads.northwestern.edu::fe18dc51-e5c5-41f0-a67f-64543119935e" providerId="AD" clId="Web-{C0D6B327-BF2E-1EC4-C4D4-83B34B46966D}" dt="2022-06-01T03:34:47.414" v="1561"/>
+          <ac:spMkLst>
+            <pc:docMk/>
+            <pc:sldMk cId="837207602" sldId="282"/>
+            <ac:spMk id="6" creationId="{666D8669-9B01-BC8C-F3FD-9E41B5F5206A}"/>
+          </ac:spMkLst>
+        </pc:spChg>
+        <pc:spChg chg="add del">
+          <ac:chgData name="John Patrick Johnson" userId="S::jpj8711@ads.northwestern.edu::fe18dc51-e5c5-41f0-a67f-64543119935e" providerId="AD" clId="Web-{C0D6B327-BF2E-1EC4-C4D4-83B34B46966D}" dt="2022-06-01T03:34:53.368" v="1563"/>
+          <ac:spMkLst>
+            <pc:docMk/>
+            <pc:sldMk cId="837207602" sldId="282"/>
+            <ac:spMk id="8" creationId="{97F25CB9-9132-58FD-51D0-49C0BFABF25B}"/>
+          </ac:spMkLst>
+        </pc:spChg>
+        <pc:spChg chg="add mod">
+          <ac:chgData name="John Patrick Johnson" userId="S::jpj8711@ads.northwestern.edu::fe18dc51-e5c5-41f0-a67f-64543119935e" providerId="AD" clId="Web-{C0D6B327-BF2E-1EC4-C4D4-83B34B46966D}" dt="2022-06-01T03:40:32.272" v="1674" actId="20577"/>
+          <ac:spMkLst>
+            <pc:docMk/>
+            <pc:sldMk cId="837207602" sldId="282"/>
+            <ac:spMk id="9" creationId="{62565879-8A2E-EBF5-A9DD-54B47D47CBC4}"/>
+          </ac:spMkLst>
+        </pc:spChg>
+        <pc:spChg chg="add mod">
+          <ac:chgData name="John Patrick Johnson" userId="S::jpj8711@ads.northwestern.edu::fe18dc51-e5c5-41f0-a67f-64543119935e" providerId="AD" clId="Web-{C0D6B327-BF2E-1EC4-C4D4-83B34B46966D}" dt="2022-06-01T03:43:52.162" v="1700" actId="20577"/>
+          <ac:spMkLst>
+            <pc:docMk/>
+            <pc:sldMk cId="837207602" sldId="282"/>
+            <ac:spMk id="10" creationId="{296C0996-A7E3-346C-DB01-05F03B03BF90}"/>
+          </ac:spMkLst>
+        </pc:spChg>
+        <pc:spChg chg="add mod">
+          <ac:chgData name="John Patrick Johnson" userId="S::jpj8711@ads.northwestern.edu::fe18dc51-e5c5-41f0-a67f-64543119935e" providerId="AD" clId="Web-{C0D6B327-BF2E-1EC4-C4D4-83B34B46966D}" dt="2022-06-01T03:45:13.146" v="1727" actId="20577"/>
+          <ac:spMkLst>
+            <pc:docMk/>
+            <pc:sldMk cId="837207602" sldId="282"/>
+            <ac:spMk id="11" creationId="{A1339F41-7577-E7F6-8916-A0D3053CEEEE}"/>
+          </ac:spMkLst>
+        </pc:spChg>
+        <pc:spChg chg="add mod">
+          <ac:chgData name="John Patrick Johnson" userId="S::jpj8711@ads.northwestern.edu::fe18dc51-e5c5-41f0-a67f-64543119935e" providerId="AD" clId="Web-{C0D6B327-BF2E-1EC4-C4D4-83B34B46966D}" dt="2022-06-01T03:47:59.583" v="1780" actId="20577"/>
+          <ac:spMkLst>
+            <pc:docMk/>
+            <pc:sldMk cId="837207602" sldId="282"/>
+            <ac:spMk id="12" creationId="{B195C3E0-8603-751F-CEC4-E67817945A60}"/>
+          </ac:spMkLst>
+        </pc:spChg>
+        <pc:spChg chg="add mod">
+          <ac:chgData name="John Patrick Johnson" userId="S::jpj8711@ads.northwestern.edu::fe18dc51-e5c5-41f0-a67f-64543119935e" providerId="AD" clId="Web-{C0D6B327-BF2E-1EC4-C4D4-83B34B46966D}" dt="2022-06-01T03:48:51.224" v="1790" actId="20577"/>
+          <ac:spMkLst>
+            <pc:docMk/>
+            <pc:sldMk cId="837207602" sldId="282"/>
+            <ac:spMk id="13" creationId="{4C380D0C-F3C0-6BCB-683A-D06B15F59CA7}"/>
+          </ac:spMkLst>
+        </pc:spChg>
+        <pc:spChg chg="mod">
+          <ac:chgData name="John Patrick Johnson" userId="S::jpj8711@ads.northwestern.edu::fe18dc51-e5c5-41f0-a67f-64543119935e" providerId="AD" clId="Web-{C0D6B327-BF2E-1EC4-C4D4-83B34B46966D}" dt="2022-06-01T03:32:23.509" v="1480" actId="20577"/>
+          <ac:spMkLst>
+            <pc:docMk/>
+            <pc:sldMk cId="837207602" sldId="282"/>
+            <ac:spMk id="250" creationId="{00000000-0000-0000-0000-000000000000}"/>
+          </ac:spMkLst>
+        </pc:spChg>
+        <pc:graphicFrameChg chg="del mod modGraphic">
+          <ac:chgData name="John Patrick Johnson" userId="S::jpj8711@ads.northwestern.edu::fe18dc51-e5c5-41f0-a67f-64543119935e" providerId="AD" clId="Web-{C0D6B327-BF2E-1EC4-C4D4-83B34B46966D}" dt="2022-06-01T03:32:31.931" v="1483"/>
+          <ac:graphicFrameMkLst>
+            <pc:docMk/>
+            <pc:sldMk cId="837207602" sldId="282"/>
+            <ac:graphicFrameMk id="5" creationId="{285B998A-5C00-439B-BE1E-F29A5600755F}"/>
+          </ac:graphicFrameMkLst>
+        </pc:graphicFrameChg>
+      </pc:sldChg>
+    </pc:docChg>
+  </pc:docChgLst>
+  <pc:docChgLst>
+    <pc:chgData name="Ginger Lee Jacobson" userId="S::glj8018@ads.northwestern.edu::3a49910d-c358-4586-b31b-05d58406f615" providerId="AD" clId="Web-{7AC93377-18E1-1866-5C11-A99D5AE0897D}"/>
+    <pc:docChg chg="modSld">
+      <pc:chgData name="Ginger Lee Jacobson" userId="S::glj8018@ads.northwestern.edu::3a49910d-c358-4586-b31b-05d58406f615" providerId="AD" clId="Web-{7AC93377-18E1-1866-5C11-A99D5AE0897D}" dt="2023-01-11T20:17:49.298" v="13" actId="20577"/>
+      <pc:docMkLst>
+        <pc:docMk/>
+      </pc:docMkLst>
+      <pc:sldChg chg="modSp">
+        <pc:chgData name="Ginger Lee Jacobson" userId="S::glj8018@ads.northwestern.edu::3a49910d-c358-4586-b31b-05d58406f615" providerId="AD" clId="Web-{7AC93377-18E1-1866-5C11-A99D5AE0897D}" dt="2023-01-11T20:17:49.298" v="13" actId="20577"/>
+        <pc:sldMkLst>
+          <pc:docMk/>
+          <pc:sldMk cId="1680070822" sldId="293"/>
+        </pc:sldMkLst>
+        <pc:spChg chg="mod">
+          <ac:chgData name="Ginger Lee Jacobson" userId="S::glj8018@ads.northwestern.edu::3a49910d-c358-4586-b31b-05d58406f615" providerId="AD" clId="Web-{7AC93377-18E1-1866-5C11-A99D5AE0897D}" dt="2023-01-11T20:17:49.298" v="13" actId="20577"/>
+          <ac:spMkLst>
+            <pc:docMk/>
+            <pc:sldMk cId="1680070822" sldId="293"/>
+            <ac:spMk id="3" creationId="{72BA3BD0-066D-3791-B32E-795ACC0C3316}"/>
+          </ac:spMkLst>
+        </pc:spChg>
+      </pc:sldChg>
+    </pc:docChg>
+  </pc:docChgLst>
+  <pc:docChgLst>
+    <pc:chgData name="Ginger Lee Jacobson" userId="S::glj8018@ads.northwestern.edu::3a49910d-c358-4586-b31b-05d58406f615" providerId="AD" clId="Web-{96A0F23C-EA1A-DFA0-97BA-C0DF366CBE47}"/>
+    <pc:docChg chg="modSld">
+      <pc:chgData name="Ginger Lee Jacobson" userId="S::glj8018@ads.northwestern.edu::3a49910d-c358-4586-b31b-05d58406f615" providerId="AD" clId="Web-{96A0F23C-EA1A-DFA0-97BA-C0DF366CBE47}" dt="2023-01-13T15:21:25.464" v="4" actId="20577"/>
+      <pc:docMkLst>
+        <pc:docMk/>
+      </pc:docMkLst>
+      <pc:sldChg chg="modSp">
+        <pc:chgData name="Ginger Lee Jacobson" userId="S::glj8018@ads.northwestern.edu::3a49910d-c358-4586-b31b-05d58406f615" providerId="AD" clId="Web-{96A0F23C-EA1A-DFA0-97BA-C0DF366CBE47}" dt="2023-01-13T15:21:25.464" v="4" actId="20577"/>
+        <pc:sldMkLst>
+          <pc:docMk/>
+          <pc:sldMk cId="649797171" sldId="309"/>
+        </pc:sldMkLst>
+        <pc:spChg chg="mod">
+          <ac:chgData name="Ginger Lee Jacobson" userId="S::glj8018@ads.northwestern.edu::3a49910d-c358-4586-b31b-05d58406f615" providerId="AD" clId="Web-{96A0F23C-EA1A-DFA0-97BA-C0DF366CBE47}" dt="2023-01-13T15:21:25.464" v="4" actId="20577"/>
+          <ac:spMkLst>
+            <pc:docMk/>
+            <pc:sldMk cId="649797171" sldId="309"/>
+            <ac:spMk id="4" creationId="{E01374D5-3FDC-ACF5-3153-58548A78F130}"/>
+          </ac:spMkLst>
+        </pc:spChg>
+      </pc:sldChg>
+    </pc:docChg>
+  </pc:docChgLst>
+  <pc:docChgLst>
+    <pc:chgData name="Ginger Lee Jacobson" userId="S::glj8018@ads.northwestern.edu::3a49910d-c358-4586-b31b-05d58406f615" providerId="AD" clId="Web-{1079E6ED-946C-8550-3B7A-BFCD13048C1F}"/>
+    <pc:docChg chg="addSld modSld sldOrd">
+      <pc:chgData name="Ginger Lee Jacobson" userId="S::glj8018@ads.northwestern.edu::3a49910d-c358-4586-b31b-05d58406f615" providerId="AD" clId="Web-{1079E6ED-946C-8550-3B7A-BFCD13048C1F}" dt="2023-01-06T16:30:19.894" v="1109"/>
+      <pc:docMkLst>
+        <pc:docMk/>
+      </pc:docMkLst>
+      <pc:sldChg chg="modSp new modNotes">
+        <pc:chgData name="Ginger Lee Jacobson" userId="S::glj8018@ads.northwestern.edu::3a49910d-c358-4586-b31b-05d58406f615" providerId="AD" clId="Web-{1079E6ED-946C-8550-3B7A-BFCD13048C1F}" dt="2023-01-05T20:46:33.335" v="59" actId="20577"/>
+        <pc:sldMkLst>
+          <pc:docMk/>
+          <pc:sldMk cId="60139911" sldId="287"/>
+        </pc:sldMkLst>
+        <pc:spChg chg="mod">
+          <ac:chgData name="Ginger Lee Jacobson" userId="S::glj8018@ads.northwestern.edu::3a49910d-c358-4586-b31b-05d58406f615" providerId="AD" clId="Web-{1079E6ED-946C-8550-3B7A-BFCD13048C1F}" dt="2023-01-05T20:46:33.335" v="59" actId="20577"/>
+          <ac:spMkLst>
+            <pc:docMk/>
+            <pc:sldMk cId="60139911" sldId="287"/>
+            <ac:spMk id="2" creationId="{B7862AAB-75C5-01E8-7C83-F7CB14768AFA}"/>
+          </ac:spMkLst>
+        </pc:spChg>
+        <pc:spChg chg="mod">
+          <ac:chgData name="Ginger Lee Jacobson" userId="S::glj8018@ads.northwestern.edu::3a49910d-c358-4586-b31b-05d58406f615" providerId="AD" clId="Web-{1079E6ED-946C-8550-3B7A-BFCD13048C1F}" dt="2023-01-05T20:34:47.078" v="39" actId="20577"/>
+          <ac:spMkLst>
+            <pc:docMk/>
+            <pc:sldMk cId="60139911" sldId="287"/>
+            <ac:spMk id="3" creationId="{838492E3-91C7-FA09-1EED-65C4220C1E22}"/>
+          </ac:spMkLst>
+        </pc:spChg>
+      </pc:sldChg>
+      <pc:sldChg chg="modSp new modNotes">
+        <pc:chgData name="Ginger Lee Jacobson" userId="S::glj8018@ads.northwestern.edu::3a49910d-c358-4586-b31b-05d58406f615" providerId="AD" clId="Web-{1079E6ED-946C-8550-3B7A-BFCD13048C1F}" dt="2023-01-05T23:13:03.407" v="604"/>
+        <pc:sldMkLst>
+          <pc:docMk/>
+          <pc:sldMk cId="930816888" sldId="288"/>
+        </pc:sldMkLst>
+        <pc:spChg chg="mod">
+          <ac:chgData name="Ginger Lee Jacobson" userId="S::glj8018@ads.northwestern.edu::3a49910d-c358-4586-b31b-05d58406f615" providerId="AD" clId="Web-{1079E6ED-946C-8550-3B7A-BFCD13048C1F}" dt="2023-01-05T20:48:49.136" v="75" actId="20577"/>
+          <ac:spMkLst>
+            <pc:docMk/>
+            <pc:sldMk cId="930816888" sldId="288"/>
+            <ac:spMk id="2" creationId="{7200D950-435E-FB56-2A00-6CC4F00A48DE}"/>
+          </ac:spMkLst>
+        </pc:spChg>
+        <pc:spChg chg="mod">
+          <ac:chgData name="Ginger Lee Jacobson" userId="S::glj8018@ads.northwestern.edu::3a49910d-c358-4586-b31b-05d58406f615" providerId="AD" clId="Web-{1079E6ED-946C-8550-3B7A-BFCD13048C1F}" dt="2023-01-05T23:03:22.422" v="425" actId="20577"/>
+          <ac:spMkLst>
+            <pc:docMk/>
+            <pc:sldMk cId="930816888" sldId="288"/>
+            <ac:spMk id="3" creationId="{8C3CD767-BA56-33DE-19FB-D9CC2C48F430}"/>
+          </ac:spMkLst>
+        </pc:spChg>
+      </pc:sldChg>
+      <pc:sldChg chg="addSp modSp new modNotes">
+        <pc:chgData name="Ginger Lee Jacobson" userId="S::glj8018@ads.northwestern.edu::3a49910d-c358-4586-b31b-05d58406f615" providerId="AD" clId="Web-{1079E6ED-946C-8550-3B7A-BFCD13048C1F}" dt="2023-01-05T23:39:05.280" v="981" actId="1076"/>
+        <pc:sldMkLst>
+          <pc:docMk/>
+          <pc:sldMk cId="1467023248" sldId="289"/>
+        </pc:sldMkLst>
+        <pc:spChg chg="mod">
+          <ac:chgData name="Ginger Lee Jacobson" userId="S::glj8018@ads.northwestern.edu::3a49910d-c358-4586-b31b-05d58406f615" providerId="AD" clId="Web-{1079E6ED-946C-8550-3B7A-BFCD13048C1F}" dt="2023-01-05T20:48:45.386" v="74" actId="20577"/>
+          <ac:spMkLst>
+            <pc:docMk/>
+            <pc:sldMk cId="1467023248" sldId="289"/>
+            <ac:spMk id="2" creationId="{5BBB0CF6-0E80-6BFD-5D19-EAD971B17967}"/>
+          </ac:spMkLst>
+        </pc:spChg>
+        <pc:spChg chg="mod">
+          <ac:chgData name="Ginger Lee Jacobson" userId="S::glj8018@ads.northwestern.edu::3a49910d-c358-4586-b31b-05d58406f615" providerId="AD" clId="Web-{1079E6ED-946C-8550-3B7A-BFCD13048C1F}" dt="2023-01-05T23:39:04.155" v="980" actId="20577"/>
+          <ac:spMkLst>
+            <pc:docMk/>
+            <pc:sldMk cId="1467023248" sldId="289"/>
+            <ac:spMk id="3" creationId="{E734A82D-A943-360B-0A2E-BBD555F97DAF}"/>
+          </ac:spMkLst>
+        </pc:spChg>
+        <pc:picChg chg="add mod">
+          <ac:chgData name="Ginger Lee Jacobson" userId="S::glj8018@ads.northwestern.edu::3a49910d-c358-4586-b31b-05d58406f615" providerId="AD" clId="Web-{1079E6ED-946C-8550-3B7A-BFCD13048C1F}" dt="2023-01-05T23:39:05.280" v="981" actId="1076"/>
+          <ac:picMkLst>
+            <pc:docMk/>
+            <pc:sldMk cId="1467023248" sldId="289"/>
+            <ac:picMk id="6" creationId="{D6008855-D028-2C32-B4D0-7F98676662F6}"/>
+          </ac:picMkLst>
+        </pc:picChg>
+      </pc:sldChg>
+      <pc:sldChg chg="modSp new">
+        <pc:chgData name="Ginger Lee Jacobson" userId="S::glj8018@ads.northwestern.edu::3a49910d-c358-4586-b31b-05d58406f615" providerId="AD" clId="Web-{1079E6ED-946C-8550-3B7A-BFCD13048C1F}" dt="2023-01-05T20:59:33" v="215" actId="20577"/>
+        <pc:sldMkLst>
+          <pc:docMk/>
+          <pc:sldMk cId="4100909272" sldId="290"/>
+        </pc:sldMkLst>
+        <pc:spChg chg="mod">
+          <ac:chgData name="Ginger Lee Jacobson" userId="S::glj8018@ads.northwestern.edu::3a49910d-c358-4586-b31b-05d58406f615" providerId="AD" clId="Web-{1079E6ED-946C-8550-3B7A-BFCD13048C1F}" dt="2023-01-05T20:59:33" v="215" actId="20577"/>
+          <ac:spMkLst>
+            <pc:docMk/>
+            <pc:sldMk cId="4100909272" sldId="290"/>
+            <ac:spMk id="2" creationId="{0E307C9A-3C79-3909-9037-BA0311C4E5FC}"/>
+          </ac:spMkLst>
+        </pc:spChg>
+        <pc:spChg chg="mod">
+          <ac:chgData name="Ginger Lee Jacobson" userId="S::glj8018@ads.northwestern.edu::3a49910d-c358-4586-b31b-05d58406f615" providerId="AD" clId="Web-{1079E6ED-946C-8550-3B7A-BFCD13048C1F}" dt="2023-01-05T20:59:26.938" v="211" actId="20577"/>
+          <ac:spMkLst>
+            <pc:docMk/>
+            <pc:sldMk cId="4100909272" sldId="290"/>
+            <ac:spMk id="3" creationId="{22E119E0-FC75-671C-AEA4-1161320CAC7A}"/>
+          </ac:spMkLst>
+        </pc:spChg>
+      </pc:sldChg>
+      <pc:sldChg chg="modSp new ord modNotes">
+        <pc:chgData name="Ginger Lee Jacobson" userId="S::glj8018@ads.northwestern.edu::3a49910d-c358-4586-b31b-05d58406f615" providerId="AD" clId="Web-{1079E6ED-946C-8550-3B7A-BFCD13048C1F}" dt="2023-01-05T23:43:13.630" v="1004" actId="20577"/>
+        <pc:sldMkLst>
+          <pc:docMk/>
+          <pc:sldMk cId="2952596098" sldId="291"/>
+        </pc:sldMkLst>
+        <pc:spChg chg="mod">
+          <ac:chgData name="Ginger Lee Jacobson" userId="S::glj8018@ads.northwestern.edu::3a49910d-c358-4586-b31b-05d58406f615" providerId="AD" clId="Web-{1079E6ED-946C-8550-3B7A-BFCD13048C1F}" dt="2023-01-05T23:43:13.630" v="1004" actId="20577"/>
+          <ac:spMkLst>
+            <pc:docMk/>
+            <pc:sldMk cId="2952596098" sldId="291"/>
+            <ac:spMk id="2" creationId="{AD4E5853-F924-21C4-C29C-D9916598A4A0}"/>
+          </ac:spMkLst>
+        </pc:spChg>
+        <pc:spChg chg="mod">
+          <ac:chgData name="Ginger Lee Jacobson" userId="S::glj8018@ads.northwestern.edu::3a49910d-c358-4586-b31b-05d58406f615" providerId="AD" clId="Web-{1079E6ED-946C-8550-3B7A-BFCD13048C1F}" dt="2023-01-05T23:23:47.019" v="725" actId="20577"/>
+          <ac:spMkLst>
+            <pc:docMk/>
+            <pc:sldMk cId="2952596098" sldId="291"/>
+            <ac:spMk id="3" creationId="{A23D405E-2187-AECB-762D-F922072790B6}"/>
+          </ac:spMkLst>
+        </pc:spChg>
+      </pc:sldChg>
+      <pc:sldChg chg="modSp new ord modNotes">
+        <pc:chgData name="Ginger Lee Jacobson" userId="S::glj8018@ads.northwestern.edu::3a49910d-c358-4586-b31b-05d58406f615" providerId="AD" clId="Web-{1079E6ED-946C-8550-3B7A-BFCD13048C1F}" dt="2023-01-06T16:26:05.825" v="1104" actId="20577"/>
+        <pc:sldMkLst>
+          <pc:docMk/>
+          <pc:sldMk cId="922581880" sldId="292"/>
+        </pc:sldMkLst>
+        <pc:spChg chg="mod">
+          <ac:chgData name="Ginger Lee Jacobson" userId="S::glj8018@ads.northwestern.edu::3a49910d-c358-4586-b31b-05d58406f615" providerId="AD" clId="Web-{1079E6ED-946C-8550-3B7A-BFCD13048C1F}" dt="2023-01-06T16:26:05.825" v="1104" actId="20577"/>
+          <ac:spMkLst>
+            <pc:docMk/>
+            <pc:sldMk cId="922581880" sldId="292"/>
+            <ac:spMk id="2" creationId="{DA3DF1E6-8B5B-523B-4C80-6325DEBFAA77}"/>
+          </ac:spMkLst>
+        </pc:spChg>
+        <pc:spChg chg="mod">
+          <ac:chgData name="Ginger Lee Jacobson" userId="S::glj8018@ads.northwestern.edu::3a49910d-c358-4586-b31b-05d58406f615" providerId="AD" clId="Web-{1079E6ED-946C-8550-3B7A-BFCD13048C1F}" dt="2023-01-05T23:43:41.241" v="1010" actId="20577"/>
+          <ac:spMkLst>
+            <pc:docMk/>
+            <pc:sldMk cId="922581880" sldId="292"/>
+            <ac:spMk id="3" creationId="{B35CBA1D-F2EC-22B1-BC24-1D8C6BAC00F7}"/>
+          </ac:spMkLst>
+        </pc:spChg>
+      </pc:sldChg>
+      <pc:sldChg chg="modSp new modNotes">
+        <pc:chgData name="Ginger Lee Jacobson" userId="S::glj8018@ads.northwestern.edu::3a49910d-c358-4586-b31b-05d58406f615" providerId="AD" clId="Web-{1079E6ED-946C-8550-3B7A-BFCD13048C1F}" dt="2023-01-06T16:26:54.295" v="1107"/>
+        <pc:sldMkLst>
+          <pc:docMk/>
+          <pc:sldMk cId="1680070822" sldId="293"/>
+        </pc:sldMkLst>
+        <pc:spChg chg="mod">
+          <ac:chgData name="Ginger Lee Jacobson" userId="S::glj8018@ads.northwestern.edu::3a49910d-c358-4586-b31b-05d58406f615" providerId="AD" clId="Web-{1079E6ED-946C-8550-3B7A-BFCD13048C1F}" dt="2023-01-05T23:46:44.793" v="1028" actId="20577"/>
+          <ac:spMkLst>
+            <pc:docMk/>
+            <pc:sldMk cId="1680070822" sldId="293"/>
+            <ac:spMk id="2" creationId="{BCF1C5FD-211D-851F-EC21-4061E73B4C38}"/>
+          </ac:spMkLst>
+        </pc:spChg>
+      </pc:sldChg>
+      <pc:sldChg chg="modSp new modNotes">
+        <pc:chgData name="Ginger Lee Jacobson" userId="S::glj8018@ads.northwestern.edu::3a49910d-c358-4586-b31b-05d58406f615" providerId="AD" clId="Web-{1079E6ED-946C-8550-3B7A-BFCD13048C1F}" dt="2023-01-06T16:30:19.894" v="1109"/>
+        <pc:sldMkLst>
+          <pc:docMk/>
+          <pc:sldMk cId="2221694099" sldId="294"/>
+        </pc:sldMkLst>
+        <pc:spChg chg="mod">
+          <ac:chgData name="Ginger Lee Jacobson" userId="S::glj8018@ads.northwestern.edu::3a49910d-c358-4586-b31b-05d58406f615" providerId="AD" clId="Web-{1079E6ED-946C-8550-3B7A-BFCD13048C1F}" dt="2023-01-05T23:46:51.090" v="1034" actId="20577"/>
+          <ac:spMkLst>
+            <pc:docMk/>
+            <pc:sldMk cId="2221694099" sldId="294"/>
+            <ac:spMk id="2" creationId="{340AD146-D37B-02AD-DF21-4AEAF6920870}"/>
+          </ac:spMkLst>
+        </pc:spChg>
+      </pc:sldChg>
+      <pc:sldChg chg="modSp new">
+        <pc:chgData name="Ginger Lee Jacobson" userId="S::glj8018@ads.northwestern.edu::3a49910d-c358-4586-b31b-05d58406f615" providerId="AD" clId="Web-{1079E6ED-946C-8550-3B7A-BFCD13048C1F}" dt="2023-01-05T23:50:27.393" v="1087" actId="20577"/>
+        <pc:sldMkLst>
+          <pc:docMk/>
+          <pc:sldMk cId="2441557156" sldId="295"/>
+        </pc:sldMkLst>
+        <pc:spChg chg="mod">
+          <ac:chgData name="Ginger Lee Jacobson" userId="S::glj8018@ads.northwestern.edu::3a49910d-c358-4586-b31b-05d58406f615" providerId="AD" clId="Web-{1079E6ED-946C-8550-3B7A-BFCD13048C1F}" dt="2023-01-05T23:50:27.393" v="1087" actId="20577"/>
+          <ac:spMkLst>
+            <pc:docMk/>
+            <pc:sldMk cId="2441557156" sldId="295"/>
+            <ac:spMk id="2" creationId="{3E1E48C5-6E64-DBA4-8C7C-80D9DE50DB23}"/>
+          </ac:spMkLst>
+        </pc:spChg>
+        <pc:spChg chg="mod">
+          <ac:chgData name="Ginger Lee Jacobson" userId="S::glj8018@ads.northwestern.edu::3a49910d-c358-4586-b31b-05d58406f615" providerId="AD" clId="Web-{1079E6ED-946C-8550-3B7A-BFCD13048C1F}" dt="2023-01-05T23:49:01.078" v="1049" actId="20577"/>
+          <ac:spMkLst>
+            <pc:docMk/>
+            <pc:sldMk cId="2441557156" sldId="295"/>
+            <ac:spMk id="3" creationId="{7CA46D2D-A778-68E1-4EF0-618ADDD3404B}"/>
+          </ac:spMkLst>
+        </pc:spChg>
+      </pc:sldChg>
+    </pc:docChg>
+  </pc:docChgLst>
+  <pc:docChgLst>
+    <pc:chgData name="John Patrick Johnson" userId="S::jpj8711@ads.northwestern.edu::fe18dc51-e5c5-41f0-a67f-64543119935e" providerId="AD" clId="Web-{7BF889F4-D4B8-7017-D4B4-EF72E124E6BB}"/>
+    <pc:docChg chg="delSld modSld sldOrd">
+      <pc:chgData name="John Patrick Johnson" userId="S::jpj8711@ads.northwestern.edu::fe18dc51-e5c5-41f0-a67f-64543119935e" providerId="AD" clId="Web-{7BF889F4-D4B8-7017-D4B4-EF72E124E6BB}" dt="2023-01-08T01:31:37.742" v="680"/>
+      <pc:docMkLst>
+        <pc:docMk/>
+      </pc:docMkLst>
+      <pc:sldChg chg="modSp">
+        <pc:chgData name="John Patrick Johnson" userId="S::jpj8711@ads.northwestern.edu::fe18dc51-e5c5-41f0-a67f-64543119935e" providerId="AD" clId="Web-{7BF889F4-D4B8-7017-D4B4-EF72E124E6BB}" dt="2023-01-07T20:29:35.821" v="35" actId="20577"/>
+        <pc:sldMkLst>
+          <pc:docMk/>
+          <pc:sldMk cId="0" sldId="256"/>
+        </pc:sldMkLst>
+        <pc:spChg chg="mod">
+          <ac:chgData name="John Patrick Johnson" userId="S::jpj8711@ads.northwestern.edu::fe18dc51-e5c5-41f0-a67f-64543119935e" providerId="AD" clId="Web-{7BF889F4-D4B8-7017-D4B4-EF72E124E6BB}" dt="2023-01-07T20:29:35.821" v="35" actId="20577"/>
+          <ac:spMkLst>
+            <pc:docMk/>
+            <pc:sldMk cId="0" sldId="256"/>
+            <ac:spMk id="49" creationId="{00000000-0000-0000-0000-000000000000}"/>
+          </ac:spMkLst>
+        </pc:spChg>
+      </pc:sldChg>
+      <pc:sldChg chg="modSp ord">
+        <pc:chgData name="John Patrick Johnson" userId="S::jpj8711@ads.northwestern.edu::fe18dc51-e5c5-41f0-a67f-64543119935e" providerId="AD" clId="Web-{7BF889F4-D4B8-7017-D4B4-EF72E124E6BB}" dt="2023-01-07T21:06:32.578" v="235" actId="20577"/>
+        <pc:sldMkLst>
+          <pc:docMk/>
+          <pc:sldMk cId="0" sldId="259"/>
+        </pc:sldMkLst>
+        <pc:spChg chg="mod">
+          <ac:chgData name="John Patrick Johnson" userId="S::jpj8711@ads.northwestern.edu::fe18dc51-e5c5-41f0-a67f-64543119935e" providerId="AD" clId="Web-{7BF889F4-D4B8-7017-D4B4-EF72E124E6BB}" dt="2023-01-07T21:06:32.578" v="235" actId="20577"/>
+          <ac:spMkLst>
+            <pc:docMk/>
+            <pc:sldMk cId="0" sldId="259"/>
+            <ac:spMk id="3" creationId="{E1491D88-C395-4672-BC8D-661A338098A2}"/>
+          </ac:spMkLst>
+        </pc:spChg>
+        <pc:spChg chg="mod">
+          <ac:chgData name="John Patrick Johnson" userId="S::jpj8711@ads.northwestern.edu::fe18dc51-e5c5-41f0-a67f-64543119935e" providerId="AD" clId="Web-{7BF889F4-D4B8-7017-D4B4-EF72E124E6BB}" dt="2023-01-07T21:06:19.921" v="231" actId="14100"/>
+          <ac:spMkLst>
+            <pc:docMk/>
+            <pc:sldMk cId="0" sldId="259"/>
+            <ac:spMk id="77" creationId="{00000000-0000-0000-0000-000000000000}"/>
+          </ac:spMkLst>
+        </pc:spChg>
+      </pc:sldChg>
+      <pc:sldChg chg="modSp ord">
+        <pc:chgData name="John Patrick Johnson" userId="S::jpj8711@ads.northwestern.edu::fe18dc51-e5c5-41f0-a67f-64543119935e" providerId="AD" clId="Web-{7BF889F4-D4B8-7017-D4B4-EF72E124E6BB}" dt="2023-01-07T21:11:34.086" v="415" actId="20577"/>
+        <pc:sldMkLst>
+          <pc:docMk/>
+          <pc:sldMk cId="0" sldId="261"/>
+        </pc:sldMkLst>
+        <pc:spChg chg="mod">
+          <ac:chgData name="John Patrick Johnson" userId="S::jpj8711@ads.northwestern.edu::fe18dc51-e5c5-41f0-a67f-64543119935e" providerId="AD" clId="Web-{7BF889F4-D4B8-7017-D4B4-EF72E124E6BB}" dt="2023-01-07T21:11:34.086" v="415" actId="20577"/>
+          <ac:spMkLst>
+            <pc:docMk/>
+            <pc:sldMk cId="0" sldId="261"/>
+            <ac:spMk id="97" creationId="{00000000-0000-0000-0000-000000000000}"/>
+          </ac:spMkLst>
+        </pc:spChg>
+      </pc:sldChg>
+      <pc:sldChg chg="modSp ord">
+        <pc:chgData name="John Patrick Johnson" userId="S::jpj8711@ads.northwestern.edu::fe18dc51-e5c5-41f0-a67f-64543119935e" providerId="AD" clId="Web-{7BF889F4-D4B8-7017-D4B4-EF72E124E6BB}" dt="2023-01-08T01:31:24.507" v="679" actId="20577"/>
+        <pc:sldMkLst>
+          <pc:docMk/>
+          <pc:sldMk cId="0" sldId="262"/>
+        </pc:sldMkLst>
+        <pc:spChg chg="mod">
+          <ac:chgData name="John Patrick Johnson" userId="S::jpj8711@ads.northwestern.edu::fe18dc51-e5c5-41f0-a67f-64543119935e" providerId="AD" clId="Web-{7BF889F4-D4B8-7017-D4B4-EF72E124E6BB}" dt="2023-01-08T01:31:24.507" v="679" actId="20577"/>
+          <ac:spMkLst>
+            <pc:docMk/>
+            <pc:sldMk cId="0" sldId="262"/>
+            <ac:spMk id="103" creationId="{00000000-0000-0000-0000-000000000000}"/>
+          </ac:spMkLst>
+        </pc:spChg>
+      </pc:sldChg>
+      <pc:sldChg chg="addSp delSp modSp ord addAnim modAnim">
+        <pc:chgData name="John Patrick Johnson" userId="S::jpj8711@ads.northwestern.edu::fe18dc51-e5c5-41f0-a67f-64543119935e" providerId="AD" clId="Web-{7BF889F4-D4B8-7017-D4B4-EF72E124E6BB}" dt="2023-01-07T22:05:10.455" v="652"/>
+        <pc:sldMkLst>
+          <pc:docMk/>
+          <pc:sldMk cId="0" sldId="280"/>
+        </pc:sldMkLst>
+        <pc:spChg chg="add mod">
+          <ac:chgData name="John Patrick Johnson" userId="S::jpj8711@ads.northwestern.edu::fe18dc51-e5c5-41f0-a67f-64543119935e" providerId="AD" clId="Web-{7BF889F4-D4B8-7017-D4B4-EF72E124E6BB}" dt="2023-01-07T22:03:16.749" v="633" actId="14100"/>
+          <ac:spMkLst>
+            <pc:docMk/>
+            <pc:sldMk cId="0" sldId="280"/>
+            <ac:spMk id="5" creationId="{B64D9B12-D05E-D196-1CEC-9C9E33B9CC0F}"/>
+          </ac:spMkLst>
+        </pc:spChg>
+        <pc:spChg chg="add mod">
+          <ac:chgData name="John Patrick Johnson" userId="S::jpj8711@ads.northwestern.edu::fe18dc51-e5c5-41f0-a67f-64543119935e" providerId="AD" clId="Web-{7BF889F4-D4B8-7017-D4B4-EF72E124E6BB}" dt="2023-01-07T22:04:44.782" v="645" actId="20577"/>
+          <ac:spMkLst>
+            <pc:docMk/>
+            <pc:sldMk cId="0" sldId="280"/>
+            <ac:spMk id="7" creationId="{B1E2236B-464B-AA49-A124-3E054A3AC455}"/>
+          </ac:spMkLst>
+        </pc:spChg>
+        <pc:spChg chg="mod">
+          <ac:chgData name="John Patrick Johnson" userId="S::jpj8711@ads.northwestern.edu::fe18dc51-e5c5-41f0-a67f-64543119935e" providerId="AD" clId="Web-{7BF889F4-D4B8-7017-D4B4-EF72E124E6BB}" dt="2023-01-07T22:02:38.170" v="620" actId="14100"/>
+          <ac:spMkLst>
+            <pc:docMk/>
+            <pc:sldMk cId="0" sldId="280"/>
+            <ac:spMk id="290" creationId="{00000000-0000-0000-0000-000000000000}"/>
+          </ac:spMkLst>
+        </pc:spChg>
+        <pc:picChg chg="del mod">
+          <ac:chgData name="John Patrick Johnson" userId="S::jpj8711@ads.northwestern.edu::fe18dc51-e5c5-41f0-a67f-64543119935e" providerId="AD" clId="Web-{7BF889F4-D4B8-7017-D4B4-EF72E124E6BB}" dt="2023-01-07T22:05:10.455" v="652"/>
+          <ac:picMkLst>
+            <pc:docMk/>
+            <pc:sldMk cId="0" sldId="280"/>
+            <ac:picMk id="3" creationId="{11A58728-FE18-8B7B-F0DE-2722E887D8BF}"/>
+          </ac:picMkLst>
+        </pc:picChg>
+        <pc:picChg chg="add mod">
+          <ac:chgData name="John Patrick Johnson" userId="S::jpj8711@ads.northwestern.edu::fe18dc51-e5c5-41f0-a67f-64543119935e" providerId="AD" clId="Web-{7BF889F4-D4B8-7017-D4B4-EF72E124E6BB}" dt="2023-01-07T22:05:05.861" v="649" actId="1076"/>
+          <ac:picMkLst>
+            <pc:docMk/>
+            <pc:sldMk cId="0" sldId="280"/>
+            <ac:picMk id="8" creationId="{3982F08A-63A5-51F7-67BC-B202A343FBFF}"/>
+          </ac:picMkLst>
+        </pc:picChg>
+      </pc:sldChg>
+      <pc:sldChg chg="addSp delSp modSp ord">
+        <pc:chgData name="John Patrick Johnson" userId="S::jpj8711@ads.northwestern.edu::fe18dc51-e5c5-41f0-a67f-64543119935e" providerId="AD" clId="Web-{7BF889F4-D4B8-7017-D4B4-EF72E124E6BB}" dt="2023-01-07T21:03:16.137" v="158" actId="20577"/>
+        <pc:sldMkLst>
+          <pc:docMk/>
+          <pc:sldMk cId="837207602" sldId="282"/>
+        </pc:sldMkLst>
+        <pc:spChg chg="del">
+          <ac:chgData name="John Patrick Johnson" userId="S::jpj8711@ads.northwestern.edu::fe18dc51-e5c5-41f0-a67f-64543119935e" providerId="AD" clId="Web-{7BF889F4-D4B8-7017-D4B4-EF72E124E6BB}" dt="2023-01-07T20:54:59.597" v="130"/>
+          <ac:spMkLst>
+            <pc:docMk/>
+            <pc:sldMk cId="837207602" sldId="282"/>
+            <ac:spMk id="3" creationId="{52588039-4CD5-A745-394E-9E48A5A8FD86}"/>
+          </ac:spMkLst>
+        </pc:spChg>
+        <pc:spChg chg="add mod">
+          <ac:chgData name="John Patrick Johnson" userId="S::jpj8711@ads.northwestern.edu::fe18dc51-e5c5-41f0-a67f-64543119935e" providerId="AD" clId="Web-{7BF889F4-D4B8-7017-D4B4-EF72E124E6BB}" dt="2023-01-07T21:03:16.137" v="158" actId="20577"/>
+          <ac:spMkLst>
+            <pc:docMk/>
+            <pc:sldMk cId="837207602" sldId="282"/>
+            <ac:spMk id="4" creationId="{E01374D5-3FDC-ACF5-3153-58548A78F130}"/>
+          </ac:spMkLst>
+        </pc:spChg>
+        <pc:spChg chg="del">
+          <ac:chgData name="John Patrick Johnson" userId="S::jpj8711@ads.northwestern.edu::fe18dc51-e5c5-41f0-a67f-64543119935e" providerId="AD" clId="Web-{7BF889F4-D4B8-7017-D4B4-EF72E124E6BB}" dt="2023-01-07T20:55:01.019" v="131"/>
+          <ac:spMkLst>
+            <pc:docMk/>
+            <pc:sldMk cId="837207602" sldId="282"/>
+            <ac:spMk id="9" creationId="{62565879-8A2E-EBF5-A9DD-54B47D47CBC4}"/>
+          </ac:spMkLst>
+        </pc:spChg>
+        <pc:spChg chg="del">
+          <ac:chgData name="John Patrick Johnson" userId="S::jpj8711@ads.northwestern.edu::fe18dc51-e5c5-41f0-a67f-64543119935e" providerId="AD" clId="Web-{7BF889F4-D4B8-7017-D4B4-EF72E124E6BB}" dt="2023-01-07T20:55:02.269" v="132"/>
+          <ac:spMkLst>
+            <pc:docMk/>
+            <pc:sldMk cId="837207602" sldId="282"/>
+            <ac:spMk id="10" creationId="{296C0996-A7E3-346C-DB01-05F03B03BF90}"/>
+          </ac:spMkLst>
+        </pc:spChg>
+      </pc:sldChg>
+      <pc:sldChg chg="del">
+        <pc:chgData name="John Patrick Johnson" userId="S::jpj8711@ads.northwestern.edu::fe18dc51-e5c5-41f0-a67f-64543119935e" providerId="AD" clId="Web-{7BF889F4-D4B8-7017-D4B4-EF72E124E6BB}" dt="2023-01-08T01:31:37.742" v="680"/>
+        <pc:sldMkLst>
+          <pc:docMk/>
+          <pc:sldMk cId="2491928269" sldId="283"/>
         </pc:sldMkLst>
       </pc:sldChg>
     </pc:docChg>
   </pc:docChgLst>
   <pc:docChgLst>
-    <pc:chgData name="John Patrick Johnson" userId="S::jpj8711@ads.northwestern.edu::fe18dc51-e5c5-41f0-a67f-64543119935e" providerId="AD" clId="Web-{D7AC109B-9928-06B3-F1A9-53C695CCC547}"/>
-    <pc:docChg chg="addSld modSld sldOrd">
-      <pc:chgData name="John Patrick Johnson" userId="S::jpj8711@ads.northwestern.edu::fe18dc51-e5c5-41f0-a67f-64543119935e" providerId="AD" clId="Web-{D7AC109B-9928-06B3-F1A9-53C695CCC547}" dt="2022-06-14T01:05:44.237" v="408" actId="20577"/>
+    <pc:chgData name="John Patrick Johnson" userId="S::jpj8711@ads.northwestern.edu::fe18dc51-e5c5-41f0-a67f-64543119935e" providerId="AD" clId="Web-{B270706C-2E8A-DAE0-AD05-13A0EC2FCBFE}"/>
+    <pc:docChg chg="mod addSld modSld">
+      <pc:chgData name="John Patrick Johnson" userId="S::jpj8711@ads.northwestern.edu::fe18dc51-e5c5-41f0-a67f-64543119935e" providerId="AD" clId="Web-{B270706C-2E8A-DAE0-AD05-13A0EC2FCBFE}" dt="2023-01-10T04:12:59.024" v="332" actId="14100"/>
       <pc:docMkLst>
         <pc:docMk/>
       </pc:docMkLst>
-      <pc:sldChg chg="addAnim delAnim modAnim">
-        <pc:chgData name="John Patrick Johnson" userId="S::jpj8711@ads.northwestern.edu::fe18dc51-e5c5-41f0-a67f-64543119935e" providerId="AD" clId="Web-{D7AC109B-9928-06B3-F1A9-53C695CCC547}" dt="2022-06-14T00:35:24.806" v="2"/>
+      <pc:sldChg chg="modSp">
+        <pc:chgData name="John Patrick Johnson" userId="S::jpj8711@ads.northwestern.edu::fe18dc51-e5c5-41f0-a67f-64543119935e" providerId="AD" clId="Web-{B270706C-2E8A-DAE0-AD05-13A0EC2FCBFE}" dt="2023-01-10T01:48:09.435" v="16" actId="20577"/>
+        <pc:sldMkLst>
+          <pc:docMk/>
+          <pc:sldMk cId="0" sldId="263"/>
+        </pc:sldMkLst>
+        <pc:spChg chg="mod">
+          <ac:chgData name="John Patrick Johnson" userId="S::jpj8711@ads.northwestern.edu::fe18dc51-e5c5-41f0-a67f-64543119935e" providerId="AD" clId="Web-{B270706C-2E8A-DAE0-AD05-13A0EC2FCBFE}" dt="2023-01-10T01:48:09.435" v="16" actId="20577"/>
+          <ac:spMkLst>
+            <pc:docMk/>
+            <pc:sldMk cId="0" sldId="263"/>
+            <ac:spMk id="113" creationId="{00000000-0000-0000-0000-000000000000}"/>
+          </ac:spMkLst>
+        </pc:spChg>
+      </pc:sldChg>
+      <pc:sldChg chg="modSp">
+        <pc:chgData name="John Patrick Johnson" userId="S::jpj8711@ads.northwestern.edu::fe18dc51-e5c5-41f0-a67f-64543119935e" providerId="AD" clId="Web-{B270706C-2E8A-DAE0-AD05-13A0EC2FCBFE}" dt="2023-01-10T01:48:24.592" v="34" actId="20577"/>
+        <pc:sldMkLst>
+          <pc:docMk/>
+          <pc:sldMk cId="0" sldId="264"/>
+        </pc:sldMkLst>
+        <pc:spChg chg="mod">
+          <ac:chgData name="John Patrick Johnson" userId="S::jpj8711@ads.northwestern.edu::fe18dc51-e5c5-41f0-a67f-64543119935e" providerId="AD" clId="Web-{B270706C-2E8A-DAE0-AD05-13A0EC2FCBFE}" dt="2023-01-10T01:48:24.592" v="34" actId="20577"/>
+          <ac:spMkLst>
+            <pc:docMk/>
+            <pc:sldMk cId="0" sldId="264"/>
+            <ac:spMk id="125" creationId="{00000000-0000-0000-0000-000000000000}"/>
+          </ac:spMkLst>
+        </pc:spChg>
+      </pc:sldChg>
+      <pc:sldChg chg="modSp">
+        <pc:chgData name="John Patrick Johnson" userId="S::jpj8711@ads.northwestern.edu::fe18dc51-e5c5-41f0-a67f-64543119935e" providerId="AD" clId="Web-{B270706C-2E8A-DAE0-AD05-13A0EC2FCBFE}" dt="2023-01-10T01:48:53.140" v="46" actId="20577"/>
+        <pc:sldMkLst>
+          <pc:docMk/>
+          <pc:sldMk cId="0" sldId="266"/>
+        </pc:sldMkLst>
+        <pc:spChg chg="mod">
+          <ac:chgData name="John Patrick Johnson" userId="S::jpj8711@ads.northwestern.edu::fe18dc51-e5c5-41f0-a67f-64543119935e" providerId="AD" clId="Web-{B270706C-2E8A-DAE0-AD05-13A0EC2FCBFE}" dt="2023-01-10T01:48:53.140" v="46" actId="20577"/>
+          <ac:spMkLst>
+            <pc:docMk/>
+            <pc:sldMk cId="0" sldId="266"/>
+            <ac:spMk id="147" creationId="{00000000-0000-0000-0000-000000000000}"/>
+          </ac:spMkLst>
+        </pc:spChg>
+      </pc:sldChg>
+      <pc:sldChg chg="modSp">
+        <pc:chgData name="John Patrick Johnson" userId="S::jpj8711@ads.northwestern.edu::fe18dc51-e5c5-41f0-a67f-64543119935e" providerId="AD" clId="Web-{B270706C-2E8A-DAE0-AD05-13A0EC2FCBFE}" dt="2023-01-10T01:48:35.889" v="41" actId="20577"/>
+        <pc:sldMkLst>
+          <pc:docMk/>
+          <pc:sldMk cId="0" sldId="274"/>
+        </pc:sldMkLst>
+        <pc:spChg chg="mod">
+          <ac:chgData name="John Patrick Johnson" userId="S::jpj8711@ads.northwestern.edu::fe18dc51-e5c5-41f0-a67f-64543119935e" providerId="AD" clId="Web-{B270706C-2E8A-DAE0-AD05-13A0EC2FCBFE}" dt="2023-01-10T01:48:35.889" v="41" actId="20577"/>
+          <ac:spMkLst>
+            <pc:docMk/>
+            <pc:sldMk cId="0" sldId="274"/>
+            <ac:spMk id="224" creationId="{00000000-0000-0000-0000-000000000000}"/>
+          </ac:spMkLst>
+        </pc:spChg>
+      </pc:sldChg>
+      <pc:sldChg chg="modSp">
+        <pc:chgData name="John Patrick Johnson" userId="S::jpj8711@ads.northwestern.edu::fe18dc51-e5c5-41f0-a67f-64543119935e" providerId="AD" clId="Web-{B270706C-2E8A-DAE0-AD05-13A0EC2FCBFE}" dt="2023-01-10T01:49:15.031" v="47" actId="20577"/>
+        <pc:sldMkLst>
+          <pc:docMk/>
+          <pc:sldMk cId="0" sldId="276"/>
+        </pc:sldMkLst>
+        <pc:spChg chg="mod">
+          <ac:chgData name="John Patrick Johnson" userId="S::jpj8711@ads.northwestern.edu::fe18dc51-e5c5-41f0-a67f-64543119935e" providerId="AD" clId="Web-{B270706C-2E8A-DAE0-AD05-13A0EC2FCBFE}" dt="2023-01-10T01:49:15.031" v="47" actId="20577"/>
+          <ac:spMkLst>
+            <pc:docMk/>
+            <pc:sldMk cId="0" sldId="276"/>
+            <ac:spMk id="250" creationId="{00000000-0000-0000-0000-000000000000}"/>
+          </ac:spMkLst>
+        </pc:spChg>
+      </pc:sldChg>
+      <pc:sldChg chg="modCm">
+        <pc:chgData name="John Patrick Johnson" userId="S::jpj8711@ads.northwestern.edu::fe18dc51-e5c5-41f0-a67f-64543119935e" providerId="AD" clId="Web-{B270706C-2E8A-DAE0-AD05-13A0EC2FCBFE}" dt="2023-01-10T01:35:04.440" v="1"/>
+        <pc:sldMkLst>
+          <pc:docMk/>
+          <pc:sldMk cId="60139911" sldId="287"/>
+        </pc:sldMkLst>
+      </pc:sldChg>
+      <pc:sldChg chg="addSp delSp modSp addAnim modAnim">
+        <pc:chgData name="John Patrick Johnson" userId="S::jpj8711@ads.northwestern.edu::fe18dc51-e5c5-41f0-a67f-64543119935e" providerId="AD" clId="Web-{B270706C-2E8A-DAE0-AD05-13A0EC2FCBFE}" dt="2023-01-10T04:12:59.024" v="332" actId="14100"/>
+        <pc:sldMkLst>
+          <pc:docMk/>
+          <pc:sldMk cId="3050248158" sldId="296"/>
+        </pc:sldMkLst>
+        <pc:spChg chg="del">
+          <ac:chgData name="John Patrick Johnson" userId="S::jpj8711@ads.northwestern.edu::fe18dc51-e5c5-41f0-a67f-64543119935e" providerId="AD" clId="Web-{B270706C-2E8A-DAE0-AD05-13A0EC2FCBFE}" dt="2023-01-10T03:29:25.896" v="306"/>
+          <ac:spMkLst>
+            <pc:docMk/>
+            <pc:sldMk cId="3050248158" sldId="296"/>
+            <ac:spMk id="3" creationId="{35265433-E491-76BD-2CE4-940E2D2213FE}"/>
+          </ac:spMkLst>
+        </pc:spChg>
+        <pc:spChg chg="mod">
+          <ac:chgData name="John Patrick Johnson" userId="S::jpj8711@ads.northwestern.edu::fe18dc51-e5c5-41f0-a67f-64543119935e" providerId="AD" clId="Web-{B270706C-2E8A-DAE0-AD05-13A0EC2FCBFE}" dt="2023-01-10T01:47:56.106" v="9" actId="20577"/>
+          <ac:spMkLst>
+            <pc:docMk/>
+            <pc:sldMk cId="3050248158" sldId="296"/>
+            <ac:spMk id="176" creationId="{00000000-0000-0000-0000-000000000000}"/>
+          </ac:spMkLst>
+        </pc:spChg>
+        <pc:picChg chg="add mod">
+          <ac:chgData name="John Patrick Johnson" userId="S::jpj8711@ads.northwestern.edu::fe18dc51-e5c5-41f0-a67f-64543119935e" providerId="AD" clId="Web-{B270706C-2E8A-DAE0-AD05-13A0EC2FCBFE}" dt="2023-01-10T04:12:59.024" v="332" actId="14100"/>
+          <ac:picMkLst>
+            <pc:docMk/>
+            <pc:sldMk cId="3050248158" sldId="296"/>
+            <ac:picMk id="4" creationId="{3DC87846-D2C9-27E3-BCF5-F54BA0E4016D}"/>
+          </ac:picMkLst>
+        </pc:picChg>
+        <pc:picChg chg="add mod">
+          <ac:chgData name="John Patrick Johnson" userId="S::jpj8711@ads.northwestern.edu::fe18dc51-e5c5-41f0-a67f-64543119935e" providerId="AD" clId="Web-{B270706C-2E8A-DAE0-AD05-13A0EC2FCBFE}" dt="2023-01-10T04:12:44.602" v="327" actId="1076"/>
+          <ac:picMkLst>
+            <pc:docMk/>
+            <pc:sldMk cId="3050248158" sldId="296"/>
+            <ac:picMk id="5" creationId="{74EB437C-D31C-B442-1FB8-A6B4E1F09824}"/>
+          </ac:picMkLst>
+        </pc:picChg>
+        <pc:picChg chg="add mod">
+          <ac:chgData name="John Patrick Johnson" userId="S::jpj8711@ads.northwestern.edu::fe18dc51-e5c5-41f0-a67f-64543119935e" providerId="AD" clId="Web-{B270706C-2E8A-DAE0-AD05-13A0EC2FCBFE}" dt="2023-01-10T04:12:51.743" v="330" actId="1076"/>
+          <ac:picMkLst>
+            <pc:docMk/>
+            <pc:sldMk cId="3050248158" sldId="296"/>
+            <ac:picMk id="6" creationId="{19B7845B-0C43-CEC9-8729-8CA6E51BFD48}"/>
+          </ac:picMkLst>
+        </pc:picChg>
+      </pc:sldChg>
+      <pc:sldChg chg="addSp modSp add replId">
+        <pc:chgData name="John Patrick Johnson" userId="S::jpj8711@ads.northwestern.edu::fe18dc51-e5c5-41f0-a67f-64543119935e" providerId="AD" clId="Web-{B270706C-2E8A-DAE0-AD05-13A0EC2FCBFE}" dt="2023-01-10T01:58:02.395" v="296" actId="20577"/>
+        <pc:sldMkLst>
+          <pc:docMk/>
+          <pc:sldMk cId="3384434737" sldId="302"/>
+        </pc:sldMkLst>
+        <pc:spChg chg="add mod">
+          <ac:chgData name="John Patrick Johnson" userId="S::jpj8711@ads.northwestern.edu::fe18dc51-e5c5-41f0-a67f-64543119935e" providerId="AD" clId="Web-{B270706C-2E8A-DAE0-AD05-13A0EC2FCBFE}" dt="2023-01-10T01:51:58.114" v="132" actId="1076"/>
+          <ac:spMkLst>
+            <pc:docMk/>
+            <pc:sldMk cId="3384434737" sldId="302"/>
+            <ac:spMk id="3" creationId="{1DEA14E2-9B87-2779-9679-1E65D42DA871}"/>
+          </ac:spMkLst>
+        </pc:spChg>
+        <pc:spChg chg="add mod">
+          <ac:chgData name="John Patrick Johnson" userId="S::jpj8711@ads.northwestern.edu::fe18dc51-e5c5-41f0-a67f-64543119935e" providerId="AD" clId="Web-{B270706C-2E8A-DAE0-AD05-13A0EC2FCBFE}" dt="2023-01-10T01:53:22.495" v="162" actId="14100"/>
+          <ac:spMkLst>
+            <pc:docMk/>
+            <pc:sldMk cId="3384434737" sldId="302"/>
+            <ac:spMk id="4" creationId="{063D29AA-7E41-CBE7-D357-097401F95E44}"/>
+          </ac:spMkLst>
+        </pc:spChg>
+        <pc:spChg chg="add mod">
+          <ac:chgData name="John Patrick Johnson" userId="S::jpj8711@ads.northwestern.edu::fe18dc51-e5c5-41f0-a67f-64543119935e" providerId="AD" clId="Web-{B270706C-2E8A-DAE0-AD05-13A0EC2FCBFE}" dt="2023-01-10T01:53:25.808" v="163" actId="1076"/>
+          <ac:spMkLst>
+            <pc:docMk/>
+            <pc:sldMk cId="3384434737" sldId="302"/>
+            <ac:spMk id="5" creationId="{49E0A197-D99C-2713-25F8-AB174B8DD817}"/>
+          </ac:spMkLst>
+        </pc:spChg>
+        <pc:spChg chg="add mod">
+          <ac:chgData name="John Patrick Johnson" userId="S::jpj8711@ads.northwestern.edu::fe18dc51-e5c5-41f0-a67f-64543119935e" providerId="AD" clId="Web-{B270706C-2E8A-DAE0-AD05-13A0EC2FCBFE}" dt="2023-01-10T01:53:35.871" v="166" actId="1076"/>
+          <ac:spMkLst>
+            <pc:docMk/>
+            <pc:sldMk cId="3384434737" sldId="302"/>
+            <ac:spMk id="6" creationId="{130E8B59-1BDD-65F6-A73D-482EF1600BBD}"/>
+          </ac:spMkLst>
+        </pc:spChg>
+        <pc:spChg chg="add mod">
+          <ac:chgData name="John Patrick Johnson" userId="S::jpj8711@ads.northwestern.edu::fe18dc51-e5c5-41f0-a67f-64543119935e" providerId="AD" clId="Web-{B270706C-2E8A-DAE0-AD05-13A0EC2FCBFE}" dt="2023-01-10T01:53:57.356" v="174" actId="20577"/>
+          <ac:spMkLst>
+            <pc:docMk/>
+            <pc:sldMk cId="3384434737" sldId="302"/>
+            <ac:spMk id="7" creationId="{61B625D7-70A0-2BB4-7CBA-829AA3845CA8}"/>
+          </ac:spMkLst>
+        </pc:spChg>
+        <pc:spChg chg="add mod">
+          <ac:chgData name="John Patrick Johnson" userId="S::jpj8711@ads.northwestern.edu::fe18dc51-e5c5-41f0-a67f-64543119935e" providerId="AD" clId="Web-{B270706C-2E8A-DAE0-AD05-13A0EC2FCBFE}" dt="2023-01-10T01:54:17.966" v="183" actId="1076"/>
+          <ac:spMkLst>
+            <pc:docMk/>
+            <pc:sldMk cId="3384434737" sldId="302"/>
+            <ac:spMk id="8" creationId="{62554386-D1D2-2F72-16D6-61CA770BB98A}"/>
+          </ac:spMkLst>
+        </pc:spChg>
+        <pc:spChg chg="add mod">
+          <ac:chgData name="John Patrick Johnson" userId="S::jpj8711@ads.northwestern.edu::fe18dc51-e5c5-41f0-a67f-64543119935e" providerId="AD" clId="Web-{B270706C-2E8A-DAE0-AD05-13A0EC2FCBFE}" dt="2023-01-10T01:54:49.358" v="194" actId="20577"/>
+          <ac:spMkLst>
+            <pc:docMk/>
+            <pc:sldMk cId="3384434737" sldId="302"/>
+            <ac:spMk id="9" creationId="{5AA49424-84AB-4327-8F80-BE16279155F2}"/>
+          </ac:spMkLst>
+        </pc:spChg>
+        <pc:spChg chg="add mod">
+          <ac:chgData name="John Patrick Johnson" userId="S::jpj8711@ads.northwestern.edu::fe18dc51-e5c5-41f0-a67f-64543119935e" providerId="AD" clId="Web-{B270706C-2E8A-DAE0-AD05-13A0EC2FCBFE}" dt="2023-01-10T01:55:35.328" v="206" actId="20577"/>
+          <ac:spMkLst>
+            <pc:docMk/>
+            <pc:sldMk cId="3384434737" sldId="302"/>
+            <ac:spMk id="10" creationId="{1BF92021-EFD4-038A-70CF-985B67EFE37F}"/>
+          </ac:spMkLst>
+        </pc:spChg>
+        <pc:spChg chg="add mod">
+          <ac:chgData name="John Patrick Johnson" userId="S::jpj8711@ads.northwestern.edu::fe18dc51-e5c5-41f0-a67f-64543119935e" providerId="AD" clId="Web-{B270706C-2E8A-DAE0-AD05-13A0EC2FCBFE}" dt="2023-01-10T01:56:02.485" v="222" actId="20577"/>
+          <ac:spMkLst>
+            <pc:docMk/>
+            <pc:sldMk cId="3384434737" sldId="302"/>
+            <ac:spMk id="11" creationId="{AA30AA58-0EC1-C399-1D86-BC1B9E77144F}"/>
+          </ac:spMkLst>
+        </pc:spChg>
+        <pc:spChg chg="add mod">
+          <ac:chgData name="John Patrick Johnson" userId="S::jpj8711@ads.northwestern.edu::fe18dc51-e5c5-41f0-a67f-64543119935e" providerId="AD" clId="Web-{B270706C-2E8A-DAE0-AD05-13A0EC2FCBFE}" dt="2023-01-10T01:56:27.689" v="234" actId="20577"/>
+          <ac:spMkLst>
+            <pc:docMk/>
+            <pc:sldMk cId="3384434737" sldId="302"/>
+            <ac:spMk id="12" creationId="{C307562A-249A-2951-57C8-D74E892D69B5}"/>
+          </ac:spMkLst>
+        </pc:spChg>
+        <pc:spChg chg="add mod">
+          <ac:chgData name="John Patrick Johnson" userId="S::jpj8711@ads.northwestern.edu::fe18dc51-e5c5-41f0-a67f-64543119935e" providerId="AD" clId="Web-{B270706C-2E8A-DAE0-AD05-13A0EC2FCBFE}" dt="2023-01-10T01:58:02.395" v="296" actId="20577"/>
+          <ac:spMkLst>
+            <pc:docMk/>
+            <pc:sldMk cId="3384434737" sldId="302"/>
+            <ac:spMk id="14" creationId="{282BD116-EE04-F733-E291-877731083BDD}"/>
+          </ac:spMkLst>
+        </pc:spChg>
+        <pc:spChg chg="mod">
+          <ac:chgData name="John Patrick Johnson" userId="S::jpj8711@ads.northwestern.edu::fe18dc51-e5c5-41f0-a67f-64543119935e" providerId="AD" clId="Web-{B270706C-2E8A-DAE0-AD05-13A0EC2FCBFE}" dt="2023-01-10T01:49:32.547" v="49" actId="20577"/>
+          <ac:spMkLst>
+            <pc:docMk/>
+            <pc:sldMk cId="3384434737" sldId="302"/>
+            <ac:spMk id="250" creationId="{00000000-0000-0000-0000-000000000000}"/>
+          </ac:spMkLst>
+        </pc:spChg>
+        <pc:spChg chg="mod">
+          <ac:chgData name="John Patrick Johnson" userId="S::jpj8711@ads.northwestern.edu::fe18dc51-e5c5-41f0-a67f-64543119935e" providerId="AD" clId="Web-{B270706C-2E8A-DAE0-AD05-13A0EC2FCBFE}" dt="2023-01-10T01:51:16.426" v="112" actId="20577"/>
+          <ac:spMkLst>
+            <pc:docMk/>
+            <pc:sldMk cId="3384434737" sldId="302"/>
+            <ac:spMk id="253" creationId="{00000000-0000-0000-0000-000000000000}"/>
+          </ac:spMkLst>
+        </pc:spChg>
+        <pc:grpChg chg="add mod">
+          <ac:chgData name="John Patrick Johnson" userId="S::jpj8711@ads.northwestern.edu::fe18dc51-e5c5-41f0-a67f-64543119935e" providerId="AD" clId="Web-{B270706C-2E8A-DAE0-AD05-13A0EC2FCBFE}" dt="2023-01-10T01:57:07.987" v="236" actId="1076"/>
+          <ac:grpSpMkLst>
+            <pc:docMk/>
+            <pc:sldMk cId="3384434737" sldId="302"/>
+            <ac:grpSpMk id="13" creationId="{B917F229-C5E5-25E8-EEF4-7C1CC6BA19C5}"/>
+          </ac:grpSpMkLst>
+        </pc:grpChg>
+      </pc:sldChg>
+    </pc:docChg>
+  </pc:docChgLst>
+  <pc:docChgLst>
+    <pc:chgData name="John Patrick Johnson" userId="S::jpj8711@ads.northwestern.edu::fe18dc51-e5c5-41f0-a67f-64543119935e" providerId="AD" clId="Web-{2082941D-0433-84DC-1DEA-DD6F7C31F1C7}"/>
+    <pc:docChg chg="modSld">
+      <pc:chgData name="John Patrick Johnson" userId="S::jpj8711@ads.northwestern.edu::fe18dc51-e5c5-41f0-a67f-64543119935e" providerId="AD" clId="Web-{2082941D-0433-84DC-1DEA-DD6F7C31F1C7}" dt="2022-06-10T18:31:19.167" v="202" actId="20577"/>
+      <pc:docMkLst>
+        <pc:docMk/>
+      </pc:docMkLst>
+      <pc:sldChg chg="modSp">
+        <pc:chgData name="John Patrick Johnson" userId="S::jpj8711@ads.northwestern.edu::fe18dc51-e5c5-41f0-a67f-64543119935e" providerId="AD" clId="Web-{2082941D-0433-84DC-1DEA-DD6F7C31F1C7}" dt="2022-06-10T18:24:12.085" v="0" actId="20577"/>
         <pc:sldMkLst>
           <pc:docMk/>
           <pc:sldMk cId="0" sldId="259"/>
         </pc:sldMkLst>
+        <pc:spChg chg="mod">
+          <ac:chgData name="John Patrick Johnson" userId="S::jpj8711@ads.northwestern.edu::fe18dc51-e5c5-41f0-a67f-64543119935e" providerId="AD" clId="Web-{2082941D-0433-84DC-1DEA-DD6F7C31F1C7}" dt="2022-06-10T18:24:12.085" v="0" actId="20577"/>
+          <ac:spMkLst>
+            <pc:docMk/>
+            <pc:sldMk cId="0" sldId="259"/>
+            <ac:spMk id="77" creationId="{00000000-0000-0000-0000-000000000000}"/>
+          </ac:spMkLst>
+        </pc:spChg>
       </pc:sldChg>
-      <pc:sldChg chg="delAnim">
-        <pc:chgData name="John Patrick Johnson" userId="S::jpj8711@ads.northwestern.edu::fe18dc51-e5c5-41f0-a67f-64543119935e" providerId="AD" clId="Web-{D7AC109B-9928-06B3-F1A9-53C695CCC547}" dt="2022-06-14T00:35:51.135" v="3"/>
+      <pc:sldChg chg="modSp">
+        <pc:chgData name="John Patrick Johnson" userId="S::jpj8711@ads.northwestern.edu::fe18dc51-e5c5-41f0-a67f-64543119935e" providerId="AD" clId="Web-{2082941D-0433-84DC-1DEA-DD6F7C31F1C7}" dt="2022-06-10T18:25:13.742" v="17" actId="20577"/>
         <pc:sldMkLst>
           <pc:docMk/>
           <pc:sldMk cId="0" sldId="261"/>
         </pc:sldMkLst>
+        <pc:spChg chg="mod">
+          <ac:chgData name="John Patrick Johnson" userId="S::jpj8711@ads.northwestern.edu::fe18dc51-e5c5-41f0-a67f-64543119935e" providerId="AD" clId="Web-{2082941D-0433-84DC-1DEA-DD6F7C31F1C7}" dt="2022-06-10T18:24:56.445" v="11" actId="20577"/>
+          <ac:spMkLst>
+            <pc:docMk/>
+            <pc:sldMk cId="0" sldId="261"/>
+            <ac:spMk id="94" creationId="{00000000-0000-0000-0000-000000000000}"/>
+          </ac:spMkLst>
+        </pc:spChg>
+        <pc:spChg chg="mod">
+          <ac:chgData name="John Patrick Johnson" userId="S::jpj8711@ads.northwestern.edu::fe18dc51-e5c5-41f0-a67f-64543119935e" providerId="AD" clId="Web-{2082941D-0433-84DC-1DEA-DD6F7C31F1C7}" dt="2022-06-10T18:25:13.742" v="17" actId="20577"/>
+          <ac:spMkLst>
+            <pc:docMk/>
+            <pc:sldMk cId="0" sldId="261"/>
+            <ac:spMk id="97" creationId="{00000000-0000-0000-0000-000000000000}"/>
+          </ac:spMkLst>
+        </pc:spChg>
       </pc:sldChg>
-      <pc:sldChg chg="delSp modSp">
-        <pc:chgData name="John Patrick Johnson" userId="S::jpj8711@ads.northwestern.edu::fe18dc51-e5c5-41f0-a67f-64543119935e" providerId="AD" clId="Web-{D7AC109B-9928-06B3-F1A9-53C695CCC547}" dt="2022-06-14T00:37:06.651" v="10"/>
+      <pc:sldChg chg="modSp">
+        <pc:chgData name="John Patrick Johnson" userId="S::jpj8711@ads.northwestern.edu::fe18dc51-e5c5-41f0-a67f-64543119935e" providerId="AD" clId="Web-{2082941D-0433-84DC-1DEA-DD6F7C31F1C7}" dt="2022-06-10T18:31:19.167" v="202" actId="20577"/>
         <pc:sldMkLst>
           <pc:docMk/>
-          <pc:sldMk cId="0" sldId="263"/>
-        </pc:sldMkLst>
-        <pc:spChg chg="del mod">
-          <ac:chgData name="John Patrick Johnson" userId="S::jpj8711@ads.northwestern.edu::fe18dc51-e5c5-41f0-a67f-64543119935e" providerId="AD" clId="Web-{D7AC109B-9928-06B3-F1A9-53C695CCC547}" dt="2022-06-14T00:37:06.651" v="10"/>
-          <ac:spMkLst>
-            <pc:docMk/>
-            <pc:sldMk cId="0" sldId="263"/>
-            <ac:spMk id="10" creationId="{3E33AEFA-7FEB-47C6-A551-2700C75D90D6}"/>
-          </ac:spMkLst>
-        </pc:spChg>
-      </pc:sldChg>
-      <pc:sldChg chg="delAnim">
-        <pc:chgData name="John Patrick Johnson" userId="S::jpj8711@ads.northwestern.edu::fe18dc51-e5c5-41f0-a67f-64543119935e" providerId="AD" clId="Web-{D7AC109B-9928-06B3-F1A9-53C695CCC547}" dt="2022-06-14T00:37:41.916" v="11"/>
-        <pc:sldMkLst>
-          <pc:docMk/>
-          <pc:sldMk cId="0" sldId="266"/>
-        </pc:sldMkLst>
-      </pc:sldChg>
-      <pc:sldChg chg="modSp delAnim modAnim">
-        <pc:chgData name="John Patrick Johnson" userId="S::jpj8711@ads.northwestern.edu::fe18dc51-e5c5-41f0-a67f-64543119935e" providerId="AD" clId="Web-{D7AC109B-9928-06B3-F1A9-53C695CCC547}" dt="2022-06-14T00:36:37.932" v="7"/>
-        <pc:sldMkLst>
-          <pc:docMk/>
-          <pc:sldMk cId="0" sldId="268"/>
+          <pc:sldMk cId="0" sldId="280"/>
         </pc:sldMkLst>
         <pc:spChg chg="mod">
-          <ac:chgData name="John Patrick Johnson" userId="S::jpj8711@ads.northwestern.edu::fe18dc51-e5c5-41f0-a67f-64543119935e" providerId="AD" clId="Web-{D7AC109B-9928-06B3-F1A9-53C695CCC547}" dt="2022-06-14T00:36:27.416" v="5" actId="1076"/>
-          <ac:spMkLst>
-            <pc:docMk/>
-            <pc:sldMk cId="0" sldId="268"/>
-            <ac:spMk id="12" creationId="{7F77E056-C577-DCD6-E10F-B619C64CA4E0}"/>
-          </ac:spMkLst>
-        </pc:spChg>
-      </pc:sldChg>
-      <pc:sldChg chg="delSp modSp ord">
-        <pc:chgData name="John Patrick Johnson" userId="S::jpj8711@ads.northwestern.edu::fe18dc51-e5c5-41f0-a67f-64543119935e" providerId="AD" clId="Web-{D7AC109B-9928-06B3-F1A9-53C695CCC547}" dt="2022-06-14T00:42:31.902" v="90" actId="1076"/>
-        <pc:sldMkLst>
-          <pc:docMk/>
-          <pc:sldMk cId="837207602" sldId="282"/>
-        </pc:sldMkLst>
+          <ac:chgData name="John Patrick Johnson" userId="S::jpj8711@ads.northwestern.edu::fe18dc51-e5c5-41f0-a67f-64543119935e" providerId="AD" clId="Web-{2082941D-0433-84DC-1DEA-DD6F7C31F1C7}" dt="2022-06-10T18:28:06.291" v="97" actId="20577"/>
+          <ac:spMkLst>
+            <pc:docMk/>
+            <pc:sldMk cId="0" sldId="280"/>
+            <ac:spMk id="287" creationId="{00000000-0000-0000-0000-000000000000}"/>
+          </ac:spMkLst>
+        </pc:spChg>
         <pc:spChg chg="mod">
-          <ac:chgData name="John Patrick Johnson" userId="S::jpj8711@ads.northwestern.edu::fe18dc51-e5c5-41f0-a67f-64543119935e" providerId="AD" clId="Web-{D7AC109B-9928-06B3-F1A9-53C695CCC547}" dt="2022-06-14T00:42:31.887" v="88" actId="1076"/>
-          <ac:spMkLst>
-            <pc:docMk/>
-            <pc:sldMk cId="837207602" sldId="282"/>
-            <ac:spMk id="3" creationId="{52588039-4CD5-A745-394E-9E48A5A8FD86}"/>
-          </ac:spMkLst>
-        </pc:spChg>
-        <pc:spChg chg="mod">
-          <ac:chgData name="John Patrick Johnson" userId="S::jpj8711@ads.northwestern.edu::fe18dc51-e5c5-41f0-a67f-64543119935e" providerId="AD" clId="Web-{D7AC109B-9928-06B3-F1A9-53C695CCC547}" dt="2022-06-14T00:42:31.902" v="89" actId="1076"/>
-          <ac:spMkLst>
-            <pc:docMk/>
-            <pc:sldMk cId="837207602" sldId="282"/>
-            <ac:spMk id="9" creationId="{62565879-8A2E-EBF5-A9DD-54B47D47CBC4}"/>
-          </ac:spMkLst>
-        </pc:spChg>
-        <pc:spChg chg="mod">
-          <ac:chgData name="John Patrick Johnson" userId="S::jpj8711@ads.northwestern.edu::fe18dc51-e5c5-41f0-a67f-64543119935e" providerId="AD" clId="Web-{D7AC109B-9928-06B3-F1A9-53C695CCC547}" dt="2022-06-14T00:42:31.902" v="90" actId="1076"/>
-          <ac:spMkLst>
-            <pc:docMk/>
-            <pc:sldMk cId="837207602" sldId="282"/>
-            <ac:spMk id="10" creationId="{296C0996-A7E3-346C-DB01-05F03B03BF90}"/>
-          </ac:spMkLst>
-        </pc:spChg>
-        <pc:spChg chg="del">
-          <ac:chgData name="John Patrick Johnson" userId="S::jpj8711@ads.northwestern.edu::fe18dc51-e5c5-41f0-a67f-64543119935e" providerId="AD" clId="Web-{D7AC109B-9928-06B3-F1A9-53C695CCC547}" dt="2022-06-14T00:39:19.151" v="34"/>
-          <ac:spMkLst>
-            <pc:docMk/>
-            <pc:sldMk cId="837207602" sldId="282"/>
-            <ac:spMk id="11" creationId="{A1339F41-7577-E7F6-8916-A0D3053CEEEE}"/>
-          </ac:spMkLst>
-        </pc:spChg>
-        <pc:spChg chg="del">
-          <ac:chgData name="John Patrick Johnson" userId="S::jpj8711@ads.northwestern.edu::fe18dc51-e5c5-41f0-a67f-64543119935e" providerId="AD" clId="Web-{D7AC109B-9928-06B3-F1A9-53C695CCC547}" dt="2022-06-14T00:39:22.026" v="35"/>
-          <ac:spMkLst>
-            <pc:docMk/>
-            <pc:sldMk cId="837207602" sldId="282"/>
-            <ac:spMk id="12" creationId="{B195C3E0-8603-751F-CEC4-E67817945A60}"/>
-          </ac:spMkLst>
-        </pc:spChg>
-        <pc:spChg chg="del">
-          <ac:chgData name="John Patrick Johnson" userId="S::jpj8711@ads.northwestern.edu::fe18dc51-e5c5-41f0-a67f-64543119935e" providerId="AD" clId="Web-{D7AC109B-9928-06B3-F1A9-53C695CCC547}" dt="2022-06-14T00:39:25.276" v="36"/>
-          <ac:spMkLst>
-            <pc:docMk/>
-            <pc:sldMk cId="837207602" sldId="282"/>
-            <ac:spMk id="13" creationId="{4C380D0C-F3C0-6BCB-683A-D06B15F59CA7}"/>
-          </ac:spMkLst>
-        </pc:spChg>
-        <pc:spChg chg="mod">
-          <ac:chgData name="John Patrick Johnson" userId="S::jpj8711@ads.northwestern.edu::fe18dc51-e5c5-41f0-a67f-64543119935e" providerId="AD" clId="Web-{D7AC109B-9928-06B3-F1A9-53C695CCC547}" dt="2022-06-14T00:38:31.667" v="16" actId="20577"/>
-          <ac:spMkLst>
-            <pc:docMk/>
-            <pc:sldMk cId="837207602" sldId="282"/>
-            <ac:spMk id="250" creationId="{00000000-0000-0000-0000-000000000000}"/>
-          </ac:spMkLst>
-        </pc:spChg>
-      </pc:sldChg>
-      <pc:sldChg chg="add replId">
-        <pc:chgData name="John Patrick Johnson" userId="S::jpj8711@ads.northwestern.edu::fe18dc51-e5c5-41f0-a67f-64543119935e" providerId="AD" clId="Web-{D7AC109B-9928-06B3-F1A9-53C695CCC547}" dt="2022-06-14T00:38:09.573" v="12"/>
-        <pc:sldMkLst>
-          <pc:docMk/>
-          <pc:sldMk cId="2491928269" sldId="283"/>
-        </pc:sldMkLst>
-      </pc:sldChg>
-      <pc:sldChg chg="modSp add ord replId">
-        <pc:chgData name="John Patrick Johnson" userId="S::jpj8711@ads.northwestern.edu::fe18dc51-e5c5-41f0-a67f-64543119935e" providerId="AD" clId="Web-{D7AC109B-9928-06B3-F1A9-53C695CCC547}" dt="2022-06-14T01:05:44.237" v="408" actId="20577"/>
-        <pc:sldMkLst>
-          <pc:docMk/>
-          <pc:sldMk cId="679406833" sldId="284"/>
-        </pc:sldMkLst>
-        <pc:spChg chg="mod">
-          <ac:chgData name="John Patrick Johnson" userId="S::jpj8711@ads.northwestern.edu::fe18dc51-e5c5-41f0-a67f-64543119935e" providerId="AD" clId="Web-{D7AC109B-9928-06B3-F1A9-53C695CCC547}" dt="2022-06-14T01:05:35.471" v="404" actId="20577"/>
-          <ac:spMkLst>
-            <pc:docMk/>
-            <pc:sldMk cId="679406833" sldId="284"/>
-            <ac:spMk id="250" creationId="{00000000-0000-0000-0000-000000000000}"/>
-          </ac:spMkLst>
-        </pc:spChg>
-        <pc:spChg chg="mod">
-          <ac:chgData name="John Patrick Johnson" userId="S::jpj8711@ads.northwestern.edu::fe18dc51-e5c5-41f0-a67f-64543119935e" providerId="AD" clId="Web-{D7AC109B-9928-06B3-F1A9-53C695CCC547}" dt="2022-06-14T01:05:44.237" v="408" actId="20577"/>
-          <ac:spMkLst>
-            <pc:docMk/>
-            <pc:sldMk cId="679406833" sldId="284"/>
-            <ac:spMk id="253" creationId="{00000000-0000-0000-0000-000000000000}"/>
+          <ac:chgData name="John Patrick Johnson" userId="S::jpj8711@ads.northwestern.edu::fe18dc51-e5c5-41f0-a67f-64543119935e" providerId="AD" clId="Web-{2082941D-0433-84DC-1DEA-DD6F7C31F1C7}" dt="2022-06-10T18:31:19.167" v="202" actId="20577"/>
+          <ac:spMkLst>
+            <pc:docMk/>
+            <pc:sldMk cId="0" sldId="280"/>
+            <ac:spMk id="290" creationId="{00000000-0000-0000-0000-000000000000}"/>
           </ac:spMkLst>
         </pc:spChg>
       </pc:sldChg>
@@ -5391,291 +5823,282 @@
     </pc:docChg>
   </pc:docChgLst>
   <pc:docChgLst>
-    <pc:chgData name="John Patrick Johnson" userId="S::jpj8711@ads.northwestern.edu::fe18dc51-e5c5-41f0-a67f-64543119935e" providerId="AD" clId="Web-{562DAB7D-436C-1602-E72E-908B982172E0}"/>
+    <pc:chgData name="Ginger Lee Jacobson" userId="S::glj8018@ads.northwestern.edu::3a49910d-c358-4586-b31b-05d58406f615" providerId="AD" clId="Web-{A29EF2C3-BCC3-FE84-9E28-8AC5DC878225}"/>
     <pc:docChg chg="addSld modSld sldOrd">
-      <pc:chgData name="John Patrick Johnson" userId="S::jpj8711@ads.northwestern.edu::fe18dc51-e5c5-41f0-a67f-64543119935e" providerId="AD" clId="Web-{562DAB7D-436C-1602-E72E-908B982172E0}" dt="2022-06-28T02:29:01.140" v="29" actId="20577"/>
+      <pc:chgData name="Ginger Lee Jacobson" userId="S::glj8018@ads.northwestern.edu::3a49910d-c358-4586-b31b-05d58406f615" providerId="AD" clId="Web-{A29EF2C3-BCC3-FE84-9E28-8AC5DC878225}" dt="2023-01-11T21:56:40.632" v="365"/>
       <pc:docMkLst>
         <pc:docMk/>
       </pc:docMkLst>
-      <pc:sldChg chg="modSp add ord replId">
-        <pc:chgData name="John Patrick Johnson" userId="S::jpj8711@ads.northwestern.edu::fe18dc51-e5c5-41f0-a67f-64543119935e" providerId="AD" clId="Web-{562DAB7D-436C-1602-E72E-908B982172E0}" dt="2022-06-28T02:29:01.140" v="29" actId="20577"/>
+      <pc:sldChg chg="modSp">
+        <pc:chgData name="Ginger Lee Jacobson" userId="S::glj8018@ads.northwestern.edu::3a49910d-c358-4586-b31b-05d58406f615" providerId="AD" clId="Web-{A29EF2C3-BCC3-FE84-9E28-8AC5DC878225}" dt="2023-01-11T21:19:44.332" v="229" actId="20577"/>
         <pc:sldMkLst>
           <pc:docMk/>
-          <pc:sldMk cId="4134066138" sldId="285"/>
+          <pc:sldMk cId="0" sldId="280"/>
         </pc:sldMkLst>
         <pc:spChg chg="mod">
-          <ac:chgData name="John Patrick Johnson" userId="S::jpj8711@ads.northwestern.edu::fe18dc51-e5c5-41f0-a67f-64543119935e" providerId="AD" clId="Web-{562DAB7D-436C-1602-E72E-908B982172E0}" dt="2022-06-28T02:27:47.187" v="6" actId="20577"/>
-          <ac:spMkLst>
-            <pc:docMk/>
-            <pc:sldMk cId="4134066138" sldId="285"/>
-            <ac:spMk id="250" creationId="{00000000-0000-0000-0000-000000000000}"/>
-          </ac:spMkLst>
-        </pc:spChg>
+          <ac:chgData name="Ginger Lee Jacobson" userId="S::glj8018@ads.northwestern.edu::3a49910d-c358-4586-b31b-05d58406f615" providerId="AD" clId="Web-{A29EF2C3-BCC3-FE84-9E28-8AC5DC878225}" dt="2023-01-11T21:19:44.332" v="229" actId="20577"/>
+          <ac:spMkLst>
+            <pc:docMk/>
+            <pc:sldMk cId="0" sldId="280"/>
+            <ac:spMk id="7" creationId="{B1E2236B-464B-AA49-A124-3E054A3AC455}"/>
+          </ac:spMkLst>
+        </pc:spChg>
+      </pc:sldChg>
+      <pc:sldChg chg="modSp">
+        <pc:chgData name="Ginger Lee Jacobson" userId="S::glj8018@ads.northwestern.edu::3a49910d-c358-4586-b31b-05d58406f615" providerId="AD" clId="Web-{A29EF2C3-BCC3-FE84-9E28-8AC5DC878225}" dt="2023-01-11T21:08:06.645" v="212" actId="20577"/>
+        <pc:sldMkLst>
+          <pc:docMk/>
+          <pc:sldMk cId="4100909272" sldId="290"/>
+        </pc:sldMkLst>
         <pc:spChg chg="mod">
-          <ac:chgData name="John Patrick Johnson" userId="S::jpj8711@ads.northwestern.edu::fe18dc51-e5c5-41f0-a67f-64543119935e" providerId="AD" clId="Web-{562DAB7D-436C-1602-E72E-908B982172E0}" dt="2022-06-28T02:29:01.140" v="29" actId="20577"/>
-          <ac:spMkLst>
-            <pc:docMk/>
-            <pc:sldMk cId="4134066138" sldId="285"/>
-            <ac:spMk id="253" creationId="{00000000-0000-0000-0000-000000000000}"/>
-          </ac:spMkLst>
-        </pc:spChg>
+          <ac:chgData name="Ginger Lee Jacobson" userId="S::glj8018@ads.northwestern.edu::3a49910d-c358-4586-b31b-05d58406f615" providerId="AD" clId="Web-{A29EF2C3-BCC3-FE84-9E28-8AC5DC878225}" dt="2023-01-11T21:08:06.645" v="212" actId="20577"/>
+          <ac:spMkLst>
+            <pc:docMk/>
+            <pc:sldMk cId="4100909272" sldId="290"/>
+            <ac:spMk id="3" creationId="{22E119E0-FC75-671C-AEA4-1161320CAC7A}"/>
+          </ac:spMkLst>
+        </pc:spChg>
+      </pc:sldChg>
+      <pc:sldChg chg="modNotes">
+        <pc:chgData name="Ginger Lee Jacobson" userId="S::glj8018@ads.northwestern.edu::3a49910d-c358-4586-b31b-05d58406f615" providerId="AD" clId="Web-{A29EF2C3-BCC3-FE84-9E28-8AC5DC878225}" dt="2023-01-11T21:37:56.888" v="315"/>
+        <pc:sldMkLst>
+          <pc:docMk/>
+          <pc:sldMk cId="2952596098" sldId="291"/>
+        </pc:sldMkLst>
+      </pc:sldChg>
+      <pc:sldChg chg="addAnim modAnim">
+        <pc:chgData name="Ginger Lee Jacobson" userId="S::glj8018@ads.northwestern.edu::3a49910d-c358-4586-b31b-05d58406f615" providerId="AD" clId="Web-{A29EF2C3-BCC3-FE84-9E28-8AC5DC878225}" dt="2023-01-11T20:36:55.853" v="2"/>
+        <pc:sldMkLst>
+          <pc:docMk/>
+          <pc:sldMk cId="922581880" sldId="292"/>
+        </pc:sldMkLst>
+      </pc:sldChg>
+      <pc:sldChg chg="modSp modNotes">
+        <pc:chgData name="Ginger Lee Jacobson" userId="S::glj8018@ads.northwestern.edu::3a49910d-c358-4586-b31b-05d58406f615" providerId="AD" clId="Web-{A29EF2C3-BCC3-FE84-9E28-8AC5DC878225}" dt="2023-01-11T20:39:10.090" v="6"/>
+        <pc:sldMkLst>
+          <pc:docMk/>
+          <pc:sldMk cId="1680070822" sldId="293"/>
+        </pc:sldMkLst>
+        <pc:spChg chg="mod">
+          <ac:chgData name="Ginger Lee Jacobson" userId="S::glj8018@ads.northwestern.edu::3a49910d-c358-4586-b31b-05d58406f615" providerId="AD" clId="Web-{A29EF2C3-BCC3-FE84-9E28-8AC5DC878225}" dt="2023-01-11T20:38:55.403" v="5" actId="20577"/>
+          <ac:spMkLst>
+            <pc:docMk/>
+            <pc:sldMk cId="1680070822" sldId="293"/>
+            <ac:spMk id="3" creationId="{72BA3BD0-066D-3791-B32E-795ACC0C3316}"/>
+          </ac:spMkLst>
+        </pc:spChg>
+      </pc:sldChg>
+      <pc:sldChg chg="delSp modSp modNotes">
+        <pc:chgData name="Ginger Lee Jacobson" userId="S::glj8018@ads.northwestern.edu::3a49910d-c358-4586-b31b-05d58406f615" providerId="AD" clId="Web-{A29EF2C3-BCC3-FE84-9E28-8AC5DC878225}" dt="2023-01-11T21:56:40.632" v="365"/>
+        <pc:sldMkLst>
+          <pc:docMk/>
+          <pc:sldMk cId="2221694099" sldId="294"/>
+        </pc:sldMkLst>
+        <pc:spChg chg="mod">
+          <ac:chgData name="Ginger Lee Jacobson" userId="S::glj8018@ads.northwestern.edu::3a49910d-c358-4586-b31b-05d58406f615" providerId="AD" clId="Web-{A29EF2C3-BCC3-FE84-9E28-8AC5DC878225}" dt="2023-01-11T21:51:25.141" v="353" actId="20577"/>
+          <ac:spMkLst>
+            <pc:docMk/>
+            <pc:sldMk cId="2221694099" sldId="294"/>
+            <ac:spMk id="3" creationId="{CF76AAE2-66F4-B3FE-C0AA-1E7B887F59DB}"/>
+          </ac:spMkLst>
+        </pc:spChg>
+        <pc:picChg chg="del">
+          <ac:chgData name="Ginger Lee Jacobson" userId="S::glj8018@ads.northwestern.edu::3a49910d-c358-4586-b31b-05d58406f615" providerId="AD" clId="Web-{A29EF2C3-BCC3-FE84-9E28-8AC5DC878225}" dt="2023-01-11T21:48:03.574" v="316"/>
+          <ac:picMkLst>
+            <pc:docMk/>
+            <pc:sldMk cId="2221694099" sldId="294"/>
+            <ac:picMk id="6" creationId="{C47F68B0-D9C6-A308-5968-4617FDAD709E}"/>
+          </ac:picMkLst>
+        </pc:picChg>
+      </pc:sldChg>
+      <pc:sldChg chg="modSp addAnim delAnim modAnim modNotes">
+        <pc:chgData name="Ginger Lee Jacobson" userId="S::glj8018@ads.northwestern.edu::3a49910d-c358-4586-b31b-05d58406f615" providerId="AD" clId="Web-{A29EF2C3-BCC3-FE84-9E28-8AC5DC878225}" dt="2023-01-11T20:45:40.724" v="111" actId="20577"/>
+        <pc:sldMkLst>
+          <pc:docMk/>
+          <pc:sldMk cId="2441557156" sldId="295"/>
+        </pc:sldMkLst>
+        <pc:spChg chg="mod">
+          <ac:chgData name="Ginger Lee Jacobson" userId="S::glj8018@ads.northwestern.edu::3a49910d-c358-4586-b31b-05d58406f615" providerId="AD" clId="Web-{A29EF2C3-BCC3-FE84-9E28-8AC5DC878225}" dt="2023-01-11T20:45:40.724" v="111" actId="20577"/>
+          <ac:spMkLst>
+            <pc:docMk/>
+            <pc:sldMk cId="2441557156" sldId="295"/>
+            <ac:spMk id="3" creationId="{7CA46D2D-A778-68E1-4EF0-618ADDD3404B}"/>
+          </ac:spMkLst>
+        </pc:spChg>
+      </pc:sldChg>
+      <pc:sldChg chg="addSp modSp">
+        <pc:chgData name="Ginger Lee Jacobson" userId="S::glj8018@ads.northwestern.edu::3a49910d-c358-4586-b31b-05d58406f615" providerId="AD" clId="Web-{A29EF2C3-BCC3-FE84-9E28-8AC5DC878225}" dt="2023-01-11T21:12:53.011" v="218" actId="14100"/>
+        <pc:sldMkLst>
+          <pc:docMk/>
+          <pc:sldMk cId="824764711" sldId="300"/>
+        </pc:sldMkLst>
+        <pc:spChg chg="mod">
+          <ac:chgData name="Ginger Lee Jacobson" userId="S::glj8018@ads.northwestern.edu::3a49910d-c358-4586-b31b-05d58406f615" providerId="AD" clId="Web-{A29EF2C3-BCC3-FE84-9E28-8AC5DC878225}" dt="2023-01-11T21:12:14.072" v="214" actId="20577"/>
+          <ac:spMkLst>
+            <pc:docMk/>
+            <pc:sldMk cId="824764711" sldId="300"/>
+            <ac:spMk id="3" creationId="{E734A82D-A943-360B-0A2E-BBD555F97DAF}"/>
+          </ac:spMkLst>
+        </pc:spChg>
+        <pc:picChg chg="add mod">
+          <ac:chgData name="Ginger Lee Jacobson" userId="S::glj8018@ads.northwestern.edu::3a49910d-c358-4586-b31b-05d58406f615" providerId="AD" clId="Web-{A29EF2C3-BCC3-FE84-9E28-8AC5DC878225}" dt="2023-01-11T21:12:53.011" v="218" actId="14100"/>
+          <ac:picMkLst>
+            <pc:docMk/>
+            <pc:sldMk cId="824764711" sldId="300"/>
+            <ac:picMk id="6" creationId="{C5F4DFA5-C7A1-E36A-688D-278A9FFDCD9A}"/>
+          </ac:picMkLst>
+        </pc:picChg>
+      </pc:sldChg>
+      <pc:sldChg chg="modSp">
+        <pc:chgData name="Ginger Lee Jacobson" userId="S::glj8018@ads.northwestern.edu::3a49910d-c358-4586-b31b-05d58406f615" providerId="AD" clId="Web-{A29EF2C3-BCC3-FE84-9E28-8AC5DC878225}" dt="2023-01-11T21:31:09.223" v="230" actId="20577"/>
+        <pc:sldMkLst>
+          <pc:docMk/>
+          <pc:sldMk cId="649797171" sldId="309"/>
+        </pc:sldMkLst>
+        <pc:spChg chg="mod">
+          <ac:chgData name="Ginger Lee Jacobson" userId="S::glj8018@ads.northwestern.edu::3a49910d-c358-4586-b31b-05d58406f615" providerId="AD" clId="Web-{A29EF2C3-BCC3-FE84-9E28-8AC5DC878225}" dt="2023-01-11T21:31:09.223" v="230" actId="20577"/>
+          <ac:spMkLst>
+            <pc:docMk/>
+            <pc:sldMk cId="649797171" sldId="309"/>
+            <ac:spMk id="4" creationId="{E01374D5-3FDC-ACF5-3153-58548A78F130}"/>
+          </ac:spMkLst>
+        </pc:spChg>
+      </pc:sldChg>
+      <pc:sldChg chg="modSp new ord">
+        <pc:chgData name="Ginger Lee Jacobson" userId="S::glj8018@ads.northwestern.edu::3a49910d-c358-4586-b31b-05d58406f615" providerId="AD" clId="Web-{A29EF2C3-BCC3-FE84-9E28-8AC5DC878225}" dt="2023-01-11T20:50:36.481" v="141" actId="20577"/>
+        <pc:sldMkLst>
+          <pc:docMk/>
+          <pc:sldMk cId="1622357749" sldId="310"/>
+        </pc:sldMkLst>
+        <pc:spChg chg="mod">
+          <ac:chgData name="Ginger Lee Jacobson" userId="S::glj8018@ads.northwestern.edu::3a49910d-c358-4586-b31b-05d58406f615" providerId="AD" clId="Web-{A29EF2C3-BCC3-FE84-9E28-8AC5DC878225}" dt="2023-01-11T20:50:05.058" v="138" actId="20577"/>
+          <ac:spMkLst>
+            <pc:docMk/>
+            <pc:sldMk cId="1622357749" sldId="310"/>
+            <ac:spMk id="2" creationId="{DA76D551-D935-B605-4BA3-8E184C30C903}"/>
+          </ac:spMkLst>
+        </pc:spChg>
+        <pc:spChg chg="mod">
+          <ac:chgData name="Ginger Lee Jacobson" userId="S::glj8018@ads.northwestern.edu::3a49910d-c358-4586-b31b-05d58406f615" providerId="AD" clId="Web-{A29EF2C3-BCC3-FE84-9E28-8AC5DC878225}" dt="2023-01-11T20:50:36.481" v="141" actId="20577"/>
+          <ac:spMkLst>
+            <pc:docMk/>
+            <pc:sldMk cId="1622357749" sldId="310"/>
+            <ac:spMk id="3" creationId="{A4FCEDB0-0C1F-8E75-6EA3-CEA25E8BC792}"/>
+          </ac:spMkLst>
+        </pc:spChg>
+      </pc:sldChg>
+      <pc:sldChg chg="add replId modNotes">
+        <pc:chgData name="Ginger Lee Jacobson" userId="S::glj8018@ads.northwestern.edu::3a49910d-c358-4586-b31b-05d58406f615" providerId="AD" clId="Web-{A29EF2C3-BCC3-FE84-9E28-8AC5DC878225}" dt="2023-01-11T20:57:03.427" v="145"/>
+        <pc:sldMkLst>
+          <pc:docMk/>
+          <pc:sldMk cId="467008381" sldId="311"/>
+        </pc:sldMkLst>
       </pc:sldChg>
     </pc:docChg>
   </pc:docChgLst>
   <pc:docChgLst>
-    <pc:chgData name="John Patrick Johnson" userId="S::jpj8711@ads.northwestern.edu::fe18dc51-e5c5-41f0-a67f-64543119935e" providerId="AD" clId="Web-{B270706C-2E8A-DAE0-AD05-13A0EC2FCBFE}"/>
-    <pc:docChg chg="mod addSld modSld">
-      <pc:chgData name="John Patrick Johnson" userId="S::jpj8711@ads.northwestern.edu::fe18dc51-e5c5-41f0-a67f-64543119935e" providerId="AD" clId="Web-{B270706C-2E8A-DAE0-AD05-13A0EC2FCBFE}" dt="2023-01-10T04:12:59.024" v="332" actId="14100"/>
+    <pc:chgData name="Ginger Lee Jacobson" userId="S::glj8018@ads.northwestern.edu::3a49910d-c358-4586-b31b-05d58406f615" providerId="AD" clId="Web-{5B461979-0560-DDDF-28AF-DB41A86C378B}"/>
+    <pc:docChg chg="addSld delSld modSld">
+      <pc:chgData name="Ginger Lee Jacobson" userId="S::glj8018@ads.northwestern.edu::3a49910d-c358-4586-b31b-05d58406f615" providerId="AD" clId="Web-{5B461979-0560-DDDF-28AF-DB41A86C378B}" dt="2023-01-11T17:51:10.018" v="186"/>
       <pc:docMkLst>
         <pc:docMk/>
       </pc:docMkLst>
-      <pc:sldChg chg="modSp">
-        <pc:chgData name="John Patrick Johnson" userId="S::jpj8711@ads.northwestern.edu::fe18dc51-e5c5-41f0-a67f-64543119935e" providerId="AD" clId="Web-{B270706C-2E8A-DAE0-AD05-13A0EC2FCBFE}" dt="2023-01-10T01:48:09.435" v="16" actId="20577"/>
+      <pc:sldChg chg="modSp modNotes">
+        <pc:chgData name="Ginger Lee Jacobson" userId="S::glj8018@ads.northwestern.edu::3a49910d-c358-4586-b31b-05d58406f615" providerId="AD" clId="Web-{5B461979-0560-DDDF-28AF-DB41A86C378B}" dt="2023-01-11T17:51:10.018" v="186"/>
         <pc:sldMkLst>
           <pc:docMk/>
-          <pc:sldMk cId="0" sldId="263"/>
+          <pc:sldMk cId="1467023248" sldId="289"/>
         </pc:sldMkLst>
         <pc:spChg chg="mod">
-          <ac:chgData name="John Patrick Johnson" userId="S::jpj8711@ads.northwestern.edu::fe18dc51-e5c5-41f0-a67f-64543119935e" providerId="AD" clId="Web-{B270706C-2E8A-DAE0-AD05-13A0EC2FCBFE}" dt="2023-01-10T01:48:09.435" v="16" actId="20577"/>
-          <ac:spMkLst>
-            <pc:docMk/>
-            <pc:sldMk cId="0" sldId="263"/>
-            <ac:spMk id="113" creationId="{00000000-0000-0000-0000-000000000000}"/>
+          <ac:chgData name="Ginger Lee Jacobson" userId="S::glj8018@ads.northwestern.edu::3a49910d-c358-4586-b31b-05d58406f615" providerId="AD" clId="Web-{5B461979-0560-DDDF-28AF-DB41A86C378B}" dt="2023-01-11T17:48:20.138" v="151" actId="20577"/>
+          <ac:spMkLst>
+            <pc:docMk/>
+            <pc:sldMk cId="1467023248" sldId="289"/>
+            <ac:spMk id="3" creationId="{E734A82D-A943-360B-0A2E-BBD555F97DAF}"/>
+          </ac:spMkLst>
+        </pc:spChg>
+      </pc:sldChg>
+      <pc:sldChg chg="modSp modNotes">
+        <pc:chgData name="Ginger Lee Jacobson" userId="S::glj8018@ads.northwestern.edu::3a49910d-c358-4586-b31b-05d58406f615" providerId="AD" clId="Web-{5B461979-0560-DDDF-28AF-DB41A86C378B}" dt="2023-01-11T17:29:43.533" v="106"/>
+        <pc:sldMkLst>
+          <pc:docMk/>
+          <pc:sldMk cId="922581880" sldId="292"/>
+        </pc:sldMkLst>
+        <pc:spChg chg="mod">
+          <ac:chgData name="Ginger Lee Jacobson" userId="S::glj8018@ads.northwestern.edu::3a49910d-c358-4586-b31b-05d58406f615" providerId="AD" clId="Web-{5B461979-0560-DDDF-28AF-DB41A86C378B}" dt="2023-01-11T17:28:52.235" v="102" actId="20577"/>
+          <ac:spMkLst>
+            <pc:docMk/>
+            <pc:sldMk cId="922581880" sldId="292"/>
+            <ac:spMk id="3" creationId="{B35CBA1D-F2EC-22B1-BC24-1D8C6BAC00F7}"/>
           </ac:spMkLst>
         </pc:spChg>
       </pc:sldChg>
       <pc:sldChg chg="modSp">
-        <pc:chgData name="John Patrick Johnson" userId="S::jpj8711@ads.northwestern.edu::fe18dc51-e5c5-41f0-a67f-64543119935e" providerId="AD" clId="Web-{B270706C-2E8A-DAE0-AD05-13A0EC2FCBFE}" dt="2023-01-10T01:48:24.592" v="34" actId="20577"/>
+        <pc:chgData name="Ginger Lee Jacobson" userId="S::glj8018@ads.northwestern.edu::3a49910d-c358-4586-b31b-05d58406f615" providerId="AD" clId="Web-{5B461979-0560-DDDF-28AF-DB41A86C378B}" dt="2023-01-11T17:38:51.047" v="149" actId="20577"/>
         <pc:sldMkLst>
           <pc:docMk/>
-          <pc:sldMk cId="0" sldId="264"/>
+          <pc:sldMk cId="2441557156" sldId="295"/>
         </pc:sldMkLst>
         <pc:spChg chg="mod">
-          <ac:chgData name="John Patrick Johnson" userId="S::jpj8711@ads.northwestern.edu::fe18dc51-e5c5-41f0-a67f-64543119935e" providerId="AD" clId="Web-{B270706C-2E8A-DAE0-AD05-13A0EC2FCBFE}" dt="2023-01-10T01:48:24.592" v="34" actId="20577"/>
-          <ac:spMkLst>
-            <pc:docMk/>
-            <pc:sldMk cId="0" sldId="264"/>
-            <ac:spMk id="125" creationId="{00000000-0000-0000-0000-000000000000}"/>
+          <ac:chgData name="Ginger Lee Jacobson" userId="S::glj8018@ads.northwestern.edu::3a49910d-c358-4586-b31b-05d58406f615" providerId="AD" clId="Web-{5B461979-0560-DDDF-28AF-DB41A86C378B}" dt="2023-01-11T17:38:51.047" v="149" actId="20577"/>
+          <ac:spMkLst>
+            <pc:docMk/>
+            <pc:sldMk cId="2441557156" sldId="295"/>
+            <ac:spMk id="3" creationId="{7CA46D2D-A778-68E1-4EF0-618ADDD3404B}"/>
           </ac:spMkLst>
         </pc:spChg>
       </pc:sldChg>
-      <pc:sldChg chg="modSp">
-        <pc:chgData name="John Patrick Johnson" userId="S::jpj8711@ads.northwestern.edu::fe18dc51-e5c5-41f0-a67f-64543119935e" providerId="AD" clId="Web-{B270706C-2E8A-DAE0-AD05-13A0EC2FCBFE}" dt="2023-01-10T01:48:53.140" v="46" actId="20577"/>
+      <pc:sldChg chg="modSp modNotes">
+        <pc:chgData name="Ginger Lee Jacobson" userId="S::glj8018@ads.northwestern.edu::3a49910d-c358-4586-b31b-05d58406f615" providerId="AD" clId="Web-{5B461979-0560-DDDF-28AF-DB41A86C378B}" dt="2023-01-11T17:32:23.850" v="137"/>
         <pc:sldMkLst>
           <pc:docMk/>
-          <pc:sldMk cId="0" sldId="266"/>
+          <pc:sldMk cId="1901255271" sldId="303"/>
         </pc:sldMkLst>
-        <pc:spChg chg="mod">
-          <ac:chgData name="John Patrick Johnson" userId="S::jpj8711@ads.northwestern.edu::fe18dc51-e5c5-41f0-a67f-64543119935e" providerId="AD" clId="Web-{B270706C-2E8A-DAE0-AD05-13A0EC2FCBFE}" dt="2023-01-10T01:48:53.140" v="46" actId="20577"/>
-          <ac:spMkLst>
-            <pc:docMk/>
-            <pc:sldMk cId="0" sldId="266"/>
-            <ac:spMk id="147" creationId="{00000000-0000-0000-0000-000000000000}"/>
-          </ac:spMkLst>
-        </pc:spChg>
-      </pc:sldChg>
-      <pc:sldChg chg="modSp">
-        <pc:chgData name="John Patrick Johnson" userId="S::jpj8711@ads.northwestern.edu::fe18dc51-e5c5-41f0-a67f-64543119935e" providerId="AD" clId="Web-{B270706C-2E8A-DAE0-AD05-13A0EC2FCBFE}" dt="2023-01-10T01:48:35.889" v="41" actId="20577"/>
-        <pc:sldMkLst>
-          <pc:docMk/>
-          <pc:sldMk cId="0" sldId="274"/>
-        </pc:sldMkLst>
-        <pc:spChg chg="mod">
-          <ac:chgData name="John Patrick Johnson" userId="S::jpj8711@ads.northwestern.edu::fe18dc51-e5c5-41f0-a67f-64543119935e" providerId="AD" clId="Web-{B270706C-2E8A-DAE0-AD05-13A0EC2FCBFE}" dt="2023-01-10T01:48:35.889" v="41" actId="20577"/>
-          <ac:spMkLst>
-            <pc:docMk/>
-            <pc:sldMk cId="0" sldId="274"/>
-            <ac:spMk id="224" creationId="{00000000-0000-0000-0000-000000000000}"/>
-          </ac:spMkLst>
-        </pc:spChg>
-      </pc:sldChg>
-      <pc:sldChg chg="modSp">
-        <pc:chgData name="John Patrick Johnson" userId="S::jpj8711@ads.northwestern.edu::fe18dc51-e5c5-41f0-a67f-64543119935e" providerId="AD" clId="Web-{B270706C-2E8A-DAE0-AD05-13A0EC2FCBFE}" dt="2023-01-10T01:49:15.031" v="47" actId="20577"/>
-        <pc:sldMkLst>
-          <pc:docMk/>
-          <pc:sldMk cId="0" sldId="276"/>
-        </pc:sldMkLst>
-        <pc:spChg chg="mod">
-          <ac:chgData name="John Patrick Johnson" userId="S::jpj8711@ads.northwestern.edu::fe18dc51-e5c5-41f0-a67f-64543119935e" providerId="AD" clId="Web-{B270706C-2E8A-DAE0-AD05-13A0EC2FCBFE}" dt="2023-01-10T01:49:15.031" v="47" actId="20577"/>
-          <ac:spMkLst>
-            <pc:docMk/>
-            <pc:sldMk cId="0" sldId="276"/>
-            <ac:spMk id="250" creationId="{00000000-0000-0000-0000-000000000000}"/>
-          </ac:spMkLst>
-        </pc:spChg>
-      </pc:sldChg>
-      <pc:sldChg chg="modCm">
-        <pc:chgData name="John Patrick Johnson" userId="S::jpj8711@ads.northwestern.edu::fe18dc51-e5c5-41f0-a67f-64543119935e" providerId="AD" clId="Web-{B270706C-2E8A-DAE0-AD05-13A0EC2FCBFE}" dt="2023-01-10T01:35:04.440" v="1"/>
-        <pc:sldMkLst>
-          <pc:docMk/>
-          <pc:sldMk cId="60139911" sldId="287"/>
-        </pc:sldMkLst>
-      </pc:sldChg>
-      <pc:sldChg chg="addSp delSp modSp addAnim modAnim">
-        <pc:chgData name="John Patrick Johnson" userId="S::jpj8711@ads.northwestern.edu::fe18dc51-e5c5-41f0-a67f-64543119935e" providerId="AD" clId="Web-{B270706C-2E8A-DAE0-AD05-13A0EC2FCBFE}" dt="2023-01-10T04:12:59.024" v="332" actId="14100"/>
-        <pc:sldMkLst>
-          <pc:docMk/>
-          <pc:sldMk cId="3050248158" sldId="296"/>
-        </pc:sldMkLst>
-        <pc:spChg chg="del">
-          <ac:chgData name="John Patrick Johnson" userId="S::jpj8711@ads.northwestern.edu::fe18dc51-e5c5-41f0-a67f-64543119935e" providerId="AD" clId="Web-{B270706C-2E8A-DAE0-AD05-13A0EC2FCBFE}" dt="2023-01-10T03:29:25.896" v="306"/>
-          <ac:spMkLst>
-            <pc:docMk/>
-            <pc:sldMk cId="3050248158" sldId="296"/>
-            <ac:spMk id="3" creationId="{35265433-E491-76BD-2CE4-940E2D2213FE}"/>
-          </ac:spMkLst>
-        </pc:spChg>
-        <pc:spChg chg="mod">
-          <ac:chgData name="John Patrick Johnson" userId="S::jpj8711@ads.northwestern.edu::fe18dc51-e5c5-41f0-a67f-64543119935e" providerId="AD" clId="Web-{B270706C-2E8A-DAE0-AD05-13A0EC2FCBFE}" dt="2023-01-10T01:47:56.106" v="9" actId="20577"/>
-          <ac:spMkLst>
-            <pc:docMk/>
-            <pc:sldMk cId="3050248158" sldId="296"/>
-            <ac:spMk id="176" creationId="{00000000-0000-0000-0000-000000000000}"/>
-          </ac:spMkLst>
-        </pc:spChg>
-        <pc:picChg chg="add mod">
-          <ac:chgData name="John Patrick Johnson" userId="S::jpj8711@ads.northwestern.edu::fe18dc51-e5c5-41f0-a67f-64543119935e" providerId="AD" clId="Web-{B270706C-2E8A-DAE0-AD05-13A0EC2FCBFE}" dt="2023-01-10T04:12:59.024" v="332" actId="14100"/>
+        <pc:picChg chg="mod">
+          <ac:chgData name="Ginger Lee Jacobson" userId="S::glj8018@ads.northwestern.edu::3a49910d-c358-4586-b31b-05d58406f615" providerId="AD" clId="Web-{5B461979-0560-DDDF-28AF-DB41A86C378B}" dt="2023-01-11T17:30:57.863" v="118" actId="14100"/>
           <ac:picMkLst>
             <pc:docMk/>
-            <pc:sldMk cId="3050248158" sldId="296"/>
-            <ac:picMk id="4" creationId="{3DC87846-D2C9-27E3-BCF5-F54BA0E4016D}"/>
-          </ac:picMkLst>
-        </pc:picChg>
-        <pc:picChg chg="add mod">
-          <ac:chgData name="John Patrick Johnson" userId="S::jpj8711@ads.northwestern.edu::fe18dc51-e5c5-41f0-a67f-64543119935e" providerId="AD" clId="Web-{B270706C-2E8A-DAE0-AD05-13A0EC2FCBFE}" dt="2023-01-10T04:12:44.602" v="327" actId="1076"/>
-          <ac:picMkLst>
-            <pc:docMk/>
-            <pc:sldMk cId="3050248158" sldId="296"/>
-            <ac:picMk id="5" creationId="{74EB437C-D31C-B442-1FB8-A6B4E1F09824}"/>
-          </ac:picMkLst>
-        </pc:picChg>
-        <pc:picChg chg="add mod">
-          <ac:chgData name="John Patrick Johnson" userId="S::jpj8711@ads.northwestern.edu::fe18dc51-e5c5-41f0-a67f-64543119935e" providerId="AD" clId="Web-{B270706C-2E8A-DAE0-AD05-13A0EC2FCBFE}" dt="2023-01-10T04:12:51.743" v="330" actId="1076"/>
-          <ac:picMkLst>
-            <pc:docMk/>
-            <pc:sldMk cId="3050248158" sldId="296"/>
-            <ac:picMk id="6" creationId="{19B7845B-0C43-CEC9-8729-8CA6E51BFD48}"/>
+            <pc:sldMk cId="1901255271" sldId="303"/>
+            <ac:picMk id="6" creationId="{26C403D9-66B4-6416-2E5E-5BDEC7CA054B}"/>
           </ac:picMkLst>
         </pc:picChg>
       </pc:sldChg>
-      <pc:sldChg chg="addSp modSp add replId">
-        <pc:chgData name="John Patrick Johnson" userId="S::jpj8711@ads.northwestern.edu::fe18dc51-e5c5-41f0-a67f-64543119935e" providerId="AD" clId="Web-{B270706C-2E8A-DAE0-AD05-13A0EC2FCBFE}" dt="2023-01-10T01:58:02.395" v="296" actId="20577"/>
+      <pc:sldChg chg="modNotes">
+        <pc:chgData name="Ginger Lee Jacobson" userId="S::glj8018@ads.northwestern.edu::3a49910d-c358-4586-b31b-05d58406f615" providerId="AD" clId="Web-{5B461979-0560-DDDF-28AF-DB41A86C378B}" dt="2023-01-11T17:38:02.717" v="139"/>
         <pc:sldMkLst>
           <pc:docMk/>
-          <pc:sldMk cId="3384434737" sldId="302"/>
+          <pc:sldMk cId="1606653251" sldId="307"/>
         </pc:sldMkLst>
-        <pc:spChg chg="add mod">
-          <ac:chgData name="John Patrick Johnson" userId="S::jpj8711@ads.northwestern.edu::fe18dc51-e5c5-41f0-a67f-64543119935e" providerId="AD" clId="Web-{B270706C-2E8A-DAE0-AD05-13A0EC2FCBFE}" dt="2023-01-10T01:51:58.114" v="132" actId="1076"/>
-          <ac:spMkLst>
-            <pc:docMk/>
-            <pc:sldMk cId="3384434737" sldId="302"/>
-            <ac:spMk id="3" creationId="{1DEA14E2-9B87-2779-9679-1E65D42DA871}"/>
-          </ac:spMkLst>
-        </pc:spChg>
-        <pc:spChg chg="add mod">
-          <ac:chgData name="John Patrick Johnson" userId="S::jpj8711@ads.northwestern.edu::fe18dc51-e5c5-41f0-a67f-64543119935e" providerId="AD" clId="Web-{B270706C-2E8A-DAE0-AD05-13A0EC2FCBFE}" dt="2023-01-10T01:53:22.495" v="162" actId="14100"/>
-          <ac:spMkLst>
-            <pc:docMk/>
-            <pc:sldMk cId="3384434737" sldId="302"/>
-            <ac:spMk id="4" creationId="{063D29AA-7E41-CBE7-D357-097401F95E44}"/>
-          </ac:spMkLst>
-        </pc:spChg>
-        <pc:spChg chg="add mod">
-          <ac:chgData name="John Patrick Johnson" userId="S::jpj8711@ads.northwestern.edu::fe18dc51-e5c5-41f0-a67f-64543119935e" providerId="AD" clId="Web-{B270706C-2E8A-DAE0-AD05-13A0EC2FCBFE}" dt="2023-01-10T01:53:25.808" v="163" actId="1076"/>
-          <ac:spMkLst>
-            <pc:docMk/>
-            <pc:sldMk cId="3384434737" sldId="302"/>
-            <ac:spMk id="5" creationId="{49E0A197-D99C-2713-25F8-AB174B8DD817}"/>
-          </ac:spMkLst>
-        </pc:spChg>
-        <pc:spChg chg="add mod">
-          <ac:chgData name="John Patrick Johnson" userId="S::jpj8711@ads.northwestern.edu::fe18dc51-e5c5-41f0-a67f-64543119935e" providerId="AD" clId="Web-{B270706C-2E8A-DAE0-AD05-13A0EC2FCBFE}" dt="2023-01-10T01:53:35.871" v="166" actId="1076"/>
-          <ac:spMkLst>
-            <pc:docMk/>
-            <pc:sldMk cId="3384434737" sldId="302"/>
-            <ac:spMk id="6" creationId="{130E8B59-1BDD-65F6-A73D-482EF1600BBD}"/>
-          </ac:spMkLst>
-        </pc:spChg>
-        <pc:spChg chg="add mod">
-          <ac:chgData name="John Patrick Johnson" userId="S::jpj8711@ads.northwestern.edu::fe18dc51-e5c5-41f0-a67f-64543119935e" providerId="AD" clId="Web-{B270706C-2E8A-DAE0-AD05-13A0EC2FCBFE}" dt="2023-01-10T01:53:57.356" v="174" actId="20577"/>
-          <ac:spMkLst>
-            <pc:docMk/>
-            <pc:sldMk cId="3384434737" sldId="302"/>
-            <ac:spMk id="7" creationId="{61B625D7-70A0-2BB4-7CBA-829AA3845CA8}"/>
-          </ac:spMkLst>
-        </pc:spChg>
-        <pc:spChg chg="add mod">
-          <ac:chgData name="John Patrick Johnson" userId="S::jpj8711@ads.northwestern.edu::fe18dc51-e5c5-41f0-a67f-64543119935e" providerId="AD" clId="Web-{B270706C-2E8A-DAE0-AD05-13A0EC2FCBFE}" dt="2023-01-10T01:54:17.966" v="183" actId="1076"/>
-          <ac:spMkLst>
-            <pc:docMk/>
-            <pc:sldMk cId="3384434737" sldId="302"/>
-            <ac:spMk id="8" creationId="{62554386-D1D2-2F72-16D6-61CA770BB98A}"/>
-          </ac:spMkLst>
-        </pc:spChg>
-        <pc:spChg chg="add mod">
-          <ac:chgData name="John Patrick Johnson" userId="S::jpj8711@ads.northwestern.edu::fe18dc51-e5c5-41f0-a67f-64543119935e" providerId="AD" clId="Web-{B270706C-2E8A-DAE0-AD05-13A0EC2FCBFE}" dt="2023-01-10T01:54:49.358" v="194" actId="20577"/>
-          <ac:spMkLst>
-            <pc:docMk/>
-            <pc:sldMk cId="3384434737" sldId="302"/>
-            <ac:spMk id="9" creationId="{5AA49424-84AB-4327-8F80-BE16279155F2}"/>
-          </ac:spMkLst>
-        </pc:spChg>
-        <pc:spChg chg="add mod">
-          <ac:chgData name="John Patrick Johnson" userId="S::jpj8711@ads.northwestern.edu::fe18dc51-e5c5-41f0-a67f-64543119935e" providerId="AD" clId="Web-{B270706C-2E8A-DAE0-AD05-13A0EC2FCBFE}" dt="2023-01-10T01:55:35.328" v="206" actId="20577"/>
-          <ac:spMkLst>
-            <pc:docMk/>
-            <pc:sldMk cId="3384434737" sldId="302"/>
-            <ac:spMk id="10" creationId="{1BF92021-EFD4-038A-70CF-985B67EFE37F}"/>
-          </ac:spMkLst>
-        </pc:spChg>
-        <pc:spChg chg="add mod">
-          <ac:chgData name="John Patrick Johnson" userId="S::jpj8711@ads.northwestern.edu::fe18dc51-e5c5-41f0-a67f-64543119935e" providerId="AD" clId="Web-{B270706C-2E8A-DAE0-AD05-13A0EC2FCBFE}" dt="2023-01-10T01:56:02.485" v="222" actId="20577"/>
-          <ac:spMkLst>
-            <pc:docMk/>
-            <pc:sldMk cId="3384434737" sldId="302"/>
-            <ac:spMk id="11" creationId="{AA30AA58-0EC1-C399-1D86-BC1B9E77144F}"/>
-          </ac:spMkLst>
-        </pc:spChg>
-        <pc:spChg chg="add mod">
-          <ac:chgData name="John Patrick Johnson" userId="S::jpj8711@ads.northwestern.edu::fe18dc51-e5c5-41f0-a67f-64543119935e" providerId="AD" clId="Web-{B270706C-2E8A-DAE0-AD05-13A0EC2FCBFE}" dt="2023-01-10T01:56:27.689" v="234" actId="20577"/>
-          <ac:spMkLst>
-            <pc:docMk/>
-            <pc:sldMk cId="3384434737" sldId="302"/>
-            <ac:spMk id="12" creationId="{C307562A-249A-2951-57C8-D74E892D69B5}"/>
-          </ac:spMkLst>
-        </pc:spChg>
-        <pc:spChg chg="add mod">
-          <ac:chgData name="John Patrick Johnson" userId="S::jpj8711@ads.northwestern.edu::fe18dc51-e5c5-41f0-a67f-64543119935e" providerId="AD" clId="Web-{B270706C-2E8A-DAE0-AD05-13A0EC2FCBFE}" dt="2023-01-10T01:58:02.395" v="296" actId="20577"/>
-          <ac:spMkLst>
-            <pc:docMk/>
-            <pc:sldMk cId="3384434737" sldId="302"/>
-            <ac:spMk id="14" creationId="{282BD116-EE04-F733-E291-877731083BDD}"/>
-          </ac:spMkLst>
-        </pc:spChg>
+      </pc:sldChg>
+      <pc:sldChg chg="new del">
+        <pc:chgData name="Ginger Lee Jacobson" userId="S::glj8018@ads.northwestern.edu::3a49910d-c358-4586-b31b-05d58406f615" providerId="AD" clId="Web-{5B461979-0560-DDDF-28AF-DB41A86C378B}" dt="2023-01-11T17:24:30.588" v="2"/>
+        <pc:sldMkLst>
+          <pc:docMk/>
+          <pc:sldMk cId="2098893049" sldId="308"/>
+        </pc:sldMkLst>
+      </pc:sldChg>
+      <pc:sldChg chg="modSp add replId modNotes">
+        <pc:chgData name="Ginger Lee Jacobson" userId="S::glj8018@ads.northwestern.edu::3a49910d-c358-4586-b31b-05d58406f615" providerId="AD" clId="Web-{5B461979-0560-DDDF-28AF-DB41A86C378B}" dt="2023-01-11T17:30:28.253" v="117" actId="20577"/>
+        <pc:sldMkLst>
+          <pc:docMk/>
+          <pc:sldMk cId="649797171" sldId="309"/>
+        </pc:sldMkLst>
         <pc:spChg chg="mod">
-          <ac:chgData name="John Patrick Johnson" userId="S::jpj8711@ads.northwestern.edu::fe18dc51-e5c5-41f0-a67f-64543119935e" providerId="AD" clId="Web-{B270706C-2E8A-DAE0-AD05-13A0EC2FCBFE}" dt="2023-01-10T01:49:32.547" v="49" actId="20577"/>
-          <ac:spMkLst>
-            <pc:docMk/>
-            <pc:sldMk cId="3384434737" sldId="302"/>
+          <ac:chgData name="Ginger Lee Jacobson" userId="S::glj8018@ads.northwestern.edu::3a49910d-c358-4586-b31b-05d58406f615" providerId="AD" clId="Web-{5B461979-0560-DDDF-28AF-DB41A86C378B}" dt="2023-01-11T17:30:28.253" v="117" actId="20577"/>
+          <ac:spMkLst>
+            <pc:docMk/>
+            <pc:sldMk cId="649797171" sldId="309"/>
+            <ac:spMk id="4" creationId="{E01374D5-3FDC-ACF5-3153-58548A78F130}"/>
+          </ac:spMkLst>
+        </pc:spChg>
+        <pc:spChg chg="mod">
+          <ac:chgData name="Ginger Lee Jacobson" userId="S::glj8018@ads.northwestern.edu::3a49910d-c358-4586-b31b-05d58406f615" providerId="AD" clId="Web-{5B461979-0560-DDDF-28AF-DB41A86C378B}" dt="2023-01-11T17:24:42.151" v="11" actId="20577"/>
+          <ac:spMkLst>
+            <pc:docMk/>
+            <pc:sldMk cId="649797171" sldId="309"/>
             <ac:spMk id="250" creationId="{00000000-0000-0000-0000-000000000000}"/>
           </ac:spMkLst>
         </pc:spChg>
-        <pc:spChg chg="mod">
-          <ac:chgData name="John Patrick Johnson" userId="S::jpj8711@ads.northwestern.edu::fe18dc51-e5c5-41f0-a67f-64543119935e" providerId="AD" clId="Web-{B270706C-2E8A-DAE0-AD05-13A0EC2FCBFE}" dt="2023-01-10T01:51:16.426" v="112" actId="20577"/>
-          <ac:spMkLst>
-            <pc:docMk/>
-            <pc:sldMk cId="3384434737" sldId="302"/>
-            <ac:spMk id="253" creationId="{00000000-0000-0000-0000-000000000000}"/>
-          </ac:spMkLst>
-        </pc:spChg>
-        <pc:grpChg chg="add mod">
-          <ac:chgData name="John Patrick Johnson" userId="S::jpj8711@ads.northwestern.edu::fe18dc51-e5c5-41f0-a67f-64543119935e" providerId="AD" clId="Web-{B270706C-2E8A-DAE0-AD05-13A0EC2FCBFE}" dt="2023-01-10T01:57:07.987" v="236" actId="1076"/>
-          <ac:grpSpMkLst>
-            <pc:docMk/>
-            <pc:sldMk cId="3384434737" sldId="302"/>
-            <ac:grpSpMk id="13" creationId="{B917F229-C5E5-25E8-EEF4-7C1CC6BA19C5}"/>
-          </ac:grpSpMkLst>
-        </pc:grpChg>
       </pc:sldChg>
     </pc:docChg>
   </pc:docChgLst>
@@ -5896,430 +6319,6 @@
             <ac:picMk id="6" creationId="{1DC936D0-F424-A6BF-02BD-F8B64A2E7D98}"/>
           </ac:picMkLst>
         </pc:picChg>
-      </pc:sldChg>
-    </pc:docChg>
-  </pc:docChgLst>
-  <pc:docChgLst>
-    <pc:chgData name="John Patrick Johnson" userId="S::jpj8711@ads.northwestern.edu::fe18dc51-e5c5-41f0-a67f-64543119935e" providerId="AD" clId="Web-{7BF889F4-D4B8-7017-D4B4-EF72E124E6BB}"/>
-    <pc:docChg chg="delSld modSld sldOrd">
-      <pc:chgData name="John Patrick Johnson" userId="S::jpj8711@ads.northwestern.edu::fe18dc51-e5c5-41f0-a67f-64543119935e" providerId="AD" clId="Web-{7BF889F4-D4B8-7017-D4B4-EF72E124E6BB}" dt="2023-01-08T01:31:37.742" v="680"/>
-      <pc:docMkLst>
-        <pc:docMk/>
-      </pc:docMkLst>
-      <pc:sldChg chg="modSp">
-        <pc:chgData name="John Patrick Johnson" userId="S::jpj8711@ads.northwestern.edu::fe18dc51-e5c5-41f0-a67f-64543119935e" providerId="AD" clId="Web-{7BF889F4-D4B8-7017-D4B4-EF72E124E6BB}" dt="2023-01-07T20:29:35.821" v="35" actId="20577"/>
-        <pc:sldMkLst>
-          <pc:docMk/>
-          <pc:sldMk cId="0" sldId="256"/>
-        </pc:sldMkLst>
-        <pc:spChg chg="mod">
-          <ac:chgData name="John Patrick Johnson" userId="S::jpj8711@ads.northwestern.edu::fe18dc51-e5c5-41f0-a67f-64543119935e" providerId="AD" clId="Web-{7BF889F4-D4B8-7017-D4B4-EF72E124E6BB}" dt="2023-01-07T20:29:35.821" v="35" actId="20577"/>
-          <ac:spMkLst>
-            <pc:docMk/>
-            <pc:sldMk cId="0" sldId="256"/>
-            <ac:spMk id="49" creationId="{00000000-0000-0000-0000-000000000000}"/>
-          </ac:spMkLst>
-        </pc:spChg>
-      </pc:sldChg>
-      <pc:sldChg chg="modSp ord">
-        <pc:chgData name="John Patrick Johnson" userId="S::jpj8711@ads.northwestern.edu::fe18dc51-e5c5-41f0-a67f-64543119935e" providerId="AD" clId="Web-{7BF889F4-D4B8-7017-D4B4-EF72E124E6BB}" dt="2023-01-07T21:06:32.578" v="235" actId="20577"/>
-        <pc:sldMkLst>
-          <pc:docMk/>
-          <pc:sldMk cId="0" sldId="259"/>
-        </pc:sldMkLst>
-        <pc:spChg chg="mod">
-          <ac:chgData name="John Patrick Johnson" userId="S::jpj8711@ads.northwestern.edu::fe18dc51-e5c5-41f0-a67f-64543119935e" providerId="AD" clId="Web-{7BF889F4-D4B8-7017-D4B4-EF72E124E6BB}" dt="2023-01-07T21:06:32.578" v="235" actId="20577"/>
-          <ac:spMkLst>
-            <pc:docMk/>
-            <pc:sldMk cId="0" sldId="259"/>
-            <ac:spMk id="3" creationId="{E1491D88-C395-4672-BC8D-661A338098A2}"/>
-          </ac:spMkLst>
-        </pc:spChg>
-        <pc:spChg chg="mod">
-          <ac:chgData name="John Patrick Johnson" userId="S::jpj8711@ads.northwestern.edu::fe18dc51-e5c5-41f0-a67f-64543119935e" providerId="AD" clId="Web-{7BF889F4-D4B8-7017-D4B4-EF72E124E6BB}" dt="2023-01-07T21:06:19.921" v="231" actId="14100"/>
-          <ac:spMkLst>
-            <pc:docMk/>
-            <pc:sldMk cId="0" sldId="259"/>
-            <ac:spMk id="77" creationId="{00000000-0000-0000-0000-000000000000}"/>
-          </ac:spMkLst>
-        </pc:spChg>
-      </pc:sldChg>
-      <pc:sldChg chg="modSp ord">
-        <pc:chgData name="John Patrick Johnson" userId="S::jpj8711@ads.northwestern.edu::fe18dc51-e5c5-41f0-a67f-64543119935e" providerId="AD" clId="Web-{7BF889F4-D4B8-7017-D4B4-EF72E124E6BB}" dt="2023-01-07T21:11:34.086" v="415" actId="20577"/>
-        <pc:sldMkLst>
-          <pc:docMk/>
-          <pc:sldMk cId="0" sldId="261"/>
-        </pc:sldMkLst>
-        <pc:spChg chg="mod">
-          <ac:chgData name="John Patrick Johnson" userId="S::jpj8711@ads.northwestern.edu::fe18dc51-e5c5-41f0-a67f-64543119935e" providerId="AD" clId="Web-{7BF889F4-D4B8-7017-D4B4-EF72E124E6BB}" dt="2023-01-07T21:11:34.086" v="415" actId="20577"/>
-          <ac:spMkLst>
-            <pc:docMk/>
-            <pc:sldMk cId="0" sldId="261"/>
-            <ac:spMk id="97" creationId="{00000000-0000-0000-0000-000000000000}"/>
-          </ac:spMkLst>
-        </pc:spChg>
-      </pc:sldChg>
-      <pc:sldChg chg="modSp ord">
-        <pc:chgData name="John Patrick Johnson" userId="S::jpj8711@ads.northwestern.edu::fe18dc51-e5c5-41f0-a67f-64543119935e" providerId="AD" clId="Web-{7BF889F4-D4B8-7017-D4B4-EF72E124E6BB}" dt="2023-01-08T01:31:24.507" v="679" actId="20577"/>
-        <pc:sldMkLst>
-          <pc:docMk/>
-          <pc:sldMk cId="0" sldId="262"/>
-        </pc:sldMkLst>
-        <pc:spChg chg="mod">
-          <ac:chgData name="John Patrick Johnson" userId="S::jpj8711@ads.northwestern.edu::fe18dc51-e5c5-41f0-a67f-64543119935e" providerId="AD" clId="Web-{7BF889F4-D4B8-7017-D4B4-EF72E124E6BB}" dt="2023-01-08T01:31:24.507" v="679" actId="20577"/>
-          <ac:spMkLst>
-            <pc:docMk/>
-            <pc:sldMk cId="0" sldId="262"/>
-            <ac:spMk id="103" creationId="{00000000-0000-0000-0000-000000000000}"/>
-          </ac:spMkLst>
-        </pc:spChg>
-      </pc:sldChg>
-      <pc:sldChg chg="addSp delSp modSp ord addAnim modAnim">
-        <pc:chgData name="John Patrick Johnson" userId="S::jpj8711@ads.northwestern.edu::fe18dc51-e5c5-41f0-a67f-64543119935e" providerId="AD" clId="Web-{7BF889F4-D4B8-7017-D4B4-EF72E124E6BB}" dt="2023-01-07T22:05:10.455" v="652"/>
-        <pc:sldMkLst>
-          <pc:docMk/>
-          <pc:sldMk cId="0" sldId="280"/>
-        </pc:sldMkLst>
-        <pc:spChg chg="add mod">
-          <ac:chgData name="John Patrick Johnson" userId="S::jpj8711@ads.northwestern.edu::fe18dc51-e5c5-41f0-a67f-64543119935e" providerId="AD" clId="Web-{7BF889F4-D4B8-7017-D4B4-EF72E124E6BB}" dt="2023-01-07T22:03:16.749" v="633" actId="14100"/>
-          <ac:spMkLst>
-            <pc:docMk/>
-            <pc:sldMk cId="0" sldId="280"/>
-            <ac:spMk id="5" creationId="{B64D9B12-D05E-D196-1CEC-9C9E33B9CC0F}"/>
-          </ac:spMkLst>
-        </pc:spChg>
-        <pc:spChg chg="add mod">
-          <ac:chgData name="John Patrick Johnson" userId="S::jpj8711@ads.northwestern.edu::fe18dc51-e5c5-41f0-a67f-64543119935e" providerId="AD" clId="Web-{7BF889F4-D4B8-7017-D4B4-EF72E124E6BB}" dt="2023-01-07T22:04:44.782" v="645" actId="20577"/>
-          <ac:spMkLst>
-            <pc:docMk/>
-            <pc:sldMk cId="0" sldId="280"/>
-            <ac:spMk id="7" creationId="{B1E2236B-464B-AA49-A124-3E054A3AC455}"/>
-          </ac:spMkLst>
-        </pc:spChg>
-        <pc:spChg chg="mod">
-          <ac:chgData name="John Patrick Johnson" userId="S::jpj8711@ads.northwestern.edu::fe18dc51-e5c5-41f0-a67f-64543119935e" providerId="AD" clId="Web-{7BF889F4-D4B8-7017-D4B4-EF72E124E6BB}" dt="2023-01-07T22:02:38.170" v="620" actId="14100"/>
-          <ac:spMkLst>
-            <pc:docMk/>
-            <pc:sldMk cId="0" sldId="280"/>
-            <ac:spMk id="290" creationId="{00000000-0000-0000-0000-000000000000}"/>
-          </ac:spMkLst>
-        </pc:spChg>
-        <pc:picChg chg="del mod">
-          <ac:chgData name="John Patrick Johnson" userId="S::jpj8711@ads.northwestern.edu::fe18dc51-e5c5-41f0-a67f-64543119935e" providerId="AD" clId="Web-{7BF889F4-D4B8-7017-D4B4-EF72E124E6BB}" dt="2023-01-07T22:05:10.455" v="652"/>
-          <ac:picMkLst>
-            <pc:docMk/>
-            <pc:sldMk cId="0" sldId="280"/>
-            <ac:picMk id="3" creationId="{11A58728-FE18-8B7B-F0DE-2722E887D8BF}"/>
-          </ac:picMkLst>
-        </pc:picChg>
-        <pc:picChg chg="add mod">
-          <ac:chgData name="John Patrick Johnson" userId="S::jpj8711@ads.northwestern.edu::fe18dc51-e5c5-41f0-a67f-64543119935e" providerId="AD" clId="Web-{7BF889F4-D4B8-7017-D4B4-EF72E124E6BB}" dt="2023-01-07T22:05:05.861" v="649" actId="1076"/>
-          <ac:picMkLst>
-            <pc:docMk/>
-            <pc:sldMk cId="0" sldId="280"/>
-            <ac:picMk id="8" creationId="{3982F08A-63A5-51F7-67BC-B202A343FBFF}"/>
-          </ac:picMkLst>
-        </pc:picChg>
-      </pc:sldChg>
-      <pc:sldChg chg="addSp delSp modSp ord">
-        <pc:chgData name="John Patrick Johnson" userId="S::jpj8711@ads.northwestern.edu::fe18dc51-e5c5-41f0-a67f-64543119935e" providerId="AD" clId="Web-{7BF889F4-D4B8-7017-D4B4-EF72E124E6BB}" dt="2023-01-07T21:03:16.137" v="158" actId="20577"/>
-        <pc:sldMkLst>
-          <pc:docMk/>
-          <pc:sldMk cId="837207602" sldId="282"/>
-        </pc:sldMkLst>
-        <pc:spChg chg="del">
-          <ac:chgData name="John Patrick Johnson" userId="S::jpj8711@ads.northwestern.edu::fe18dc51-e5c5-41f0-a67f-64543119935e" providerId="AD" clId="Web-{7BF889F4-D4B8-7017-D4B4-EF72E124E6BB}" dt="2023-01-07T20:54:59.597" v="130"/>
-          <ac:spMkLst>
-            <pc:docMk/>
-            <pc:sldMk cId="837207602" sldId="282"/>
-            <ac:spMk id="3" creationId="{52588039-4CD5-A745-394E-9E48A5A8FD86}"/>
-          </ac:spMkLst>
-        </pc:spChg>
-        <pc:spChg chg="add mod">
-          <ac:chgData name="John Patrick Johnson" userId="S::jpj8711@ads.northwestern.edu::fe18dc51-e5c5-41f0-a67f-64543119935e" providerId="AD" clId="Web-{7BF889F4-D4B8-7017-D4B4-EF72E124E6BB}" dt="2023-01-07T21:03:16.137" v="158" actId="20577"/>
-          <ac:spMkLst>
-            <pc:docMk/>
-            <pc:sldMk cId="837207602" sldId="282"/>
-            <ac:spMk id="4" creationId="{E01374D5-3FDC-ACF5-3153-58548A78F130}"/>
-          </ac:spMkLst>
-        </pc:spChg>
-        <pc:spChg chg="del">
-          <ac:chgData name="John Patrick Johnson" userId="S::jpj8711@ads.northwestern.edu::fe18dc51-e5c5-41f0-a67f-64543119935e" providerId="AD" clId="Web-{7BF889F4-D4B8-7017-D4B4-EF72E124E6BB}" dt="2023-01-07T20:55:01.019" v="131"/>
-          <ac:spMkLst>
-            <pc:docMk/>
-            <pc:sldMk cId="837207602" sldId="282"/>
-            <ac:spMk id="9" creationId="{62565879-8A2E-EBF5-A9DD-54B47D47CBC4}"/>
-          </ac:spMkLst>
-        </pc:spChg>
-        <pc:spChg chg="del">
-          <ac:chgData name="John Patrick Johnson" userId="S::jpj8711@ads.northwestern.edu::fe18dc51-e5c5-41f0-a67f-64543119935e" providerId="AD" clId="Web-{7BF889F4-D4B8-7017-D4B4-EF72E124E6BB}" dt="2023-01-07T20:55:02.269" v="132"/>
-          <ac:spMkLst>
-            <pc:docMk/>
-            <pc:sldMk cId="837207602" sldId="282"/>
-            <ac:spMk id="10" creationId="{296C0996-A7E3-346C-DB01-05F03B03BF90}"/>
-          </ac:spMkLst>
-        </pc:spChg>
-      </pc:sldChg>
-      <pc:sldChg chg="del">
-        <pc:chgData name="John Patrick Johnson" userId="S::jpj8711@ads.northwestern.edu::fe18dc51-e5c5-41f0-a67f-64543119935e" providerId="AD" clId="Web-{7BF889F4-D4B8-7017-D4B4-EF72E124E6BB}" dt="2023-01-08T01:31:37.742" v="680"/>
-        <pc:sldMkLst>
-          <pc:docMk/>
-          <pc:sldMk cId="2491928269" sldId="283"/>
-        </pc:sldMkLst>
-      </pc:sldChg>
-    </pc:docChg>
-  </pc:docChgLst>
-  <pc:docChgLst>
-    <pc:chgData name="John Patrick Johnson" userId="S::jpj8711@ads.northwestern.edu::fe18dc51-e5c5-41f0-a67f-64543119935e" providerId="AD" clId="Web-{214CD2D6-61C4-2C24-7F1E-A1F969B61D7D}"/>
-    <pc:docChg chg="modSld">
-      <pc:chgData name="John Patrick Johnson" userId="S::jpj8711@ads.northwestern.edu::fe18dc51-e5c5-41f0-a67f-64543119935e" providerId="AD" clId="Web-{214CD2D6-61C4-2C24-7F1E-A1F969B61D7D}" dt="2023-01-12T23:25:11.096" v="256"/>
-      <pc:docMkLst>
-        <pc:docMk/>
-      </pc:docMkLst>
-      <pc:sldChg chg="modSp">
-        <pc:chgData name="John Patrick Johnson" userId="S::jpj8711@ads.northwestern.edu::fe18dc51-e5c5-41f0-a67f-64543119935e" providerId="AD" clId="Web-{214CD2D6-61C4-2C24-7F1E-A1F969B61D7D}" dt="2023-01-12T23:17:51.454" v="36" actId="20577"/>
-        <pc:sldMkLst>
-          <pc:docMk/>
-          <pc:sldMk cId="0" sldId="259"/>
-        </pc:sldMkLst>
-        <pc:spChg chg="mod">
-          <ac:chgData name="John Patrick Johnson" userId="S::jpj8711@ads.northwestern.edu::fe18dc51-e5c5-41f0-a67f-64543119935e" providerId="AD" clId="Web-{214CD2D6-61C4-2C24-7F1E-A1F969B61D7D}" dt="2023-01-12T23:17:51.454" v="36" actId="20577"/>
-          <ac:spMkLst>
-            <pc:docMk/>
-            <pc:sldMk cId="0" sldId="259"/>
-            <ac:spMk id="3" creationId="{E1491D88-C395-4672-BC8D-661A338098A2}"/>
-          </ac:spMkLst>
-        </pc:spChg>
-        <pc:spChg chg="mod">
-          <ac:chgData name="John Patrick Johnson" userId="S::jpj8711@ads.northwestern.edu::fe18dc51-e5c5-41f0-a67f-64543119935e" providerId="AD" clId="Web-{214CD2D6-61C4-2C24-7F1E-A1F969B61D7D}" dt="2023-01-12T23:17:46.470" v="32" actId="20577"/>
-          <ac:spMkLst>
-            <pc:docMk/>
-            <pc:sldMk cId="0" sldId="259"/>
-            <ac:spMk id="77" creationId="{00000000-0000-0000-0000-000000000000}"/>
-          </ac:spMkLst>
-        </pc:spChg>
-      </pc:sldChg>
-      <pc:sldChg chg="addSp delSp modSp addAnim modAnim">
-        <pc:chgData name="John Patrick Johnson" userId="S::jpj8711@ads.northwestern.edu::fe18dc51-e5c5-41f0-a67f-64543119935e" providerId="AD" clId="Web-{214CD2D6-61C4-2C24-7F1E-A1F969B61D7D}" dt="2023-01-12T23:25:11.096" v="256"/>
-        <pc:sldMkLst>
-          <pc:docMk/>
-          <pc:sldMk cId="0" sldId="261"/>
-        </pc:sldMkLst>
-        <pc:spChg chg="add del mod">
-          <ac:chgData name="John Patrick Johnson" userId="S::jpj8711@ads.northwestern.edu::fe18dc51-e5c5-41f0-a67f-64543119935e" providerId="AD" clId="Web-{214CD2D6-61C4-2C24-7F1E-A1F969B61D7D}" dt="2023-01-12T23:25:11.096" v="256"/>
-          <ac:spMkLst>
-            <pc:docMk/>
-            <pc:sldMk cId="0" sldId="261"/>
-            <ac:spMk id="3" creationId="{2E23BE12-A1B4-8932-935E-46DB9E244ED6}"/>
-          </ac:spMkLst>
-        </pc:spChg>
-        <pc:spChg chg="add del mod">
-          <ac:chgData name="John Patrick Johnson" userId="S::jpj8711@ads.northwestern.edu::fe18dc51-e5c5-41f0-a67f-64543119935e" providerId="AD" clId="Web-{214CD2D6-61C4-2C24-7F1E-A1F969B61D7D}" dt="2023-01-12T23:25:07.831" v="255"/>
-          <ac:spMkLst>
-            <pc:docMk/>
-            <pc:sldMk cId="0" sldId="261"/>
-            <ac:spMk id="4" creationId="{9D31B274-DE0F-3A8B-30A4-7F6AA07D8EEC}"/>
-          </ac:spMkLst>
-        </pc:spChg>
-        <pc:spChg chg="add mod">
-          <ac:chgData name="John Patrick Johnson" userId="S::jpj8711@ads.northwestern.edu::fe18dc51-e5c5-41f0-a67f-64543119935e" providerId="AD" clId="Web-{214CD2D6-61C4-2C24-7F1E-A1F969B61D7D}" dt="2023-01-12T23:24:37.550" v="251" actId="14100"/>
-          <ac:spMkLst>
-            <pc:docMk/>
-            <pc:sldMk cId="0" sldId="261"/>
-            <ac:spMk id="5" creationId="{38968ADF-FF17-60E6-D348-34F438B576FC}"/>
-          </ac:spMkLst>
-        </pc:spChg>
-        <pc:spChg chg="mod">
-          <ac:chgData name="John Patrick Johnson" userId="S::jpj8711@ads.northwestern.edu::fe18dc51-e5c5-41f0-a67f-64543119935e" providerId="AD" clId="Web-{214CD2D6-61C4-2C24-7F1E-A1F969B61D7D}" dt="2023-01-12T23:22:52.503" v="182" actId="20577"/>
-          <ac:spMkLst>
-            <pc:docMk/>
-            <pc:sldMk cId="0" sldId="261"/>
-            <ac:spMk id="97" creationId="{00000000-0000-0000-0000-000000000000}"/>
-          </ac:spMkLst>
-        </pc:spChg>
-      </pc:sldChg>
-      <pc:sldChg chg="modSp">
-        <pc:chgData name="John Patrick Johnson" userId="S::jpj8711@ads.northwestern.edu::fe18dc51-e5c5-41f0-a67f-64543119935e" providerId="AD" clId="Web-{214CD2D6-61C4-2C24-7F1E-A1F969B61D7D}" dt="2023-01-12T23:17:09.032" v="30" actId="1076"/>
-        <pc:sldMkLst>
-          <pc:docMk/>
-          <pc:sldMk cId="837207602" sldId="282"/>
-        </pc:sldMkLst>
-        <pc:spChg chg="mod">
-          <ac:chgData name="John Patrick Johnson" userId="S::jpj8711@ads.northwestern.edu::fe18dc51-e5c5-41f0-a67f-64543119935e" providerId="AD" clId="Web-{214CD2D6-61C4-2C24-7F1E-A1F969B61D7D}" dt="2023-01-12T23:17:09.032" v="30" actId="1076"/>
-          <ac:spMkLst>
-            <pc:docMk/>
-            <pc:sldMk cId="837207602" sldId="282"/>
-            <ac:spMk id="4" creationId="{E01374D5-3FDC-ACF5-3153-58548A78F130}"/>
-          </ac:spMkLst>
-        </pc:spChg>
-      </pc:sldChg>
-    </pc:docChg>
-  </pc:docChgLst>
-  <pc:docChgLst>
-    <pc:chgData name="Ginger Lee Jacobson" userId="S::glj8018@ads.northwestern.edu::3a49910d-c358-4586-b31b-05d58406f615" providerId="AD" clId="Web-{7AC93377-18E1-1866-5C11-A99D5AE0897D}"/>
-    <pc:docChg chg="modSld">
-      <pc:chgData name="Ginger Lee Jacobson" userId="S::glj8018@ads.northwestern.edu::3a49910d-c358-4586-b31b-05d58406f615" providerId="AD" clId="Web-{7AC93377-18E1-1866-5C11-A99D5AE0897D}" dt="2023-01-11T20:17:49.298" v="13" actId="20577"/>
-      <pc:docMkLst>
-        <pc:docMk/>
-      </pc:docMkLst>
-      <pc:sldChg chg="modSp">
-        <pc:chgData name="Ginger Lee Jacobson" userId="S::glj8018@ads.northwestern.edu::3a49910d-c358-4586-b31b-05d58406f615" providerId="AD" clId="Web-{7AC93377-18E1-1866-5C11-A99D5AE0897D}" dt="2023-01-11T20:17:49.298" v="13" actId="20577"/>
-        <pc:sldMkLst>
-          <pc:docMk/>
-          <pc:sldMk cId="1680070822" sldId="293"/>
-        </pc:sldMkLst>
-        <pc:spChg chg="mod">
-          <ac:chgData name="Ginger Lee Jacobson" userId="S::glj8018@ads.northwestern.edu::3a49910d-c358-4586-b31b-05d58406f615" providerId="AD" clId="Web-{7AC93377-18E1-1866-5C11-A99D5AE0897D}" dt="2023-01-11T20:17:49.298" v="13" actId="20577"/>
-          <ac:spMkLst>
-            <pc:docMk/>
-            <pc:sldMk cId="1680070822" sldId="293"/>
-            <ac:spMk id="3" creationId="{72BA3BD0-066D-3791-B32E-795ACC0C3316}"/>
-          </ac:spMkLst>
-        </pc:spChg>
-      </pc:sldChg>
-    </pc:docChg>
-  </pc:docChgLst>
-  <pc:docChgLst>
-    <pc:chgData name="Ginger Lee Jacobson" userId="S::glj8018@ads.northwestern.edu::3a49910d-c358-4586-b31b-05d58406f615" providerId="AD" clId="Web-{B47E2B0F-F16B-73A3-28E6-F2C241DB97E1}"/>
-    <pc:docChg chg="addSld modSld">
-      <pc:chgData name="Ginger Lee Jacobson" userId="S::glj8018@ads.northwestern.edu::3a49910d-c358-4586-b31b-05d58406f615" providerId="AD" clId="Web-{B47E2B0F-F16B-73A3-28E6-F2C241DB97E1}" dt="2023-01-12T05:52:10.637" v="186"/>
-      <pc:docMkLst>
-        <pc:docMk/>
-      </pc:docMkLst>
-      <pc:sldChg chg="modSp modNotes">
-        <pc:chgData name="Ginger Lee Jacobson" userId="S::glj8018@ads.northwestern.edu::3a49910d-c358-4586-b31b-05d58406f615" providerId="AD" clId="Web-{B47E2B0F-F16B-73A3-28E6-F2C241DB97E1}" dt="2023-01-12T05:44:20.186" v="42"/>
-        <pc:sldMkLst>
-          <pc:docMk/>
-          <pc:sldMk cId="2952596098" sldId="291"/>
-        </pc:sldMkLst>
-        <pc:spChg chg="mod">
-          <ac:chgData name="Ginger Lee Jacobson" userId="S::glj8018@ads.northwestern.edu::3a49910d-c358-4586-b31b-05d58406f615" providerId="AD" clId="Web-{B47E2B0F-F16B-73A3-28E6-F2C241DB97E1}" dt="2023-01-12T05:39:15.648" v="12" actId="20577"/>
-          <ac:spMkLst>
-            <pc:docMk/>
-            <pc:sldMk cId="2952596098" sldId="291"/>
-            <ac:spMk id="3" creationId="{A23D405E-2187-AECB-762D-F922072790B6}"/>
-          </ac:spMkLst>
-        </pc:spChg>
-      </pc:sldChg>
-      <pc:sldChg chg="modNotes">
-        <pc:chgData name="Ginger Lee Jacobson" userId="S::glj8018@ads.northwestern.edu::3a49910d-c358-4586-b31b-05d58406f615" providerId="AD" clId="Web-{B47E2B0F-F16B-73A3-28E6-F2C241DB97E1}" dt="2023-01-12T05:50:28.791" v="121"/>
-        <pc:sldMkLst>
-          <pc:docMk/>
-          <pc:sldMk cId="649797171" sldId="309"/>
-        </pc:sldMkLst>
-      </pc:sldChg>
-      <pc:sldChg chg="addSp modSp new modNotes">
-        <pc:chgData name="Ginger Lee Jacobson" userId="S::glj8018@ads.northwestern.edu::3a49910d-c358-4586-b31b-05d58406f615" providerId="AD" clId="Web-{B47E2B0F-F16B-73A3-28E6-F2C241DB97E1}" dt="2023-01-12T05:52:10.637" v="186"/>
-        <pc:sldMkLst>
-          <pc:docMk/>
-          <pc:sldMk cId="2190516894" sldId="312"/>
-        </pc:sldMkLst>
-        <pc:spChg chg="mod">
-          <ac:chgData name="Ginger Lee Jacobson" userId="S::glj8018@ads.northwestern.edu::3a49910d-c358-4586-b31b-05d58406f615" providerId="AD" clId="Web-{B47E2B0F-F16B-73A3-28E6-F2C241DB97E1}" dt="2023-01-12T05:48:51.254" v="62" actId="20577"/>
-          <ac:spMkLst>
-            <pc:docMk/>
-            <pc:sldMk cId="2190516894" sldId="312"/>
-            <ac:spMk id="2" creationId="{9506D5F4-8710-DC0C-739F-EA4019D14FB1}"/>
-          </ac:spMkLst>
-        </pc:spChg>
-        <pc:spChg chg="mod">
-          <ac:chgData name="Ginger Lee Jacobson" userId="S::glj8018@ads.northwestern.edu::3a49910d-c358-4586-b31b-05d58406f615" providerId="AD" clId="Web-{B47E2B0F-F16B-73A3-28E6-F2C241DB97E1}" dt="2023-01-12T05:49:49.571" v="117" actId="20577"/>
-          <ac:spMkLst>
-            <pc:docMk/>
-            <pc:sldMk cId="2190516894" sldId="312"/>
-            <ac:spMk id="3" creationId="{B0B8F26E-8A9E-444F-A860-441342628F7C}"/>
-          </ac:spMkLst>
-        </pc:spChg>
-        <pc:picChg chg="add mod">
-          <ac:chgData name="Ginger Lee Jacobson" userId="S::glj8018@ads.northwestern.edu::3a49910d-c358-4586-b31b-05d58406f615" providerId="AD" clId="Web-{B47E2B0F-F16B-73A3-28E6-F2C241DB97E1}" dt="2023-01-12T05:49:51.946" v="118" actId="1076"/>
-          <ac:picMkLst>
-            <pc:docMk/>
-            <pc:sldMk cId="2190516894" sldId="312"/>
-            <ac:picMk id="6" creationId="{64D7D454-BFCE-F152-736D-5240354CEFCF}"/>
-          </ac:picMkLst>
-        </pc:picChg>
-      </pc:sldChg>
-    </pc:docChg>
-  </pc:docChgLst>
-  <pc:docChgLst>
-    <pc:chgData name="Ginger Lee Jacobson" userId="S::glj8018@ads.northwestern.edu::3a49910d-c358-4586-b31b-05d58406f615" providerId="AD" clId="Web-{E628F8E8-3B2C-D39A-E93B-CEA5452B556E}"/>
-    <pc:docChg chg="modSld sldOrd">
-      <pc:chgData name="Ginger Lee Jacobson" userId="S::glj8018@ads.northwestern.edu::3a49910d-c358-4586-b31b-05d58406f615" providerId="AD" clId="Web-{E628F8E8-3B2C-D39A-E93B-CEA5452B556E}" dt="2023-01-11T18:34:43.784" v="575" actId="20577"/>
-      <pc:docMkLst>
-        <pc:docMk/>
-      </pc:docMkLst>
-      <pc:sldChg chg="modNotes">
-        <pc:chgData name="Ginger Lee Jacobson" userId="S::glj8018@ads.northwestern.edu::3a49910d-c358-4586-b31b-05d58406f615" providerId="AD" clId="Web-{E628F8E8-3B2C-D39A-E93B-CEA5452B556E}" dt="2023-01-11T17:59:57.243" v="305"/>
-        <pc:sldMkLst>
-          <pc:docMk/>
-          <pc:sldMk cId="1467023248" sldId="289"/>
-        </pc:sldMkLst>
-      </pc:sldChg>
-      <pc:sldChg chg="modNotes">
-        <pc:chgData name="Ginger Lee Jacobson" userId="S::glj8018@ads.northwestern.edu::3a49910d-c358-4586-b31b-05d58406f615" providerId="AD" clId="Web-{E628F8E8-3B2C-D39A-E93B-CEA5452B556E}" dt="2023-01-11T18:23:59.572" v="441"/>
-        <pc:sldMkLst>
-          <pc:docMk/>
-          <pc:sldMk cId="922581880" sldId="292"/>
-        </pc:sldMkLst>
-      </pc:sldChg>
-      <pc:sldChg chg="modSp ord modNotes">
-        <pc:chgData name="Ginger Lee Jacobson" userId="S::glj8018@ads.northwestern.edu::3a49910d-c358-4586-b31b-05d58406f615" providerId="AD" clId="Web-{E628F8E8-3B2C-D39A-E93B-CEA5452B556E}" dt="2023-01-11T18:33:08.246" v="548"/>
-        <pc:sldMkLst>
-          <pc:docMk/>
-          <pc:sldMk cId="1680070822" sldId="293"/>
-        </pc:sldMkLst>
-        <pc:spChg chg="mod">
-          <ac:chgData name="Ginger Lee Jacobson" userId="S::glj8018@ads.northwestern.edu::3a49910d-c358-4586-b31b-05d58406f615" providerId="AD" clId="Web-{E628F8E8-3B2C-D39A-E93B-CEA5452B556E}" dt="2023-01-11T18:30:39.143" v="539" actId="20577"/>
-          <ac:spMkLst>
-            <pc:docMk/>
-            <pc:sldMk cId="1680070822" sldId="293"/>
-            <ac:spMk id="3" creationId="{72BA3BD0-066D-3791-B32E-795ACC0C3316}"/>
-          </ac:spMkLst>
-        </pc:spChg>
-      </pc:sldChg>
-      <pc:sldChg chg="modNotes">
-        <pc:chgData name="Ginger Lee Jacobson" userId="S::glj8018@ads.northwestern.edu::3a49910d-c358-4586-b31b-05d58406f615" providerId="AD" clId="Web-{E628F8E8-3B2C-D39A-E93B-CEA5452B556E}" dt="2023-01-11T18:26:32.566" v="445"/>
-        <pc:sldMkLst>
-          <pc:docMk/>
-          <pc:sldMk cId="1158116147" sldId="299"/>
-        </pc:sldMkLst>
-      </pc:sldChg>
-      <pc:sldChg chg="modSp">
-        <pc:chgData name="Ginger Lee Jacobson" userId="S::glj8018@ads.northwestern.edu::3a49910d-c358-4586-b31b-05d58406f615" providerId="AD" clId="Web-{E628F8E8-3B2C-D39A-E93B-CEA5452B556E}" dt="2023-01-11T18:34:43.784" v="575" actId="20577"/>
-        <pc:sldMkLst>
-          <pc:docMk/>
-          <pc:sldMk cId="231020705" sldId="305"/>
-        </pc:sldMkLst>
-        <pc:spChg chg="mod">
-          <ac:chgData name="Ginger Lee Jacobson" userId="S::glj8018@ads.northwestern.edu::3a49910d-c358-4586-b31b-05d58406f615" providerId="AD" clId="Web-{E628F8E8-3B2C-D39A-E93B-CEA5452B556E}" dt="2023-01-11T18:34:43.784" v="575" actId="20577"/>
-          <ac:spMkLst>
-            <pc:docMk/>
-            <pc:sldMk cId="231020705" sldId="305"/>
-            <ac:spMk id="2" creationId="{AC02EA40-F70B-4369-0979-BCE87BA9D872}"/>
-          </ac:spMkLst>
-        </pc:spChg>
-      </pc:sldChg>
-      <pc:sldChg chg="modSp modNotes">
-        <pc:chgData name="Ginger Lee Jacobson" userId="S::glj8018@ads.northwestern.edu::3a49910d-c358-4586-b31b-05d58406f615" providerId="AD" clId="Web-{E628F8E8-3B2C-D39A-E93B-CEA5452B556E}" dt="2023-01-11T18:33:57.015" v="574"/>
-        <pc:sldMkLst>
-          <pc:docMk/>
-          <pc:sldMk cId="3086748698" sldId="306"/>
-        </pc:sldMkLst>
-        <pc:spChg chg="mod">
-          <ac:chgData name="Ginger Lee Jacobson" userId="S::glj8018@ads.northwestern.edu::3a49910d-c358-4586-b31b-05d58406f615" providerId="AD" clId="Web-{E628F8E8-3B2C-D39A-E93B-CEA5452B556E}" dt="2023-01-11T18:27:12.724" v="485" actId="20577"/>
-          <ac:spMkLst>
-            <pc:docMk/>
-            <pc:sldMk cId="3086748698" sldId="306"/>
-            <ac:spMk id="2" creationId="{FA50B57B-38D5-1976-E317-D398317F2D86}"/>
-          </ac:spMkLst>
-        </pc:spChg>
-      </pc:sldChg>
-      <pc:sldChg chg="modNotes">
-        <pc:chgData name="Ginger Lee Jacobson" userId="S::glj8018@ads.northwestern.edu::3a49910d-c358-4586-b31b-05d58406f615" providerId="AD" clId="Web-{E628F8E8-3B2C-D39A-E93B-CEA5452B556E}" dt="2023-01-11T18:26:46.566" v="481"/>
-        <pc:sldMkLst>
-          <pc:docMk/>
-          <pc:sldMk cId="1606653251" sldId="307"/>
-        </pc:sldMkLst>
       </pc:sldChg>
     </pc:docChg>
   </pc:docChgLst>
@@ -10834,283 +10833,6 @@
     <p:extLst>
       <p:ext uri="{BB962C8B-B14F-4D97-AF65-F5344CB8AC3E}">
         <p14:creationId xmlns:p14="http://schemas.microsoft.com/office/powerpoint/2010/main" val="523752762"/>
-      </p:ext>
-    </p:extLst>
-  </p:cSld>
-  <p:clrMapOvr>
-    <a:masterClrMapping/>
-  </p:clrMapOvr>
-</p:notes>
-</file>
-
-<file path=ppt/notesSlides/notesSlide20.xml><?xml version="1.0" encoding="utf-8"?>
-<p:notes xmlns:a="http://schemas.openxmlformats.org/drawingml/2006/main" xmlns:r="http://schemas.openxmlformats.org/officeDocument/2006/relationships" xmlns:p="http://schemas.openxmlformats.org/presentationml/2006/main">
-  <p:cSld>
-    <p:spTree>
-      <p:nvGrpSpPr>
-        <p:cNvPr id="1" name=""/>
-        <p:cNvGrpSpPr/>
-        <p:nvPr/>
-      </p:nvGrpSpPr>
-      <p:grpSpPr>
-        <a:xfrm>
-          <a:off x="0" y="0"/>
-          <a:ext cx="0" cy="0"/>
-          <a:chOff x="0" y="0"/>
-          <a:chExt cx="0" cy="0"/>
-        </a:xfrm>
-      </p:grpSpPr>
-      <p:sp>
-        <p:nvSpPr>
-          <p:cNvPr id="2" name="Slide Image Placeholder 1"/>
-          <p:cNvSpPr>
-            <a:spLocks noGrp="1" noRot="1" noChangeAspect="1"/>
-          </p:cNvSpPr>
-          <p:nvPr>
-            <p:ph type="sldImg"/>
-          </p:nvPr>
-        </p:nvSpPr>
-        <p:spPr/>
-      </p:sp>
-      <p:sp>
-        <p:nvSpPr>
-          <p:cNvPr id="3" name="Notes Placeholder 2"/>
-          <p:cNvSpPr>
-            <a:spLocks noGrp="1"/>
-          </p:cNvSpPr>
-          <p:nvPr>
-            <p:ph type="body" idx="1"/>
-          </p:nvPr>
-        </p:nvSpPr>
-        <p:spPr/>
-        <p:txBody>
-          <a:bodyPr/>
-          <a:lstStyle/>
-          <a:p>
-            <a:r>
-              <a:rPr lang="en-US" b="1"/>
-              <a:t>Actions to Demonstrate and Explain</a:t>
-            </a:r>
-            <a:endParaRPr lang="en-US"/>
-          </a:p>
-          <a:p>
-            <a:r>
-              <a:rPr lang="en-US"/>
-              <a:t>Log into KLC using </a:t>
-            </a:r>
-            <a:r>
-              <a:rPr lang="en-US" err="1"/>
-              <a:t>FastX</a:t>
-            </a:r>
-            <a:r>
-              <a:rPr lang="en-US"/>
-              <a:t> in browser</a:t>
-            </a:r>
-          </a:p>
-          <a:p>
-            <a:r>
-              <a:rPr lang="en-US"/>
-              <a:t>Navigate directories with cd and ls</a:t>
-            </a:r>
-          </a:p>
-          <a:p>
-            <a:pPr marL="285750" indent="-285750">
-              <a:buFont typeface="Symbol"/>
-              <a:buChar char="•"/>
-            </a:pPr>
-            <a:r>
-              <a:rPr lang="en-US"/>
-              <a:t>Where to store which files?</a:t>
-            </a:r>
-          </a:p>
-          <a:p>
-            <a:pPr indent="0"/>
-            <a:r>
-              <a:rPr lang="en-US"/>
-              <a:t>Make a directory with git clone</a:t>
-            </a:r>
-          </a:p>
-          <a:p>
-            <a:r>
-              <a:rPr lang="en-US"/>
-              <a:t>Load module</a:t>
-            </a:r>
-          </a:p>
-          <a:p>
-            <a:pPr marL="285750" indent="-285750">
-              <a:buFont typeface="Symbol"/>
-              <a:buChar char="•"/>
-            </a:pPr>
-            <a:r>
-              <a:rPr lang="en-US"/>
-              <a:t>Note software version</a:t>
-            </a:r>
-          </a:p>
-          <a:p>
-            <a:pPr indent="0"/>
-            <a:r>
-              <a:rPr lang="en-US"/>
-              <a:t>Open a file with nano, inspect contents, make a minor change (like update a parameter)</a:t>
-            </a:r>
-          </a:p>
-          <a:p>
-            <a:r>
-              <a:rPr lang="en-US" dirty="0"/>
-              <a:t>Open a program file using a GUI</a:t>
-            </a:r>
-          </a:p>
-          <a:p>
-            <a:pPr marL="285750" indent="-285750">
-              <a:buFont typeface="Symbol"/>
-              <a:buChar char="•"/>
-            </a:pPr>
-            <a:r>
-              <a:rPr lang="en-US" dirty="0"/>
-              <a:t>R program in </a:t>
-            </a:r>
-            <a:r>
-              <a:rPr lang="en-US" dirty="0" err="1"/>
-              <a:t>rstudio</a:t>
-            </a:r>
-          </a:p>
-          <a:p>
-            <a:pPr marL="285750" indent="-285750">
-              <a:buFont typeface="Symbol"/>
-              <a:buChar char="•"/>
-            </a:pPr>
-            <a:r>
-              <a:rPr lang="en-US" dirty="0"/>
-              <a:t>Stata .do file in </a:t>
-            </a:r>
-            <a:r>
-              <a:rPr lang="en-US" dirty="0" err="1"/>
-              <a:t>xstata</a:t>
-            </a:r>
-            <a:r>
-              <a:rPr lang="en-US" dirty="0"/>
-              <a:t>-se</a:t>
-            </a:r>
-          </a:p>
-          <a:p>
-            <a:pPr marL="285750" indent="-285750">
-              <a:buFont typeface="Symbol"/>
-              <a:buChar char="•"/>
-            </a:pPr>
-            <a:r>
-              <a:rPr lang="en-US" dirty="0"/>
-              <a:t>Python in a </a:t>
-            </a:r>
-            <a:r>
-              <a:rPr lang="en-US" dirty="0" err="1"/>
-              <a:t>Jupyter</a:t>
-            </a:r>
-            <a:r>
-              <a:rPr lang="en-US" dirty="0"/>
-              <a:t> notebook </a:t>
-            </a:r>
-          </a:p>
-          <a:p>
-            <a:pPr marL="285750" indent="-285750">
-              <a:buFont typeface="Symbol"/>
-              <a:buChar char="•"/>
-            </a:pPr>
-            <a:r>
-              <a:rPr lang="en-US" dirty="0"/>
-              <a:t>When to use GUI versus headless batch process</a:t>
-            </a:r>
-          </a:p>
-          <a:p>
-            <a:pPr marL="285750" indent="-285750">
-              <a:buFont typeface="Symbol"/>
-              <a:buChar char="•"/>
-            </a:pPr>
-            <a:r>
-              <a:rPr lang="en-US" dirty="0"/>
-              <a:t>Repeat R, Stata programs from command line</a:t>
-            </a:r>
-          </a:p>
-          <a:p>
-            <a:pPr marL="285750" indent="-285750">
-              <a:buFont typeface="Symbol"/>
-              <a:buChar char="•"/>
-            </a:pPr>
-            <a:r>
-              <a:rPr lang="en-US" dirty="0"/>
-              <a:t>Inspect output</a:t>
-            </a:r>
-          </a:p>
-          <a:p>
-            <a:pPr indent="0"/>
-            <a:r>
-              <a:rPr lang="en-US" dirty="0"/>
-              <a:t>Save changes and commit back to GitHub repo</a:t>
-            </a:r>
-          </a:p>
-          <a:p>
-            <a:endParaRPr lang="en-US" dirty="0"/>
-          </a:p>
-        </p:txBody>
-      </p:sp>
-      <p:sp>
-        <p:nvSpPr>
-          <p:cNvPr id="4" name="Slide Number Placeholder 3"/>
-          <p:cNvSpPr>
-            <a:spLocks noGrp="1"/>
-          </p:cNvSpPr>
-          <p:nvPr>
-            <p:ph type="sldNum" idx="12"/>
-          </p:nvPr>
-        </p:nvSpPr>
-        <p:spPr/>
-        <p:txBody>
-          <a:bodyPr/>
-          <a:lstStyle/>
-          <a:p>
-            <a:pPr marL="0" marR="0" lvl="0" indent="0" algn="r" rtl="0">
-              <a:lnSpc>
-                <a:spcPct val="100000"/>
-              </a:lnSpc>
-              <a:spcBef>
-                <a:spcPts val="0"/>
-              </a:spcBef>
-              <a:spcAft>
-                <a:spcPts val="0"/>
-              </a:spcAft>
-              <a:buClr>
-                <a:srgbClr val="000000"/>
-              </a:buClr>
-              <a:buSzPts val="1200"/>
-              <a:buFont typeface="Arial"/>
-              <a:buNone/>
-            </a:pPr>
-            <a:fld id="{00000000-1234-1234-1234-123412341234}" type="slidenum">
-              <a:rPr lang="en-US" sz="1200" b="0" i="0" u="none" strike="noStrike" cap="none">
-                <a:solidFill>
-                  <a:schemeClr val="dk1"/>
-                </a:solidFill>
-                <a:latin typeface="Calibri"/>
-                <a:ea typeface="Calibri"/>
-                <a:cs typeface="Calibri"/>
-                <a:sym typeface="Calibri"/>
-              </a:rPr>
-              <a:t>22</a:t>
-            </a:fld>
-            <a:endParaRPr lang="en-US" sz="1200" b="0" i="0" u="none" strike="noStrike" cap="none">
-              <a:solidFill>
-                <a:schemeClr val="dk1"/>
-              </a:solidFill>
-              <a:latin typeface="Calibri"/>
-              <a:ea typeface="Calibri"/>
-              <a:cs typeface="Calibri"/>
-              <a:sym typeface="Calibri"/>
-            </a:endParaRPr>
-          </a:p>
-        </p:txBody>
-      </p:sp>
-    </p:spTree>
-    <p:extLst>
-      <p:ext uri="{BB962C8B-B14F-4D97-AF65-F5344CB8AC3E}">
-        <p14:creationId xmlns:p14="http://schemas.microsoft.com/office/powerpoint/2010/main" val="2249956328"/>
       </p:ext>
     </p:extLst>
   </p:cSld>
@@ -28050,173 +27772,6 @@
 </p:sld>
 </file>
 
-<file path=ppt/slides/slide22.xml><?xml version="1.0" encoding="utf-8"?>
-<p:sld xmlns:a="http://schemas.openxmlformats.org/drawingml/2006/main" xmlns:r="http://schemas.openxmlformats.org/officeDocument/2006/relationships" xmlns:p="http://schemas.openxmlformats.org/presentationml/2006/main">
-  <p:cSld>
-    <p:spTree>
-      <p:nvGrpSpPr>
-        <p:cNvPr id="1" name=""/>
-        <p:cNvGrpSpPr/>
-        <p:nvPr/>
-      </p:nvGrpSpPr>
-      <p:grpSpPr>
-        <a:xfrm>
-          <a:off x="0" y="0"/>
-          <a:ext cx="0" cy="0"/>
-          <a:chOff x="0" y="0"/>
-          <a:chExt cx="0" cy="0"/>
-        </a:xfrm>
-      </p:grpSpPr>
-      <p:sp>
-        <p:nvSpPr>
-          <p:cNvPr id="2" name="Title 1">
-            <a:extLst>
-              <a:ext uri="{FF2B5EF4-FFF2-40B4-BE49-F238E27FC236}">
-                <a16:creationId xmlns:a16="http://schemas.microsoft.com/office/drawing/2014/main" id="{C4BF0530-28B5-4EC9-E9E0-D1D757CFB9C1}"/>
-              </a:ext>
-            </a:extLst>
-          </p:cNvPr>
-          <p:cNvSpPr>
-            <a:spLocks noGrp="1"/>
-          </p:cNvSpPr>
-          <p:nvPr>
-            <p:ph type="title"/>
-          </p:nvPr>
-        </p:nvSpPr>
-        <p:spPr/>
-        <p:txBody>
-          <a:bodyPr/>
-          <a:lstStyle/>
-          <a:p>
-            <a:r>
-              <a:rPr lang="en-US" dirty="0"/>
-              <a:t>Common KLC Tasks</a:t>
-            </a:r>
-          </a:p>
-        </p:txBody>
-      </p:sp>
-      <p:sp>
-        <p:nvSpPr>
-          <p:cNvPr id="3" name="Text Placeholder 2">
-            <a:extLst>
-              <a:ext uri="{FF2B5EF4-FFF2-40B4-BE49-F238E27FC236}">
-                <a16:creationId xmlns:a16="http://schemas.microsoft.com/office/drawing/2014/main" id="{7CF0DC16-F44C-1676-75DB-1343A1ECFA0A}"/>
-              </a:ext>
-            </a:extLst>
-          </p:cNvPr>
-          <p:cNvSpPr>
-            <a:spLocks noGrp="1"/>
-          </p:cNvSpPr>
-          <p:nvPr>
-            <p:ph type="body" idx="1"/>
-          </p:nvPr>
-        </p:nvSpPr>
-        <p:spPr/>
-        <p:txBody>
-          <a:bodyPr/>
-          <a:lstStyle/>
-          <a:p>
-            <a:r>
-              <a:rPr lang="en-US" dirty="0">
-                <a:hlinkClick r:id="rId3"/>
-              </a:rPr>
-              <a:t>Kellogg Computing</a:t>
-            </a:r>
-          </a:p>
-          <a:p>
-            <a:r>
-              <a:rPr lang="en-US" dirty="0">
-                <a:hlinkClick r:id="rId4"/>
-              </a:rPr>
-              <a:t>Software Modules</a:t>
-            </a:r>
-            <a:endParaRPr lang="en-US" dirty="0"/>
-          </a:p>
-          <a:p>
-            <a:r>
-              <a:rPr lang="en-US" dirty="0"/>
-              <a:t>Open connections and start sessions</a:t>
-            </a:r>
-          </a:p>
-          <a:p>
-            <a:r>
-              <a:rPr lang="en-US" dirty="0"/>
-              <a:t>Transfer files to and from KLC</a:t>
-            </a:r>
-          </a:p>
-          <a:p>
-            <a:r>
-              <a:rPr lang="en-US" dirty="0"/>
-              <a:t>Open a terminal and use the shell</a:t>
-            </a:r>
-          </a:p>
-          <a:p>
-            <a:r>
-              <a:rPr lang="en-US" dirty="0"/>
-              <a:t>Use graphical tools for R, Stata, Python</a:t>
-            </a:r>
-          </a:p>
-          <a:p>
-            <a:r>
-              <a:rPr lang="en-US" dirty="0"/>
-              <a:t>Command line tools for R, Stata, Python</a:t>
-            </a:r>
-          </a:p>
-          <a:p>
-            <a:r>
-              <a:rPr lang="en-US" dirty="0"/>
-              <a:t>Clone and use Git repos</a:t>
-            </a:r>
-          </a:p>
-          <a:p>
-            <a:r>
-              <a:rPr lang="en-US" dirty="0"/>
-              <a:t>Create Conda environments (next workshop)</a:t>
-            </a:r>
-          </a:p>
-        </p:txBody>
-      </p:sp>
-      <p:sp>
-        <p:nvSpPr>
-          <p:cNvPr id="4" name="Footer Placeholder 3">
-            <a:extLst>
-              <a:ext uri="{FF2B5EF4-FFF2-40B4-BE49-F238E27FC236}">
-                <a16:creationId xmlns:a16="http://schemas.microsoft.com/office/drawing/2014/main" id="{392EFBDF-5CFF-AD8F-2F4F-7F9834E22FF3}"/>
-              </a:ext>
-            </a:extLst>
-          </p:cNvPr>
-          <p:cNvSpPr>
-            <a:spLocks noGrp="1"/>
-          </p:cNvSpPr>
-          <p:nvPr>
-            <p:ph type="ftr" idx="11"/>
-          </p:nvPr>
-        </p:nvSpPr>
-        <p:spPr/>
-        <p:txBody>
-          <a:bodyPr/>
-          <a:lstStyle/>
-          <a:p>
-            <a:r>
-              <a:rPr lang="en-US"/>
-              <a:t>Reproducibility Principles</a:t>
-            </a:r>
-          </a:p>
-        </p:txBody>
-      </p:sp>
-    </p:spTree>
-    <p:extLst>
-      <p:ext uri="{BB962C8B-B14F-4D97-AF65-F5344CB8AC3E}">
-        <p14:creationId xmlns:p14="http://schemas.microsoft.com/office/powerpoint/2010/main" val="1335714563"/>
-      </p:ext>
-    </p:extLst>
-  </p:cSld>
-  <p:clrMapOvr>
-    <a:masterClrMapping/>
-  </p:clrMapOvr>
-</p:sld>
-</file>
-
 <file path=ppt/slides/slide3.xml><?xml version="1.0" encoding="utf-8"?>
 <p:sld xmlns:a="http://schemas.openxmlformats.org/drawingml/2006/main" xmlns:r="http://schemas.openxmlformats.org/officeDocument/2006/relationships" xmlns:p="http://schemas.openxmlformats.org/presentationml/2006/main">
   <p:cSld>

--- a/session-1/Session 1 - Replication Principles.pptx
+++ b/session-1/Session 1 - Replication Principles.pptx
@@ -10,25 +10,25 @@
   <p:sldIdLst>
     <p:sldId id="256" r:id="rId2"/>
     <p:sldId id="287" r:id="rId3"/>
-    <p:sldId id="286" r:id="rId4"/>
-    <p:sldId id="259" r:id="rId5"/>
-    <p:sldId id="261" r:id="rId6"/>
-    <p:sldId id="280" r:id="rId7"/>
-    <p:sldId id="262" r:id="rId8"/>
-    <p:sldId id="268" r:id="rId9"/>
-    <p:sldId id="269" r:id="rId10"/>
-    <p:sldId id="296" r:id="rId11"/>
-    <p:sldId id="263" r:id="rId12"/>
-    <p:sldId id="264" r:id="rId13"/>
-    <p:sldId id="274" r:id="rId14"/>
-    <p:sldId id="272" r:id="rId15"/>
-    <p:sldId id="284" r:id="rId16"/>
-    <p:sldId id="266" r:id="rId17"/>
-    <p:sldId id="276" r:id="rId18"/>
-    <p:sldId id="302" r:id="rId19"/>
-    <p:sldId id="319" r:id="rId20"/>
-    <p:sldId id="318" r:id="rId21"/>
-    <p:sldId id="285" r:id="rId22"/>
+    <p:sldId id="259" r:id="rId4"/>
+    <p:sldId id="261" r:id="rId5"/>
+    <p:sldId id="280" r:id="rId6"/>
+    <p:sldId id="262" r:id="rId7"/>
+    <p:sldId id="268" r:id="rId8"/>
+    <p:sldId id="269" r:id="rId9"/>
+    <p:sldId id="296" r:id="rId10"/>
+    <p:sldId id="263" r:id="rId11"/>
+    <p:sldId id="264" r:id="rId12"/>
+    <p:sldId id="274" r:id="rId13"/>
+    <p:sldId id="272" r:id="rId14"/>
+    <p:sldId id="284" r:id="rId15"/>
+    <p:sldId id="266" r:id="rId16"/>
+    <p:sldId id="276" r:id="rId17"/>
+    <p:sldId id="302" r:id="rId18"/>
+    <p:sldId id="319" r:id="rId19"/>
+    <p:sldId id="318" r:id="rId20"/>
+    <p:sldId id="285" r:id="rId21"/>
+    <p:sldId id="320" r:id="rId22"/>
   </p:sldIdLst>
   <p:sldSz cx="9144000" cy="6858000" type="screen4x3"/>
   <p:notesSz cx="7010400" cy="9236075"/>
@@ -310,6 +310,7 @@
     <p1510:client id="{A0BF277A-F909-51ED-3905-702FCCB698DA}" v="303" dt="2023-06-06T02:35:51.438"/>
     <p1510:client id="{A29EF2C3-BCC3-FE84-9E28-8AC5DC878225}" v="268" dt="2023-01-11T21:51:26.734"/>
     <p1510:client id="{A32F9E8B-DABB-46EA-BA82-0D17199FCB6C}" v="204" dt="2019-11-15T02:21:11.744"/>
+    <p1510:client id="{A34BEB02-4032-9EEC-160C-7BD550C36278}" v="171" dt="2023-08-14T00:31:28.524"/>
     <p1510:client id="{ABC40ABF-CC0A-4585-9AB1-0C4661091F47}" v="83" dt="2020-01-17T02:05:53.015"/>
     <p1510:client id="{AE6C6439-0ED1-6924-ACC7-1196F0FEF6C6}" v="62" dt="2023-01-05T18:53:54.867"/>
     <p1510:client id="{B270706C-2E8A-DAE0-AD05-13A0EC2FCBFE}" v="355" dt="2023-01-10T04:12:59.024"/>
@@ -5752,6 +5753,136 @@
             <pc:docMk/>
             <pc:sldMk cId="0" sldId="280"/>
             <ac:spMk id="290" creationId="{00000000-0000-0000-0000-000000000000}"/>
+          </ac:spMkLst>
+        </pc:spChg>
+      </pc:sldChg>
+    </pc:docChg>
+  </pc:docChgLst>
+  <pc:docChgLst>
+    <pc:chgData name="John Patrick Johnson" userId="S::jpj8711@ads.northwestern.edu::fe18dc51-e5c5-41f0-a67f-64543119935e" providerId="AD" clId="Web-{A34BEB02-4032-9EEC-160C-7BD550C36278}"/>
+    <pc:docChg chg="delSld modSld">
+      <pc:chgData name="John Patrick Johnson" userId="S::jpj8711@ads.northwestern.edu::fe18dc51-e5c5-41f0-a67f-64543119935e" providerId="AD" clId="Web-{A34BEB02-4032-9EEC-160C-7BD550C36278}" dt="2023-08-14T00:31:28.524" v="165"/>
+      <pc:docMkLst>
+        <pc:docMk/>
+      </pc:docMkLst>
+      <pc:sldChg chg="modSp">
+        <pc:chgData name="John Patrick Johnson" userId="S::jpj8711@ads.northwestern.edu::fe18dc51-e5c5-41f0-a67f-64543119935e" providerId="AD" clId="Web-{A34BEB02-4032-9EEC-160C-7BD550C36278}" dt="2023-08-14T00:26:34.845" v="94" actId="20577"/>
+        <pc:sldMkLst>
+          <pc:docMk/>
+          <pc:sldMk cId="0" sldId="259"/>
+        </pc:sldMkLst>
+        <pc:spChg chg="mod">
+          <ac:chgData name="John Patrick Johnson" userId="S::jpj8711@ads.northwestern.edu::fe18dc51-e5c5-41f0-a67f-64543119935e" providerId="AD" clId="Web-{A34BEB02-4032-9EEC-160C-7BD550C36278}" dt="2023-08-14T00:26:34.845" v="94" actId="20577"/>
+          <ac:spMkLst>
+            <pc:docMk/>
+            <pc:sldMk cId="0" sldId="259"/>
+            <ac:spMk id="77" creationId="{00000000-0000-0000-0000-000000000000}"/>
+          </ac:spMkLst>
+        </pc:spChg>
+      </pc:sldChg>
+      <pc:sldChg chg="modSp">
+        <pc:chgData name="John Patrick Johnson" userId="S::jpj8711@ads.northwestern.edu::fe18dc51-e5c5-41f0-a67f-64543119935e" providerId="AD" clId="Web-{A34BEB02-4032-9EEC-160C-7BD550C36278}" dt="2023-08-14T00:29:16.239" v="152" actId="20577"/>
+        <pc:sldMkLst>
+          <pc:docMk/>
+          <pc:sldMk cId="0" sldId="261"/>
+        </pc:sldMkLst>
+        <pc:spChg chg="mod">
+          <ac:chgData name="John Patrick Johnson" userId="S::jpj8711@ads.northwestern.edu::fe18dc51-e5c5-41f0-a67f-64543119935e" providerId="AD" clId="Web-{A34BEB02-4032-9EEC-160C-7BD550C36278}" dt="2023-08-14T00:29:16.239" v="152" actId="20577"/>
+          <ac:spMkLst>
+            <pc:docMk/>
+            <pc:sldMk cId="0" sldId="261"/>
+            <ac:spMk id="97" creationId="{00000000-0000-0000-0000-000000000000}"/>
+          </ac:spMkLst>
+        </pc:spChg>
+      </pc:sldChg>
+      <pc:sldChg chg="modSp addAnim">
+        <pc:chgData name="John Patrick Johnson" userId="S::jpj8711@ads.northwestern.edu::fe18dc51-e5c5-41f0-a67f-64543119935e" providerId="AD" clId="Web-{A34BEB02-4032-9EEC-160C-7BD550C36278}" dt="2023-08-14T00:31:28.524" v="165"/>
+        <pc:sldMkLst>
+          <pc:docMk/>
+          <pc:sldMk cId="0" sldId="280"/>
+        </pc:sldMkLst>
+        <pc:spChg chg="mod">
+          <ac:chgData name="John Patrick Johnson" userId="S::jpj8711@ads.northwestern.edu::fe18dc51-e5c5-41f0-a67f-64543119935e" providerId="AD" clId="Web-{A34BEB02-4032-9EEC-160C-7BD550C36278}" dt="2023-08-13T22:51:32.401" v="37" actId="20577"/>
+          <ac:spMkLst>
+            <pc:docMk/>
+            <pc:sldMk cId="0" sldId="280"/>
+            <ac:spMk id="5" creationId="{B64D9B12-D05E-D196-1CEC-9C9E33B9CC0F}"/>
+          </ac:spMkLst>
+        </pc:spChg>
+        <pc:spChg chg="mod">
+          <ac:chgData name="John Patrick Johnson" userId="S::jpj8711@ads.northwestern.edu::fe18dc51-e5c5-41f0-a67f-64543119935e" providerId="AD" clId="Web-{A34BEB02-4032-9EEC-160C-7BD550C36278}" dt="2023-08-13T22:50:32.695" v="16" actId="20577"/>
+          <ac:spMkLst>
+            <pc:docMk/>
+            <pc:sldMk cId="0" sldId="280"/>
+            <ac:spMk id="7" creationId="{B1E2236B-464B-AA49-A124-3E054A3AC455}"/>
+          </ac:spMkLst>
+        </pc:spChg>
+        <pc:spChg chg="mod">
+          <ac:chgData name="John Patrick Johnson" userId="S::jpj8711@ads.northwestern.edu::fe18dc51-e5c5-41f0-a67f-64543119935e" providerId="AD" clId="Web-{A34BEB02-4032-9EEC-160C-7BD550C36278}" dt="2023-08-14T00:29:58.256" v="163" actId="20577"/>
+          <ac:spMkLst>
+            <pc:docMk/>
+            <pc:sldMk cId="0" sldId="280"/>
+            <ac:spMk id="287" creationId="{00000000-0000-0000-0000-000000000000}"/>
+          </ac:spMkLst>
+        </pc:spChg>
+        <pc:spChg chg="mod">
+          <ac:chgData name="John Patrick Johnson" userId="S::jpj8711@ads.northwestern.edu::fe18dc51-e5c5-41f0-a67f-64543119935e" providerId="AD" clId="Web-{A34BEB02-4032-9EEC-160C-7BD550C36278}" dt="2023-08-13T22:51:16.806" v="35" actId="14100"/>
+          <ac:spMkLst>
+            <pc:docMk/>
+            <pc:sldMk cId="0" sldId="280"/>
+            <ac:spMk id="290" creationId="{00000000-0000-0000-0000-000000000000}"/>
+          </ac:spMkLst>
+        </pc:spChg>
+        <pc:picChg chg="mod">
+          <ac:chgData name="John Patrick Johnson" userId="S::jpj8711@ads.northwestern.edu::fe18dc51-e5c5-41f0-a67f-64543119935e" providerId="AD" clId="Web-{A34BEB02-4032-9EEC-160C-7BD550C36278}" dt="2023-08-14T00:30:53.492" v="164" actId="1076"/>
+          <ac:picMkLst>
+            <pc:docMk/>
+            <pc:sldMk cId="0" sldId="280"/>
+            <ac:picMk id="8" creationId="{3982F08A-63A5-51F7-67BC-B202A343FBFF}"/>
+          </ac:picMkLst>
+        </pc:picChg>
+      </pc:sldChg>
+      <pc:sldChg chg="del">
+        <pc:chgData name="John Patrick Johnson" userId="S::jpj8711@ads.northwestern.edu::fe18dc51-e5c5-41f0-a67f-64543119935e" providerId="AD" clId="Web-{A34BEB02-4032-9EEC-160C-7BD550C36278}" dt="2023-08-13T21:59:59.933" v="0"/>
+        <pc:sldMkLst>
+          <pc:docMk/>
+          <pc:sldMk cId="3056279571" sldId="286"/>
+        </pc:sldMkLst>
+      </pc:sldChg>
+      <pc:sldChg chg="mod modShow">
+        <pc:chgData name="John Patrick Johnson" userId="S::jpj8711@ads.northwestern.edu::fe18dc51-e5c5-41f0-a67f-64543119935e" providerId="AD" clId="Web-{A34BEB02-4032-9EEC-160C-7BD550C36278}" dt="2023-08-14T00:26:13.876" v="92"/>
+        <pc:sldMkLst>
+          <pc:docMk/>
+          <pc:sldMk cId="60139911" sldId="287"/>
+        </pc:sldMkLst>
+      </pc:sldChg>
+      <pc:sldChg chg="modSp">
+        <pc:chgData name="John Patrick Johnson" userId="S::jpj8711@ads.northwestern.edu::fe18dc51-e5c5-41f0-a67f-64543119935e" providerId="AD" clId="Web-{A34BEB02-4032-9EEC-160C-7BD550C36278}" dt="2023-08-14T00:25:53.063" v="91" actId="20577"/>
+        <pc:sldMkLst>
+          <pc:docMk/>
+          <pc:sldMk cId="348769654" sldId="318"/>
+        </pc:sldMkLst>
+        <pc:spChg chg="mod">
+          <ac:chgData name="John Patrick Johnson" userId="S::jpj8711@ads.northwestern.edu::fe18dc51-e5c5-41f0-a67f-64543119935e" providerId="AD" clId="Web-{A34BEB02-4032-9EEC-160C-7BD550C36278}" dt="2023-08-14T00:25:53.063" v="91" actId="20577"/>
+          <ac:spMkLst>
+            <pc:docMk/>
+            <pc:sldMk cId="348769654" sldId="318"/>
+            <ac:spMk id="3" creationId="{EC9AA3F7-FC6E-575A-F3F6-82A49486401E}"/>
+          </ac:spMkLst>
+        </pc:spChg>
+      </pc:sldChg>
+      <pc:sldChg chg="modSp">
+        <pc:chgData name="John Patrick Johnson" userId="S::jpj8711@ads.northwestern.edu::fe18dc51-e5c5-41f0-a67f-64543119935e" providerId="AD" clId="Web-{A34BEB02-4032-9EEC-160C-7BD550C36278}" dt="2023-08-14T00:25:43" v="86" actId="20577"/>
+        <pc:sldMkLst>
+          <pc:docMk/>
+          <pc:sldMk cId="679280969" sldId="319"/>
+        </pc:sldMkLst>
+        <pc:spChg chg="mod">
+          <ac:chgData name="John Patrick Johnson" userId="S::jpj8711@ads.northwestern.edu::fe18dc51-e5c5-41f0-a67f-64543119935e" providerId="AD" clId="Web-{A34BEB02-4032-9EEC-160C-7BD550C36278}" dt="2023-08-14T00:25:43" v="86" actId="20577"/>
+          <ac:spMkLst>
+            <pc:docMk/>
+            <pc:sldMk cId="679280969" sldId="319"/>
+            <ac:spMk id="3" creationId="{838492E3-91C7-FA09-1EED-65C4220C1E22}"/>
           </ac:spMkLst>
         </pc:spChg>
       </pc:sldChg>
@@ -8318,7 +8449,7 @@
             </a:pPr>
             <a:fld id="{00000000-1234-1234-1234-123412341234}" type="slidenum">
               <a:rPr lang="en-US"/>
-              <a:t>11</a:t>
+              <a:t>10</a:t>
             </a:fld>
             <a:endParaRPr/>
           </a:p>
@@ -8556,7 +8687,7 @@
             </a:pPr>
             <a:fld id="{00000000-1234-1234-1234-123412341234}" type="slidenum">
               <a:rPr lang="en-US"/>
-              <a:t>12</a:t>
+              <a:t>11</a:t>
             </a:fld>
             <a:endParaRPr/>
           </a:p>
@@ -8861,7 +8992,7 @@
             </a:pPr>
             <a:fld id="{00000000-1234-1234-1234-123412341234}" type="slidenum">
               <a:rPr lang="en-US"/>
-              <a:t>13</a:t>
+              <a:t>12</a:t>
             </a:fld>
             <a:endParaRPr/>
           </a:p>
@@ -9150,7 +9281,7 @@
             </a:pPr>
             <a:fld id="{00000000-1234-1234-1234-123412341234}" type="slidenum">
               <a:rPr lang="en-US"/>
-              <a:t>14</a:t>
+              <a:t>13</a:t>
             </a:fld>
             <a:endParaRPr/>
           </a:p>
@@ -9402,7 +9533,7 @@
             </a:pPr>
             <a:fld id="{00000000-1234-1234-1234-123412341234}" type="slidenum">
               <a:rPr lang="en-US"/>
-              <a:t>15</a:t>
+              <a:t>14</a:t>
             </a:fld>
             <a:endParaRPr/>
           </a:p>
@@ -9740,7 +9871,7 @@
             </a:pPr>
             <a:fld id="{00000000-1234-1234-1234-123412341234}" type="slidenum">
               <a:rPr lang="en-US"/>
-              <a:t>16</a:t>
+              <a:t>15</a:t>
             </a:fld>
             <a:endParaRPr/>
           </a:p>
@@ -9992,7 +10123,7 @@
             </a:pPr>
             <a:fld id="{00000000-1234-1234-1234-123412341234}" type="slidenum">
               <a:rPr lang="en-US"/>
-              <a:t>17</a:t>
+              <a:t>16</a:t>
             </a:fld>
             <a:endParaRPr/>
           </a:p>
@@ -10244,7 +10375,7 @@
             </a:pPr>
             <a:fld id="{00000000-1234-1234-1234-123412341234}" type="slidenum">
               <a:rPr lang="en-US"/>
-              <a:t>18</a:t>
+              <a:t>17</a:t>
             </a:fld>
             <a:endParaRPr/>
           </a:p>
@@ -10397,7 +10528,7 @@
                 <a:cs typeface="Calibri"/>
                 <a:sym typeface="Calibri"/>
               </a:rPr>
-              <a:t>19</a:t>
+              <a:t>18</a:t>
             </a:fld>
             <a:endParaRPr lang="en-US" sz="1200" b="0" i="0" u="none" strike="noStrike" cap="none">
               <a:solidFill>
@@ -10662,7 +10793,7 @@
             </a:pPr>
             <a:fld id="{00000000-1234-1234-1234-123412341234}" type="slidenum">
               <a:rPr lang="en-US"/>
-              <a:t>21</a:t>
+              <a:t>20</a:t>
             </a:fld>
             <a:endParaRPr/>
           </a:p>
@@ -10833,6 +10964,283 @@
     <p:extLst>
       <p:ext uri="{BB962C8B-B14F-4D97-AF65-F5344CB8AC3E}">
         <p14:creationId xmlns:p14="http://schemas.microsoft.com/office/powerpoint/2010/main" val="523752762"/>
+      </p:ext>
+    </p:extLst>
+  </p:cSld>
+  <p:clrMapOvr>
+    <a:masterClrMapping/>
+  </p:clrMapOvr>
+</p:notes>
+</file>
+
+<file path=ppt/notesSlides/notesSlide20.xml><?xml version="1.0" encoding="utf-8"?>
+<p:notes xmlns:a="http://schemas.openxmlformats.org/drawingml/2006/main" xmlns:r="http://schemas.openxmlformats.org/officeDocument/2006/relationships" xmlns:p="http://schemas.openxmlformats.org/presentationml/2006/main">
+  <p:cSld>
+    <p:spTree>
+      <p:nvGrpSpPr>
+        <p:cNvPr id="1" name=""/>
+        <p:cNvGrpSpPr/>
+        <p:nvPr/>
+      </p:nvGrpSpPr>
+      <p:grpSpPr>
+        <a:xfrm>
+          <a:off x="0" y="0"/>
+          <a:ext cx="0" cy="0"/>
+          <a:chOff x="0" y="0"/>
+          <a:chExt cx="0" cy="0"/>
+        </a:xfrm>
+      </p:grpSpPr>
+      <p:sp>
+        <p:nvSpPr>
+          <p:cNvPr id="2" name="Slide Image Placeholder 1"/>
+          <p:cNvSpPr>
+            <a:spLocks noGrp="1" noRot="1" noChangeAspect="1"/>
+          </p:cNvSpPr>
+          <p:nvPr>
+            <p:ph type="sldImg"/>
+          </p:nvPr>
+        </p:nvSpPr>
+        <p:spPr/>
+      </p:sp>
+      <p:sp>
+        <p:nvSpPr>
+          <p:cNvPr id="3" name="Notes Placeholder 2"/>
+          <p:cNvSpPr>
+            <a:spLocks noGrp="1"/>
+          </p:cNvSpPr>
+          <p:nvPr>
+            <p:ph type="body" idx="1"/>
+          </p:nvPr>
+        </p:nvSpPr>
+        <p:spPr/>
+        <p:txBody>
+          <a:bodyPr/>
+          <a:lstStyle/>
+          <a:p>
+            <a:r>
+              <a:rPr lang="en-US" b="1"/>
+              <a:t>Actions to Demonstrate and Explain</a:t>
+            </a:r>
+            <a:endParaRPr lang="en-US"/>
+          </a:p>
+          <a:p>
+            <a:r>
+              <a:rPr lang="en-US"/>
+              <a:t>Log into KLC using </a:t>
+            </a:r>
+            <a:r>
+              <a:rPr lang="en-US" err="1"/>
+              <a:t>FastX</a:t>
+            </a:r>
+            <a:r>
+              <a:rPr lang="en-US"/>
+              <a:t> in browser</a:t>
+            </a:r>
+          </a:p>
+          <a:p>
+            <a:r>
+              <a:rPr lang="en-US"/>
+              <a:t>Navigate directories with cd and ls</a:t>
+            </a:r>
+          </a:p>
+          <a:p>
+            <a:pPr marL="285750" indent="-285750">
+              <a:buFont typeface="Symbol"/>
+              <a:buChar char="•"/>
+            </a:pPr>
+            <a:r>
+              <a:rPr lang="en-US"/>
+              <a:t>Where to store which files?</a:t>
+            </a:r>
+          </a:p>
+          <a:p>
+            <a:pPr indent="0"/>
+            <a:r>
+              <a:rPr lang="en-US"/>
+              <a:t>Make a directory with git clone</a:t>
+            </a:r>
+          </a:p>
+          <a:p>
+            <a:r>
+              <a:rPr lang="en-US"/>
+              <a:t>Load module</a:t>
+            </a:r>
+          </a:p>
+          <a:p>
+            <a:pPr marL="285750" indent="-285750">
+              <a:buFont typeface="Symbol"/>
+              <a:buChar char="•"/>
+            </a:pPr>
+            <a:r>
+              <a:rPr lang="en-US"/>
+              <a:t>Note software version</a:t>
+            </a:r>
+          </a:p>
+          <a:p>
+            <a:pPr indent="0"/>
+            <a:r>
+              <a:rPr lang="en-US"/>
+              <a:t>Open a file with nano, inspect contents, make a minor change (like update a parameter)</a:t>
+            </a:r>
+          </a:p>
+          <a:p>
+            <a:r>
+              <a:rPr lang="en-US" dirty="0"/>
+              <a:t>Open a program file using a GUI</a:t>
+            </a:r>
+          </a:p>
+          <a:p>
+            <a:pPr marL="285750" indent="-285750">
+              <a:buFont typeface="Symbol"/>
+              <a:buChar char="•"/>
+            </a:pPr>
+            <a:r>
+              <a:rPr lang="en-US" dirty="0"/>
+              <a:t>R program in </a:t>
+            </a:r>
+            <a:r>
+              <a:rPr lang="en-US" dirty="0" err="1"/>
+              <a:t>rstudio</a:t>
+            </a:r>
+          </a:p>
+          <a:p>
+            <a:pPr marL="285750" indent="-285750">
+              <a:buFont typeface="Symbol"/>
+              <a:buChar char="•"/>
+            </a:pPr>
+            <a:r>
+              <a:rPr lang="en-US" dirty="0"/>
+              <a:t>Stata .do file in </a:t>
+            </a:r>
+            <a:r>
+              <a:rPr lang="en-US" dirty="0" err="1"/>
+              <a:t>xstata</a:t>
+            </a:r>
+            <a:r>
+              <a:rPr lang="en-US" dirty="0"/>
+              <a:t>-se</a:t>
+            </a:r>
+          </a:p>
+          <a:p>
+            <a:pPr marL="285750" indent="-285750">
+              <a:buFont typeface="Symbol"/>
+              <a:buChar char="•"/>
+            </a:pPr>
+            <a:r>
+              <a:rPr lang="en-US" dirty="0"/>
+              <a:t>Python in a </a:t>
+            </a:r>
+            <a:r>
+              <a:rPr lang="en-US" dirty="0" err="1"/>
+              <a:t>Jupyter</a:t>
+            </a:r>
+            <a:r>
+              <a:rPr lang="en-US" dirty="0"/>
+              <a:t> notebook </a:t>
+            </a:r>
+          </a:p>
+          <a:p>
+            <a:pPr marL="285750" indent="-285750">
+              <a:buFont typeface="Symbol"/>
+              <a:buChar char="•"/>
+            </a:pPr>
+            <a:r>
+              <a:rPr lang="en-US" dirty="0"/>
+              <a:t>When to use GUI versus headless batch process</a:t>
+            </a:r>
+          </a:p>
+          <a:p>
+            <a:pPr marL="285750" indent="-285750">
+              <a:buFont typeface="Symbol"/>
+              <a:buChar char="•"/>
+            </a:pPr>
+            <a:r>
+              <a:rPr lang="en-US" dirty="0"/>
+              <a:t>Repeat R, Stata programs from command line</a:t>
+            </a:r>
+          </a:p>
+          <a:p>
+            <a:pPr marL="285750" indent="-285750">
+              <a:buFont typeface="Symbol"/>
+              <a:buChar char="•"/>
+            </a:pPr>
+            <a:r>
+              <a:rPr lang="en-US" dirty="0"/>
+              <a:t>Inspect output</a:t>
+            </a:r>
+          </a:p>
+          <a:p>
+            <a:pPr indent="0"/>
+            <a:r>
+              <a:rPr lang="en-US" dirty="0"/>
+              <a:t>Save changes and commit back to GitHub repo</a:t>
+            </a:r>
+          </a:p>
+          <a:p>
+            <a:endParaRPr lang="en-US" dirty="0"/>
+          </a:p>
+        </p:txBody>
+      </p:sp>
+      <p:sp>
+        <p:nvSpPr>
+          <p:cNvPr id="4" name="Slide Number Placeholder 3"/>
+          <p:cNvSpPr>
+            <a:spLocks noGrp="1"/>
+          </p:cNvSpPr>
+          <p:nvPr>
+            <p:ph type="sldNum" idx="12"/>
+          </p:nvPr>
+        </p:nvSpPr>
+        <p:spPr/>
+        <p:txBody>
+          <a:bodyPr/>
+          <a:lstStyle/>
+          <a:p>
+            <a:pPr marL="0" marR="0" lvl="0" indent="0" algn="r" rtl="0">
+              <a:lnSpc>
+                <a:spcPct val="100000"/>
+              </a:lnSpc>
+              <a:spcBef>
+                <a:spcPts val="0"/>
+              </a:spcBef>
+              <a:spcAft>
+                <a:spcPts val="0"/>
+              </a:spcAft>
+              <a:buClr>
+                <a:srgbClr val="000000"/>
+              </a:buClr>
+              <a:buSzPts val="1200"/>
+              <a:buFont typeface="Arial"/>
+              <a:buNone/>
+            </a:pPr>
+            <a:fld id="{00000000-1234-1234-1234-123412341234}" type="slidenum">
+              <a:rPr lang="en-US" sz="1200" b="0" i="0" u="none" strike="noStrike" cap="none">
+                <a:solidFill>
+                  <a:schemeClr val="dk1"/>
+                </a:solidFill>
+                <a:latin typeface="Calibri"/>
+                <a:ea typeface="Calibri"/>
+                <a:cs typeface="Calibri"/>
+                <a:sym typeface="Calibri"/>
+              </a:rPr>
+              <a:t>21</a:t>
+            </a:fld>
+            <a:endParaRPr lang="en-US" sz="1200" b="0" i="0" u="none" strike="noStrike" cap="none">
+              <a:solidFill>
+                <a:schemeClr val="dk1"/>
+              </a:solidFill>
+              <a:latin typeface="Calibri"/>
+              <a:ea typeface="Calibri"/>
+              <a:cs typeface="Calibri"/>
+              <a:sym typeface="Calibri"/>
+            </a:endParaRPr>
+          </a:p>
+        </p:txBody>
+      </p:sp>
+    </p:spTree>
+    <p:extLst>
+      <p:ext uri="{BB962C8B-B14F-4D97-AF65-F5344CB8AC3E}">
+        <p14:creationId xmlns:p14="http://schemas.microsoft.com/office/powerpoint/2010/main" val="2249956328"/>
       </p:ext>
     </p:extLst>
   </p:cSld>
@@ -11152,7 +11560,7 @@
             </a:pPr>
             <a:fld id="{00000000-1234-1234-1234-123412341234}" type="slidenum">
               <a:rPr lang="en-US"/>
-              <a:t>4</a:t>
+              <a:t>3</a:t>
             </a:fld>
             <a:endParaRPr/>
           </a:p>
@@ -11518,7 +11926,7 @@
             </a:pPr>
             <a:fld id="{00000000-1234-1234-1234-123412341234}" type="slidenum">
               <a:rPr lang="en-US"/>
-              <a:t>5</a:t>
+              <a:t>4</a:t>
             </a:fld>
             <a:endParaRPr/>
           </a:p>
@@ -11751,7 +12159,7 @@
             </a:pPr>
             <a:fld id="{00000000-1234-1234-1234-123412341234}" type="slidenum">
               <a:rPr lang="en-US"/>
-              <a:t>6</a:t>
+              <a:t>5</a:t>
             </a:fld>
             <a:endParaRPr/>
           </a:p>
@@ -12018,7 +12426,7 @@
             </a:pPr>
             <a:fld id="{00000000-1234-1234-1234-123412341234}" type="slidenum">
               <a:rPr lang="en-US"/>
-              <a:t>7</a:t>
+              <a:t>6</a:t>
             </a:fld>
             <a:endParaRPr/>
           </a:p>
@@ -12365,7 +12773,7 @@
             </a:pPr>
             <a:fld id="{00000000-1234-1234-1234-123412341234}" type="slidenum">
               <a:rPr lang="en-US"/>
-              <a:t>8</a:t>
+              <a:t>7</a:t>
             </a:fld>
             <a:endParaRPr/>
           </a:p>
@@ -12655,7 +13063,7 @@
             </a:pPr>
             <a:fld id="{00000000-1234-1234-1234-123412341234}" type="slidenum">
               <a:rPr lang="en-US"/>
-              <a:t>9</a:t>
+              <a:t>8</a:t>
             </a:fld>
             <a:endParaRPr/>
           </a:p>
@@ -12945,7 +13353,7 @@
             </a:pPr>
             <a:fld id="{00000000-1234-1234-1234-123412341234}" type="slidenum">
               <a:rPr lang="en-US"/>
-              <a:t>10</a:t>
+              <a:t>9</a:t>
             </a:fld>
             <a:endParaRPr/>
           </a:p>
@@ -19454,302 +19862,6 @@
   <p:cSld>
     <p:spTree>
       <p:nvGrpSpPr>
-        <p:cNvPr id="1" name="Shape 175"/>
-        <p:cNvGrpSpPr/>
-        <p:nvPr/>
-      </p:nvGrpSpPr>
-      <p:grpSpPr>
-        <a:xfrm>
-          <a:off x="0" y="0"/>
-          <a:ext cx="0" cy="0"/>
-          <a:chOff x="0" y="0"/>
-          <a:chExt cx="0" cy="0"/>
-        </a:xfrm>
-      </p:grpSpPr>
-      <p:sp>
-        <p:nvSpPr>
-          <p:cNvPr id="176" name="Google Shape;176;p21"/>
-          <p:cNvSpPr txBox="1">
-            <a:spLocks noGrp="1"/>
-          </p:cNvSpPr>
-          <p:nvPr>
-            <p:ph type="title"/>
-          </p:nvPr>
-        </p:nvSpPr>
-        <p:spPr>
-          <a:xfrm>
-            <a:off x="457200" y="0"/>
-            <a:ext cx="8229600" cy="1143000"/>
-          </a:xfrm>
-          <a:prstGeom prst="rect">
-            <a:avLst/>
-          </a:prstGeom>
-          <a:noFill/>
-          <a:ln>
-            <a:noFill/>
-          </a:ln>
-        </p:spPr>
-        <p:txBody>
-          <a:bodyPr spcFirstLastPara="1" wrap="square" lIns="91425" tIns="45700" rIns="91425" bIns="45700" anchor="ctr" anchorCtr="0">
-            <a:noAutofit/>
-          </a:bodyPr>
-          <a:lstStyle/>
-          <a:p>
-            <a:r>
-              <a:rPr lang="en-US"/>
-              <a:t>Automation Opportunities For You?</a:t>
-            </a:r>
-          </a:p>
-        </p:txBody>
-      </p:sp>
-      <p:sp>
-        <p:nvSpPr>
-          <p:cNvPr id="177" name="Google Shape;177;p21"/>
-          <p:cNvSpPr txBox="1">
-            <a:spLocks noGrp="1"/>
-          </p:cNvSpPr>
-          <p:nvPr>
-            <p:ph type="ftr" idx="11"/>
-          </p:nvPr>
-        </p:nvSpPr>
-        <p:spPr>
-          <a:xfrm>
-            <a:off x="4572000" y="6506896"/>
-            <a:ext cx="4114800" cy="365100"/>
-          </a:xfrm>
-          <a:prstGeom prst="rect">
-            <a:avLst/>
-          </a:prstGeom>
-          <a:noFill/>
-          <a:ln>
-            <a:noFill/>
-          </a:ln>
-        </p:spPr>
-        <p:txBody>
-          <a:bodyPr spcFirstLastPara="1" wrap="square" lIns="91425" tIns="45700" rIns="91425" bIns="45700" anchor="ctr" anchorCtr="0">
-            <a:noAutofit/>
-          </a:bodyPr>
-          <a:lstStyle/>
-          <a:p>
-            <a:pPr marL="0" lvl="0" indent="0" algn="r" rtl="0">
-              <a:lnSpc>
-                <a:spcPct val="100000"/>
-              </a:lnSpc>
-              <a:spcBef>
-                <a:spcPts val="0"/>
-              </a:spcBef>
-              <a:spcAft>
-                <a:spcPts val="0"/>
-              </a:spcAft>
-              <a:buSzPts val="1400"/>
-              <a:buNone/>
-            </a:pPr>
-            <a:r>
-              <a:rPr lang="en-US"/>
-              <a:t>Reproducibility Principles</a:t>
-            </a:r>
-            <a:endParaRPr/>
-          </a:p>
-        </p:txBody>
-      </p:sp>
-      <p:pic>
-        <p:nvPicPr>
-          <p:cNvPr id="4" name="Picture 4" descr="Graphical user interface, application&#10;&#10;Description automatically generated">
-            <a:extLst>
-              <a:ext uri="{FF2B5EF4-FFF2-40B4-BE49-F238E27FC236}">
-                <a16:creationId xmlns:a16="http://schemas.microsoft.com/office/drawing/2014/main" id="{3DC87846-D2C9-27E3-BCF5-F54BA0E4016D}"/>
-              </a:ext>
-            </a:extLst>
-          </p:cNvPr>
-          <p:cNvPicPr>
-            <a:picLocks noChangeAspect="1"/>
-          </p:cNvPicPr>
-          <p:nvPr/>
-        </p:nvPicPr>
-        <p:blipFill>
-          <a:blip r:embed="rId3"/>
-          <a:stretch>
-            <a:fillRect/>
-          </a:stretch>
-        </p:blipFill>
-        <p:spPr>
-          <a:xfrm>
-            <a:off x="4620036" y="1519050"/>
-            <a:ext cx="4453581" cy="1533158"/>
-          </a:xfrm>
-          <a:prstGeom prst="rect">
-            <a:avLst/>
-          </a:prstGeom>
-          <a:ln>
-            <a:solidFill>
-              <a:schemeClr val="tx1"/>
-            </a:solidFill>
-          </a:ln>
-        </p:spPr>
-      </p:pic>
-      <p:pic>
-        <p:nvPicPr>
-          <p:cNvPr id="5" name="Picture 5" descr="Graphical user interface, application&#10;&#10;Description automatically generated">
-            <a:extLst>
-              <a:ext uri="{FF2B5EF4-FFF2-40B4-BE49-F238E27FC236}">
-                <a16:creationId xmlns:a16="http://schemas.microsoft.com/office/drawing/2014/main" id="{74EB437C-D31C-B442-1FB8-A6B4E1F09824}"/>
-              </a:ext>
-            </a:extLst>
-          </p:cNvPr>
-          <p:cNvPicPr>
-            <a:picLocks noChangeAspect="1"/>
-          </p:cNvPicPr>
-          <p:nvPr/>
-        </p:nvPicPr>
-        <p:blipFill>
-          <a:blip r:embed="rId4"/>
-          <a:stretch>
-            <a:fillRect/>
-          </a:stretch>
-        </p:blipFill>
-        <p:spPr>
-          <a:xfrm>
-            <a:off x="205646" y="1146597"/>
-            <a:ext cx="4234355" cy="2975254"/>
-          </a:xfrm>
-          <a:prstGeom prst="rect">
-            <a:avLst/>
-          </a:prstGeom>
-          <a:ln>
-            <a:solidFill>
-              <a:schemeClr val="tx1"/>
-            </a:solidFill>
-          </a:ln>
-        </p:spPr>
-      </p:pic>
-      <p:pic>
-        <p:nvPicPr>
-          <p:cNvPr id="6" name="Picture 6" descr="Graphical user interface, text, application, email&#10;&#10;Description automatically generated">
-            <a:extLst>
-              <a:ext uri="{FF2B5EF4-FFF2-40B4-BE49-F238E27FC236}">
-                <a16:creationId xmlns:a16="http://schemas.microsoft.com/office/drawing/2014/main" id="{19B7845B-0C43-CEC9-8729-8CA6E51BFD48}"/>
-              </a:ext>
-            </a:extLst>
-          </p:cNvPr>
-          <p:cNvPicPr>
-            <a:picLocks noChangeAspect="1"/>
-          </p:cNvPicPr>
-          <p:nvPr/>
-        </p:nvPicPr>
-        <p:blipFill>
-          <a:blip r:embed="rId5"/>
-          <a:stretch>
-            <a:fillRect/>
-          </a:stretch>
-        </p:blipFill>
-        <p:spPr>
-          <a:xfrm>
-            <a:off x="4560915" y="3647667"/>
-            <a:ext cx="4457468" cy="2293318"/>
-          </a:xfrm>
-          <a:prstGeom prst="rect">
-            <a:avLst/>
-          </a:prstGeom>
-          <a:ln>
-            <a:solidFill>
-              <a:schemeClr val="tx1"/>
-            </a:solidFill>
-          </a:ln>
-        </p:spPr>
-      </p:pic>
-    </p:spTree>
-    <p:extLst>
-      <p:ext uri="{BB962C8B-B14F-4D97-AF65-F5344CB8AC3E}">
-        <p14:creationId xmlns:p14="http://schemas.microsoft.com/office/powerpoint/2010/main" val="3050248158"/>
-      </p:ext>
-    </p:extLst>
-  </p:cSld>
-  <p:clrMapOvr>
-    <a:masterClrMapping/>
-  </p:clrMapOvr>
-  <p:timing>
-    <p:tnLst>
-      <p:par>
-        <p:cTn id="1" dur="indefinite" restart="never" nodeType="tmRoot">
-          <p:childTnLst>
-            <p:seq concurrent="1" nextAc="seek">
-              <p:cTn id="2" dur="indefinite" nodeType="mainSeq">
-                <p:childTnLst>
-                  <p:par>
-                    <p:cTn id="3" fill="hold">
-                      <p:stCondLst>
-                        <p:cond delay="indefinite"/>
-                      </p:stCondLst>
-                      <p:childTnLst>
-                        <p:par>
-                          <p:cTn id="4" fill="hold">
-                            <p:stCondLst>
-                              <p:cond delay="0"/>
-                            </p:stCondLst>
-                            <p:childTnLst>
-                              <p:par>
-                                <p:cTn id="5" presetID="1" presetClass="entr" presetSubtype="0" fill="hold" nodeType="clickEffect">
-                                  <p:stCondLst>
-                                    <p:cond delay="0"/>
-                                  </p:stCondLst>
-                                  <p:childTnLst>
-                                    <p:set>
-                                      <p:cBhvr>
-                                        <p:cTn id="6" dur="1" fill="hold">
-                                          <p:stCondLst>
-                                            <p:cond delay="0"/>
-                                          </p:stCondLst>
-                                        </p:cTn>
-                                        <p:tgtEl>
-                                          <p:spTgt spid="5"/>
-                                        </p:tgtEl>
-                                        <p:attrNameLst>
-                                          <p:attrName>style.visibility</p:attrName>
-                                        </p:attrNameLst>
-                                      </p:cBhvr>
-                                      <p:to>
-                                        <p:strVal val="visible"/>
-                                      </p:to>
-                                    </p:set>
-                                  </p:childTnLst>
-                                </p:cTn>
-                              </p:par>
-                            </p:childTnLst>
-                          </p:cTn>
-                        </p:par>
-                      </p:childTnLst>
-                    </p:cTn>
-                  </p:par>
-                </p:childTnLst>
-              </p:cTn>
-              <p:prevCondLst>
-                <p:cond evt="onPrev" delay="0">
-                  <p:tgtEl>
-                    <p:sldTgt/>
-                  </p:tgtEl>
-                </p:cond>
-              </p:prevCondLst>
-              <p:nextCondLst>
-                <p:cond evt="onNext" delay="0">
-                  <p:tgtEl>
-                    <p:sldTgt/>
-                  </p:tgtEl>
-                </p:cond>
-              </p:nextCondLst>
-            </p:seq>
-          </p:childTnLst>
-        </p:cTn>
-      </p:par>
-    </p:tnLst>
-  </p:timing>
-</p:sld>
-</file>
-
-<file path=ppt/slides/slide11.xml><?xml version="1.0" encoding="utf-8"?>
-<p:sld xmlns:a="http://schemas.openxmlformats.org/drawingml/2006/main" xmlns:r="http://schemas.openxmlformats.org/officeDocument/2006/relationships" xmlns:p="http://schemas.openxmlformats.org/presentationml/2006/main">
-  <p:cSld>
-    <p:spTree>
-      <p:nvGrpSpPr>
         <p:cNvPr id="1" name="Shape 112"/>
         <p:cNvGrpSpPr/>
         <p:nvPr/>
@@ -21710,7 +21822,7 @@
 </p:sld>
 </file>
 
-<file path=ppt/slides/slide12.xml><?xml version="1.0" encoding="utf-8"?>
+<file path=ppt/slides/slide11.xml><?xml version="1.0" encoding="utf-8"?>
 <p:sld xmlns:a="http://schemas.openxmlformats.org/drawingml/2006/main" xmlns:r="http://schemas.openxmlformats.org/officeDocument/2006/relationships" xmlns:p="http://schemas.openxmlformats.org/presentationml/2006/main">
   <p:cSld>
     <p:spTree>
@@ -23191,7 +23303,7 @@
 </p:sld>
 </file>
 
-<file path=ppt/slides/slide13.xml><?xml version="1.0" encoding="utf-8"?>
+<file path=ppt/slides/slide12.xml><?xml version="1.0" encoding="utf-8"?>
 <p:sld xmlns:a="http://schemas.openxmlformats.org/drawingml/2006/main" xmlns:r="http://schemas.openxmlformats.org/officeDocument/2006/relationships" xmlns:p="http://schemas.openxmlformats.org/presentationml/2006/main">
   <p:cSld>
     <p:spTree>
@@ -24063,7 +24175,7 @@
 </p:sld>
 </file>
 
-<file path=ppt/slides/slide14.xml><?xml version="1.0" encoding="utf-8"?>
+<file path=ppt/slides/slide13.xml><?xml version="1.0" encoding="utf-8"?>
 <p:sld xmlns:a="http://schemas.openxmlformats.org/drawingml/2006/main" xmlns:r="http://schemas.openxmlformats.org/officeDocument/2006/relationships" xmlns:p="http://schemas.openxmlformats.org/presentationml/2006/main">
   <p:cSld>
     <p:spTree>
@@ -24278,7 +24390,7 @@
 </p:sld>
 </file>
 
-<file path=ppt/slides/slide15.xml><?xml version="1.0" encoding="utf-8"?>
+<file path=ppt/slides/slide14.xml><?xml version="1.0" encoding="utf-8"?>
 <p:sld xmlns:a="http://schemas.openxmlformats.org/drawingml/2006/main" xmlns:r="http://schemas.openxmlformats.org/officeDocument/2006/relationships" xmlns:p="http://schemas.openxmlformats.org/presentationml/2006/main">
   <p:cSld>
     <p:spTree>
@@ -24826,7 +24938,7 @@
 </p:sld>
 </file>
 
-<file path=ppt/slides/slide16.xml><?xml version="1.0" encoding="utf-8"?>
+<file path=ppt/slides/slide15.xml><?xml version="1.0" encoding="utf-8"?>
 <p:sld xmlns:a="http://schemas.openxmlformats.org/drawingml/2006/main" xmlns:r="http://schemas.openxmlformats.org/officeDocument/2006/relationships" xmlns:p="http://schemas.openxmlformats.org/presentationml/2006/main">
   <p:cSld>
     <p:spTree>
@@ -25553,7 +25665,7 @@
 </p:sld>
 </file>
 
-<file path=ppt/slides/slide17.xml><?xml version="1.0" encoding="utf-8"?>
+<file path=ppt/slides/slide16.xml><?xml version="1.0" encoding="utf-8"?>
 <p:sld xmlns:a="http://schemas.openxmlformats.org/drawingml/2006/main" xmlns:r="http://schemas.openxmlformats.org/officeDocument/2006/relationships" xmlns:p="http://schemas.openxmlformats.org/presentationml/2006/main">
   <p:cSld>
     <p:spTree>
@@ -25812,7 +25924,7 @@
 </p:sld>
 </file>
 
-<file path=ppt/slides/slide18.xml><?xml version="1.0" encoding="utf-8"?>
+<file path=ppt/slides/slide17.xml><?xml version="1.0" encoding="utf-8"?>
 <p:sld xmlns:a="http://schemas.openxmlformats.org/drawingml/2006/main" xmlns:r="http://schemas.openxmlformats.org/officeDocument/2006/relationships" xmlns:p="http://schemas.openxmlformats.org/presentationml/2006/main">
   <p:cSld>
     <p:spTree>
@@ -26819,7 +26931,7 @@
 </p:sld>
 </file>
 
-<file path=ppt/slides/slide19.xml><?xml version="1.0" encoding="utf-8"?>
+<file path=ppt/slides/slide18.xml><?xml version="1.0" encoding="utf-8"?>
 <p:sld xmlns:a="http://schemas.openxmlformats.org/drawingml/2006/main" xmlns:r="http://schemas.openxmlformats.org/officeDocument/2006/relationships" xmlns:p="http://schemas.openxmlformats.org/presentationml/2006/main">
   <p:cSld>
     <p:spTree>
@@ -26923,7 +27035,7 @@
                 <a:latin typeface="Calibri"/>
                 <a:cs typeface="Calibri"/>
               </a:rPr>
-              <a:t>Abstraction – Write and test modular code</a:t>
+              <a:t>Abstraction and Testing</a:t>
             </a:r>
           </a:p>
           <a:p>
@@ -26941,7 +27053,7 @@
                 <a:latin typeface="Calibri"/>
                 <a:cs typeface="Calibri"/>
               </a:rPr>
-              <a:t>Automation – Script and test workflows with little intervention</a:t>
+              <a:t>Automation and Testing</a:t>
             </a:r>
           </a:p>
           <a:p>
@@ -26992,7 +27104,7 @@
                 <a:latin typeface="Calibri"/>
                 <a:cs typeface="Calibri"/>
               </a:rPr>
-              <a:t>WRDS</a:t>
+              <a:t>Wharton Research Data Services (WRDS)</a:t>
             </a:r>
           </a:p>
           <a:p>
@@ -27010,8 +27122,9 @@
                 <a:latin typeface="Calibri"/>
                 <a:cs typeface="Calibri"/>
               </a:rPr>
-              <a:t>Demand Estimation Models</a:t>
-            </a:r>
+              <a:t>Discrete Choice Demand Models</a:t>
+            </a:r>
+            <a:endParaRPr lang="en-US" dirty="0"/>
           </a:p>
           <a:p>
             <a:pPr marL="114300" indent="0">
@@ -27028,7 +27141,7 @@
                 <a:latin typeface="Calibri"/>
                 <a:cs typeface="Calibri"/>
               </a:rPr>
-              <a:t>Qualtrics</a:t>
+              <a:t>High Dimensional Fixed Effects</a:t>
             </a:r>
           </a:p>
           <a:p>
@@ -27046,7 +27159,7 @@
                 <a:latin typeface="Calibri"/>
                 <a:cs typeface="Calibri"/>
               </a:rPr>
-              <a:t>High Dimensional Models</a:t>
+              <a:t>Managing Qualtrics Data</a:t>
             </a:r>
             <a:endParaRPr lang="en-US" dirty="0"/>
           </a:p>
@@ -27137,176 +27250,7 @@
 </p:sld>
 </file>
 
-<file path=ppt/slides/slide2.xml><?xml version="1.0" encoding="utf-8"?>
-<p:sld xmlns:a="http://schemas.openxmlformats.org/drawingml/2006/main" xmlns:r="http://schemas.openxmlformats.org/officeDocument/2006/relationships" xmlns:p="http://schemas.openxmlformats.org/presentationml/2006/main">
-  <p:cSld>
-    <p:spTree>
-      <p:nvGrpSpPr>
-        <p:cNvPr id="1" name=""/>
-        <p:cNvGrpSpPr/>
-        <p:nvPr/>
-      </p:nvGrpSpPr>
-      <p:grpSpPr>
-        <a:xfrm>
-          <a:off x="0" y="0"/>
-          <a:ext cx="0" cy="0"/>
-          <a:chOff x="0" y="0"/>
-          <a:chExt cx="0" cy="0"/>
-        </a:xfrm>
-      </p:grpSpPr>
-      <p:sp>
-        <p:nvSpPr>
-          <p:cNvPr id="2" name="Title 1">
-            <a:extLst>
-              <a:ext uri="{FF2B5EF4-FFF2-40B4-BE49-F238E27FC236}">
-                <a16:creationId xmlns:a16="http://schemas.microsoft.com/office/drawing/2014/main" id="{B7862AAB-75C5-01E8-7C83-F7CB14768AFA}"/>
-              </a:ext>
-            </a:extLst>
-          </p:cNvPr>
-          <p:cNvSpPr>
-            <a:spLocks noGrp="1"/>
-          </p:cNvSpPr>
-          <p:nvPr>
-            <p:ph type="title"/>
-          </p:nvPr>
-        </p:nvSpPr>
-        <p:spPr/>
-        <p:txBody>
-          <a:bodyPr/>
-          <a:lstStyle/>
-          <a:p>
-            <a:r>
-              <a:rPr lang="en-US"/>
-              <a:t>Previous Experience</a:t>
-            </a:r>
-          </a:p>
-        </p:txBody>
-      </p:sp>
-      <p:sp>
-        <p:nvSpPr>
-          <p:cNvPr id="3" name="Text Placeholder 2">
-            <a:extLst>
-              <a:ext uri="{FF2B5EF4-FFF2-40B4-BE49-F238E27FC236}">
-                <a16:creationId xmlns:a16="http://schemas.microsoft.com/office/drawing/2014/main" id="{838492E3-91C7-FA09-1EED-65C4220C1E22}"/>
-              </a:ext>
-            </a:extLst>
-          </p:cNvPr>
-          <p:cNvSpPr>
-            <a:spLocks noGrp="1"/>
-          </p:cNvSpPr>
-          <p:nvPr>
-            <p:ph type="body" idx="1"/>
-          </p:nvPr>
-        </p:nvSpPr>
-        <p:spPr/>
-        <p:txBody>
-          <a:bodyPr/>
-          <a:lstStyle/>
-          <a:p>
-            <a:pPr>
-              <a:lnSpc>
-                <a:spcPct val="90000"/>
-              </a:lnSpc>
-              <a:spcBef>
-                <a:spcPts val="1000"/>
-              </a:spcBef>
-            </a:pPr>
-            <a:r>
-              <a:rPr lang="en-US" dirty="0">
-                <a:latin typeface="Calibri"/>
-                <a:cs typeface="Calibri"/>
-              </a:rPr>
-              <a:t>What programming languages do you use?</a:t>
-            </a:r>
-            <a:endParaRPr lang="en-US" dirty="0"/>
-          </a:p>
-          <a:p>
-            <a:pPr>
-              <a:lnSpc>
-                <a:spcPct val="90000"/>
-              </a:lnSpc>
-              <a:spcBef>
-                <a:spcPts val="1000"/>
-              </a:spcBef>
-            </a:pPr>
-            <a:endParaRPr lang="en-US">
-              <a:latin typeface="Calibri"/>
-              <a:cs typeface="Calibri"/>
-            </a:endParaRPr>
-          </a:p>
-          <a:p>
-            <a:pPr>
-              <a:lnSpc>
-                <a:spcPct val="90000"/>
-              </a:lnSpc>
-              <a:spcBef>
-                <a:spcPts val="1000"/>
-              </a:spcBef>
-            </a:pPr>
-            <a:endParaRPr lang="en-US"/>
-          </a:p>
-          <a:p>
-            <a:pPr>
-              <a:lnSpc>
-                <a:spcPct val="90000"/>
-              </a:lnSpc>
-              <a:spcBef>
-                <a:spcPts val="1000"/>
-              </a:spcBef>
-            </a:pPr>
-            <a:r>
-              <a:rPr lang="en-US" dirty="0">
-                <a:latin typeface="Calibri"/>
-                <a:cs typeface="Calibri"/>
-              </a:rPr>
-              <a:t>What do you find difficult about replicating others' work?</a:t>
-            </a:r>
-            <a:endParaRPr lang="en-US" dirty="0"/>
-          </a:p>
-        </p:txBody>
-      </p:sp>
-      <p:sp>
-        <p:nvSpPr>
-          <p:cNvPr id="4" name="Footer Placeholder 3">
-            <a:extLst>
-              <a:ext uri="{FF2B5EF4-FFF2-40B4-BE49-F238E27FC236}">
-                <a16:creationId xmlns:a16="http://schemas.microsoft.com/office/drawing/2014/main" id="{F6ADA871-9FF6-D0AE-77F4-9966318D598E}"/>
-              </a:ext>
-            </a:extLst>
-          </p:cNvPr>
-          <p:cNvSpPr>
-            <a:spLocks noGrp="1"/>
-          </p:cNvSpPr>
-          <p:nvPr>
-            <p:ph type="ftr" idx="11"/>
-          </p:nvPr>
-        </p:nvSpPr>
-        <p:spPr/>
-        <p:txBody>
-          <a:bodyPr/>
-          <a:lstStyle/>
-          <a:p>
-            <a:r>
-              <a:rPr lang="en-US"/>
-              <a:t>Reproducibility Principles</a:t>
-            </a:r>
-          </a:p>
-        </p:txBody>
-      </p:sp>
-    </p:spTree>
-    <p:extLst>
-      <p:ext uri="{BB962C8B-B14F-4D97-AF65-F5344CB8AC3E}">
-        <p14:creationId xmlns:p14="http://schemas.microsoft.com/office/powerpoint/2010/main" val="60139911"/>
-      </p:ext>
-    </p:extLst>
-  </p:cSld>
-  <p:clrMapOvr>
-    <a:masterClrMapping/>
-  </p:clrMapOvr>
-</p:sld>
-</file>
-
-<file path=ppt/slides/slide20.xml><?xml version="1.0" encoding="utf-8"?>
+<file path=ppt/slides/slide19.xml><?xml version="1.0" encoding="utf-8"?>
 <p:sld xmlns:a="http://schemas.openxmlformats.org/drawingml/2006/main" xmlns:r="http://schemas.openxmlformats.org/officeDocument/2006/relationships" xmlns:p="http://schemas.openxmlformats.org/presentationml/2006/main">
   <p:cSld>
     <p:spTree>
@@ -27358,14 +27302,14 @@
               <a:buNone/>
             </a:pPr>
             <a:r>
-              <a:rPr lang="en-US" sz="4000">
+              <a:rPr lang="en-US" sz="4000" dirty="0">
                 <a:solidFill>
                   <a:schemeClr val="bg1"/>
                 </a:solidFill>
               </a:rPr>
-              <a:t>Break</a:t>
-            </a:r>
-            <a:endParaRPr lang="en-US"/>
+              <a:t>KLC Demonstration</a:t>
+            </a:r>
+            <a:endParaRPr lang="en-US" dirty="0"/>
           </a:p>
         </p:txBody>
       </p:sp>
@@ -27410,7 +27354,176 @@
 </p:sld>
 </file>
 
-<file path=ppt/slides/slide21.xml><?xml version="1.0" encoding="utf-8"?>
+<file path=ppt/slides/slide2.xml><?xml version="1.0" encoding="utf-8"?>
+<p:sld xmlns:a="http://schemas.openxmlformats.org/drawingml/2006/main" xmlns:r="http://schemas.openxmlformats.org/officeDocument/2006/relationships" xmlns:p="http://schemas.openxmlformats.org/presentationml/2006/main" show="0">
+  <p:cSld>
+    <p:spTree>
+      <p:nvGrpSpPr>
+        <p:cNvPr id="1" name=""/>
+        <p:cNvGrpSpPr/>
+        <p:nvPr/>
+      </p:nvGrpSpPr>
+      <p:grpSpPr>
+        <a:xfrm>
+          <a:off x="0" y="0"/>
+          <a:ext cx="0" cy="0"/>
+          <a:chOff x="0" y="0"/>
+          <a:chExt cx="0" cy="0"/>
+        </a:xfrm>
+      </p:grpSpPr>
+      <p:sp>
+        <p:nvSpPr>
+          <p:cNvPr id="2" name="Title 1">
+            <a:extLst>
+              <a:ext uri="{FF2B5EF4-FFF2-40B4-BE49-F238E27FC236}">
+                <a16:creationId xmlns:a16="http://schemas.microsoft.com/office/drawing/2014/main" id="{B7862AAB-75C5-01E8-7C83-F7CB14768AFA}"/>
+              </a:ext>
+            </a:extLst>
+          </p:cNvPr>
+          <p:cNvSpPr>
+            <a:spLocks noGrp="1"/>
+          </p:cNvSpPr>
+          <p:nvPr>
+            <p:ph type="title"/>
+          </p:nvPr>
+        </p:nvSpPr>
+        <p:spPr/>
+        <p:txBody>
+          <a:bodyPr/>
+          <a:lstStyle/>
+          <a:p>
+            <a:r>
+              <a:rPr lang="en-US"/>
+              <a:t>Previous Experience</a:t>
+            </a:r>
+          </a:p>
+        </p:txBody>
+      </p:sp>
+      <p:sp>
+        <p:nvSpPr>
+          <p:cNvPr id="3" name="Text Placeholder 2">
+            <a:extLst>
+              <a:ext uri="{FF2B5EF4-FFF2-40B4-BE49-F238E27FC236}">
+                <a16:creationId xmlns:a16="http://schemas.microsoft.com/office/drawing/2014/main" id="{838492E3-91C7-FA09-1EED-65C4220C1E22}"/>
+              </a:ext>
+            </a:extLst>
+          </p:cNvPr>
+          <p:cNvSpPr>
+            <a:spLocks noGrp="1"/>
+          </p:cNvSpPr>
+          <p:nvPr>
+            <p:ph type="body" idx="1"/>
+          </p:nvPr>
+        </p:nvSpPr>
+        <p:spPr/>
+        <p:txBody>
+          <a:bodyPr/>
+          <a:lstStyle/>
+          <a:p>
+            <a:pPr>
+              <a:lnSpc>
+                <a:spcPct val="90000"/>
+              </a:lnSpc>
+              <a:spcBef>
+                <a:spcPts val="1000"/>
+              </a:spcBef>
+            </a:pPr>
+            <a:r>
+              <a:rPr lang="en-US" dirty="0">
+                <a:latin typeface="Calibri"/>
+                <a:cs typeface="Calibri"/>
+              </a:rPr>
+              <a:t>What programming languages do you use?</a:t>
+            </a:r>
+            <a:endParaRPr lang="en-US" dirty="0"/>
+          </a:p>
+          <a:p>
+            <a:pPr>
+              <a:lnSpc>
+                <a:spcPct val="90000"/>
+              </a:lnSpc>
+              <a:spcBef>
+                <a:spcPts val="1000"/>
+              </a:spcBef>
+            </a:pPr>
+            <a:endParaRPr lang="en-US">
+              <a:latin typeface="Calibri"/>
+              <a:cs typeface="Calibri"/>
+            </a:endParaRPr>
+          </a:p>
+          <a:p>
+            <a:pPr>
+              <a:lnSpc>
+                <a:spcPct val="90000"/>
+              </a:lnSpc>
+              <a:spcBef>
+                <a:spcPts val="1000"/>
+              </a:spcBef>
+            </a:pPr>
+            <a:endParaRPr lang="en-US"/>
+          </a:p>
+          <a:p>
+            <a:pPr>
+              <a:lnSpc>
+                <a:spcPct val="90000"/>
+              </a:lnSpc>
+              <a:spcBef>
+                <a:spcPts val="1000"/>
+              </a:spcBef>
+            </a:pPr>
+            <a:r>
+              <a:rPr lang="en-US" dirty="0">
+                <a:latin typeface="Calibri"/>
+                <a:cs typeface="Calibri"/>
+              </a:rPr>
+              <a:t>What do you find difficult about replicating others' work?</a:t>
+            </a:r>
+            <a:endParaRPr lang="en-US" dirty="0"/>
+          </a:p>
+        </p:txBody>
+      </p:sp>
+      <p:sp>
+        <p:nvSpPr>
+          <p:cNvPr id="4" name="Footer Placeholder 3">
+            <a:extLst>
+              <a:ext uri="{FF2B5EF4-FFF2-40B4-BE49-F238E27FC236}">
+                <a16:creationId xmlns:a16="http://schemas.microsoft.com/office/drawing/2014/main" id="{F6ADA871-9FF6-D0AE-77F4-9966318D598E}"/>
+              </a:ext>
+            </a:extLst>
+          </p:cNvPr>
+          <p:cNvSpPr>
+            <a:spLocks noGrp="1"/>
+          </p:cNvSpPr>
+          <p:nvPr>
+            <p:ph type="ftr" idx="11"/>
+          </p:nvPr>
+        </p:nvSpPr>
+        <p:spPr/>
+        <p:txBody>
+          <a:bodyPr/>
+          <a:lstStyle/>
+          <a:p>
+            <a:r>
+              <a:rPr lang="en-US"/>
+              <a:t>Reproducibility Principles</a:t>
+            </a:r>
+          </a:p>
+        </p:txBody>
+      </p:sp>
+    </p:spTree>
+    <p:extLst>
+      <p:ext uri="{BB962C8B-B14F-4D97-AF65-F5344CB8AC3E}">
+        <p14:creationId xmlns:p14="http://schemas.microsoft.com/office/powerpoint/2010/main" val="60139911"/>
+      </p:ext>
+    </p:extLst>
+  </p:cSld>
+  <p:clrMapOvr>
+    <a:masterClrMapping/>
+  </p:clrMapOvr>
+</p:sld>
+</file>
+
+<file path=ppt/slides/slide20.xml><?xml version="1.0" encoding="utf-8"?>
 <p:sld xmlns:a="http://schemas.openxmlformats.org/drawingml/2006/main" xmlns:r="http://schemas.openxmlformats.org/officeDocument/2006/relationships" xmlns:p="http://schemas.openxmlformats.org/presentationml/2006/main">
   <p:cSld>
     <p:spTree>
@@ -27772,7 +27885,7 @@
 </p:sld>
 </file>
 
-<file path=ppt/slides/slide3.xml><?xml version="1.0" encoding="utf-8"?>
+<file path=ppt/slides/slide21.xml><?xml version="1.0" encoding="utf-8"?>
 <p:sld xmlns:a="http://schemas.openxmlformats.org/drawingml/2006/main" xmlns:r="http://schemas.openxmlformats.org/officeDocument/2006/relationships" xmlns:p="http://schemas.openxmlformats.org/presentationml/2006/main">
   <p:cSld>
     <p:spTree>
@@ -27791,10 +27904,38 @@
       </p:grpSpPr>
       <p:sp>
         <p:nvSpPr>
+          <p:cNvPr id="2" name="Title 1">
+            <a:extLst>
+              <a:ext uri="{FF2B5EF4-FFF2-40B4-BE49-F238E27FC236}">
+                <a16:creationId xmlns:a16="http://schemas.microsoft.com/office/drawing/2014/main" id="{C4BF0530-28B5-4EC9-E9E0-D1D757CFB9C1}"/>
+              </a:ext>
+            </a:extLst>
+          </p:cNvPr>
+          <p:cNvSpPr>
+            <a:spLocks noGrp="1"/>
+          </p:cNvSpPr>
+          <p:nvPr>
+            <p:ph type="title"/>
+          </p:nvPr>
+        </p:nvSpPr>
+        <p:spPr/>
+        <p:txBody>
+          <a:bodyPr/>
+          <a:lstStyle/>
+          <a:p>
+            <a:r>
+              <a:rPr lang="en-US" dirty="0"/>
+              <a:t>Common KLC Tasks</a:t>
+            </a:r>
+          </a:p>
+        </p:txBody>
+      </p:sp>
+      <p:sp>
+        <p:nvSpPr>
           <p:cNvPr id="3" name="Text Placeholder 2">
             <a:extLst>
               <a:ext uri="{FF2B5EF4-FFF2-40B4-BE49-F238E27FC236}">
-                <a16:creationId xmlns:a16="http://schemas.microsoft.com/office/drawing/2014/main" id="{EC9AA3F7-FC6E-575A-F3F6-82A49486401E}"/>
+                <a16:creationId xmlns:a16="http://schemas.microsoft.com/office/drawing/2014/main" id="{7CF0DC16-F44C-1676-75DB-1343A1ECFA0A}"/>
               </a:ext>
             </a:extLst>
           </p:cNvPr>
@@ -27805,37 +27946,68 @@
             <p:ph type="body" idx="1"/>
           </p:nvPr>
         </p:nvSpPr>
-        <p:spPr>
-          <a:xfrm>
-            <a:off x="-1700" y="-1335"/>
-            <a:ext cx="9147399" cy="6514527"/>
-          </a:xfrm>
-          <a:solidFill>
-            <a:srgbClr val="7030A0"/>
-          </a:solidFill>
-        </p:spPr>
+        <p:spPr/>
         <p:txBody>
-          <a:bodyPr spcFirstLastPara="1" wrap="square" lIns="91425" tIns="45700" rIns="91425" bIns="45700" anchor="ctr" anchorCtr="0">
-            <a:noAutofit/>
-          </a:bodyPr>
+          <a:bodyPr/>
           <a:lstStyle/>
           <a:p>
-            <a:pPr marL="114300" indent="0" algn="ctr">
-              <a:buNone/>
-            </a:pPr>
-            <a:r>
-              <a:rPr lang="en-US" sz="4000">
-                <a:solidFill>
-                  <a:schemeClr val="bg1"/>
-                </a:solidFill>
+            <a:r>
+              <a:rPr lang="en-US" dirty="0">
+                <a:hlinkClick r:id="rId3"/>
               </a:rPr>
-              <a:t>PART I – Replicability</a:t>
-            </a:r>
-            <a:endParaRPr lang="en-US">
-              <a:solidFill>
-                <a:schemeClr val="bg1"/>
-              </a:solidFill>
-            </a:endParaRPr>
+              <a:t>Kellogg Computing</a:t>
+            </a:r>
+          </a:p>
+          <a:p>
+            <a:r>
+              <a:rPr lang="en-US" dirty="0">
+                <a:hlinkClick r:id="rId4"/>
+              </a:rPr>
+              <a:t>Software Modules</a:t>
+            </a:r>
+            <a:endParaRPr lang="en-US" dirty="0"/>
+          </a:p>
+          <a:p>
+            <a:r>
+              <a:rPr lang="en-US" dirty="0"/>
+              <a:t>Open connections and start sessions</a:t>
+            </a:r>
+          </a:p>
+          <a:p>
+            <a:r>
+              <a:rPr lang="en-US" dirty="0"/>
+              <a:t>Transfer files to and from KLC</a:t>
+            </a:r>
+          </a:p>
+          <a:p>
+            <a:r>
+              <a:rPr lang="en-US" dirty="0"/>
+              <a:t>Open a terminal and use the shell</a:t>
+            </a:r>
+          </a:p>
+          <a:p>
+            <a:r>
+              <a:rPr lang="en-US" dirty="0"/>
+              <a:t>Use graphical tools for R, Stata, Python</a:t>
+            </a:r>
+          </a:p>
+          <a:p>
+            <a:r>
+              <a:rPr lang="en-US" dirty="0"/>
+              <a:t>Command line tools for R, Stata, Python</a:t>
+            </a:r>
+          </a:p>
+          <a:p>
+            <a:r>
+              <a:rPr lang="en-US" dirty="0"/>
+              <a:t>Clone and use Git repos</a:t>
+            </a:r>
+          </a:p>
+          <a:p>
+            <a:r>
+              <a:rPr lang="en-US" dirty="0"/>
+              <a:t>Create Conda environments (next workshop)</a:t>
+            </a:r>
           </a:p>
         </p:txBody>
       </p:sp>
@@ -27844,7 +28016,7 @@
           <p:cNvPr id="4" name="Footer Placeholder 3">
             <a:extLst>
               <a:ext uri="{FF2B5EF4-FFF2-40B4-BE49-F238E27FC236}">
-                <a16:creationId xmlns:a16="http://schemas.microsoft.com/office/drawing/2014/main" id="{5D6F9351-75F6-C7A1-4564-32139E3FB6F5}"/>
+                <a16:creationId xmlns:a16="http://schemas.microsoft.com/office/drawing/2014/main" id="{392EFBDF-5CFF-AD8F-2F4F-7F9834E22FF3}"/>
               </a:ext>
             </a:extLst>
           </p:cNvPr>
@@ -27870,7 +28042,7 @@
     </p:spTree>
     <p:extLst>
       <p:ext uri="{BB962C8B-B14F-4D97-AF65-F5344CB8AC3E}">
-        <p14:creationId xmlns:p14="http://schemas.microsoft.com/office/powerpoint/2010/main" val="3056279571"/>
+        <p14:creationId xmlns:p14="http://schemas.microsoft.com/office/powerpoint/2010/main" val="1335714563"/>
       </p:ext>
     </p:extLst>
   </p:cSld>
@@ -27880,7 +28052,7 @@
 </p:sld>
 </file>
 
-<file path=ppt/slides/slide4.xml><?xml version="1.0" encoding="utf-8"?>
+<file path=ppt/slides/slide3.xml><?xml version="1.0" encoding="utf-8"?>
 <p:sld xmlns:a="http://schemas.openxmlformats.org/drawingml/2006/main" xmlns:r="http://schemas.openxmlformats.org/officeDocument/2006/relationships" xmlns:p="http://schemas.openxmlformats.org/presentationml/2006/main">
   <p:cSld>
     <p:spTree>
@@ -28013,29 +28185,22 @@
           <a:lstStyle/>
           <a:p>
             <a:r>
-              <a:rPr lang="en-US" sz="1800">
+              <a:rPr lang="en-US" sz="1800" dirty="0">
                 <a:solidFill>
                   <a:schemeClr val="dk1"/>
                 </a:solidFill>
               </a:rPr>
               <a:t>Co-authors and RAs</a:t>
             </a:r>
-            <a:endParaRPr lang="en-US">
+            <a:endParaRPr lang="en-US" dirty="0">
               <a:solidFill>
                 <a:schemeClr val="dk1"/>
               </a:solidFill>
             </a:endParaRPr>
           </a:p>
           <a:p>
-            <a:endParaRPr lang="en-US" sz="1800">
-              <a:solidFill>
-                <a:schemeClr val="dk1"/>
-              </a:solidFill>
-            </a:endParaRPr>
-          </a:p>
-          <a:p>
-            <a:r>
-              <a:rPr lang="en-US" sz="1800">
+            <a:r>
+              <a:rPr lang="en-US" sz="1800" dirty="0">
                 <a:solidFill>
                   <a:schemeClr val="dk1"/>
                 </a:solidFill>
@@ -28045,14 +28210,14 @@
           </a:p>
           <a:p>
             <a:r>
-              <a:rPr lang="en-US" sz="1800">
+              <a:rPr lang="en-US" sz="1800" dirty="0">
                 <a:solidFill>
                   <a:schemeClr val="dk1"/>
                 </a:solidFill>
               </a:rPr>
               <a:t>Readers of your paper</a:t>
             </a:r>
-            <a:endParaRPr lang="en-US">
+            <a:endParaRPr lang="en-US" dirty="0">
               <a:solidFill>
                 <a:schemeClr val="dk1"/>
               </a:solidFill>
@@ -28590,7 +28755,7 @@
 </p:sld>
 </file>
 
-<file path=ppt/slides/slide5.xml><?xml version="1.0" encoding="utf-8"?>
+<file path=ppt/slides/slide4.xml><?xml version="1.0" encoding="utf-8"?>
 <p:sld xmlns:a="http://schemas.openxmlformats.org/drawingml/2006/main" xmlns:r="http://schemas.openxmlformats.org/officeDocument/2006/relationships" xmlns:p="http://schemas.openxmlformats.org/presentationml/2006/main">
   <p:cSld>
     <p:spTree>
@@ -28719,7 +28884,7 @@
           <a:lstStyle/>
           <a:p>
             <a:r>
-              <a:rPr lang="en-US" sz="1800">
+              <a:rPr lang="en-US" sz="1800" dirty="0">
                 <a:solidFill>
                   <a:schemeClr val="dk1"/>
                 </a:solidFill>
@@ -28736,14 +28901,14 @@
           </a:p>
           <a:p>
             <a:r>
-              <a:rPr lang="en-US" sz="1800">
+              <a:rPr lang="en-US" sz="1800" dirty="0">
                 <a:solidFill>
                   <a:schemeClr val="dk1"/>
                 </a:solidFill>
               </a:rPr>
-              <a:t>You and will need to…</a:t>
-            </a:r>
-            <a:endParaRPr sz="1800">
+              <a:t>You will need to…</a:t>
+            </a:r>
+            <a:endParaRPr sz="1800" dirty="0">
               <a:solidFill>
                 <a:schemeClr val="dk1"/>
               </a:solidFill>
@@ -28777,13 +28942,18 @@
               <a:buChar char="●"/>
             </a:pPr>
             <a:r>
-              <a:rPr lang="en-US" sz="1800">
+              <a:rPr lang="en-US" sz="1800" dirty="0">
                 <a:solidFill>
                   <a:schemeClr val="dk1"/>
                 </a:solidFill>
               </a:rPr>
-              <a:t>… deploy multiple versions of your survey</a:t>
-            </a:r>
+              <a:t>… collect raw data in different stages and merge them correctly</a:t>
+            </a:r>
+            <a:endParaRPr lang="en-US" dirty="0">
+              <a:solidFill>
+                <a:schemeClr val="dk1"/>
+              </a:solidFill>
+            </a:endParaRPr>
           </a:p>
           <a:p>
             <a:pPr marL="914400" indent="-342900">
@@ -28794,14 +28964,31 @@
               <a:buChar char="●"/>
             </a:pPr>
             <a:r>
-              <a:rPr lang="en-US" sz="1800">
+              <a:rPr lang="en-US" sz="1800" dirty="0">
                 <a:solidFill>
                   <a:schemeClr val="dk1"/>
                 </a:solidFill>
               </a:rPr>
-              <a:t>… collect multiple waves of survey data and merge them correctly</a:t>
-            </a:r>
-            <a:endParaRPr lang="en-US">
+              <a:t>… manage different version of your raw data</a:t>
+            </a:r>
+          </a:p>
+          <a:p>
+            <a:pPr marL="914400" indent="-342900">
+              <a:buClr>
+                <a:schemeClr val="dk1"/>
+              </a:buClr>
+              <a:buSzPts val="1800"/>
+              <a:buChar char="●"/>
+            </a:pPr>
+            <a:r>
+              <a:rPr lang="en-US" sz="1800" dirty="0">
+                <a:solidFill>
+                  <a:schemeClr val="dk1"/>
+                </a:solidFill>
+              </a:rPr>
+              <a:t>… "clean up" the raw data</a:t>
+            </a:r>
+            <a:endParaRPr lang="en-US" dirty="0">
               <a:solidFill>
                 <a:schemeClr val="dk1"/>
               </a:solidFill>
@@ -28813,38 +29000,24 @@
                 <a:schemeClr val="dk1"/>
               </a:buClr>
               <a:buSzPts val="1800"/>
+              <a:buFont typeface="Arial"/>
               <a:buChar char="●"/>
             </a:pPr>
             <a:r>
-              <a:rPr lang="en-US" sz="1800">
+              <a:rPr lang="en-US" sz="1800" dirty="0">
                 <a:solidFill>
                   <a:schemeClr val="dk1"/>
                 </a:solidFill>
               </a:rPr>
-              <a:t>… take steps to "clean" the raw data</a:t>
-            </a:r>
-            <a:endParaRPr lang="en-US">
-              <a:solidFill>
-                <a:schemeClr val="dk1"/>
-              </a:solidFill>
-            </a:endParaRPr>
-          </a:p>
-          <a:p>
-            <a:pPr marL="914400" indent="-342900">
-              <a:buClr>
-                <a:schemeClr val="dk1"/>
-              </a:buClr>
-              <a:buSzPts val="1800"/>
-              <a:buFont typeface="Arial"/>
-              <a:buChar char="●"/>
-            </a:pPr>
-            <a:r>
-              <a:rPr lang="en-US" sz="1800">
+              <a:t>… try different model specifications </a:t>
+            </a:r>
+            <a:r>
+              <a:rPr lang="en-US" sz="1800" dirty="0" err="1">
                 <a:solidFill>
                   <a:schemeClr val="dk1"/>
                 </a:solidFill>
               </a:rPr>
-              <a:t>… try out multiple regression specifications</a:t>
+              <a:t>specifications</a:t>
             </a:r>
           </a:p>
           <a:p>
@@ -28857,7 +29030,7 @@
               <a:buChar char="●"/>
             </a:pPr>
             <a:r>
-              <a:rPr lang="en-US" sz="1800">
+              <a:rPr lang="en-US" sz="1800" dirty="0">
                 <a:solidFill>
                   <a:schemeClr val="dk1"/>
                 </a:solidFill>
@@ -28875,7 +29048,7 @@
               <a:buChar char="●"/>
             </a:pPr>
             <a:r>
-              <a:rPr lang="en-US" sz="1800">
+              <a:rPr lang="en-US" sz="1800" dirty="0">
                 <a:solidFill>
                   <a:schemeClr val="dk1"/>
                 </a:solidFill>
@@ -29632,7 +29805,7 @@
 </p:sld>
 </file>
 
-<file path=ppt/slides/slide6.xml><?xml version="1.0" encoding="utf-8"?>
+<file path=ppt/slides/slide5.xml><?xml version="1.0" encoding="utf-8"?>
 <p:sld xmlns:a="http://schemas.openxmlformats.org/drawingml/2006/main" xmlns:r="http://schemas.openxmlformats.org/officeDocument/2006/relationships" xmlns:p="http://schemas.openxmlformats.org/presentationml/2006/main">
   <p:cSld>
     <p:spTree>
@@ -29682,10 +29855,10 @@
               <a:buSzPts val="3200"/>
             </a:pPr>
             <a:r>
-              <a:rPr lang="en-US"/>
-              <a:t>Will You Collaborate Well With Yourself?</a:t>
-            </a:r>
-            <a:endParaRPr/>
+              <a:rPr lang="en-US" dirty="0"/>
+              <a:t>Will You Collaborate With Yourself Well?</a:t>
+            </a:r>
+            <a:endParaRPr dirty="0"/>
           </a:p>
         </p:txBody>
       </p:sp>
@@ -29748,7 +29921,7 @@
         <p:spPr>
           <a:xfrm>
             <a:off x="537882" y="1202823"/>
-            <a:ext cx="8305200" cy="1156720"/>
+            <a:ext cx="8434408" cy="1156720"/>
           </a:xfrm>
           <a:prstGeom prst="rect">
             <a:avLst/>
@@ -29770,7 +29943,7 @@
                   <a:schemeClr val="dk1"/>
                 </a:solidFill>
               </a:rPr>
-              <a:t>10 years from now, will you be able to recreate every result from the paper you are currently writing?</a:t>
+              <a:t>In 2033, will you be able to recreate all results from a paper you are writing now?</a:t>
             </a:r>
             <a:endParaRPr lang="en-US" dirty="0">
               <a:solidFill>
@@ -30104,7 +30277,7 @@
                   <a:schemeClr val="dk1"/>
                 </a:solidFill>
               </a:rPr>
-              <a:t>        - and working code that will verify your results? </a:t>
+              <a:t>        - and working code that verifies your results? </a:t>
             </a:r>
           </a:p>
           <a:p>
@@ -30161,14 +30334,14 @@
           <a:lstStyle/>
           <a:p>
             <a:r>
-              <a:rPr lang="en-US" sz="1800">
+              <a:rPr lang="en-US" sz="1800" dirty="0">
                 <a:solidFill>
                   <a:schemeClr val="dk1"/>
                 </a:solidFill>
               </a:rPr>
-              <a:t>Will you be prepared to replicate you own work after you leave Northwestern?</a:t>
-            </a:r>
-            <a:endParaRPr lang="en-US">
+              <a:t>Will you be able to answer questions about your own work after you leave Northwestern?</a:t>
+            </a:r>
+            <a:endParaRPr lang="en-US" dirty="0">
               <a:solidFill>
                 <a:schemeClr val="dk1"/>
               </a:solidFill>
@@ -30206,7 +30379,7 @@
         </p:blipFill>
         <p:spPr>
           <a:xfrm>
-            <a:off x="3201090" y="4544310"/>
+            <a:off x="6401490" y="4683458"/>
             <a:ext cx="2743200" cy="1820108"/>
           </a:xfrm>
           <a:prstGeom prst="rect">
@@ -30362,6 +30535,51 @@
                       </p:childTnLst>
                     </p:cTn>
                   </p:par>
+                  <p:par>
+                    <p:cTn id="15" fill="hold">
+                      <p:stCondLst>
+                        <p:cond delay="indefinite"/>
+                      </p:stCondLst>
+                      <p:childTnLst>
+                        <p:par>
+                          <p:cTn id="16" fill="hold">
+                            <p:stCondLst>
+                              <p:cond delay="0"/>
+                            </p:stCondLst>
+                            <p:childTnLst>
+                              <p:par>
+                                <p:cTn id="17" presetID="1" presetClass="entr" presetSubtype="0" fill="hold" nodeType="clickEffect">
+                                  <p:stCondLst>
+                                    <p:cond delay="0"/>
+                                  </p:stCondLst>
+                                  <p:childTnLst>
+                                    <p:set>
+                                      <p:cBhvr>
+                                        <p:cTn id="18" dur="1" fill="hold">
+                                          <p:stCondLst>
+                                            <p:cond delay="0"/>
+                                          </p:stCondLst>
+                                        </p:cTn>
+                                        <p:tgtEl>
+                                          <p:spTgt spid="8"/>
+                                        </p:tgtEl>
+                                        <p:attrNameLst>
+                                          <p:attrName>style.visibility</p:attrName>
+                                        </p:attrNameLst>
+                                      </p:cBhvr>
+                                      <p:to>
+                                        <p:strVal val="visible"/>
+                                      </p:to>
+                                    </p:set>
+                                  </p:childTnLst>
+                                </p:cTn>
+                              </p:par>
+                            </p:childTnLst>
+                          </p:cTn>
+                        </p:par>
+                      </p:childTnLst>
+                    </p:cTn>
+                  </p:par>
                 </p:childTnLst>
               </p:cTn>
               <p:prevCondLst>
@@ -30392,7 +30610,7 @@
 </p:sld>
 </file>
 
-<file path=ppt/slides/slide7.xml><?xml version="1.0" encoding="utf-8"?>
+<file path=ppt/slides/slide6.xml><?xml version="1.0" encoding="utf-8"?>
 <p:sld xmlns:a="http://schemas.openxmlformats.org/drawingml/2006/main" xmlns:r="http://schemas.openxmlformats.org/officeDocument/2006/relationships" xmlns:p="http://schemas.openxmlformats.org/presentationml/2006/main">
   <p:cSld>
     <p:spTree>
@@ -30945,7 +31163,7 @@
 </p:sld>
 </file>
 
-<file path=ppt/slides/slide8.xml><?xml version="1.0" encoding="utf-8"?>
+<file path=ppt/slides/slide7.xml><?xml version="1.0" encoding="utf-8"?>
 <p:sld xmlns:a="http://schemas.openxmlformats.org/drawingml/2006/main" xmlns:r="http://schemas.openxmlformats.org/officeDocument/2006/relationships" xmlns:p="http://schemas.openxmlformats.org/presentationml/2006/main">
   <p:cSld>
     <p:spTree>
@@ -31343,6 +31561,273 @@
 </p:sld>
 </file>
 
+<file path=ppt/slides/slide8.xml><?xml version="1.0" encoding="utf-8"?>
+<p:sld xmlns:a="http://schemas.openxmlformats.org/drawingml/2006/main" xmlns:r="http://schemas.openxmlformats.org/officeDocument/2006/relationships" xmlns:p="http://schemas.openxmlformats.org/presentationml/2006/main">
+  <p:cSld>
+    <p:spTree>
+      <p:nvGrpSpPr>
+        <p:cNvPr id="1" name="Shape 175"/>
+        <p:cNvGrpSpPr/>
+        <p:nvPr/>
+      </p:nvGrpSpPr>
+      <p:grpSpPr>
+        <a:xfrm>
+          <a:off x="0" y="0"/>
+          <a:ext cx="0" cy="0"/>
+          <a:chOff x="0" y="0"/>
+          <a:chExt cx="0" cy="0"/>
+        </a:xfrm>
+      </p:grpSpPr>
+      <p:sp>
+        <p:nvSpPr>
+          <p:cNvPr id="176" name="Google Shape;176;p21"/>
+          <p:cNvSpPr txBox="1">
+            <a:spLocks noGrp="1"/>
+          </p:cNvSpPr>
+          <p:nvPr>
+            <p:ph type="title"/>
+          </p:nvPr>
+        </p:nvSpPr>
+        <p:spPr>
+          <a:xfrm>
+            <a:off x="457200" y="0"/>
+            <a:ext cx="8229600" cy="1143000"/>
+          </a:xfrm>
+          <a:prstGeom prst="rect">
+            <a:avLst/>
+          </a:prstGeom>
+          <a:noFill/>
+          <a:ln>
+            <a:noFill/>
+          </a:ln>
+        </p:spPr>
+        <p:txBody>
+          <a:bodyPr spcFirstLastPara="1" wrap="square" lIns="91425" tIns="45700" rIns="91425" bIns="45700" anchor="ctr" anchorCtr="0">
+            <a:noAutofit/>
+          </a:bodyPr>
+          <a:lstStyle/>
+          <a:p>
+            <a:pPr>
+              <a:buSzPts val="3200"/>
+            </a:pPr>
+            <a:r>
+              <a:rPr lang="en-US"/>
+              <a:t>Automation Opportunities</a:t>
+            </a:r>
+            <a:endParaRPr/>
+          </a:p>
+        </p:txBody>
+      </p:sp>
+      <p:sp>
+        <p:nvSpPr>
+          <p:cNvPr id="177" name="Google Shape;177;p21"/>
+          <p:cNvSpPr txBox="1">
+            <a:spLocks noGrp="1"/>
+          </p:cNvSpPr>
+          <p:nvPr>
+            <p:ph type="ftr" idx="11"/>
+          </p:nvPr>
+        </p:nvSpPr>
+        <p:spPr>
+          <a:xfrm>
+            <a:off x="4572000" y="6506896"/>
+            <a:ext cx="4114800" cy="365100"/>
+          </a:xfrm>
+          <a:prstGeom prst="rect">
+            <a:avLst/>
+          </a:prstGeom>
+          <a:noFill/>
+          <a:ln>
+            <a:noFill/>
+          </a:ln>
+        </p:spPr>
+        <p:txBody>
+          <a:bodyPr spcFirstLastPara="1" wrap="square" lIns="91425" tIns="45700" rIns="91425" bIns="45700" anchor="ctr" anchorCtr="0">
+            <a:noAutofit/>
+          </a:bodyPr>
+          <a:lstStyle/>
+          <a:p>
+            <a:pPr marL="0" lvl="0" indent="0" algn="r" rtl="0">
+              <a:lnSpc>
+                <a:spcPct val="100000"/>
+              </a:lnSpc>
+              <a:spcBef>
+                <a:spcPts val="0"/>
+              </a:spcBef>
+              <a:spcAft>
+                <a:spcPts val="0"/>
+              </a:spcAft>
+              <a:buSzPts val="1400"/>
+              <a:buNone/>
+            </a:pPr>
+            <a:r>
+              <a:rPr lang="en-US"/>
+              <a:t>Reproducibility Principles</a:t>
+            </a:r>
+            <a:endParaRPr/>
+          </a:p>
+        </p:txBody>
+      </p:sp>
+      <p:sp>
+        <p:nvSpPr>
+          <p:cNvPr id="179" name="Google Shape;179;p21"/>
+          <p:cNvSpPr txBox="1"/>
+          <p:nvPr/>
+        </p:nvSpPr>
+        <p:spPr>
+          <a:xfrm>
+            <a:off x="457200" y="5608381"/>
+            <a:ext cx="8547900" cy="460304"/>
+          </a:xfrm>
+          <a:prstGeom prst="rect">
+            <a:avLst/>
+          </a:prstGeom>
+          <a:noFill/>
+          <a:ln>
+            <a:noFill/>
+          </a:ln>
+        </p:spPr>
+        <p:txBody>
+          <a:bodyPr spcFirstLastPara="1" wrap="square" lIns="91425" tIns="45700" rIns="91425" bIns="45700" anchor="t" anchorCtr="0">
+            <a:noAutofit/>
+          </a:bodyPr>
+          <a:lstStyle/>
+          <a:p>
+            <a:pPr>
+              <a:lnSpc>
+                <a:spcPct val="115000"/>
+              </a:lnSpc>
+            </a:pPr>
+            <a:r>
+              <a:rPr lang="en-US" sz="1800" i="1">
+                <a:solidFill>
+                  <a:schemeClr val="dk1"/>
+                </a:solidFill>
+              </a:rPr>
+              <a:t>Will you or your colleague be able to do this years from now?</a:t>
+            </a:r>
+            <a:endParaRPr lang="en-US" sz="1800" b="1" i="1">
+              <a:solidFill>
+                <a:schemeClr val="dk1"/>
+              </a:solidFill>
+            </a:endParaRPr>
+          </a:p>
+          <a:p>
+            <a:pPr marR="0" indent="0" algn="l" rtl="0">
+              <a:lnSpc>
+                <a:spcPct val="100000"/>
+              </a:lnSpc>
+              <a:spcBef>
+                <a:spcPts val="0"/>
+              </a:spcBef>
+              <a:spcAft>
+                <a:spcPts val="0"/>
+              </a:spcAft>
+              <a:buSzPts val="1800"/>
+              <a:buNone/>
+            </a:pPr>
+            <a:endParaRPr sz="1800" b="0" i="0" u="none" strike="noStrike" cap="none">
+              <a:solidFill>
+                <a:srgbClr val="000000"/>
+              </a:solidFill>
+              <a:latin typeface="Arial"/>
+              <a:ea typeface="Arial"/>
+              <a:cs typeface="Arial"/>
+            </a:endParaRPr>
+          </a:p>
+          <a:p>
+            <a:pPr marR="0" indent="0" algn="l" rtl="0">
+              <a:lnSpc>
+                <a:spcPct val="100000"/>
+              </a:lnSpc>
+              <a:spcBef>
+                <a:spcPts val="0"/>
+              </a:spcBef>
+              <a:spcAft>
+                <a:spcPts val="0"/>
+              </a:spcAft>
+              <a:buClr>
+                <a:srgbClr val="000000"/>
+              </a:buClr>
+              <a:buSzPts val="1800"/>
+              <a:buFont typeface="Arial"/>
+              <a:buNone/>
+            </a:pPr>
+            <a:endParaRPr sz="1800" b="0" i="0" u="none" strike="noStrike" cap="none">
+              <a:solidFill>
+                <a:schemeClr val="dk1"/>
+              </a:solidFill>
+              <a:latin typeface="Arial"/>
+              <a:ea typeface="Arial"/>
+              <a:cs typeface="Arial"/>
+            </a:endParaRPr>
+          </a:p>
+          <a:p>
+            <a:pPr marL="0" marR="0" lvl="0" indent="0" algn="l" rtl="0">
+              <a:lnSpc>
+                <a:spcPct val="100000"/>
+              </a:lnSpc>
+              <a:spcBef>
+                <a:spcPts val="0"/>
+              </a:spcBef>
+              <a:spcAft>
+                <a:spcPts val="0"/>
+              </a:spcAft>
+              <a:buClr>
+                <a:srgbClr val="000000"/>
+              </a:buClr>
+              <a:buSzPts val="1800"/>
+              <a:buFont typeface="Arial"/>
+              <a:buNone/>
+            </a:pPr>
+            <a:endParaRPr sz="1800" b="0" i="0" u="none" strike="noStrike" cap="none">
+              <a:solidFill>
+                <a:schemeClr val="dk1"/>
+              </a:solidFill>
+              <a:latin typeface="Arial"/>
+              <a:ea typeface="Arial"/>
+              <a:cs typeface="Arial"/>
+              <a:sym typeface="Arial"/>
+            </a:endParaRPr>
+          </a:p>
+        </p:txBody>
+      </p:sp>
+      <p:pic>
+        <p:nvPicPr>
+          <p:cNvPr id="180" name="Google Shape;180;p21"/>
+          <p:cNvPicPr preferRelativeResize="0"/>
+          <p:nvPr/>
+        </p:nvPicPr>
+        <p:blipFill>
+          <a:blip r:embed="rId3">
+            <a:alphaModFix/>
+          </a:blip>
+          <a:stretch>
+            <a:fillRect/>
+          </a:stretch>
+        </p:blipFill>
+        <p:spPr>
+          <a:xfrm>
+            <a:off x="457206" y="1143000"/>
+            <a:ext cx="6843643" cy="3849549"/>
+          </a:xfrm>
+          <a:prstGeom prst="rect">
+            <a:avLst/>
+          </a:prstGeom>
+          <a:noFill/>
+          <a:ln>
+            <a:noFill/>
+          </a:ln>
+        </p:spPr>
+      </p:pic>
+    </p:spTree>
+  </p:cSld>
+  <p:clrMapOvr>
+    <a:masterClrMapping/>
+  </p:clrMapOvr>
+</p:sld>
+</file>
+
 <file path=ppt/slides/slide9.xml><?xml version="1.0" encoding="utf-8"?>
 <p:sld xmlns:a="http://schemas.openxmlformats.org/drawingml/2006/main" xmlns:r="http://schemas.openxmlformats.org/officeDocument/2006/relationships" xmlns:p="http://schemas.openxmlformats.org/presentationml/2006/main">
   <p:cSld>
@@ -31389,14 +31874,10 @@
           </a:bodyPr>
           <a:lstStyle/>
           <a:p>
-            <a:pPr>
-              <a:buSzPts val="3200"/>
-            </a:pPr>
             <a:r>
               <a:rPr lang="en-US"/>
-              <a:t>Automation Opportunities</a:t>
-            </a:r>
-            <a:endParaRPr/>
+              <a:t>Automation Opportunities For You?</a:t>
+            </a:r>
           </a:p>
         </p:txBody>
       </p:sp>
@@ -31450,163 +31931,196 @@
           </a:p>
         </p:txBody>
       </p:sp>
-      <p:sp>
-        <p:nvSpPr>
-          <p:cNvPr id="179" name="Google Shape;179;p21"/>
-          <p:cNvSpPr txBox="1"/>
-          <p:nvPr/>
-        </p:nvSpPr>
-        <p:spPr>
-          <a:xfrm>
-            <a:off x="457200" y="5608381"/>
-            <a:ext cx="8547900" cy="460304"/>
-          </a:xfrm>
-          <a:prstGeom prst="rect">
-            <a:avLst/>
-          </a:prstGeom>
-          <a:noFill/>
-          <a:ln>
-            <a:noFill/>
-          </a:ln>
-        </p:spPr>
-        <p:txBody>
-          <a:bodyPr spcFirstLastPara="1" wrap="square" lIns="91425" tIns="45700" rIns="91425" bIns="45700" anchor="t" anchorCtr="0">
-            <a:noAutofit/>
-          </a:bodyPr>
-          <a:lstStyle/>
-          <a:p>
-            <a:pPr>
-              <a:lnSpc>
-                <a:spcPct val="115000"/>
-              </a:lnSpc>
-            </a:pPr>
-            <a:r>
-              <a:rPr lang="en-US" sz="1800" i="1">
-                <a:solidFill>
-                  <a:schemeClr val="dk1"/>
-                </a:solidFill>
-              </a:rPr>
-              <a:t>Will you or your colleague be able to do this years from now?</a:t>
-            </a:r>
-            <a:endParaRPr lang="en-US" sz="1800" b="1" i="1">
-              <a:solidFill>
-                <a:schemeClr val="dk1"/>
-              </a:solidFill>
-            </a:endParaRPr>
-          </a:p>
-          <a:p>
-            <a:pPr marR="0" indent="0" algn="l" rtl="0">
-              <a:lnSpc>
-                <a:spcPct val="100000"/>
-              </a:lnSpc>
-              <a:spcBef>
-                <a:spcPts val="0"/>
-              </a:spcBef>
-              <a:spcAft>
-                <a:spcPts val="0"/>
-              </a:spcAft>
-              <a:buSzPts val="1800"/>
-              <a:buNone/>
-            </a:pPr>
-            <a:endParaRPr sz="1800" b="0" i="0" u="none" strike="noStrike" cap="none">
-              <a:solidFill>
-                <a:srgbClr val="000000"/>
-              </a:solidFill>
-              <a:latin typeface="Arial"/>
-              <a:ea typeface="Arial"/>
-              <a:cs typeface="Arial"/>
-            </a:endParaRPr>
-          </a:p>
-          <a:p>
-            <a:pPr marR="0" indent="0" algn="l" rtl="0">
-              <a:lnSpc>
-                <a:spcPct val="100000"/>
-              </a:lnSpc>
-              <a:spcBef>
-                <a:spcPts val="0"/>
-              </a:spcBef>
-              <a:spcAft>
-                <a:spcPts val="0"/>
-              </a:spcAft>
-              <a:buClr>
-                <a:srgbClr val="000000"/>
-              </a:buClr>
-              <a:buSzPts val="1800"/>
-              <a:buFont typeface="Arial"/>
-              <a:buNone/>
-            </a:pPr>
-            <a:endParaRPr sz="1800" b="0" i="0" u="none" strike="noStrike" cap="none">
-              <a:solidFill>
-                <a:schemeClr val="dk1"/>
-              </a:solidFill>
-              <a:latin typeface="Arial"/>
-              <a:ea typeface="Arial"/>
-              <a:cs typeface="Arial"/>
-            </a:endParaRPr>
-          </a:p>
-          <a:p>
-            <a:pPr marL="0" marR="0" lvl="0" indent="0" algn="l" rtl="0">
-              <a:lnSpc>
-                <a:spcPct val="100000"/>
-              </a:lnSpc>
-              <a:spcBef>
-                <a:spcPts val="0"/>
-              </a:spcBef>
-              <a:spcAft>
-                <a:spcPts val="0"/>
-              </a:spcAft>
-              <a:buClr>
-                <a:srgbClr val="000000"/>
-              </a:buClr>
-              <a:buSzPts val="1800"/>
-              <a:buFont typeface="Arial"/>
-              <a:buNone/>
-            </a:pPr>
-            <a:endParaRPr sz="1800" b="0" i="0" u="none" strike="noStrike" cap="none">
-              <a:solidFill>
-                <a:schemeClr val="dk1"/>
-              </a:solidFill>
-              <a:latin typeface="Arial"/>
-              <a:ea typeface="Arial"/>
-              <a:cs typeface="Arial"/>
-              <a:sym typeface="Arial"/>
-            </a:endParaRPr>
-          </a:p>
-        </p:txBody>
-      </p:sp>
       <p:pic>
         <p:nvPicPr>
-          <p:cNvPr id="180" name="Google Shape;180;p21"/>
-          <p:cNvPicPr preferRelativeResize="0"/>
+          <p:cNvPr id="4" name="Picture 4" descr="Graphical user interface, application&#10;&#10;Description automatically generated">
+            <a:extLst>
+              <a:ext uri="{FF2B5EF4-FFF2-40B4-BE49-F238E27FC236}">
+                <a16:creationId xmlns:a16="http://schemas.microsoft.com/office/drawing/2014/main" id="{3DC87846-D2C9-27E3-BCF5-F54BA0E4016D}"/>
+              </a:ext>
+            </a:extLst>
+          </p:cNvPr>
+          <p:cNvPicPr>
+            <a:picLocks noChangeAspect="1"/>
+          </p:cNvPicPr>
           <p:nvPr/>
         </p:nvPicPr>
         <p:blipFill>
-          <a:blip r:embed="rId3">
-            <a:alphaModFix/>
-          </a:blip>
+          <a:blip r:embed="rId3"/>
           <a:stretch>
             <a:fillRect/>
           </a:stretch>
         </p:blipFill>
         <p:spPr>
           <a:xfrm>
-            <a:off x="457206" y="1143000"/>
-            <a:ext cx="6843643" cy="3849549"/>
+            <a:off x="4620036" y="1519050"/>
+            <a:ext cx="4453581" cy="1533158"/>
           </a:xfrm>
           <a:prstGeom prst="rect">
             <a:avLst/>
           </a:prstGeom>
-          <a:noFill/>
           <a:ln>
-            <a:noFill/>
+            <a:solidFill>
+              <a:schemeClr val="tx1"/>
+            </a:solidFill>
+          </a:ln>
+        </p:spPr>
+      </p:pic>
+      <p:pic>
+        <p:nvPicPr>
+          <p:cNvPr id="5" name="Picture 5" descr="Graphical user interface, application&#10;&#10;Description automatically generated">
+            <a:extLst>
+              <a:ext uri="{FF2B5EF4-FFF2-40B4-BE49-F238E27FC236}">
+                <a16:creationId xmlns:a16="http://schemas.microsoft.com/office/drawing/2014/main" id="{74EB437C-D31C-B442-1FB8-A6B4E1F09824}"/>
+              </a:ext>
+            </a:extLst>
+          </p:cNvPr>
+          <p:cNvPicPr>
+            <a:picLocks noChangeAspect="1"/>
+          </p:cNvPicPr>
+          <p:nvPr/>
+        </p:nvPicPr>
+        <p:blipFill>
+          <a:blip r:embed="rId4"/>
+          <a:stretch>
+            <a:fillRect/>
+          </a:stretch>
+        </p:blipFill>
+        <p:spPr>
+          <a:xfrm>
+            <a:off x="205646" y="1146597"/>
+            <a:ext cx="4234355" cy="2975254"/>
+          </a:xfrm>
+          <a:prstGeom prst="rect">
+            <a:avLst/>
+          </a:prstGeom>
+          <a:ln>
+            <a:solidFill>
+              <a:schemeClr val="tx1"/>
+            </a:solidFill>
+          </a:ln>
+        </p:spPr>
+      </p:pic>
+      <p:pic>
+        <p:nvPicPr>
+          <p:cNvPr id="6" name="Picture 6" descr="Graphical user interface, text, application, email&#10;&#10;Description automatically generated">
+            <a:extLst>
+              <a:ext uri="{FF2B5EF4-FFF2-40B4-BE49-F238E27FC236}">
+                <a16:creationId xmlns:a16="http://schemas.microsoft.com/office/drawing/2014/main" id="{19B7845B-0C43-CEC9-8729-8CA6E51BFD48}"/>
+              </a:ext>
+            </a:extLst>
+          </p:cNvPr>
+          <p:cNvPicPr>
+            <a:picLocks noChangeAspect="1"/>
+          </p:cNvPicPr>
+          <p:nvPr/>
+        </p:nvPicPr>
+        <p:blipFill>
+          <a:blip r:embed="rId5"/>
+          <a:stretch>
+            <a:fillRect/>
+          </a:stretch>
+        </p:blipFill>
+        <p:spPr>
+          <a:xfrm>
+            <a:off x="4560915" y="3647667"/>
+            <a:ext cx="4457468" cy="2293318"/>
+          </a:xfrm>
+          <a:prstGeom prst="rect">
+            <a:avLst/>
+          </a:prstGeom>
+          <a:ln>
+            <a:solidFill>
+              <a:schemeClr val="tx1"/>
+            </a:solidFill>
           </a:ln>
         </p:spPr>
       </p:pic>
     </p:spTree>
+    <p:extLst>
+      <p:ext uri="{BB962C8B-B14F-4D97-AF65-F5344CB8AC3E}">
+        <p14:creationId xmlns:p14="http://schemas.microsoft.com/office/powerpoint/2010/main" val="3050248158"/>
+      </p:ext>
+    </p:extLst>
   </p:cSld>
   <p:clrMapOvr>
     <a:masterClrMapping/>
   </p:clrMapOvr>
+  <p:timing>
+    <p:tnLst>
+      <p:par>
+        <p:cTn id="1" dur="indefinite" restart="never" nodeType="tmRoot">
+          <p:childTnLst>
+            <p:seq concurrent="1" nextAc="seek">
+              <p:cTn id="2" dur="indefinite" nodeType="mainSeq">
+                <p:childTnLst>
+                  <p:par>
+                    <p:cTn id="3" fill="hold">
+                      <p:stCondLst>
+                        <p:cond delay="indefinite"/>
+                      </p:stCondLst>
+                      <p:childTnLst>
+                        <p:par>
+                          <p:cTn id="4" fill="hold">
+                            <p:stCondLst>
+                              <p:cond delay="0"/>
+                            </p:stCondLst>
+                            <p:childTnLst>
+                              <p:par>
+                                <p:cTn id="5" presetID="1" presetClass="entr" presetSubtype="0" fill="hold" nodeType="clickEffect">
+                                  <p:stCondLst>
+                                    <p:cond delay="0"/>
+                                  </p:stCondLst>
+                                  <p:childTnLst>
+                                    <p:set>
+                                      <p:cBhvr>
+                                        <p:cTn id="6" dur="1" fill="hold">
+                                          <p:stCondLst>
+                                            <p:cond delay="0"/>
+                                          </p:stCondLst>
+                                        </p:cTn>
+                                        <p:tgtEl>
+                                          <p:spTgt spid="5"/>
+                                        </p:tgtEl>
+                                        <p:attrNameLst>
+                                          <p:attrName>style.visibility</p:attrName>
+                                        </p:attrNameLst>
+                                      </p:cBhvr>
+                                      <p:to>
+                                        <p:strVal val="visible"/>
+                                      </p:to>
+                                    </p:set>
+                                  </p:childTnLst>
+                                </p:cTn>
+                              </p:par>
+                            </p:childTnLst>
+                          </p:cTn>
+                        </p:par>
+                      </p:childTnLst>
+                    </p:cTn>
+                  </p:par>
+                </p:childTnLst>
+              </p:cTn>
+              <p:prevCondLst>
+                <p:cond evt="onPrev" delay="0">
+                  <p:tgtEl>
+                    <p:sldTgt/>
+                  </p:tgtEl>
+                </p:cond>
+              </p:prevCondLst>
+              <p:nextCondLst>
+                <p:cond evt="onNext" delay="0">
+                  <p:tgtEl>
+                    <p:sldTgt/>
+                  </p:tgtEl>
+                </p:cond>
+              </p:nextCondLst>
+            </p:seq>
+          </p:childTnLst>
+        </p:cTn>
+      </p:par>
+    </p:tnLst>
+  </p:timing>
 </p:sld>
 </file>
 
